--- a/Explanation.pptx
+++ b/Explanation.pptx
@@ -9,21 +9,23 @@
     <p:sldId id="257" r:id="rId3"/>
     <p:sldId id="258" r:id="rId4"/>
     <p:sldId id="259" r:id="rId5"/>
-    <p:sldId id="260" r:id="rId6"/>
-    <p:sldId id="261" r:id="rId7"/>
-    <p:sldId id="262" r:id="rId8"/>
-    <p:sldId id="263" r:id="rId9"/>
-    <p:sldId id="264" r:id="rId10"/>
-    <p:sldId id="265" r:id="rId11"/>
-    <p:sldId id="266" r:id="rId12"/>
-    <p:sldId id="267" r:id="rId13"/>
-    <p:sldId id="268" r:id="rId14"/>
-    <p:sldId id="269" r:id="rId15"/>
-    <p:sldId id="270" r:id="rId16"/>
-    <p:sldId id="271" r:id="rId17"/>
-    <p:sldId id="272" r:id="rId18"/>
-    <p:sldId id="273" r:id="rId19"/>
-    <p:sldId id="274" r:id="rId20"/>
+    <p:sldId id="275" r:id="rId6"/>
+    <p:sldId id="260" r:id="rId7"/>
+    <p:sldId id="276" r:id="rId8"/>
+    <p:sldId id="261" r:id="rId9"/>
+    <p:sldId id="262" r:id="rId10"/>
+    <p:sldId id="263" r:id="rId11"/>
+    <p:sldId id="264" r:id="rId12"/>
+    <p:sldId id="265" r:id="rId13"/>
+    <p:sldId id="266" r:id="rId14"/>
+    <p:sldId id="267" r:id="rId15"/>
+    <p:sldId id="268" r:id="rId16"/>
+    <p:sldId id="269" r:id="rId17"/>
+    <p:sldId id="270" r:id="rId18"/>
+    <p:sldId id="271" r:id="rId19"/>
+    <p:sldId id="272" r:id="rId20"/>
+    <p:sldId id="273" r:id="rId21"/>
+    <p:sldId id="274" r:id="rId22"/>
   </p:sldIdLst>
   <p:sldSz cx="9144000" cy="6858000" type="screen4x3"/>
   <p:notesSz cx="6858000" cy="9144000"/>
@@ -122,6 +124,11 @@
       </a:defRPr>
     </a:lvl9pPr>
   </p:defaultTextStyle>
+  <p:extLst>
+    <p:ext uri="{EFAFB233-063F-42B5-8137-9DF3F51BA10A}">
+      <p15:sldGuideLst xmlns:p15="http://schemas.microsoft.com/office/powerpoint/2012/main"/>
+    </p:ext>
+  </p:extLst>
 </p:presentation>
 </file>
 
@@ -3075,6 +3082,1372 @@
           <a:p>
             <a:r>
               <a:rPr lang="ru-RU" dirty="0"/>
+              <a:t>Анализ решения</a:t>
+            </a:r>
+          </a:p>
+        </p:txBody>
+      </p:sp>
+      <p:sp>
+        <p:nvSpPr>
+          <p:cNvPr id="3" name="Объект 2"/>
+          <p:cNvSpPr>
+            <a:spLocks noGrp="1"/>
+          </p:cNvSpPr>
+          <p:nvPr>
+            <p:ph idx="1"/>
+          </p:nvPr>
+        </p:nvSpPr>
+        <p:spPr/>
+        <p:txBody>
+          <a:bodyPr/>
+          <a:lstStyle/>
+          <a:p>
+            <a:r>
+              <a:rPr lang="ru-RU" dirty="0"/>
+              <a:t>Код стал понятнее</a:t>
+            </a:r>
+          </a:p>
+          <a:p>
+            <a:pPr lvl="1"/>
+            <a:r>
+              <a:rPr lang="ru-RU" dirty="0"/>
+              <a:t>Вместо </a:t>
+            </a:r>
+            <a:r>
+              <a:rPr lang="en-US" dirty="0" smtClean="0"/>
+              <a:t>IF-THEN-ELSE</a:t>
+            </a:r>
+            <a:r>
+              <a:rPr lang="ru-RU" dirty="0" smtClean="0"/>
+              <a:t> </a:t>
+            </a:r>
+            <a:r>
+              <a:rPr lang="ru-RU" dirty="0"/>
+              <a:t>– понятное имя процедуры</a:t>
+            </a:r>
+          </a:p>
+          <a:p>
+            <a:pPr lvl="1"/>
+            <a:r>
+              <a:rPr lang="ru-RU" dirty="0"/>
+              <a:t>Понятность сохранится при усложнении условий</a:t>
+            </a:r>
+          </a:p>
+          <a:p>
+            <a:r>
+              <a:rPr lang="ru-RU" dirty="0"/>
+              <a:t>Что пока не нравится?</a:t>
+            </a:r>
+          </a:p>
+          <a:p>
+            <a:pPr lvl="1"/>
+            <a:r>
+              <a:rPr lang="ru-RU" dirty="0"/>
+              <a:t>Дробь </a:t>
+            </a:r>
+            <a:r>
+              <a:rPr lang="ru-RU" dirty="0" smtClean="0"/>
+              <a:t>в ряде случаев выводится не по </a:t>
+            </a:r>
+            <a:r>
+              <a:rPr lang="ru-RU" dirty="0"/>
+              <a:t>заданию</a:t>
+            </a:r>
+          </a:p>
+          <a:p>
+            <a:pPr lvl="2"/>
+            <a:r>
+              <a:rPr lang="en-US" dirty="0"/>
+              <a:t>3/1 =&gt; 3 0/1</a:t>
+            </a:r>
+            <a:r>
+              <a:rPr lang="ru-RU" dirty="0"/>
+              <a:t> вместо 3</a:t>
+            </a:r>
+            <a:endParaRPr lang="en-US" dirty="0"/>
+          </a:p>
+          <a:p>
+            <a:pPr lvl="2"/>
+            <a:r>
+              <a:rPr lang="en-US" dirty="0"/>
+              <a:t>10/6 =&gt; 1 4/6</a:t>
+            </a:r>
+            <a:r>
+              <a:rPr lang="ru-RU" dirty="0"/>
+              <a:t> вместо 1 2/3</a:t>
+            </a:r>
+          </a:p>
+          <a:p>
+            <a:pPr lvl="1"/>
+            <a:r>
+              <a:rPr lang="ru-RU" dirty="0"/>
+              <a:t>Не обрабатываются ошибки ввода</a:t>
+            </a:r>
+          </a:p>
+          <a:p>
+            <a:pPr lvl="1"/>
+            <a:r>
+              <a:rPr lang="ru-RU" dirty="0"/>
+              <a:t>Используются глобальные переменные</a:t>
+            </a:r>
+          </a:p>
+        </p:txBody>
+      </p:sp>
+    </p:spTree>
+    <p:extLst>
+      <p:ext uri="{BB962C8B-B14F-4D97-AF65-F5344CB8AC3E}">
+        <p14:creationId xmlns:p14="http://schemas.microsoft.com/office/powerpoint/2010/main" val="1597628770"/>
+      </p:ext>
+    </p:extLst>
+  </p:cSld>
+  <p:clrMapOvr>
+    <a:masterClrMapping/>
+  </p:clrMapOvr>
+  <p:timing>
+    <p:tnLst>
+      <p:par>
+        <p:cTn id="1" dur="indefinite" restart="never" nodeType="tmRoot">
+          <p:childTnLst>
+            <p:seq concurrent="1" nextAc="seek">
+              <p:cTn id="2" dur="indefinite" nodeType="mainSeq">
+                <p:childTnLst>
+                  <p:par>
+                    <p:cTn id="3" fill="hold">
+                      <p:stCondLst>
+                        <p:cond delay="indefinite"/>
+                      </p:stCondLst>
+                      <p:childTnLst>
+                        <p:par>
+                          <p:cTn id="4" fill="hold">
+                            <p:stCondLst>
+                              <p:cond delay="0"/>
+                            </p:stCondLst>
+                            <p:childTnLst>
+                              <p:par>
+                                <p:cTn id="5" presetID="10" presetClass="entr" presetSubtype="0" fill="hold" nodeType="clickEffect">
+                                  <p:stCondLst>
+                                    <p:cond delay="0"/>
+                                  </p:stCondLst>
+                                  <p:childTnLst>
+                                    <p:set>
+                                      <p:cBhvr>
+                                        <p:cTn id="6" dur="1" fill="hold">
+                                          <p:stCondLst>
+                                            <p:cond delay="0"/>
+                                          </p:stCondLst>
+                                        </p:cTn>
+                                        <p:tgtEl>
+                                          <p:spTgt spid="3">
+                                            <p:txEl>
+                                              <p:pRg st="0" end="0"/>
+                                            </p:txEl>
+                                          </p:spTgt>
+                                        </p:tgtEl>
+                                        <p:attrNameLst>
+                                          <p:attrName>style.visibility</p:attrName>
+                                        </p:attrNameLst>
+                                      </p:cBhvr>
+                                      <p:to>
+                                        <p:strVal val="visible"/>
+                                      </p:to>
+                                    </p:set>
+                                    <p:animEffect transition="in" filter="fade">
+                                      <p:cBhvr>
+                                        <p:cTn id="7" dur="500"/>
+                                        <p:tgtEl>
+                                          <p:spTgt spid="3">
+                                            <p:txEl>
+                                              <p:pRg st="0" end="0"/>
+                                            </p:txEl>
+                                          </p:spTgt>
+                                        </p:tgtEl>
+                                      </p:cBhvr>
+                                    </p:animEffect>
+                                  </p:childTnLst>
+                                </p:cTn>
+                              </p:par>
+                            </p:childTnLst>
+                          </p:cTn>
+                        </p:par>
+                      </p:childTnLst>
+                    </p:cTn>
+                  </p:par>
+                  <p:par>
+                    <p:cTn id="8" fill="hold">
+                      <p:stCondLst>
+                        <p:cond delay="indefinite"/>
+                      </p:stCondLst>
+                      <p:childTnLst>
+                        <p:par>
+                          <p:cTn id="9" fill="hold">
+                            <p:stCondLst>
+                              <p:cond delay="0"/>
+                            </p:stCondLst>
+                            <p:childTnLst>
+                              <p:par>
+                                <p:cTn id="10" presetID="10" presetClass="entr" presetSubtype="0" fill="hold" nodeType="clickEffect">
+                                  <p:stCondLst>
+                                    <p:cond delay="0"/>
+                                  </p:stCondLst>
+                                  <p:childTnLst>
+                                    <p:set>
+                                      <p:cBhvr>
+                                        <p:cTn id="11" dur="1" fill="hold">
+                                          <p:stCondLst>
+                                            <p:cond delay="0"/>
+                                          </p:stCondLst>
+                                        </p:cTn>
+                                        <p:tgtEl>
+                                          <p:spTgt spid="3">
+                                            <p:txEl>
+                                              <p:pRg st="1" end="1"/>
+                                            </p:txEl>
+                                          </p:spTgt>
+                                        </p:tgtEl>
+                                        <p:attrNameLst>
+                                          <p:attrName>style.visibility</p:attrName>
+                                        </p:attrNameLst>
+                                      </p:cBhvr>
+                                      <p:to>
+                                        <p:strVal val="visible"/>
+                                      </p:to>
+                                    </p:set>
+                                    <p:animEffect transition="in" filter="fade">
+                                      <p:cBhvr>
+                                        <p:cTn id="12" dur="500"/>
+                                        <p:tgtEl>
+                                          <p:spTgt spid="3">
+                                            <p:txEl>
+                                              <p:pRg st="1" end="1"/>
+                                            </p:txEl>
+                                          </p:spTgt>
+                                        </p:tgtEl>
+                                      </p:cBhvr>
+                                    </p:animEffect>
+                                  </p:childTnLst>
+                                </p:cTn>
+                              </p:par>
+                            </p:childTnLst>
+                          </p:cTn>
+                        </p:par>
+                      </p:childTnLst>
+                    </p:cTn>
+                  </p:par>
+                  <p:par>
+                    <p:cTn id="13" fill="hold">
+                      <p:stCondLst>
+                        <p:cond delay="indefinite"/>
+                      </p:stCondLst>
+                      <p:childTnLst>
+                        <p:par>
+                          <p:cTn id="14" fill="hold">
+                            <p:stCondLst>
+                              <p:cond delay="0"/>
+                            </p:stCondLst>
+                            <p:childTnLst>
+                              <p:par>
+                                <p:cTn id="15" presetID="10" presetClass="entr" presetSubtype="0" fill="hold" nodeType="clickEffect">
+                                  <p:stCondLst>
+                                    <p:cond delay="0"/>
+                                  </p:stCondLst>
+                                  <p:childTnLst>
+                                    <p:set>
+                                      <p:cBhvr>
+                                        <p:cTn id="16" dur="1" fill="hold">
+                                          <p:stCondLst>
+                                            <p:cond delay="0"/>
+                                          </p:stCondLst>
+                                        </p:cTn>
+                                        <p:tgtEl>
+                                          <p:spTgt spid="3">
+                                            <p:txEl>
+                                              <p:pRg st="2" end="2"/>
+                                            </p:txEl>
+                                          </p:spTgt>
+                                        </p:tgtEl>
+                                        <p:attrNameLst>
+                                          <p:attrName>style.visibility</p:attrName>
+                                        </p:attrNameLst>
+                                      </p:cBhvr>
+                                      <p:to>
+                                        <p:strVal val="visible"/>
+                                      </p:to>
+                                    </p:set>
+                                    <p:animEffect transition="in" filter="fade">
+                                      <p:cBhvr>
+                                        <p:cTn id="17" dur="500"/>
+                                        <p:tgtEl>
+                                          <p:spTgt spid="3">
+                                            <p:txEl>
+                                              <p:pRg st="2" end="2"/>
+                                            </p:txEl>
+                                          </p:spTgt>
+                                        </p:tgtEl>
+                                      </p:cBhvr>
+                                    </p:animEffect>
+                                  </p:childTnLst>
+                                </p:cTn>
+                              </p:par>
+                            </p:childTnLst>
+                          </p:cTn>
+                        </p:par>
+                      </p:childTnLst>
+                    </p:cTn>
+                  </p:par>
+                  <p:par>
+                    <p:cTn id="18" fill="hold">
+                      <p:stCondLst>
+                        <p:cond delay="indefinite"/>
+                      </p:stCondLst>
+                      <p:childTnLst>
+                        <p:par>
+                          <p:cTn id="19" fill="hold">
+                            <p:stCondLst>
+                              <p:cond delay="0"/>
+                            </p:stCondLst>
+                            <p:childTnLst>
+                              <p:par>
+                                <p:cTn id="20" presetID="10" presetClass="entr" presetSubtype="0" fill="hold" nodeType="clickEffect">
+                                  <p:stCondLst>
+                                    <p:cond delay="0"/>
+                                  </p:stCondLst>
+                                  <p:childTnLst>
+                                    <p:set>
+                                      <p:cBhvr>
+                                        <p:cTn id="21" dur="1" fill="hold">
+                                          <p:stCondLst>
+                                            <p:cond delay="0"/>
+                                          </p:stCondLst>
+                                        </p:cTn>
+                                        <p:tgtEl>
+                                          <p:spTgt spid="3">
+                                            <p:txEl>
+                                              <p:pRg st="3" end="3"/>
+                                            </p:txEl>
+                                          </p:spTgt>
+                                        </p:tgtEl>
+                                        <p:attrNameLst>
+                                          <p:attrName>style.visibility</p:attrName>
+                                        </p:attrNameLst>
+                                      </p:cBhvr>
+                                      <p:to>
+                                        <p:strVal val="visible"/>
+                                      </p:to>
+                                    </p:set>
+                                    <p:animEffect transition="in" filter="fade">
+                                      <p:cBhvr>
+                                        <p:cTn id="22" dur="500"/>
+                                        <p:tgtEl>
+                                          <p:spTgt spid="3">
+                                            <p:txEl>
+                                              <p:pRg st="3" end="3"/>
+                                            </p:txEl>
+                                          </p:spTgt>
+                                        </p:tgtEl>
+                                      </p:cBhvr>
+                                    </p:animEffect>
+                                  </p:childTnLst>
+                                </p:cTn>
+                              </p:par>
+                            </p:childTnLst>
+                          </p:cTn>
+                        </p:par>
+                      </p:childTnLst>
+                    </p:cTn>
+                  </p:par>
+                  <p:par>
+                    <p:cTn id="23" fill="hold">
+                      <p:stCondLst>
+                        <p:cond delay="indefinite"/>
+                      </p:stCondLst>
+                      <p:childTnLst>
+                        <p:par>
+                          <p:cTn id="24" fill="hold">
+                            <p:stCondLst>
+                              <p:cond delay="0"/>
+                            </p:stCondLst>
+                            <p:childTnLst>
+                              <p:par>
+                                <p:cTn id="25" presetID="10" presetClass="entr" presetSubtype="0" fill="hold" nodeType="clickEffect">
+                                  <p:stCondLst>
+                                    <p:cond delay="0"/>
+                                  </p:stCondLst>
+                                  <p:childTnLst>
+                                    <p:set>
+                                      <p:cBhvr>
+                                        <p:cTn id="26" dur="1" fill="hold">
+                                          <p:stCondLst>
+                                            <p:cond delay="0"/>
+                                          </p:stCondLst>
+                                        </p:cTn>
+                                        <p:tgtEl>
+                                          <p:spTgt spid="3">
+                                            <p:txEl>
+                                              <p:pRg st="4" end="4"/>
+                                            </p:txEl>
+                                          </p:spTgt>
+                                        </p:tgtEl>
+                                        <p:attrNameLst>
+                                          <p:attrName>style.visibility</p:attrName>
+                                        </p:attrNameLst>
+                                      </p:cBhvr>
+                                      <p:to>
+                                        <p:strVal val="visible"/>
+                                      </p:to>
+                                    </p:set>
+                                    <p:animEffect transition="in" filter="fade">
+                                      <p:cBhvr>
+                                        <p:cTn id="27" dur="500"/>
+                                        <p:tgtEl>
+                                          <p:spTgt spid="3">
+                                            <p:txEl>
+                                              <p:pRg st="4" end="4"/>
+                                            </p:txEl>
+                                          </p:spTgt>
+                                        </p:tgtEl>
+                                      </p:cBhvr>
+                                    </p:animEffect>
+                                  </p:childTnLst>
+                                </p:cTn>
+                              </p:par>
+                              <p:par>
+                                <p:cTn id="28" presetID="10" presetClass="entr" presetSubtype="0" fill="hold" nodeType="withEffect">
+                                  <p:stCondLst>
+                                    <p:cond delay="0"/>
+                                  </p:stCondLst>
+                                  <p:childTnLst>
+                                    <p:set>
+                                      <p:cBhvr>
+                                        <p:cTn id="29" dur="1" fill="hold">
+                                          <p:stCondLst>
+                                            <p:cond delay="0"/>
+                                          </p:stCondLst>
+                                        </p:cTn>
+                                        <p:tgtEl>
+                                          <p:spTgt spid="3">
+                                            <p:txEl>
+                                              <p:pRg st="5" end="5"/>
+                                            </p:txEl>
+                                          </p:spTgt>
+                                        </p:tgtEl>
+                                        <p:attrNameLst>
+                                          <p:attrName>style.visibility</p:attrName>
+                                        </p:attrNameLst>
+                                      </p:cBhvr>
+                                      <p:to>
+                                        <p:strVal val="visible"/>
+                                      </p:to>
+                                    </p:set>
+                                    <p:animEffect transition="in" filter="fade">
+                                      <p:cBhvr>
+                                        <p:cTn id="30" dur="500"/>
+                                        <p:tgtEl>
+                                          <p:spTgt spid="3">
+                                            <p:txEl>
+                                              <p:pRg st="5" end="5"/>
+                                            </p:txEl>
+                                          </p:spTgt>
+                                        </p:tgtEl>
+                                      </p:cBhvr>
+                                    </p:animEffect>
+                                  </p:childTnLst>
+                                </p:cTn>
+                              </p:par>
+                              <p:par>
+                                <p:cTn id="31" presetID="10" presetClass="entr" presetSubtype="0" fill="hold" nodeType="withEffect">
+                                  <p:stCondLst>
+                                    <p:cond delay="0"/>
+                                  </p:stCondLst>
+                                  <p:childTnLst>
+                                    <p:set>
+                                      <p:cBhvr>
+                                        <p:cTn id="32" dur="1" fill="hold">
+                                          <p:stCondLst>
+                                            <p:cond delay="0"/>
+                                          </p:stCondLst>
+                                        </p:cTn>
+                                        <p:tgtEl>
+                                          <p:spTgt spid="3">
+                                            <p:txEl>
+                                              <p:pRg st="6" end="6"/>
+                                            </p:txEl>
+                                          </p:spTgt>
+                                        </p:tgtEl>
+                                        <p:attrNameLst>
+                                          <p:attrName>style.visibility</p:attrName>
+                                        </p:attrNameLst>
+                                      </p:cBhvr>
+                                      <p:to>
+                                        <p:strVal val="visible"/>
+                                      </p:to>
+                                    </p:set>
+                                    <p:animEffect transition="in" filter="fade">
+                                      <p:cBhvr>
+                                        <p:cTn id="33" dur="500"/>
+                                        <p:tgtEl>
+                                          <p:spTgt spid="3">
+                                            <p:txEl>
+                                              <p:pRg st="6" end="6"/>
+                                            </p:txEl>
+                                          </p:spTgt>
+                                        </p:tgtEl>
+                                      </p:cBhvr>
+                                    </p:animEffect>
+                                  </p:childTnLst>
+                                </p:cTn>
+                              </p:par>
+                            </p:childTnLst>
+                          </p:cTn>
+                        </p:par>
+                      </p:childTnLst>
+                    </p:cTn>
+                  </p:par>
+                  <p:par>
+                    <p:cTn id="34" fill="hold">
+                      <p:stCondLst>
+                        <p:cond delay="indefinite"/>
+                      </p:stCondLst>
+                      <p:childTnLst>
+                        <p:par>
+                          <p:cTn id="35" fill="hold">
+                            <p:stCondLst>
+                              <p:cond delay="0"/>
+                            </p:stCondLst>
+                            <p:childTnLst>
+                              <p:par>
+                                <p:cTn id="36" presetID="10" presetClass="entr" presetSubtype="0" fill="hold" nodeType="clickEffect">
+                                  <p:stCondLst>
+                                    <p:cond delay="0"/>
+                                  </p:stCondLst>
+                                  <p:childTnLst>
+                                    <p:set>
+                                      <p:cBhvr>
+                                        <p:cTn id="37" dur="1" fill="hold">
+                                          <p:stCondLst>
+                                            <p:cond delay="0"/>
+                                          </p:stCondLst>
+                                        </p:cTn>
+                                        <p:tgtEl>
+                                          <p:spTgt spid="3">
+                                            <p:txEl>
+                                              <p:pRg st="7" end="7"/>
+                                            </p:txEl>
+                                          </p:spTgt>
+                                        </p:tgtEl>
+                                        <p:attrNameLst>
+                                          <p:attrName>style.visibility</p:attrName>
+                                        </p:attrNameLst>
+                                      </p:cBhvr>
+                                      <p:to>
+                                        <p:strVal val="visible"/>
+                                      </p:to>
+                                    </p:set>
+                                    <p:animEffect transition="in" filter="fade">
+                                      <p:cBhvr>
+                                        <p:cTn id="38" dur="500"/>
+                                        <p:tgtEl>
+                                          <p:spTgt spid="3">
+                                            <p:txEl>
+                                              <p:pRg st="7" end="7"/>
+                                            </p:txEl>
+                                          </p:spTgt>
+                                        </p:tgtEl>
+                                      </p:cBhvr>
+                                    </p:animEffect>
+                                  </p:childTnLst>
+                                </p:cTn>
+                              </p:par>
+                            </p:childTnLst>
+                          </p:cTn>
+                        </p:par>
+                      </p:childTnLst>
+                    </p:cTn>
+                  </p:par>
+                  <p:par>
+                    <p:cTn id="39" fill="hold">
+                      <p:stCondLst>
+                        <p:cond delay="indefinite"/>
+                      </p:stCondLst>
+                      <p:childTnLst>
+                        <p:par>
+                          <p:cTn id="40" fill="hold">
+                            <p:stCondLst>
+                              <p:cond delay="0"/>
+                            </p:stCondLst>
+                            <p:childTnLst>
+                              <p:par>
+                                <p:cTn id="41" presetID="10" presetClass="entr" presetSubtype="0" fill="hold" nodeType="clickEffect">
+                                  <p:stCondLst>
+                                    <p:cond delay="0"/>
+                                  </p:stCondLst>
+                                  <p:childTnLst>
+                                    <p:set>
+                                      <p:cBhvr>
+                                        <p:cTn id="42" dur="1" fill="hold">
+                                          <p:stCondLst>
+                                            <p:cond delay="0"/>
+                                          </p:stCondLst>
+                                        </p:cTn>
+                                        <p:tgtEl>
+                                          <p:spTgt spid="3">
+                                            <p:txEl>
+                                              <p:pRg st="8" end="8"/>
+                                            </p:txEl>
+                                          </p:spTgt>
+                                        </p:tgtEl>
+                                        <p:attrNameLst>
+                                          <p:attrName>style.visibility</p:attrName>
+                                        </p:attrNameLst>
+                                      </p:cBhvr>
+                                      <p:to>
+                                        <p:strVal val="visible"/>
+                                      </p:to>
+                                    </p:set>
+                                    <p:animEffect transition="in" filter="fade">
+                                      <p:cBhvr>
+                                        <p:cTn id="43" dur="500"/>
+                                        <p:tgtEl>
+                                          <p:spTgt spid="3">
+                                            <p:txEl>
+                                              <p:pRg st="8" end="8"/>
+                                            </p:txEl>
+                                          </p:spTgt>
+                                        </p:tgtEl>
+                                      </p:cBhvr>
+                                    </p:animEffect>
+                                  </p:childTnLst>
+                                </p:cTn>
+                              </p:par>
+                            </p:childTnLst>
+                          </p:cTn>
+                        </p:par>
+                      </p:childTnLst>
+                    </p:cTn>
+                  </p:par>
+                </p:childTnLst>
+              </p:cTn>
+              <p:prevCondLst>
+                <p:cond evt="onPrev" delay="0">
+                  <p:tgtEl>
+                    <p:sldTgt/>
+                  </p:tgtEl>
+                </p:cond>
+              </p:prevCondLst>
+              <p:nextCondLst>
+                <p:cond evt="onNext" delay="0">
+                  <p:tgtEl>
+                    <p:sldTgt/>
+                  </p:tgtEl>
+                </p:cond>
+              </p:nextCondLst>
+            </p:seq>
+          </p:childTnLst>
+        </p:cTn>
+      </p:par>
+    </p:tnLst>
+  </p:timing>
+</p:sld>
+</file>
+
+<file path=ppt/slides/slide11.xml><?xml version="1.0" encoding="utf-8"?>
+<p:sld xmlns:a="http://schemas.openxmlformats.org/drawingml/2006/main" xmlns:r="http://schemas.openxmlformats.org/officeDocument/2006/relationships" xmlns:p="http://schemas.openxmlformats.org/presentationml/2006/main">
+  <p:cSld>
+    <p:spTree>
+      <p:nvGrpSpPr>
+        <p:cNvPr id="1" name=""/>
+        <p:cNvGrpSpPr/>
+        <p:nvPr/>
+      </p:nvGrpSpPr>
+      <p:grpSpPr>
+        <a:xfrm>
+          <a:off x="0" y="0"/>
+          <a:ext cx="0" cy="0"/>
+          <a:chOff x="0" y="0"/>
+          <a:chExt cx="0" cy="0"/>
+        </a:xfrm>
+      </p:grpSpPr>
+      <p:sp>
+        <p:nvSpPr>
+          <p:cNvPr id="5" name="Прямоугольник 4"/>
+          <p:cNvSpPr/>
+          <p:nvPr/>
+        </p:nvSpPr>
+        <p:spPr>
+          <a:xfrm>
+            <a:off x="3269412" y="2346385"/>
+            <a:ext cx="5434641" cy="310552"/>
+          </a:xfrm>
+          <a:prstGeom prst="rect">
+            <a:avLst/>
+          </a:prstGeom>
+          <a:solidFill>
+            <a:schemeClr val="accent1">
+              <a:lumMod val="20000"/>
+              <a:lumOff val="80000"/>
+            </a:schemeClr>
+          </a:solidFill>
+        </p:spPr>
+        <p:style>
+          <a:lnRef idx="2">
+            <a:schemeClr val="accent1">
+              <a:shade val="50000"/>
+            </a:schemeClr>
+          </a:lnRef>
+          <a:fillRef idx="1">
+            <a:schemeClr val="accent1"/>
+          </a:fillRef>
+          <a:effectRef idx="0">
+            <a:schemeClr val="accent1"/>
+          </a:effectRef>
+          <a:fontRef idx="minor">
+            <a:schemeClr val="lt1"/>
+          </a:fontRef>
+        </p:style>
+        <p:txBody>
+          <a:bodyPr rtlCol="0" anchor="ctr"/>
+          <a:lstStyle/>
+          <a:p>
+            <a:pPr algn="ctr"/>
+            <a:endParaRPr lang="ru-RU"/>
+          </a:p>
+        </p:txBody>
+      </p:sp>
+      <p:sp>
+        <p:nvSpPr>
+          <p:cNvPr id="6" name="Прямоугольник 5"/>
+          <p:cNvSpPr/>
+          <p:nvPr/>
+        </p:nvSpPr>
+        <p:spPr>
+          <a:xfrm>
+            <a:off x="2303253" y="6236898"/>
+            <a:ext cx="4313207" cy="310552"/>
+          </a:xfrm>
+          <a:prstGeom prst="rect">
+            <a:avLst/>
+          </a:prstGeom>
+          <a:solidFill>
+            <a:schemeClr val="accent1">
+              <a:lumMod val="20000"/>
+              <a:lumOff val="80000"/>
+            </a:schemeClr>
+          </a:solidFill>
+        </p:spPr>
+        <p:style>
+          <a:lnRef idx="2">
+            <a:schemeClr val="accent1">
+              <a:shade val="50000"/>
+            </a:schemeClr>
+          </a:lnRef>
+          <a:fillRef idx="1">
+            <a:schemeClr val="accent1"/>
+          </a:fillRef>
+          <a:effectRef idx="0">
+            <a:schemeClr val="accent1"/>
+          </a:effectRef>
+          <a:fontRef idx="minor">
+            <a:schemeClr val="lt1"/>
+          </a:fontRef>
+        </p:style>
+        <p:txBody>
+          <a:bodyPr rtlCol="0" anchor="ctr"/>
+          <a:lstStyle/>
+          <a:p>
+            <a:pPr algn="ctr"/>
+            <a:endParaRPr lang="ru-RU"/>
+          </a:p>
+        </p:txBody>
+      </p:sp>
+      <p:sp>
+        <p:nvSpPr>
+          <p:cNvPr id="2" name="Заголовок 1"/>
+          <p:cNvSpPr>
+            <a:spLocks noGrp="1"/>
+          </p:cNvSpPr>
+          <p:nvPr>
+            <p:ph type="title"/>
+          </p:nvPr>
+        </p:nvSpPr>
+        <p:spPr/>
+        <p:txBody>
+          <a:bodyPr/>
+          <a:lstStyle/>
+          <a:p>
+            <a:r>
+              <a:rPr lang="ru-RU" dirty="0"/>
+              <a:t>Избавляемся от глобальных переменных при печати</a:t>
+            </a:r>
+          </a:p>
+        </p:txBody>
+      </p:sp>
+      <p:sp>
+        <p:nvSpPr>
+          <p:cNvPr id="4" name="Прямоугольник 3"/>
+          <p:cNvSpPr/>
+          <p:nvPr/>
+        </p:nvSpPr>
+        <p:spPr>
+          <a:xfrm>
+            <a:off x="271193" y="2087463"/>
+            <a:ext cx="8812422" cy="4770537"/>
+          </a:xfrm>
+          <a:prstGeom prst="rect">
+            <a:avLst/>
+          </a:prstGeom>
+        </p:spPr>
+        <p:txBody>
+          <a:bodyPr wrap="square">
+            <a:spAutoFit/>
+          </a:bodyPr>
+          <a:lstStyle/>
+          <a:p>
+            <a:r>
+              <a:rPr lang="ru-RU" sz="1600" dirty="0">
+                <a:latin typeface="Lucida Console" panose="020B0609040504020204" pitchFamily="49" charset="0"/>
+              </a:rPr>
+              <a:t>{Выводит смешанную дробь на экран}</a:t>
+            </a:r>
+          </a:p>
+          <a:p>
+            <a:r>
+              <a:rPr lang="ru-RU" sz="1600" dirty="0">
+                <a:latin typeface="Lucida Console" panose="020B0609040504020204" pitchFamily="49" charset="0"/>
+              </a:rPr>
+              <a:t>PROCEDURE </a:t>
+            </a:r>
+            <a:r>
+              <a:rPr lang="ru-RU" sz="1600" dirty="0" err="1">
+                <a:latin typeface="Lucida Console" panose="020B0609040504020204" pitchFamily="49" charset="0"/>
+              </a:rPr>
+              <a:t>PrintFraction</a:t>
+            </a:r>
+            <a:r>
+              <a:rPr lang="en-US" sz="1600" dirty="0">
+                <a:latin typeface="Lucida Console" panose="020B0609040504020204" pitchFamily="49" charset="0"/>
+              </a:rPr>
+              <a:t>(</a:t>
+            </a:r>
+            <a:r>
+              <a:rPr lang="en-US" sz="1600" dirty="0" err="1">
+                <a:latin typeface="Lucida Console" panose="020B0609040504020204" pitchFamily="49" charset="0"/>
+              </a:rPr>
+              <a:t>IntegerPart</a:t>
+            </a:r>
+            <a:r>
+              <a:rPr lang="en-US" sz="1600" dirty="0">
+                <a:latin typeface="Lucida Console" panose="020B0609040504020204" pitchFamily="49" charset="0"/>
+              </a:rPr>
+              <a:t>, Numerator, Denominator: INTEGER)</a:t>
+            </a:r>
+            <a:r>
+              <a:rPr lang="ru-RU" sz="1600" dirty="0">
+                <a:latin typeface="Lucida Console" panose="020B0609040504020204" pitchFamily="49" charset="0"/>
+              </a:rPr>
+              <a:t>;</a:t>
+            </a:r>
+          </a:p>
+          <a:p>
+            <a:r>
+              <a:rPr lang="ru-RU" sz="1600" dirty="0">
+                <a:latin typeface="Lucida Console" panose="020B0609040504020204" pitchFamily="49" charset="0"/>
+              </a:rPr>
+              <a:t>BEGIN</a:t>
+            </a:r>
+          </a:p>
+          <a:p>
+            <a:r>
+              <a:rPr lang="ru-RU" sz="1600" dirty="0">
+                <a:latin typeface="Lucida Console" panose="020B0609040504020204" pitchFamily="49" charset="0"/>
+              </a:rPr>
+              <a:t>  IF </a:t>
+            </a:r>
+            <a:r>
+              <a:rPr lang="ru-RU" sz="1600" dirty="0" err="1">
+                <a:latin typeface="Lucida Console" panose="020B0609040504020204" pitchFamily="49" charset="0"/>
+              </a:rPr>
+              <a:t>IntegerPart</a:t>
+            </a:r>
+            <a:r>
+              <a:rPr lang="ru-RU" sz="1600" dirty="0">
+                <a:latin typeface="Lucida Console" panose="020B0609040504020204" pitchFamily="49" charset="0"/>
+              </a:rPr>
+              <a:t> = 0</a:t>
+            </a:r>
+          </a:p>
+          <a:p>
+            <a:r>
+              <a:rPr lang="ru-RU" sz="1600" dirty="0">
+                <a:latin typeface="Lucida Console" panose="020B0609040504020204" pitchFamily="49" charset="0"/>
+              </a:rPr>
+              <a:t>  THEN</a:t>
+            </a:r>
+          </a:p>
+          <a:p>
+            <a:r>
+              <a:rPr lang="ru-RU" sz="1600" dirty="0">
+                <a:latin typeface="Lucida Console" panose="020B0609040504020204" pitchFamily="49" charset="0"/>
+              </a:rPr>
+              <a:t>    WRITELN(</a:t>
+            </a:r>
+            <a:r>
+              <a:rPr lang="ru-RU" sz="1600" dirty="0" err="1">
+                <a:latin typeface="Lucida Console" panose="020B0609040504020204" pitchFamily="49" charset="0"/>
+              </a:rPr>
+              <a:t>Numerator</a:t>
+            </a:r>
+            <a:r>
+              <a:rPr lang="ru-RU" sz="1600" dirty="0">
+                <a:latin typeface="Lucida Console" panose="020B0609040504020204" pitchFamily="49" charset="0"/>
+              </a:rPr>
+              <a:t>, '/', </a:t>
+            </a:r>
+            <a:r>
+              <a:rPr lang="ru-RU" sz="1600" dirty="0" err="1">
+                <a:latin typeface="Lucida Console" panose="020B0609040504020204" pitchFamily="49" charset="0"/>
+              </a:rPr>
+              <a:t>Denominator</a:t>
+            </a:r>
+            <a:r>
+              <a:rPr lang="ru-RU" sz="1600" dirty="0">
+                <a:latin typeface="Lucida Console" panose="020B0609040504020204" pitchFamily="49" charset="0"/>
+              </a:rPr>
+              <a:t>)</a:t>
+            </a:r>
+          </a:p>
+          <a:p>
+            <a:r>
+              <a:rPr lang="ru-RU" sz="1600" dirty="0">
+                <a:latin typeface="Lucida Console" panose="020B0609040504020204" pitchFamily="49" charset="0"/>
+              </a:rPr>
+              <a:t>  ELSE</a:t>
+            </a:r>
+          </a:p>
+          <a:p>
+            <a:r>
+              <a:rPr lang="ru-RU" sz="1600" dirty="0">
+                <a:latin typeface="Lucida Console" panose="020B0609040504020204" pitchFamily="49" charset="0"/>
+              </a:rPr>
+              <a:t>    WRITELN(</a:t>
+            </a:r>
+            <a:r>
+              <a:rPr lang="ru-RU" sz="1600" dirty="0" err="1">
+                <a:latin typeface="Lucida Console" panose="020B0609040504020204" pitchFamily="49" charset="0"/>
+              </a:rPr>
+              <a:t>IntegerPart</a:t>
+            </a:r>
+            <a:r>
+              <a:rPr lang="ru-RU" sz="1600" dirty="0">
+                <a:latin typeface="Lucida Console" panose="020B0609040504020204" pitchFamily="49" charset="0"/>
+              </a:rPr>
+              <a:t>, ' ', </a:t>
+            </a:r>
+            <a:r>
+              <a:rPr lang="ru-RU" sz="1600" dirty="0" err="1">
+                <a:latin typeface="Lucida Console" panose="020B0609040504020204" pitchFamily="49" charset="0"/>
+              </a:rPr>
+              <a:t>Numerator</a:t>
+            </a:r>
+            <a:r>
+              <a:rPr lang="ru-RU" sz="1600" dirty="0">
+                <a:latin typeface="Lucida Console" panose="020B0609040504020204" pitchFamily="49" charset="0"/>
+              </a:rPr>
+              <a:t>, '/', </a:t>
+            </a:r>
+            <a:r>
+              <a:rPr lang="ru-RU" sz="1600" dirty="0" err="1">
+                <a:latin typeface="Lucida Console" panose="020B0609040504020204" pitchFamily="49" charset="0"/>
+              </a:rPr>
+              <a:t>Denominator</a:t>
+            </a:r>
+            <a:r>
+              <a:rPr lang="ru-RU" sz="1600" dirty="0">
+                <a:latin typeface="Lucida Console" panose="020B0609040504020204" pitchFamily="49" charset="0"/>
+              </a:rPr>
+              <a:t>)</a:t>
+            </a:r>
+          </a:p>
+          <a:p>
+            <a:r>
+              <a:rPr lang="ru-RU" sz="1600" dirty="0">
+                <a:latin typeface="Lucida Console" panose="020B0609040504020204" pitchFamily="49" charset="0"/>
+              </a:rPr>
+              <a:t>END;</a:t>
+            </a:r>
+          </a:p>
+          <a:p>
+            <a:endParaRPr lang="ru-RU" sz="1600" dirty="0">
+              <a:latin typeface="Lucida Console" panose="020B0609040504020204" pitchFamily="49" charset="0"/>
+            </a:endParaRPr>
+          </a:p>
+          <a:p>
+            <a:r>
+              <a:rPr lang="ru-RU" sz="1600" dirty="0">
+                <a:latin typeface="Lucida Console" panose="020B0609040504020204" pitchFamily="49" charset="0"/>
+              </a:rPr>
+              <a:t>BEGIN</a:t>
+            </a:r>
+          </a:p>
+          <a:p>
+            <a:r>
+              <a:rPr lang="ru-RU" sz="1600" dirty="0">
+                <a:latin typeface="Lucida Console" panose="020B0609040504020204" pitchFamily="49" charset="0"/>
+              </a:rPr>
+              <a:t>  READLN(</a:t>
+            </a:r>
+            <a:r>
+              <a:rPr lang="ru-RU" sz="1600" dirty="0" err="1">
+                <a:latin typeface="Lucida Console" panose="020B0609040504020204" pitchFamily="49" charset="0"/>
+              </a:rPr>
+              <a:t>Numerator</a:t>
+            </a:r>
+            <a:r>
+              <a:rPr lang="ru-RU" sz="1600" dirty="0">
+                <a:latin typeface="Lucida Console" panose="020B0609040504020204" pitchFamily="49" charset="0"/>
+              </a:rPr>
+              <a:t>);</a:t>
+            </a:r>
+          </a:p>
+          <a:p>
+            <a:r>
+              <a:rPr lang="ru-RU" sz="1600" dirty="0">
+                <a:latin typeface="Lucida Console" panose="020B0609040504020204" pitchFamily="49" charset="0"/>
+              </a:rPr>
+              <a:t>  READLN(</a:t>
+            </a:r>
+            <a:r>
+              <a:rPr lang="ru-RU" sz="1600" dirty="0" err="1">
+                <a:latin typeface="Lucida Console" panose="020B0609040504020204" pitchFamily="49" charset="0"/>
+              </a:rPr>
+              <a:t>Denominator</a:t>
+            </a:r>
+            <a:r>
+              <a:rPr lang="ru-RU" sz="1600" dirty="0">
+                <a:latin typeface="Lucida Console" panose="020B0609040504020204" pitchFamily="49" charset="0"/>
+              </a:rPr>
+              <a:t>);</a:t>
+            </a:r>
+          </a:p>
+          <a:p>
+            <a:endParaRPr lang="ru-RU" sz="1600" dirty="0">
+              <a:latin typeface="Lucida Console" panose="020B0609040504020204" pitchFamily="49" charset="0"/>
+            </a:endParaRPr>
+          </a:p>
+          <a:p>
+            <a:r>
+              <a:rPr lang="ru-RU" sz="1600" dirty="0">
+                <a:latin typeface="Lucida Console" panose="020B0609040504020204" pitchFamily="49" charset="0"/>
+              </a:rPr>
+              <a:t>  </a:t>
+            </a:r>
+            <a:r>
+              <a:rPr lang="ru-RU" sz="1600" dirty="0" err="1">
+                <a:latin typeface="Lucida Console" panose="020B0609040504020204" pitchFamily="49" charset="0"/>
+              </a:rPr>
+              <a:t>IntegerPart</a:t>
+            </a:r>
+            <a:r>
+              <a:rPr lang="ru-RU" sz="1600" dirty="0">
+                <a:latin typeface="Lucida Console" panose="020B0609040504020204" pitchFamily="49" charset="0"/>
+              </a:rPr>
+              <a:t> := </a:t>
+            </a:r>
+            <a:r>
+              <a:rPr lang="ru-RU" sz="1600" dirty="0" err="1">
+                <a:latin typeface="Lucida Console" panose="020B0609040504020204" pitchFamily="49" charset="0"/>
+              </a:rPr>
+              <a:t>Numerator</a:t>
+            </a:r>
+            <a:r>
+              <a:rPr lang="ru-RU" sz="1600" dirty="0">
+                <a:latin typeface="Lucida Console" panose="020B0609040504020204" pitchFamily="49" charset="0"/>
+              </a:rPr>
+              <a:t> DIV </a:t>
+            </a:r>
+            <a:r>
+              <a:rPr lang="ru-RU" sz="1600" dirty="0" err="1">
+                <a:latin typeface="Lucida Console" panose="020B0609040504020204" pitchFamily="49" charset="0"/>
+              </a:rPr>
+              <a:t>Denominator</a:t>
+            </a:r>
+            <a:r>
+              <a:rPr lang="ru-RU" sz="1600" dirty="0">
+                <a:latin typeface="Lucida Console" panose="020B0609040504020204" pitchFamily="49" charset="0"/>
+              </a:rPr>
+              <a:t>;</a:t>
+            </a:r>
+          </a:p>
+          <a:p>
+            <a:r>
+              <a:rPr lang="ru-RU" sz="1600" dirty="0">
+                <a:latin typeface="Lucida Console" panose="020B0609040504020204" pitchFamily="49" charset="0"/>
+              </a:rPr>
+              <a:t>  </a:t>
+            </a:r>
+            <a:r>
+              <a:rPr lang="ru-RU" sz="1600" dirty="0" err="1">
+                <a:latin typeface="Lucida Console" panose="020B0609040504020204" pitchFamily="49" charset="0"/>
+              </a:rPr>
+              <a:t>Numerator</a:t>
+            </a:r>
+            <a:r>
+              <a:rPr lang="ru-RU" sz="1600" dirty="0">
+                <a:latin typeface="Lucida Console" panose="020B0609040504020204" pitchFamily="49" charset="0"/>
+              </a:rPr>
+              <a:t> := </a:t>
+            </a:r>
+            <a:r>
+              <a:rPr lang="ru-RU" sz="1600" dirty="0" err="1">
+                <a:latin typeface="Lucida Console" panose="020B0609040504020204" pitchFamily="49" charset="0"/>
+              </a:rPr>
+              <a:t>Numerator</a:t>
+            </a:r>
+            <a:r>
+              <a:rPr lang="ru-RU" sz="1600" dirty="0">
+                <a:latin typeface="Lucida Console" panose="020B0609040504020204" pitchFamily="49" charset="0"/>
+              </a:rPr>
+              <a:t> MOD </a:t>
+            </a:r>
+            <a:r>
+              <a:rPr lang="ru-RU" sz="1600" dirty="0" err="1">
+                <a:latin typeface="Lucida Console" panose="020B0609040504020204" pitchFamily="49" charset="0"/>
+              </a:rPr>
+              <a:t>Denominator</a:t>
+            </a:r>
+            <a:r>
+              <a:rPr lang="ru-RU" sz="1600" dirty="0">
+                <a:latin typeface="Lucida Console" panose="020B0609040504020204" pitchFamily="49" charset="0"/>
+              </a:rPr>
+              <a:t>;</a:t>
+            </a:r>
+          </a:p>
+          <a:p>
+            <a:endParaRPr lang="ru-RU" sz="1600" dirty="0">
+              <a:latin typeface="Lucida Console" panose="020B0609040504020204" pitchFamily="49" charset="0"/>
+            </a:endParaRPr>
+          </a:p>
+          <a:p>
+            <a:r>
+              <a:rPr lang="ru-RU" sz="1600" dirty="0">
+                <a:latin typeface="Lucida Console" panose="020B0609040504020204" pitchFamily="49" charset="0"/>
+              </a:rPr>
+              <a:t>  </a:t>
+            </a:r>
+            <a:r>
+              <a:rPr lang="ru-RU" sz="1600" dirty="0" err="1">
+                <a:latin typeface="Lucida Console" panose="020B0609040504020204" pitchFamily="49" charset="0"/>
+              </a:rPr>
+              <a:t>PrintFraction</a:t>
+            </a:r>
+            <a:r>
+              <a:rPr lang="en-US" sz="1600" dirty="0">
+                <a:latin typeface="Lucida Console" panose="020B0609040504020204" pitchFamily="49" charset="0"/>
+              </a:rPr>
+              <a:t>(</a:t>
+            </a:r>
+            <a:r>
+              <a:rPr lang="en-US" sz="1600" dirty="0" err="1">
+                <a:latin typeface="Lucida Console" panose="020B0609040504020204" pitchFamily="49" charset="0"/>
+              </a:rPr>
+              <a:t>IntegerPart</a:t>
+            </a:r>
+            <a:r>
+              <a:rPr lang="en-US" sz="1600" dirty="0">
+                <a:latin typeface="Lucida Console" panose="020B0609040504020204" pitchFamily="49" charset="0"/>
+              </a:rPr>
+              <a:t>, Numerator, Denominator)</a:t>
+            </a:r>
+            <a:endParaRPr lang="ru-RU" sz="1600" dirty="0">
+              <a:latin typeface="Lucida Console" panose="020B0609040504020204" pitchFamily="49" charset="0"/>
+            </a:endParaRPr>
+          </a:p>
+          <a:p>
+            <a:r>
+              <a:rPr lang="ru-RU" sz="1600" dirty="0">
+                <a:latin typeface="Lucida Console" panose="020B0609040504020204" pitchFamily="49" charset="0"/>
+              </a:rPr>
+              <a:t>END.</a:t>
+            </a:r>
+          </a:p>
+        </p:txBody>
+      </p:sp>
+    </p:spTree>
+    <p:extLst>
+      <p:ext uri="{BB962C8B-B14F-4D97-AF65-F5344CB8AC3E}">
+        <p14:creationId xmlns:p14="http://schemas.microsoft.com/office/powerpoint/2010/main" val="88863545"/>
+      </p:ext>
+    </p:extLst>
+  </p:cSld>
+  <p:clrMapOvr>
+    <a:masterClrMapping/>
+  </p:clrMapOvr>
+  <p:timing>
+    <p:tnLst>
+      <p:par>
+        <p:cTn id="1" dur="indefinite" restart="never" nodeType="tmRoot">
+          <p:childTnLst>
+            <p:seq concurrent="1" nextAc="seek">
+              <p:cTn id="2" dur="indefinite" nodeType="mainSeq">
+                <p:childTnLst>
+                  <p:par>
+                    <p:cTn id="3" fill="hold">
+                      <p:stCondLst>
+                        <p:cond delay="indefinite"/>
+                      </p:stCondLst>
+                      <p:childTnLst>
+                        <p:par>
+                          <p:cTn id="4" fill="hold">
+                            <p:stCondLst>
+                              <p:cond delay="0"/>
+                            </p:stCondLst>
+                            <p:childTnLst>
+                              <p:par>
+                                <p:cTn id="5" presetID="10" presetClass="entr" presetSubtype="0" fill="hold" grpId="0" nodeType="clickEffect">
+                                  <p:stCondLst>
+                                    <p:cond delay="0"/>
+                                  </p:stCondLst>
+                                  <p:childTnLst>
+                                    <p:set>
+                                      <p:cBhvr>
+                                        <p:cTn id="6" dur="1" fill="hold">
+                                          <p:stCondLst>
+                                            <p:cond delay="0"/>
+                                          </p:stCondLst>
+                                        </p:cTn>
+                                        <p:tgtEl>
+                                          <p:spTgt spid="5"/>
+                                        </p:tgtEl>
+                                        <p:attrNameLst>
+                                          <p:attrName>style.visibility</p:attrName>
+                                        </p:attrNameLst>
+                                      </p:cBhvr>
+                                      <p:to>
+                                        <p:strVal val="visible"/>
+                                      </p:to>
+                                    </p:set>
+                                    <p:animEffect transition="in" filter="fade">
+                                      <p:cBhvr>
+                                        <p:cTn id="7" dur="500"/>
+                                        <p:tgtEl>
+                                          <p:spTgt spid="5"/>
+                                        </p:tgtEl>
+                                      </p:cBhvr>
+                                    </p:animEffect>
+                                  </p:childTnLst>
+                                </p:cTn>
+                              </p:par>
+                            </p:childTnLst>
+                          </p:cTn>
+                        </p:par>
+                        <p:par>
+                          <p:cTn id="8" fill="hold">
+                            <p:stCondLst>
+                              <p:cond delay="500"/>
+                            </p:stCondLst>
+                            <p:childTnLst>
+                              <p:par>
+                                <p:cTn id="9" presetID="10" presetClass="entr" presetSubtype="0" fill="hold" grpId="0" nodeType="afterEffect">
+                                  <p:stCondLst>
+                                    <p:cond delay="0"/>
+                                  </p:stCondLst>
+                                  <p:childTnLst>
+                                    <p:set>
+                                      <p:cBhvr>
+                                        <p:cTn id="10" dur="1" fill="hold">
+                                          <p:stCondLst>
+                                            <p:cond delay="0"/>
+                                          </p:stCondLst>
+                                        </p:cTn>
+                                        <p:tgtEl>
+                                          <p:spTgt spid="6"/>
+                                        </p:tgtEl>
+                                        <p:attrNameLst>
+                                          <p:attrName>style.visibility</p:attrName>
+                                        </p:attrNameLst>
+                                      </p:cBhvr>
+                                      <p:to>
+                                        <p:strVal val="visible"/>
+                                      </p:to>
+                                    </p:set>
+                                    <p:animEffect transition="in" filter="fade">
+                                      <p:cBhvr>
+                                        <p:cTn id="11" dur="500"/>
+                                        <p:tgtEl>
+                                          <p:spTgt spid="6"/>
+                                        </p:tgtEl>
+                                      </p:cBhvr>
+                                    </p:animEffect>
+                                  </p:childTnLst>
+                                </p:cTn>
+                              </p:par>
+                            </p:childTnLst>
+                          </p:cTn>
+                        </p:par>
+                      </p:childTnLst>
+                    </p:cTn>
+                  </p:par>
+                </p:childTnLst>
+              </p:cTn>
+              <p:prevCondLst>
+                <p:cond evt="onPrev" delay="0">
+                  <p:tgtEl>
+                    <p:sldTgt/>
+                  </p:tgtEl>
+                </p:cond>
+              </p:prevCondLst>
+              <p:nextCondLst>
+                <p:cond evt="onNext" delay="0">
+                  <p:tgtEl>
+                    <p:sldTgt/>
+                  </p:tgtEl>
+                </p:cond>
+              </p:nextCondLst>
+            </p:seq>
+          </p:childTnLst>
+        </p:cTn>
+      </p:par>
+    </p:tnLst>
+    <p:bldLst>
+      <p:bldP spid="5" grpId="0" animBg="1"/>
+      <p:bldP spid="6" grpId="0" animBg="1"/>
+    </p:bldLst>
+  </p:timing>
+</p:sld>
+</file>
+
+<file path=ppt/slides/slide12.xml><?xml version="1.0" encoding="utf-8"?>
+<p:sld xmlns:a="http://schemas.openxmlformats.org/drawingml/2006/main" xmlns:r="http://schemas.openxmlformats.org/officeDocument/2006/relationships" xmlns:p="http://schemas.openxmlformats.org/presentationml/2006/main">
+  <p:cSld>
+    <p:spTree>
+      <p:nvGrpSpPr>
+        <p:cNvPr id="1" name=""/>
+        <p:cNvGrpSpPr/>
+        <p:nvPr/>
+      </p:nvGrpSpPr>
+      <p:grpSpPr>
+        <a:xfrm>
+          <a:off x="0" y="0"/>
+          <a:ext cx="0" cy="0"/>
+          <a:chOff x="0" y="0"/>
+          <a:chExt cx="0" cy="0"/>
+        </a:xfrm>
+      </p:grpSpPr>
+      <p:sp>
+        <p:nvSpPr>
+          <p:cNvPr id="2" name="Заголовок 1"/>
+          <p:cNvSpPr>
+            <a:spLocks noGrp="1"/>
+          </p:cNvSpPr>
+          <p:nvPr>
+            <p:ph type="title"/>
+          </p:nvPr>
+        </p:nvSpPr>
+        <p:spPr/>
+        <p:txBody>
+          <a:bodyPr/>
+          <a:lstStyle/>
+          <a:p>
+            <a:r>
+              <a:rPr lang="ru-RU" dirty="0"/>
               <a:t>Упрощаем дробь «в лоб»</a:t>
             </a:r>
           </a:p>
@@ -3387,13 +4760,13 @@
               <a:rPr lang="ru-RU" sz="1600" dirty="0">
                 <a:latin typeface="Lucida Console" panose="020B0609040504020204" pitchFamily="49" charset="0"/>
               </a:rPr>
-              <a:t>          GCD := </a:t>
-            </a:r>
-            <a:r>
-              <a:rPr lang="ru-RU" sz="1600" dirty="0" err="1">
-                <a:latin typeface="Lucida Console" panose="020B0609040504020204" pitchFamily="49" charset="0"/>
-              </a:rPr>
-              <a:t>Numerator</a:t>
+              <a:t>          </a:t>
+            </a:r>
+            <a:r>
+              <a:rPr lang="en-US" sz="1600" smtClean="0">
+                <a:latin typeface="Lucida Console" panose="020B0609040504020204" pitchFamily="49" charset="0"/>
+              </a:rPr>
+              <a:t>EXIT</a:t>
             </a:r>
             <a:endParaRPr lang="ru-RU" sz="1600" dirty="0">
               <a:latin typeface="Lucida Console" panose="020B0609040504020204" pitchFamily="49" charset="0"/>
@@ -3451,10 +4824,17 @@
   <p:clrMapOvr>
     <a:masterClrMapping/>
   </p:clrMapOvr>
+  <p:timing>
+    <p:tnLst>
+      <p:par>
+        <p:cTn id="1" dur="indefinite" restart="never" nodeType="tmRoot"/>
+      </p:par>
+    </p:tnLst>
+  </p:timing>
 </p:sld>
 </file>
 
-<file path=ppt/slides/slide11.xml><?xml version="1.0" encoding="utf-8"?>
+<file path=ppt/slides/slide13.xml><?xml version="1.0" encoding="utf-8"?>
 <p:sld xmlns:a="http://schemas.openxmlformats.org/drawingml/2006/main" xmlns:r="http://schemas.openxmlformats.org/officeDocument/2006/relationships" xmlns:p="http://schemas.openxmlformats.org/presentationml/2006/main">
   <p:cSld>
     <p:spTree>
@@ -4085,9 +5465,6 @@
               </a:rPr>
               <a:t>END.</a:t>
             </a:r>
-            <a:endParaRPr lang="ru-RU" sz="1600" dirty="0">
-              <a:latin typeface="Lucida Console" panose="020B0609040504020204" pitchFamily="49" charset="0"/>
-            </a:endParaRPr>
           </a:p>
         </p:txBody>
       </p:sp>
@@ -4517,7 +5894,7 @@
 </p:sld>
 </file>
 
-<file path=ppt/slides/slide12.xml><?xml version="1.0" encoding="utf-8"?>
+<file path=ppt/slides/slide14.xml><?xml version="1.0" encoding="utf-8"?>
 <p:sld xmlns:a="http://schemas.openxmlformats.org/drawingml/2006/main" xmlns:r="http://schemas.openxmlformats.org/officeDocument/2006/relationships" xmlns:p="http://schemas.openxmlformats.org/presentationml/2006/main">
   <p:cSld>
     <p:spTree>
@@ -4556,8 +5933,8 @@
           </a:p>
         </p:txBody>
       </p:sp>
-      <mc:AlternateContent xmlns:mc="http://schemas.openxmlformats.org/markup-compatibility/2006">
-        <mc:Choice xmlns:a14="http://schemas.microsoft.com/office/drawing/2010/main" Requires="a14">
+      <mc:AlternateContent xmlns:mc="http://schemas.openxmlformats.org/markup-compatibility/2006" xmlns:a14="http://schemas.microsoft.com/office/drawing/2010/main">
+        <mc:Choice Requires="a14">
           <p:sp>
             <p:nvSpPr>
               <p:cNvPr id="3" name="Объект 2"/>
@@ -4643,7 +6020,7 @@
             </p:txBody>
           </p:sp>
         </mc:Choice>
-        <mc:Fallback>
+        <mc:Fallback xmlns="">
           <p:sp>
             <p:nvSpPr>
               <p:cNvPr id="3" name="Объект 2"/>
@@ -4690,7 +6067,7 @@
 </p:sld>
 </file>
 
-<file path=ppt/slides/slide13.xml><?xml version="1.0" encoding="utf-8"?>
+<file path=ppt/slides/slide15.xml><?xml version="1.0" encoding="utf-8"?>
 <p:sld xmlns:a="http://schemas.openxmlformats.org/drawingml/2006/main" xmlns:r="http://schemas.openxmlformats.org/officeDocument/2006/relationships" xmlns:p="http://schemas.openxmlformats.org/presentationml/2006/main">
   <p:cSld>
     <p:spTree>
@@ -4837,21 +6214,21 @@
                 <a:gridCol w="1263650">
                   <a:extLst>
                     <a:ext uri="{9D8B030D-6E8A-4147-A177-3AD203B41FA5}">
-                      <a16:colId xmlns:a16="http://schemas.microsoft.com/office/drawing/2014/main" val="1877902253"/>
+                      <a16:colId xmlns:a16="http://schemas.microsoft.com/office/drawing/2014/main" xmlns="" val="1877902253"/>
                     </a:ext>
                   </a:extLst>
                 </a:gridCol>
                 <a:gridCol w="1327150">
                   <a:extLst>
                     <a:ext uri="{9D8B030D-6E8A-4147-A177-3AD203B41FA5}">
-                      <a16:colId xmlns:a16="http://schemas.microsoft.com/office/drawing/2014/main" val="3026534838"/>
+                      <a16:colId xmlns:a16="http://schemas.microsoft.com/office/drawing/2014/main" xmlns="" val="3026534838"/>
                     </a:ext>
                   </a:extLst>
                 </a:gridCol>
                 <a:gridCol w="1295400">
                   <a:extLst>
                     <a:ext uri="{9D8B030D-6E8A-4147-A177-3AD203B41FA5}">
-                      <a16:colId xmlns:a16="http://schemas.microsoft.com/office/drawing/2014/main" val="762836203"/>
+                      <a16:colId xmlns:a16="http://schemas.microsoft.com/office/drawing/2014/main" xmlns="" val="762836203"/>
                     </a:ext>
                   </a:extLst>
                 </a:gridCol>
@@ -4897,7 +6274,7 @@
                 </a:tc>
                 <a:extLst>
                   <a:ext uri="{0D108BD9-81ED-4DB2-BD59-A6C34878D82A}">
-                    <a16:rowId xmlns:a16="http://schemas.microsoft.com/office/drawing/2014/main" val="2002345586"/>
+                    <a16:rowId xmlns:a16="http://schemas.microsoft.com/office/drawing/2014/main" xmlns="" val="2002345586"/>
                   </a:ext>
                 </a:extLst>
               </a:tr>
@@ -4962,7 +6339,7 @@
                 </a:tc>
                 <a:extLst>
                   <a:ext uri="{0D108BD9-81ED-4DB2-BD59-A6C34878D82A}">
-                    <a16:rowId xmlns:a16="http://schemas.microsoft.com/office/drawing/2014/main" val="1058565294"/>
+                    <a16:rowId xmlns:a16="http://schemas.microsoft.com/office/drawing/2014/main" xmlns="" val="1058565294"/>
                   </a:ext>
                 </a:extLst>
               </a:tr>
@@ -5023,7 +6400,7 @@
                 </a:tc>
                 <a:extLst>
                   <a:ext uri="{0D108BD9-81ED-4DB2-BD59-A6C34878D82A}">
-                    <a16:rowId xmlns:a16="http://schemas.microsoft.com/office/drawing/2014/main" val="3104535893"/>
+                    <a16:rowId xmlns:a16="http://schemas.microsoft.com/office/drawing/2014/main" xmlns="" val="3104535893"/>
                   </a:ext>
                 </a:extLst>
               </a:tr>
@@ -5084,7 +6461,7 @@
                 </a:tc>
                 <a:extLst>
                   <a:ext uri="{0D108BD9-81ED-4DB2-BD59-A6C34878D82A}">
-                    <a16:rowId xmlns:a16="http://schemas.microsoft.com/office/drawing/2014/main" val="1979556255"/>
+                    <a16:rowId xmlns:a16="http://schemas.microsoft.com/office/drawing/2014/main" xmlns="" val="1979556255"/>
                   </a:ext>
                 </a:extLst>
               </a:tr>
@@ -5105,7 +6482,7 @@
 </p:sld>
 </file>
 
-<file path=ppt/slides/slide14.xml><?xml version="1.0" encoding="utf-8"?>
+<file path=ppt/slides/slide16.xml><?xml version="1.0" encoding="utf-8"?>
 <p:sld xmlns:a="http://schemas.openxmlformats.org/drawingml/2006/main" xmlns:r="http://schemas.openxmlformats.org/officeDocument/2006/relationships" xmlns:p="http://schemas.openxmlformats.org/presentationml/2006/main">
   <p:cSld>
     <p:spTree>
@@ -5413,8 +6790,17 @@
               <a:rPr lang="ru-RU" sz="1600" i="1" dirty="0">
                 <a:latin typeface="Lucida Console" panose="020B0609040504020204" pitchFamily="49" charset="0"/>
               </a:rPr>
-              <a:t>{Упрощает правильную дробь (дробь, где числитель меньше знаменателя)}</a:t>
-            </a:r>
+              <a:t>{Упрощает </a:t>
+            </a:r>
+            <a:r>
+              <a:rPr lang="ru-RU" sz="1600" i="1" dirty="0" smtClean="0">
+                <a:latin typeface="Lucida Console" panose="020B0609040504020204" pitchFamily="49" charset="0"/>
+              </a:rPr>
+              <a:t>произвольную дробь}</a:t>
+            </a:r>
+            <a:endParaRPr lang="ru-RU" sz="1600" i="1" dirty="0">
+              <a:latin typeface="Lucida Console" panose="020B0609040504020204" pitchFamily="49" charset="0"/>
+            </a:endParaRPr>
           </a:p>
           <a:p>
             <a:r>
@@ -6780,7 +8166,7 @@
 </p:sld>
 </file>
 
-<file path=ppt/slides/slide15.xml><?xml version="1.0" encoding="utf-8"?>
+<file path=ppt/slides/slide17.xml><?xml version="1.0" encoding="utf-8"?>
 <p:sld xmlns:a="http://schemas.openxmlformats.org/drawingml/2006/main" xmlns:r="http://schemas.openxmlformats.org/officeDocument/2006/relationships" xmlns:p="http://schemas.openxmlformats.org/presentationml/2006/main">
   <p:cSld>
     <p:spTree>
@@ -6895,7 +8281,7 @@
 </p:sld>
 </file>
 
-<file path=ppt/slides/slide16.xml><?xml version="1.0" encoding="utf-8"?>
+<file path=ppt/slides/slide18.xml><?xml version="1.0" encoding="utf-8"?>
 <p:sld xmlns:a="http://schemas.openxmlformats.org/drawingml/2006/main" xmlns:r="http://schemas.openxmlformats.org/officeDocument/2006/relationships" xmlns:p="http://schemas.openxmlformats.org/presentationml/2006/main">
   <p:cSld>
     <p:spTree>
@@ -7207,9 +8593,6 @@
               </a:rPr>
               <a:t>END;</a:t>
             </a:r>
-            <a:endParaRPr lang="ru-RU" sz="1600" dirty="0">
-              <a:latin typeface="Lucida Console" panose="020B0609040504020204" pitchFamily="49" charset="0"/>
-            </a:endParaRPr>
           </a:p>
         </p:txBody>
       </p:sp>
@@ -7639,7 +9022,7 @@
 </p:sld>
 </file>
 
-<file path=ppt/slides/slide17.xml><?xml version="1.0" encoding="utf-8"?>
+<file path=ppt/slides/slide19.xml><?xml version="1.0" encoding="utf-8"?>
 <p:sld xmlns:a="http://schemas.openxmlformats.org/drawingml/2006/main" xmlns:r="http://schemas.openxmlformats.org/officeDocument/2006/relationships" xmlns:p="http://schemas.openxmlformats.org/presentationml/2006/main">
   <p:cSld>
     <p:spTree>
@@ -7759,7 +9142,177 @@
 </p:sld>
 </file>
 
-<file path=ppt/slides/slide18.xml><?xml version="1.0" encoding="utf-8"?>
+<file path=ppt/slides/slide2.xml><?xml version="1.0" encoding="utf-8"?>
+<p:sld xmlns:a="http://schemas.openxmlformats.org/drawingml/2006/main" xmlns:r="http://schemas.openxmlformats.org/officeDocument/2006/relationships" xmlns:p="http://schemas.openxmlformats.org/presentationml/2006/main">
+  <p:cSld>
+    <p:spTree>
+      <p:nvGrpSpPr>
+        <p:cNvPr id="1" name=""/>
+        <p:cNvGrpSpPr/>
+        <p:nvPr/>
+      </p:nvGrpSpPr>
+      <p:grpSpPr>
+        <a:xfrm>
+          <a:off x="0" y="0"/>
+          <a:ext cx="0" cy="0"/>
+          <a:chOff x="0" y="0"/>
+          <a:chExt cx="0" cy="0"/>
+        </a:xfrm>
+      </p:grpSpPr>
+      <p:sp>
+        <p:nvSpPr>
+          <p:cNvPr id="2" name="Заголовок 1"/>
+          <p:cNvSpPr>
+            <a:spLocks noGrp="1"/>
+          </p:cNvSpPr>
+          <p:nvPr>
+            <p:ph type="title"/>
+          </p:nvPr>
+        </p:nvSpPr>
+        <p:spPr/>
+        <p:txBody>
+          <a:bodyPr/>
+          <a:lstStyle/>
+          <a:p>
+            <a:r>
+              <a:rPr lang="ru-RU" dirty="0"/>
+              <a:t>Постановка задачи</a:t>
+            </a:r>
+          </a:p>
+        </p:txBody>
+      </p:sp>
+      <p:sp>
+        <p:nvSpPr>
+          <p:cNvPr id="3" name="Объект 2"/>
+          <p:cNvSpPr>
+            <a:spLocks noGrp="1"/>
+          </p:cNvSpPr>
+          <p:nvPr>
+            <p:ph idx="1"/>
+          </p:nvPr>
+        </p:nvSpPr>
+        <p:spPr/>
+        <p:txBody>
+          <a:bodyPr>
+            <a:normAutofit fontScale="92500"/>
+          </a:bodyPr>
+          <a:lstStyle/>
+          <a:p>
+            <a:r>
+              <a:rPr lang="ru-RU" dirty="0"/>
+              <a:t>Напишите программу, которая преобразует дробь, заданную в формате числитель/знаменатель, к виду смешанной дроби</a:t>
+            </a:r>
+          </a:p>
+          <a:p>
+            <a:r>
+              <a:rPr lang="ru-RU" dirty="0"/>
+              <a:t>Входные данные</a:t>
+            </a:r>
+          </a:p>
+          <a:p>
+            <a:pPr lvl="1"/>
+            <a:r>
+              <a:rPr lang="ru-RU" dirty="0"/>
+              <a:t>Числитель и знаменатель – целые числа в диапазоне от 0 до 1</a:t>
+            </a:r>
+            <a:r>
+              <a:rPr lang="en-US" dirty="0"/>
+              <a:t>’</a:t>
+            </a:r>
+            <a:r>
+              <a:rPr lang="ru-RU" dirty="0"/>
+              <a:t>000</a:t>
+            </a:r>
+            <a:r>
+              <a:rPr lang="en-US" dirty="0"/>
+              <a:t>’</a:t>
+            </a:r>
+            <a:r>
+              <a:rPr lang="ru-RU" dirty="0"/>
+              <a:t>000</a:t>
+            </a:r>
+          </a:p>
+          <a:p>
+            <a:pPr lvl="1"/>
+            <a:r>
+              <a:rPr lang="ru-RU" dirty="0"/>
+              <a:t>Числитель может быть больше знаменателя</a:t>
+            </a:r>
+            <a:endParaRPr lang="en-US" dirty="0"/>
+          </a:p>
+          <a:p>
+            <a:r>
+              <a:rPr lang="ru-RU" dirty="0"/>
+              <a:t>Выходные данные</a:t>
+            </a:r>
+          </a:p>
+          <a:p>
+            <a:pPr lvl="1"/>
+            <a:r>
+              <a:rPr lang="ru-RU" dirty="0"/>
+              <a:t>Смешанная дробь</a:t>
+            </a:r>
+            <a:br>
+              <a:rPr lang="ru-RU" dirty="0"/>
+            </a:br>
+            <a:r>
+              <a:rPr lang="ru-RU" dirty="0">
+                <a:solidFill>
+                  <a:srgbClr val="FF0000"/>
+                </a:solidFill>
+              </a:rPr>
+              <a:t>целая часть</a:t>
+            </a:r>
+            <a:r>
+              <a:rPr lang="ru-RU" dirty="0"/>
+              <a:t> </a:t>
+            </a:r>
+            <a:r>
+              <a:rPr lang="ru-RU" dirty="0">
+                <a:solidFill>
+                  <a:srgbClr val="0070C0"/>
+                </a:solidFill>
+              </a:rPr>
+              <a:t>числитель</a:t>
+            </a:r>
+            <a:r>
+              <a:rPr lang="ru-RU" dirty="0"/>
+              <a:t>/</a:t>
+            </a:r>
+            <a:r>
+              <a:rPr lang="ru-RU" dirty="0">
+                <a:solidFill>
+                  <a:schemeClr val="accent6">
+                    <a:lumMod val="75000"/>
+                  </a:schemeClr>
+                </a:solidFill>
+              </a:rPr>
+              <a:t>знаменатель</a:t>
+            </a:r>
+          </a:p>
+          <a:p>
+            <a:pPr lvl="1"/>
+            <a:r>
+              <a:rPr lang="ru-RU" dirty="0"/>
+              <a:t>Дробь должна быть сокращенной</a:t>
+            </a:r>
+          </a:p>
+        </p:txBody>
+      </p:sp>
+    </p:spTree>
+    <p:extLst>
+      <p:ext uri="{BB962C8B-B14F-4D97-AF65-F5344CB8AC3E}">
+        <p14:creationId xmlns:p14="http://schemas.microsoft.com/office/powerpoint/2010/main" val="2789567456"/>
+      </p:ext>
+    </p:extLst>
+  </p:cSld>
+  <p:clrMapOvr>
+    <a:masterClrMapping/>
+  </p:clrMapOvr>
+</p:sld>
+</file>
+
+<file path=ppt/slides/slide20.xml><?xml version="1.0" encoding="utf-8"?>
 <p:sld xmlns:a="http://schemas.openxmlformats.org/drawingml/2006/main" xmlns:r="http://schemas.openxmlformats.org/officeDocument/2006/relationships" xmlns:p="http://schemas.openxmlformats.org/presentationml/2006/main">
   <p:cSld>
     <p:spTree>
@@ -8567,9 +10120,6 @@
               </a:rPr>
               <a:t>END;</a:t>
             </a:r>
-            <a:endParaRPr lang="ru-RU" sz="1500" dirty="0">
-              <a:latin typeface="Lucida Console" panose="020B0609040504020204" pitchFamily="49" charset="0"/>
-            </a:endParaRPr>
           </a:p>
         </p:txBody>
       </p:sp>
@@ -9872,7 +11422,7 @@
 </p:sld>
 </file>
 
-<file path=ppt/slides/slide19.xml><?xml version="1.0" encoding="utf-8"?>
+<file path=ppt/slides/slide21.xml><?xml version="1.0" encoding="utf-8"?>
 <p:sld xmlns:a="http://schemas.openxmlformats.org/drawingml/2006/main" xmlns:r="http://schemas.openxmlformats.org/officeDocument/2006/relationships" xmlns:p="http://schemas.openxmlformats.org/presentationml/2006/main">
   <p:cSld>
     <p:spTree>
@@ -10201,9 +11751,6 @@
               </a:rPr>
               <a:t>END.</a:t>
             </a:r>
-            <a:endParaRPr lang="ru-RU" dirty="0">
-              <a:latin typeface="Lucida Console" panose="020B0609040504020204" pitchFamily="49" charset="0"/>
-            </a:endParaRPr>
           </a:p>
         </p:txBody>
       </p:sp>
@@ -11011,176 +12558,6 @@
 </p:sld>
 </file>
 
-<file path=ppt/slides/slide2.xml><?xml version="1.0" encoding="utf-8"?>
-<p:sld xmlns:a="http://schemas.openxmlformats.org/drawingml/2006/main" xmlns:r="http://schemas.openxmlformats.org/officeDocument/2006/relationships" xmlns:p="http://schemas.openxmlformats.org/presentationml/2006/main">
-  <p:cSld>
-    <p:spTree>
-      <p:nvGrpSpPr>
-        <p:cNvPr id="1" name=""/>
-        <p:cNvGrpSpPr/>
-        <p:nvPr/>
-      </p:nvGrpSpPr>
-      <p:grpSpPr>
-        <a:xfrm>
-          <a:off x="0" y="0"/>
-          <a:ext cx="0" cy="0"/>
-          <a:chOff x="0" y="0"/>
-          <a:chExt cx="0" cy="0"/>
-        </a:xfrm>
-      </p:grpSpPr>
-      <p:sp>
-        <p:nvSpPr>
-          <p:cNvPr id="2" name="Заголовок 1"/>
-          <p:cNvSpPr>
-            <a:spLocks noGrp="1"/>
-          </p:cNvSpPr>
-          <p:nvPr>
-            <p:ph type="title"/>
-          </p:nvPr>
-        </p:nvSpPr>
-        <p:spPr/>
-        <p:txBody>
-          <a:bodyPr/>
-          <a:lstStyle/>
-          <a:p>
-            <a:r>
-              <a:rPr lang="ru-RU" dirty="0"/>
-              <a:t>Постановка задачи</a:t>
-            </a:r>
-          </a:p>
-        </p:txBody>
-      </p:sp>
-      <p:sp>
-        <p:nvSpPr>
-          <p:cNvPr id="3" name="Объект 2"/>
-          <p:cNvSpPr>
-            <a:spLocks noGrp="1"/>
-          </p:cNvSpPr>
-          <p:nvPr>
-            <p:ph idx="1"/>
-          </p:nvPr>
-        </p:nvSpPr>
-        <p:spPr/>
-        <p:txBody>
-          <a:bodyPr>
-            <a:normAutofit fontScale="92500"/>
-          </a:bodyPr>
-          <a:lstStyle/>
-          <a:p>
-            <a:r>
-              <a:rPr lang="ru-RU" dirty="0"/>
-              <a:t>Напишите программу, которая преобразует дробь, заданную в формате числитель/знаменатель, к виду смешанной дроби</a:t>
-            </a:r>
-          </a:p>
-          <a:p>
-            <a:r>
-              <a:rPr lang="ru-RU" dirty="0"/>
-              <a:t>Входные данные</a:t>
-            </a:r>
-          </a:p>
-          <a:p>
-            <a:pPr lvl="1"/>
-            <a:r>
-              <a:rPr lang="ru-RU" dirty="0"/>
-              <a:t>Числитель и знаменатель – целые числа в диапазоне от 0 до 1</a:t>
-            </a:r>
-            <a:r>
-              <a:rPr lang="en-US" dirty="0"/>
-              <a:t>’</a:t>
-            </a:r>
-            <a:r>
-              <a:rPr lang="ru-RU" dirty="0"/>
-              <a:t>000</a:t>
-            </a:r>
-            <a:r>
-              <a:rPr lang="en-US" dirty="0"/>
-              <a:t>’</a:t>
-            </a:r>
-            <a:r>
-              <a:rPr lang="ru-RU" dirty="0"/>
-              <a:t>000</a:t>
-            </a:r>
-          </a:p>
-          <a:p>
-            <a:pPr lvl="1"/>
-            <a:r>
-              <a:rPr lang="ru-RU" dirty="0"/>
-              <a:t>Числитель может быть больше знаменателя</a:t>
-            </a:r>
-            <a:endParaRPr lang="en-US" dirty="0"/>
-          </a:p>
-          <a:p>
-            <a:r>
-              <a:rPr lang="ru-RU" dirty="0"/>
-              <a:t>Выходные данные</a:t>
-            </a:r>
-          </a:p>
-          <a:p>
-            <a:pPr lvl="1"/>
-            <a:r>
-              <a:rPr lang="ru-RU" dirty="0"/>
-              <a:t>Смешанная дробь</a:t>
-            </a:r>
-            <a:br>
-              <a:rPr lang="ru-RU" dirty="0"/>
-            </a:br>
-            <a:r>
-              <a:rPr lang="ru-RU" dirty="0">
-                <a:solidFill>
-                  <a:srgbClr val="FF0000"/>
-                </a:solidFill>
-              </a:rPr>
-              <a:t>целая часть</a:t>
-            </a:r>
-            <a:r>
-              <a:rPr lang="ru-RU" dirty="0"/>
-              <a:t> </a:t>
-            </a:r>
-            <a:r>
-              <a:rPr lang="ru-RU" dirty="0">
-                <a:solidFill>
-                  <a:srgbClr val="0070C0"/>
-                </a:solidFill>
-              </a:rPr>
-              <a:t>числитель</a:t>
-            </a:r>
-            <a:r>
-              <a:rPr lang="ru-RU" dirty="0"/>
-              <a:t>/</a:t>
-            </a:r>
-            <a:r>
-              <a:rPr lang="ru-RU" dirty="0">
-                <a:solidFill>
-                  <a:schemeClr val="accent6">
-                    <a:lumMod val="75000"/>
-                  </a:schemeClr>
-                </a:solidFill>
-              </a:rPr>
-              <a:t>знаменатель</a:t>
-            </a:r>
-          </a:p>
-          <a:p>
-            <a:pPr lvl="1"/>
-            <a:r>
-              <a:rPr lang="ru-RU" dirty="0"/>
-              <a:t>Дробь должна быть сокращенной</a:t>
-            </a:r>
-          </a:p>
-        </p:txBody>
-      </p:sp>
-    </p:spTree>
-    <p:extLst>
-      <p:ext uri="{BB962C8B-B14F-4D97-AF65-F5344CB8AC3E}">
-        <p14:creationId xmlns:p14="http://schemas.microsoft.com/office/powerpoint/2010/main" val="2789567456"/>
-      </p:ext>
-    </p:extLst>
-  </p:cSld>
-  <p:clrMapOvr>
-    <a:masterClrMapping/>
-  </p:clrMapOvr>
-</p:sld>
-</file>
-
 <file path=ppt/slides/slide3.xml><?xml version="1.0" encoding="utf-8"?>
 <p:sld xmlns:a="http://schemas.openxmlformats.org/drawingml/2006/main" xmlns:r="http://schemas.openxmlformats.org/officeDocument/2006/relationships" xmlns:p="http://schemas.openxmlformats.org/presentationml/2006/main">
   <p:cSld>
@@ -11220,8 +12597,8 @@
           </a:p>
         </p:txBody>
       </p:sp>
-      <mc:AlternateContent xmlns:mc="http://schemas.openxmlformats.org/markup-compatibility/2006">
-        <mc:Choice xmlns:a14="http://schemas.microsoft.com/office/drawing/2010/main" Requires="a14">
+      <mc:AlternateContent xmlns:mc="http://schemas.openxmlformats.org/markup-compatibility/2006" xmlns:a14="http://schemas.microsoft.com/office/drawing/2010/main">
+        <mc:Choice Requires="a14">
           <p:sp>
             <p:nvSpPr>
               <p:cNvPr id="4" name="TextBox 3"/>
@@ -11244,6 +12621,7 @@
               </a:bodyPr>
               <a:lstStyle/>
               <a:p>
+                <a:pPr/>
                 <a14:m>
                   <m:oMathPara xmlns:m="http://schemas.openxmlformats.org/officeDocument/2006/math">
                     <m:oMathParaPr>
@@ -11325,7 +12703,7 @@
             </p:txBody>
           </p:sp>
         </mc:Choice>
-        <mc:Fallback>
+        <mc:Fallback xmlns="">
           <p:sp>
             <p:nvSpPr>
               <p:cNvPr id="4" name="TextBox 3"/>
@@ -11364,8 +12742,8 @@
           </p:sp>
         </mc:Fallback>
       </mc:AlternateContent>
-      <mc:AlternateContent xmlns:mc="http://schemas.openxmlformats.org/markup-compatibility/2006">
-        <mc:Choice xmlns:a14="http://schemas.microsoft.com/office/drawing/2010/main" Requires="a14">
+      <mc:AlternateContent xmlns:mc="http://schemas.openxmlformats.org/markup-compatibility/2006" xmlns:a14="http://schemas.microsoft.com/office/drawing/2010/main">
+        <mc:Choice Requires="a14">
           <p:sp>
             <p:nvSpPr>
               <p:cNvPr id="5" name="TextBox 4"/>
@@ -11388,6 +12766,7 @@
               </a:bodyPr>
               <a:lstStyle/>
               <a:p>
+                <a:pPr/>
                 <a14:m>
                   <m:oMathPara xmlns:m="http://schemas.openxmlformats.org/officeDocument/2006/math">
                     <m:oMathParaPr>
@@ -11462,7 +12841,7 @@
             </p:txBody>
           </p:sp>
         </mc:Choice>
-        <mc:Fallback>
+        <mc:Fallback xmlns="">
           <p:sp>
             <p:nvSpPr>
               <p:cNvPr id="5" name="TextBox 4"/>
@@ -11501,8 +12880,8 @@
           </p:sp>
         </mc:Fallback>
       </mc:AlternateContent>
-      <mc:AlternateContent xmlns:mc="http://schemas.openxmlformats.org/markup-compatibility/2006">
-        <mc:Choice xmlns:a14="http://schemas.microsoft.com/office/drawing/2010/main" Requires="a14">
+      <mc:AlternateContent xmlns:mc="http://schemas.openxmlformats.org/markup-compatibility/2006" xmlns:a14="http://schemas.microsoft.com/office/drawing/2010/main">
+        <mc:Choice Requires="a14">
           <p:sp>
             <p:nvSpPr>
               <p:cNvPr id="6" name="TextBox 5"/>
@@ -11525,6 +12904,7 @@
               </a:bodyPr>
               <a:lstStyle/>
               <a:p>
+                <a:pPr/>
                 <a14:m>
                   <m:oMathPara xmlns:m="http://schemas.openxmlformats.org/officeDocument/2006/math">
                     <m:oMathParaPr>
@@ -11578,7 +12958,7 @@
             </p:txBody>
           </p:sp>
         </mc:Choice>
-        <mc:Fallback>
+        <mc:Fallback xmlns="">
           <p:sp>
             <p:nvSpPr>
               <p:cNvPr id="6" name="TextBox 5"/>
@@ -11617,8 +12997,8 @@
           </p:sp>
         </mc:Fallback>
       </mc:AlternateContent>
-      <mc:AlternateContent xmlns:mc="http://schemas.openxmlformats.org/markup-compatibility/2006">
-        <mc:Choice xmlns:a14="http://schemas.microsoft.com/office/drawing/2010/main" Requires="a14">
+      <mc:AlternateContent xmlns:mc="http://schemas.openxmlformats.org/markup-compatibility/2006" xmlns:a14="http://schemas.microsoft.com/office/drawing/2010/main">
+        <mc:Choice Requires="a14">
           <p:sp>
             <p:nvSpPr>
               <p:cNvPr id="7" name="TextBox 6"/>
@@ -11641,6 +13021,7 @@
               </a:bodyPr>
               <a:lstStyle/>
               <a:p>
+                <a:pPr/>
                 <a14:m>
                   <m:oMathPara xmlns:m="http://schemas.openxmlformats.org/officeDocument/2006/math">
                     <m:oMathParaPr>
@@ -11694,7 +13075,7 @@
             </p:txBody>
           </p:sp>
         </mc:Choice>
-        <mc:Fallback>
+        <mc:Fallback xmlns="">
           <p:sp>
             <p:nvSpPr>
               <p:cNvPr id="7" name="TextBox 6"/>
@@ -11733,8 +13114,8 @@
           </p:sp>
         </mc:Fallback>
       </mc:AlternateContent>
-      <mc:AlternateContent xmlns:mc="http://schemas.openxmlformats.org/markup-compatibility/2006">
-        <mc:Choice xmlns:a14="http://schemas.microsoft.com/office/drawing/2010/main" Requires="a14">
+      <mc:AlternateContent xmlns:mc="http://schemas.openxmlformats.org/markup-compatibility/2006" xmlns:a14="http://schemas.microsoft.com/office/drawing/2010/main">
+        <mc:Choice Requires="a14">
           <p:sp>
             <p:nvSpPr>
               <p:cNvPr id="8" name="TextBox 7"/>
@@ -11757,6 +13138,7 @@
               </a:bodyPr>
               <a:lstStyle/>
               <a:p>
+                <a:pPr/>
                 <a14:m>
                   <m:oMathPara xmlns:m="http://schemas.openxmlformats.org/officeDocument/2006/math">
                     <m:oMathParaPr>
@@ -11813,7 +13195,7 @@
             </p:txBody>
           </p:sp>
         </mc:Choice>
-        <mc:Fallback>
+        <mc:Fallback xmlns="">
           <p:sp>
             <p:nvSpPr>
               <p:cNvPr id="8" name="TextBox 7"/>
@@ -11898,9 +13280,10 @@
           <a:lstStyle/>
           <a:p>
             <a:r>
-              <a:rPr lang="ru-RU" dirty="0"/>
-              <a:t>Порядок решения задачи</a:t>
-            </a:r>
+              <a:rPr lang="ru-RU" dirty="0" smtClean="0"/>
+              <a:t>Задачи, которые нужно решить</a:t>
+            </a:r>
+            <a:endParaRPr lang="ru-RU" dirty="0"/>
           </a:p>
         </p:txBody>
       </p:sp>
@@ -11921,8 +13304,13 @@
           <a:p>
             <a:r>
               <a:rPr lang="ru-RU" dirty="0"/>
-              <a:t>Ввод исходных данных</a:t>
-            </a:r>
+              <a:t>Ввод </a:t>
+            </a:r>
+            <a:r>
+              <a:rPr lang="ru-RU" dirty="0" smtClean="0"/>
+              <a:t>числителя и знаменателя</a:t>
+            </a:r>
+            <a:endParaRPr lang="ru-RU" dirty="0"/>
           </a:p>
           <a:p>
             <a:r>
@@ -11939,7 +13327,11 @@
           <a:p>
             <a:r>
               <a:rPr lang="ru-RU" dirty="0"/>
-              <a:t>Вывод результата</a:t>
+              <a:t>Вывод </a:t>
+            </a:r>
+            <a:r>
+              <a:rPr lang="ru-RU" dirty="0" smtClean="0"/>
+              <a:t>результата</a:t>
             </a:r>
           </a:p>
         </p:txBody>
@@ -11976,6 +13368,109 @@
       </p:grpSpPr>
       <p:sp>
         <p:nvSpPr>
+          <p:cNvPr id="4" name="Title 3"/>
+          <p:cNvSpPr>
+            <a:spLocks noGrp="1"/>
+          </p:cNvSpPr>
+          <p:nvPr>
+            <p:ph type="title"/>
+          </p:nvPr>
+        </p:nvSpPr>
+        <p:spPr/>
+        <p:txBody>
+          <a:bodyPr/>
+          <a:lstStyle/>
+          <a:p>
+            <a:r>
+              <a:rPr lang="ru-RU" dirty="0" smtClean="0"/>
+              <a:t>Создание программы по шагам</a:t>
+            </a:r>
+            <a:endParaRPr lang="ru-RU" dirty="0"/>
+          </a:p>
+        </p:txBody>
+      </p:sp>
+      <p:pic>
+        <p:nvPicPr>
+          <p:cNvPr id="2050" name="Picture 2" descr="http://s00.yaplakal.com/pics/pics_original/4/4/4/282444.jpg"/>
+          <p:cNvPicPr>
+            <a:picLocks noGrp="1" noChangeAspect="1" noChangeArrowheads="1"/>
+          </p:cNvPicPr>
+          <p:nvPr>
+            <p:ph idx="1"/>
+          </p:nvPr>
+        </p:nvPicPr>
+        <p:blipFill>
+          <a:blip r:embed="rId2">
+            <a:extLst>
+              <a:ext uri="{28A0092B-C50C-407E-A947-70E740481C1C}">
+                <a14:useLocalDpi xmlns:a14="http://schemas.microsoft.com/office/drawing/2010/main" val="0"/>
+              </a:ext>
+            </a:extLst>
+          </a:blip>
+          <a:srcRect/>
+          <a:stretch>
+            <a:fillRect/>
+          </a:stretch>
+        </p:blipFill>
+        <p:spPr bwMode="auto">
+          <a:xfrm>
+            <a:off x="1837950" y="1854156"/>
+            <a:ext cx="5844450" cy="4757382"/>
+          </a:xfrm>
+          <a:prstGeom prst="rect">
+            <a:avLst/>
+          </a:prstGeom>
+          <a:noFill/>
+          <a:extLst>
+            <a:ext uri="{909E8E84-426E-40DD-AFC4-6F175D3DCCD1}">
+              <a14:hiddenFill xmlns:a14="http://schemas.microsoft.com/office/drawing/2010/main">
+                <a:solidFill>
+                  <a:srgbClr val="FFFFFF"/>
+                </a:solidFill>
+              </a14:hiddenFill>
+            </a:ext>
+          </a:extLst>
+        </p:spPr>
+      </p:pic>
+    </p:spTree>
+    <p:extLst>
+      <p:ext uri="{BB962C8B-B14F-4D97-AF65-F5344CB8AC3E}">
+        <p14:creationId xmlns:p14="http://schemas.microsoft.com/office/powerpoint/2010/main" val="3092245596"/>
+      </p:ext>
+    </p:extLst>
+  </p:cSld>
+  <p:clrMapOvr>
+    <a:masterClrMapping/>
+  </p:clrMapOvr>
+  <p:timing>
+    <p:tnLst>
+      <p:par>
+        <p:cTn id="1" dur="indefinite" restart="never" nodeType="tmRoot"/>
+      </p:par>
+    </p:tnLst>
+  </p:timing>
+</p:sld>
+</file>
+
+<file path=ppt/slides/slide6.xml><?xml version="1.0" encoding="utf-8"?>
+<p:sld xmlns:a="http://schemas.openxmlformats.org/drawingml/2006/main" xmlns:r="http://schemas.openxmlformats.org/officeDocument/2006/relationships" xmlns:p="http://schemas.openxmlformats.org/presentationml/2006/main">
+  <p:cSld>
+    <p:spTree>
+      <p:nvGrpSpPr>
+        <p:cNvPr id="1" name=""/>
+        <p:cNvGrpSpPr/>
+        <p:nvPr/>
+      </p:nvGrpSpPr>
+      <p:grpSpPr>
+        <a:xfrm>
+          <a:off x="0" y="0"/>
+          <a:ext cx="0" cy="0"/>
+          <a:chOff x="0" y="0"/>
+          <a:chExt cx="0" cy="0"/>
+        </a:xfrm>
+      </p:grpSpPr>
+      <p:sp>
+        <p:nvSpPr>
           <p:cNvPr id="2" name="Заголовок 1"/>
           <p:cNvSpPr>
             <a:spLocks noGrp="1"/>
@@ -12173,9 +13668,6 @@
               </a:rPr>
               <a:t>END.</a:t>
             </a:r>
-            <a:endParaRPr lang="ru-RU" dirty="0">
-              <a:latin typeface="Lucida Console" panose="020B0609040504020204" pitchFamily="49" charset="0"/>
-            </a:endParaRPr>
           </a:p>
         </p:txBody>
       </p:sp>
@@ -12239,12 +13731,6 @@
               </a:rPr>
               <a:t>1/2</a:t>
             </a:r>
-            <a:endParaRPr lang="ru-RU" sz="2000" dirty="0">
-              <a:solidFill>
-                <a:srgbClr val="FFFF00"/>
-              </a:solidFill>
-              <a:latin typeface="Lucida Console" panose="020B0609040504020204" pitchFamily="49" charset="0"/>
-            </a:endParaRPr>
           </a:p>
         </p:txBody>
       </p:sp>
@@ -12482,7 +13968,140 @@
 </p:sld>
 </file>
 
-<file path=ppt/slides/slide6.xml><?xml version="1.0" encoding="utf-8"?>
+<file path=ppt/slides/slide7.xml><?xml version="1.0" encoding="utf-8"?>
+<p:sld xmlns:a="http://schemas.openxmlformats.org/drawingml/2006/main" xmlns:r="http://schemas.openxmlformats.org/officeDocument/2006/relationships" xmlns:p="http://schemas.openxmlformats.org/presentationml/2006/main">
+  <p:cSld>
+    <p:spTree>
+      <p:nvGrpSpPr>
+        <p:cNvPr id="1" name=""/>
+        <p:cNvGrpSpPr/>
+        <p:nvPr/>
+      </p:nvGrpSpPr>
+      <p:grpSpPr>
+        <a:xfrm>
+          <a:off x="0" y="0"/>
+          <a:ext cx="0" cy="0"/>
+          <a:chOff x="0" y="0"/>
+          <a:chExt cx="0" cy="0"/>
+        </a:xfrm>
+      </p:grpSpPr>
+      <p:sp>
+        <p:nvSpPr>
+          <p:cNvPr id="2" name="Title 1"/>
+          <p:cNvSpPr>
+            <a:spLocks noGrp="1"/>
+          </p:cNvSpPr>
+          <p:nvPr>
+            <p:ph type="title"/>
+          </p:nvPr>
+        </p:nvSpPr>
+        <p:spPr/>
+        <p:txBody>
+          <a:bodyPr/>
+          <a:lstStyle/>
+          <a:p>
+            <a:r>
+              <a:rPr lang="ru-RU" dirty="0" smtClean="0"/>
+              <a:t>Анализ решения</a:t>
+            </a:r>
+            <a:endParaRPr lang="ru-RU" dirty="0"/>
+          </a:p>
+        </p:txBody>
+      </p:sp>
+      <p:sp>
+        <p:nvSpPr>
+          <p:cNvPr id="3" name="Content Placeholder 2"/>
+          <p:cNvSpPr>
+            <a:spLocks noGrp="1"/>
+          </p:cNvSpPr>
+          <p:nvPr>
+            <p:ph idx="1"/>
+          </p:nvPr>
+        </p:nvSpPr>
+        <p:spPr/>
+        <p:txBody>
+          <a:bodyPr/>
+          <a:lstStyle/>
+          <a:p>
+            <a:r>
+              <a:rPr lang="ru-RU" dirty="0" smtClean="0"/>
+              <a:t>Решена часть задачи</a:t>
+            </a:r>
+          </a:p>
+          <a:p>
+            <a:pPr lvl="1"/>
+            <a:r>
+              <a:rPr lang="ru-RU" dirty="0" smtClean="0"/>
+              <a:t>Ввод данных</a:t>
+            </a:r>
+          </a:p>
+          <a:p>
+            <a:pPr lvl="1"/>
+            <a:r>
+              <a:rPr lang="ru-RU" dirty="0" smtClean="0"/>
+              <a:t>Печать дроби</a:t>
+            </a:r>
+          </a:p>
+          <a:p>
+            <a:r>
+              <a:rPr lang="ru-RU" dirty="0" smtClean="0"/>
+              <a:t>Многое не сделано</a:t>
+            </a:r>
+          </a:p>
+          <a:p>
+            <a:pPr lvl="1"/>
+            <a:r>
+              <a:rPr lang="ru-RU" dirty="0" smtClean="0"/>
+              <a:t>Обработка ошибок</a:t>
+            </a:r>
+          </a:p>
+          <a:p>
+            <a:pPr lvl="1"/>
+            <a:r>
+              <a:rPr lang="ru-RU" dirty="0" smtClean="0"/>
+              <a:t>Приведение дроби к нужному виду</a:t>
+            </a:r>
+          </a:p>
+          <a:p>
+            <a:r>
+              <a:rPr lang="ru-RU" dirty="0" smtClean="0"/>
+              <a:t>Зато сделано самое главное:</a:t>
+            </a:r>
+          </a:p>
+          <a:p>
+            <a:pPr lvl="1"/>
+            <a:r>
+              <a:rPr lang="ru-RU" dirty="0" smtClean="0"/>
+              <a:t>У нас есть программа и она работает!</a:t>
+            </a:r>
+          </a:p>
+          <a:p>
+            <a:pPr lvl="1"/>
+            <a:endParaRPr lang="ru-RU" dirty="0"/>
+          </a:p>
+        </p:txBody>
+      </p:sp>
+    </p:spTree>
+    <p:extLst>
+      <p:ext uri="{BB962C8B-B14F-4D97-AF65-F5344CB8AC3E}">
+        <p14:creationId xmlns:p14="http://schemas.microsoft.com/office/powerpoint/2010/main" val="2017703556"/>
+      </p:ext>
+    </p:extLst>
+  </p:cSld>
+  <p:clrMapOvr>
+    <a:masterClrMapping/>
+  </p:clrMapOvr>
+  <p:timing>
+    <p:tnLst>
+      <p:par>
+        <p:cTn id="1" dur="indefinite" restart="never" nodeType="tmRoot"/>
+      </p:par>
+    </p:tnLst>
+  </p:timing>
+</p:sld>
+</file>
+
+<file path=ppt/slides/slide8.xml><?xml version="1.0" encoding="utf-8"?>
 <p:sld xmlns:a="http://schemas.openxmlformats.org/drawingml/2006/main" xmlns:r="http://schemas.openxmlformats.org/officeDocument/2006/relationships" xmlns:p="http://schemas.openxmlformats.org/presentationml/2006/main">
   <p:cSld>
     <p:spTree>
@@ -12983,9 +14602,6 @@
               </a:rPr>
               <a:t>END.</a:t>
             </a:r>
-            <a:endParaRPr lang="ru-RU" dirty="0">
-              <a:latin typeface="Lucida Console" panose="020B0609040504020204" pitchFamily="49" charset="0"/>
-            </a:endParaRPr>
           </a:p>
         </p:txBody>
       </p:sp>
@@ -13648,7 +15264,7 @@
 </p:sld>
 </file>
 
-<file path=ppt/slides/slide7.xml><?xml version="1.0" encoding="utf-8"?>
+<file path=ppt/slides/slide9.xml><?xml version="1.0" encoding="utf-8"?>
 <p:sld xmlns:a="http://schemas.openxmlformats.org/drawingml/2006/main" xmlns:r="http://schemas.openxmlformats.org/officeDocument/2006/relationships" xmlns:p="http://schemas.openxmlformats.org/presentationml/2006/main">
   <p:cSld>
     <p:spTree>
@@ -14130,9 +15746,6 @@
               </a:rPr>
               <a:t>END.</a:t>
             </a:r>
-            <a:endParaRPr lang="ru-RU" sz="1600" dirty="0">
-              <a:latin typeface="Lucida Console" panose="020B0609040504020204" pitchFamily="49" charset="0"/>
-            </a:endParaRPr>
           </a:p>
         </p:txBody>
       </p:sp>
@@ -14857,1355 +16470,6 @@
     <p:bldLst>
       <p:bldP spid="5" grpId="0" animBg="1"/>
       <p:bldP spid="4" grpId="0" animBg="1"/>
-      <p:bldP spid="6" grpId="0" animBg="1"/>
-    </p:bldLst>
-  </p:timing>
-</p:sld>
-</file>
-
-<file path=ppt/slides/slide8.xml><?xml version="1.0" encoding="utf-8"?>
-<p:sld xmlns:a="http://schemas.openxmlformats.org/drawingml/2006/main" xmlns:r="http://schemas.openxmlformats.org/officeDocument/2006/relationships" xmlns:p="http://schemas.openxmlformats.org/presentationml/2006/main">
-  <p:cSld>
-    <p:spTree>
-      <p:nvGrpSpPr>
-        <p:cNvPr id="1" name=""/>
-        <p:cNvGrpSpPr/>
-        <p:nvPr/>
-      </p:nvGrpSpPr>
-      <p:grpSpPr>
-        <a:xfrm>
-          <a:off x="0" y="0"/>
-          <a:ext cx="0" cy="0"/>
-          <a:chOff x="0" y="0"/>
-          <a:chExt cx="0" cy="0"/>
-        </a:xfrm>
-      </p:grpSpPr>
-      <p:sp>
-        <p:nvSpPr>
-          <p:cNvPr id="2" name="Заголовок 1"/>
-          <p:cNvSpPr>
-            <a:spLocks noGrp="1"/>
-          </p:cNvSpPr>
-          <p:nvPr>
-            <p:ph type="title"/>
-          </p:nvPr>
-        </p:nvSpPr>
-        <p:spPr/>
-        <p:txBody>
-          <a:bodyPr/>
-          <a:lstStyle/>
-          <a:p>
-            <a:r>
-              <a:rPr lang="ru-RU" dirty="0"/>
-              <a:t>Анализ решения</a:t>
-            </a:r>
-          </a:p>
-        </p:txBody>
-      </p:sp>
-      <p:sp>
-        <p:nvSpPr>
-          <p:cNvPr id="3" name="Объект 2"/>
-          <p:cNvSpPr>
-            <a:spLocks noGrp="1"/>
-          </p:cNvSpPr>
-          <p:nvPr>
-            <p:ph idx="1"/>
-          </p:nvPr>
-        </p:nvSpPr>
-        <p:spPr/>
-        <p:txBody>
-          <a:bodyPr/>
-          <a:lstStyle/>
-          <a:p>
-            <a:r>
-              <a:rPr lang="ru-RU" dirty="0"/>
-              <a:t>Код стал понятнее</a:t>
-            </a:r>
-          </a:p>
-          <a:p>
-            <a:pPr lvl="1"/>
-            <a:r>
-              <a:rPr lang="ru-RU" dirty="0"/>
-              <a:t>Вместо условий – понятное имя процедуры</a:t>
-            </a:r>
-          </a:p>
-          <a:p>
-            <a:pPr lvl="1"/>
-            <a:r>
-              <a:rPr lang="ru-RU" dirty="0"/>
-              <a:t>Понятность сохранится при усложнении условий</a:t>
-            </a:r>
-          </a:p>
-          <a:p>
-            <a:r>
-              <a:rPr lang="ru-RU" dirty="0"/>
-              <a:t>Что пока не нравится?</a:t>
-            </a:r>
-          </a:p>
-          <a:p>
-            <a:pPr lvl="1"/>
-            <a:r>
-              <a:rPr lang="ru-RU" dirty="0"/>
-              <a:t>Дробь не всегда выводится по заданию</a:t>
-            </a:r>
-          </a:p>
-          <a:p>
-            <a:pPr lvl="2"/>
-            <a:r>
-              <a:rPr lang="en-US" dirty="0"/>
-              <a:t>3/1 =&gt; 3 0/1</a:t>
-            </a:r>
-            <a:r>
-              <a:rPr lang="ru-RU" dirty="0"/>
-              <a:t> вместо 3</a:t>
-            </a:r>
-            <a:endParaRPr lang="en-US" dirty="0"/>
-          </a:p>
-          <a:p>
-            <a:pPr lvl="2"/>
-            <a:r>
-              <a:rPr lang="en-US" dirty="0"/>
-              <a:t>10/6 =&gt; 1 4/6</a:t>
-            </a:r>
-            <a:r>
-              <a:rPr lang="ru-RU" dirty="0"/>
-              <a:t> вместо 1 2/3</a:t>
-            </a:r>
-          </a:p>
-          <a:p>
-            <a:pPr lvl="1"/>
-            <a:r>
-              <a:rPr lang="ru-RU" dirty="0"/>
-              <a:t>Не обрабатываются ошибки ввода</a:t>
-            </a:r>
-          </a:p>
-          <a:p>
-            <a:pPr lvl="1"/>
-            <a:r>
-              <a:rPr lang="ru-RU" dirty="0"/>
-              <a:t>Используются глобальные переменные</a:t>
-            </a:r>
-          </a:p>
-        </p:txBody>
-      </p:sp>
-    </p:spTree>
-    <p:extLst>
-      <p:ext uri="{BB962C8B-B14F-4D97-AF65-F5344CB8AC3E}">
-        <p14:creationId xmlns:p14="http://schemas.microsoft.com/office/powerpoint/2010/main" val="1597628770"/>
-      </p:ext>
-    </p:extLst>
-  </p:cSld>
-  <p:clrMapOvr>
-    <a:masterClrMapping/>
-  </p:clrMapOvr>
-  <p:timing>
-    <p:tnLst>
-      <p:par>
-        <p:cTn id="1" dur="indefinite" restart="never" nodeType="tmRoot">
-          <p:childTnLst>
-            <p:seq concurrent="1" nextAc="seek">
-              <p:cTn id="2" dur="indefinite" nodeType="mainSeq">
-                <p:childTnLst>
-                  <p:par>
-                    <p:cTn id="3" fill="hold">
-                      <p:stCondLst>
-                        <p:cond delay="indefinite"/>
-                      </p:stCondLst>
-                      <p:childTnLst>
-                        <p:par>
-                          <p:cTn id="4" fill="hold">
-                            <p:stCondLst>
-                              <p:cond delay="0"/>
-                            </p:stCondLst>
-                            <p:childTnLst>
-                              <p:par>
-                                <p:cTn id="5" presetID="10" presetClass="entr" presetSubtype="0" fill="hold" nodeType="clickEffect">
-                                  <p:stCondLst>
-                                    <p:cond delay="0"/>
-                                  </p:stCondLst>
-                                  <p:childTnLst>
-                                    <p:set>
-                                      <p:cBhvr>
-                                        <p:cTn id="6" dur="1" fill="hold">
-                                          <p:stCondLst>
-                                            <p:cond delay="0"/>
-                                          </p:stCondLst>
-                                        </p:cTn>
-                                        <p:tgtEl>
-                                          <p:spTgt spid="3">
-                                            <p:txEl>
-                                              <p:pRg st="0" end="0"/>
-                                            </p:txEl>
-                                          </p:spTgt>
-                                        </p:tgtEl>
-                                        <p:attrNameLst>
-                                          <p:attrName>style.visibility</p:attrName>
-                                        </p:attrNameLst>
-                                      </p:cBhvr>
-                                      <p:to>
-                                        <p:strVal val="visible"/>
-                                      </p:to>
-                                    </p:set>
-                                    <p:animEffect transition="in" filter="fade">
-                                      <p:cBhvr>
-                                        <p:cTn id="7" dur="500"/>
-                                        <p:tgtEl>
-                                          <p:spTgt spid="3">
-                                            <p:txEl>
-                                              <p:pRg st="0" end="0"/>
-                                            </p:txEl>
-                                          </p:spTgt>
-                                        </p:tgtEl>
-                                      </p:cBhvr>
-                                    </p:animEffect>
-                                  </p:childTnLst>
-                                </p:cTn>
-                              </p:par>
-                            </p:childTnLst>
-                          </p:cTn>
-                        </p:par>
-                      </p:childTnLst>
-                    </p:cTn>
-                  </p:par>
-                  <p:par>
-                    <p:cTn id="8" fill="hold">
-                      <p:stCondLst>
-                        <p:cond delay="indefinite"/>
-                      </p:stCondLst>
-                      <p:childTnLst>
-                        <p:par>
-                          <p:cTn id="9" fill="hold">
-                            <p:stCondLst>
-                              <p:cond delay="0"/>
-                            </p:stCondLst>
-                            <p:childTnLst>
-                              <p:par>
-                                <p:cTn id="10" presetID="10" presetClass="entr" presetSubtype="0" fill="hold" nodeType="clickEffect">
-                                  <p:stCondLst>
-                                    <p:cond delay="0"/>
-                                  </p:stCondLst>
-                                  <p:childTnLst>
-                                    <p:set>
-                                      <p:cBhvr>
-                                        <p:cTn id="11" dur="1" fill="hold">
-                                          <p:stCondLst>
-                                            <p:cond delay="0"/>
-                                          </p:stCondLst>
-                                        </p:cTn>
-                                        <p:tgtEl>
-                                          <p:spTgt spid="3">
-                                            <p:txEl>
-                                              <p:pRg st="1" end="1"/>
-                                            </p:txEl>
-                                          </p:spTgt>
-                                        </p:tgtEl>
-                                        <p:attrNameLst>
-                                          <p:attrName>style.visibility</p:attrName>
-                                        </p:attrNameLst>
-                                      </p:cBhvr>
-                                      <p:to>
-                                        <p:strVal val="visible"/>
-                                      </p:to>
-                                    </p:set>
-                                    <p:animEffect transition="in" filter="fade">
-                                      <p:cBhvr>
-                                        <p:cTn id="12" dur="500"/>
-                                        <p:tgtEl>
-                                          <p:spTgt spid="3">
-                                            <p:txEl>
-                                              <p:pRg st="1" end="1"/>
-                                            </p:txEl>
-                                          </p:spTgt>
-                                        </p:tgtEl>
-                                      </p:cBhvr>
-                                    </p:animEffect>
-                                  </p:childTnLst>
-                                </p:cTn>
-                              </p:par>
-                            </p:childTnLst>
-                          </p:cTn>
-                        </p:par>
-                      </p:childTnLst>
-                    </p:cTn>
-                  </p:par>
-                  <p:par>
-                    <p:cTn id="13" fill="hold">
-                      <p:stCondLst>
-                        <p:cond delay="indefinite"/>
-                      </p:stCondLst>
-                      <p:childTnLst>
-                        <p:par>
-                          <p:cTn id="14" fill="hold">
-                            <p:stCondLst>
-                              <p:cond delay="0"/>
-                            </p:stCondLst>
-                            <p:childTnLst>
-                              <p:par>
-                                <p:cTn id="15" presetID="10" presetClass="entr" presetSubtype="0" fill="hold" nodeType="clickEffect">
-                                  <p:stCondLst>
-                                    <p:cond delay="0"/>
-                                  </p:stCondLst>
-                                  <p:childTnLst>
-                                    <p:set>
-                                      <p:cBhvr>
-                                        <p:cTn id="16" dur="1" fill="hold">
-                                          <p:stCondLst>
-                                            <p:cond delay="0"/>
-                                          </p:stCondLst>
-                                        </p:cTn>
-                                        <p:tgtEl>
-                                          <p:spTgt spid="3">
-                                            <p:txEl>
-                                              <p:pRg st="2" end="2"/>
-                                            </p:txEl>
-                                          </p:spTgt>
-                                        </p:tgtEl>
-                                        <p:attrNameLst>
-                                          <p:attrName>style.visibility</p:attrName>
-                                        </p:attrNameLst>
-                                      </p:cBhvr>
-                                      <p:to>
-                                        <p:strVal val="visible"/>
-                                      </p:to>
-                                    </p:set>
-                                    <p:animEffect transition="in" filter="fade">
-                                      <p:cBhvr>
-                                        <p:cTn id="17" dur="500"/>
-                                        <p:tgtEl>
-                                          <p:spTgt spid="3">
-                                            <p:txEl>
-                                              <p:pRg st="2" end="2"/>
-                                            </p:txEl>
-                                          </p:spTgt>
-                                        </p:tgtEl>
-                                      </p:cBhvr>
-                                    </p:animEffect>
-                                  </p:childTnLst>
-                                </p:cTn>
-                              </p:par>
-                            </p:childTnLst>
-                          </p:cTn>
-                        </p:par>
-                      </p:childTnLst>
-                    </p:cTn>
-                  </p:par>
-                  <p:par>
-                    <p:cTn id="18" fill="hold">
-                      <p:stCondLst>
-                        <p:cond delay="indefinite"/>
-                      </p:stCondLst>
-                      <p:childTnLst>
-                        <p:par>
-                          <p:cTn id="19" fill="hold">
-                            <p:stCondLst>
-                              <p:cond delay="0"/>
-                            </p:stCondLst>
-                            <p:childTnLst>
-                              <p:par>
-                                <p:cTn id="20" presetID="10" presetClass="entr" presetSubtype="0" fill="hold" nodeType="clickEffect">
-                                  <p:stCondLst>
-                                    <p:cond delay="0"/>
-                                  </p:stCondLst>
-                                  <p:childTnLst>
-                                    <p:set>
-                                      <p:cBhvr>
-                                        <p:cTn id="21" dur="1" fill="hold">
-                                          <p:stCondLst>
-                                            <p:cond delay="0"/>
-                                          </p:stCondLst>
-                                        </p:cTn>
-                                        <p:tgtEl>
-                                          <p:spTgt spid="3">
-                                            <p:txEl>
-                                              <p:pRg st="3" end="3"/>
-                                            </p:txEl>
-                                          </p:spTgt>
-                                        </p:tgtEl>
-                                        <p:attrNameLst>
-                                          <p:attrName>style.visibility</p:attrName>
-                                        </p:attrNameLst>
-                                      </p:cBhvr>
-                                      <p:to>
-                                        <p:strVal val="visible"/>
-                                      </p:to>
-                                    </p:set>
-                                    <p:animEffect transition="in" filter="fade">
-                                      <p:cBhvr>
-                                        <p:cTn id="22" dur="500"/>
-                                        <p:tgtEl>
-                                          <p:spTgt spid="3">
-                                            <p:txEl>
-                                              <p:pRg st="3" end="3"/>
-                                            </p:txEl>
-                                          </p:spTgt>
-                                        </p:tgtEl>
-                                      </p:cBhvr>
-                                    </p:animEffect>
-                                  </p:childTnLst>
-                                </p:cTn>
-                              </p:par>
-                            </p:childTnLst>
-                          </p:cTn>
-                        </p:par>
-                      </p:childTnLst>
-                    </p:cTn>
-                  </p:par>
-                  <p:par>
-                    <p:cTn id="23" fill="hold">
-                      <p:stCondLst>
-                        <p:cond delay="indefinite"/>
-                      </p:stCondLst>
-                      <p:childTnLst>
-                        <p:par>
-                          <p:cTn id="24" fill="hold">
-                            <p:stCondLst>
-                              <p:cond delay="0"/>
-                            </p:stCondLst>
-                            <p:childTnLst>
-                              <p:par>
-                                <p:cTn id="25" presetID="10" presetClass="entr" presetSubtype="0" fill="hold" nodeType="clickEffect">
-                                  <p:stCondLst>
-                                    <p:cond delay="0"/>
-                                  </p:stCondLst>
-                                  <p:childTnLst>
-                                    <p:set>
-                                      <p:cBhvr>
-                                        <p:cTn id="26" dur="1" fill="hold">
-                                          <p:stCondLst>
-                                            <p:cond delay="0"/>
-                                          </p:stCondLst>
-                                        </p:cTn>
-                                        <p:tgtEl>
-                                          <p:spTgt spid="3">
-                                            <p:txEl>
-                                              <p:pRg st="4" end="4"/>
-                                            </p:txEl>
-                                          </p:spTgt>
-                                        </p:tgtEl>
-                                        <p:attrNameLst>
-                                          <p:attrName>style.visibility</p:attrName>
-                                        </p:attrNameLst>
-                                      </p:cBhvr>
-                                      <p:to>
-                                        <p:strVal val="visible"/>
-                                      </p:to>
-                                    </p:set>
-                                    <p:animEffect transition="in" filter="fade">
-                                      <p:cBhvr>
-                                        <p:cTn id="27" dur="500"/>
-                                        <p:tgtEl>
-                                          <p:spTgt spid="3">
-                                            <p:txEl>
-                                              <p:pRg st="4" end="4"/>
-                                            </p:txEl>
-                                          </p:spTgt>
-                                        </p:tgtEl>
-                                      </p:cBhvr>
-                                    </p:animEffect>
-                                  </p:childTnLst>
-                                </p:cTn>
-                              </p:par>
-                              <p:par>
-                                <p:cTn id="28" presetID="10" presetClass="entr" presetSubtype="0" fill="hold" nodeType="withEffect">
-                                  <p:stCondLst>
-                                    <p:cond delay="0"/>
-                                  </p:stCondLst>
-                                  <p:childTnLst>
-                                    <p:set>
-                                      <p:cBhvr>
-                                        <p:cTn id="29" dur="1" fill="hold">
-                                          <p:stCondLst>
-                                            <p:cond delay="0"/>
-                                          </p:stCondLst>
-                                        </p:cTn>
-                                        <p:tgtEl>
-                                          <p:spTgt spid="3">
-                                            <p:txEl>
-                                              <p:pRg st="5" end="5"/>
-                                            </p:txEl>
-                                          </p:spTgt>
-                                        </p:tgtEl>
-                                        <p:attrNameLst>
-                                          <p:attrName>style.visibility</p:attrName>
-                                        </p:attrNameLst>
-                                      </p:cBhvr>
-                                      <p:to>
-                                        <p:strVal val="visible"/>
-                                      </p:to>
-                                    </p:set>
-                                    <p:animEffect transition="in" filter="fade">
-                                      <p:cBhvr>
-                                        <p:cTn id="30" dur="500"/>
-                                        <p:tgtEl>
-                                          <p:spTgt spid="3">
-                                            <p:txEl>
-                                              <p:pRg st="5" end="5"/>
-                                            </p:txEl>
-                                          </p:spTgt>
-                                        </p:tgtEl>
-                                      </p:cBhvr>
-                                    </p:animEffect>
-                                  </p:childTnLst>
-                                </p:cTn>
-                              </p:par>
-                              <p:par>
-                                <p:cTn id="31" presetID="10" presetClass="entr" presetSubtype="0" fill="hold" nodeType="withEffect">
-                                  <p:stCondLst>
-                                    <p:cond delay="0"/>
-                                  </p:stCondLst>
-                                  <p:childTnLst>
-                                    <p:set>
-                                      <p:cBhvr>
-                                        <p:cTn id="32" dur="1" fill="hold">
-                                          <p:stCondLst>
-                                            <p:cond delay="0"/>
-                                          </p:stCondLst>
-                                        </p:cTn>
-                                        <p:tgtEl>
-                                          <p:spTgt spid="3">
-                                            <p:txEl>
-                                              <p:pRg st="6" end="6"/>
-                                            </p:txEl>
-                                          </p:spTgt>
-                                        </p:tgtEl>
-                                        <p:attrNameLst>
-                                          <p:attrName>style.visibility</p:attrName>
-                                        </p:attrNameLst>
-                                      </p:cBhvr>
-                                      <p:to>
-                                        <p:strVal val="visible"/>
-                                      </p:to>
-                                    </p:set>
-                                    <p:animEffect transition="in" filter="fade">
-                                      <p:cBhvr>
-                                        <p:cTn id="33" dur="500"/>
-                                        <p:tgtEl>
-                                          <p:spTgt spid="3">
-                                            <p:txEl>
-                                              <p:pRg st="6" end="6"/>
-                                            </p:txEl>
-                                          </p:spTgt>
-                                        </p:tgtEl>
-                                      </p:cBhvr>
-                                    </p:animEffect>
-                                  </p:childTnLst>
-                                </p:cTn>
-                              </p:par>
-                            </p:childTnLst>
-                          </p:cTn>
-                        </p:par>
-                      </p:childTnLst>
-                    </p:cTn>
-                  </p:par>
-                  <p:par>
-                    <p:cTn id="34" fill="hold">
-                      <p:stCondLst>
-                        <p:cond delay="indefinite"/>
-                      </p:stCondLst>
-                      <p:childTnLst>
-                        <p:par>
-                          <p:cTn id="35" fill="hold">
-                            <p:stCondLst>
-                              <p:cond delay="0"/>
-                            </p:stCondLst>
-                            <p:childTnLst>
-                              <p:par>
-                                <p:cTn id="36" presetID="10" presetClass="entr" presetSubtype="0" fill="hold" nodeType="clickEffect">
-                                  <p:stCondLst>
-                                    <p:cond delay="0"/>
-                                  </p:stCondLst>
-                                  <p:childTnLst>
-                                    <p:set>
-                                      <p:cBhvr>
-                                        <p:cTn id="37" dur="1" fill="hold">
-                                          <p:stCondLst>
-                                            <p:cond delay="0"/>
-                                          </p:stCondLst>
-                                        </p:cTn>
-                                        <p:tgtEl>
-                                          <p:spTgt spid="3">
-                                            <p:txEl>
-                                              <p:pRg st="7" end="7"/>
-                                            </p:txEl>
-                                          </p:spTgt>
-                                        </p:tgtEl>
-                                        <p:attrNameLst>
-                                          <p:attrName>style.visibility</p:attrName>
-                                        </p:attrNameLst>
-                                      </p:cBhvr>
-                                      <p:to>
-                                        <p:strVal val="visible"/>
-                                      </p:to>
-                                    </p:set>
-                                    <p:animEffect transition="in" filter="fade">
-                                      <p:cBhvr>
-                                        <p:cTn id="38" dur="500"/>
-                                        <p:tgtEl>
-                                          <p:spTgt spid="3">
-                                            <p:txEl>
-                                              <p:pRg st="7" end="7"/>
-                                            </p:txEl>
-                                          </p:spTgt>
-                                        </p:tgtEl>
-                                      </p:cBhvr>
-                                    </p:animEffect>
-                                  </p:childTnLst>
-                                </p:cTn>
-                              </p:par>
-                            </p:childTnLst>
-                          </p:cTn>
-                        </p:par>
-                      </p:childTnLst>
-                    </p:cTn>
-                  </p:par>
-                  <p:par>
-                    <p:cTn id="39" fill="hold">
-                      <p:stCondLst>
-                        <p:cond delay="indefinite"/>
-                      </p:stCondLst>
-                      <p:childTnLst>
-                        <p:par>
-                          <p:cTn id="40" fill="hold">
-                            <p:stCondLst>
-                              <p:cond delay="0"/>
-                            </p:stCondLst>
-                            <p:childTnLst>
-                              <p:par>
-                                <p:cTn id="41" presetID="10" presetClass="entr" presetSubtype="0" fill="hold" nodeType="clickEffect">
-                                  <p:stCondLst>
-                                    <p:cond delay="0"/>
-                                  </p:stCondLst>
-                                  <p:childTnLst>
-                                    <p:set>
-                                      <p:cBhvr>
-                                        <p:cTn id="42" dur="1" fill="hold">
-                                          <p:stCondLst>
-                                            <p:cond delay="0"/>
-                                          </p:stCondLst>
-                                        </p:cTn>
-                                        <p:tgtEl>
-                                          <p:spTgt spid="3">
-                                            <p:txEl>
-                                              <p:pRg st="8" end="8"/>
-                                            </p:txEl>
-                                          </p:spTgt>
-                                        </p:tgtEl>
-                                        <p:attrNameLst>
-                                          <p:attrName>style.visibility</p:attrName>
-                                        </p:attrNameLst>
-                                      </p:cBhvr>
-                                      <p:to>
-                                        <p:strVal val="visible"/>
-                                      </p:to>
-                                    </p:set>
-                                    <p:animEffect transition="in" filter="fade">
-                                      <p:cBhvr>
-                                        <p:cTn id="43" dur="500"/>
-                                        <p:tgtEl>
-                                          <p:spTgt spid="3">
-                                            <p:txEl>
-                                              <p:pRg st="8" end="8"/>
-                                            </p:txEl>
-                                          </p:spTgt>
-                                        </p:tgtEl>
-                                      </p:cBhvr>
-                                    </p:animEffect>
-                                  </p:childTnLst>
-                                </p:cTn>
-                              </p:par>
-                            </p:childTnLst>
-                          </p:cTn>
-                        </p:par>
-                      </p:childTnLst>
-                    </p:cTn>
-                  </p:par>
-                </p:childTnLst>
-              </p:cTn>
-              <p:prevCondLst>
-                <p:cond evt="onPrev" delay="0">
-                  <p:tgtEl>
-                    <p:sldTgt/>
-                  </p:tgtEl>
-                </p:cond>
-              </p:prevCondLst>
-              <p:nextCondLst>
-                <p:cond evt="onNext" delay="0">
-                  <p:tgtEl>
-                    <p:sldTgt/>
-                  </p:tgtEl>
-                </p:cond>
-              </p:nextCondLst>
-            </p:seq>
-          </p:childTnLst>
-        </p:cTn>
-      </p:par>
-    </p:tnLst>
-  </p:timing>
-</p:sld>
-</file>
-
-<file path=ppt/slides/slide9.xml><?xml version="1.0" encoding="utf-8"?>
-<p:sld xmlns:a="http://schemas.openxmlformats.org/drawingml/2006/main" xmlns:r="http://schemas.openxmlformats.org/officeDocument/2006/relationships" xmlns:p="http://schemas.openxmlformats.org/presentationml/2006/main">
-  <p:cSld>
-    <p:spTree>
-      <p:nvGrpSpPr>
-        <p:cNvPr id="1" name=""/>
-        <p:cNvGrpSpPr/>
-        <p:nvPr/>
-      </p:nvGrpSpPr>
-      <p:grpSpPr>
-        <a:xfrm>
-          <a:off x="0" y="0"/>
-          <a:ext cx="0" cy="0"/>
-          <a:chOff x="0" y="0"/>
-          <a:chExt cx="0" cy="0"/>
-        </a:xfrm>
-      </p:grpSpPr>
-      <p:sp>
-        <p:nvSpPr>
-          <p:cNvPr id="5" name="Прямоугольник 4"/>
-          <p:cNvSpPr/>
-          <p:nvPr/>
-        </p:nvSpPr>
-        <p:spPr>
-          <a:xfrm>
-            <a:off x="3269412" y="2346385"/>
-            <a:ext cx="5434641" cy="310552"/>
-          </a:xfrm>
-          <a:prstGeom prst="rect">
-            <a:avLst/>
-          </a:prstGeom>
-          <a:solidFill>
-            <a:schemeClr val="accent1">
-              <a:lumMod val="20000"/>
-              <a:lumOff val="80000"/>
-            </a:schemeClr>
-          </a:solidFill>
-        </p:spPr>
-        <p:style>
-          <a:lnRef idx="2">
-            <a:schemeClr val="accent1">
-              <a:shade val="50000"/>
-            </a:schemeClr>
-          </a:lnRef>
-          <a:fillRef idx="1">
-            <a:schemeClr val="accent1"/>
-          </a:fillRef>
-          <a:effectRef idx="0">
-            <a:schemeClr val="accent1"/>
-          </a:effectRef>
-          <a:fontRef idx="minor">
-            <a:schemeClr val="lt1"/>
-          </a:fontRef>
-        </p:style>
-        <p:txBody>
-          <a:bodyPr rtlCol="0" anchor="ctr"/>
-          <a:lstStyle/>
-          <a:p>
-            <a:pPr algn="ctr"/>
-            <a:endParaRPr lang="ru-RU"/>
-          </a:p>
-        </p:txBody>
-      </p:sp>
-      <p:sp>
-        <p:nvSpPr>
-          <p:cNvPr id="6" name="Прямоугольник 5"/>
-          <p:cNvSpPr/>
-          <p:nvPr/>
-        </p:nvSpPr>
-        <p:spPr>
-          <a:xfrm>
-            <a:off x="2303253" y="6236898"/>
-            <a:ext cx="4313207" cy="310552"/>
-          </a:xfrm>
-          <a:prstGeom prst="rect">
-            <a:avLst/>
-          </a:prstGeom>
-          <a:solidFill>
-            <a:schemeClr val="accent1">
-              <a:lumMod val="20000"/>
-              <a:lumOff val="80000"/>
-            </a:schemeClr>
-          </a:solidFill>
-        </p:spPr>
-        <p:style>
-          <a:lnRef idx="2">
-            <a:schemeClr val="accent1">
-              <a:shade val="50000"/>
-            </a:schemeClr>
-          </a:lnRef>
-          <a:fillRef idx="1">
-            <a:schemeClr val="accent1"/>
-          </a:fillRef>
-          <a:effectRef idx="0">
-            <a:schemeClr val="accent1"/>
-          </a:effectRef>
-          <a:fontRef idx="minor">
-            <a:schemeClr val="lt1"/>
-          </a:fontRef>
-        </p:style>
-        <p:txBody>
-          <a:bodyPr rtlCol="0" anchor="ctr"/>
-          <a:lstStyle/>
-          <a:p>
-            <a:pPr algn="ctr"/>
-            <a:endParaRPr lang="ru-RU"/>
-          </a:p>
-        </p:txBody>
-      </p:sp>
-      <p:sp>
-        <p:nvSpPr>
-          <p:cNvPr id="2" name="Заголовок 1"/>
-          <p:cNvSpPr>
-            <a:spLocks noGrp="1"/>
-          </p:cNvSpPr>
-          <p:nvPr>
-            <p:ph type="title"/>
-          </p:nvPr>
-        </p:nvSpPr>
-        <p:spPr/>
-        <p:txBody>
-          <a:bodyPr/>
-          <a:lstStyle/>
-          <a:p>
-            <a:r>
-              <a:rPr lang="ru-RU" dirty="0"/>
-              <a:t>Избавляемся от глобальных переменных при печати</a:t>
-            </a:r>
-          </a:p>
-        </p:txBody>
-      </p:sp>
-      <p:sp>
-        <p:nvSpPr>
-          <p:cNvPr id="4" name="Прямоугольник 3"/>
-          <p:cNvSpPr/>
-          <p:nvPr/>
-        </p:nvSpPr>
-        <p:spPr>
-          <a:xfrm>
-            <a:off x="271193" y="2087463"/>
-            <a:ext cx="8812422" cy="4770537"/>
-          </a:xfrm>
-          <a:prstGeom prst="rect">
-            <a:avLst/>
-          </a:prstGeom>
-        </p:spPr>
-        <p:txBody>
-          <a:bodyPr wrap="square">
-            <a:spAutoFit/>
-          </a:bodyPr>
-          <a:lstStyle/>
-          <a:p>
-            <a:r>
-              <a:rPr lang="ru-RU" sz="1600" dirty="0">
-                <a:latin typeface="Lucida Console" panose="020B0609040504020204" pitchFamily="49" charset="0"/>
-              </a:rPr>
-              <a:t>{Выводит смешанную дробь на экран}</a:t>
-            </a:r>
-          </a:p>
-          <a:p>
-            <a:r>
-              <a:rPr lang="ru-RU" sz="1600" dirty="0">
-                <a:latin typeface="Lucida Console" panose="020B0609040504020204" pitchFamily="49" charset="0"/>
-              </a:rPr>
-              <a:t>PROCEDURE </a:t>
-            </a:r>
-            <a:r>
-              <a:rPr lang="ru-RU" sz="1600" dirty="0" err="1">
-                <a:latin typeface="Lucida Console" panose="020B0609040504020204" pitchFamily="49" charset="0"/>
-              </a:rPr>
-              <a:t>PrintFraction</a:t>
-            </a:r>
-            <a:r>
-              <a:rPr lang="en-US" sz="1600" dirty="0">
-                <a:latin typeface="Lucida Console" panose="020B0609040504020204" pitchFamily="49" charset="0"/>
-              </a:rPr>
-              <a:t>(</a:t>
-            </a:r>
-            <a:r>
-              <a:rPr lang="en-US" sz="1600" dirty="0" err="1">
-                <a:latin typeface="Lucida Console" panose="020B0609040504020204" pitchFamily="49" charset="0"/>
-              </a:rPr>
-              <a:t>IntegerPart</a:t>
-            </a:r>
-            <a:r>
-              <a:rPr lang="en-US" sz="1600" dirty="0">
-                <a:latin typeface="Lucida Console" panose="020B0609040504020204" pitchFamily="49" charset="0"/>
-              </a:rPr>
-              <a:t>, Numerator, Denominator: INTEGER)</a:t>
-            </a:r>
-            <a:r>
-              <a:rPr lang="ru-RU" sz="1600" dirty="0">
-                <a:latin typeface="Lucida Console" panose="020B0609040504020204" pitchFamily="49" charset="0"/>
-              </a:rPr>
-              <a:t>;</a:t>
-            </a:r>
-          </a:p>
-          <a:p>
-            <a:r>
-              <a:rPr lang="ru-RU" sz="1600" dirty="0">
-                <a:latin typeface="Lucida Console" panose="020B0609040504020204" pitchFamily="49" charset="0"/>
-              </a:rPr>
-              <a:t>BEGIN</a:t>
-            </a:r>
-          </a:p>
-          <a:p>
-            <a:r>
-              <a:rPr lang="ru-RU" sz="1600" dirty="0">
-                <a:latin typeface="Lucida Console" panose="020B0609040504020204" pitchFamily="49" charset="0"/>
-              </a:rPr>
-              <a:t>  IF </a:t>
-            </a:r>
-            <a:r>
-              <a:rPr lang="ru-RU" sz="1600" dirty="0" err="1">
-                <a:latin typeface="Lucida Console" panose="020B0609040504020204" pitchFamily="49" charset="0"/>
-              </a:rPr>
-              <a:t>IntegerPart</a:t>
-            </a:r>
-            <a:r>
-              <a:rPr lang="ru-RU" sz="1600" dirty="0">
-                <a:latin typeface="Lucida Console" panose="020B0609040504020204" pitchFamily="49" charset="0"/>
-              </a:rPr>
-              <a:t> = 0</a:t>
-            </a:r>
-          </a:p>
-          <a:p>
-            <a:r>
-              <a:rPr lang="ru-RU" sz="1600" dirty="0">
-                <a:latin typeface="Lucida Console" panose="020B0609040504020204" pitchFamily="49" charset="0"/>
-              </a:rPr>
-              <a:t>  THEN</a:t>
-            </a:r>
-          </a:p>
-          <a:p>
-            <a:r>
-              <a:rPr lang="ru-RU" sz="1600" dirty="0">
-                <a:latin typeface="Lucida Console" panose="020B0609040504020204" pitchFamily="49" charset="0"/>
-              </a:rPr>
-              <a:t>    WRITELN(</a:t>
-            </a:r>
-            <a:r>
-              <a:rPr lang="ru-RU" sz="1600" dirty="0" err="1">
-                <a:latin typeface="Lucida Console" panose="020B0609040504020204" pitchFamily="49" charset="0"/>
-              </a:rPr>
-              <a:t>Numerator</a:t>
-            </a:r>
-            <a:r>
-              <a:rPr lang="ru-RU" sz="1600" dirty="0">
-                <a:latin typeface="Lucida Console" panose="020B0609040504020204" pitchFamily="49" charset="0"/>
-              </a:rPr>
-              <a:t>, '/', </a:t>
-            </a:r>
-            <a:r>
-              <a:rPr lang="ru-RU" sz="1600" dirty="0" err="1">
-                <a:latin typeface="Lucida Console" panose="020B0609040504020204" pitchFamily="49" charset="0"/>
-              </a:rPr>
-              <a:t>Denominator</a:t>
-            </a:r>
-            <a:r>
-              <a:rPr lang="ru-RU" sz="1600" dirty="0">
-                <a:latin typeface="Lucida Console" panose="020B0609040504020204" pitchFamily="49" charset="0"/>
-              </a:rPr>
-              <a:t>)</a:t>
-            </a:r>
-          </a:p>
-          <a:p>
-            <a:r>
-              <a:rPr lang="ru-RU" sz="1600" dirty="0">
-                <a:latin typeface="Lucida Console" panose="020B0609040504020204" pitchFamily="49" charset="0"/>
-              </a:rPr>
-              <a:t>  ELSE</a:t>
-            </a:r>
-          </a:p>
-          <a:p>
-            <a:r>
-              <a:rPr lang="ru-RU" sz="1600" dirty="0">
-                <a:latin typeface="Lucida Console" panose="020B0609040504020204" pitchFamily="49" charset="0"/>
-              </a:rPr>
-              <a:t>    WRITELN(</a:t>
-            </a:r>
-            <a:r>
-              <a:rPr lang="ru-RU" sz="1600" dirty="0" err="1">
-                <a:latin typeface="Lucida Console" panose="020B0609040504020204" pitchFamily="49" charset="0"/>
-              </a:rPr>
-              <a:t>IntegerPart</a:t>
-            </a:r>
-            <a:r>
-              <a:rPr lang="ru-RU" sz="1600" dirty="0">
-                <a:latin typeface="Lucida Console" panose="020B0609040504020204" pitchFamily="49" charset="0"/>
-              </a:rPr>
-              <a:t>, ' ', </a:t>
-            </a:r>
-            <a:r>
-              <a:rPr lang="ru-RU" sz="1600" dirty="0" err="1">
-                <a:latin typeface="Lucida Console" panose="020B0609040504020204" pitchFamily="49" charset="0"/>
-              </a:rPr>
-              <a:t>Numerator</a:t>
-            </a:r>
-            <a:r>
-              <a:rPr lang="ru-RU" sz="1600" dirty="0">
-                <a:latin typeface="Lucida Console" panose="020B0609040504020204" pitchFamily="49" charset="0"/>
-              </a:rPr>
-              <a:t>, '/', </a:t>
-            </a:r>
-            <a:r>
-              <a:rPr lang="ru-RU" sz="1600" dirty="0" err="1">
-                <a:latin typeface="Lucida Console" panose="020B0609040504020204" pitchFamily="49" charset="0"/>
-              </a:rPr>
-              <a:t>Denominator</a:t>
-            </a:r>
-            <a:r>
-              <a:rPr lang="ru-RU" sz="1600" dirty="0">
-                <a:latin typeface="Lucida Console" panose="020B0609040504020204" pitchFamily="49" charset="0"/>
-              </a:rPr>
-              <a:t>)</a:t>
-            </a:r>
-          </a:p>
-          <a:p>
-            <a:r>
-              <a:rPr lang="ru-RU" sz="1600" dirty="0">
-                <a:latin typeface="Lucida Console" panose="020B0609040504020204" pitchFamily="49" charset="0"/>
-              </a:rPr>
-              <a:t>END;</a:t>
-            </a:r>
-          </a:p>
-          <a:p>
-            <a:endParaRPr lang="ru-RU" sz="1600" dirty="0">
-              <a:latin typeface="Lucida Console" panose="020B0609040504020204" pitchFamily="49" charset="0"/>
-            </a:endParaRPr>
-          </a:p>
-          <a:p>
-            <a:r>
-              <a:rPr lang="ru-RU" sz="1600" dirty="0">
-                <a:latin typeface="Lucida Console" panose="020B0609040504020204" pitchFamily="49" charset="0"/>
-              </a:rPr>
-              <a:t>BEGIN</a:t>
-            </a:r>
-          </a:p>
-          <a:p>
-            <a:r>
-              <a:rPr lang="ru-RU" sz="1600" dirty="0">
-                <a:latin typeface="Lucida Console" panose="020B0609040504020204" pitchFamily="49" charset="0"/>
-              </a:rPr>
-              <a:t>  READLN(</a:t>
-            </a:r>
-            <a:r>
-              <a:rPr lang="ru-RU" sz="1600" dirty="0" err="1">
-                <a:latin typeface="Lucida Console" panose="020B0609040504020204" pitchFamily="49" charset="0"/>
-              </a:rPr>
-              <a:t>Numerator</a:t>
-            </a:r>
-            <a:r>
-              <a:rPr lang="ru-RU" sz="1600" dirty="0">
-                <a:latin typeface="Lucida Console" panose="020B0609040504020204" pitchFamily="49" charset="0"/>
-              </a:rPr>
-              <a:t>);</a:t>
-            </a:r>
-          </a:p>
-          <a:p>
-            <a:r>
-              <a:rPr lang="ru-RU" sz="1600" dirty="0">
-                <a:latin typeface="Lucida Console" panose="020B0609040504020204" pitchFamily="49" charset="0"/>
-              </a:rPr>
-              <a:t>  READLN(</a:t>
-            </a:r>
-            <a:r>
-              <a:rPr lang="ru-RU" sz="1600" dirty="0" err="1">
-                <a:latin typeface="Lucida Console" panose="020B0609040504020204" pitchFamily="49" charset="0"/>
-              </a:rPr>
-              <a:t>Denominator</a:t>
-            </a:r>
-            <a:r>
-              <a:rPr lang="ru-RU" sz="1600" dirty="0">
-                <a:latin typeface="Lucida Console" panose="020B0609040504020204" pitchFamily="49" charset="0"/>
-              </a:rPr>
-              <a:t>);</a:t>
-            </a:r>
-          </a:p>
-          <a:p>
-            <a:endParaRPr lang="ru-RU" sz="1600" dirty="0">
-              <a:latin typeface="Lucida Console" panose="020B0609040504020204" pitchFamily="49" charset="0"/>
-            </a:endParaRPr>
-          </a:p>
-          <a:p>
-            <a:r>
-              <a:rPr lang="ru-RU" sz="1600" dirty="0">
-                <a:latin typeface="Lucida Console" panose="020B0609040504020204" pitchFamily="49" charset="0"/>
-              </a:rPr>
-              <a:t>  </a:t>
-            </a:r>
-            <a:r>
-              <a:rPr lang="ru-RU" sz="1600" dirty="0" err="1">
-                <a:latin typeface="Lucida Console" panose="020B0609040504020204" pitchFamily="49" charset="0"/>
-              </a:rPr>
-              <a:t>IntegerPart</a:t>
-            </a:r>
-            <a:r>
-              <a:rPr lang="ru-RU" sz="1600" dirty="0">
-                <a:latin typeface="Lucida Console" panose="020B0609040504020204" pitchFamily="49" charset="0"/>
-              </a:rPr>
-              <a:t> := </a:t>
-            </a:r>
-            <a:r>
-              <a:rPr lang="ru-RU" sz="1600" dirty="0" err="1">
-                <a:latin typeface="Lucida Console" panose="020B0609040504020204" pitchFamily="49" charset="0"/>
-              </a:rPr>
-              <a:t>Numerator</a:t>
-            </a:r>
-            <a:r>
-              <a:rPr lang="ru-RU" sz="1600" dirty="0">
-                <a:latin typeface="Lucida Console" panose="020B0609040504020204" pitchFamily="49" charset="0"/>
-              </a:rPr>
-              <a:t> DIV </a:t>
-            </a:r>
-            <a:r>
-              <a:rPr lang="ru-RU" sz="1600" dirty="0" err="1">
-                <a:latin typeface="Lucida Console" panose="020B0609040504020204" pitchFamily="49" charset="0"/>
-              </a:rPr>
-              <a:t>Denominator</a:t>
-            </a:r>
-            <a:r>
-              <a:rPr lang="ru-RU" sz="1600" dirty="0">
-                <a:latin typeface="Lucida Console" panose="020B0609040504020204" pitchFamily="49" charset="0"/>
-              </a:rPr>
-              <a:t>;</a:t>
-            </a:r>
-          </a:p>
-          <a:p>
-            <a:r>
-              <a:rPr lang="ru-RU" sz="1600" dirty="0">
-                <a:latin typeface="Lucida Console" panose="020B0609040504020204" pitchFamily="49" charset="0"/>
-              </a:rPr>
-              <a:t>  </a:t>
-            </a:r>
-            <a:r>
-              <a:rPr lang="ru-RU" sz="1600" dirty="0" err="1">
-                <a:latin typeface="Lucida Console" panose="020B0609040504020204" pitchFamily="49" charset="0"/>
-              </a:rPr>
-              <a:t>Numerator</a:t>
-            </a:r>
-            <a:r>
-              <a:rPr lang="ru-RU" sz="1600" dirty="0">
-                <a:latin typeface="Lucida Console" panose="020B0609040504020204" pitchFamily="49" charset="0"/>
-              </a:rPr>
-              <a:t> := </a:t>
-            </a:r>
-            <a:r>
-              <a:rPr lang="ru-RU" sz="1600" dirty="0" err="1">
-                <a:latin typeface="Lucida Console" panose="020B0609040504020204" pitchFamily="49" charset="0"/>
-              </a:rPr>
-              <a:t>Numerator</a:t>
-            </a:r>
-            <a:r>
-              <a:rPr lang="ru-RU" sz="1600" dirty="0">
-                <a:latin typeface="Lucida Console" panose="020B0609040504020204" pitchFamily="49" charset="0"/>
-              </a:rPr>
-              <a:t> MOD </a:t>
-            </a:r>
-            <a:r>
-              <a:rPr lang="ru-RU" sz="1600" dirty="0" err="1">
-                <a:latin typeface="Lucida Console" panose="020B0609040504020204" pitchFamily="49" charset="0"/>
-              </a:rPr>
-              <a:t>Denominator</a:t>
-            </a:r>
-            <a:r>
-              <a:rPr lang="ru-RU" sz="1600" dirty="0">
-                <a:latin typeface="Lucida Console" panose="020B0609040504020204" pitchFamily="49" charset="0"/>
-              </a:rPr>
-              <a:t>;</a:t>
-            </a:r>
-          </a:p>
-          <a:p>
-            <a:endParaRPr lang="ru-RU" sz="1600" dirty="0">
-              <a:latin typeface="Lucida Console" panose="020B0609040504020204" pitchFamily="49" charset="0"/>
-            </a:endParaRPr>
-          </a:p>
-          <a:p>
-            <a:r>
-              <a:rPr lang="ru-RU" sz="1600" dirty="0">
-                <a:latin typeface="Lucida Console" panose="020B0609040504020204" pitchFamily="49" charset="0"/>
-              </a:rPr>
-              <a:t>  </a:t>
-            </a:r>
-            <a:r>
-              <a:rPr lang="ru-RU" sz="1600" dirty="0" err="1">
-                <a:latin typeface="Lucida Console" panose="020B0609040504020204" pitchFamily="49" charset="0"/>
-              </a:rPr>
-              <a:t>PrintFraction</a:t>
-            </a:r>
-            <a:r>
-              <a:rPr lang="en-US" sz="1600" dirty="0">
-                <a:latin typeface="Lucida Console" panose="020B0609040504020204" pitchFamily="49" charset="0"/>
-              </a:rPr>
-              <a:t>(</a:t>
-            </a:r>
-            <a:r>
-              <a:rPr lang="en-US" sz="1600" dirty="0" err="1">
-                <a:latin typeface="Lucida Console" panose="020B0609040504020204" pitchFamily="49" charset="0"/>
-              </a:rPr>
-              <a:t>IntegerPart</a:t>
-            </a:r>
-            <a:r>
-              <a:rPr lang="en-US" sz="1600" dirty="0">
-                <a:latin typeface="Lucida Console" panose="020B0609040504020204" pitchFamily="49" charset="0"/>
-              </a:rPr>
-              <a:t>, Numerator, Denominator)</a:t>
-            </a:r>
-            <a:endParaRPr lang="ru-RU" sz="1600" dirty="0">
-              <a:latin typeface="Lucida Console" panose="020B0609040504020204" pitchFamily="49" charset="0"/>
-            </a:endParaRPr>
-          </a:p>
-          <a:p>
-            <a:r>
-              <a:rPr lang="ru-RU" sz="1600" dirty="0">
-                <a:latin typeface="Lucida Console" panose="020B0609040504020204" pitchFamily="49" charset="0"/>
-              </a:rPr>
-              <a:t>END.</a:t>
-            </a:r>
-            <a:endParaRPr lang="ru-RU" sz="1600" dirty="0">
-              <a:latin typeface="Lucida Console" panose="020B0609040504020204" pitchFamily="49" charset="0"/>
-            </a:endParaRPr>
-          </a:p>
-        </p:txBody>
-      </p:sp>
-    </p:spTree>
-    <p:extLst>
-      <p:ext uri="{BB962C8B-B14F-4D97-AF65-F5344CB8AC3E}">
-        <p14:creationId xmlns:p14="http://schemas.microsoft.com/office/powerpoint/2010/main" val="88863545"/>
-      </p:ext>
-    </p:extLst>
-  </p:cSld>
-  <p:clrMapOvr>
-    <a:masterClrMapping/>
-  </p:clrMapOvr>
-  <p:timing>
-    <p:tnLst>
-      <p:par>
-        <p:cTn id="1" dur="indefinite" restart="never" nodeType="tmRoot">
-          <p:childTnLst>
-            <p:seq concurrent="1" nextAc="seek">
-              <p:cTn id="2" dur="indefinite" nodeType="mainSeq">
-                <p:childTnLst>
-                  <p:par>
-                    <p:cTn id="3" fill="hold">
-                      <p:stCondLst>
-                        <p:cond delay="indefinite"/>
-                      </p:stCondLst>
-                      <p:childTnLst>
-                        <p:par>
-                          <p:cTn id="4" fill="hold">
-                            <p:stCondLst>
-                              <p:cond delay="0"/>
-                            </p:stCondLst>
-                            <p:childTnLst>
-                              <p:par>
-                                <p:cTn id="5" presetID="10" presetClass="entr" presetSubtype="0" fill="hold" grpId="0" nodeType="clickEffect">
-                                  <p:stCondLst>
-                                    <p:cond delay="0"/>
-                                  </p:stCondLst>
-                                  <p:childTnLst>
-                                    <p:set>
-                                      <p:cBhvr>
-                                        <p:cTn id="6" dur="1" fill="hold">
-                                          <p:stCondLst>
-                                            <p:cond delay="0"/>
-                                          </p:stCondLst>
-                                        </p:cTn>
-                                        <p:tgtEl>
-                                          <p:spTgt spid="5"/>
-                                        </p:tgtEl>
-                                        <p:attrNameLst>
-                                          <p:attrName>style.visibility</p:attrName>
-                                        </p:attrNameLst>
-                                      </p:cBhvr>
-                                      <p:to>
-                                        <p:strVal val="visible"/>
-                                      </p:to>
-                                    </p:set>
-                                    <p:animEffect transition="in" filter="fade">
-                                      <p:cBhvr>
-                                        <p:cTn id="7" dur="500"/>
-                                        <p:tgtEl>
-                                          <p:spTgt spid="5"/>
-                                        </p:tgtEl>
-                                      </p:cBhvr>
-                                    </p:animEffect>
-                                  </p:childTnLst>
-                                </p:cTn>
-                              </p:par>
-                            </p:childTnLst>
-                          </p:cTn>
-                        </p:par>
-                        <p:par>
-                          <p:cTn id="8" fill="hold">
-                            <p:stCondLst>
-                              <p:cond delay="500"/>
-                            </p:stCondLst>
-                            <p:childTnLst>
-                              <p:par>
-                                <p:cTn id="9" presetID="10" presetClass="entr" presetSubtype="0" fill="hold" grpId="0" nodeType="afterEffect">
-                                  <p:stCondLst>
-                                    <p:cond delay="0"/>
-                                  </p:stCondLst>
-                                  <p:childTnLst>
-                                    <p:set>
-                                      <p:cBhvr>
-                                        <p:cTn id="10" dur="1" fill="hold">
-                                          <p:stCondLst>
-                                            <p:cond delay="0"/>
-                                          </p:stCondLst>
-                                        </p:cTn>
-                                        <p:tgtEl>
-                                          <p:spTgt spid="6"/>
-                                        </p:tgtEl>
-                                        <p:attrNameLst>
-                                          <p:attrName>style.visibility</p:attrName>
-                                        </p:attrNameLst>
-                                      </p:cBhvr>
-                                      <p:to>
-                                        <p:strVal val="visible"/>
-                                      </p:to>
-                                    </p:set>
-                                    <p:animEffect transition="in" filter="fade">
-                                      <p:cBhvr>
-                                        <p:cTn id="11" dur="500"/>
-                                        <p:tgtEl>
-                                          <p:spTgt spid="6"/>
-                                        </p:tgtEl>
-                                      </p:cBhvr>
-                                    </p:animEffect>
-                                  </p:childTnLst>
-                                </p:cTn>
-                              </p:par>
-                            </p:childTnLst>
-                          </p:cTn>
-                        </p:par>
-                      </p:childTnLst>
-                    </p:cTn>
-                  </p:par>
-                </p:childTnLst>
-              </p:cTn>
-              <p:prevCondLst>
-                <p:cond evt="onPrev" delay="0">
-                  <p:tgtEl>
-                    <p:sldTgt/>
-                  </p:tgtEl>
-                </p:cond>
-              </p:prevCondLst>
-              <p:nextCondLst>
-                <p:cond evt="onNext" delay="0">
-                  <p:tgtEl>
-                    <p:sldTgt/>
-                  </p:tgtEl>
-                </p:cond>
-              </p:nextCondLst>
-            </p:seq>
-          </p:childTnLst>
-        </p:cTn>
-      </p:par>
-    </p:tnLst>
-    <p:bldLst>
-      <p:bldP spid="5" grpId="0" animBg="1"/>
       <p:bldP spid="6" grpId="0" animBg="1"/>
     </p:bldLst>
   </p:timing>

--- a/Explanation.pptx
+++ b/Explanation.pptx
@@ -16,16 +16,22 @@
     <p:sldId id="262" r:id="rId10"/>
     <p:sldId id="263" r:id="rId11"/>
     <p:sldId id="264" r:id="rId12"/>
-    <p:sldId id="265" r:id="rId13"/>
-    <p:sldId id="266" r:id="rId14"/>
-    <p:sldId id="267" r:id="rId15"/>
-    <p:sldId id="268" r:id="rId16"/>
-    <p:sldId id="269" r:id="rId17"/>
-    <p:sldId id="270" r:id="rId18"/>
-    <p:sldId id="271" r:id="rId19"/>
-    <p:sldId id="272" r:id="rId20"/>
-    <p:sldId id="273" r:id="rId21"/>
-    <p:sldId id="274" r:id="rId22"/>
+    <p:sldId id="277" r:id="rId13"/>
+    <p:sldId id="265" r:id="rId14"/>
+    <p:sldId id="266" r:id="rId15"/>
+    <p:sldId id="267" r:id="rId16"/>
+    <p:sldId id="268" r:id="rId17"/>
+    <p:sldId id="269" r:id="rId18"/>
+    <p:sldId id="270" r:id="rId19"/>
+    <p:sldId id="271" r:id="rId20"/>
+    <p:sldId id="272" r:id="rId21"/>
+    <p:sldId id="273" r:id="rId22"/>
+    <p:sldId id="274" r:id="rId23"/>
+    <p:sldId id="278" r:id="rId24"/>
+    <p:sldId id="279" r:id="rId25"/>
+    <p:sldId id="281" r:id="rId26"/>
+    <p:sldId id="280" r:id="rId27"/>
+    <p:sldId id="282" r:id="rId28"/>
   </p:sldIdLst>
   <p:sldSz cx="9144000" cy="6858000" type="screen4x3"/>
   <p:notesSz cx="6858000" cy="9144000"/>
@@ -126,7 +132,18 @@
   </p:defaultTextStyle>
   <p:extLst>
     <p:ext uri="{EFAFB233-063F-42B5-8137-9DF3F51BA10A}">
-      <p15:sldGuideLst xmlns:p15="http://schemas.microsoft.com/office/powerpoint/2012/main"/>
+      <p15:sldGuideLst xmlns:p15="http://schemas.microsoft.com/office/powerpoint/2012/main">
+        <p15:guide id="1" orient="horz" pos="2160" userDrawn="1">
+          <p15:clr>
+            <a:srgbClr val="A4A3A4"/>
+          </p15:clr>
+        </p15:guide>
+        <p15:guide id="2" pos="2880" userDrawn="1">
+          <p15:clr>
+            <a:srgbClr val="A4A3A4"/>
+          </p15:clr>
+        </p15:guide>
+      </p15:sldGuideLst>
     </p:ext>
   </p:extLst>
 </p:presentation>
@@ -263,7 +280,7 @@
           <a:p>
             <a:fld id="{BAE96864-A842-443A-9851-C4EA0A1AD914}" type="datetimeFigureOut">
               <a:rPr lang="ru-RU" smtClean="0"/>
-              <a:t>07.04.2017</a:t>
+              <a:t>08.04.2017</a:t>
             </a:fld>
             <a:endParaRPr lang="ru-RU"/>
           </a:p>
@@ -433,7 +450,7 @@
           <a:p>
             <a:fld id="{BAE96864-A842-443A-9851-C4EA0A1AD914}" type="datetimeFigureOut">
               <a:rPr lang="ru-RU" smtClean="0"/>
-              <a:t>07.04.2017</a:t>
+              <a:t>08.04.2017</a:t>
             </a:fld>
             <a:endParaRPr lang="ru-RU"/>
           </a:p>
@@ -613,7 +630,7 @@
           <a:p>
             <a:fld id="{BAE96864-A842-443A-9851-C4EA0A1AD914}" type="datetimeFigureOut">
               <a:rPr lang="ru-RU" smtClean="0"/>
-              <a:t>07.04.2017</a:t>
+              <a:t>08.04.2017</a:t>
             </a:fld>
             <a:endParaRPr lang="ru-RU"/>
           </a:p>
@@ -783,7 +800,7 @@
           <a:p>
             <a:fld id="{BAE96864-A842-443A-9851-C4EA0A1AD914}" type="datetimeFigureOut">
               <a:rPr lang="ru-RU" smtClean="0"/>
-              <a:t>07.04.2017</a:t>
+              <a:t>08.04.2017</a:t>
             </a:fld>
             <a:endParaRPr lang="ru-RU"/>
           </a:p>
@@ -1027,7 +1044,7 @@
           <a:p>
             <a:fld id="{BAE96864-A842-443A-9851-C4EA0A1AD914}" type="datetimeFigureOut">
               <a:rPr lang="ru-RU" smtClean="0"/>
-              <a:t>07.04.2017</a:t>
+              <a:t>08.04.2017</a:t>
             </a:fld>
             <a:endParaRPr lang="ru-RU"/>
           </a:p>
@@ -1259,7 +1276,7 @@
           <a:p>
             <a:fld id="{BAE96864-A842-443A-9851-C4EA0A1AD914}" type="datetimeFigureOut">
               <a:rPr lang="ru-RU" smtClean="0"/>
-              <a:t>07.04.2017</a:t>
+              <a:t>08.04.2017</a:t>
             </a:fld>
             <a:endParaRPr lang="ru-RU"/>
           </a:p>
@@ -1626,7 +1643,7 @@
           <a:p>
             <a:fld id="{BAE96864-A842-443A-9851-C4EA0A1AD914}" type="datetimeFigureOut">
               <a:rPr lang="ru-RU" smtClean="0"/>
-              <a:t>07.04.2017</a:t>
+              <a:t>08.04.2017</a:t>
             </a:fld>
             <a:endParaRPr lang="ru-RU"/>
           </a:p>
@@ -1744,7 +1761,7 @@
           <a:p>
             <a:fld id="{BAE96864-A842-443A-9851-C4EA0A1AD914}" type="datetimeFigureOut">
               <a:rPr lang="ru-RU" smtClean="0"/>
-              <a:t>07.04.2017</a:t>
+              <a:t>08.04.2017</a:t>
             </a:fld>
             <a:endParaRPr lang="ru-RU"/>
           </a:p>
@@ -1839,7 +1856,7 @@
           <a:p>
             <a:fld id="{BAE96864-A842-443A-9851-C4EA0A1AD914}" type="datetimeFigureOut">
               <a:rPr lang="ru-RU" smtClean="0"/>
-              <a:t>07.04.2017</a:t>
+              <a:t>08.04.2017</a:t>
             </a:fld>
             <a:endParaRPr lang="ru-RU"/>
           </a:p>
@@ -2116,7 +2133,7 @@
           <a:p>
             <a:fld id="{BAE96864-A842-443A-9851-C4EA0A1AD914}" type="datetimeFigureOut">
               <a:rPr lang="ru-RU" smtClean="0"/>
-              <a:t>07.04.2017</a:t>
+              <a:t>08.04.2017</a:t>
             </a:fld>
             <a:endParaRPr lang="ru-RU"/>
           </a:p>
@@ -2373,7 +2390,7 @@
           <a:p>
             <a:fld id="{BAE96864-A842-443A-9851-C4EA0A1AD914}" type="datetimeFigureOut">
               <a:rPr lang="ru-RU" smtClean="0"/>
-              <a:t>07.04.2017</a:t>
+              <a:t>08.04.2017</a:t>
             </a:fld>
             <a:endParaRPr lang="ru-RU"/>
           </a:p>
@@ -2586,7 +2603,7 @@
           <a:p>
             <a:fld id="{BAE96864-A842-443A-9851-C4EA0A1AD914}" type="datetimeFigureOut">
               <a:rPr lang="ru-RU" smtClean="0"/>
-              <a:t>07.04.2017</a:t>
+              <a:t>08.04.2017</a:t>
             </a:fld>
             <a:endParaRPr lang="ru-RU"/>
           </a:p>
@@ -3045,6 +3062,13 @@
   <p:clrMapOvr>
     <a:masterClrMapping/>
   </p:clrMapOvr>
+  <p:timing>
+    <p:tnLst>
+      <p:par>
+        <p:cTn id="1" dur="indefinite" restart="never" nodeType="tmRoot"/>
+      </p:par>
+    </p:tnLst>
+  </p:timing>
 </p:sld>
 </file>
 
@@ -4433,6 +4457,101 @@
       </p:grpSpPr>
       <p:sp>
         <p:nvSpPr>
+          <p:cNvPr id="3" name="Title 2"/>
+          <p:cNvSpPr>
+            <a:spLocks noGrp="1"/>
+          </p:cNvSpPr>
+          <p:nvPr>
+            <p:ph type="title"/>
+          </p:nvPr>
+        </p:nvSpPr>
+        <p:spPr/>
+        <p:txBody>
+          <a:bodyPr/>
+          <a:lstStyle/>
+          <a:p>
+            <a:r>
+              <a:rPr lang="ru-RU" dirty="0" smtClean="0"/>
+              <a:t>Сокращаем дробь</a:t>
+            </a:r>
+            <a:endParaRPr lang="ru-RU" dirty="0"/>
+          </a:p>
+        </p:txBody>
+      </p:sp>
+      <p:sp>
+        <p:nvSpPr>
+          <p:cNvPr id="4" name="Content Placeholder 3"/>
+          <p:cNvSpPr>
+            <a:spLocks noGrp="1"/>
+          </p:cNvSpPr>
+          <p:nvPr>
+            <p:ph idx="1"/>
+          </p:nvPr>
+        </p:nvSpPr>
+        <p:spPr/>
+        <p:txBody>
+          <a:bodyPr/>
+          <a:lstStyle/>
+          <a:p>
+            <a:r>
+              <a:rPr lang="ru-RU" dirty="0" smtClean="0"/>
+              <a:t>Находим НОД (наибольший общий делитель)</a:t>
+            </a:r>
+          </a:p>
+          <a:p>
+            <a:pPr lvl="1"/>
+            <a:r>
+              <a:rPr lang="ru-RU" dirty="0" smtClean="0"/>
+              <a:t>Наибольшее целое, на которое и числитель и знаменатель делятся без остатка</a:t>
+            </a:r>
+          </a:p>
+          <a:p>
+            <a:r>
+              <a:rPr lang="ru-RU" dirty="0" smtClean="0"/>
+              <a:t>Делим числитель и знаменатель на НОД</a:t>
+            </a:r>
+          </a:p>
+          <a:p>
+            <a:endParaRPr lang="ru-RU" dirty="0" smtClean="0"/>
+          </a:p>
+          <a:p>
+            <a:pPr lvl="1"/>
+            <a:endParaRPr lang="ru-RU" dirty="0"/>
+          </a:p>
+        </p:txBody>
+      </p:sp>
+    </p:spTree>
+    <p:extLst>
+      <p:ext uri="{BB962C8B-B14F-4D97-AF65-F5344CB8AC3E}">
+        <p14:creationId xmlns:p14="http://schemas.microsoft.com/office/powerpoint/2010/main" val="1465735161"/>
+      </p:ext>
+    </p:extLst>
+  </p:cSld>
+  <p:clrMapOvr>
+    <a:masterClrMapping/>
+  </p:clrMapOvr>
+</p:sld>
+</file>
+
+<file path=ppt/slides/slide13.xml><?xml version="1.0" encoding="utf-8"?>
+<p:sld xmlns:a="http://schemas.openxmlformats.org/drawingml/2006/main" xmlns:r="http://schemas.openxmlformats.org/officeDocument/2006/relationships" xmlns:p="http://schemas.openxmlformats.org/presentationml/2006/main">
+  <p:cSld>
+    <p:spTree>
+      <p:nvGrpSpPr>
+        <p:cNvPr id="1" name=""/>
+        <p:cNvGrpSpPr/>
+        <p:nvPr/>
+      </p:nvGrpSpPr>
+      <p:grpSpPr>
+        <a:xfrm>
+          <a:off x="0" y="0"/>
+          <a:ext cx="0" cy="0"/>
+          <a:chOff x="0" y="0"/>
+          <a:chExt cx="0" cy="0"/>
+        </a:xfrm>
+      </p:grpSpPr>
+      <p:sp>
+        <p:nvSpPr>
           <p:cNvPr id="2" name="Заголовок 1"/>
           <p:cNvSpPr>
             <a:spLocks noGrp="1"/>
@@ -4462,7 +4581,7 @@
         <p:spPr>
           <a:xfrm>
             <a:off x="86264" y="1588623"/>
-            <a:ext cx="8971472" cy="5416868"/>
+            <a:ext cx="8971472" cy="5262979"/>
           </a:xfrm>
           <a:prstGeom prst="rect">
             <a:avLst/>
@@ -4593,224 +4712,197 @@
           </a:p>
           <a:p>
             <a:r>
-              <a:rPr lang="ru-RU" sz="1600" dirty="0">
+              <a:rPr lang="en-US" sz="1600" dirty="0">
                 <a:latin typeface="Lucida Console" panose="020B0609040504020204" pitchFamily="49" charset="0"/>
               </a:rPr>
               <a:t>BEGIN</a:t>
             </a:r>
-          </a:p>
-          <a:p>
-            <a:r>
-              <a:rPr lang="ru-RU" sz="1600" dirty="0">
-                <a:latin typeface="Lucida Console" panose="020B0609040504020204" pitchFamily="49" charset="0"/>
-              </a:rPr>
-              <a:t>  GCD := </a:t>
-            </a:r>
-            <a:r>
-              <a:rPr lang="ru-RU" sz="1600" dirty="0" err="1">
-                <a:latin typeface="Lucida Console" panose="020B0609040504020204" pitchFamily="49" charset="0"/>
-              </a:rPr>
-              <a:t>Numerator</a:t>
-            </a:r>
-            <a:r>
-              <a:rPr lang="ru-RU" sz="1600" dirty="0">
+            <a:br>
+              <a:rPr lang="en-US" sz="1600" dirty="0">
+                <a:latin typeface="Lucida Console" panose="020B0609040504020204" pitchFamily="49" charset="0"/>
+              </a:rPr>
+            </a:br>
+            <a:r>
+              <a:rPr lang="en-US" sz="1600" dirty="0">
+                <a:latin typeface="Lucida Console" panose="020B0609040504020204" pitchFamily="49" charset="0"/>
+              </a:rPr>
+              <a:t>  GCD := Numerator;</a:t>
+            </a:r>
+            <a:br>
+              <a:rPr lang="en-US" sz="1600" dirty="0">
+                <a:latin typeface="Lucida Console" panose="020B0609040504020204" pitchFamily="49" charset="0"/>
+              </a:rPr>
+            </a:br>
+            <a:r>
+              <a:rPr lang="en-US" sz="1600" dirty="0">
+                <a:latin typeface="Lucida Console" panose="020B0609040504020204" pitchFamily="49" charset="0"/>
+              </a:rPr>
+              <a:t>  WHILE GCD &gt; 1</a:t>
+            </a:r>
+            <a:br>
+              <a:rPr lang="en-US" sz="1600" dirty="0">
+                <a:latin typeface="Lucida Console" panose="020B0609040504020204" pitchFamily="49" charset="0"/>
+              </a:rPr>
+            </a:br>
+            <a:r>
+              <a:rPr lang="en-US" sz="1600" dirty="0">
+                <a:latin typeface="Lucida Console" panose="020B0609040504020204" pitchFamily="49" charset="0"/>
+              </a:rPr>
+              <a:t>  DO</a:t>
+            </a:r>
+            <a:br>
+              <a:rPr lang="en-US" sz="1600" dirty="0">
+                <a:latin typeface="Lucida Console" panose="020B0609040504020204" pitchFamily="49" charset="0"/>
+              </a:rPr>
+            </a:br>
+            <a:r>
+              <a:rPr lang="en-US" sz="1600" dirty="0">
+                <a:latin typeface="Lucida Console" panose="020B0609040504020204" pitchFamily="49" charset="0"/>
+              </a:rPr>
+              <a:t>    BEGIN</a:t>
+            </a:r>
+            <a:br>
+              <a:rPr lang="en-US" sz="1600" dirty="0">
+                <a:latin typeface="Lucida Console" panose="020B0609040504020204" pitchFamily="49" charset="0"/>
+              </a:rPr>
+            </a:br>
+            <a:r>
+              <a:rPr lang="en-US" sz="1600" dirty="0">
+                <a:latin typeface="Lucida Console" panose="020B0609040504020204" pitchFamily="49" charset="0"/>
+              </a:rPr>
+              <a:t>      IF (Numerator MOD GCD = 0) AND (Denominator MOD GCD = 0)</a:t>
+            </a:r>
+            <a:br>
+              <a:rPr lang="en-US" sz="1600" dirty="0">
+                <a:latin typeface="Lucida Console" panose="020B0609040504020204" pitchFamily="49" charset="0"/>
+              </a:rPr>
+            </a:br>
+            <a:r>
+              <a:rPr lang="en-US" sz="1600" dirty="0">
+                <a:latin typeface="Lucida Console" panose="020B0609040504020204" pitchFamily="49" charset="0"/>
+              </a:rPr>
+              <a:t>      THEN</a:t>
+            </a:r>
+            <a:br>
+              <a:rPr lang="en-US" sz="1600" dirty="0">
+                <a:latin typeface="Lucida Console" panose="020B0609040504020204" pitchFamily="49" charset="0"/>
+              </a:rPr>
+            </a:br>
+            <a:r>
+              <a:rPr lang="en-US" sz="1600" dirty="0">
+                <a:latin typeface="Lucida Console" panose="020B0609040504020204" pitchFamily="49" charset="0"/>
+              </a:rPr>
+              <a:t>        BEGIN</a:t>
+            </a:r>
+            <a:br>
+              <a:rPr lang="en-US" sz="1600" dirty="0">
+                <a:latin typeface="Lucida Console" panose="020B0609040504020204" pitchFamily="49" charset="0"/>
+              </a:rPr>
+            </a:br>
+            <a:r>
+              <a:rPr lang="en-US" sz="1600" dirty="0">
+                <a:latin typeface="Lucida Console" panose="020B0609040504020204" pitchFamily="49" charset="0"/>
+              </a:rPr>
+              <a:t>          Numerator := Numerator DIV GCD;</a:t>
+            </a:r>
+            <a:br>
+              <a:rPr lang="en-US" sz="1600" dirty="0">
+                <a:latin typeface="Lucida Console" panose="020B0609040504020204" pitchFamily="49" charset="0"/>
+              </a:rPr>
+            </a:br>
+            <a:r>
+              <a:rPr lang="en-US" sz="1600" dirty="0">
+                <a:latin typeface="Lucida Console" panose="020B0609040504020204" pitchFamily="49" charset="0"/>
+              </a:rPr>
+              <a:t>          Denominator := Denominator DIV GCD;</a:t>
+            </a:r>
+            <a:br>
+              <a:rPr lang="en-US" sz="1600" dirty="0">
+                <a:latin typeface="Lucida Console" panose="020B0609040504020204" pitchFamily="49" charset="0"/>
+              </a:rPr>
+            </a:br>
+            <a:r>
+              <a:rPr lang="en-US" sz="1600" dirty="0">
+                <a:latin typeface="Lucida Console" panose="020B0609040504020204" pitchFamily="49" charset="0"/>
+              </a:rPr>
+              <a:t>          </a:t>
+            </a:r>
+            <a:r>
+              <a:rPr lang="en-US" sz="1600" dirty="0" smtClean="0">
+                <a:latin typeface="Lucida Console" panose="020B0609040504020204" pitchFamily="49" charset="0"/>
+              </a:rPr>
+              <a:t>EXIT</a:t>
+            </a:r>
+            <a:r>
+              <a:rPr lang="en-US" sz="1600" dirty="0">
+                <a:latin typeface="Lucida Console" panose="020B0609040504020204" pitchFamily="49" charset="0"/>
+              </a:rPr>
+              <a:t/>
+            </a:r>
+            <a:br>
+              <a:rPr lang="en-US" sz="1600" dirty="0">
+                <a:latin typeface="Lucida Console" panose="020B0609040504020204" pitchFamily="49" charset="0"/>
+              </a:rPr>
+            </a:br>
+            <a:r>
+              <a:rPr lang="en-US" sz="1600" dirty="0">
+                <a:latin typeface="Lucida Console" panose="020B0609040504020204" pitchFamily="49" charset="0"/>
+              </a:rPr>
+              <a:t>        END</a:t>
+            </a:r>
+            <a:br>
+              <a:rPr lang="en-US" sz="1600" dirty="0">
+                <a:latin typeface="Lucida Console" panose="020B0609040504020204" pitchFamily="49" charset="0"/>
+              </a:rPr>
+            </a:br>
+            <a:r>
+              <a:rPr lang="en-US" sz="1600" dirty="0">
+                <a:latin typeface="Lucida Console" panose="020B0609040504020204" pitchFamily="49" charset="0"/>
+              </a:rPr>
+              <a:t>      ELSE</a:t>
+            </a:r>
+            <a:br>
+              <a:rPr lang="en-US" sz="1600" dirty="0">
+                <a:latin typeface="Lucida Console" panose="020B0609040504020204" pitchFamily="49" charset="0"/>
+              </a:rPr>
+            </a:br>
+            <a:r>
+              <a:rPr lang="en-US" sz="1600" dirty="0">
+                <a:latin typeface="Lucida Console" panose="020B0609040504020204" pitchFamily="49" charset="0"/>
+              </a:rPr>
+              <a:t>        GCD := GCD - 1</a:t>
+            </a:r>
+            <a:br>
+              <a:rPr lang="en-US" sz="1600" dirty="0">
+                <a:latin typeface="Lucida Console" panose="020B0609040504020204" pitchFamily="49" charset="0"/>
+              </a:rPr>
+            </a:br>
+            <a:r>
+              <a:rPr lang="en-US" sz="1600" dirty="0">
+                <a:latin typeface="Lucida Console" panose="020B0609040504020204" pitchFamily="49" charset="0"/>
+              </a:rPr>
+              <a:t>    END</a:t>
+            </a:r>
+            <a:br>
+              <a:rPr lang="en-US" sz="1600" dirty="0">
+                <a:latin typeface="Lucida Console" panose="020B0609040504020204" pitchFamily="49" charset="0"/>
+              </a:rPr>
+            </a:br>
+            <a:r>
+              <a:rPr lang="en-US" sz="1600" dirty="0" err="1">
+                <a:latin typeface="Lucida Console" panose="020B0609040504020204" pitchFamily="49" charset="0"/>
+              </a:rPr>
+              <a:t>END</a:t>
+            </a:r>
+            <a:r>
+              <a:rPr lang="en-US" sz="1600" dirty="0">
                 <a:latin typeface="Lucida Console" panose="020B0609040504020204" pitchFamily="49" charset="0"/>
               </a:rPr>
               <a:t>;</a:t>
-            </a:r>
-          </a:p>
-          <a:p>
-            <a:r>
-              <a:rPr lang="ru-RU" sz="1600" dirty="0">
-                <a:latin typeface="Lucida Console" panose="020B0609040504020204" pitchFamily="49" charset="0"/>
-              </a:rPr>
-              <a:t>  WHILE GCD &gt; 1</a:t>
-            </a:r>
-          </a:p>
-          <a:p>
-            <a:r>
-              <a:rPr lang="ru-RU" sz="1600" dirty="0">
-                <a:latin typeface="Lucida Console" panose="020B0609040504020204" pitchFamily="49" charset="0"/>
-              </a:rPr>
-              <a:t>  DO</a:t>
-            </a:r>
-          </a:p>
-          <a:p>
-            <a:r>
-              <a:rPr lang="ru-RU" sz="1600" dirty="0">
-                <a:latin typeface="Lucida Console" panose="020B0609040504020204" pitchFamily="49" charset="0"/>
-              </a:rPr>
-              <a:t>    BEGIN</a:t>
-            </a:r>
-          </a:p>
-          <a:p>
-            <a:r>
-              <a:rPr lang="ru-RU" sz="1600" dirty="0">
-                <a:latin typeface="Lucida Console" panose="020B0609040504020204" pitchFamily="49" charset="0"/>
-              </a:rPr>
-              <a:t>      IF (</a:t>
-            </a:r>
-            <a:r>
-              <a:rPr lang="ru-RU" sz="1600" dirty="0" err="1">
-                <a:latin typeface="Lucida Console" panose="020B0609040504020204" pitchFamily="49" charset="0"/>
-              </a:rPr>
-              <a:t>Numerator</a:t>
-            </a:r>
-            <a:r>
-              <a:rPr lang="ru-RU" sz="1600" dirty="0">
-                <a:latin typeface="Lucida Console" panose="020B0609040504020204" pitchFamily="49" charset="0"/>
-              </a:rPr>
-              <a:t> MOD GCD = 0) AND (</a:t>
-            </a:r>
-            <a:r>
-              <a:rPr lang="ru-RU" sz="1600" dirty="0" err="1">
-                <a:latin typeface="Lucida Console" panose="020B0609040504020204" pitchFamily="49" charset="0"/>
-              </a:rPr>
-              <a:t>Denominator</a:t>
-            </a:r>
-            <a:r>
-              <a:rPr lang="ru-RU" sz="1600" dirty="0">
-                <a:latin typeface="Lucida Console" panose="020B0609040504020204" pitchFamily="49" charset="0"/>
-              </a:rPr>
-              <a:t> MOD GCD = 0)</a:t>
-            </a:r>
-          </a:p>
-          <a:p>
-            <a:r>
-              <a:rPr lang="ru-RU" sz="1600" dirty="0">
-                <a:latin typeface="Lucida Console" panose="020B0609040504020204" pitchFamily="49" charset="0"/>
-              </a:rPr>
-              <a:t>      THEN</a:t>
-            </a:r>
-          </a:p>
-          <a:p>
-            <a:r>
-              <a:rPr lang="ru-RU" sz="1600" dirty="0">
-                <a:latin typeface="Lucida Console" panose="020B0609040504020204" pitchFamily="49" charset="0"/>
-              </a:rPr>
-              <a:t>        BEGIN</a:t>
-            </a:r>
-          </a:p>
-          <a:p>
-            <a:r>
-              <a:rPr lang="ru-RU" sz="1600" dirty="0">
-                <a:latin typeface="Lucida Console" panose="020B0609040504020204" pitchFamily="49" charset="0"/>
-              </a:rPr>
-              <a:t>          </a:t>
-            </a:r>
-            <a:r>
-              <a:rPr lang="ru-RU" sz="1600" dirty="0" err="1">
-                <a:latin typeface="Lucida Console" panose="020B0609040504020204" pitchFamily="49" charset="0"/>
-              </a:rPr>
-              <a:t>Numerator</a:t>
-            </a:r>
-            <a:r>
-              <a:rPr lang="ru-RU" sz="1600" dirty="0">
-                <a:latin typeface="Lucida Console" panose="020B0609040504020204" pitchFamily="49" charset="0"/>
-              </a:rPr>
-              <a:t> := </a:t>
-            </a:r>
-            <a:r>
-              <a:rPr lang="ru-RU" sz="1600" dirty="0" err="1">
-                <a:latin typeface="Lucida Console" panose="020B0609040504020204" pitchFamily="49" charset="0"/>
-              </a:rPr>
-              <a:t>Numerator</a:t>
-            </a:r>
-            <a:r>
-              <a:rPr lang="ru-RU" sz="1600" dirty="0">
-                <a:latin typeface="Lucida Console" panose="020B0609040504020204" pitchFamily="49" charset="0"/>
-              </a:rPr>
-              <a:t> DIV GCD;</a:t>
-            </a:r>
-          </a:p>
-          <a:p>
-            <a:r>
-              <a:rPr lang="ru-RU" sz="1600" dirty="0">
-                <a:latin typeface="Lucida Console" panose="020B0609040504020204" pitchFamily="49" charset="0"/>
-              </a:rPr>
-              <a:t>          </a:t>
-            </a:r>
-            <a:r>
-              <a:rPr lang="ru-RU" sz="1600" dirty="0" err="1">
-                <a:latin typeface="Lucida Console" panose="020B0609040504020204" pitchFamily="49" charset="0"/>
-              </a:rPr>
-              <a:t>Denominator</a:t>
-            </a:r>
-            <a:r>
-              <a:rPr lang="ru-RU" sz="1600" dirty="0">
-                <a:latin typeface="Lucida Console" panose="020B0609040504020204" pitchFamily="49" charset="0"/>
-              </a:rPr>
-              <a:t> := </a:t>
-            </a:r>
-            <a:r>
-              <a:rPr lang="ru-RU" sz="1600" dirty="0" err="1">
-                <a:latin typeface="Lucida Console" panose="020B0609040504020204" pitchFamily="49" charset="0"/>
-              </a:rPr>
-              <a:t>Denominator</a:t>
-            </a:r>
-            <a:r>
-              <a:rPr lang="ru-RU" sz="1600" dirty="0">
-                <a:latin typeface="Lucida Console" panose="020B0609040504020204" pitchFamily="49" charset="0"/>
-              </a:rPr>
-              <a:t> DIV GCD;</a:t>
-            </a:r>
-          </a:p>
-          <a:p>
-            <a:r>
-              <a:rPr lang="ru-RU" sz="1600" dirty="0">
-                <a:latin typeface="Lucida Console" panose="020B0609040504020204" pitchFamily="49" charset="0"/>
-              </a:rPr>
-              <a:t>          </a:t>
-            </a:r>
-            <a:r>
-              <a:rPr lang="en-US" sz="1600" smtClean="0">
-                <a:latin typeface="Lucida Console" panose="020B0609040504020204" pitchFamily="49" charset="0"/>
-              </a:rPr>
-              <a:t>EXIT</a:t>
             </a:r>
             <a:endParaRPr lang="ru-RU" sz="1600" dirty="0">
               <a:latin typeface="Lucida Console" panose="020B0609040504020204" pitchFamily="49" charset="0"/>
             </a:endParaRPr>
-          </a:p>
-          <a:p>
-            <a:r>
-              <a:rPr lang="ru-RU" sz="1600" dirty="0">
-                <a:latin typeface="Lucida Console" panose="020B0609040504020204" pitchFamily="49" charset="0"/>
-              </a:rPr>
-              <a:t>        END</a:t>
-            </a:r>
-          </a:p>
-          <a:p>
-            <a:r>
-              <a:rPr lang="ru-RU" sz="1600" dirty="0">
-                <a:latin typeface="Lucida Console" panose="020B0609040504020204" pitchFamily="49" charset="0"/>
-              </a:rPr>
-              <a:t>      ELSE</a:t>
-            </a:r>
-          </a:p>
-          <a:p>
-            <a:r>
-              <a:rPr lang="ru-RU" sz="1600" dirty="0">
-                <a:latin typeface="Lucida Console" panose="020B0609040504020204" pitchFamily="49" charset="0"/>
-              </a:rPr>
-              <a:t>        GCD := GCD - 1</a:t>
-            </a:r>
-          </a:p>
-          <a:p>
-            <a:r>
-              <a:rPr lang="ru-RU" sz="1600" dirty="0">
-                <a:latin typeface="Lucida Console" panose="020B0609040504020204" pitchFamily="49" charset="0"/>
-              </a:rPr>
-              <a:t>    END</a:t>
-            </a:r>
-          </a:p>
-          <a:p>
-            <a:r>
-              <a:rPr lang="ru-RU" sz="1600" dirty="0">
-                <a:latin typeface="Lucida Console" panose="020B0609040504020204" pitchFamily="49" charset="0"/>
-              </a:rPr>
-              <a:t>END;</a:t>
-            </a:r>
           </a:p>
         </p:txBody>
       </p:sp>
@@ -4834,7 +4926,7 @@
 </p:sld>
 </file>
 
-<file path=ppt/slides/slide13.xml><?xml version="1.0" encoding="utf-8"?>
+<file path=ppt/slides/slide14.xml><?xml version="1.0" encoding="utf-8"?>
 <p:sld xmlns:a="http://schemas.openxmlformats.org/drawingml/2006/main" xmlns:r="http://schemas.openxmlformats.org/officeDocument/2006/relationships" xmlns:p="http://schemas.openxmlformats.org/presentationml/2006/main">
   <p:cSld>
     <p:spTree>
@@ -5894,7 +5986,7 @@
 </p:sld>
 </file>
 
-<file path=ppt/slides/slide14.xml><?xml version="1.0" encoding="utf-8"?>
+<file path=ppt/slides/slide15.xml><?xml version="1.0" encoding="utf-8"?>
 <p:sld xmlns:a="http://schemas.openxmlformats.org/drawingml/2006/main" xmlns:r="http://schemas.openxmlformats.org/officeDocument/2006/relationships" xmlns:p="http://schemas.openxmlformats.org/presentationml/2006/main">
   <p:cSld>
     <p:spTree>
@@ -5933,8 +6025,8 @@
           </a:p>
         </p:txBody>
       </p:sp>
-      <mc:AlternateContent xmlns:mc="http://schemas.openxmlformats.org/markup-compatibility/2006" xmlns:a14="http://schemas.microsoft.com/office/drawing/2010/main">
-        <mc:Choice Requires="a14">
+      <mc:AlternateContent xmlns:mc="http://schemas.openxmlformats.org/markup-compatibility/2006">
+        <mc:Choice xmlns:a14="http://schemas.microsoft.com/office/drawing/2010/main" Requires="a14">
           <p:sp>
             <p:nvSpPr>
               <p:cNvPr id="3" name="Объект 2"/>
@@ -5951,7 +6043,7 @@
               <a:lstStyle/>
               <a:p>
                 <a:r>
-                  <a:rPr lang="ru-RU" dirty="0"/>
+                  <a:rPr lang="ru-RU" dirty="0" smtClean="0"/>
                   <a:t>Поиск НОД последовательным перебором ужасно неэффективен</a:t>
                 </a:r>
               </a:p>
@@ -5980,15 +6072,45 @@
                           <a:rPr lang="en-US" sz="4000" b="0" i="1" smtClean="0">
                             <a:latin typeface="Cambria Math" panose="02040503050406030204" pitchFamily="18" charset="0"/>
                           </a:rPr>
-                          <m:t>999′999′999</m:t>
+                          <m:t>999</m:t>
+                        </m:r>
+                        <m:r>
+                          <a:rPr lang="ru-RU" sz="4000" b="0" i="1" smtClean="0">
+                            <a:latin typeface="Cambria Math" panose="02040503050406030204" pitchFamily="18" charset="0"/>
+                          </a:rPr>
+                          <m:t> </m:t>
+                        </m:r>
+                        <m:r>
+                          <a:rPr lang="en-US" sz="4000" b="0" i="1" smtClean="0">
+                            <a:latin typeface="Cambria Math" panose="02040503050406030204" pitchFamily="18" charset="0"/>
+                          </a:rPr>
+                          <m:t>999</m:t>
+                        </m:r>
+                        <m:r>
+                          <a:rPr lang="ru-RU" sz="4000" b="0" i="1" smtClean="0">
+                            <a:latin typeface="Cambria Math" panose="02040503050406030204" pitchFamily="18" charset="0"/>
+                          </a:rPr>
+                          <m:t> </m:t>
+                        </m:r>
+                        <m:r>
+                          <a:rPr lang="en-US" sz="4000" b="0" i="1" smtClean="0">
+                            <a:latin typeface="Cambria Math" panose="02040503050406030204" pitchFamily="18" charset="0"/>
+                          </a:rPr>
+                          <m:t>99</m:t>
+                        </m:r>
+                        <m:r>
+                          <a:rPr lang="ru-RU" sz="4000" b="0" i="1" smtClean="0">
+                            <a:latin typeface="Cambria Math" panose="02040503050406030204" pitchFamily="18" charset="0"/>
+                          </a:rPr>
+                          <m:t>7</m:t>
                         </m:r>
                       </m:num>
                       <m:den>
                         <m:r>
-                          <a:rPr lang="en-US" sz="4000" b="0" i="1" smtClean="0">
+                          <a:rPr lang="ru-RU" sz="4000" b="0" i="1" smtClean="0">
                             <a:latin typeface="Cambria Math" panose="02040503050406030204" pitchFamily="18" charset="0"/>
                           </a:rPr>
-                          <m:t>1′000′000′000</m:t>
+                          <m:t>999 999 999</m:t>
                         </m:r>
                       </m:den>
                     </m:f>
@@ -6020,7 +6142,7 @@
             </p:txBody>
           </p:sp>
         </mc:Choice>
-        <mc:Fallback xmlns="">
+        <mc:Fallback>
           <p:sp>
             <p:nvSpPr>
               <p:cNvPr id="3" name="Объект 2"/>
@@ -6032,7 +6154,7 @@
               </p:nvPr>
             </p:nvSpPr>
             <p:spPr>
-              <a:blipFill>
+              <a:blipFill rotWithShape="0">
                 <a:blip r:embed="rId2"/>
                 <a:stretch>
                   <a:fillRect l="-1391" t="-2241"/>
@@ -6064,10 +6186,17 @@
   <p:clrMapOvr>
     <a:masterClrMapping/>
   </p:clrMapOvr>
+  <p:timing>
+    <p:tnLst>
+      <p:par>
+        <p:cTn id="1" dur="indefinite" restart="never" nodeType="tmRoot"/>
+      </p:par>
+    </p:tnLst>
+  </p:timing>
 </p:sld>
 </file>
 
-<file path=ppt/slides/slide15.xml><?xml version="1.0" encoding="utf-8"?>
+<file path=ppt/slides/slide16.xml><?xml version="1.0" encoding="utf-8"?>
 <p:sld xmlns:a="http://schemas.openxmlformats.org/drawingml/2006/main" xmlns:r="http://schemas.openxmlformats.org/officeDocument/2006/relationships" xmlns:p="http://schemas.openxmlformats.org/presentationml/2006/main">
   <p:cSld>
     <p:spTree>
@@ -6479,10 +6608,17 @@
   <p:clrMapOvr>
     <a:masterClrMapping/>
   </p:clrMapOvr>
+  <p:timing>
+    <p:tnLst>
+      <p:par>
+        <p:cTn id="1" dur="indefinite" restart="never" nodeType="tmRoot"/>
+      </p:par>
+    </p:tnLst>
+  </p:timing>
 </p:sld>
 </file>
 
-<file path=ppt/slides/slide16.xml><?xml version="1.0" encoding="utf-8"?>
+<file path=ppt/slides/slide17.xml><?xml version="1.0" encoding="utf-8"?>
 <p:sld xmlns:a="http://schemas.openxmlformats.org/drawingml/2006/main" xmlns:r="http://schemas.openxmlformats.org/officeDocument/2006/relationships" xmlns:p="http://schemas.openxmlformats.org/presentationml/2006/main">
   <p:cSld>
     <p:spTree>
@@ -8166,121 +8302,6 @@
 </p:sld>
 </file>
 
-<file path=ppt/slides/slide17.xml><?xml version="1.0" encoding="utf-8"?>
-<p:sld xmlns:a="http://schemas.openxmlformats.org/drawingml/2006/main" xmlns:r="http://schemas.openxmlformats.org/officeDocument/2006/relationships" xmlns:p="http://schemas.openxmlformats.org/presentationml/2006/main">
-  <p:cSld>
-    <p:spTree>
-      <p:nvGrpSpPr>
-        <p:cNvPr id="1" name=""/>
-        <p:cNvGrpSpPr/>
-        <p:nvPr/>
-      </p:nvGrpSpPr>
-      <p:grpSpPr>
-        <a:xfrm>
-          <a:off x="0" y="0"/>
-          <a:ext cx="0" cy="0"/>
-          <a:chOff x="0" y="0"/>
-          <a:chExt cx="0" cy="0"/>
-        </a:xfrm>
-      </p:grpSpPr>
-      <p:sp>
-        <p:nvSpPr>
-          <p:cNvPr id="2" name="Заголовок 1"/>
-          <p:cNvSpPr>
-            <a:spLocks noGrp="1"/>
-          </p:cNvSpPr>
-          <p:nvPr>
-            <p:ph type="title"/>
-          </p:nvPr>
-        </p:nvSpPr>
-        <p:spPr/>
-        <p:txBody>
-          <a:bodyPr/>
-          <a:lstStyle/>
-          <a:p>
-            <a:r>
-              <a:rPr lang="ru-RU" dirty="0"/>
-              <a:t>Улучшаем печать дроби</a:t>
-            </a:r>
-          </a:p>
-        </p:txBody>
-      </p:sp>
-      <p:sp>
-        <p:nvSpPr>
-          <p:cNvPr id="3" name="Объект 2"/>
-          <p:cNvSpPr>
-            <a:spLocks noGrp="1"/>
-          </p:cNvSpPr>
-          <p:nvPr>
-            <p:ph idx="1"/>
-          </p:nvPr>
-        </p:nvSpPr>
-        <p:spPr/>
-        <p:txBody>
-          <a:bodyPr/>
-          <a:lstStyle/>
-          <a:p>
-            <a:r>
-              <a:rPr lang="ru-RU" dirty="0"/>
-              <a:t>Числитель равен 0</a:t>
-            </a:r>
-          </a:p>
-          <a:p>
-            <a:pPr lvl="1"/>
-            <a:r>
-              <a:rPr lang="ru-RU" dirty="0"/>
-              <a:t>Выводим целую часть</a:t>
-            </a:r>
-          </a:p>
-          <a:p>
-            <a:r>
-              <a:rPr lang="ru-RU" dirty="0"/>
-              <a:t>Числитель не равен 0</a:t>
-            </a:r>
-          </a:p>
-          <a:p>
-            <a:pPr lvl="1"/>
-            <a:r>
-              <a:rPr lang="ru-RU" dirty="0"/>
-              <a:t>Целая часть равна 0</a:t>
-            </a:r>
-          </a:p>
-          <a:p>
-            <a:pPr lvl="2"/>
-            <a:r>
-              <a:rPr lang="ru-RU" dirty="0"/>
-              <a:t>Выводим Числитель / знаменатель</a:t>
-            </a:r>
-          </a:p>
-          <a:p>
-            <a:pPr lvl="1"/>
-            <a:r>
-              <a:rPr lang="ru-RU" dirty="0"/>
-              <a:t>Целая часть не равна 0</a:t>
-            </a:r>
-          </a:p>
-          <a:p>
-            <a:pPr lvl="2"/>
-            <a:r>
-              <a:rPr lang="ru-RU" dirty="0"/>
-              <a:t>Выводим Целую часть, числитель / знаменатель</a:t>
-            </a:r>
-          </a:p>
-        </p:txBody>
-      </p:sp>
-    </p:spTree>
-    <p:extLst>
-      <p:ext uri="{BB962C8B-B14F-4D97-AF65-F5344CB8AC3E}">
-        <p14:creationId xmlns:p14="http://schemas.microsoft.com/office/powerpoint/2010/main" val="1464483652"/>
-      </p:ext>
-    </p:extLst>
-  </p:cSld>
-  <p:clrMapOvr>
-    <a:masterClrMapping/>
-  </p:clrMapOvr>
-</p:sld>
-</file>
-
 <file path=ppt/slides/slide18.xml><?xml version="1.0" encoding="utf-8"?>
 <p:sld xmlns:a="http://schemas.openxmlformats.org/drawingml/2006/main" xmlns:r="http://schemas.openxmlformats.org/officeDocument/2006/relationships" xmlns:p="http://schemas.openxmlformats.org/presentationml/2006/main">
   <p:cSld>
@@ -8315,6 +8336,142 @@
           <a:p>
             <a:r>
               <a:rPr lang="ru-RU" dirty="0"/>
+              <a:t>Улучшаем печать дроби</a:t>
+            </a:r>
+          </a:p>
+        </p:txBody>
+      </p:sp>
+      <p:sp>
+        <p:nvSpPr>
+          <p:cNvPr id="3" name="Объект 2"/>
+          <p:cNvSpPr>
+            <a:spLocks noGrp="1"/>
+          </p:cNvSpPr>
+          <p:nvPr>
+            <p:ph idx="1"/>
+          </p:nvPr>
+        </p:nvSpPr>
+        <p:spPr/>
+        <p:txBody>
+          <a:bodyPr/>
+          <a:lstStyle/>
+          <a:p>
+            <a:r>
+              <a:rPr lang="ru-RU" dirty="0"/>
+              <a:t>Числитель равен 0</a:t>
+            </a:r>
+          </a:p>
+          <a:p>
+            <a:pPr lvl="1"/>
+            <a:r>
+              <a:rPr lang="ru-RU" dirty="0"/>
+              <a:t>Выводим целую часть</a:t>
+            </a:r>
+          </a:p>
+          <a:p>
+            <a:r>
+              <a:rPr lang="ru-RU" dirty="0"/>
+              <a:t>Числитель не равен 0</a:t>
+            </a:r>
+          </a:p>
+          <a:p>
+            <a:pPr lvl="1"/>
+            <a:r>
+              <a:rPr lang="ru-RU" dirty="0"/>
+              <a:t>Целая часть не равна 0</a:t>
+            </a:r>
+          </a:p>
+          <a:p>
+            <a:pPr lvl="2"/>
+            <a:r>
+              <a:rPr lang="ru-RU" dirty="0"/>
+              <a:t>Выводим Целую часть, числитель </a:t>
+            </a:r>
+            <a:r>
+              <a:rPr lang="ru-RU" dirty="0" smtClean="0"/>
+              <a:t>/ знаменатель</a:t>
+            </a:r>
+            <a:endParaRPr lang="ru-RU" dirty="0" smtClean="0"/>
+          </a:p>
+          <a:p>
+            <a:pPr lvl="1"/>
+            <a:r>
+              <a:rPr lang="ru-RU" dirty="0" smtClean="0"/>
+              <a:t>Целая часть равна 0</a:t>
+            </a:r>
+          </a:p>
+          <a:p>
+            <a:pPr lvl="2"/>
+            <a:r>
+              <a:rPr lang="ru-RU" dirty="0" smtClean="0"/>
+              <a:t>Выводим </a:t>
+            </a:r>
+            <a:r>
+              <a:rPr lang="ru-RU" dirty="0"/>
+              <a:t>Числитель / </a:t>
+            </a:r>
+            <a:r>
+              <a:rPr lang="ru-RU" dirty="0" smtClean="0"/>
+              <a:t>знаменатель</a:t>
+            </a:r>
+            <a:endParaRPr lang="ru-RU" dirty="0"/>
+          </a:p>
+        </p:txBody>
+      </p:sp>
+    </p:spTree>
+    <p:extLst>
+      <p:ext uri="{BB962C8B-B14F-4D97-AF65-F5344CB8AC3E}">
+        <p14:creationId xmlns:p14="http://schemas.microsoft.com/office/powerpoint/2010/main" val="1464483652"/>
+      </p:ext>
+    </p:extLst>
+  </p:cSld>
+  <p:clrMapOvr>
+    <a:masterClrMapping/>
+  </p:clrMapOvr>
+  <p:timing>
+    <p:tnLst>
+      <p:par>
+        <p:cTn id="1" dur="indefinite" restart="never" nodeType="tmRoot"/>
+      </p:par>
+    </p:tnLst>
+  </p:timing>
+</p:sld>
+</file>
+
+<file path=ppt/slides/slide19.xml><?xml version="1.0" encoding="utf-8"?>
+<p:sld xmlns:a="http://schemas.openxmlformats.org/drawingml/2006/main" xmlns:r="http://schemas.openxmlformats.org/officeDocument/2006/relationships" xmlns:p="http://schemas.openxmlformats.org/presentationml/2006/main">
+  <p:cSld>
+    <p:spTree>
+      <p:nvGrpSpPr>
+        <p:cNvPr id="1" name=""/>
+        <p:cNvGrpSpPr/>
+        <p:nvPr/>
+      </p:nvGrpSpPr>
+      <p:grpSpPr>
+        <a:xfrm>
+          <a:off x="0" y="0"/>
+          <a:ext cx="0" cy="0"/>
+          <a:chOff x="0" y="0"/>
+          <a:chExt cx="0" cy="0"/>
+        </a:xfrm>
+      </p:grpSpPr>
+      <p:sp>
+        <p:nvSpPr>
+          <p:cNvPr id="2" name="Заголовок 1"/>
+          <p:cNvSpPr>
+            <a:spLocks noGrp="1"/>
+          </p:cNvSpPr>
+          <p:nvPr>
+            <p:ph type="title"/>
+          </p:nvPr>
+        </p:nvSpPr>
+        <p:spPr/>
+        <p:txBody>
+          <a:bodyPr/>
+          <a:lstStyle/>
+          <a:p>
+            <a:r>
+              <a:rPr lang="ru-RU" dirty="0"/>
               <a:t>Улучшенный вывод дроби</a:t>
             </a:r>
           </a:p>
@@ -8329,7 +8486,7 @@
         <p:spPr>
           <a:xfrm>
             <a:off x="184150" y="1927642"/>
-            <a:ext cx="8775700" cy="3385542"/>
+            <a:ext cx="8775700" cy="3539430"/>
           </a:xfrm>
           <a:prstGeom prst="rect">
             <a:avLst/>
@@ -8350,63 +8507,39 @@
           </a:p>
           <a:p>
             <a:r>
-              <a:rPr lang="ru-RU" sz="1600" dirty="0">
+              <a:rPr lang="en-US" sz="1600" dirty="0">
                 <a:latin typeface="Lucida Console" panose="020B0609040504020204" pitchFamily="49" charset="0"/>
               </a:rPr>
               <a:t>PROCEDURE </a:t>
             </a:r>
             <a:r>
-              <a:rPr lang="ru-RU" sz="1600" dirty="0" err="1">
+              <a:rPr lang="en-US" sz="1600" dirty="0" err="1">
                 <a:latin typeface="Lucida Console" panose="020B0609040504020204" pitchFamily="49" charset="0"/>
               </a:rPr>
               <a:t>PrintFraction</a:t>
             </a:r>
             <a:r>
-              <a:rPr lang="ru-RU" sz="1600" dirty="0">
+              <a:rPr lang="en-US" sz="1600" dirty="0">
                 <a:latin typeface="Lucida Console" panose="020B0609040504020204" pitchFamily="49" charset="0"/>
               </a:rPr>
               <a:t>(</a:t>
             </a:r>
             <a:r>
-              <a:rPr lang="ru-RU" sz="1600" dirty="0" err="1">
+              <a:rPr lang="en-US" sz="1600" dirty="0" err="1">
                 <a:latin typeface="Lucida Console" panose="020B0609040504020204" pitchFamily="49" charset="0"/>
               </a:rPr>
               <a:t>IntegerPart</a:t>
             </a:r>
             <a:r>
-              <a:rPr lang="ru-RU" sz="1600" dirty="0">
-                <a:latin typeface="Lucida Console" panose="020B0609040504020204" pitchFamily="49" charset="0"/>
-              </a:rPr>
-              <a:t>, </a:t>
-            </a:r>
-            <a:r>
-              <a:rPr lang="ru-RU" sz="1600" dirty="0" err="1">
-                <a:latin typeface="Lucida Console" panose="020B0609040504020204" pitchFamily="49" charset="0"/>
-              </a:rPr>
-              <a:t>Numerator</a:t>
-            </a:r>
-            <a:r>
-              <a:rPr lang="ru-RU" sz="1600" dirty="0">
-                <a:latin typeface="Lucida Console" panose="020B0609040504020204" pitchFamily="49" charset="0"/>
-              </a:rPr>
-              <a:t>, </a:t>
-            </a:r>
-            <a:r>
-              <a:rPr lang="ru-RU" sz="1600" dirty="0" err="1">
-                <a:latin typeface="Lucida Console" panose="020B0609040504020204" pitchFamily="49" charset="0"/>
-              </a:rPr>
-              <a:t>Denominator</a:t>
-            </a:r>
-            <a:r>
-              <a:rPr lang="ru-RU" sz="1600" dirty="0">
-                <a:latin typeface="Lucida Console" panose="020B0609040504020204" pitchFamily="49" charset="0"/>
-              </a:rPr>
-              <a:t>: INTEGER);</a:t>
-            </a:r>
-          </a:p>
-          <a:p>
-            <a:r>
-              <a:rPr lang="ru-RU" sz="1600" dirty="0">
+              <a:rPr lang="en-US" sz="1600" dirty="0">
+                <a:latin typeface="Lucida Console" panose="020B0609040504020204" pitchFamily="49" charset="0"/>
+              </a:rPr>
+              <a:t>, Numerator, Denominator: INTEGER);</a:t>
+            </a:r>
+          </a:p>
+          <a:p>
+            <a:r>
+              <a:rPr lang="en-US" sz="1600" dirty="0">
                 <a:latin typeface="Lucida Console" panose="020B0609040504020204" pitchFamily="49" charset="0"/>
               </a:rPr>
               <a:t>BEGIN</a:t>
@@ -8414,27 +8547,15 @@
           </a:p>
           <a:p>
             <a:r>
-              <a:rPr lang="ru-RU" sz="1600" dirty="0">
-                <a:latin typeface="Lucida Console" panose="020B0609040504020204" pitchFamily="49" charset="0"/>
-              </a:rPr>
-              <a:t>  IF </a:t>
-            </a:r>
-            <a:r>
-              <a:rPr lang="ru-RU" sz="1600" dirty="0" err="1">
-                <a:latin typeface="Lucida Console" panose="020B0609040504020204" pitchFamily="49" charset="0"/>
-              </a:rPr>
-              <a:t>Numerator</a:t>
-            </a:r>
-            <a:r>
-              <a:rPr lang="ru-RU" sz="1600" dirty="0">
-                <a:latin typeface="Lucida Console" panose="020B0609040504020204" pitchFamily="49" charset="0"/>
-              </a:rPr>
-              <a:t> = 0</a:t>
-            </a:r>
-          </a:p>
-          <a:p>
-            <a:r>
-              <a:rPr lang="ru-RU" sz="1600" dirty="0">
+              <a:rPr lang="en-US" sz="1600" dirty="0">
+                <a:latin typeface="Lucida Console" panose="020B0609040504020204" pitchFamily="49" charset="0"/>
+              </a:rPr>
+              <a:t>  IF Numerator = 0</a:t>
+            </a:r>
+          </a:p>
+          <a:p>
+            <a:r>
+              <a:rPr lang="en-US" sz="1600" dirty="0">
                 <a:latin typeface="Lucida Console" panose="020B0609040504020204" pitchFamily="49" charset="0"/>
               </a:rPr>
               <a:t>  THEN</a:t>
@@ -8442,19 +8563,19 @@
           </a:p>
           <a:p>
             <a:r>
-              <a:rPr lang="ru-RU" sz="1600" dirty="0">
+              <a:rPr lang="en-US" sz="1600" dirty="0">
                 <a:latin typeface="Lucida Console" panose="020B0609040504020204" pitchFamily="49" charset="0"/>
               </a:rPr>
               <a:t>    WRITELN(</a:t>
             </a:r>
             <a:r>
-              <a:rPr lang="ru-RU" sz="1600" dirty="0" err="1">
+              <a:rPr lang="en-US" sz="1600" dirty="0" err="1">
                 <a:latin typeface="Lucida Console" panose="020B0609040504020204" pitchFamily="49" charset="0"/>
               </a:rPr>
               <a:t>IntegerPart</a:t>
             </a:r>
             <a:r>
-              <a:rPr lang="ru-RU" sz="1600" dirty="0">
+              <a:rPr lang="en-US" sz="1600" dirty="0">
                 <a:latin typeface="Lucida Console" panose="020B0609040504020204" pitchFamily="49" charset="0"/>
               </a:rPr>
               <a:t>)</a:t>
@@ -8462,7 +8583,7 @@
           </a:p>
           <a:p>
             <a:r>
-              <a:rPr lang="ru-RU" sz="1600" dirty="0">
+              <a:rPr lang="en-US" sz="1600" dirty="0">
                 <a:latin typeface="Lucida Console" panose="020B0609040504020204" pitchFamily="49" charset="0"/>
               </a:rPr>
               <a:t>  ELSE</a:t>
@@ -8470,129 +8591,86 @@
           </a:p>
           <a:p>
             <a:r>
-              <a:rPr lang="ru-RU" sz="1600" dirty="0">
-                <a:latin typeface="Lucida Console" panose="020B0609040504020204" pitchFamily="49" charset="0"/>
-              </a:rPr>
-              <a:t>    IF </a:t>
-            </a:r>
-            <a:r>
-              <a:rPr lang="ru-RU" sz="1600" dirty="0" err="1">
+              <a:rPr lang="en-US" sz="1600" dirty="0">
+                <a:latin typeface="Lucida Console" panose="020B0609040504020204" pitchFamily="49" charset="0"/>
+              </a:rPr>
+              <a:t>    BEGIN</a:t>
+            </a:r>
+          </a:p>
+          <a:p>
+            <a:r>
+              <a:rPr lang="en-US" sz="1600" dirty="0">
+                <a:latin typeface="Lucida Console" panose="020B0609040504020204" pitchFamily="49" charset="0"/>
+              </a:rPr>
+              <a:t>      IF </a:t>
+            </a:r>
+            <a:r>
+              <a:rPr lang="en-US" sz="1600" dirty="0" err="1">
                 <a:latin typeface="Lucida Console" panose="020B0609040504020204" pitchFamily="49" charset="0"/>
               </a:rPr>
               <a:t>IntegerPart</a:t>
             </a:r>
             <a:r>
-              <a:rPr lang="ru-RU" sz="1600" dirty="0">
-                <a:latin typeface="Lucida Console" panose="020B0609040504020204" pitchFamily="49" charset="0"/>
-              </a:rPr>
-              <a:t> = 0 </a:t>
-            </a:r>
-            <a:r>
-              <a:rPr lang="ru-RU" sz="1600" i="1" dirty="0">
-                <a:latin typeface="Lucida Console" panose="020B0609040504020204" pitchFamily="49" charset="0"/>
-              </a:rPr>
-              <a:t>{Числитель не равен 0}</a:t>
-            </a:r>
-          </a:p>
-          <a:p>
-            <a:r>
-              <a:rPr lang="ru-RU" sz="1600" dirty="0">
-                <a:latin typeface="Lucida Console" panose="020B0609040504020204" pitchFamily="49" charset="0"/>
-              </a:rPr>
-              <a:t>    THEN</a:t>
-            </a:r>
-          </a:p>
-          <a:p>
-            <a:r>
-              <a:rPr lang="ru-RU" sz="1600" dirty="0">
-                <a:latin typeface="Lucida Console" panose="020B0609040504020204" pitchFamily="49" charset="0"/>
-              </a:rPr>
-              <a:t>      WRITELN(</a:t>
-            </a:r>
-            <a:r>
-              <a:rPr lang="ru-RU" sz="1600" dirty="0" err="1">
-                <a:latin typeface="Lucida Console" panose="020B0609040504020204" pitchFamily="49" charset="0"/>
-              </a:rPr>
-              <a:t>Numerator</a:t>
-            </a:r>
-            <a:r>
-              <a:rPr lang="ru-RU" sz="1600" dirty="0">
-                <a:latin typeface="Lucida Console" panose="020B0609040504020204" pitchFamily="49" charset="0"/>
-              </a:rPr>
-              <a:t>, '/', </a:t>
-            </a:r>
-            <a:r>
-              <a:rPr lang="ru-RU" sz="1600" dirty="0" err="1">
-                <a:latin typeface="Lucida Console" panose="020B0609040504020204" pitchFamily="49" charset="0"/>
-              </a:rPr>
-              <a:t>Denominator</a:t>
-            </a:r>
-            <a:r>
-              <a:rPr lang="ru-RU" sz="1600" dirty="0">
-                <a:latin typeface="Lucida Console" panose="020B0609040504020204" pitchFamily="49" charset="0"/>
-              </a:rPr>
-              <a:t>)</a:t>
-            </a:r>
-          </a:p>
-          <a:p>
-            <a:r>
-              <a:rPr lang="ru-RU" sz="1600" dirty="0">
-                <a:latin typeface="Lucida Console" panose="020B0609040504020204" pitchFamily="49" charset="0"/>
-              </a:rPr>
-              <a:t>    ELSE</a:t>
-            </a:r>
-          </a:p>
-          <a:p>
-            <a:r>
-              <a:rPr lang="ru-RU" sz="1600" dirty="0">
-                <a:latin typeface="Lucida Console" panose="020B0609040504020204" pitchFamily="49" charset="0"/>
-              </a:rPr>
-              <a:t>      WRITELN(</a:t>
-            </a:r>
-            <a:r>
-              <a:rPr lang="ru-RU" sz="1600" dirty="0" err="1">
+              <a:rPr lang="en-US" sz="1600" dirty="0">
+                <a:latin typeface="Lucida Console" panose="020B0609040504020204" pitchFamily="49" charset="0"/>
+              </a:rPr>
+              <a:t> &lt;&gt; 0</a:t>
+            </a:r>
+          </a:p>
+          <a:p>
+            <a:r>
+              <a:rPr lang="en-US" sz="1600" dirty="0">
+                <a:latin typeface="Lucida Console" panose="020B0609040504020204" pitchFamily="49" charset="0"/>
+              </a:rPr>
+              <a:t>      THEN</a:t>
+            </a:r>
+          </a:p>
+          <a:p>
+            <a:r>
+              <a:rPr lang="en-US" sz="1600" dirty="0">
+                <a:latin typeface="Lucida Console" panose="020B0609040504020204" pitchFamily="49" charset="0"/>
+              </a:rPr>
+              <a:t>        WRITE(</a:t>
+            </a:r>
+            <a:r>
+              <a:rPr lang="en-US" sz="1600" dirty="0" err="1">
                 <a:latin typeface="Lucida Console" panose="020B0609040504020204" pitchFamily="49" charset="0"/>
               </a:rPr>
               <a:t>IntegerPart</a:t>
             </a:r>
             <a:r>
-              <a:rPr lang="ru-RU" sz="1600" dirty="0">
-                <a:latin typeface="Lucida Console" panose="020B0609040504020204" pitchFamily="49" charset="0"/>
-              </a:rPr>
-              <a:t>, ' ', </a:t>
-            </a:r>
-            <a:r>
-              <a:rPr lang="ru-RU" sz="1600" dirty="0" err="1">
-                <a:latin typeface="Lucida Console" panose="020B0609040504020204" pitchFamily="49" charset="0"/>
-              </a:rPr>
-              <a:t>Numerator</a:t>
-            </a:r>
-            <a:r>
-              <a:rPr lang="ru-RU" sz="1600" dirty="0">
-                <a:latin typeface="Lucida Console" panose="020B0609040504020204" pitchFamily="49" charset="0"/>
-              </a:rPr>
-              <a:t>, '/', </a:t>
-            </a:r>
-            <a:r>
-              <a:rPr lang="ru-RU" sz="1600" dirty="0" err="1">
-                <a:latin typeface="Lucida Console" panose="020B0609040504020204" pitchFamily="49" charset="0"/>
-              </a:rPr>
-              <a:t>Denominator</a:t>
-            </a:r>
-            <a:r>
-              <a:rPr lang="ru-RU" sz="1600" dirty="0">
-                <a:latin typeface="Lucida Console" panose="020B0609040504020204" pitchFamily="49" charset="0"/>
-              </a:rPr>
-              <a:t>)</a:t>
-            </a:r>
-          </a:p>
-          <a:p>
-            <a:r>
-              <a:rPr lang="ru-RU" sz="1600" dirty="0">
+              <a:rPr lang="en-US" sz="1600" dirty="0">
+                <a:latin typeface="Lucida Console" panose="020B0609040504020204" pitchFamily="49" charset="0"/>
+              </a:rPr>
+              <a:t>, ' ');</a:t>
+            </a:r>
+          </a:p>
+          <a:p>
+            <a:r>
+              <a:rPr lang="en-US" sz="1600" dirty="0">
+                <a:latin typeface="Lucida Console" panose="020B0609040504020204" pitchFamily="49" charset="0"/>
+              </a:rPr>
+              <a:t>      WRITELN(Numerator, '/', Denominator)</a:t>
+            </a:r>
+          </a:p>
+          <a:p>
+            <a:r>
+              <a:rPr lang="en-US" sz="1600" dirty="0">
+                <a:latin typeface="Lucida Console" panose="020B0609040504020204" pitchFamily="49" charset="0"/>
+              </a:rPr>
+              <a:t>    END</a:t>
+            </a:r>
+          </a:p>
+          <a:p>
+            <a:r>
+              <a:rPr lang="en-US" sz="1600" dirty="0">
                 <a:latin typeface="Lucida Console" panose="020B0609040504020204" pitchFamily="49" charset="0"/>
               </a:rPr>
               <a:t>END;</a:t>
             </a:r>
+            <a:endParaRPr lang="ru-RU" sz="1600" dirty="0">
+              <a:latin typeface="Lucida Console" panose="020B0609040504020204" pitchFamily="49" charset="0"/>
+            </a:endParaRPr>
           </a:p>
         </p:txBody>
       </p:sp>
@@ -9022,126 +9100,6 @@
 </p:sld>
 </file>
 
-<file path=ppt/slides/slide19.xml><?xml version="1.0" encoding="utf-8"?>
-<p:sld xmlns:a="http://schemas.openxmlformats.org/drawingml/2006/main" xmlns:r="http://schemas.openxmlformats.org/officeDocument/2006/relationships" xmlns:p="http://schemas.openxmlformats.org/presentationml/2006/main">
-  <p:cSld>
-    <p:spTree>
-      <p:nvGrpSpPr>
-        <p:cNvPr id="1" name=""/>
-        <p:cNvGrpSpPr/>
-        <p:nvPr/>
-      </p:nvGrpSpPr>
-      <p:grpSpPr>
-        <a:xfrm>
-          <a:off x="0" y="0"/>
-          <a:ext cx="0" cy="0"/>
-          <a:chOff x="0" y="0"/>
-          <a:chExt cx="0" cy="0"/>
-        </a:xfrm>
-      </p:grpSpPr>
-      <p:sp>
-        <p:nvSpPr>
-          <p:cNvPr id="3" name="Заголовок 2"/>
-          <p:cNvSpPr>
-            <a:spLocks noGrp="1"/>
-          </p:cNvSpPr>
-          <p:nvPr>
-            <p:ph type="title"/>
-          </p:nvPr>
-        </p:nvSpPr>
-        <p:spPr/>
-        <p:txBody>
-          <a:bodyPr/>
-          <a:lstStyle/>
-          <a:p>
-            <a:r>
-              <a:rPr lang="ru-RU" dirty="0"/>
-              <a:t>Добавляем обработку ошибок</a:t>
-            </a:r>
-          </a:p>
-        </p:txBody>
-      </p:sp>
-      <p:sp>
-        <p:nvSpPr>
-          <p:cNvPr id="4" name="Объект 3"/>
-          <p:cNvSpPr>
-            <a:spLocks noGrp="1"/>
-          </p:cNvSpPr>
-          <p:nvPr>
-            <p:ph idx="1"/>
-          </p:nvPr>
-        </p:nvSpPr>
-        <p:spPr/>
-        <p:txBody>
-          <a:bodyPr/>
-          <a:lstStyle/>
-          <a:p>
-            <a:r>
-              <a:rPr lang="ru-RU" dirty="0"/>
-              <a:t>Введено не число</a:t>
-            </a:r>
-          </a:p>
-          <a:p>
-            <a:pPr lvl="1"/>
-            <a:r>
-              <a:rPr lang="ru-RU" dirty="0"/>
-              <a:t>Решение – считываем строку и превращаем в число при помощи </a:t>
-            </a:r>
-            <a:r>
-              <a:rPr lang="en-US" dirty="0"/>
-              <a:t>VAL</a:t>
-            </a:r>
-            <a:r>
-              <a:rPr lang="ru-RU" dirty="0"/>
-              <a:t>, обрабатывая ошибку</a:t>
-            </a:r>
-            <a:endParaRPr lang="en-US" dirty="0"/>
-          </a:p>
-          <a:p>
-            <a:r>
-              <a:rPr lang="ru-RU" dirty="0"/>
-              <a:t>Введен нулевой знаменатель</a:t>
-            </a:r>
-          </a:p>
-          <a:p>
-            <a:pPr lvl="1"/>
-            <a:r>
-              <a:rPr lang="ru-RU" dirty="0"/>
-              <a:t>Сообщаем об ошибке</a:t>
-            </a:r>
-          </a:p>
-          <a:p>
-            <a:r>
-              <a:rPr lang="ru-RU" dirty="0"/>
-              <a:t>Числитель или знаменатель выходят за пределы диапазона от 0 до 1</a:t>
-            </a:r>
-            <a:r>
-              <a:rPr lang="en-US" dirty="0"/>
-              <a:t>’000’000</a:t>
-            </a:r>
-          </a:p>
-          <a:p>
-            <a:pPr lvl="1"/>
-            <a:r>
-              <a:rPr lang="ru-RU" dirty="0"/>
-              <a:t>Сообщаем об ошибке</a:t>
-            </a:r>
-          </a:p>
-        </p:txBody>
-      </p:sp>
-    </p:spTree>
-    <p:extLst>
-      <p:ext uri="{BB962C8B-B14F-4D97-AF65-F5344CB8AC3E}">
-        <p14:creationId xmlns:p14="http://schemas.microsoft.com/office/powerpoint/2010/main" val="2238304520"/>
-      </p:ext>
-    </p:extLst>
-  </p:cSld>
-  <p:clrMapOvr>
-    <a:masterClrMapping/>
-  </p:clrMapOvr>
-</p:sld>
-</file>
-
 <file path=ppt/slides/slide2.xml><?xml version="1.0" encoding="utf-8"?>
 <p:sld xmlns:a="http://schemas.openxmlformats.org/drawingml/2006/main" xmlns:r="http://schemas.openxmlformats.org/officeDocument/2006/relationships" xmlns:p="http://schemas.openxmlformats.org/presentationml/2006/main">
   <p:cSld>
@@ -9250,7 +9208,23 @@
             <a:pPr lvl="1"/>
             <a:r>
               <a:rPr lang="ru-RU" dirty="0"/>
-              <a:t>Смешанная дробь</a:t>
+              <a:t>Смешанная </a:t>
+            </a:r>
+            <a:r>
+              <a:rPr lang="ru-RU" dirty="0" smtClean="0"/>
+              <a:t>дробь</a:t>
+            </a:r>
+            <a:r>
+              <a:rPr lang="en-US" dirty="0" smtClean="0"/>
+              <a:t> </a:t>
+            </a:r>
+            <a:r>
+              <a:rPr lang="ru-RU" smtClean="0"/>
+              <a:t>в виде</a:t>
+            </a:r>
+            <a:r>
+              <a:rPr lang="ru-RU" dirty="0"/>
+              <a:t/>
             </a:r>
             <a:br>
               <a:rPr lang="ru-RU" dirty="0"/>
@@ -9309,10 +9283,156 @@
   <p:clrMapOvr>
     <a:masterClrMapping/>
   </p:clrMapOvr>
+  <p:timing>
+    <p:tnLst>
+      <p:par>
+        <p:cTn id="1" dur="indefinite" restart="never" nodeType="tmRoot"/>
+      </p:par>
+    </p:tnLst>
+  </p:timing>
 </p:sld>
 </file>
 
 <file path=ppt/slides/slide20.xml><?xml version="1.0" encoding="utf-8"?>
+<p:sld xmlns:a="http://schemas.openxmlformats.org/drawingml/2006/main" xmlns:r="http://schemas.openxmlformats.org/officeDocument/2006/relationships" xmlns:p="http://schemas.openxmlformats.org/presentationml/2006/main">
+  <p:cSld>
+    <p:spTree>
+      <p:nvGrpSpPr>
+        <p:cNvPr id="1" name=""/>
+        <p:cNvGrpSpPr/>
+        <p:nvPr/>
+      </p:nvGrpSpPr>
+      <p:grpSpPr>
+        <a:xfrm>
+          <a:off x="0" y="0"/>
+          <a:ext cx="0" cy="0"/>
+          <a:chOff x="0" y="0"/>
+          <a:chExt cx="0" cy="0"/>
+        </a:xfrm>
+      </p:grpSpPr>
+      <p:sp>
+        <p:nvSpPr>
+          <p:cNvPr id="3" name="Заголовок 2"/>
+          <p:cNvSpPr>
+            <a:spLocks noGrp="1"/>
+          </p:cNvSpPr>
+          <p:nvPr>
+            <p:ph type="title"/>
+          </p:nvPr>
+        </p:nvSpPr>
+        <p:spPr/>
+        <p:txBody>
+          <a:bodyPr/>
+          <a:lstStyle/>
+          <a:p>
+            <a:r>
+              <a:rPr lang="ru-RU" dirty="0"/>
+              <a:t>Добавляем обработку ошибок</a:t>
+            </a:r>
+          </a:p>
+        </p:txBody>
+      </p:sp>
+      <p:sp>
+        <p:nvSpPr>
+          <p:cNvPr id="4" name="Объект 3"/>
+          <p:cNvSpPr>
+            <a:spLocks noGrp="1"/>
+          </p:cNvSpPr>
+          <p:nvPr>
+            <p:ph idx="1"/>
+          </p:nvPr>
+        </p:nvSpPr>
+        <p:spPr/>
+        <p:txBody>
+          <a:bodyPr/>
+          <a:lstStyle/>
+          <a:p>
+            <a:r>
+              <a:rPr lang="ru-RU" dirty="0"/>
+              <a:t>Введено не число</a:t>
+            </a:r>
+          </a:p>
+          <a:p>
+            <a:pPr lvl="1"/>
+            <a:r>
+              <a:rPr lang="ru-RU" dirty="0"/>
+              <a:t>Решение – считываем </a:t>
+            </a:r>
+            <a:r>
+              <a:rPr lang="ru-RU" dirty="0" smtClean="0"/>
+              <a:t>строку и превращаем </a:t>
+            </a:r>
+            <a:r>
+              <a:rPr lang="ru-RU" dirty="0"/>
+              <a:t>в число при помощи </a:t>
+            </a:r>
+            <a:r>
+              <a:rPr lang="ru-RU" dirty="0" smtClean="0"/>
+              <a:t>процедуры </a:t>
+            </a:r>
+            <a:r>
+              <a:rPr lang="en-US" dirty="0" smtClean="0"/>
+              <a:t>VAL</a:t>
+            </a:r>
+            <a:r>
+              <a:rPr lang="ru-RU" dirty="0"/>
+              <a:t>, обрабатывая ошибку</a:t>
+            </a:r>
+            <a:endParaRPr lang="en-US" dirty="0"/>
+          </a:p>
+          <a:p>
+            <a:r>
+              <a:rPr lang="ru-RU" dirty="0"/>
+              <a:t>Введен нулевой знаменатель</a:t>
+            </a:r>
+          </a:p>
+          <a:p>
+            <a:pPr lvl="1"/>
+            <a:r>
+              <a:rPr lang="ru-RU" dirty="0"/>
+              <a:t>Сообщаем об ошибке</a:t>
+            </a:r>
+          </a:p>
+          <a:p>
+            <a:r>
+              <a:rPr lang="ru-RU" dirty="0"/>
+              <a:t>Числитель или знаменатель выходят за пределы диапазона от 0 до 1</a:t>
+            </a:r>
+            <a:r>
+              <a:rPr lang="en-US" dirty="0"/>
+              <a:t>’000’000</a:t>
+            </a:r>
+          </a:p>
+          <a:p>
+            <a:pPr lvl="1"/>
+            <a:r>
+              <a:rPr lang="ru-RU" dirty="0"/>
+              <a:t>Сообщаем об ошибке</a:t>
+            </a:r>
+          </a:p>
+        </p:txBody>
+      </p:sp>
+    </p:spTree>
+    <p:extLst>
+      <p:ext uri="{BB962C8B-B14F-4D97-AF65-F5344CB8AC3E}">
+        <p14:creationId xmlns:p14="http://schemas.microsoft.com/office/powerpoint/2010/main" val="2238304520"/>
+      </p:ext>
+    </p:extLst>
+  </p:cSld>
+  <p:clrMapOvr>
+    <a:masterClrMapping/>
+  </p:clrMapOvr>
+  <p:timing>
+    <p:tnLst>
+      <p:par>
+        <p:cTn id="1" dur="indefinite" restart="never" nodeType="tmRoot"/>
+      </p:par>
+    </p:tnLst>
+  </p:timing>
+</p:sld>
+</file>
+
+<file path=ppt/slides/slide21.xml><?xml version="1.0" encoding="utf-8"?>
 <p:sld xmlns:a="http://schemas.openxmlformats.org/drawingml/2006/main" xmlns:r="http://schemas.openxmlformats.org/officeDocument/2006/relationships" xmlns:p="http://schemas.openxmlformats.org/presentationml/2006/main">
   <p:cSld>
     <p:spTree>
@@ -11422,7 +11542,7 @@
 </p:sld>
 </file>
 
-<file path=ppt/slides/slide21.xml><?xml version="1.0" encoding="utf-8"?>
+<file path=ppt/slides/slide22.xml><?xml version="1.0" encoding="utf-8"?>
 <p:sld xmlns:a="http://schemas.openxmlformats.org/drawingml/2006/main" xmlns:r="http://schemas.openxmlformats.org/officeDocument/2006/relationships" xmlns:p="http://schemas.openxmlformats.org/presentationml/2006/main">
   <p:cSld>
     <p:spTree>
@@ -12553,6 +12673,5016 @@
       <p:bldP spid="8" grpId="0" animBg="1"/>
       <p:bldP spid="9" grpId="0" animBg="1"/>
       <p:bldP spid="10" grpId="0" animBg="1"/>
+    </p:bldLst>
+  </p:timing>
+</p:sld>
+</file>
+
+<file path=ppt/slides/slide23.xml><?xml version="1.0" encoding="utf-8"?>
+<p:sld xmlns:a="http://schemas.openxmlformats.org/drawingml/2006/main" xmlns:r="http://schemas.openxmlformats.org/officeDocument/2006/relationships" xmlns:p="http://schemas.openxmlformats.org/presentationml/2006/main">
+  <p:cSld>
+    <p:spTree>
+      <p:nvGrpSpPr>
+        <p:cNvPr id="1" name=""/>
+        <p:cNvGrpSpPr/>
+        <p:nvPr/>
+      </p:nvGrpSpPr>
+      <p:grpSpPr>
+        <a:xfrm>
+          <a:off x="0" y="0"/>
+          <a:ext cx="0" cy="0"/>
+          <a:chOff x="0" y="0"/>
+          <a:chExt cx="0" cy="0"/>
+        </a:xfrm>
+      </p:grpSpPr>
+      <p:sp>
+        <p:nvSpPr>
+          <p:cNvPr id="5" name="Прямоугольник 7"/>
+          <p:cNvSpPr/>
+          <p:nvPr/>
+        </p:nvSpPr>
+        <p:spPr>
+          <a:xfrm>
+            <a:off x="1228725" y="2833298"/>
+            <a:ext cx="6057900" cy="871927"/>
+          </a:xfrm>
+          <a:prstGeom prst="rect">
+            <a:avLst/>
+          </a:prstGeom>
+          <a:solidFill>
+            <a:schemeClr val="accent1">
+              <a:lumMod val="20000"/>
+              <a:lumOff val="80000"/>
+            </a:schemeClr>
+          </a:solidFill>
+        </p:spPr>
+        <p:style>
+          <a:lnRef idx="2">
+            <a:schemeClr val="accent1">
+              <a:shade val="50000"/>
+            </a:schemeClr>
+          </a:lnRef>
+          <a:fillRef idx="1">
+            <a:schemeClr val="accent1"/>
+          </a:fillRef>
+          <a:effectRef idx="0">
+            <a:schemeClr val="accent1"/>
+          </a:effectRef>
+          <a:fontRef idx="minor">
+            <a:schemeClr val="lt1"/>
+          </a:fontRef>
+        </p:style>
+        <p:txBody>
+          <a:bodyPr rtlCol="0" anchor="ctr"/>
+          <a:lstStyle/>
+          <a:p>
+            <a:pPr algn="ctr"/>
+            <a:endParaRPr lang="ru-RU"/>
+          </a:p>
+        </p:txBody>
+      </p:sp>
+      <p:sp>
+        <p:nvSpPr>
+          <p:cNvPr id="2" name="Title 1"/>
+          <p:cNvSpPr>
+            <a:spLocks noGrp="1"/>
+          </p:cNvSpPr>
+          <p:nvPr>
+            <p:ph type="title"/>
+          </p:nvPr>
+        </p:nvSpPr>
+        <p:spPr/>
+        <p:txBody>
+          <a:bodyPr/>
+          <a:lstStyle/>
+          <a:p>
+            <a:r>
+              <a:rPr lang="ru-RU" dirty="0" smtClean="0"/>
+              <a:t>Это еще не все!</a:t>
+            </a:r>
+            <a:endParaRPr lang="ru-RU" dirty="0"/>
+          </a:p>
+        </p:txBody>
+      </p:sp>
+      <p:sp>
+        <p:nvSpPr>
+          <p:cNvPr id="4" name="Rectangle 3"/>
+          <p:cNvSpPr/>
+          <p:nvPr/>
+        </p:nvSpPr>
+        <p:spPr>
+          <a:xfrm>
+            <a:off x="550333" y="1690689"/>
+            <a:ext cx="8517467" cy="3693319"/>
+          </a:xfrm>
+          <a:prstGeom prst="rect">
+            <a:avLst/>
+          </a:prstGeom>
+        </p:spPr>
+        <p:txBody>
+          <a:bodyPr wrap="square">
+            <a:spAutoFit/>
+          </a:bodyPr>
+          <a:lstStyle/>
+          <a:p>
+            <a:r>
+              <a:rPr lang="ru-RU" dirty="0">
+                <a:latin typeface="Lucida Console" panose="020B0609040504020204" pitchFamily="49" charset="0"/>
+              </a:rPr>
+              <a:t>BEGIN</a:t>
+            </a:r>
+          </a:p>
+          <a:p>
+            <a:r>
+              <a:rPr lang="ru-RU" dirty="0">
+                <a:latin typeface="Lucida Console" panose="020B0609040504020204" pitchFamily="49" charset="0"/>
+              </a:rPr>
+              <a:t>  IF </a:t>
+            </a:r>
+            <a:r>
+              <a:rPr lang="ru-RU" dirty="0" err="1">
+                <a:latin typeface="Lucida Console" panose="020B0609040504020204" pitchFamily="49" charset="0"/>
+              </a:rPr>
+              <a:t>ReadFraction</a:t>
+            </a:r>
+            <a:r>
+              <a:rPr lang="ru-RU" dirty="0">
+                <a:latin typeface="Lucida Console" panose="020B0609040504020204" pitchFamily="49" charset="0"/>
+              </a:rPr>
+              <a:t>(</a:t>
+            </a:r>
+            <a:r>
+              <a:rPr lang="ru-RU" dirty="0" err="1">
+                <a:latin typeface="Lucida Console" panose="020B0609040504020204" pitchFamily="49" charset="0"/>
+              </a:rPr>
+              <a:t>Numerator</a:t>
+            </a:r>
+            <a:r>
+              <a:rPr lang="ru-RU" dirty="0">
+                <a:latin typeface="Lucida Console" panose="020B0609040504020204" pitchFamily="49" charset="0"/>
+              </a:rPr>
+              <a:t>, </a:t>
+            </a:r>
+            <a:r>
+              <a:rPr lang="ru-RU" dirty="0" err="1">
+                <a:latin typeface="Lucida Console" panose="020B0609040504020204" pitchFamily="49" charset="0"/>
+              </a:rPr>
+              <a:t>Denominator</a:t>
+            </a:r>
+            <a:r>
+              <a:rPr lang="ru-RU" dirty="0">
+                <a:latin typeface="Lucida Console" panose="020B0609040504020204" pitchFamily="49" charset="0"/>
+              </a:rPr>
+              <a:t>)</a:t>
+            </a:r>
+          </a:p>
+          <a:p>
+            <a:r>
+              <a:rPr lang="ru-RU" dirty="0">
+                <a:latin typeface="Lucida Console" panose="020B0609040504020204" pitchFamily="49" charset="0"/>
+              </a:rPr>
+              <a:t>  THEN</a:t>
+            </a:r>
+          </a:p>
+          <a:p>
+            <a:r>
+              <a:rPr lang="ru-RU" dirty="0">
+                <a:latin typeface="Lucida Console" panose="020B0609040504020204" pitchFamily="49" charset="0"/>
+              </a:rPr>
+              <a:t>    BEGIN</a:t>
+            </a:r>
+          </a:p>
+          <a:p>
+            <a:r>
+              <a:rPr lang="ru-RU" dirty="0">
+                <a:latin typeface="Lucida Console" panose="020B0609040504020204" pitchFamily="49" charset="0"/>
+              </a:rPr>
+              <a:t>      </a:t>
+            </a:r>
+            <a:r>
+              <a:rPr lang="ru-RU" dirty="0" err="1">
+                <a:latin typeface="Lucida Console" panose="020B0609040504020204" pitchFamily="49" charset="0"/>
+              </a:rPr>
+              <a:t>IntegerPart</a:t>
+            </a:r>
+            <a:r>
+              <a:rPr lang="ru-RU" dirty="0">
+                <a:latin typeface="Lucida Console" panose="020B0609040504020204" pitchFamily="49" charset="0"/>
+              </a:rPr>
+              <a:t> := </a:t>
+            </a:r>
+            <a:r>
+              <a:rPr lang="ru-RU" dirty="0" err="1">
+                <a:latin typeface="Lucida Console" panose="020B0609040504020204" pitchFamily="49" charset="0"/>
+              </a:rPr>
+              <a:t>Numerator</a:t>
+            </a:r>
+            <a:r>
+              <a:rPr lang="ru-RU" dirty="0">
+                <a:latin typeface="Lucida Console" panose="020B0609040504020204" pitchFamily="49" charset="0"/>
+              </a:rPr>
+              <a:t> DIV </a:t>
+            </a:r>
+            <a:r>
+              <a:rPr lang="ru-RU" dirty="0" err="1">
+                <a:latin typeface="Lucida Console" panose="020B0609040504020204" pitchFamily="49" charset="0"/>
+              </a:rPr>
+              <a:t>Denominator</a:t>
+            </a:r>
+            <a:r>
+              <a:rPr lang="ru-RU" dirty="0">
+                <a:latin typeface="Lucida Console" panose="020B0609040504020204" pitchFamily="49" charset="0"/>
+              </a:rPr>
+              <a:t>;</a:t>
+            </a:r>
+          </a:p>
+          <a:p>
+            <a:r>
+              <a:rPr lang="ru-RU" dirty="0">
+                <a:latin typeface="Lucida Console" panose="020B0609040504020204" pitchFamily="49" charset="0"/>
+              </a:rPr>
+              <a:t>      </a:t>
+            </a:r>
+            <a:r>
+              <a:rPr lang="ru-RU" dirty="0" err="1">
+                <a:latin typeface="Lucida Console" panose="020B0609040504020204" pitchFamily="49" charset="0"/>
+              </a:rPr>
+              <a:t>Numerator</a:t>
+            </a:r>
+            <a:r>
+              <a:rPr lang="ru-RU" dirty="0">
+                <a:latin typeface="Lucida Console" panose="020B0609040504020204" pitchFamily="49" charset="0"/>
+              </a:rPr>
+              <a:t> := </a:t>
+            </a:r>
+            <a:r>
+              <a:rPr lang="ru-RU" dirty="0" err="1">
+                <a:latin typeface="Lucida Console" panose="020B0609040504020204" pitchFamily="49" charset="0"/>
+              </a:rPr>
+              <a:t>Numerator</a:t>
+            </a:r>
+            <a:r>
+              <a:rPr lang="ru-RU" dirty="0">
+                <a:latin typeface="Lucida Console" panose="020B0609040504020204" pitchFamily="49" charset="0"/>
+              </a:rPr>
+              <a:t> MOD </a:t>
+            </a:r>
+            <a:r>
+              <a:rPr lang="ru-RU" dirty="0" err="1">
+                <a:latin typeface="Lucida Console" panose="020B0609040504020204" pitchFamily="49" charset="0"/>
+              </a:rPr>
+              <a:t>Denominator</a:t>
+            </a:r>
+            <a:r>
+              <a:rPr lang="ru-RU" dirty="0">
+                <a:latin typeface="Lucida Console" panose="020B0609040504020204" pitchFamily="49" charset="0"/>
+              </a:rPr>
+              <a:t>;</a:t>
+            </a:r>
+          </a:p>
+          <a:p>
+            <a:r>
+              <a:rPr lang="ru-RU" dirty="0">
+                <a:latin typeface="Lucida Console" panose="020B0609040504020204" pitchFamily="49" charset="0"/>
+              </a:rPr>
+              <a:t>      </a:t>
+            </a:r>
+            <a:r>
+              <a:rPr lang="ru-RU" dirty="0" err="1">
+                <a:latin typeface="Lucida Console" panose="020B0609040504020204" pitchFamily="49" charset="0"/>
+              </a:rPr>
+              <a:t>SimplifyFraction</a:t>
+            </a:r>
+            <a:r>
+              <a:rPr lang="ru-RU" dirty="0">
+                <a:latin typeface="Lucida Console" panose="020B0609040504020204" pitchFamily="49" charset="0"/>
+              </a:rPr>
+              <a:t>(</a:t>
+            </a:r>
+            <a:r>
+              <a:rPr lang="ru-RU" dirty="0" err="1">
+                <a:latin typeface="Lucida Console" panose="020B0609040504020204" pitchFamily="49" charset="0"/>
+              </a:rPr>
+              <a:t>Numerator</a:t>
+            </a:r>
+            <a:r>
+              <a:rPr lang="ru-RU" dirty="0">
+                <a:latin typeface="Lucida Console" panose="020B0609040504020204" pitchFamily="49" charset="0"/>
+              </a:rPr>
+              <a:t>, </a:t>
+            </a:r>
+            <a:r>
+              <a:rPr lang="ru-RU" dirty="0" err="1">
+                <a:latin typeface="Lucida Console" panose="020B0609040504020204" pitchFamily="49" charset="0"/>
+              </a:rPr>
+              <a:t>Denominator</a:t>
+            </a:r>
+            <a:r>
+              <a:rPr lang="ru-RU" dirty="0">
+                <a:latin typeface="Lucida Console" panose="020B0609040504020204" pitchFamily="49" charset="0"/>
+              </a:rPr>
+              <a:t>);</a:t>
+            </a:r>
+          </a:p>
+          <a:p>
+            <a:endParaRPr lang="ru-RU" dirty="0">
+              <a:latin typeface="Lucida Console" panose="020B0609040504020204" pitchFamily="49" charset="0"/>
+            </a:endParaRPr>
+          </a:p>
+          <a:p>
+            <a:r>
+              <a:rPr lang="ru-RU" dirty="0">
+                <a:latin typeface="Lucida Console" panose="020B0609040504020204" pitchFamily="49" charset="0"/>
+              </a:rPr>
+              <a:t>      </a:t>
+            </a:r>
+            <a:r>
+              <a:rPr lang="ru-RU" dirty="0" err="1">
+                <a:latin typeface="Lucida Console" panose="020B0609040504020204" pitchFamily="49" charset="0"/>
+              </a:rPr>
+              <a:t>PrintFraction</a:t>
+            </a:r>
+            <a:r>
+              <a:rPr lang="ru-RU" dirty="0">
+                <a:latin typeface="Lucida Console" panose="020B0609040504020204" pitchFamily="49" charset="0"/>
+              </a:rPr>
+              <a:t>(</a:t>
+            </a:r>
+            <a:r>
+              <a:rPr lang="ru-RU" dirty="0" err="1">
+                <a:latin typeface="Lucida Console" panose="020B0609040504020204" pitchFamily="49" charset="0"/>
+              </a:rPr>
+              <a:t>IntegerPart</a:t>
+            </a:r>
+            <a:r>
+              <a:rPr lang="ru-RU" dirty="0">
+                <a:latin typeface="Lucida Console" panose="020B0609040504020204" pitchFamily="49" charset="0"/>
+              </a:rPr>
+              <a:t>, </a:t>
+            </a:r>
+            <a:r>
+              <a:rPr lang="ru-RU" dirty="0" err="1">
+                <a:latin typeface="Lucida Console" panose="020B0609040504020204" pitchFamily="49" charset="0"/>
+              </a:rPr>
+              <a:t>Numerator</a:t>
+            </a:r>
+            <a:r>
+              <a:rPr lang="ru-RU" dirty="0">
+                <a:latin typeface="Lucida Console" panose="020B0609040504020204" pitchFamily="49" charset="0"/>
+              </a:rPr>
+              <a:t>, </a:t>
+            </a:r>
+            <a:r>
+              <a:rPr lang="ru-RU" dirty="0" err="1">
+                <a:latin typeface="Lucida Console" panose="020B0609040504020204" pitchFamily="49" charset="0"/>
+              </a:rPr>
+              <a:t>Denominator</a:t>
+            </a:r>
+            <a:r>
+              <a:rPr lang="ru-RU" dirty="0">
+                <a:latin typeface="Lucida Console" panose="020B0609040504020204" pitchFamily="49" charset="0"/>
+              </a:rPr>
+              <a:t>)</a:t>
+            </a:r>
+          </a:p>
+          <a:p>
+            <a:r>
+              <a:rPr lang="ru-RU" dirty="0">
+                <a:latin typeface="Lucida Console" panose="020B0609040504020204" pitchFamily="49" charset="0"/>
+              </a:rPr>
+              <a:t>    END</a:t>
+            </a:r>
+          </a:p>
+          <a:p>
+            <a:r>
+              <a:rPr lang="ru-RU" dirty="0">
+                <a:latin typeface="Lucida Console" panose="020B0609040504020204" pitchFamily="49" charset="0"/>
+              </a:rPr>
+              <a:t>  ELSE</a:t>
+            </a:r>
+          </a:p>
+          <a:p>
+            <a:r>
+              <a:rPr lang="ru-RU" dirty="0">
+                <a:latin typeface="Lucida Console" panose="020B0609040504020204" pitchFamily="49" charset="0"/>
+              </a:rPr>
+              <a:t>    WRITELN('ERROR')</a:t>
+            </a:r>
+          </a:p>
+          <a:p>
+            <a:r>
+              <a:rPr lang="ru-RU" dirty="0">
+                <a:latin typeface="Lucida Console" panose="020B0609040504020204" pitchFamily="49" charset="0"/>
+              </a:rPr>
+              <a:t>END.</a:t>
+            </a:r>
+            <a:endParaRPr lang="ru-RU" dirty="0">
+              <a:latin typeface="Lucida Console" panose="020B0609040504020204" pitchFamily="49" charset="0"/>
+            </a:endParaRPr>
+          </a:p>
+        </p:txBody>
+      </p:sp>
+      <p:sp>
+        <p:nvSpPr>
+          <p:cNvPr id="6" name="Rectangular Callout 5"/>
+          <p:cNvSpPr/>
+          <p:nvPr/>
+        </p:nvSpPr>
+        <p:spPr>
+          <a:xfrm>
+            <a:off x="7210425" y="1524000"/>
+            <a:ext cx="1857375" cy="838200"/>
+          </a:xfrm>
+          <a:prstGeom prst="wedgeRectCallout">
+            <a:avLst>
+              <a:gd name="adj1" fmla="val -123939"/>
+              <a:gd name="adj2" fmla="val 107955"/>
+            </a:avLst>
+          </a:prstGeom>
+        </p:spPr>
+        <p:style>
+          <a:lnRef idx="3">
+            <a:schemeClr val="lt1"/>
+          </a:lnRef>
+          <a:fillRef idx="1">
+            <a:schemeClr val="accent1"/>
+          </a:fillRef>
+          <a:effectRef idx="1">
+            <a:schemeClr val="accent1"/>
+          </a:effectRef>
+          <a:fontRef idx="minor">
+            <a:schemeClr val="lt1"/>
+          </a:fontRef>
+        </p:style>
+        <p:txBody>
+          <a:bodyPr rtlCol="0" anchor="ctr"/>
+          <a:lstStyle/>
+          <a:p>
+            <a:pPr algn="ctr"/>
+            <a:r>
+              <a:rPr lang="ru-RU" dirty="0" smtClean="0"/>
+              <a:t>Сложный код</a:t>
+            </a:r>
+            <a:endParaRPr lang="ru-RU" dirty="0"/>
+          </a:p>
+        </p:txBody>
+      </p:sp>
+    </p:spTree>
+    <p:extLst>
+      <p:ext uri="{BB962C8B-B14F-4D97-AF65-F5344CB8AC3E}">
+        <p14:creationId xmlns:p14="http://schemas.microsoft.com/office/powerpoint/2010/main" val="531255690"/>
+      </p:ext>
+    </p:extLst>
+  </p:cSld>
+  <p:clrMapOvr>
+    <a:masterClrMapping/>
+  </p:clrMapOvr>
+  <p:timing>
+    <p:tnLst>
+      <p:par>
+        <p:cTn id="1" dur="indefinite" restart="never" nodeType="tmRoot">
+          <p:childTnLst>
+            <p:seq concurrent="1" nextAc="seek">
+              <p:cTn id="2" dur="indefinite" nodeType="mainSeq">
+                <p:childTnLst>
+                  <p:par>
+                    <p:cTn id="3" fill="hold">
+                      <p:stCondLst>
+                        <p:cond delay="indefinite"/>
+                      </p:stCondLst>
+                      <p:childTnLst>
+                        <p:par>
+                          <p:cTn id="4" fill="hold">
+                            <p:stCondLst>
+                              <p:cond delay="0"/>
+                            </p:stCondLst>
+                            <p:childTnLst>
+                              <p:par>
+                                <p:cTn id="5" presetID="10" presetClass="entr" presetSubtype="0" fill="hold" grpId="0" nodeType="clickEffect">
+                                  <p:stCondLst>
+                                    <p:cond delay="0"/>
+                                  </p:stCondLst>
+                                  <p:childTnLst>
+                                    <p:set>
+                                      <p:cBhvr>
+                                        <p:cTn id="6" dur="1" fill="hold">
+                                          <p:stCondLst>
+                                            <p:cond delay="0"/>
+                                          </p:stCondLst>
+                                        </p:cTn>
+                                        <p:tgtEl>
+                                          <p:spTgt spid="5"/>
+                                        </p:tgtEl>
+                                        <p:attrNameLst>
+                                          <p:attrName>style.visibility</p:attrName>
+                                        </p:attrNameLst>
+                                      </p:cBhvr>
+                                      <p:to>
+                                        <p:strVal val="visible"/>
+                                      </p:to>
+                                    </p:set>
+                                    <p:animEffect transition="in" filter="fade">
+                                      <p:cBhvr>
+                                        <p:cTn id="7" dur="500"/>
+                                        <p:tgtEl>
+                                          <p:spTgt spid="5"/>
+                                        </p:tgtEl>
+                                      </p:cBhvr>
+                                    </p:animEffect>
+                                  </p:childTnLst>
+                                </p:cTn>
+                              </p:par>
+                            </p:childTnLst>
+                          </p:cTn>
+                        </p:par>
+                        <p:par>
+                          <p:cTn id="8" fill="hold">
+                            <p:stCondLst>
+                              <p:cond delay="500"/>
+                            </p:stCondLst>
+                            <p:childTnLst>
+                              <p:par>
+                                <p:cTn id="9" presetID="10" presetClass="entr" presetSubtype="0" fill="hold" grpId="0" nodeType="afterEffect">
+                                  <p:stCondLst>
+                                    <p:cond delay="0"/>
+                                  </p:stCondLst>
+                                  <p:childTnLst>
+                                    <p:set>
+                                      <p:cBhvr>
+                                        <p:cTn id="10" dur="1" fill="hold">
+                                          <p:stCondLst>
+                                            <p:cond delay="0"/>
+                                          </p:stCondLst>
+                                        </p:cTn>
+                                        <p:tgtEl>
+                                          <p:spTgt spid="6"/>
+                                        </p:tgtEl>
+                                        <p:attrNameLst>
+                                          <p:attrName>style.visibility</p:attrName>
+                                        </p:attrNameLst>
+                                      </p:cBhvr>
+                                      <p:to>
+                                        <p:strVal val="visible"/>
+                                      </p:to>
+                                    </p:set>
+                                    <p:animEffect transition="in" filter="fade">
+                                      <p:cBhvr>
+                                        <p:cTn id="11" dur="500"/>
+                                        <p:tgtEl>
+                                          <p:spTgt spid="6"/>
+                                        </p:tgtEl>
+                                      </p:cBhvr>
+                                    </p:animEffect>
+                                  </p:childTnLst>
+                                </p:cTn>
+                              </p:par>
+                            </p:childTnLst>
+                          </p:cTn>
+                        </p:par>
+                      </p:childTnLst>
+                    </p:cTn>
+                  </p:par>
+                </p:childTnLst>
+              </p:cTn>
+              <p:prevCondLst>
+                <p:cond evt="onPrev" delay="0">
+                  <p:tgtEl>
+                    <p:sldTgt/>
+                  </p:tgtEl>
+                </p:cond>
+              </p:prevCondLst>
+              <p:nextCondLst>
+                <p:cond evt="onNext" delay="0">
+                  <p:tgtEl>
+                    <p:sldTgt/>
+                  </p:tgtEl>
+                </p:cond>
+              </p:nextCondLst>
+            </p:seq>
+          </p:childTnLst>
+        </p:cTn>
+      </p:par>
+    </p:tnLst>
+    <p:bldLst>
+      <p:bldP spid="5" grpId="0" animBg="1"/>
+      <p:bldP spid="6" grpId="0" animBg="1"/>
+    </p:bldLst>
+  </p:timing>
+</p:sld>
+</file>
+
+<file path=ppt/slides/slide24.xml><?xml version="1.0" encoding="utf-8"?>
+<p:sld xmlns:a="http://schemas.openxmlformats.org/drawingml/2006/main" xmlns:r="http://schemas.openxmlformats.org/officeDocument/2006/relationships" xmlns:p="http://schemas.openxmlformats.org/presentationml/2006/main">
+  <p:cSld>
+    <p:spTree>
+      <p:nvGrpSpPr>
+        <p:cNvPr id="1" name=""/>
+        <p:cNvGrpSpPr/>
+        <p:nvPr/>
+      </p:nvGrpSpPr>
+      <p:grpSpPr>
+        <a:xfrm>
+          <a:off x="0" y="0"/>
+          <a:ext cx="0" cy="0"/>
+          <a:chOff x="0" y="0"/>
+          <a:chExt cx="0" cy="0"/>
+        </a:xfrm>
+      </p:grpSpPr>
+      <p:sp>
+        <p:nvSpPr>
+          <p:cNvPr id="2" name="Title 1"/>
+          <p:cNvSpPr>
+            <a:spLocks noGrp="1"/>
+          </p:cNvSpPr>
+          <p:nvPr>
+            <p:ph type="title"/>
+          </p:nvPr>
+        </p:nvSpPr>
+        <p:spPr/>
+        <p:txBody>
+          <a:bodyPr/>
+          <a:lstStyle/>
+          <a:p>
+            <a:r>
+              <a:rPr lang="ru-RU" dirty="0" smtClean="0"/>
+              <a:t>Анализ</a:t>
+            </a:r>
+            <a:endParaRPr lang="ru-RU" dirty="0"/>
+          </a:p>
+        </p:txBody>
+      </p:sp>
+      <p:sp>
+        <p:nvSpPr>
+          <p:cNvPr id="3" name="Content Placeholder 2"/>
+          <p:cNvSpPr>
+            <a:spLocks noGrp="1"/>
+          </p:cNvSpPr>
+          <p:nvPr>
+            <p:ph idx="1"/>
+          </p:nvPr>
+        </p:nvSpPr>
+        <p:spPr/>
+        <p:txBody>
+          <a:bodyPr/>
+          <a:lstStyle/>
+          <a:p>
+            <a:r>
+              <a:rPr lang="ru-RU" dirty="0" smtClean="0"/>
+              <a:t>Проблема</a:t>
+            </a:r>
+          </a:p>
+          <a:p>
+            <a:pPr lvl="1"/>
+            <a:r>
+              <a:rPr lang="ru-RU" dirty="0" smtClean="0"/>
+              <a:t>Для хранения ОДНОЙ смешанной дроби у нас используются ТРИ независимые переменные</a:t>
+            </a:r>
+          </a:p>
+          <a:p>
+            <a:pPr lvl="1"/>
+            <a:r>
+              <a:rPr lang="ru-RU" dirty="0" smtClean="0"/>
+              <a:t>При работе с ними легко допустить ошибку</a:t>
+            </a:r>
+          </a:p>
+          <a:p>
+            <a:pPr lvl="1"/>
+            <a:r>
+              <a:rPr lang="ru-RU" dirty="0" smtClean="0"/>
+              <a:t>Мы продолжаем работать с примитивными типами данных</a:t>
+            </a:r>
+          </a:p>
+          <a:p>
+            <a:r>
+              <a:rPr lang="ru-RU" dirty="0" smtClean="0"/>
+              <a:t>Решение</a:t>
+            </a:r>
+          </a:p>
+          <a:p>
+            <a:pPr lvl="1"/>
+            <a:r>
+              <a:rPr lang="ru-RU" dirty="0" smtClean="0"/>
+              <a:t>Сделать код чуть более высокоуровневым – ввести новый тип данных – «Смешанная дробь»</a:t>
+            </a:r>
+            <a:endParaRPr lang="ru-RU" dirty="0"/>
+          </a:p>
+          <a:p>
+            <a:pPr lvl="1"/>
+            <a:r>
+              <a:rPr lang="ru-RU" dirty="0" smtClean="0"/>
+              <a:t>Для этого используем «Запись»</a:t>
+            </a:r>
+          </a:p>
+          <a:p>
+            <a:pPr lvl="1"/>
+            <a:endParaRPr lang="ru-RU" dirty="0" smtClean="0"/>
+          </a:p>
+          <a:p>
+            <a:pPr lvl="1"/>
+            <a:endParaRPr lang="ru-RU" dirty="0" smtClean="0"/>
+          </a:p>
+          <a:p>
+            <a:pPr lvl="1"/>
+            <a:endParaRPr lang="ru-RU" dirty="0" smtClean="0"/>
+          </a:p>
+        </p:txBody>
+      </p:sp>
+    </p:spTree>
+    <p:extLst>
+      <p:ext uri="{BB962C8B-B14F-4D97-AF65-F5344CB8AC3E}">
+        <p14:creationId xmlns:p14="http://schemas.microsoft.com/office/powerpoint/2010/main" val="2319710414"/>
+      </p:ext>
+    </p:extLst>
+  </p:cSld>
+  <p:clrMapOvr>
+    <a:masterClrMapping/>
+  </p:clrMapOvr>
+  <p:timing>
+    <p:tnLst>
+      <p:par>
+        <p:cTn id="1" dur="indefinite" restart="never" nodeType="tmRoot"/>
+      </p:par>
+    </p:tnLst>
+  </p:timing>
+</p:sld>
+</file>
+
+<file path=ppt/slides/slide25.xml><?xml version="1.0" encoding="utf-8"?>
+<p:sld xmlns:a="http://schemas.openxmlformats.org/drawingml/2006/main" xmlns:r="http://schemas.openxmlformats.org/officeDocument/2006/relationships" xmlns:p="http://schemas.openxmlformats.org/presentationml/2006/main">
+  <p:cSld>
+    <p:spTree>
+      <p:nvGrpSpPr>
+        <p:cNvPr id="1" name=""/>
+        <p:cNvGrpSpPr/>
+        <p:nvPr/>
+      </p:nvGrpSpPr>
+      <p:grpSpPr>
+        <a:xfrm>
+          <a:off x="0" y="0"/>
+          <a:ext cx="0" cy="0"/>
+          <a:chOff x="0" y="0"/>
+          <a:chExt cx="0" cy="0"/>
+        </a:xfrm>
+      </p:grpSpPr>
+      <p:grpSp>
+        <p:nvGrpSpPr>
+          <p:cNvPr id="13" name="Group 12"/>
+          <p:cNvGrpSpPr/>
+          <p:nvPr/>
+        </p:nvGrpSpPr>
+        <p:grpSpPr>
+          <a:xfrm>
+            <a:off x="191734" y="2175862"/>
+            <a:ext cx="1200149" cy="2131684"/>
+            <a:chOff x="285750" y="1123723"/>
+            <a:chExt cx="1200149" cy="2131684"/>
+          </a:xfrm>
+        </p:grpSpPr>
+        <p:pic>
+          <p:nvPicPr>
+            <p:cNvPr id="5" name="Picture 4"/>
+            <p:cNvPicPr>
+              <a:picLocks noChangeAspect="1"/>
+            </p:cNvPicPr>
+            <p:nvPr/>
+          </p:nvPicPr>
+          <p:blipFill>
+            <a:blip r:embed="rId2"/>
+            <a:stretch>
+              <a:fillRect/>
+            </a:stretch>
+          </p:blipFill>
+          <p:spPr>
+            <a:xfrm>
+              <a:off x="318933" y="1123723"/>
+              <a:ext cx="1166966" cy="1727716"/>
+            </a:xfrm>
+            <a:prstGeom prst="rect">
+              <a:avLst/>
+            </a:prstGeom>
+          </p:spPr>
+        </p:pic>
+        <p:sp>
+          <p:nvSpPr>
+            <p:cNvPr id="8" name="TextBox 7"/>
+            <p:cNvSpPr txBox="1"/>
+            <p:nvPr/>
+          </p:nvSpPr>
+          <p:spPr>
+            <a:xfrm>
+              <a:off x="285750" y="2886075"/>
+              <a:ext cx="1200149" cy="369332"/>
+            </a:xfrm>
+            <a:prstGeom prst="rect">
+              <a:avLst/>
+            </a:prstGeom>
+            <a:noFill/>
+          </p:spPr>
+          <p:txBody>
+            <a:bodyPr wrap="square" rtlCol="0">
+              <a:spAutoFit/>
+            </a:bodyPr>
+            <a:lstStyle/>
+            <a:p>
+              <a:r>
+                <a:rPr lang="ru-RU" dirty="0" smtClean="0"/>
+                <a:t>Числитель</a:t>
+              </a:r>
+              <a:endParaRPr lang="ru-RU" dirty="0"/>
+            </a:p>
+          </p:txBody>
+        </p:sp>
+      </p:grpSp>
+      <p:grpSp>
+        <p:nvGrpSpPr>
+          <p:cNvPr id="12" name="Group 11"/>
+          <p:cNvGrpSpPr/>
+          <p:nvPr/>
+        </p:nvGrpSpPr>
+        <p:grpSpPr>
+          <a:xfrm rot="17901268">
+            <a:off x="2464042" y="449968"/>
+            <a:ext cx="1497081" cy="1933943"/>
+            <a:chOff x="3017769" y="1256558"/>
+            <a:chExt cx="1497081" cy="1933943"/>
+          </a:xfrm>
+        </p:grpSpPr>
+        <p:pic>
+          <p:nvPicPr>
+            <p:cNvPr id="7" name="Picture 6"/>
+            <p:cNvPicPr>
+              <a:picLocks noChangeAspect="1"/>
+            </p:cNvPicPr>
+            <p:nvPr/>
+          </p:nvPicPr>
+          <p:blipFill>
+            <a:blip r:embed="rId3"/>
+            <a:stretch>
+              <a:fillRect/>
+            </a:stretch>
+          </p:blipFill>
+          <p:spPr>
+            <a:xfrm flipH="1">
+              <a:off x="3235591" y="1256558"/>
+              <a:ext cx="982327" cy="1564611"/>
+            </a:xfrm>
+            <a:prstGeom prst="rect">
+              <a:avLst/>
+            </a:prstGeom>
+          </p:spPr>
+        </p:pic>
+        <p:sp>
+          <p:nvSpPr>
+            <p:cNvPr id="9" name="TextBox 8"/>
+            <p:cNvSpPr txBox="1"/>
+            <p:nvPr/>
+          </p:nvSpPr>
+          <p:spPr>
+            <a:xfrm>
+              <a:off x="3017769" y="2821169"/>
+              <a:ext cx="1497081" cy="369332"/>
+            </a:xfrm>
+            <a:prstGeom prst="rect">
+              <a:avLst/>
+            </a:prstGeom>
+            <a:noFill/>
+          </p:spPr>
+          <p:txBody>
+            <a:bodyPr wrap="square" rtlCol="0">
+              <a:spAutoFit/>
+            </a:bodyPr>
+            <a:lstStyle/>
+            <a:p>
+              <a:r>
+                <a:rPr lang="ru-RU" dirty="0" smtClean="0"/>
+                <a:t>Знаменатель</a:t>
+              </a:r>
+              <a:endParaRPr lang="ru-RU" dirty="0"/>
+            </a:p>
+          </p:txBody>
+        </p:sp>
+      </p:grpSp>
+      <p:grpSp>
+        <p:nvGrpSpPr>
+          <p:cNvPr id="11" name="Group 10"/>
+          <p:cNvGrpSpPr/>
+          <p:nvPr/>
+        </p:nvGrpSpPr>
+        <p:grpSpPr>
+          <a:xfrm rot="4317518">
+            <a:off x="1808460" y="4462220"/>
+            <a:ext cx="1497081" cy="2107172"/>
+            <a:chOff x="737357" y="3676421"/>
+            <a:chExt cx="1497081" cy="2107172"/>
+          </a:xfrm>
+        </p:grpSpPr>
+        <p:pic>
+          <p:nvPicPr>
+            <p:cNvPr id="6" name="Picture 5"/>
+            <p:cNvPicPr>
+              <a:picLocks noChangeAspect="1"/>
+            </p:cNvPicPr>
+            <p:nvPr/>
+          </p:nvPicPr>
+          <p:blipFill>
+            <a:blip r:embed="rId4"/>
+            <a:stretch>
+              <a:fillRect/>
+            </a:stretch>
+          </p:blipFill>
+          <p:spPr>
+            <a:xfrm>
+              <a:off x="948737" y="3676421"/>
+              <a:ext cx="1074323" cy="1686158"/>
+            </a:xfrm>
+            <a:prstGeom prst="rect">
+              <a:avLst/>
+            </a:prstGeom>
+          </p:spPr>
+        </p:pic>
+        <p:sp>
+          <p:nvSpPr>
+            <p:cNvPr id="10" name="TextBox 9"/>
+            <p:cNvSpPr txBox="1"/>
+            <p:nvPr/>
+          </p:nvSpPr>
+          <p:spPr>
+            <a:xfrm>
+              <a:off x="737357" y="5414261"/>
+              <a:ext cx="1497081" cy="369332"/>
+            </a:xfrm>
+            <a:prstGeom prst="rect">
+              <a:avLst/>
+            </a:prstGeom>
+            <a:noFill/>
+          </p:spPr>
+          <p:txBody>
+            <a:bodyPr wrap="square" rtlCol="0">
+              <a:spAutoFit/>
+            </a:bodyPr>
+            <a:lstStyle/>
+            <a:p>
+              <a:r>
+                <a:rPr lang="ru-RU" dirty="0" smtClean="0"/>
+                <a:t>Целая часть</a:t>
+              </a:r>
+              <a:endParaRPr lang="ru-RU" dirty="0"/>
+            </a:p>
+          </p:txBody>
+        </p:sp>
+      </p:grpSp>
+      <p:sp>
+        <p:nvSpPr>
+          <p:cNvPr id="14" name="TextBox 13"/>
+          <p:cNvSpPr txBox="1"/>
+          <p:nvPr/>
+        </p:nvSpPr>
+        <p:spPr>
+          <a:xfrm>
+            <a:off x="495300" y="114300"/>
+            <a:ext cx="2886075" cy="369332"/>
+          </a:xfrm>
+          <a:prstGeom prst="rect">
+            <a:avLst/>
+          </a:prstGeom>
+          <a:noFill/>
+        </p:spPr>
+        <p:txBody>
+          <a:bodyPr wrap="square" rtlCol="0">
+            <a:spAutoFit/>
+          </a:bodyPr>
+          <a:lstStyle/>
+          <a:p>
+            <a:r>
+              <a:rPr lang="ru-RU" dirty="0" smtClean="0"/>
+              <a:t>Было</a:t>
+            </a:r>
+            <a:endParaRPr lang="ru-RU" dirty="0"/>
+          </a:p>
+        </p:txBody>
+      </p:sp>
+      <p:sp>
+        <p:nvSpPr>
+          <p:cNvPr id="15" name="TextBox 14"/>
+          <p:cNvSpPr txBox="1"/>
+          <p:nvPr/>
+        </p:nvSpPr>
+        <p:spPr>
+          <a:xfrm>
+            <a:off x="5486400" y="114300"/>
+            <a:ext cx="2886075" cy="369332"/>
+          </a:xfrm>
+          <a:prstGeom prst="rect">
+            <a:avLst/>
+          </a:prstGeom>
+          <a:noFill/>
+        </p:spPr>
+        <p:txBody>
+          <a:bodyPr wrap="square" rtlCol="0">
+            <a:spAutoFit/>
+          </a:bodyPr>
+          <a:lstStyle/>
+          <a:p>
+            <a:r>
+              <a:rPr lang="ru-RU" dirty="0" smtClean="0"/>
+              <a:t>Стало</a:t>
+            </a:r>
+            <a:endParaRPr lang="ru-RU" dirty="0"/>
+          </a:p>
+        </p:txBody>
+      </p:sp>
+      <p:cxnSp>
+        <p:nvCxnSpPr>
+          <p:cNvPr id="17" name="Straight Connector 16"/>
+          <p:cNvCxnSpPr/>
+          <p:nvPr/>
+        </p:nvCxnSpPr>
+        <p:spPr>
+          <a:xfrm>
+            <a:off x="4572000" y="0"/>
+            <a:ext cx="0" cy="6858000"/>
+          </a:xfrm>
+          <a:prstGeom prst="line">
+            <a:avLst/>
+          </a:prstGeom>
+        </p:spPr>
+        <p:style>
+          <a:lnRef idx="1">
+            <a:schemeClr val="accent1"/>
+          </a:lnRef>
+          <a:fillRef idx="0">
+            <a:schemeClr val="accent1"/>
+          </a:fillRef>
+          <a:effectRef idx="0">
+            <a:schemeClr val="accent1"/>
+          </a:effectRef>
+          <a:fontRef idx="minor">
+            <a:schemeClr val="tx1"/>
+          </a:fontRef>
+        </p:style>
+      </p:cxnSp>
+      <p:grpSp>
+        <p:nvGrpSpPr>
+          <p:cNvPr id="38" name="Group 37"/>
+          <p:cNvGrpSpPr/>
+          <p:nvPr/>
+        </p:nvGrpSpPr>
+        <p:grpSpPr>
+          <a:xfrm>
+            <a:off x="4974681" y="901245"/>
+            <a:ext cx="3909511" cy="5269027"/>
+            <a:chOff x="4777289" y="560273"/>
+            <a:chExt cx="3909511" cy="5269027"/>
+          </a:xfrm>
+        </p:grpSpPr>
+        <p:grpSp>
+          <p:nvGrpSpPr>
+            <p:cNvPr id="35" name="Group 34"/>
+            <p:cNvGrpSpPr/>
+            <p:nvPr/>
+          </p:nvGrpSpPr>
+          <p:grpSpPr>
+            <a:xfrm>
+              <a:off x="4777289" y="560273"/>
+              <a:ext cx="3909511" cy="5269027"/>
+              <a:chOff x="4777289" y="560273"/>
+              <a:chExt cx="3909511" cy="5269027"/>
+            </a:xfrm>
+          </p:grpSpPr>
+          <p:sp>
+            <p:nvSpPr>
+              <p:cNvPr id="28" name="Rectangle 27"/>
+              <p:cNvSpPr/>
+              <p:nvPr/>
+            </p:nvSpPr>
+            <p:spPr>
+              <a:xfrm>
+                <a:off x="4777289" y="560273"/>
+                <a:ext cx="3909511" cy="5269027"/>
+              </a:xfrm>
+              <a:prstGeom prst="rect">
+                <a:avLst/>
+              </a:prstGeom>
+              <a:solidFill>
+                <a:schemeClr val="accent1">
+                  <a:lumMod val="40000"/>
+                  <a:lumOff val="60000"/>
+                </a:schemeClr>
+              </a:solidFill>
+            </p:spPr>
+            <p:style>
+              <a:lnRef idx="2">
+                <a:schemeClr val="accent1">
+                  <a:shade val="50000"/>
+                </a:schemeClr>
+              </a:lnRef>
+              <a:fillRef idx="1">
+                <a:schemeClr val="accent1"/>
+              </a:fillRef>
+              <a:effectRef idx="0">
+                <a:schemeClr val="accent1"/>
+              </a:effectRef>
+              <a:fontRef idx="minor">
+                <a:schemeClr val="lt1"/>
+              </a:fontRef>
+            </p:style>
+            <p:txBody>
+              <a:bodyPr rtlCol="0" anchor="ctr"/>
+              <a:lstStyle/>
+              <a:p>
+                <a:pPr algn="ctr"/>
+                <a:endParaRPr lang="ru-RU"/>
+              </a:p>
+            </p:txBody>
+          </p:sp>
+          <p:grpSp>
+            <p:nvGrpSpPr>
+              <p:cNvPr id="33" name="Group 32"/>
+              <p:cNvGrpSpPr/>
+              <p:nvPr/>
+            </p:nvGrpSpPr>
+            <p:grpSpPr>
+              <a:xfrm>
+                <a:off x="6816207" y="772561"/>
+                <a:ext cx="1640570" cy="2345882"/>
+                <a:chOff x="7133118" y="772562"/>
+                <a:chExt cx="1640570" cy="2345882"/>
+              </a:xfrm>
+            </p:grpSpPr>
+            <p:sp>
+              <p:nvSpPr>
+                <p:cNvPr id="30" name="Rectangle 29"/>
+                <p:cNvSpPr/>
+                <p:nvPr/>
+              </p:nvSpPr>
+              <p:spPr>
+                <a:xfrm>
+                  <a:off x="7133118" y="772562"/>
+                  <a:ext cx="1640570" cy="2345882"/>
+                </a:xfrm>
+                <a:prstGeom prst="rect">
+                  <a:avLst/>
+                </a:prstGeom>
+                <a:solidFill>
+                  <a:schemeClr val="bg1"/>
+                </a:solidFill>
+              </p:spPr>
+              <p:style>
+                <a:lnRef idx="2">
+                  <a:schemeClr val="accent1">
+                    <a:shade val="50000"/>
+                  </a:schemeClr>
+                </a:lnRef>
+                <a:fillRef idx="1">
+                  <a:schemeClr val="accent1"/>
+                </a:fillRef>
+                <a:effectRef idx="0">
+                  <a:schemeClr val="accent1"/>
+                </a:effectRef>
+                <a:fontRef idx="minor">
+                  <a:schemeClr val="lt1"/>
+                </a:fontRef>
+              </p:style>
+              <p:txBody>
+                <a:bodyPr rtlCol="0" anchor="ctr"/>
+                <a:lstStyle/>
+                <a:p>
+                  <a:pPr algn="ctr"/>
+                  <a:endParaRPr lang="ru-RU"/>
+                </a:p>
+              </p:txBody>
+            </p:sp>
+            <p:grpSp>
+              <p:nvGrpSpPr>
+                <p:cNvPr id="18" name="Group 17"/>
+                <p:cNvGrpSpPr/>
+                <p:nvPr/>
+              </p:nvGrpSpPr>
+              <p:grpSpPr>
+                <a:xfrm>
+                  <a:off x="7288733" y="879661"/>
+                  <a:ext cx="1200149" cy="2131684"/>
+                  <a:chOff x="285750" y="1123723"/>
+                  <a:chExt cx="1200149" cy="2131684"/>
+                </a:xfrm>
+              </p:grpSpPr>
+              <p:pic>
+                <p:nvPicPr>
+                  <p:cNvPr id="19" name="Picture 18"/>
+                  <p:cNvPicPr>
+                    <a:picLocks noChangeAspect="1"/>
+                  </p:cNvPicPr>
+                  <p:nvPr/>
+                </p:nvPicPr>
+                <p:blipFill>
+                  <a:blip r:embed="rId2"/>
+                  <a:stretch>
+                    <a:fillRect/>
+                  </a:stretch>
+                </p:blipFill>
+                <p:spPr>
+                  <a:xfrm>
+                    <a:off x="318933" y="1123723"/>
+                    <a:ext cx="1166966" cy="1727716"/>
+                  </a:xfrm>
+                  <a:prstGeom prst="rect">
+                    <a:avLst/>
+                  </a:prstGeom>
+                </p:spPr>
+              </p:pic>
+              <p:sp>
+                <p:nvSpPr>
+                  <p:cNvPr id="20" name="TextBox 19"/>
+                  <p:cNvSpPr txBox="1"/>
+                  <p:nvPr/>
+                </p:nvSpPr>
+                <p:spPr>
+                  <a:xfrm>
+                    <a:off x="285750" y="2886075"/>
+                    <a:ext cx="1200149" cy="369332"/>
+                  </a:xfrm>
+                  <a:prstGeom prst="rect">
+                    <a:avLst/>
+                  </a:prstGeom>
+                  <a:noFill/>
+                </p:spPr>
+                <p:txBody>
+                  <a:bodyPr wrap="square" rtlCol="0">
+                    <a:spAutoFit/>
+                  </a:bodyPr>
+                  <a:lstStyle/>
+                  <a:p>
+                    <a:r>
+                      <a:rPr lang="ru-RU" dirty="0" smtClean="0"/>
+                      <a:t>Числитель</a:t>
+                    </a:r>
+                    <a:endParaRPr lang="ru-RU" dirty="0"/>
+                  </a:p>
+                </p:txBody>
+              </p:sp>
+            </p:grpSp>
+          </p:grpSp>
+          <p:grpSp>
+            <p:nvGrpSpPr>
+              <p:cNvPr id="32" name="Group 31"/>
+              <p:cNvGrpSpPr/>
+              <p:nvPr/>
+            </p:nvGrpSpPr>
+            <p:grpSpPr>
+              <a:xfrm>
+                <a:off x="4918563" y="759377"/>
+                <a:ext cx="1640570" cy="2345882"/>
+                <a:chOff x="5004860" y="2028825"/>
+                <a:chExt cx="1640570" cy="2345882"/>
+              </a:xfrm>
+            </p:grpSpPr>
+            <p:sp>
+              <p:nvSpPr>
+                <p:cNvPr id="29" name="Rectangle 28"/>
+                <p:cNvSpPr/>
+                <p:nvPr/>
+              </p:nvSpPr>
+              <p:spPr>
+                <a:xfrm>
+                  <a:off x="5004860" y="2028825"/>
+                  <a:ext cx="1640570" cy="2345882"/>
+                </a:xfrm>
+                <a:prstGeom prst="rect">
+                  <a:avLst/>
+                </a:prstGeom>
+                <a:solidFill>
+                  <a:schemeClr val="bg1"/>
+                </a:solidFill>
+              </p:spPr>
+              <p:style>
+                <a:lnRef idx="2">
+                  <a:schemeClr val="accent1">
+                    <a:shade val="50000"/>
+                  </a:schemeClr>
+                </a:lnRef>
+                <a:fillRef idx="1">
+                  <a:schemeClr val="accent1"/>
+                </a:fillRef>
+                <a:effectRef idx="0">
+                  <a:schemeClr val="accent1"/>
+                </a:effectRef>
+                <a:fontRef idx="minor">
+                  <a:schemeClr val="lt1"/>
+                </a:fontRef>
+              </p:style>
+              <p:txBody>
+                <a:bodyPr rtlCol="0" anchor="ctr"/>
+                <a:lstStyle/>
+                <a:p>
+                  <a:pPr algn="ctr"/>
+                  <a:endParaRPr lang="ru-RU"/>
+                </a:p>
+              </p:txBody>
+            </p:sp>
+            <p:grpSp>
+              <p:nvGrpSpPr>
+                <p:cNvPr id="21" name="Group 20"/>
+                <p:cNvGrpSpPr/>
+                <p:nvPr/>
+              </p:nvGrpSpPr>
+              <p:grpSpPr>
+                <a:xfrm>
+                  <a:off x="5038043" y="2175862"/>
+                  <a:ext cx="1585688" cy="2198845"/>
+                  <a:chOff x="737357" y="3676421"/>
+                  <a:chExt cx="1497081" cy="2107172"/>
+                </a:xfrm>
+              </p:grpSpPr>
+              <p:pic>
+                <p:nvPicPr>
+                  <p:cNvPr id="22" name="Picture 21"/>
+                  <p:cNvPicPr>
+                    <a:picLocks noChangeAspect="1"/>
+                  </p:cNvPicPr>
+                  <p:nvPr/>
+                </p:nvPicPr>
+                <p:blipFill>
+                  <a:blip r:embed="rId4"/>
+                  <a:stretch>
+                    <a:fillRect/>
+                  </a:stretch>
+                </p:blipFill>
+                <p:spPr>
+                  <a:xfrm>
+                    <a:off x="948737" y="3676421"/>
+                    <a:ext cx="1074323" cy="1686158"/>
+                  </a:xfrm>
+                  <a:prstGeom prst="rect">
+                    <a:avLst/>
+                  </a:prstGeom>
+                </p:spPr>
+              </p:pic>
+              <p:sp>
+                <p:nvSpPr>
+                  <p:cNvPr id="23" name="TextBox 22"/>
+                  <p:cNvSpPr txBox="1"/>
+                  <p:nvPr/>
+                </p:nvSpPr>
+                <p:spPr>
+                  <a:xfrm>
+                    <a:off x="737357" y="5414261"/>
+                    <a:ext cx="1497081" cy="369332"/>
+                  </a:xfrm>
+                  <a:prstGeom prst="rect">
+                    <a:avLst/>
+                  </a:prstGeom>
+                  <a:noFill/>
+                </p:spPr>
+                <p:txBody>
+                  <a:bodyPr wrap="square" rtlCol="0">
+                    <a:spAutoFit/>
+                  </a:bodyPr>
+                  <a:lstStyle/>
+                  <a:p>
+                    <a:r>
+                      <a:rPr lang="ru-RU" dirty="0" smtClean="0"/>
+                      <a:t>Целая часть</a:t>
+                    </a:r>
+                    <a:endParaRPr lang="ru-RU" dirty="0"/>
+                  </a:p>
+                </p:txBody>
+              </p:sp>
+            </p:grpSp>
+          </p:grpSp>
+          <p:grpSp>
+            <p:nvGrpSpPr>
+              <p:cNvPr id="34" name="Group 33"/>
+              <p:cNvGrpSpPr/>
+              <p:nvPr/>
+            </p:nvGrpSpPr>
+            <p:grpSpPr>
+              <a:xfrm>
+                <a:off x="6816207" y="3293276"/>
+                <a:ext cx="1640570" cy="2365768"/>
+                <a:chOff x="7133118" y="3600968"/>
+                <a:chExt cx="1640570" cy="2365768"/>
+              </a:xfrm>
+            </p:grpSpPr>
+            <p:sp>
+              <p:nvSpPr>
+                <p:cNvPr id="31" name="Rectangle 30"/>
+                <p:cNvSpPr/>
+                <p:nvPr/>
+              </p:nvSpPr>
+              <p:spPr>
+                <a:xfrm>
+                  <a:off x="7133118" y="3600968"/>
+                  <a:ext cx="1640570" cy="2345882"/>
+                </a:xfrm>
+                <a:prstGeom prst="rect">
+                  <a:avLst/>
+                </a:prstGeom>
+                <a:solidFill>
+                  <a:schemeClr val="bg1"/>
+                </a:solidFill>
+              </p:spPr>
+              <p:style>
+                <a:lnRef idx="2">
+                  <a:schemeClr val="accent1">
+                    <a:shade val="50000"/>
+                  </a:schemeClr>
+                </a:lnRef>
+                <a:fillRef idx="1">
+                  <a:schemeClr val="accent1"/>
+                </a:fillRef>
+                <a:effectRef idx="0">
+                  <a:schemeClr val="accent1"/>
+                </a:effectRef>
+                <a:fontRef idx="minor">
+                  <a:schemeClr val="lt1"/>
+                </a:fontRef>
+              </p:style>
+              <p:txBody>
+                <a:bodyPr rtlCol="0" anchor="ctr"/>
+                <a:lstStyle/>
+                <a:p>
+                  <a:pPr algn="ctr"/>
+                  <a:endParaRPr lang="ru-RU"/>
+                </a:p>
+              </p:txBody>
+            </p:sp>
+            <p:grpSp>
+              <p:nvGrpSpPr>
+                <p:cNvPr id="27" name="Group 26"/>
+                <p:cNvGrpSpPr/>
+                <p:nvPr/>
+              </p:nvGrpSpPr>
+              <p:grpSpPr>
+                <a:xfrm>
+                  <a:off x="7274446" y="3660042"/>
+                  <a:ext cx="1497081" cy="2306694"/>
+                  <a:chOff x="6815768" y="2783157"/>
+                  <a:chExt cx="1497081" cy="2306694"/>
+                </a:xfrm>
+              </p:grpSpPr>
+              <p:pic>
+                <p:nvPicPr>
+                  <p:cNvPr id="25" name="Picture 24"/>
+                  <p:cNvPicPr>
+                    <a:picLocks noChangeAspect="1"/>
+                  </p:cNvPicPr>
+                  <p:nvPr/>
+                </p:nvPicPr>
+                <p:blipFill>
+                  <a:blip r:embed="rId3"/>
+                  <a:stretch>
+                    <a:fillRect/>
+                  </a:stretch>
+                </p:blipFill>
+                <p:spPr>
+                  <a:xfrm>
+                    <a:off x="6815768" y="2783157"/>
+                    <a:ext cx="1144231" cy="1822485"/>
+                  </a:xfrm>
+                  <a:prstGeom prst="rect">
+                    <a:avLst/>
+                  </a:prstGeom>
+                </p:spPr>
+              </p:pic>
+              <p:sp>
+                <p:nvSpPr>
+                  <p:cNvPr id="26" name="TextBox 25"/>
+                  <p:cNvSpPr txBox="1"/>
+                  <p:nvPr/>
+                </p:nvSpPr>
+                <p:spPr>
+                  <a:xfrm>
+                    <a:off x="6815768" y="4720519"/>
+                    <a:ext cx="1497081" cy="369332"/>
+                  </a:xfrm>
+                  <a:prstGeom prst="rect">
+                    <a:avLst/>
+                  </a:prstGeom>
+                  <a:noFill/>
+                </p:spPr>
+                <p:txBody>
+                  <a:bodyPr wrap="square" rtlCol="0">
+                    <a:spAutoFit/>
+                  </a:bodyPr>
+                  <a:lstStyle/>
+                  <a:p>
+                    <a:r>
+                      <a:rPr lang="ru-RU" dirty="0" smtClean="0"/>
+                      <a:t>Знаменатель</a:t>
+                    </a:r>
+                    <a:endParaRPr lang="ru-RU" dirty="0"/>
+                  </a:p>
+                </p:txBody>
+              </p:sp>
+            </p:grpSp>
+          </p:grpSp>
+        </p:grpSp>
+        <p:sp>
+          <p:nvSpPr>
+            <p:cNvPr id="36" name="TextBox 35"/>
+            <p:cNvSpPr txBox="1"/>
+            <p:nvPr/>
+          </p:nvSpPr>
+          <p:spPr>
+            <a:xfrm>
+              <a:off x="4951746" y="3629025"/>
+              <a:ext cx="1734804" cy="830997"/>
+            </a:xfrm>
+            <a:prstGeom prst="rect">
+              <a:avLst/>
+            </a:prstGeom>
+            <a:noFill/>
+          </p:spPr>
+          <p:txBody>
+            <a:bodyPr wrap="square" rtlCol="0">
+              <a:spAutoFit/>
+            </a:bodyPr>
+            <a:lstStyle/>
+            <a:p>
+              <a:pPr algn="ctr"/>
+              <a:r>
+                <a:rPr lang="ru-RU" sz="2400" dirty="0" smtClean="0"/>
+                <a:t>Смешанная дробь</a:t>
+              </a:r>
+              <a:endParaRPr lang="ru-RU" sz="2400" dirty="0"/>
+            </a:p>
+          </p:txBody>
+        </p:sp>
+      </p:grpSp>
+    </p:spTree>
+    <p:extLst>
+      <p:ext uri="{BB962C8B-B14F-4D97-AF65-F5344CB8AC3E}">
+        <p14:creationId xmlns:p14="http://schemas.microsoft.com/office/powerpoint/2010/main" val="2796640787"/>
+      </p:ext>
+    </p:extLst>
+  </p:cSld>
+  <p:clrMapOvr>
+    <a:masterClrMapping/>
+  </p:clrMapOvr>
+  <p:timing>
+    <p:tnLst>
+      <p:par>
+        <p:cTn id="1" dur="indefinite" restart="never" nodeType="tmRoot">
+          <p:childTnLst>
+            <p:seq concurrent="1" nextAc="seek">
+              <p:cTn id="2" dur="indefinite" nodeType="mainSeq">
+                <p:childTnLst>
+                  <p:par>
+                    <p:cTn id="3" fill="hold">
+                      <p:stCondLst>
+                        <p:cond delay="indefinite"/>
+                      </p:stCondLst>
+                      <p:childTnLst>
+                        <p:par>
+                          <p:cTn id="4" fill="hold">
+                            <p:stCondLst>
+                              <p:cond delay="0"/>
+                            </p:stCondLst>
+                            <p:childTnLst>
+                              <p:par>
+                                <p:cTn id="5" presetID="10" presetClass="entr" presetSubtype="0" fill="hold" nodeType="clickEffect">
+                                  <p:stCondLst>
+                                    <p:cond delay="0"/>
+                                  </p:stCondLst>
+                                  <p:childTnLst>
+                                    <p:set>
+                                      <p:cBhvr>
+                                        <p:cTn id="6" dur="1" fill="hold">
+                                          <p:stCondLst>
+                                            <p:cond delay="0"/>
+                                          </p:stCondLst>
+                                        </p:cTn>
+                                        <p:tgtEl>
+                                          <p:spTgt spid="13"/>
+                                        </p:tgtEl>
+                                        <p:attrNameLst>
+                                          <p:attrName>style.visibility</p:attrName>
+                                        </p:attrNameLst>
+                                      </p:cBhvr>
+                                      <p:to>
+                                        <p:strVal val="visible"/>
+                                      </p:to>
+                                    </p:set>
+                                    <p:animEffect transition="in" filter="fade">
+                                      <p:cBhvr>
+                                        <p:cTn id="7" dur="500"/>
+                                        <p:tgtEl>
+                                          <p:spTgt spid="13"/>
+                                        </p:tgtEl>
+                                      </p:cBhvr>
+                                    </p:animEffect>
+                                  </p:childTnLst>
+                                </p:cTn>
+                              </p:par>
+                            </p:childTnLst>
+                          </p:cTn>
+                        </p:par>
+                        <p:par>
+                          <p:cTn id="8" fill="hold">
+                            <p:stCondLst>
+                              <p:cond delay="500"/>
+                            </p:stCondLst>
+                            <p:childTnLst>
+                              <p:par>
+                                <p:cTn id="9" presetID="10" presetClass="entr" presetSubtype="0" fill="hold" nodeType="afterEffect">
+                                  <p:stCondLst>
+                                    <p:cond delay="0"/>
+                                  </p:stCondLst>
+                                  <p:childTnLst>
+                                    <p:set>
+                                      <p:cBhvr>
+                                        <p:cTn id="10" dur="1" fill="hold">
+                                          <p:stCondLst>
+                                            <p:cond delay="0"/>
+                                          </p:stCondLst>
+                                        </p:cTn>
+                                        <p:tgtEl>
+                                          <p:spTgt spid="12"/>
+                                        </p:tgtEl>
+                                        <p:attrNameLst>
+                                          <p:attrName>style.visibility</p:attrName>
+                                        </p:attrNameLst>
+                                      </p:cBhvr>
+                                      <p:to>
+                                        <p:strVal val="visible"/>
+                                      </p:to>
+                                    </p:set>
+                                    <p:animEffect transition="in" filter="fade">
+                                      <p:cBhvr>
+                                        <p:cTn id="11" dur="500"/>
+                                        <p:tgtEl>
+                                          <p:spTgt spid="12"/>
+                                        </p:tgtEl>
+                                      </p:cBhvr>
+                                    </p:animEffect>
+                                  </p:childTnLst>
+                                </p:cTn>
+                              </p:par>
+                            </p:childTnLst>
+                          </p:cTn>
+                        </p:par>
+                        <p:par>
+                          <p:cTn id="12" fill="hold">
+                            <p:stCondLst>
+                              <p:cond delay="1000"/>
+                            </p:stCondLst>
+                            <p:childTnLst>
+                              <p:par>
+                                <p:cTn id="13" presetID="10" presetClass="entr" presetSubtype="0" fill="hold" nodeType="afterEffect">
+                                  <p:stCondLst>
+                                    <p:cond delay="0"/>
+                                  </p:stCondLst>
+                                  <p:childTnLst>
+                                    <p:set>
+                                      <p:cBhvr>
+                                        <p:cTn id="14" dur="1" fill="hold">
+                                          <p:stCondLst>
+                                            <p:cond delay="0"/>
+                                          </p:stCondLst>
+                                        </p:cTn>
+                                        <p:tgtEl>
+                                          <p:spTgt spid="11"/>
+                                        </p:tgtEl>
+                                        <p:attrNameLst>
+                                          <p:attrName>style.visibility</p:attrName>
+                                        </p:attrNameLst>
+                                      </p:cBhvr>
+                                      <p:to>
+                                        <p:strVal val="visible"/>
+                                      </p:to>
+                                    </p:set>
+                                    <p:animEffect transition="in" filter="fade">
+                                      <p:cBhvr>
+                                        <p:cTn id="15" dur="500"/>
+                                        <p:tgtEl>
+                                          <p:spTgt spid="11"/>
+                                        </p:tgtEl>
+                                      </p:cBhvr>
+                                    </p:animEffect>
+                                  </p:childTnLst>
+                                </p:cTn>
+                              </p:par>
+                            </p:childTnLst>
+                          </p:cTn>
+                        </p:par>
+                      </p:childTnLst>
+                    </p:cTn>
+                  </p:par>
+                  <p:par>
+                    <p:cTn id="16" fill="hold">
+                      <p:stCondLst>
+                        <p:cond delay="indefinite"/>
+                      </p:stCondLst>
+                      <p:childTnLst>
+                        <p:par>
+                          <p:cTn id="17" fill="hold">
+                            <p:stCondLst>
+                              <p:cond delay="0"/>
+                            </p:stCondLst>
+                            <p:childTnLst>
+                              <p:par>
+                                <p:cTn id="18" presetID="10" presetClass="entr" presetSubtype="0" fill="hold" nodeType="clickEffect">
+                                  <p:stCondLst>
+                                    <p:cond delay="0"/>
+                                  </p:stCondLst>
+                                  <p:childTnLst>
+                                    <p:set>
+                                      <p:cBhvr>
+                                        <p:cTn id="19" dur="1" fill="hold">
+                                          <p:stCondLst>
+                                            <p:cond delay="0"/>
+                                          </p:stCondLst>
+                                        </p:cTn>
+                                        <p:tgtEl>
+                                          <p:spTgt spid="38"/>
+                                        </p:tgtEl>
+                                        <p:attrNameLst>
+                                          <p:attrName>style.visibility</p:attrName>
+                                        </p:attrNameLst>
+                                      </p:cBhvr>
+                                      <p:to>
+                                        <p:strVal val="visible"/>
+                                      </p:to>
+                                    </p:set>
+                                    <p:animEffect transition="in" filter="fade">
+                                      <p:cBhvr>
+                                        <p:cTn id="20" dur="500"/>
+                                        <p:tgtEl>
+                                          <p:spTgt spid="38"/>
+                                        </p:tgtEl>
+                                      </p:cBhvr>
+                                    </p:animEffect>
+                                  </p:childTnLst>
+                                </p:cTn>
+                              </p:par>
+                            </p:childTnLst>
+                          </p:cTn>
+                        </p:par>
+                      </p:childTnLst>
+                    </p:cTn>
+                  </p:par>
+                </p:childTnLst>
+              </p:cTn>
+              <p:prevCondLst>
+                <p:cond evt="onPrev" delay="0">
+                  <p:tgtEl>
+                    <p:sldTgt/>
+                  </p:tgtEl>
+                </p:cond>
+              </p:prevCondLst>
+              <p:nextCondLst>
+                <p:cond evt="onNext" delay="0">
+                  <p:tgtEl>
+                    <p:sldTgt/>
+                  </p:tgtEl>
+                </p:cond>
+              </p:nextCondLst>
+            </p:seq>
+          </p:childTnLst>
+        </p:cTn>
+      </p:par>
+    </p:tnLst>
+  </p:timing>
+</p:sld>
+</file>
+
+<file path=ppt/slides/slide26.xml><?xml version="1.0" encoding="utf-8"?>
+<p:sld xmlns:a="http://schemas.openxmlformats.org/drawingml/2006/main" xmlns:r="http://schemas.openxmlformats.org/officeDocument/2006/relationships" xmlns:p="http://schemas.openxmlformats.org/presentationml/2006/main">
+  <p:cSld>
+    <p:spTree>
+      <p:nvGrpSpPr>
+        <p:cNvPr id="1" name=""/>
+        <p:cNvGrpSpPr/>
+        <p:nvPr/>
+      </p:nvGrpSpPr>
+      <p:grpSpPr>
+        <a:xfrm>
+          <a:off x="0" y="0"/>
+          <a:ext cx="0" cy="0"/>
+          <a:chOff x="0" y="0"/>
+          <a:chExt cx="0" cy="0"/>
+        </a:xfrm>
+      </p:grpSpPr>
+      <p:sp>
+        <p:nvSpPr>
+          <p:cNvPr id="6" name="Прямоугольник 7"/>
+          <p:cNvSpPr/>
+          <p:nvPr/>
+        </p:nvSpPr>
+        <p:spPr>
+          <a:xfrm>
+            <a:off x="628650" y="1841242"/>
+            <a:ext cx="6515100" cy="1282958"/>
+          </a:xfrm>
+          <a:prstGeom prst="rect">
+            <a:avLst/>
+          </a:prstGeom>
+          <a:solidFill>
+            <a:schemeClr val="accent1">
+              <a:lumMod val="20000"/>
+              <a:lumOff val="80000"/>
+            </a:schemeClr>
+          </a:solidFill>
+        </p:spPr>
+        <p:style>
+          <a:lnRef idx="2">
+            <a:schemeClr val="accent1">
+              <a:shade val="50000"/>
+            </a:schemeClr>
+          </a:lnRef>
+          <a:fillRef idx="1">
+            <a:schemeClr val="accent1"/>
+          </a:fillRef>
+          <a:effectRef idx="0">
+            <a:schemeClr val="accent1"/>
+          </a:effectRef>
+          <a:fontRef idx="minor">
+            <a:schemeClr val="lt1"/>
+          </a:fontRef>
+        </p:style>
+        <p:txBody>
+          <a:bodyPr rtlCol="0" anchor="ctr"/>
+          <a:lstStyle/>
+          <a:p>
+            <a:pPr algn="ctr"/>
+            <a:endParaRPr lang="ru-RU"/>
+          </a:p>
+        </p:txBody>
+      </p:sp>
+      <p:sp>
+        <p:nvSpPr>
+          <p:cNvPr id="4" name="Title 3"/>
+          <p:cNvSpPr>
+            <a:spLocks noGrp="1"/>
+          </p:cNvSpPr>
+          <p:nvPr>
+            <p:ph type="title"/>
+          </p:nvPr>
+        </p:nvSpPr>
+        <p:spPr/>
+        <p:txBody>
+          <a:bodyPr/>
+          <a:lstStyle/>
+          <a:p>
+            <a:r>
+              <a:rPr lang="ru-RU" dirty="0" smtClean="0"/>
+              <a:t>Тип данных «Смешанная дробь»</a:t>
+            </a:r>
+            <a:endParaRPr lang="ru-RU" dirty="0"/>
+          </a:p>
+        </p:txBody>
+      </p:sp>
+      <p:sp>
+        <p:nvSpPr>
+          <p:cNvPr id="5" name="Rectangle 4"/>
+          <p:cNvSpPr/>
+          <p:nvPr/>
+        </p:nvSpPr>
+        <p:spPr>
+          <a:xfrm>
+            <a:off x="628650" y="1841242"/>
+            <a:ext cx="8058150" cy="5016758"/>
+          </a:xfrm>
+          <a:prstGeom prst="rect">
+            <a:avLst/>
+          </a:prstGeom>
+        </p:spPr>
+        <p:txBody>
+          <a:bodyPr wrap="square">
+            <a:spAutoFit/>
+          </a:bodyPr>
+          <a:lstStyle/>
+          <a:p>
+            <a:r>
+              <a:rPr lang="ru-RU" sz="1600" dirty="0" smtClean="0">
+                <a:latin typeface="Lucida Console" panose="020B0609040504020204" pitchFamily="49" charset="0"/>
+              </a:rPr>
+              <a:t>TYPE</a:t>
+            </a:r>
+          </a:p>
+          <a:p>
+            <a:r>
+              <a:rPr lang="ru-RU" sz="1600" dirty="0" smtClean="0">
+                <a:latin typeface="Lucida Console" panose="020B0609040504020204" pitchFamily="49" charset="0"/>
+              </a:rPr>
+              <a:t>  </a:t>
+            </a:r>
+            <a:r>
+              <a:rPr lang="ru-RU" sz="1600" i="1" dirty="0" smtClean="0">
+                <a:latin typeface="Lucida Console" panose="020B0609040504020204" pitchFamily="49" charset="0"/>
+              </a:rPr>
+              <a:t>{Тип данных Смешанная дробь}</a:t>
+            </a:r>
+          </a:p>
+          <a:p>
+            <a:r>
+              <a:rPr lang="ru-RU" sz="1600" dirty="0" smtClean="0">
+                <a:latin typeface="Lucida Console" panose="020B0609040504020204" pitchFamily="49" charset="0"/>
+              </a:rPr>
+              <a:t>  </a:t>
+            </a:r>
+            <a:r>
+              <a:rPr lang="ru-RU" sz="1600" dirty="0" err="1" smtClean="0">
+                <a:latin typeface="Lucida Console" panose="020B0609040504020204" pitchFamily="49" charset="0"/>
+              </a:rPr>
+              <a:t>CompoundFraction</a:t>
+            </a:r>
+            <a:r>
+              <a:rPr lang="ru-RU" sz="1600" dirty="0" smtClean="0">
+                <a:latin typeface="Lucida Console" panose="020B0609040504020204" pitchFamily="49" charset="0"/>
+              </a:rPr>
+              <a:t> = RECORD</a:t>
+            </a:r>
+          </a:p>
+          <a:p>
+            <a:r>
+              <a:rPr lang="ru-RU" sz="1600" dirty="0" smtClean="0">
+                <a:latin typeface="Lucida Console" panose="020B0609040504020204" pitchFamily="49" charset="0"/>
+              </a:rPr>
+              <a:t>    </a:t>
+            </a:r>
+            <a:r>
+              <a:rPr lang="ru-RU" sz="1600" dirty="0" err="1" smtClean="0">
+                <a:latin typeface="Lucida Console" panose="020B0609040504020204" pitchFamily="49" charset="0"/>
+              </a:rPr>
+              <a:t>IntegerPart</a:t>
+            </a:r>
+            <a:r>
+              <a:rPr lang="ru-RU" sz="1600" dirty="0" smtClean="0">
+                <a:latin typeface="Lucida Console" panose="020B0609040504020204" pitchFamily="49" charset="0"/>
+              </a:rPr>
+              <a:t>, </a:t>
+            </a:r>
+            <a:r>
+              <a:rPr lang="ru-RU" sz="1600" dirty="0" err="1" smtClean="0">
+                <a:latin typeface="Lucida Console" panose="020B0609040504020204" pitchFamily="49" charset="0"/>
+              </a:rPr>
+              <a:t>Numerator</a:t>
+            </a:r>
+            <a:r>
+              <a:rPr lang="ru-RU" sz="1600" dirty="0" smtClean="0">
+                <a:latin typeface="Lucida Console" panose="020B0609040504020204" pitchFamily="49" charset="0"/>
+              </a:rPr>
+              <a:t>, </a:t>
+            </a:r>
+            <a:r>
+              <a:rPr lang="ru-RU" sz="1600" dirty="0" err="1" smtClean="0">
+                <a:latin typeface="Lucida Console" panose="020B0609040504020204" pitchFamily="49" charset="0"/>
+              </a:rPr>
+              <a:t>Denominator</a:t>
+            </a:r>
+            <a:r>
+              <a:rPr lang="ru-RU" sz="1600" dirty="0" smtClean="0">
+                <a:latin typeface="Lucida Console" panose="020B0609040504020204" pitchFamily="49" charset="0"/>
+              </a:rPr>
+              <a:t>: INTEGER;</a:t>
+            </a:r>
+          </a:p>
+          <a:p>
+            <a:r>
+              <a:rPr lang="ru-RU" sz="1600" dirty="0" smtClean="0">
+                <a:latin typeface="Lucida Console" panose="020B0609040504020204" pitchFamily="49" charset="0"/>
+              </a:rPr>
+              <a:t>  END;</a:t>
+            </a:r>
+          </a:p>
+          <a:p>
+            <a:endParaRPr lang="ru-RU" sz="1600" dirty="0" smtClean="0">
+              <a:latin typeface="Lucida Console" panose="020B0609040504020204" pitchFamily="49" charset="0"/>
+            </a:endParaRPr>
+          </a:p>
+          <a:p>
+            <a:r>
+              <a:rPr lang="ru-RU" sz="1600" i="1" dirty="0" smtClean="0">
+                <a:latin typeface="Lucida Console" panose="020B0609040504020204" pitchFamily="49" charset="0"/>
+              </a:rPr>
+              <a:t>{Выводит смешанную дробь на экран}</a:t>
+            </a:r>
+          </a:p>
+          <a:p>
+            <a:r>
+              <a:rPr lang="en-US" sz="1600" dirty="0" smtClean="0">
+                <a:latin typeface="Lucida Console" panose="020B0609040504020204" pitchFamily="49" charset="0"/>
+              </a:rPr>
+              <a:t>PROCEDURE </a:t>
+            </a:r>
+            <a:r>
+              <a:rPr lang="en-US" sz="1600" dirty="0" err="1" smtClean="0">
+                <a:latin typeface="Lucida Console" panose="020B0609040504020204" pitchFamily="49" charset="0"/>
+              </a:rPr>
+              <a:t>PrintFraction</a:t>
+            </a:r>
+            <a:r>
+              <a:rPr lang="en-US" sz="1600" dirty="0" smtClean="0">
+                <a:latin typeface="Lucida Console" panose="020B0609040504020204" pitchFamily="49" charset="0"/>
+              </a:rPr>
+              <a:t>(</a:t>
+            </a:r>
+            <a:r>
+              <a:rPr lang="en-US" sz="1600" dirty="0" err="1" smtClean="0">
+                <a:latin typeface="Lucida Console" panose="020B0609040504020204" pitchFamily="49" charset="0"/>
+              </a:rPr>
+              <a:t>Fract</a:t>
+            </a:r>
+            <a:r>
+              <a:rPr lang="en-US" sz="1600" dirty="0" smtClean="0">
+                <a:latin typeface="Lucida Console" panose="020B0609040504020204" pitchFamily="49" charset="0"/>
+              </a:rPr>
+              <a:t>: </a:t>
+            </a:r>
+            <a:r>
+              <a:rPr lang="en-US" sz="1600" dirty="0" err="1" smtClean="0">
+                <a:latin typeface="Lucida Console" panose="020B0609040504020204" pitchFamily="49" charset="0"/>
+              </a:rPr>
+              <a:t>CompoundFraction</a:t>
+            </a:r>
+            <a:r>
+              <a:rPr lang="en-US" sz="1600" dirty="0" smtClean="0">
+                <a:latin typeface="Lucida Console" panose="020B0609040504020204" pitchFamily="49" charset="0"/>
+              </a:rPr>
+              <a:t>);</a:t>
+            </a:r>
+          </a:p>
+          <a:p>
+            <a:r>
+              <a:rPr lang="en-US" sz="1600" dirty="0" smtClean="0">
+                <a:latin typeface="Lucida Console" panose="020B0609040504020204" pitchFamily="49" charset="0"/>
+              </a:rPr>
+              <a:t>BEGIN</a:t>
+            </a:r>
+          </a:p>
+          <a:p>
+            <a:r>
+              <a:rPr lang="en-US" sz="1600" dirty="0" smtClean="0">
+                <a:latin typeface="Lucida Console" panose="020B0609040504020204" pitchFamily="49" charset="0"/>
+              </a:rPr>
+              <a:t>  IF </a:t>
+            </a:r>
+            <a:r>
+              <a:rPr lang="en-US" sz="1600" dirty="0" err="1" smtClean="0">
+                <a:latin typeface="Lucida Console" panose="020B0609040504020204" pitchFamily="49" charset="0"/>
+              </a:rPr>
+              <a:t>Fract.Numerator</a:t>
+            </a:r>
+            <a:r>
+              <a:rPr lang="en-US" sz="1600" dirty="0" smtClean="0">
+                <a:latin typeface="Lucida Console" panose="020B0609040504020204" pitchFamily="49" charset="0"/>
+              </a:rPr>
+              <a:t> = 0</a:t>
+            </a:r>
+          </a:p>
+          <a:p>
+            <a:r>
+              <a:rPr lang="en-US" sz="1600" dirty="0" smtClean="0">
+                <a:latin typeface="Lucida Console" panose="020B0609040504020204" pitchFamily="49" charset="0"/>
+              </a:rPr>
+              <a:t>  THEN</a:t>
+            </a:r>
+          </a:p>
+          <a:p>
+            <a:r>
+              <a:rPr lang="en-US" sz="1600" dirty="0" smtClean="0">
+                <a:latin typeface="Lucida Console" panose="020B0609040504020204" pitchFamily="49" charset="0"/>
+              </a:rPr>
+              <a:t>    WRITELN(</a:t>
+            </a:r>
+            <a:r>
+              <a:rPr lang="en-US" sz="1600" dirty="0" err="1" smtClean="0">
+                <a:latin typeface="Lucida Console" panose="020B0609040504020204" pitchFamily="49" charset="0"/>
+              </a:rPr>
+              <a:t>Fract.IntegerPart</a:t>
+            </a:r>
+            <a:r>
+              <a:rPr lang="en-US" sz="1600" dirty="0" smtClean="0">
+                <a:latin typeface="Lucida Console" panose="020B0609040504020204" pitchFamily="49" charset="0"/>
+              </a:rPr>
+              <a:t>)</a:t>
+            </a:r>
+          </a:p>
+          <a:p>
+            <a:r>
+              <a:rPr lang="en-US" sz="1600" dirty="0" smtClean="0">
+                <a:latin typeface="Lucida Console" panose="020B0609040504020204" pitchFamily="49" charset="0"/>
+              </a:rPr>
+              <a:t>  ELSE</a:t>
+            </a:r>
+          </a:p>
+          <a:p>
+            <a:r>
+              <a:rPr lang="en-US" sz="1600" dirty="0" smtClean="0">
+                <a:latin typeface="Lucida Console" panose="020B0609040504020204" pitchFamily="49" charset="0"/>
+              </a:rPr>
+              <a:t>    BEGIN</a:t>
+            </a:r>
+          </a:p>
+          <a:p>
+            <a:r>
+              <a:rPr lang="en-US" sz="1600" dirty="0" smtClean="0">
+                <a:latin typeface="Lucida Console" panose="020B0609040504020204" pitchFamily="49" charset="0"/>
+              </a:rPr>
+              <a:t>      IF </a:t>
+            </a:r>
+            <a:r>
+              <a:rPr lang="en-US" sz="1600" dirty="0" err="1" smtClean="0">
+                <a:latin typeface="Lucida Console" panose="020B0609040504020204" pitchFamily="49" charset="0"/>
+              </a:rPr>
+              <a:t>Fract.IntegerPart</a:t>
+            </a:r>
+            <a:r>
+              <a:rPr lang="en-US" sz="1600" dirty="0" smtClean="0">
+                <a:latin typeface="Lucida Console" panose="020B0609040504020204" pitchFamily="49" charset="0"/>
+              </a:rPr>
+              <a:t> &lt;&gt; 0</a:t>
+            </a:r>
+          </a:p>
+          <a:p>
+            <a:r>
+              <a:rPr lang="en-US" sz="1600" dirty="0" smtClean="0">
+                <a:latin typeface="Lucida Console" panose="020B0609040504020204" pitchFamily="49" charset="0"/>
+              </a:rPr>
+              <a:t>      THEN</a:t>
+            </a:r>
+          </a:p>
+          <a:p>
+            <a:r>
+              <a:rPr lang="en-US" sz="1600" dirty="0" smtClean="0">
+                <a:latin typeface="Lucida Console" panose="020B0609040504020204" pitchFamily="49" charset="0"/>
+              </a:rPr>
+              <a:t>        WRITE(</a:t>
+            </a:r>
+            <a:r>
+              <a:rPr lang="en-US" sz="1600" dirty="0" err="1" smtClean="0">
+                <a:latin typeface="Lucida Console" panose="020B0609040504020204" pitchFamily="49" charset="0"/>
+              </a:rPr>
+              <a:t>Fract.IntegerPart</a:t>
+            </a:r>
+            <a:r>
+              <a:rPr lang="en-US" sz="1600" dirty="0" smtClean="0">
+                <a:latin typeface="Lucida Console" panose="020B0609040504020204" pitchFamily="49" charset="0"/>
+              </a:rPr>
+              <a:t>, ' ');</a:t>
+            </a:r>
+          </a:p>
+          <a:p>
+            <a:r>
+              <a:rPr lang="en-US" sz="1600" dirty="0" smtClean="0">
+                <a:latin typeface="Lucida Console" panose="020B0609040504020204" pitchFamily="49" charset="0"/>
+              </a:rPr>
+              <a:t>      WRITELN(</a:t>
+            </a:r>
+            <a:r>
+              <a:rPr lang="en-US" sz="1600" dirty="0" err="1" smtClean="0">
+                <a:latin typeface="Lucida Console" panose="020B0609040504020204" pitchFamily="49" charset="0"/>
+              </a:rPr>
+              <a:t>Fract.Numerator</a:t>
+            </a:r>
+            <a:r>
+              <a:rPr lang="en-US" sz="1600" dirty="0" smtClean="0">
+                <a:latin typeface="Lucida Console" panose="020B0609040504020204" pitchFamily="49" charset="0"/>
+              </a:rPr>
+              <a:t>, '/', </a:t>
+            </a:r>
+            <a:r>
+              <a:rPr lang="en-US" sz="1600" dirty="0" err="1" smtClean="0">
+                <a:latin typeface="Lucida Console" panose="020B0609040504020204" pitchFamily="49" charset="0"/>
+              </a:rPr>
+              <a:t>Fract.Denominator</a:t>
+            </a:r>
+            <a:r>
+              <a:rPr lang="en-US" sz="1600" dirty="0" smtClean="0">
+                <a:latin typeface="Lucida Console" panose="020B0609040504020204" pitchFamily="49" charset="0"/>
+              </a:rPr>
+              <a:t>)</a:t>
+            </a:r>
+          </a:p>
+          <a:p>
+            <a:r>
+              <a:rPr lang="en-US" sz="1600" dirty="0" smtClean="0">
+                <a:latin typeface="Lucida Console" panose="020B0609040504020204" pitchFamily="49" charset="0"/>
+              </a:rPr>
+              <a:t>    END</a:t>
+            </a:r>
+          </a:p>
+          <a:p>
+            <a:r>
+              <a:rPr lang="en-US" sz="1600" dirty="0" smtClean="0">
+                <a:latin typeface="Lucida Console" panose="020B0609040504020204" pitchFamily="49" charset="0"/>
+              </a:rPr>
+              <a:t>END;</a:t>
+            </a:r>
+            <a:endParaRPr lang="ru-RU" sz="1600" dirty="0">
+              <a:latin typeface="Lucida Console" panose="020B0609040504020204" pitchFamily="49" charset="0"/>
+            </a:endParaRPr>
+          </a:p>
+        </p:txBody>
+      </p:sp>
+    </p:spTree>
+    <p:extLst>
+      <p:ext uri="{BB962C8B-B14F-4D97-AF65-F5344CB8AC3E}">
+        <p14:creationId xmlns:p14="http://schemas.microsoft.com/office/powerpoint/2010/main" val="4154675877"/>
+      </p:ext>
+    </p:extLst>
+  </p:cSld>
+  <p:clrMapOvr>
+    <a:masterClrMapping/>
+  </p:clrMapOvr>
+  <p:timing>
+    <p:tnLst>
+      <p:par>
+        <p:cTn id="1" dur="indefinite" restart="never" nodeType="tmRoot">
+          <p:childTnLst>
+            <p:seq concurrent="1" nextAc="seek">
+              <p:cTn id="2" dur="indefinite" nodeType="mainSeq">
+                <p:childTnLst>
+                  <p:par>
+                    <p:cTn id="3" fill="hold">
+                      <p:stCondLst>
+                        <p:cond delay="indefinite"/>
+                      </p:stCondLst>
+                      <p:childTnLst>
+                        <p:par>
+                          <p:cTn id="4" fill="hold">
+                            <p:stCondLst>
+                              <p:cond delay="0"/>
+                            </p:stCondLst>
+                            <p:childTnLst>
+                              <p:par>
+                                <p:cTn id="5" presetID="10" presetClass="entr" presetSubtype="0" fill="hold" nodeType="clickEffect">
+                                  <p:stCondLst>
+                                    <p:cond delay="0"/>
+                                  </p:stCondLst>
+                                  <p:childTnLst>
+                                    <p:set>
+                                      <p:cBhvr>
+                                        <p:cTn id="6" dur="1" fill="hold">
+                                          <p:stCondLst>
+                                            <p:cond delay="0"/>
+                                          </p:stCondLst>
+                                        </p:cTn>
+                                        <p:tgtEl>
+                                          <p:spTgt spid="5">
+                                            <p:txEl>
+                                              <p:pRg st="0" end="0"/>
+                                            </p:txEl>
+                                          </p:spTgt>
+                                        </p:tgtEl>
+                                        <p:attrNameLst>
+                                          <p:attrName>style.visibility</p:attrName>
+                                        </p:attrNameLst>
+                                      </p:cBhvr>
+                                      <p:to>
+                                        <p:strVal val="visible"/>
+                                      </p:to>
+                                    </p:set>
+                                    <p:animEffect transition="in" filter="fade">
+                                      <p:cBhvr>
+                                        <p:cTn id="7" dur="500"/>
+                                        <p:tgtEl>
+                                          <p:spTgt spid="5">
+                                            <p:txEl>
+                                              <p:pRg st="0" end="0"/>
+                                            </p:txEl>
+                                          </p:spTgt>
+                                        </p:tgtEl>
+                                      </p:cBhvr>
+                                    </p:animEffect>
+                                  </p:childTnLst>
+                                </p:cTn>
+                              </p:par>
+                              <p:par>
+                                <p:cTn id="8" presetID="10" presetClass="entr" presetSubtype="0" fill="hold" nodeType="withEffect">
+                                  <p:stCondLst>
+                                    <p:cond delay="0"/>
+                                  </p:stCondLst>
+                                  <p:childTnLst>
+                                    <p:set>
+                                      <p:cBhvr>
+                                        <p:cTn id="9" dur="1" fill="hold">
+                                          <p:stCondLst>
+                                            <p:cond delay="0"/>
+                                          </p:stCondLst>
+                                        </p:cTn>
+                                        <p:tgtEl>
+                                          <p:spTgt spid="5">
+                                            <p:txEl>
+                                              <p:pRg st="1" end="1"/>
+                                            </p:txEl>
+                                          </p:spTgt>
+                                        </p:tgtEl>
+                                        <p:attrNameLst>
+                                          <p:attrName>style.visibility</p:attrName>
+                                        </p:attrNameLst>
+                                      </p:cBhvr>
+                                      <p:to>
+                                        <p:strVal val="visible"/>
+                                      </p:to>
+                                    </p:set>
+                                    <p:animEffect transition="in" filter="fade">
+                                      <p:cBhvr>
+                                        <p:cTn id="10" dur="500"/>
+                                        <p:tgtEl>
+                                          <p:spTgt spid="5">
+                                            <p:txEl>
+                                              <p:pRg st="1" end="1"/>
+                                            </p:txEl>
+                                          </p:spTgt>
+                                        </p:tgtEl>
+                                      </p:cBhvr>
+                                    </p:animEffect>
+                                  </p:childTnLst>
+                                </p:cTn>
+                              </p:par>
+                              <p:par>
+                                <p:cTn id="11" presetID="10" presetClass="entr" presetSubtype="0" fill="hold" nodeType="withEffect">
+                                  <p:stCondLst>
+                                    <p:cond delay="0"/>
+                                  </p:stCondLst>
+                                  <p:childTnLst>
+                                    <p:set>
+                                      <p:cBhvr>
+                                        <p:cTn id="12" dur="1" fill="hold">
+                                          <p:stCondLst>
+                                            <p:cond delay="0"/>
+                                          </p:stCondLst>
+                                        </p:cTn>
+                                        <p:tgtEl>
+                                          <p:spTgt spid="5">
+                                            <p:txEl>
+                                              <p:pRg st="2" end="2"/>
+                                            </p:txEl>
+                                          </p:spTgt>
+                                        </p:tgtEl>
+                                        <p:attrNameLst>
+                                          <p:attrName>style.visibility</p:attrName>
+                                        </p:attrNameLst>
+                                      </p:cBhvr>
+                                      <p:to>
+                                        <p:strVal val="visible"/>
+                                      </p:to>
+                                    </p:set>
+                                    <p:animEffect transition="in" filter="fade">
+                                      <p:cBhvr>
+                                        <p:cTn id="13" dur="500"/>
+                                        <p:tgtEl>
+                                          <p:spTgt spid="5">
+                                            <p:txEl>
+                                              <p:pRg st="2" end="2"/>
+                                            </p:txEl>
+                                          </p:spTgt>
+                                        </p:tgtEl>
+                                      </p:cBhvr>
+                                    </p:animEffect>
+                                  </p:childTnLst>
+                                </p:cTn>
+                              </p:par>
+                              <p:par>
+                                <p:cTn id="14" presetID="10" presetClass="entr" presetSubtype="0" fill="hold" nodeType="withEffect">
+                                  <p:stCondLst>
+                                    <p:cond delay="0"/>
+                                  </p:stCondLst>
+                                  <p:childTnLst>
+                                    <p:set>
+                                      <p:cBhvr>
+                                        <p:cTn id="15" dur="1" fill="hold">
+                                          <p:stCondLst>
+                                            <p:cond delay="0"/>
+                                          </p:stCondLst>
+                                        </p:cTn>
+                                        <p:tgtEl>
+                                          <p:spTgt spid="5">
+                                            <p:txEl>
+                                              <p:pRg st="3" end="3"/>
+                                            </p:txEl>
+                                          </p:spTgt>
+                                        </p:tgtEl>
+                                        <p:attrNameLst>
+                                          <p:attrName>style.visibility</p:attrName>
+                                        </p:attrNameLst>
+                                      </p:cBhvr>
+                                      <p:to>
+                                        <p:strVal val="visible"/>
+                                      </p:to>
+                                    </p:set>
+                                    <p:animEffect transition="in" filter="fade">
+                                      <p:cBhvr>
+                                        <p:cTn id="16" dur="500"/>
+                                        <p:tgtEl>
+                                          <p:spTgt spid="5">
+                                            <p:txEl>
+                                              <p:pRg st="3" end="3"/>
+                                            </p:txEl>
+                                          </p:spTgt>
+                                        </p:tgtEl>
+                                      </p:cBhvr>
+                                    </p:animEffect>
+                                  </p:childTnLst>
+                                </p:cTn>
+                              </p:par>
+                              <p:par>
+                                <p:cTn id="17" presetID="10" presetClass="entr" presetSubtype="0" fill="hold" nodeType="withEffect">
+                                  <p:stCondLst>
+                                    <p:cond delay="0"/>
+                                  </p:stCondLst>
+                                  <p:childTnLst>
+                                    <p:set>
+                                      <p:cBhvr>
+                                        <p:cTn id="18" dur="1" fill="hold">
+                                          <p:stCondLst>
+                                            <p:cond delay="0"/>
+                                          </p:stCondLst>
+                                        </p:cTn>
+                                        <p:tgtEl>
+                                          <p:spTgt spid="5">
+                                            <p:txEl>
+                                              <p:pRg st="4" end="4"/>
+                                            </p:txEl>
+                                          </p:spTgt>
+                                        </p:tgtEl>
+                                        <p:attrNameLst>
+                                          <p:attrName>style.visibility</p:attrName>
+                                        </p:attrNameLst>
+                                      </p:cBhvr>
+                                      <p:to>
+                                        <p:strVal val="visible"/>
+                                      </p:to>
+                                    </p:set>
+                                    <p:animEffect transition="in" filter="fade">
+                                      <p:cBhvr>
+                                        <p:cTn id="19" dur="500"/>
+                                        <p:tgtEl>
+                                          <p:spTgt spid="5">
+                                            <p:txEl>
+                                              <p:pRg st="4" end="4"/>
+                                            </p:txEl>
+                                          </p:spTgt>
+                                        </p:tgtEl>
+                                      </p:cBhvr>
+                                    </p:animEffect>
+                                  </p:childTnLst>
+                                </p:cTn>
+                              </p:par>
+                            </p:childTnLst>
+                          </p:cTn>
+                        </p:par>
+                        <p:par>
+                          <p:cTn id="20" fill="hold">
+                            <p:stCondLst>
+                              <p:cond delay="500"/>
+                            </p:stCondLst>
+                            <p:childTnLst>
+                              <p:par>
+                                <p:cTn id="21" presetID="10" presetClass="entr" presetSubtype="0" fill="hold" grpId="0" nodeType="afterEffect">
+                                  <p:stCondLst>
+                                    <p:cond delay="0"/>
+                                  </p:stCondLst>
+                                  <p:childTnLst>
+                                    <p:set>
+                                      <p:cBhvr>
+                                        <p:cTn id="22" dur="1" fill="hold">
+                                          <p:stCondLst>
+                                            <p:cond delay="0"/>
+                                          </p:stCondLst>
+                                        </p:cTn>
+                                        <p:tgtEl>
+                                          <p:spTgt spid="6"/>
+                                        </p:tgtEl>
+                                        <p:attrNameLst>
+                                          <p:attrName>style.visibility</p:attrName>
+                                        </p:attrNameLst>
+                                      </p:cBhvr>
+                                      <p:to>
+                                        <p:strVal val="visible"/>
+                                      </p:to>
+                                    </p:set>
+                                    <p:animEffect transition="in" filter="fade">
+                                      <p:cBhvr>
+                                        <p:cTn id="23" dur="500"/>
+                                        <p:tgtEl>
+                                          <p:spTgt spid="6"/>
+                                        </p:tgtEl>
+                                      </p:cBhvr>
+                                    </p:animEffect>
+                                  </p:childTnLst>
+                                </p:cTn>
+                              </p:par>
+                            </p:childTnLst>
+                          </p:cTn>
+                        </p:par>
+                      </p:childTnLst>
+                    </p:cTn>
+                  </p:par>
+                  <p:par>
+                    <p:cTn id="24" fill="hold">
+                      <p:stCondLst>
+                        <p:cond delay="indefinite"/>
+                      </p:stCondLst>
+                      <p:childTnLst>
+                        <p:par>
+                          <p:cTn id="25" fill="hold">
+                            <p:stCondLst>
+                              <p:cond delay="0"/>
+                            </p:stCondLst>
+                            <p:childTnLst>
+                              <p:par>
+                                <p:cTn id="26" presetID="10" presetClass="entr" presetSubtype="0" fill="hold" nodeType="clickEffect">
+                                  <p:stCondLst>
+                                    <p:cond delay="0"/>
+                                  </p:stCondLst>
+                                  <p:childTnLst>
+                                    <p:set>
+                                      <p:cBhvr>
+                                        <p:cTn id="27" dur="1" fill="hold">
+                                          <p:stCondLst>
+                                            <p:cond delay="0"/>
+                                          </p:stCondLst>
+                                        </p:cTn>
+                                        <p:tgtEl>
+                                          <p:spTgt spid="5">
+                                            <p:txEl>
+                                              <p:pRg st="6" end="6"/>
+                                            </p:txEl>
+                                          </p:spTgt>
+                                        </p:tgtEl>
+                                        <p:attrNameLst>
+                                          <p:attrName>style.visibility</p:attrName>
+                                        </p:attrNameLst>
+                                      </p:cBhvr>
+                                      <p:to>
+                                        <p:strVal val="visible"/>
+                                      </p:to>
+                                    </p:set>
+                                    <p:animEffect transition="in" filter="fade">
+                                      <p:cBhvr>
+                                        <p:cTn id="28" dur="500"/>
+                                        <p:tgtEl>
+                                          <p:spTgt spid="5">
+                                            <p:txEl>
+                                              <p:pRg st="6" end="6"/>
+                                            </p:txEl>
+                                          </p:spTgt>
+                                        </p:tgtEl>
+                                      </p:cBhvr>
+                                    </p:animEffect>
+                                  </p:childTnLst>
+                                </p:cTn>
+                              </p:par>
+                              <p:par>
+                                <p:cTn id="29" presetID="10" presetClass="entr" presetSubtype="0" fill="hold" nodeType="withEffect">
+                                  <p:stCondLst>
+                                    <p:cond delay="0"/>
+                                  </p:stCondLst>
+                                  <p:childTnLst>
+                                    <p:set>
+                                      <p:cBhvr>
+                                        <p:cTn id="30" dur="1" fill="hold">
+                                          <p:stCondLst>
+                                            <p:cond delay="0"/>
+                                          </p:stCondLst>
+                                        </p:cTn>
+                                        <p:tgtEl>
+                                          <p:spTgt spid="5">
+                                            <p:txEl>
+                                              <p:pRg st="7" end="7"/>
+                                            </p:txEl>
+                                          </p:spTgt>
+                                        </p:tgtEl>
+                                        <p:attrNameLst>
+                                          <p:attrName>style.visibility</p:attrName>
+                                        </p:attrNameLst>
+                                      </p:cBhvr>
+                                      <p:to>
+                                        <p:strVal val="visible"/>
+                                      </p:to>
+                                    </p:set>
+                                    <p:animEffect transition="in" filter="fade">
+                                      <p:cBhvr>
+                                        <p:cTn id="31" dur="500"/>
+                                        <p:tgtEl>
+                                          <p:spTgt spid="5">
+                                            <p:txEl>
+                                              <p:pRg st="7" end="7"/>
+                                            </p:txEl>
+                                          </p:spTgt>
+                                        </p:tgtEl>
+                                      </p:cBhvr>
+                                    </p:animEffect>
+                                  </p:childTnLst>
+                                </p:cTn>
+                              </p:par>
+                              <p:par>
+                                <p:cTn id="32" presetID="10" presetClass="entr" presetSubtype="0" fill="hold" nodeType="withEffect">
+                                  <p:stCondLst>
+                                    <p:cond delay="0"/>
+                                  </p:stCondLst>
+                                  <p:childTnLst>
+                                    <p:set>
+                                      <p:cBhvr>
+                                        <p:cTn id="33" dur="1" fill="hold">
+                                          <p:stCondLst>
+                                            <p:cond delay="0"/>
+                                          </p:stCondLst>
+                                        </p:cTn>
+                                        <p:tgtEl>
+                                          <p:spTgt spid="5">
+                                            <p:txEl>
+                                              <p:pRg st="8" end="8"/>
+                                            </p:txEl>
+                                          </p:spTgt>
+                                        </p:tgtEl>
+                                        <p:attrNameLst>
+                                          <p:attrName>style.visibility</p:attrName>
+                                        </p:attrNameLst>
+                                      </p:cBhvr>
+                                      <p:to>
+                                        <p:strVal val="visible"/>
+                                      </p:to>
+                                    </p:set>
+                                    <p:animEffect transition="in" filter="fade">
+                                      <p:cBhvr>
+                                        <p:cTn id="34" dur="500"/>
+                                        <p:tgtEl>
+                                          <p:spTgt spid="5">
+                                            <p:txEl>
+                                              <p:pRg st="8" end="8"/>
+                                            </p:txEl>
+                                          </p:spTgt>
+                                        </p:tgtEl>
+                                      </p:cBhvr>
+                                    </p:animEffect>
+                                  </p:childTnLst>
+                                </p:cTn>
+                              </p:par>
+                              <p:par>
+                                <p:cTn id="35" presetID="10" presetClass="entr" presetSubtype="0" fill="hold" nodeType="withEffect">
+                                  <p:stCondLst>
+                                    <p:cond delay="0"/>
+                                  </p:stCondLst>
+                                  <p:childTnLst>
+                                    <p:set>
+                                      <p:cBhvr>
+                                        <p:cTn id="36" dur="1" fill="hold">
+                                          <p:stCondLst>
+                                            <p:cond delay="0"/>
+                                          </p:stCondLst>
+                                        </p:cTn>
+                                        <p:tgtEl>
+                                          <p:spTgt spid="5">
+                                            <p:txEl>
+                                              <p:pRg st="9" end="9"/>
+                                            </p:txEl>
+                                          </p:spTgt>
+                                        </p:tgtEl>
+                                        <p:attrNameLst>
+                                          <p:attrName>style.visibility</p:attrName>
+                                        </p:attrNameLst>
+                                      </p:cBhvr>
+                                      <p:to>
+                                        <p:strVal val="visible"/>
+                                      </p:to>
+                                    </p:set>
+                                    <p:animEffect transition="in" filter="fade">
+                                      <p:cBhvr>
+                                        <p:cTn id="37" dur="500"/>
+                                        <p:tgtEl>
+                                          <p:spTgt spid="5">
+                                            <p:txEl>
+                                              <p:pRg st="9" end="9"/>
+                                            </p:txEl>
+                                          </p:spTgt>
+                                        </p:tgtEl>
+                                      </p:cBhvr>
+                                    </p:animEffect>
+                                  </p:childTnLst>
+                                </p:cTn>
+                              </p:par>
+                              <p:par>
+                                <p:cTn id="38" presetID="10" presetClass="entr" presetSubtype="0" fill="hold" nodeType="withEffect">
+                                  <p:stCondLst>
+                                    <p:cond delay="0"/>
+                                  </p:stCondLst>
+                                  <p:childTnLst>
+                                    <p:set>
+                                      <p:cBhvr>
+                                        <p:cTn id="39" dur="1" fill="hold">
+                                          <p:stCondLst>
+                                            <p:cond delay="0"/>
+                                          </p:stCondLst>
+                                        </p:cTn>
+                                        <p:tgtEl>
+                                          <p:spTgt spid="5">
+                                            <p:txEl>
+                                              <p:pRg st="10" end="10"/>
+                                            </p:txEl>
+                                          </p:spTgt>
+                                        </p:tgtEl>
+                                        <p:attrNameLst>
+                                          <p:attrName>style.visibility</p:attrName>
+                                        </p:attrNameLst>
+                                      </p:cBhvr>
+                                      <p:to>
+                                        <p:strVal val="visible"/>
+                                      </p:to>
+                                    </p:set>
+                                    <p:animEffect transition="in" filter="fade">
+                                      <p:cBhvr>
+                                        <p:cTn id="40" dur="500"/>
+                                        <p:tgtEl>
+                                          <p:spTgt spid="5">
+                                            <p:txEl>
+                                              <p:pRg st="10" end="10"/>
+                                            </p:txEl>
+                                          </p:spTgt>
+                                        </p:tgtEl>
+                                      </p:cBhvr>
+                                    </p:animEffect>
+                                  </p:childTnLst>
+                                </p:cTn>
+                              </p:par>
+                              <p:par>
+                                <p:cTn id="41" presetID="10" presetClass="entr" presetSubtype="0" fill="hold" nodeType="withEffect">
+                                  <p:stCondLst>
+                                    <p:cond delay="0"/>
+                                  </p:stCondLst>
+                                  <p:childTnLst>
+                                    <p:set>
+                                      <p:cBhvr>
+                                        <p:cTn id="42" dur="1" fill="hold">
+                                          <p:stCondLst>
+                                            <p:cond delay="0"/>
+                                          </p:stCondLst>
+                                        </p:cTn>
+                                        <p:tgtEl>
+                                          <p:spTgt spid="5">
+                                            <p:txEl>
+                                              <p:pRg st="11" end="11"/>
+                                            </p:txEl>
+                                          </p:spTgt>
+                                        </p:tgtEl>
+                                        <p:attrNameLst>
+                                          <p:attrName>style.visibility</p:attrName>
+                                        </p:attrNameLst>
+                                      </p:cBhvr>
+                                      <p:to>
+                                        <p:strVal val="visible"/>
+                                      </p:to>
+                                    </p:set>
+                                    <p:animEffect transition="in" filter="fade">
+                                      <p:cBhvr>
+                                        <p:cTn id="43" dur="500"/>
+                                        <p:tgtEl>
+                                          <p:spTgt spid="5">
+                                            <p:txEl>
+                                              <p:pRg st="11" end="11"/>
+                                            </p:txEl>
+                                          </p:spTgt>
+                                        </p:tgtEl>
+                                      </p:cBhvr>
+                                    </p:animEffect>
+                                  </p:childTnLst>
+                                </p:cTn>
+                              </p:par>
+                              <p:par>
+                                <p:cTn id="44" presetID="10" presetClass="entr" presetSubtype="0" fill="hold" nodeType="withEffect">
+                                  <p:stCondLst>
+                                    <p:cond delay="0"/>
+                                  </p:stCondLst>
+                                  <p:childTnLst>
+                                    <p:set>
+                                      <p:cBhvr>
+                                        <p:cTn id="45" dur="1" fill="hold">
+                                          <p:stCondLst>
+                                            <p:cond delay="0"/>
+                                          </p:stCondLst>
+                                        </p:cTn>
+                                        <p:tgtEl>
+                                          <p:spTgt spid="5">
+                                            <p:txEl>
+                                              <p:pRg st="12" end="12"/>
+                                            </p:txEl>
+                                          </p:spTgt>
+                                        </p:tgtEl>
+                                        <p:attrNameLst>
+                                          <p:attrName>style.visibility</p:attrName>
+                                        </p:attrNameLst>
+                                      </p:cBhvr>
+                                      <p:to>
+                                        <p:strVal val="visible"/>
+                                      </p:to>
+                                    </p:set>
+                                    <p:animEffect transition="in" filter="fade">
+                                      <p:cBhvr>
+                                        <p:cTn id="46" dur="500"/>
+                                        <p:tgtEl>
+                                          <p:spTgt spid="5">
+                                            <p:txEl>
+                                              <p:pRg st="12" end="12"/>
+                                            </p:txEl>
+                                          </p:spTgt>
+                                        </p:tgtEl>
+                                      </p:cBhvr>
+                                    </p:animEffect>
+                                  </p:childTnLst>
+                                </p:cTn>
+                              </p:par>
+                              <p:par>
+                                <p:cTn id="47" presetID="10" presetClass="entr" presetSubtype="0" fill="hold" nodeType="withEffect">
+                                  <p:stCondLst>
+                                    <p:cond delay="0"/>
+                                  </p:stCondLst>
+                                  <p:childTnLst>
+                                    <p:set>
+                                      <p:cBhvr>
+                                        <p:cTn id="48" dur="1" fill="hold">
+                                          <p:stCondLst>
+                                            <p:cond delay="0"/>
+                                          </p:stCondLst>
+                                        </p:cTn>
+                                        <p:tgtEl>
+                                          <p:spTgt spid="5">
+                                            <p:txEl>
+                                              <p:pRg st="13" end="13"/>
+                                            </p:txEl>
+                                          </p:spTgt>
+                                        </p:tgtEl>
+                                        <p:attrNameLst>
+                                          <p:attrName>style.visibility</p:attrName>
+                                        </p:attrNameLst>
+                                      </p:cBhvr>
+                                      <p:to>
+                                        <p:strVal val="visible"/>
+                                      </p:to>
+                                    </p:set>
+                                    <p:animEffect transition="in" filter="fade">
+                                      <p:cBhvr>
+                                        <p:cTn id="49" dur="500"/>
+                                        <p:tgtEl>
+                                          <p:spTgt spid="5">
+                                            <p:txEl>
+                                              <p:pRg st="13" end="13"/>
+                                            </p:txEl>
+                                          </p:spTgt>
+                                        </p:tgtEl>
+                                      </p:cBhvr>
+                                    </p:animEffect>
+                                  </p:childTnLst>
+                                </p:cTn>
+                              </p:par>
+                              <p:par>
+                                <p:cTn id="50" presetID="10" presetClass="entr" presetSubtype="0" fill="hold" nodeType="withEffect">
+                                  <p:stCondLst>
+                                    <p:cond delay="0"/>
+                                  </p:stCondLst>
+                                  <p:childTnLst>
+                                    <p:set>
+                                      <p:cBhvr>
+                                        <p:cTn id="51" dur="1" fill="hold">
+                                          <p:stCondLst>
+                                            <p:cond delay="0"/>
+                                          </p:stCondLst>
+                                        </p:cTn>
+                                        <p:tgtEl>
+                                          <p:spTgt spid="5">
+                                            <p:txEl>
+                                              <p:pRg st="14" end="14"/>
+                                            </p:txEl>
+                                          </p:spTgt>
+                                        </p:tgtEl>
+                                        <p:attrNameLst>
+                                          <p:attrName>style.visibility</p:attrName>
+                                        </p:attrNameLst>
+                                      </p:cBhvr>
+                                      <p:to>
+                                        <p:strVal val="visible"/>
+                                      </p:to>
+                                    </p:set>
+                                    <p:animEffect transition="in" filter="fade">
+                                      <p:cBhvr>
+                                        <p:cTn id="52" dur="500"/>
+                                        <p:tgtEl>
+                                          <p:spTgt spid="5">
+                                            <p:txEl>
+                                              <p:pRg st="14" end="14"/>
+                                            </p:txEl>
+                                          </p:spTgt>
+                                        </p:tgtEl>
+                                      </p:cBhvr>
+                                    </p:animEffect>
+                                  </p:childTnLst>
+                                </p:cTn>
+                              </p:par>
+                              <p:par>
+                                <p:cTn id="53" presetID="10" presetClass="entr" presetSubtype="0" fill="hold" nodeType="withEffect">
+                                  <p:stCondLst>
+                                    <p:cond delay="0"/>
+                                  </p:stCondLst>
+                                  <p:childTnLst>
+                                    <p:set>
+                                      <p:cBhvr>
+                                        <p:cTn id="54" dur="1" fill="hold">
+                                          <p:stCondLst>
+                                            <p:cond delay="0"/>
+                                          </p:stCondLst>
+                                        </p:cTn>
+                                        <p:tgtEl>
+                                          <p:spTgt spid="5">
+                                            <p:txEl>
+                                              <p:pRg st="15" end="15"/>
+                                            </p:txEl>
+                                          </p:spTgt>
+                                        </p:tgtEl>
+                                        <p:attrNameLst>
+                                          <p:attrName>style.visibility</p:attrName>
+                                        </p:attrNameLst>
+                                      </p:cBhvr>
+                                      <p:to>
+                                        <p:strVal val="visible"/>
+                                      </p:to>
+                                    </p:set>
+                                    <p:animEffect transition="in" filter="fade">
+                                      <p:cBhvr>
+                                        <p:cTn id="55" dur="500"/>
+                                        <p:tgtEl>
+                                          <p:spTgt spid="5">
+                                            <p:txEl>
+                                              <p:pRg st="15" end="15"/>
+                                            </p:txEl>
+                                          </p:spTgt>
+                                        </p:tgtEl>
+                                      </p:cBhvr>
+                                    </p:animEffect>
+                                  </p:childTnLst>
+                                </p:cTn>
+                              </p:par>
+                              <p:par>
+                                <p:cTn id="56" presetID="10" presetClass="entr" presetSubtype="0" fill="hold" nodeType="withEffect">
+                                  <p:stCondLst>
+                                    <p:cond delay="0"/>
+                                  </p:stCondLst>
+                                  <p:childTnLst>
+                                    <p:set>
+                                      <p:cBhvr>
+                                        <p:cTn id="57" dur="1" fill="hold">
+                                          <p:stCondLst>
+                                            <p:cond delay="0"/>
+                                          </p:stCondLst>
+                                        </p:cTn>
+                                        <p:tgtEl>
+                                          <p:spTgt spid="5">
+                                            <p:txEl>
+                                              <p:pRg st="16" end="16"/>
+                                            </p:txEl>
+                                          </p:spTgt>
+                                        </p:tgtEl>
+                                        <p:attrNameLst>
+                                          <p:attrName>style.visibility</p:attrName>
+                                        </p:attrNameLst>
+                                      </p:cBhvr>
+                                      <p:to>
+                                        <p:strVal val="visible"/>
+                                      </p:to>
+                                    </p:set>
+                                    <p:animEffect transition="in" filter="fade">
+                                      <p:cBhvr>
+                                        <p:cTn id="58" dur="500"/>
+                                        <p:tgtEl>
+                                          <p:spTgt spid="5">
+                                            <p:txEl>
+                                              <p:pRg st="16" end="16"/>
+                                            </p:txEl>
+                                          </p:spTgt>
+                                        </p:tgtEl>
+                                      </p:cBhvr>
+                                    </p:animEffect>
+                                  </p:childTnLst>
+                                </p:cTn>
+                              </p:par>
+                              <p:par>
+                                <p:cTn id="59" presetID="10" presetClass="entr" presetSubtype="0" fill="hold" nodeType="withEffect">
+                                  <p:stCondLst>
+                                    <p:cond delay="0"/>
+                                  </p:stCondLst>
+                                  <p:childTnLst>
+                                    <p:set>
+                                      <p:cBhvr>
+                                        <p:cTn id="60" dur="1" fill="hold">
+                                          <p:stCondLst>
+                                            <p:cond delay="0"/>
+                                          </p:stCondLst>
+                                        </p:cTn>
+                                        <p:tgtEl>
+                                          <p:spTgt spid="5">
+                                            <p:txEl>
+                                              <p:pRg st="17" end="17"/>
+                                            </p:txEl>
+                                          </p:spTgt>
+                                        </p:tgtEl>
+                                        <p:attrNameLst>
+                                          <p:attrName>style.visibility</p:attrName>
+                                        </p:attrNameLst>
+                                      </p:cBhvr>
+                                      <p:to>
+                                        <p:strVal val="visible"/>
+                                      </p:to>
+                                    </p:set>
+                                    <p:animEffect transition="in" filter="fade">
+                                      <p:cBhvr>
+                                        <p:cTn id="61" dur="500"/>
+                                        <p:tgtEl>
+                                          <p:spTgt spid="5">
+                                            <p:txEl>
+                                              <p:pRg st="17" end="17"/>
+                                            </p:txEl>
+                                          </p:spTgt>
+                                        </p:tgtEl>
+                                      </p:cBhvr>
+                                    </p:animEffect>
+                                  </p:childTnLst>
+                                </p:cTn>
+                              </p:par>
+                              <p:par>
+                                <p:cTn id="62" presetID="10" presetClass="entr" presetSubtype="0" fill="hold" nodeType="withEffect">
+                                  <p:stCondLst>
+                                    <p:cond delay="0"/>
+                                  </p:stCondLst>
+                                  <p:childTnLst>
+                                    <p:set>
+                                      <p:cBhvr>
+                                        <p:cTn id="63" dur="1" fill="hold">
+                                          <p:stCondLst>
+                                            <p:cond delay="0"/>
+                                          </p:stCondLst>
+                                        </p:cTn>
+                                        <p:tgtEl>
+                                          <p:spTgt spid="5">
+                                            <p:txEl>
+                                              <p:pRg st="18" end="18"/>
+                                            </p:txEl>
+                                          </p:spTgt>
+                                        </p:tgtEl>
+                                        <p:attrNameLst>
+                                          <p:attrName>style.visibility</p:attrName>
+                                        </p:attrNameLst>
+                                      </p:cBhvr>
+                                      <p:to>
+                                        <p:strVal val="visible"/>
+                                      </p:to>
+                                    </p:set>
+                                    <p:animEffect transition="in" filter="fade">
+                                      <p:cBhvr>
+                                        <p:cTn id="64" dur="500"/>
+                                        <p:tgtEl>
+                                          <p:spTgt spid="5">
+                                            <p:txEl>
+                                              <p:pRg st="18" end="18"/>
+                                            </p:txEl>
+                                          </p:spTgt>
+                                        </p:tgtEl>
+                                      </p:cBhvr>
+                                    </p:animEffect>
+                                  </p:childTnLst>
+                                </p:cTn>
+                              </p:par>
+                              <p:par>
+                                <p:cTn id="65" presetID="10" presetClass="entr" presetSubtype="0" fill="hold" nodeType="withEffect">
+                                  <p:stCondLst>
+                                    <p:cond delay="0"/>
+                                  </p:stCondLst>
+                                  <p:childTnLst>
+                                    <p:set>
+                                      <p:cBhvr>
+                                        <p:cTn id="66" dur="1" fill="hold">
+                                          <p:stCondLst>
+                                            <p:cond delay="0"/>
+                                          </p:stCondLst>
+                                        </p:cTn>
+                                        <p:tgtEl>
+                                          <p:spTgt spid="5">
+                                            <p:txEl>
+                                              <p:pRg st="19" end="19"/>
+                                            </p:txEl>
+                                          </p:spTgt>
+                                        </p:tgtEl>
+                                        <p:attrNameLst>
+                                          <p:attrName>style.visibility</p:attrName>
+                                        </p:attrNameLst>
+                                      </p:cBhvr>
+                                      <p:to>
+                                        <p:strVal val="visible"/>
+                                      </p:to>
+                                    </p:set>
+                                    <p:animEffect transition="in" filter="fade">
+                                      <p:cBhvr>
+                                        <p:cTn id="67" dur="500"/>
+                                        <p:tgtEl>
+                                          <p:spTgt spid="5">
+                                            <p:txEl>
+                                              <p:pRg st="19" end="19"/>
+                                            </p:txEl>
+                                          </p:spTgt>
+                                        </p:tgtEl>
+                                      </p:cBhvr>
+                                    </p:animEffect>
+                                  </p:childTnLst>
+                                </p:cTn>
+                              </p:par>
+                              <p:par>
+                                <p:cTn id="68" presetID="10" presetClass="exit" presetSubtype="0" fill="hold" grpId="1" nodeType="withEffect">
+                                  <p:stCondLst>
+                                    <p:cond delay="0"/>
+                                  </p:stCondLst>
+                                  <p:childTnLst>
+                                    <p:animEffect transition="out" filter="fade">
+                                      <p:cBhvr>
+                                        <p:cTn id="69" dur="500"/>
+                                        <p:tgtEl>
+                                          <p:spTgt spid="6"/>
+                                        </p:tgtEl>
+                                      </p:cBhvr>
+                                    </p:animEffect>
+                                    <p:set>
+                                      <p:cBhvr>
+                                        <p:cTn id="70" dur="1" fill="hold">
+                                          <p:stCondLst>
+                                            <p:cond delay="499"/>
+                                          </p:stCondLst>
+                                        </p:cTn>
+                                        <p:tgtEl>
+                                          <p:spTgt spid="6"/>
+                                        </p:tgtEl>
+                                        <p:attrNameLst>
+                                          <p:attrName>style.visibility</p:attrName>
+                                        </p:attrNameLst>
+                                      </p:cBhvr>
+                                      <p:to>
+                                        <p:strVal val="hidden"/>
+                                      </p:to>
+                                    </p:set>
+                                  </p:childTnLst>
+                                </p:cTn>
+                              </p:par>
+                            </p:childTnLst>
+                          </p:cTn>
+                        </p:par>
+                      </p:childTnLst>
+                    </p:cTn>
+                  </p:par>
+                </p:childTnLst>
+              </p:cTn>
+              <p:prevCondLst>
+                <p:cond evt="onPrev" delay="0">
+                  <p:tgtEl>
+                    <p:sldTgt/>
+                  </p:tgtEl>
+                </p:cond>
+              </p:prevCondLst>
+              <p:nextCondLst>
+                <p:cond evt="onNext" delay="0">
+                  <p:tgtEl>
+                    <p:sldTgt/>
+                  </p:tgtEl>
+                </p:cond>
+              </p:nextCondLst>
+            </p:seq>
+          </p:childTnLst>
+        </p:cTn>
+      </p:par>
+    </p:tnLst>
+    <p:bldLst>
+      <p:bldP spid="6" grpId="0" animBg="1"/>
+      <p:bldP spid="6" grpId="1" animBg="1"/>
+    </p:bldLst>
+  </p:timing>
+</p:sld>
+</file>
+
+<file path=ppt/slides/slide27.xml><?xml version="1.0" encoding="utf-8"?>
+<p:sld xmlns:a="http://schemas.openxmlformats.org/drawingml/2006/main" xmlns:r="http://schemas.openxmlformats.org/officeDocument/2006/relationships" xmlns:p="http://schemas.openxmlformats.org/presentationml/2006/main">
+  <p:cSld>
+    <p:spTree>
+      <p:nvGrpSpPr>
+        <p:cNvPr id="1" name=""/>
+        <p:cNvGrpSpPr/>
+        <p:nvPr/>
+      </p:nvGrpSpPr>
+      <p:grpSpPr>
+        <a:xfrm>
+          <a:off x="0" y="0"/>
+          <a:ext cx="0" cy="0"/>
+          <a:chOff x="0" y="0"/>
+          <a:chExt cx="0" cy="0"/>
+        </a:xfrm>
+      </p:grpSpPr>
+      <p:sp>
+        <p:nvSpPr>
+          <p:cNvPr id="8" name="Прямоугольник 4"/>
+          <p:cNvSpPr/>
+          <p:nvPr/>
+        </p:nvSpPr>
+        <p:spPr>
+          <a:xfrm>
+            <a:off x="0" y="5353050"/>
+            <a:ext cx="7391400" cy="693348"/>
+          </a:xfrm>
+          <a:prstGeom prst="rect">
+            <a:avLst/>
+          </a:prstGeom>
+          <a:solidFill>
+            <a:schemeClr val="accent1">
+              <a:lumMod val="20000"/>
+              <a:lumOff val="80000"/>
+            </a:schemeClr>
+          </a:solidFill>
+        </p:spPr>
+        <p:style>
+          <a:lnRef idx="2">
+            <a:schemeClr val="accent1">
+              <a:shade val="50000"/>
+            </a:schemeClr>
+          </a:lnRef>
+          <a:fillRef idx="1">
+            <a:schemeClr val="accent1"/>
+          </a:fillRef>
+          <a:effectRef idx="0">
+            <a:schemeClr val="accent1"/>
+          </a:effectRef>
+          <a:fontRef idx="minor">
+            <a:schemeClr val="lt1"/>
+          </a:fontRef>
+        </p:style>
+        <p:txBody>
+          <a:bodyPr rtlCol="0" anchor="ctr"/>
+          <a:lstStyle/>
+          <a:p>
+            <a:pPr algn="ctr"/>
+            <a:endParaRPr lang="ru-RU"/>
+          </a:p>
+        </p:txBody>
+      </p:sp>
+      <p:sp>
+        <p:nvSpPr>
+          <p:cNvPr id="6" name="Прямоугольник 4"/>
+          <p:cNvSpPr/>
+          <p:nvPr/>
+        </p:nvSpPr>
+        <p:spPr>
+          <a:xfrm>
+            <a:off x="0" y="6046398"/>
+            <a:ext cx="2695575" cy="487752"/>
+          </a:xfrm>
+          <a:prstGeom prst="rect">
+            <a:avLst/>
+          </a:prstGeom>
+          <a:solidFill>
+            <a:schemeClr val="accent1">
+              <a:lumMod val="20000"/>
+              <a:lumOff val="80000"/>
+            </a:schemeClr>
+          </a:solidFill>
+        </p:spPr>
+        <p:style>
+          <a:lnRef idx="2">
+            <a:schemeClr val="accent1">
+              <a:shade val="50000"/>
+            </a:schemeClr>
+          </a:lnRef>
+          <a:fillRef idx="1">
+            <a:schemeClr val="accent1"/>
+          </a:fillRef>
+          <a:effectRef idx="0">
+            <a:schemeClr val="accent1"/>
+          </a:effectRef>
+          <a:fontRef idx="minor">
+            <a:schemeClr val="lt1"/>
+          </a:fontRef>
+        </p:style>
+        <p:txBody>
+          <a:bodyPr rtlCol="0" anchor="ctr"/>
+          <a:lstStyle/>
+          <a:p>
+            <a:pPr algn="ctr"/>
+            <a:endParaRPr lang="ru-RU"/>
+          </a:p>
+        </p:txBody>
+      </p:sp>
+      <p:sp>
+        <p:nvSpPr>
+          <p:cNvPr id="5" name="Прямоугольник 4"/>
+          <p:cNvSpPr/>
+          <p:nvPr/>
+        </p:nvSpPr>
+        <p:spPr>
+          <a:xfrm>
+            <a:off x="0" y="1245797"/>
+            <a:ext cx="9144000" cy="3297627"/>
+          </a:xfrm>
+          <a:prstGeom prst="rect">
+            <a:avLst/>
+          </a:prstGeom>
+          <a:solidFill>
+            <a:schemeClr val="accent1">
+              <a:lumMod val="20000"/>
+              <a:lumOff val="80000"/>
+            </a:schemeClr>
+          </a:solidFill>
+        </p:spPr>
+        <p:style>
+          <a:lnRef idx="2">
+            <a:schemeClr val="accent1">
+              <a:shade val="50000"/>
+            </a:schemeClr>
+          </a:lnRef>
+          <a:fillRef idx="1">
+            <a:schemeClr val="accent1"/>
+          </a:fillRef>
+          <a:effectRef idx="0">
+            <a:schemeClr val="accent1"/>
+          </a:effectRef>
+          <a:fontRef idx="minor">
+            <a:schemeClr val="lt1"/>
+          </a:fontRef>
+        </p:style>
+        <p:txBody>
+          <a:bodyPr rtlCol="0" anchor="ctr"/>
+          <a:lstStyle/>
+          <a:p>
+            <a:pPr algn="ctr"/>
+            <a:endParaRPr lang="ru-RU"/>
+          </a:p>
+        </p:txBody>
+      </p:sp>
+      <p:sp>
+        <p:nvSpPr>
+          <p:cNvPr id="3" name="Rectangle 2"/>
+          <p:cNvSpPr/>
+          <p:nvPr/>
+        </p:nvSpPr>
+        <p:spPr>
+          <a:xfrm>
+            <a:off x="0" y="71527"/>
+            <a:ext cx="9234487" cy="6786473"/>
+          </a:xfrm>
+          <a:prstGeom prst="rect">
+            <a:avLst/>
+          </a:prstGeom>
+        </p:spPr>
+        <p:txBody>
+          <a:bodyPr wrap="square">
+            <a:spAutoFit/>
+          </a:bodyPr>
+          <a:lstStyle/>
+          <a:p>
+            <a:r>
+              <a:rPr lang="en-US" sz="1500" dirty="0">
+                <a:latin typeface="Lucida Console" panose="020B0609040504020204" pitchFamily="49" charset="0"/>
+              </a:rPr>
+              <a:t>PROGRAM Fraction(INPUT, OUTPUT);</a:t>
+            </a:r>
+            <a:endParaRPr lang="ru-RU" sz="1500" dirty="0" smtClean="0">
+              <a:latin typeface="Lucida Console" panose="020B0609040504020204" pitchFamily="49" charset="0"/>
+            </a:endParaRPr>
+          </a:p>
+          <a:p>
+            <a:r>
+              <a:rPr lang="en-US" sz="1500" dirty="0">
+                <a:latin typeface="Lucida Console" panose="020B0609040504020204" pitchFamily="49" charset="0"/>
+              </a:rPr>
+              <a:t>…</a:t>
+            </a:r>
+          </a:p>
+          <a:p>
+            <a:r>
+              <a:rPr lang="en-US" sz="1500" dirty="0" smtClean="0">
+                <a:latin typeface="Lucida Console" panose="020B0609040504020204" pitchFamily="49" charset="0"/>
+              </a:rPr>
+              <a:t>FUNCTION </a:t>
+            </a:r>
+            <a:r>
+              <a:rPr lang="en-US" sz="1500" dirty="0" err="1">
+                <a:latin typeface="Lucida Console" panose="020B0609040504020204" pitchFamily="49" charset="0"/>
+              </a:rPr>
+              <a:t>ReadFraction</a:t>
+            </a:r>
+            <a:r>
+              <a:rPr lang="en-US" sz="1500" dirty="0">
+                <a:latin typeface="Lucida Console" panose="020B0609040504020204" pitchFamily="49" charset="0"/>
+              </a:rPr>
+              <a:t>(VAR Numerator, Denominator: INTEGER): BOOLEAN</a:t>
+            </a:r>
+            <a:r>
+              <a:rPr lang="en-US" sz="1500" dirty="0" smtClean="0">
+                <a:latin typeface="Lucida Console" panose="020B0609040504020204" pitchFamily="49" charset="0"/>
+              </a:rPr>
+              <a:t>;</a:t>
+            </a:r>
+          </a:p>
+          <a:p>
+            <a:r>
+              <a:rPr lang="en-US" sz="1500" dirty="0">
+                <a:latin typeface="Lucida Console" panose="020B0609040504020204" pitchFamily="49" charset="0"/>
+              </a:rPr>
+              <a:t>PROCEDURE </a:t>
+            </a:r>
+            <a:r>
+              <a:rPr lang="en-US" sz="1500" dirty="0" err="1">
+                <a:latin typeface="Lucida Console" panose="020B0609040504020204" pitchFamily="49" charset="0"/>
+              </a:rPr>
+              <a:t>PrintFraction</a:t>
+            </a:r>
+            <a:r>
+              <a:rPr lang="en-US" sz="1500" dirty="0">
+                <a:latin typeface="Lucida Console" panose="020B0609040504020204" pitchFamily="49" charset="0"/>
+              </a:rPr>
+              <a:t>(</a:t>
+            </a:r>
+            <a:r>
+              <a:rPr lang="en-US" sz="1500" dirty="0" err="1">
+                <a:latin typeface="Lucida Console" panose="020B0609040504020204" pitchFamily="49" charset="0"/>
+              </a:rPr>
+              <a:t>Fract</a:t>
+            </a:r>
+            <a:r>
+              <a:rPr lang="en-US" sz="1500" dirty="0">
+                <a:latin typeface="Lucida Console" panose="020B0609040504020204" pitchFamily="49" charset="0"/>
+              </a:rPr>
+              <a:t>: </a:t>
+            </a:r>
+            <a:r>
+              <a:rPr lang="en-US" sz="1500" dirty="0" err="1">
+                <a:latin typeface="Lucida Console" panose="020B0609040504020204" pitchFamily="49" charset="0"/>
+              </a:rPr>
+              <a:t>CompoundFraction</a:t>
+            </a:r>
+            <a:r>
+              <a:rPr lang="en-US" sz="1500" dirty="0">
+                <a:latin typeface="Lucida Console" panose="020B0609040504020204" pitchFamily="49" charset="0"/>
+              </a:rPr>
+              <a:t>);</a:t>
+            </a:r>
+            <a:endParaRPr lang="ru-RU" sz="1500" dirty="0" smtClean="0">
+              <a:latin typeface="Lucida Console" panose="020B0609040504020204" pitchFamily="49" charset="0"/>
+            </a:endParaRPr>
+          </a:p>
+          <a:p>
+            <a:endParaRPr lang="ru-RU" sz="1500" dirty="0" smtClean="0">
+              <a:latin typeface="Lucida Console" panose="020B0609040504020204" pitchFamily="49" charset="0"/>
+            </a:endParaRPr>
+          </a:p>
+          <a:p>
+            <a:r>
+              <a:rPr lang="ru-RU" sz="1500" i="1" dirty="0" smtClean="0">
+                <a:latin typeface="Lucida Console" panose="020B0609040504020204" pitchFamily="49" charset="0"/>
+              </a:rPr>
+              <a:t>{</a:t>
+            </a:r>
+            <a:r>
+              <a:rPr lang="ru-RU" sz="1500" i="1" dirty="0">
+                <a:latin typeface="Lucida Console" panose="020B0609040504020204" pitchFamily="49" charset="0"/>
+              </a:rPr>
+              <a:t>Преобразует простую дробь в смешанную}</a:t>
+            </a:r>
+          </a:p>
+          <a:p>
+            <a:r>
+              <a:rPr lang="ru-RU" sz="1500" dirty="0">
+                <a:latin typeface="Lucida Console" panose="020B0609040504020204" pitchFamily="49" charset="0"/>
+              </a:rPr>
+              <a:t>FUNCTION </a:t>
+            </a:r>
+            <a:r>
+              <a:rPr lang="ru-RU" sz="1500" dirty="0" err="1">
+                <a:latin typeface="Lucida Console" panose="020B0609040504020204" pitchFamily="49" charset="0"/>
+              </a:rPr>
+              <a:t>ToCompoundFraction</a:t>
+            </a:r>
+            <a:r>
+              <a:rPr lang="ru-RU" sz="1500" dirty="0">
+                <a:latin typeface="Lucida Console" panose="020B0609040504020204" pitchFamily="49" charset="0"/>
+              </a:rPr>
+              <a:t>(</a:t>
+            </a:r>
+            <a:r>
+              <a:rPr lang="ru-RU" sz="1500" dirty="0" err="1">
+                <a:latin typeface="Lucida Console" panose="020B0609040504020204" pitchFamily="49" charset="0"/>
+              </a:rPr>
+              <a:t>Numerator</a:t>
+            </a:r>
+            <a:r>
+              <a:rPr lang="ru-RU" sz="1500" dirty="0">
+                <a:latin typeface="Lucida Console" panose="020B0609040504020204" pitchFamily="49" charset="0"/>
+              </a:rPr>
+              <a:t>, </a:t>
+            </a:r>
+            <a:r>
+              <a:rPr lang="ru-RU" sz="1500" dirty="0" err="1">
+                <a:latin typeface="Lucida Console" panose="020B0609040504020204" pitchFamily="49" charset="0"/>
+              </a:rPr>
+              <a:t>Denominator</a:t>
+            </a:r>
+            <a:r>
+              <a:rPr lang="ru-RU" sz="1500" dirty="0">
+                <a:latin typeface="Lucida Console" panose="020B0609040504020204" pitchFamily="49" charset="0"/>
+              </a:rPr>
+              <a:t>: INTEGER): </a:t>
+            </a:r>
+            <a:r>
+              <a:rPr lang="ru-RU" sz="1500" dirty="0" err="1">
+                <a:latin typeface="Lucida Console" panose="020B0609040504020204" pitchFamily="49" charset="0"/>
+              </a:rPr>
+              <a:t>CompoundFraction</a:t>
+            </a:r>
+            <a:r>
+              <a:rPr lang="ru-RU" sz="1500" dirty="0">
+                <a:latin typeface="Lucida Console" panose="020B0609040504020204" pitchFamily="49" charset="0"/>
+              </a:rPr>
+              <a:t>;</a:t>
+            </a:r>
+          </a:p>
+          <a:p>
+            <a:r>
+              <a:rPr lang="ru-RU" sz="1500" dirty="0">
+                <a:latin typeface="Lucida Console" panose="020B0609040504020204" pitchFamily="49" charset="0"/>
+              </a:rPr>
+              <a:t>VAR</a:t>
+            </a:r>
+          </a:p>
+          <a:p>
+            <a:r>
+              <a:rPr lang="ru-RU" sz="1500" dirty="0">
+                <a:latin typeface="Lucida Console" panose="020B0609040504020204" pitchFamily="49" charset="0"/>
+              </a:rPr>
+              <a:t>  GCD: INTEGER;</a:t>
+            </a:r>
+          </a:p>
+          <a:p>
+            <a:r>
+              <a:rPr lang="ru-RU" sz="1500" dirty="0">
+                <a:latin typeface="Lucida Console" panose="020B0609040504020204" pitchFamily="49" charset="0"/>
+              </a:rPr>
+              <a:t>  </a:t>
+            </a:r>
+            <a:r>
+              <a:rPr lang="ru-RU" sz="1500" dirty="0" err="1">
+                <a:latin typeface="Lucida Console" panose="020B0609040504020204" pitchFamily="49" charset="0"/>
+              </a:rPr>
+              <a:t>Fract</a:t>
+            </a:r>
+            <a:r>
+              <a:rPr lang="ru-RU" sz="1500" dirty="0">
+                <a:latin typeface="Lucida Console" panose="020B0609040504020204" pitchFamily="49" charset="0"/>
+              </a:rPr>
+              <a:t>: </a:t>
+            </a:r>
+            <a:r>
+              <a:rPr lang="ru-RU" sz="1500" dirty="0" err="1">
+                <a:latin typeface="Lucida Console" panose="020B0609040504020204" pitchFamily="49" charset="0"/>
+              </a:rPr>
+              <a:t>CompoundFraction</a:t>
+            </a:r>
+            <a:r>
+              <a:rPr lang="ru-RU" sz="1500" dirty="0">
+                <a:latin typeface="Lucida Console" panose="020B0609040504020204" pitchFamily="49" charset="0"/>
+              </a:rPr>
+              <a:t>;</a:t>
+            </a:r>
+          </a:p>
+          <a:p>
+            <a:r>
+              <a:rPr lang="ru-RU" sz="1500" dirty="0">
+                <a:latin typeface="Lucida Console" panose="020B0609040504020204" pitchFamily="49" charset="0"/>
+              </a:rPr>
+              <a:t>BEGIN</a:t>
+            </a:r>
+          </a:p>
+          <a:p>
+            <a:r>
+              <a:rPr lang="ru-RU" sz="1500" dirty="0">
+                <a:latin typeface="Lucida Console" panose="020B0609040504020204" pitchFamily="49" charset="0"/>
+              </a:rPr>
+              <a:t>  GCD := </a:t>
+            </a:r>
+            <a:r>
+              <a:rPr lang="ru-RU" sz="1500" dirty="0" err="1">
+                <a:latin typeface="Lucida Console" panose="020B0609040504020204" pitchFamily="49" charset="0"/>
+              </a:rPr>
+              <a:t>GreatestCommonDenominator</a:t>
+            </a:r>
+            <a:r>
+              <a:rPr lang="ru-RU" sz="1500" dirty="0">
+                <a:latin typeface="Lucida Console" panose="020B0609040504020204" pitchFamily="49" charset="0"/>
+              </a:rPr>
+              <a:t>(</a:t>
+            </a:r>
+            <a:r>
+              <a:rPr lang="ru-RU" sz="1500" dirty="0" err="1">
+                <a:latin typeface="Lucida Console" panose="020B0609040504020204" pitchFamily="49" charset="0"/>
+              </a:rPr>
+              <a:t>Numerator</a:t>
+            </a:r>
+            <a:r>
+              <a:rPr lang="ru-RU" sz="1500" dirty="0">
+                <a:latin typeface="Lucida Console" panose="020B0609040504020204" pitchFamily="49" charset="0"/>
+              </a:rPr>
+              <a:t>, </a:t>
+            </a:r>
+            <a:r>
+              <a:rPr lang="ru-RU" sz="1500" dirty="0" err="1">
+                <a:latin typeface="Lucida Console" panose="020B0609040504020204" pitchFamily="49" charset="0"/>
+              </a:rPr>
+              <a:t>Denominator</a:t>
+            </a:r>
+            <a:r>
+              <a:rPr lang="ru-RU" sz="1500" dirty="0">
+                <a:latin typeface="Lucida Console" panose="020B0609040504020204" pitchFamily="49" charset="0"/>
+              </a:rPr>
+              <a:t>);</a:t>
+            </a:r>
+          </a:p>
+          <a:p>
+            <a:endParaRPr lang="ru-RU" sz="1500" dirty="0">
+              <a:latin typeface="Lucida Console" panose="020B0609040504020204" pitchFamily="49" charset="0"/>
+            </a:endParaRPr>
+          </a:p>
+          <a:p>
+            <a:r>
+              <a:rPr lang="ru-RU" sz="1500" dirty="0">
+                <a:latin typeface="Lucida Console" panose="020B0609040504020204" pitchFamily="49" charset="0"/>
+              </a:rPr>
+              <a:t>  </a:t>
+            </a:r>
+            <a:r>
+              <a:rPr lang="ru-RU" sz="1500" dirty="0" err="1">
+                <a:latin typeface="Lucida Console" panose="020B0609040504020204" pitchFamily="49" charset="0"/>
+              </a:rPr>
+              <a:t>Fract.IntegerPart</a:t>
+            </a:r>
+            <a:r>
+              <a:rPr lang="ru-RU" sz="1500" dirty="0">
+                <a:latin typeface="Lucida Console" panose="020B0609040504020204" pitchFamily="49" charset="0"/>
+              </a:rPr>
+              <a:t> := </a:t>
+            </a:r>
+            <a:r>
+              <a:rPr lang="ru-RU" sz="1500" dirty="0" err="1">
+                <a:latin typeface="Lucida Console" panose="020B0609040504020204" pitchFamily="49" charset="0"/>
+              </a:rPr>
+              <a:t>Numerator</a:t>
+            </a:r>
+            <a:r>
+              <a:rPr lang="ru-RU" sz="1500" dirty="0">
+                <a:latin typeface="Lucida Console" panose="020B0609040504020204" pitchFamily="49" charset="0"/>
+              </a:rPr>
+              <a:t> DIV </a:t>
+            </a:r>
+            <a:r>
+              <a:rPr lang="ru-RU" sz="1500" dirty="0" err="1">
+                <a:latin typeface="Lucida Console" panose="020B0609040504020204" pitchFamily="49" charset="0"/>
+              </a:rPr>
+              <a:t>Denominator</a:t>
+            </a:r>
+            <a:r>
+              <a:rPr lang="ru-RU" sz="1500" dirty="0">
+                <a:latin typeface="Lucida Console" panose="020B0609040504020204" pitchFamily="49" charset="0"/>
+              </a:rPr>
+              <a:t>;</a:t>
+            </a:r>
+          </a:p>
+          <a:p>
+            <a:r>
+              <a:rPr lang="ru-RU" sz="1500" dirty="0">
+                <a:latin typeface="Lucida Console" panose="020B0609040504020204" pitchFamily="49" charset="0"/>
+              </a:rPr>
+              <a:t>  </a:t>
+            </a:r>
+            <a:r>
+              <a:rPr lang="ru-RU" sz="1500" dirty="0" err="1">
+                <a:latin typeface="Lucida Console" panose="020B0609040504020204" pitchFamily="49" charset="0"/>
+              </a:rPr>
+              <a:t>Fract.Numerator</a:t>
+            </a:r>
+            <a:r>
+              <a:rPr lang="ru-RU" sz="1500" dirty="0">
+                <a:latin typeface="Lucida Console" panose="020B0609040504020204" pitchFamily="49" charset="0"/>
+              </a:rPr>
+              <a:t> := (</a:t>
+            </a:r>
+            <a:r>
+              <a:rPr lang="ru-RU" sz="1500" dirty="0" err="1">
+                <a:latin typeface="Lucida Console" panose="020B0609040504020204" pitchFamily="49" charset="0"/>
+              </a:rPr>
+              <a:t>Numerator</a:t>
+            </a:r>
+            <a:r>
+              <a:rPr lang="ru-RU" sz="1500" dirty="0">
+                <a:latin typeface="Lucida Console" panose="020B0609040504020204" pitchFamily="49" charset="0"/>
+              </a:rPr>
+              <a:t> MOD </a:t>
+            </a:r>
+            <a:r>
+              <a:rPr lang="ru-RU" sz="1500" dirty="0" err="1">
+                <a:latin typeface="Lucida Console" panose="020B0609040504020204" pitchFamily="49" charset="0"/>
+              </a:rPr>
+              <a:t>Denominator</a:t>
+            </a:r>
+            <a:r>
+              <a:rPr lang="ru-RU" sz="1500" dirty="0">
+                <a:latin typeface="Lucida Console" panose="020B0609040504020204" pitchFamily="49" charset="0"/>
+              </a:rPr>
+              <a:t>) DIV GCD;</a:t>
+            </a:r>
+          </a:p>
+          <a:p>
+            <a:r>
+              <a:rPr lang="ru-RU" sz="1500" dirty="0">
+                <a:latin typeface="Lucida Console" panose="020B0609040504020204" pitchFamily="49" charset="0"/>
+              </a:rPr>
+              <a:t>  </a:t>
+            </a:r>
+            <a:r>
+              <a:rPr lang="ru-RU" sz="1500" dirty="0" err="1">
+                <a:latin typeface="Lucida Console" panose="020B0609040504020204" pitchFamily="49" charset="0"/>
+              </a:rPr>
+              <a:t>Fract.Denominator</a:t>
+            </a:r>
+            <a:r>
+              <a:rPr lang="ru-RU" sz="1500" dirty="0">
+                <a:latin typeface="Lucida Console" panose="020B0609040504020204" pitchFamily="49" charset="0"/>
+              </a:rPr>
+              <a:t> := </a:t>
+            </a:r>
+            <a:r>
+              <a:rPr lang="ru-RU" sz="1500" dirty="0" err="1">
+                <a:latin typeface="Lucida Console" panose="020B0609040504020204" pitchFamily="49" charset="0"/>
+              </a:rPr>
+              <a:t>Denominator</a:t>
+            </a:r>
+            <a:r>
+              <a:rPr lang="ru-RU" sz="1500" dirty="0">
+                <a:latin typeface="Lucida Console" panose="020B0609040504020204" pitchFamily="49" charset="0"/>
+              </a:rPr>
+              <a:t> DIV GCD;</a:t>
+            </a:r>
+          </a:p>
+          <a:p>
+            <a:endParaRPr lang="ru-RU" sz="1500" dirty="0">
+              <a:latin typeface="Lucida Console" panose="020B0609040504020204" pitchFamily="49" charset="0"/>
+            </a:endParaRPr>
+          </a:p>
+          <a:p>
+            <a:r>
+              <a:rPr lang="ru-RU" sz="1500" dirty="0">
+                <a:latin typeface="Lucida Console" panose="020B0609040504020204" pitchFamily="49" charset="0"/>
+              </a:rPr>
+              <a:t>  </a:t>
+            </a:r>
+            <a:r>
+              <a:rPr lang="ru-RU" sz="1500" dirty="0" err="1">
+                <a:latin typeface="Lucida Console" panose="020B0609040504020204" pitchFamily="49" charset="0"/>
+              </a:rPr>
+              <a:t>ToCompoundFraction</a:t>
+            </a:r>
+            <a:r>
+              <a:rPr lang="ru-RU" sz="1500" dirty="0">
+                <a:latin typeface="Lucida Console" panose="020B0609040504020204" pitchFamily="49" charset="0"/>
+              </a:rPr>
+              <a:t> := </a:t>
+            </a:r>
+            <a:r>
+              <a:rPr lang="ru-RU" sz="1500" dirty="0" err="1">
+                <a:latin typeface="Lucida Console" panose="020B0609040504020204" pitchFamily="49" charset="0"/>
+              </a:rPr>
+              <a:t>Fract</a:t>
+            </a:r>
+            <a:endParaRPr lang="ru-RU" sz="1500" dirty="0">
+              <a:latin typeface="Lucida Console" panose="020B0609040504020204" pitchFamily="49" charset="0"/>
+            </a:endParaRPr>
+          </a:p>
+          <a:p>
+            <a:r>
+              <a:rPr lang="ru-RU" sz="1500" dirty="0">
+                <a:latin typeface="Lucida Console" panose="020B0609040504020204" pitchFamily="49" charset="0"/>
+              </a:rPr>
+              <a:t>END;</a:t>
+            </a:r>
+          </a:p>
+          <a:p>
+            <a:endParaRPr lang="ru-RU" sz="1500" dirty="0">
+              <a:latin typeface="Lucida Console" panose="020B0609040504020204" pitchFamily="49" charset="0"/>
+            </a:endParaRPr>
+          </a:p>
+          <a:p>
+            <a:r>
+              <a:rPr lang="ru-RU" sz="1500" dirty="0">
+                <a:latin typeface="Lucida Console" panose="020B0609040504020204" pitchFamily="49" charset="0"/>
+              </a:rPr>
+              <a:t>VAR</a:t>
+            </a:r>
+          </a:p>
+          <a:p>
+            <a:r>
+              <a:rPr lang="ru-RU" sz="1500" dirty="0">
+                <a:latin typeface="Lucida Console" panose="020B0609040504020204" pitchFamily="49" charset="0"/>
+              </a:rPr>
+              <a:t>  </a:t>
+            </a:r>
+            <a:r>
+              <a:rPr lang="ru-RU" sz="1500" dirty="0" err="1">
+                <a:latin typeface="Lucida Console" panose="020B0609040504020204" pitchFamily="49" charset="0"/>
+              </a:rPr>
+              <a:t>Numerator</a:t>
+            </a:r>
+            <a:r>
+              <a:rPr lang="ru-RU" sz="1500" dirty="0">
+                <a:latin typeface="Lucida Console" panose="020B0609040504020204" pitchFamily="49" charset="0"/>
+              </a:rPr>
+              <a:t>, </a:t>
+            </a:r>
+            <a:r>
+              <a:rPr lang="ru-RU" sz="1500" dirty="0" err="1">
+                <a:latin typeface="Lucida Console" panose="020B0609040504020204" pitchFamily="49" charset="0"/>
+              </a:rPr>
+              <a:t>Denominator</a:t>
+            </a:r>
+            <a:r>
+              <a:rPr lang="ru-RU" sz="1500" dirty="0">
+                <a:latin typeface="Lucida Console" panose="020B0609040504020204" pitchFamily="49" charset="0"/>
+              </a:rPr>
+              <a:t>: INTEGER;</a:t>
+            </a:r>
+          </a:p>
+          <a:p>
+            <a:r>
+              <a:rPr lang="ru-RU" sz="1500" dirty="0">
+                <a:latin typeface="Lucida Console" panose="020B0609040504020204" pitchFamily="49" charset="0"/>
+              </a:rPr>
+              <a:t>BEGIN</a:t>
+            </a:r>
+          </a:p>
+          <a:p>
+            <a:r>
+              <a:rPr lang="ru-RU" sz="1500" dirty="0">
+                <a:latin typeface="Lucida Console" panose="020B0609040504020204" pitchFamily="49" charset="0"/>
+              </a:rPr>
+              <a:t>  IF </a:t>
+            </a:r>
+            <a:r>
+              <a:rPr lang="ru-RU" sz="1500" dirty="0" err="1">
+                <a:latin typeface="Lucida Console" panose="020B0609040504020204" pitchFamily="49" charset="0"/>
+              </a:rPr>
+              <a:t>ReadFraction</a:t>
+            </a:r>
+            <a:r>
+              <a:rPr lang="ru-RU" sz="1500" dirty="0">
+                <a:latin typeface="Lucida Console" panose="020B0609040504020204" pitchFamily="49" charset="0"/>
+              </a:rPr>
+              <a:t>(</a:t>
+            </a:r>
+            <a:r>
+              <a:rPr lang="ru-RU" sz="1500" dirty="0" err="1">
+                <a:latin typeface="Lucida Console" panose="020B0609040504020204" pitchFamily="49" charset="0"/>
+              </a:rPr>
+              <a:t>Numerator</a:t>
+            </a:r>
+            <a:r>
+              <a:rPr lang="ru-RU" sz="1500" dirty="0">
+                <a:latin typeface="Lucida Console" panose="020B0609040504020204" pitchFamily="49" charset="0"/>
+              </a:rPr>
+              <a:t>, </a:t>
+            </a:r>
+            <a:r>
+              <a:rPr lang="ru-RU" sz="1500" dirty="0" err="1">
+                <a:latin typeface="Lucida Console" panose="020B0609040504020204" pitchFamily="49" charset="0"/>
+              </a:rPr>
+              <a:t>Denominator</a:t>
+            </a:r>
+            <a:r>
+              <a:rPr lang="ru-RU" sz="1500" dirty="0">
+                <a:latin typeface="Lucida Console" panose="020B0609040504020204" pitchFamily="49" charset="0"/>
+              </a:rPr>
+              <a:t>)</a:t>
+            </a:r>
+          </a:p>
+          <a:p>
+            <a:r>
+              <a:rPr lang="ru-RU" sz="1500" dirty="0">
+                <a:latin typeface="Lucida Console" panose="020B0609040504020204" pitchFamily="49" charset="0"/>
+              </a:rPr>
+              <a:t>  THEN</a:t>
+            </a:r>
+          </a:p>
+          <a:p>
+            <a:r>
+              <a:rPr lang="ru-RU" sz="1500" dirty="0">
+                <a:latin typeface="Lucida Console" panose="020B0609040504020204" pitchFamily="49" charset="0"/>
+              </a:rPr>
+              <a:t>    </a:t>
+            </a:r>
+            <a:r>
+              <a:rPr lang="ru-RU" sz="1500" dirty="0" err="1" smtClean="0">
+                <a:latin typeface="Lucida Console" panose="020B0609040504020204" pitchFamily="49" charset="0"/>
+              </a:rPr>
+              <a:t>PrintFraction</a:t>
+            </a:r>
+            <a:r>
+              <a:rPr lang="ru-RU" sz="1500" dirty="0" smtClean="0">
+                <a:latin typeface="Lucida Console" panose="020B0609040504020204" pitchFamily="49" charset="0"/>
+              </a:rPr>
+              <a:t>(</a:t>
+            </a:r>
+            <a:r>
+              <a:rPr lang="ru-RU" sz="1500" dirty="0" err="1" smtClean="0">
+                <a:latin typeface="Lucida Console" panose="020B0609040504020204" pitchFamily="49" charset="0"/>
+              </a:rPr>
+              <a:t>ToCompoundFraction</a:t>
+            </a:r>
+            <a:r>
+              <a:rPr lang="ru-RU" sz="1500" dirty="0" smtClean="0">
+                <a:latin typeface="Lucida Console" panose="020B0609040504020204" pitchFamily="49" charset="0"/>
+              </a:rPr>
+              <a:t>(</a:t>
+            </a:r>
+            <a:r>
+              <a:rPr lang="ru-RU" sz="1500" dirty="0" err="1" smtClean="0">
+                <a:latin typeface="Lucida Console" panose="020B0609040504020204" pitchFamily="49" charset="0"/>
+              </a:rPr>
+              <a:t>Numerator</a:t>
+            </a:r>
+            <a:r>
+              <a:rPr lang="ru-RU" sz="1500" dirty="0">
+                <a:latin typeface="Lucida Console" panose="020B0609040504020204" pitchFamily="49" charset="0"/>
+              </a:rPr>
+              <a:t>, </a:t>
+            </a:r>
+            <a:r>
+              <a:rPr lang="ru-RU" sz="1500" dirty="0" err="1">
+                <a:latin typeface="Lucida Console" panose="020B0609040504020204" pitchFamily="49" charset="0"/>
+              </a:rPr>
+              <a:t>Denominator</a:t>
+            </a:r>
+            <a:r>
+              <a:rPr lang="ru-RU" sz="1500" dirty="0">
+                <a:latin typeface="Lucida Console" panose="020B0609040504020204" pitchFamily="49" charset="0"/>
+              </a:rPr>
+              <a:t>))</a:t>
+            </a:r>
+          </a:p>
+          <a:p>
+            <a:r>
+              <a:rPr lang="ru-RU" sz="1500" dirty="0">
+                <a:latin typeface="Lucida Console" panose="020B0609040504020204" pitchFamily="49" charset="0"/>
+              </a:rPr>
+              <a:t>  ELSE</a:t>
+            </a:r>
+          </a:p>
+          <a:p>
+            <a:r>
+              <a:rPr lang="ru-RU" sz="1500" dirty="0">
+                <a:latin typeface="Lucida Console" panose="020B0609040504020204" pitchFamily="49" charset="0"/>
+              </a:rPr>
+              <a:t>    WRITELN('ERROR')</a:t>
+            </a:r>
+          </a:p>
+          <a:p>
+            <a:r>
+              <a:rPr lang="ru-RU" sz="1500" dirty="0">
+                <a:latin typeface="Lucida Console" panose="020B0609040504020204" pitchFamily="49" charset="0"/>
+              </a:rPr>
+              <a:t>END.</a:t>
+            </a:r>
+          </a:p>
+        </p:txBody>
+      </p:sp>
+    </p:spTree>
+    <p:extLst>
+      <p:ext uri="{BB962C8B-B14F-4D97-AF65-F5344CB8AC3E}">
+        <p14:creationId xmlns:p14="http://schemas.microsoft.com/office/powerpoint/2010/main" val="2222976153"/>
+      </p:ext>
+    </p:extLst>
+  </p:cSld>
+  <p:clrMapOvr>
+    <a:masterClrMapping/>
+  </p:clrMapOvr>
+  <p:timing>
+    <p:tnLst>
+      <p:par>
+        <p:cTn id="1" dur="indefinite" restart="never" nodeType="tmRoot">
+          <p:childTnLst>
+            <p:seq concurrent="1" nextAc="seek">
+              <p:cTn id="2" dur="indefinite" nodeType="mainSeq">
+                <p:childTnLst>
+                  <p:par>
+                    <p:cTn id="3" fill="hold">
+                      <p:stCondLst>
+                        <p:cond delay="indefinite"/>
+                      </p:stCondLst>
+                      <p:childTnLst>
+                        <p:par>
+                          <p:cTn id="4" fill="hold">
+                            <p:stCondLst>
+                              <p:cond delay="0"/>
+                            </p:stCondLst>
+                            <p:childTnLst>
+                              <p:par>
+                                <p:cTn id="5" presetID="10" presetClass="entr" presetSubtype="0" fill="hold" nodeType="clickEffect">
+                                  <p:stCondLst>
+                                    <p:cond delay="0"/>
+                                  </p:stCondLst>
+                                  <p:childTnLst>
+                                    <p:set>
+                                      <p:cBhvr>
+                                        <p:cTn id="6" dur="1" fill="hold">
+                                          <p:stCondLst>
+                                            <p:cond delay="0"/>
+                                          </p:stCondLst>
+                                        </p:cTn>
+                                        <p:tgtEl>
+                                          <p:spTgt spid="3">
+                                            <p:txEl>
+                                              <p:pRg st="23" end="23"/>
+                                            </p:txEl>
+                                          </p:spTgt>
+                                        </p:tgtEl>
+                                        <p:attrNameLst>
+                                          <p:attrName>style.visibility</p:attrName>
+                                        </p:attrNameLst>
+                                      </p:cBhvr>
+                                      <p:to>
+                                        <p:strVal val="visible"/>
+                                      </p:to>
+                                    </p:set>
+                                    <p:animEffect transition="in" filter="fade">
+                                      <p:cBhvr>
+                                        <p:cTn id="7" dur="500"/>
+                                        <p:tgtEl>
+                                          <p:spTgt spid="3">
+                                            <p:txEl>
+                                              <p:pRg st="23" end="23"/>
+                                            </p:txEl>
+                                          </p:spTgt>
+                                        </p:tgtEl>
+                                      </p:cBhvr>
+                                    </p:animEffect>
+                                  </p:childTnLst>
+                                </p:cTn>
+                              </p:par>
+                              <p:par>
+                                <p:cTn id="8" presetID="10" presetClass="entr" presetSubtype="0" fill="hold" nodeType="withEffect">
+                                  <p:stCondLst>
+                                    <p:cond delay="0"/>
+                                  </p:stCondLst>
+                                  <p:childTnLst>
+                                    <p:set>
+                                      <p:cBhvr>
+                                        <p:cTn id="9" dur="1" fill="hold">
+                                          <p:stCondLst>
+                                            <p:cond delay="0"/>
+                                          </p:stCondLst>
+                                        </p:cTn>
+                                        <p:tgtEl>
+                                          <p:spTgt spid="3">
+                                            <p:txEl>
+                                              <p:pRg st="24" end="24"/>
+                                            </p:txEl>
+                                          </p:spTgt>
+                                        </p:tgtEl>
+                                        <p:attrNameLst>
+                                          <p:attrName>style.visibility</p:attrName>
+                                        </p:attrNameLst>
+                                      </p:cBhvr>
+                                      <p:to>
+                                        <p:strVal val="visible"/>
+                                      </p:to>
+                                    </p:set>
+                                    <p:animEffect transition="in" filter="fade">
+                                      <p:cBhvr>
+                                        <p:cTn id="10" dur="500"/>
+                                        <p:tgtEl>
+                                          <p:spTgt spid="3">
+                                            <p:txEl>
+                                              <p:pRg st="24" end="24"/>
+                                            </p:txEl>
+                                          </p:spTgt>
+                                        </p:tgtEl>
+                                      </p:cBhvr>
+                                    </p:animEffect>
+                                  </p:childTnLst>
+                                </p:cTn>
+                              </p:par>
+                              <p:par>
+                                <p:cTn id="11" presetID="10" presetClass="entr" presetSubtype="0" fill="hold" nodeType="withEffect">
+                                  <p:stCondLst>
+                                    <p:cond delay="0"/>
+                                  </p:stCondLst>
+                                  <p:childTnLst>
+                                    <p:set>
+                                      <p:cBhvr>
+                                        <p:cTn id="12" dur="1" fill="hold">
+                                          <p:stCondLst>
+                                            <p:cond delay="0"/>
+                                          </p:stCondLst>
+                                        </p:cTn>
+                                        <p:tgtEl>
+                                          <p:spTgt spid="3">
+                                            <p:txEl>
+                                              <p:pRg st="25" end="25"/>
+                                            </p:txEl>
+                                          </p:spTgt>
+                                        </p:tgtEl>
+                                        <p:attrNameLst>
+                                          <p:attrName>style.visibility</p:attrName>
+                                        </p:attrNameLst>
+                                      </p:cBhvr>
+                                      <p:to>
+                                        <p:strVal val="visible"/>
+                                      </p:to>
+                                    </p:set>
+                                    <p:animEffect transition="in" filter="fade">
+                                      <p:cBhvr>
+                                        <p:cTn id="13" dur="500"/>
+                                        <p:tgtEl>
+                                          <p:spTgt spid="3">
+                                            <p:txEl>
+                                              <p:pRg st="25" end="25"/>
+                                            </p:txEl>
+                                          </p:spTgt>
+                                        </p:tgtEl>
+                                      </p:cBhvr>
+                                    </p:animEffect>
+                                  </p:childTnLst>
+                                </p:cTn>
+                              </p:par>
+                            </p:childTnLst>
+                          </p:cTn>
+                        </p:par>
+                        <p:par>
+                          <p:cTn id="14" fill="hold">
+                            <p:stCondLst>
+                              <p:cond delay="500"/>
+                            </p:stCondLst>
+                            <p:childTnLst>
+                              <p:par>
+                                <p:cTn id="15" presetID="10" presetClass="entr" presetSubtype="0" fill="hold" grpId="0" nodeType="afterEffect">
+                                  <p:stCondLst>
+                                    <p:cond delay="0"/>
+                                  </p:stCondLst>
+                                  <p:childTnLst>
+                                    <p:set>
+                                      <p:cBhvr>
+                                        <p:cTn id="16" dur="1" fill="hold">
+                                          <p:stCondLst>
+                                            <p:cond delay="0"/>
+                                          </p:stCondLst>
+                                        </p:cTn>
+                                        <p:tgtEl>
+                                          <p:spTgt spid="8"/>
+                                        </p:tgtEl>
+                                        <p:attrNameLst>
+                                          <p:attrName>style.visibility</p:attrName>
+                                        </p:attrNameLst>
+                                      </p:cBhvr>
+                                      <p:to>
+                                        <p:strVal val="visible"/>
+                                      </p:to>
+                                    </p:set>
+                                    <p:animEffect transition="in" filter="fade">
+                                      <p:cBhvr>
+                                        <p:cTn id="17" dur="500"/>
+                                        <p:tgtEl>
+                                          <p:spTgt spid="8"/>
+                                        </p:tgtEl>
+                                      </p:cBhvr>
+                                    </p:animEffect>
+                                  </p:childTnLst>
+                                </p:cTn>
+                              </p:par>
+                            </p:childTnLst>
+                          </p:cTn>
+                        </p:par>
+                      </p:childTnLst>
+                    </p:cTn>
+                  </p:par>
+                  <p:par>
+                    <p:cTn id="18" fill="hold">
+                      <p:stCondLst>
+                        <p:cond delay="indefinite"/>
+                      </p:stCondLst>
+                      <p:childTnLst>
+                        <p:par>
+                          <p:cTn id="19" fill="hold">
+                            <p:stCondLst>
+                              <p:cond delay="0"/>
+                            </p:stCondLst>
+                            <p:childTnLst>
+                              <p:par>
+                                <p:cTn id="20" presetID="10" presetClass="entr" presetSubtype="0" fill="hold" nodeType="clickEffect">
+                                  <p:stCondLst>
+                                    <p:cond delay="0"/>
+                                  </p:stCondLst>
+                                  <p:childTnLst>
+                                    <p:set>
+                                      <p:cBhvr>
+                                        <p:cTn id="21" dur="1" fill="hold">
+                                          <p:stCondLst>
+                                            <p:cond delay="0"/>
+                                          </p:stCondLst>
+                                        </p:cTn>
+                                        <p:tgtEl>
+                                          <p:spTgt spid="3">
+                                            <p:txEl>
+                                              <p:pRg st="5" end="5"/>
+                                            </p:txEl>
+                                          </p:spTgt>
+                                        </p:tgtEl>
+                                        <p:attrNameLst>
+                                          <p:attrName>style.visibility</p:attrName>
+                                        </p:attrNameLst>
+                                      </p:cBhvr>
+                                      <p:to>
+                                        <p:strVal val="visible"/>
+                                      </p:to>
+                                    </p:set>
+                                    <p:animEffect transition="in" filter="fade">
+                                      <p:cBhvr>
+                                        <p:cTn id="22" dur="500"/>
+                                        <p:tgtEl>
+                                          <p:spTgt spid="3">
+                                            <p:txEl>
+                                              <p:pRg st="5" end="5"/>
+                                            </p:txEl>
+                                          </p:spTgt>
+                                        </p:tgtEl>
+                                      </p:cBhvr>
+                                    </p:animEffect>
+                                  </p:childTnLst>
+                                </p:cTn>
+                              </p:par>
+                              <p:par>
+                                <p:cTn id="23" presetID="10" presetClass="entr" presetSubtype="0" fill="hold" nodeType="withEffect">
+                                  <p:stCondLst>
+                                    <p:cond delay="0"/>
+                                  </p:stCondLst>
+                                  <p:childTnLst>
+                                    <p:set>
+                                      <p:cBhvr>
+                                        <p:cTn id="24" dur="1" fill="hold">
+                                          <p:stCondLst>
+                                            <p:cond delay="0"/>
+                                          </p:stCondLst>
+                                        </p:cTn>
+                                        <p:tgtEl>
+                                          <p:spTgt spid="3">
+                                            <p:txEl>
+                                              <p:pRg st="6" end="6"/>
+                                            </p:txEl>
+                                          </p:spTgt>
+                                        </p:tgtEl>
+                                        <p:attrNameLst>
+                                          <p:attrName>style.visibility</p:attrName>
+                                        </p:attrNameLst>
+                                      </p:cBhvr>
+                                      <p:to>
+                                        <p:strVal val="visible"/>
+                                      </p:to>
+                                    </p:set>
+                                    <p:animEffect transition="in" filter="fade">
+                                      <p:cBhvr>
+                                        <p:cTn id="25" dur="500"/>
+                                        <p:tgtEl>
+                                          <p:spTgt spid="3">
+                                            <p:txEl>
+                                              <p:pRg st="6" end="6"/>
+                                            </p:txEl>
+                                          </p:spTgt>
+                                        </p:tgtEl>
+                                      </p:cBhvr>
+                                    </p:animEffect>
+                                  </p:childTnLst>
+                                </p:cTn>
+                              </p:par>
+                              <p:par>
+                                <p:cTn id="26" presetID="10" presetClass="entr" presetSubtype="0" fill="hold" nodeType="withEffect">
+                                  <p:stCondLst>
+                                    <p:cond delay="0"/>
+                                  </p:stCondLst>
+                                  <p:childTnLst>
+                                    <p:set>
+                                      <p:cBhvr>
+                                        <p:cTn id="27" dur="1" fill="hold">
+                                          <p:stCondLst>
+                                            <p:cond delay="0"/>
+                                          </p:stCondLst>
+                                        </p:cTn>
+                                        <p:tgtEl>
+                                          <p:spTgt spid="3">
+                                            <p:txEl>
+                                              <p:pRg st="7" end="7"/>
+                                            </p:txEl>
+                                          </p:spTgt>
+                                        </p:tgtEl>
+                                        <p:attrNameLst>
+                                          <p:attrName>style.visibility</p:attrName>
+                                        </p:attrNameLst>
+                                      </p:cBhvr>
+                                      <p:to>
+                                        <p:strVal val="visible"/>
+                                      </p:to>
+                                    </p:set>
+                                    <p:animEffect transition="in" filter="fade">
+                                      <p:cBhvr>
+                                        <p:cTn id="28" dur="500"/>
+                                        <p:tgtEl>
+                                          <p:spTgt spid="3">
+                                            <p:txEl>
+                                              <p:pRg st="7" end="7"/>
+                                            </p:txEl>
+                                          </p:spTgt>
+                                        </p:tgtEl>
+                                      </p:cBhvr>
+                                    </p:animEffect>
+                                  </p:childTnLst>
+                                </p:cTn>
+                              </p:par>
+                              <p:par>
+                                <p:cTn id="29" presetID="10" presetClass="entr" presetSubtype="0" fill="hold" nodeType="withEffect">
+                                  <p:stCondLst>
+                                    <p:cond delay="0"/>
+                                  </p:stCondLst>
+                                  <p:childTnLst>
+                                    <p:set>
+                                      <p:cBhvr>
+                                        <p:cTn id="30" dur="1" fill="hold">
+                                          <p:stCondLst>
+                                            <p:cond delay="0"/>
+                                          </p:stCondLst>
+                                        </p:cTn>
+                                        <p:tgtEl>
+                                          <p:spTgt spid="3">
+                                            <p:txEl>
+                                              <p:pRg st="8" end="8"/>
+                                            </p:txEl>
+                                          </p:spTgt>
+                                        </p:tgtEl>
+                                        <p:attrNameLst>
+                                          <p:attrName>style.visibility</p:attrName>
+                                        </p:attrNameLst>
+                                      </p:cBhvr>
+                                      <p:to>
+                                        <p:strVal val="visible"/>
+                                      </p:to>
+                                    </p:set>
+                                    <p:animEffect transition="in" filter="fade">
+                                      <p:cBhvr>
+                                        <p:cTn id="31" dur="500"/>
+                                        <p:tgtEl>
+                                          <p:spTgt spid="3">
+                                            <p:txEl>
+                                              <p:pRg st="8" end="8"/>
+                                            </p:txEl>
+                                          </p:spTgt>
+                                        </p:tgtEl>
+                                      </p:cBhvr>
+                                    </p:animEffect>
+                                  </p:childTnLst>
+                                </p:cTn>
+                              </p:par>
+                              <p:par>
+                                <p:cTn id="32" presetID="10" presetClass="entr" presetSubtype="0" fill="hold" nodeType="withEffect">
+                                  <p:stCondLst>
+                                    <p:cond delay="0"/>
+                                  </p:stCondLst>
+                                  <p:childTnLst>
+                                    <p:set>
+                                      <p:cBhvr>
+                                        <p:cTn id="33" dur="1" fill="hold">
+                                          <p:stCondLst>
+                                            <p:cond delay="0"/>
+                                          </p:stCondLst>
+                                        </p:cTn>
+                                        <p:tgtEl>
+                                          <p:spTgt spid="3">
+                                            <p:txEl>
+                                              <p:pRg st="9" end="9"/>
+                                            </p:txEl>
+                                          </p:spTgt>
+                                        </p:tgtEl>
+                                        <p:attrNameLst>
+                                          <p:attrName>style.visibility</p:attrName>
+                                        </p:attrNameLst>
+                                      </p:cBhvr>
+                                      <p:to>
+                                        <p:strVal val="visible"/>
+                                      </p:to>
+                                    </p:set>
+                                    <p:animEffect transition="in" filter="fade">
+                                      <p:cBhvr>
+                                        <p:cTn id="34" dur="500"/>
+                                        <p:tgtEl>
+                                          <p:spTgt spid="3">
+                                            <p:txEl>
+                                              <p:pRg st="9" end="9"/>
+                                            </p:txEl>
+                                          </p:spTgt>
+                                        </p:tgtEl>
+                                      </p:cBhvr>
+                                    </p:animEffect>
+                                  </p:childTnLst>
+                                </p:cTn>
+                              </p:par>
+                              <p:par>
+                                <p:cTn id="35" presetID="10" presetClass="entr" presetSubtype="0" fill="hold" nodeType="withEffect">
+                                  <p:stCondLst>
+                                    <p:cond delay="0"/>
+                                  </p:stCondLst>
+                                  <p:childTnLst>
+                                    <p:set>
+                                      <p:cBhvr>
+                                        <p:cTn id="36" dur="1" fill="hold">
+                                          <p:stCondLst>
+                                            <p:cond delay="0"/>
+                                          </p:stCondLst>
+                                        </p:cTn>
+                                        <p:tgtEl>
+                                          <p:spTgt spid="3">
+                                            <p:txEl>
+                                              <p:pRg st="10" end="10"/>
+                                            </p:txEl>
+                                          </p:spTgt>
+                                        </p:tgtEl>
+                                        <p:attrNameLst>
+                                          <p:attrName>style.visibility</p:attrName>
+                                        </p:attrNameLst>
+                                      </p:cBhvr>
+                                      <p:to>
+                                        <p:strVal val="visible"/>
+                                      </p:to>
+                                    </p:set>
+                                    <p:animEffect transition="in" filter="fade">
+                                      <p:cBhvr>
+                                        <p:cTn id="37" dur="500"/>
+                                        <p:tgtEl>
+                                          <p:spTgt spid="3">
+                                            <p:txEl>
+                                              <p:pRg st="10" end="10"/>
+                                            </p:txEl>
+                                          </p:spTgt>
+                                        </p:tgtEl>
+                                      </p:cBhvr>
+                                    </p:animEffect>
+                                  </p:childTnLst>
+                                </p:cTn>
+                              </p:par>
+                              <p:par>
+                                <p:cTn id="38" presetID="10" presetClass="entr" presetSubtype="0" fill="hold" nodeType="withEffect">
+                                  <p:stCondLst>
+                                    <p:cond delay="0"/>
+                                  </p:stCondLst>
+                                  <p:childTnLst>
+                                    <p:set>
+                                      <p:cBhvr>
+                                        <p:cTn id="39" dur="1" fill="hold">
+                                          <p:stCondLst>
+                                            <p:cond delay="0"/>
+                                          </p:stCondLst>
+                                        </p:cTn>
+                                        <p:tgtEl>
+                                          <p:spTgt spid="3">
+                                            <p:txEl>
+                                              <p:pRg st="11" end="11"/>
+                                            </p:txEl>
+                                          </p:spTgt>
+                                        </p:tgtEl>
+                                        <p:attrNameLst>
+                                          <p:attrName>style.visibility</p:attrName>
+                                        </p:attrNameLst>
+                                      </p:cBhvr>
+                                      <p:to>
+                                        <p:strVal val="visible"/>
+                                      </p:to>
+                                    </p:set>
+                                    <p:animEffect transition="in" filter="fade">
+                                      <p:cBhvr>
+                                        <p:cTn id="40" dur="500"/>
+                                        <p:tgtEl>
+                                          <p:spTgt spid="3">
+                                            <p:txEl>
+                                              <p:pRg st="11" end="11"/>
+                                            </p:txEl>
+                                          </p:spTgt>
+                                        </p:tgtEl>
+                                      </p:cBhvr>
+                                    </p:animEffect>
+                                  </p:childTnLst>
+                                </p:cTn>
+                              </p:par>
+                              <p:par>
+                                <p:cTn id="41" presetID="10" presetClass="entr" presetSubtype="0" fill="hold" nodeType="withEffect">
+                                  <p:stCondLst>
+                                    <p:cond delay="0"/>
+                                  </p:stCondLst>
+                                  <p:childTnLst>
+                                    <p:set>
+                                      <p:cBhvr>
+                                        <p:cTn id="42" dur="1" fill="hold">
+                                          <p:stCondLst>
+                                            <p:cond delay="0"/>
+                                          </p:stCondLst>
+                                        </p:cTn>
+                                        <p:tgtEl>
+                                          <p:spTgt spid="3">
+                                            <p:txEl>
+                                              <p:pRg st="13" end="13"/>
+                                            </p:txEl>
+                                          </p:spTgt>
+                                        </p:tgtEl>
+                                        <p:attrNameLst>
+                                          <p:attrName>style.visibility</p:attrName>
+                                        </p:attrNameLst>
+                                      </p:cBhvr>
+                                      <p:to>
+                                        <p:strVal val="visible"/>
+                                      </p:to>
+                                    </p:set>
+                                    <p:animEffect transition="in" filter="fade">
+                                      <p:cBhvr>
+                                        <p:cTn id="43" dur="500"/>
+                                        <p:tgtEl>
+                                          <p:spTgt spid="3">
+                                            <p:txEl>
+                                              <p:pRg st="13" end="13"/>
+                                            </p:txEl>
+                                          </p:spTgt>
+                                        </p:tgtEl>
+                                      </p:cBhvr>
+                                    </p:animEffect>
+                                  </p:childTnLst>
+                                </p:cTn>
+                              </p:par>
+                              <p:par>
+                                <p:cTn id="44" presetID="10" presetClass="entr" presetSubtype="0" fill="hold" nodeType="withEffect">
+                                  <p:stCondLst>
+                                    <p:cond delay="0"/>
+                                  </p:stCondLst>
+                                  <p:childTnLst>
+                                    <p:set>
+                                      <p:cBhvr>
+                                        <p:cTn id="45" dur="1" fill="hold">
+                                          <p:stCondLst>
+                                            <p:cond delay="0"/>
+                                          </p:stCondLst>
+                                        </p:cTn>
+                                        <p:tgtEl>
+                                          <p:spTgt spid="3">
+                                            <p:txEl>
+                                              <p:pRg st="14" end="14"/>
+                                            </p:txEl>
+                                          </p:spTgt>
+                                        </p:tgtEl>
+                                        <p:attrNameLst>
+                                          <p:attrName>style.visibility</p:attrName>
+                                        </p:attrNameLst>
+                                      </p:cBhvr>
+                                      <p:to>
+                                        <p:strVal val="visible"/>
+                                      </p:to>
+                                    </p:set>
+                                    <p:animEffect transition="in" filter="fade">
+                                      <p:cBhvr>
+                                        <p:cTn id="46" dur="500"/>
+                                        <p:tgtEl>
+                                          <p:spTgt spid="3">
+                                            <p:txEl>
+                                              <p:pRg st="14" end="14"/>
+                                            </p:txEl>
+                                          </p:spTgt>
+                                        </p:tgtEl>
+                                      </p:cBhvr>
+                                    </p:animEffect>
+                                  </p:childTnLst>
+                                </p:cTn>
+                              </p:par>
+                              <p:par>
+                                <p:cTn id="47" presetID="10" presetClass="entr" presetSubtype="0" fill="hold" nodeType="withEffect">
+                                  <p:stCondLst>
+                                    <p:cond delay="0"/>
+                                  </p:stCondLst>
+                                  <p:childTnLst>
+                                    <p:set>
+                                      <p:cBhvr>
+                                        <p:cTn id="48" dur="1" fill="hold">
+                                          <p:stCondLst>
+                                            <p:cond delay="0"/>
+                                          </p:stCondLst>
+                                        </p:cTn>
+                                        <p:tgtEl>
+                                          <p:spTgt spid="3">
+                                            <p:txEl>
+                                              <p:pRg st="15" end="15"/>
+                                            </p:txEl>
+                                          </p:spTgt>
+                                        </p:tgtEl>
+                                        <p:attrNameLst>
+                                          <p:attrName>style.visibility</p:attrName>
+                                        </p:attrNameLst>
+                                      </p:cBhvr>
+                                      <p:to>
+                                        <p:strVal val="visible"/>
+                                      </p:to>
+                                    </p:set>
+                                    <p:animEffect transition="in" filter="fade">
+                                      <p:cBhvr>
+                                        <p:cTn id="49" dur="500"/>
+                                        <p:tgtEl>
+                                          <p:spTgt spid="3">
+                                            <p:txEl>
+                                              <p:pRg st="15" end="15"/>
+                                            </p:txEl>
+                                          </p:spTgt>
+                                        </p:tgtEl>
+                                      </p:cBhvr>
+                                    </p:animEffect>
+                                  </p:childTnLst>
+                                </p:cTn>
+                              </p:par>
+                              <p:par>
+                                <p:cTn id="50" presetID="10" presetClass="entr" presetSubtype="0" fill="hold" nodeType="withEffect">
+                                  <p:stCondLst>
+                                    <p:cond delay="0"/>
+                                  </p:stCondLst>
+                                  <p:childTnLst>
+                                    <p:set>
+                                      <p:cBhvr>
+                                        <p:cTn id="51" dur="1" fill="hold">
+                                          <p:stCondLst>
+                                            <p:cond delay="0"/>
+                                          </p:stCondLst>
+                                        </p:cTn>
+                                        <p:tgtEl>
+                                          <p:spTgt spid="3">
+                                            <p:txEl>
+                                              <p:pRg st="17" end="17"/>
+                                            </p:txEl>
+                                          </p:spTgt>
+                                        </p:tgtEl>
+                                        <p:attrNameLst>
+                                          <p:attrName>style.visibility</p:attrName>
+                                        </p:attrNameLst>
+                                      </p:cBhvr>
+                                      <p:to>
+                                        <p:strVal val="visible"/>
+                                      </p:to>
+                                    </p:set>
+                                    <p:animEffect transition="in" filter="fade">
+                                      <p:cBhvr>
+                                        <p:cTn id="52" dur="500"/>
+                                        <p:tgtEl>
+                                          <p:spTgt spid="3">
+                                            <p:txEl>
+                                              <p:pRg st="17" end="17"/>
+                                            </p:txEl>
+                                          </p:spTgt>
+                                        </p:tgtEl>
+                                      </p:cBhvr>
+                                    </p:animEffect>
+                                  </p:childTnLst>
+                                </p:cTn>
+                              </p:par>
+                              <p:par>
+                                <p:cTn id="53" presetID="10" presetClass="entr" presetSubtype="0" fill="hold" nodeType="withEffect">
+                                  <p:stCondLst>
+                                    <p:cond delay="0"/>
+                                  </p:stCondLst>
+                                  <p:childTnLst>
+                                    <p:set>
+                                      <p:cBhvr>
+                                        <p:cTn id="54" dur="1" fill="hold">
+                                          <p:stCondLst>
+                                            <p:cond delay="0"/>
+                                          </p:stCondLst>
+                                        </p:cTn>
+                                        <p:tgtEl>
+                                          <p:spTgt spid="3">
+                                            <p:txEl>
+                                              <p:pRg st="18" end="18"/>
+                                            </p:txEl>
+                                          </p:spTgt>
+                                        </p:tgtEl>
+                                        <p:attrNameLst>
+                                          <p:attrName>style.visibility</p:attrName>
+                                        </p:attrNameLst>
+                                      </p:cBhvr>
+                                      <p:to>
+                                        <p:strVal val="visible"/>
+                                      </p:to>
+                                    </p:set>
+                                    <p:animEffect transition="in" filter="fade">
+                                      <p:cBhvr>
+                                        <p:cTn id="55" dur="500"/>
+                                        <p:tgtEl>
+                                          <p:spTgt spid="3">
+                                            <p:txEl>
+                                              <p:pRg st="18" end="18"/>
+                                            </p:txEl>
+                                          </p:spTgt>
+                                        </p:tgtEl>
+                                      </p:cBhvr>
+                                    </p:animEffect>
+                                  </p:childTnLst>
+                                </p:cTn>
+                              </p:par>
+                              <p:par>
+                                <p:cTn id="56" presetID="10" presetClass="exit" presetSubtype="0" fill="hold" grpId="1" nodeType="withEffect">
+                                  <p:stCondLst>
+                                    <p:cond delay="0"/>
+                                  </p:stCondLst>
+                                  <p:childTnLst>
+                                    <p:animEffect transition="out" filter="fade">
+                                      <p:cBhvr>
+                                        <p:cTn id="57" dur="500"/>
+                                        <p:tgtEl>
+                                          <p:spTgt spid="8"/>
+                                        </p:tgtEl>
+                                      </p:cBhvr>
+                                    </p:animEffect>
+                                    <p:set>
+                                      <p:cBhvr>
+                                        <p:cTn id="58" dur="1" fill="hold">
+                                          <p:stCondLst>
+                                            <p:cond delay="499"/>
+                                          </p:stCondLst>
+                                        </p:cTn>
+                                        <p:tgtEl>
+                                          <p:spTgt spid="8"/>
+                                        </p:tgtEl>
+                                        <p:attrNameLst>
+                                          <p:attrName>style.visibility</p:attrName>
+                                        </p:attrNameLst>
+                                      </p:cBhvr>
+                                      <p:to>
+                                        <p:strVal val="hidden"/>
+                                      </p:to>
+                                    </p:set>
+                                  </p:childTnLst>
+                                </p:cTn>
+                              </p:par>
+                            </p:childTnLst>
+                          </p:cTn>
+                        </p:par>
+                        <p:par>
+                          <p:cTn id="59" fill="hold">
+                            <p:stCondLst>
+                              <p:cond delay="500"/>
+                            </p:stCondLst>
+                            <p:childTnLst>
+                              <p:par>
+                                <p:cTn id="60" presetID="10" presetClass="entr" presetSubtype="0" fill="hold" grpId="0" nodeType="afterEffect">
+                                  <p:stCondLst>
+                                    <p:cond delay="0"/>
+                                  </p:stCondLst>
+                                  <p:childTnLst>
+                                    <p:set>
+                                      <p:cBhvr>
+                                        <p:cTn id="61" dur="1" fill="hold">
+                                          <p:stCondLst>
+                                            <p:cond delay="0"/>
+                                          </p:stCondLst>
+                                        </p:cTn>
+                                        <p:tgtEl>
+                                          <p:spTgt spid="5"/>
+                                        </p:tgtEl>
+                                        <p:attrNameLst>
+                                          <p:attrName>style.visibility</p:attrName>
+                                        </p:attrNameLst>
+                                      </p:cBhvr>
+                                      <p:to>
+                                        <p:strVal val="visible"/>
+                                      </p:to>
+                                    </p:set>
+                                    <p:animEffect transition="in" filter="fade">
+                                      <p:cBhvr>
+                                        <p:cTn id="62" dur="500"/>
+                                        <p:tgtEl>
+                                          <p:spTgt spid="5"/>
+                                        </p:tgtEl>
+                                      </p:cBhvr>
+                                    </p:animEffect>
+                                  </p:childTnLst>
+                                </p:cTn>
+                              </p:par>
+                            </p:childTnLst>
+                          </p:cTn>
+                        </p:par>
+                      </p:childTnLst>
+                    </p:cTn>
+                  </p:par>
+                  <p:par>
+                    <p:cTn id="63" fill="hold">
+                      <p:stCondLst>
+                        <p:cond delay="indefinite"/>
+                      </p:stCondLst>
+                      <p:childTnLst>
+                        <p:par>
+                          <p:cTn id="64" fill="hold">
+                            <p:stCondLst>
+                              <p:cond delay="0"/>
+                            </p:stCondLst>
+                            <p:childTnLst>
+                              <p:par>
+                                <p:cTn id="65" presetID="10" presetClass="entr" presetSubtype="0" fill="hold" nodeType="clickEffect">
+                                  <p:stCondLst>
+                                    <p:cond delay="0"/>
+                                  </p:stCondLst>
+                                  <p:childTnLst>
+                                    <p:set>
+                                      <p:cBhvr>
+                                        <p:cTn id="66" dur="1" fill="hold">
+                                          <p:stCondLst>
+                                            <p:cond delay="0"/>
+                                          </p:stCondLst>
+                                        </p:cTn>
+                                        <p:tgtEl>
+                                          <p:spTgt spid="3">
+                                            <p:txEl>
+                                              <p:pRg st="26" end="26"/>
+                                            </p:txEl>
+                                          </p:spTgt>
+                                        </p:tgtEl>
+                                        <p:attrNameLst>
+                                          <p:attrName>style.visibility</p:attrName>
+                                        </p:attrNameLst>
+                                      </p:cBhvr>
+                                      <p:to>
+                                        <p:strVal val="visible"/>
+                                      </p:to>
+                                    </p:set>
+                                    <p:animEffect transition="in" filter="fade">
+                                      <p:cBhvr>
+                                        <p:cTn id="67" dur="500"/>
+                                        <p:tgtEl>
+                                          <p:spTgt spid="3">
+                                            <p:txEl>
+                                              <p:pRg st="26" end="26"/>
+                                            </p:txEl>
+                                          </p:spTgt>
+                                        </p:tgtEl>
+                                      </p:cBhvr>
+                                    </p:animEffect>
+                                  </p:childTnLst>
+                                </p:cTn>
+                              </p:par>
+                              <p:par>
+                                <p:cTn id="68" presetID="10" presetClass="entr" presetSubtype="0" fill="hold" nodeType="withEffect">
+                                  <p:stCondLst>
+                                    <p:cond delay="0"/>
+                                  </p:stCondLst>
+                                  <p:childTnLst>
+                                    <p:set>
+                                      <p:cBhvr>
+                                        <p:cTn id="69" dur="1" fill="hold">
+                                          <p:stCondLst>
+                                            <p:cond delay="0"/>
+                                          </p:stCondLst>
+                                        </p:cTn>
+                                        <p:tgtEl>
+                                          <p:spTgt spid="3">
+                                            <p:txEl>
+                                              <p:pRg st="27" end="27"/>
+                                            </p:txEl>
+                                          </p:spTgt>
+                                        </p:tgtEl>
+                                        <p:attrNameLst>
+                                          <p:attrName>style.visibility</p:attrName>
+                                        </p:attrNameLst>
+                                      </p:cBhvr>
+                                      <p:to>
+                                        <p:strVal val="visible"/>
+                                      </p:to>
+                                    </p:set>
+                                    <p:animEffect transition="in" filter="fade">
+                                      <p:cBhvr>
+                                        <p:cTn id="70" dur="500"/>
+                                        <p:tgtEl>
+                                          <p:spTgt spid="3">
+                                            <p:txEl>
+                                              <p:pRg st="27" end="27"/>
+                                            </p:txEl>
+                                          </p:spTgt>
+                                        </p:tgtEl>
+                                      </p:cBhvr>
+                                    </p:animEffect>
+                                  </p:childTnLst>
+                                </p:cTn>
+                              </p:par>
+                              <p:par>
+                                <p:cTn id="71" presetID="10" presetClass="exit" presetSubtype="0" fill="hold" grpId="1" nodeType="withEffect">
+                                  <p:stCondLst>
+                                    <p:cond delay="0"/>
+                                  </p:stCondLst>
+                                  <p:childTnLst>
+                                    <p:animEffect transition="out" filter="fade">
+                                      <p:cBhvr>
+                                        <p:cTn id="72" dur="500"/>
+                                        <p:tgtEl>
+                                          <p:spTgt spid="5"/>
+                                        </p:tgtEl>
+                                      </p:cBhvr>
+                                    </p:animEffect>
+                                    <p:set>
+                                      <p:cBhvr>
+                                        <p:cTn id="73" dur="1" fill="hold">
+                                          <p:stCondLst>
+                                            <p:cond delay="499"/>
+                                          </p:stCondLst>
+                                        </p:cTn>
+                                        <p:tgtEl>
+                                          <p:spTgt spid="5"/>
+                                        </p:tgtEl>
+                                        <p:attrNameLst>
+                                          <p:attrName>style.visibility</p:attrName>
+                                        </p:attrNameLst>
+                                      </p:cBhvr>
+                                      <p:to>
+                                        <p:strVal val="hidden"/>
+                                      </p:to>
+                                    </p:set>
+                                  </p:childTnLst>
+                                </p:cTn>
+                              </p:par>
+                            </p:childTnLst>
+                          </p:cTn>
+                        </p:par>
+                        <p:par>
+                          <p:cTn id="74" fill="hold">
+                            <p:stCondLst>
+                              <p:cond delay="500"/>
+                            </p:stCondLst>
+                            <p:childTnLst>
+                              <p:par>
+                                <p:cTn id="75" presetID="10" presetClass="entr" presetSubtype="0" fill="hold" grpId="0" nodeType="afterEffect">
+                                  <p:stCondLst>
+                                    <p:cond delay="0"/>
+                                  </p:stCondLst>
+                                  <p:childTnLst>
+                                    <p:set>
+                                      <p:cBhvr>
+                                        <p:cTn id="76" dur="1" fill="hold">
+                                          <p:stCondLst>
+                                            <p:cond delay="0"/>
+                                          </p:stCondLst>
+                                        </p:cTn>
+                                        <p:tgtEl>
+                                          <p:spTgt spid="6"/>
+                                        </p:tgtEl>
+                                        <p:attrNameLst>
+                                          <p:attrName>style.visibility</p:attrName>
+                                        </p:attrNameLst>
+                                      </p:cBhvr>
+                                      <p:to>
+                                        <p:strVal val="visible"/>
+                                      </p:to>
+                                    </p:set>
+                                    <p:animEffect transition="in" filter="fade">
+                                      <p:cBhvr>
+                                        <p:cTn id="77" dur="500"/>
+                                        <p:tgtEl>
+                                          <p:spTgt spid="6"/>
+                                        </p:tgtEl>
+                                      </p:cBhvr>
+                                    </p:animEffect>
+                                  </p:childTnLst>
+                                </p:cTn>
+                              </p:par>
+                            </p:childTnLst>
+                          </p:cTn>
+                        </p:par>
+                      </p:childTnLst>
+                    </p:cTn>
+                  </p:par>
+                </p:childTnLst>
+              </p:cTn>
+              <p:prevCondLst>
+                <p:cond evt="onPrev" delay="0">
+                  <p:tgtEl>
+                    <p:sldTgt/>
+                  </p:tgtEl>
+                </p:cond>
+              </p:prevCondLst>
+              <p:nextCondLst>
+                <p:cond evt="onNext" delay="0">
+                  <p:tgtEl>
+                    <p:sldTgt/>
+                  </p:tgtEl>
+                </p:cond>
+              </p:nextCondLst>
+            </p:seq>
+          </p:childTnLst>
+        </p:cTn>
+      </p:par>
+    </p:tnLst>
+    <p:bldLst>
+      <p:bldP spid="8" grpId="0" animBg="1"/>
+      <p:bldP spid="8" grpId="1" animBg="1"/>
+      <p:bldP spid="6" grpId="0" animBg="1"/>
+      <p:bldP spid="5" grpId="0" animBg="1"/>
+      <p:bldP spid="5" grpId="1" animBg="1"/>
     </p:bldLst>
   </p:timing>
 </p:sld>

--- a/Explanation.pptx
+++ b/Explanation.pptx
@@ -32,6 +32,7 @@
     <p:sldId id="281" r:id="rId26"/>
     <p:sldId id="280" r:id="rId27"/>
     <p:sldId id="282" r:id="rId28"/>
+    <p:sldId id="283" r:id="rId29"/>
   </p:sldIdLst>
   <p:sldSz cx="9144000" cy="6858000" type="screen4x3"/>
   <p:notesSz cx="6858000" cy="9144000"/>
@@ -6025,8 +6026,8 @@
           </a:p>
         </p:txBody>
       </p:sp>
-      <mc:AlternateContent xmlns:mc="http://schemas.openxmlformats.org/markup-compatibility/2006">
-        <mc:Choice xmlns:a14="http://schemas.microsoft.com/office/drawing/2010/main" Requires="a14">
+      <mc:AlternateContent xmlns:mc="http://schemas.openxmlformats.org/markup-compatibility/2006" xmlns:a14="http://schemas.microsoft.com/office/drawing/2010/main">
+        <mc:Choice Requires="a14">
           <p:sp>
             <p:nvSpPr>
               <p:cNvPr id="3" name="Объект 2"/>
@@ -6142,7 +6143,7 @@
             </p:txBody>
           </p:sp>
         </mc:Choice>
-        <mc:Fallback>
+        <mc:Fallback xmlns="">
           <p:sp>
             <p:nvSpPr>
               <p:cNvPr id="3" name="Объект 2"/>
@@ -6343,21 +6344,21 @@
                 <a:gridCol w="1263650">
                   <a:extLst>
                     <a:ext uri="{9D8B030D-6E8A-4147-A177-3AD203B41FA5}">
-                      <a16:colId xmlns:a16="http://schemas.microsoft.com/office/drawing/2014/main" xmlns="" val="1877902253"/>
+                      <a16:colId xmlns="" xmlns:a16="http://schemas.microsoft.com/office/drawing/2014/main" val="1877902253"/>
                     </a:ext>
                   </a:extLst>
                 </a:gridCol>
                 <a:gridCol w="1327150">
                   <a:extLst>
                     <a:ext uri="{9D8B030D-6E8A-4147-A177-3AD203B41FA5}">
-                      <a16:colId xmlns:a16="http://schemas.microsoft.com/office/drawing/2014/main" xmlns="" val="3026534838"/>
+                      <a16:colId xmlns="" xmlns:a16="http://schemas.microsoft.com/office/drawing/2014/main" val="3026534838"/>
                     </a:ext>
                   </a:extLst>
                 </a:gridCol>
                 <a:gridCol w="1295400">
                   <a:extLst>
                     <a:ext uri="{9D8B030D-6E8A-4147-A177-3AD203B41FA5}">
-                      <a16:colId xmlns:a16="http://schemas.microsoft.com/office/drawing/2014/main" xmlns="" val="762836203"/>
+                      <a16:colId xmlns="" xmlns:a16="http://schemas.microsoft.com/office/drawing/2014/main" val="762836203"/>
                     </a:ext>
                   </a:extLst>
                 </a:gridCol>
@@ -6403,7 +6404,7 @@
                 </a:tc>
                 <a:extLst>
                   <a:ext uri="{0D108BD9-81ED-4DB2-BD59-A6C34878D82A}">
-                    <a16:rowId xmlns:a16="http://schemas.microsoft.com/office/drawing/2014/main" xmlns="" val="2002345586"/>
+                    <a16:rowId xmlns="" xmlns:a16="http://schemas.microsoft.com/office/drawing/2014/main" val="2002345586"/>
                   </a:ext>
                 </a:extLst>
               </a:tr>
@@ -6468,7 +6469,7 @@
                 </a:tc>
                 <a:extLst>
                   <a:ext uri="{0D108BD9-81ED-4DB2-BD59-A6C34878D82A}">
-                    <a16:rowId xmlns:a16="http://schemas.microsoft.com/office/drawing/2014/main" xmlns="" val="1058565294"/>
+                    <a16:rowId xmlns="" xmlns:a16="http://schemas.microsoft.com/office/drawing/2014/main" val="1058565294"/>
                   </a:ext>
                 </a:extLst>
               </a:tr>
@@ -6529,7 +6530,7 @@
                 </a:tc>
                 <a:extLst>
                   <a:ext uri="{0D108BD9-81ED-4DB2-BD59-A6C34878D82A}">
-                    <a16:rowId xmlns:a16="http://schemas.microsoft.com/office/drawing/2014/main" xmlns="" val="3104535893"/>
+                    <a16:rowId xmlns="" xmlns:a16="http://schemas.microsoft.com/office/drawing/2014/main" val="3104535893"/>
                   </a:ext>
                 </a:extLst>
               </a:tr>
@@ -6590,7 +6591,7 @@
                 </a:tc>
                 <a:extLst>
                   <a:ext uri="{0D108BD9-81ED-4DB2-BD59-A6C34878D82A}">
-                    <a16:rowId xmlns:a16="http://schemas.microsoft.com/office/drawing/2014/main" xmlns="" val="1979556255"/>
+                    <a16:rowId xmlns="" xmlns:a16="http://schemas.microsoft.com/office/drawing/2014/main" val="1979556255"/>
                   </a:ext>
                 </a:extLst>
               </a:tr>
@@ -8391,7 +8392,6 @@
               <a:rPr lang="ru-RU" dirty="0" smtClean="0"/>
               <a:t>/ знаменатель</a:t>
             </a:r>
-            <a:endParaRPr lang="ru-RU" dirty="0" smtClean="0"/>
           </a:p>
           <a:p>
             <a:pPr lvl="1"/>
@@ -13076,9 +13076,6 @@
               </a:rPr>
               <a:t>END.</a:t>
             </a:r>
-            <a:endParaRPr lang="ru-RU" dirty="0">
-              <a:latin typeface="Lucida Console" panose="020B0609040504020204" pitchFamily="49" charset="0"/>
-            </a:endParaRPr>
           </a:p>
         </p:txBody>
       </p:sp>
@@ -17685,6 +17682,91 @@
       <p:bldP spid="5" grpId="1" animBg="1"/>
     </p:bldLst>
   </p:timing>
+</p:sld>
+</file>
+
+<file path=ppt/slides/slide28.xml><?xml version="1.0" encoding="utf-8"?>
+<p:sld xmlns:a="http://schemas.openxmlformats.org/drawingml/2006/main" xmlns:r="http://schemas.openxmlformats.org/officeDocument/2006/relationships" xmlns:p="http://schemas.openxmlformats.org/presentationml/2006/main">
+  <p:cSld>
+    <p:spTree>
+      <p:nvGrpSpPr>
+        <p:cNvPr id="1" name=""/>
+        <p:cNvGrpSpPr/>
+        <p:nvPr/>
+      </p:nvGrpSpPr>
+      <p:grpSpPr>
+        <a:xfrm>
+          <a:off x="0" y="0"/>
+          <a:ext cx="0" cy="0"/>
+          <a:chOff x="0" y="0"/>
+          <a:chExt cx="0" cy="0"/>
+        </a:xfrm>
+      </p:grpSpPr>
+      <p:sp>
+        <p:nvSpPr>
+          <p:cNvPr id="2" name="Title 1"/>
+          <p:cNvSpPr>
+            <a:spLocks noGrp="1"/>
+          </p:cNvSpPr>
+          <p:nvPr>
+            <p:ph type="title"/>
+          </p:nvPr>
+        </p:nvSpPr>
+        <p:spPr/>
+        <p:txBody>
+          <a:bodyPr/>
+          <a:lstStyle/>
+          <a:p>
+            <a:r>
+              <a:rPr lang="ru-RU" dirty="0" smtClean="0"/>
+              <a:t>Исходный </a:t>
+            </a:r>
+            <a:r>
+              <a:rPr lang="ru-RU" smtClean="0"/>
+              <a:t>код решения</a:t>
+            </a:r>
+            <a:endParaRPr lang="ru-RU" dirty="0"/>
+          </a:p>
+        </p:txBody>
+      </p:sp>
+      <p:sp>
+        <p:nvSpPr>
+          <p:cNvPr id="3" name="Content Placeholder 2"/>
+          <p:cNvSpPr>
+            <a:spLocks noGrp="1"/>
+          </p:cNvSpPr>
+          <p:nvPr>
+            <p:ph idx="1"/>
+          </p:nvPr>
+        </p:nvSpPr>
+        <p:spPr/>
+        <p:txBody>
+          <a:bodyPr/>
+          <a:lstStyle/>
+          <a:p>
+            <a:r>
+              <a:rPr lang="en-US" dirty="0" smtClean="0">
+                <a:hlinkClick r:id="rId2"/>
+              </a:rPr>
+              <a:t>https://github.com/alexey-malov/fraction</a:t>
+            </a:r>
+            <a:endParaRPr lang="en-US" dirty="0" smtClean="0"/>
+          </a:p>
+          <a:p>
+            <a:endParaRPr lang="ru-RU" dirty="0"/>
+          </a:p>
+        </p:txBody>
+      </p:sp>
+    </p:spTree>
+    <p:extLst>
+      <p:ext uri="{BB962C8B-B14F-4D97-AF65-F5344CB8AC3E}">
+        <p14:creationId xmlns:p14="http://schemas.microsoft.com/office/powerpoint/2010/main" val="2680575559"/>
+      </p:ext>
+    </p:extLst>
+  </p:cSld>
+  <p:clrMapOvr>
+    <a:masterClrMapping/>
+  </p:clrMapOvr>
 </p:sld>
 </file>
 

--- a/Explanation.pptx
+++ b/Explanation.pptx
@@ -27,12 +27,15 @@
     <p:sldId id="272" r:id="rId21"/>
     <p:sldId id="273" r:id="rId22"/>
     <p:sldId id="274" r:id="rId23"/>
-    <p:sldId id="278" r:id="rId24"/>
-    <p:sldId id="279" r:id="rId25"/>
-    <p:sldId id="281" r:id="rId26"/>
-    <p:sldId id="280" r:id="rId27"/>
-    <p:sldId id="282" r:id="rId28"/>
-    <p:sldId id="283" r:id="rId29"/>
+    <p:sldId id="284" r:id="rId24"/>
+    <p:sldId id="285" r:id="rId25"/>
+    <p:sldId id="278" r:id="rId26"/>
+    <p:sldId id="279" r:id="rId27"/>
+    <p:sldId id="286" r:id="rId28"/>
+    <p:sldId id="281" r:id="rId29"/>
+    <p:sldId id="280" r:id="rId30"/>
+    <p:sldId id="282" r:id="rId31"/>
+    <p:sldId id="283" r:id="rId32"/>
   </p:sldIdLst>
   <p:sldSz cx="9144000" cy="6858000" type="screen4x3"/>
   <p:notesSz cx="6858000" cy="9144000"/>
@@ -6344,21 +6347,21 @@
                 <a:gridCol w="1263650">
                   <a:extLst>
                     <a:ext uri="{9D8B030D-6E8A-4147-A177-3AD203B41FA5}">
-                      <a16:colId xmlns="" xmlns:a16="http://schemas.microsoft.com/office/drawing/2014/main" val="1877902253"/>
+                      <a16:colId xmlns:a16="http://schemas.microsoft.com/office/drawing/2014/main" xmlns="" val="1877902253"/>
                     </a:ext>
                   </a:extLst>
                 </a:gridCol>
                 <a:gridCol w="1327150">
                   <a:extLst>
                     <a:ext uri="{9D8B030D-6E8A-4147-A177-3AD203B41FA5}">
-                      <a16:colId xmlns="" xmlns:a16="http://schemas.microsoft.com/office/drawing/2014/main" val="3026534838"/>
+                      <a16:colId xmlns:a16="http://schemas.microsoft.com/office/drawing/2014/main" xmlns="" val="3026534838"/>
                     </a:ext>
                   </a:extLst>
                 </a:gridCol>
                 <a:gridCol w="1295400">
                   <a:extLst>
                     <a:ext uri="{9D8B030D-6E8A-4147-A177-3AD203B41FA5}">
-                      <a16:colId xmlns="" xmlns:a16="http://schemas.microsoft.com/office/drawing/2014/main" val="762836203"/>
+                      <a16:colId xmlns:a16="http://schemas.microsoft.com/office/drawing/2014/main" xmlns="" val="762836203"/>
                     </a:ext>
                   </a:extLst>
                 </a:gridCol>
@@ -6404,7 +6407,7 @@
                 </a:tc>
                 <a:extLst>
                   <a:ext uri="{0D108BD9-81ED-4DB2-BD59-A6C34878D82A}">
-                    <a16:rowId xmlns="" xmlns:a16="http://schemas.microsoft.com/office/drawing/2014/main" val="2002345586"/>
+                    <a16:rowId xmlns:a16="http://schemas.microsoft.com/office/drawing/2014/main" xmlns="" val="2002345586"/>
                   </a:ext>
                 </a:extLst>
               </a:tr>
@@ -6469,7 +6472,7 @@
                 </a:tc>
                 <a:extLst>
                   <a:ext uri="{0D108BD9-81ED-4DB2-BD59-A6C34878D82A}">
-                    <a16:rowId xmlns="" xmlns:a16="http://schemas.microsoft.com/office/drawing/2014/main" val="1058565294"/>
+                    <a16:rowId xmlns:a16="http://schemas.microsoft.com/office/drawing/2014/main" xmlns="" val="1058565294"/>
                   </a:ext>
                 </a:extLst>
               </a:tr>
@@ -6530,7 +6533,7 @@
                 </a:tc>
                 <a:extLst>
                   <a:ext uri="{0D108BD9-81ED-4DB2-BD59-A6C34878D82A}">
-                    <a16:rowId xmlns="" xmlns:a16="http://schemas.microsoft.com/office/drawing/2014/main" val="3104535893"/>
+                    <a16:rowId xmlns:a16="http://schemas.microsoft.com/office/drawing/2014/main" xmlns="" val="3104535893"/>
                   </a:ext>
                 </a:extLst>
               </a:tr>
@@ -6591,7 +6594,7 @@
                 </a:tc>
                 <a:extLst>
                   <a:ext uri="{0D108BD9-81ED-4DB2-BD59-A6C34878D82A}">
-                    <a16:rowId xmlns="" xmlns:a16="http://schemas.microsoft.com/office/drawing/2014/main" val="1979556255"/>
+                    <a16:rowId xmlns:a16="http://schemas.microsoft.com/office/drawing/2014/main" xmlns="" val="1979556255"/>
                   </a:ext>
                 </a:extLst>
               </a:tr>
@@ -12695,6 +12698,1916 @@
           <a:chExt cx="0" cy="0"/>
         </a:xfrm>
       </p:grpSpPr>
+      <p:pic>
+        <p:nvPicPr>
+          <p:cNvPr id="13" name="Picture 12"/>
+          <p:cNvPicPr>
+            <a:picLocks noChangeAspect="1"/>
+          </p:cNvPicPr>
+          <p:nvPr/>
+        </p:nvPicPr>
+        <p:blipFill rotWithShape="1">
+          <a:blip r:embed="rId2"/>
+          <a:srcRect l="49203" t="50906" r="269" b="1693"/>
+          <a:stretch/>
+        </p:blipFill>
+        <p:spPr>
+          <a:xfrm>
+            <a:off x="4462585" y="4298463"/>
+            <a:ext cx="2907322" cy="2438400"/>
+          </a:xfrm>
+          <a:prstGeom prst="rect">
+            <a:avLst/>
+          </a:prstGeom>
+        </p:spPr>
+      </p:pic>
+      <p:pic>
+        <p:nvPicPr>
+          <p:cNvPr id="12" name="Picture 11"/>
+          <p:cNvPicPr>
+            <a:picLocks noChangeAspect="1"/>
+          </p:cNvPicPr>
+          <p:nvPr/>
+        </p:nvPicPr>
+        <p:blipFill rotWithShape="1">
+          <a:blip r:embed="rId2"/>
+          <a:srcRect l="1121" t="51441" r="51203" b="1158"/>
+          <a:stretch/>
+        </p:blipFill>
+        <p:spPr>
+          <a:xfrm>
+            <a:off x="1719386" y="4329723"/>
+            <a:ext cx="2743200" cy="2438399"/>
+          </a:xfrm>
+          <a:prstGeom prst="rect">
+            <a:avLst/>
+          </a:prstGeom>
+        </p:spPr>
+      </p:pic>
+      <p:pic>
+        <p:nvPicPr>
+          <p:cNvPr id="11" name="Picture 10"/>
+          <p:cNvPicPr>
+            <a:picLocks noChangeAspect="1"/>
+          </p:cNvPicPr>
+          <p:nvPr/>
+        </p:nvPicPr>
+        <p:blipFill rotWithShape="1">
+          <a:blip r:embed="rId2"/>
+          <a:srcRect l="48526" r="-1" b="51446"/>
+          <a:stretch/>
+        </p:blipFill>
+        <p:spPr>
+          <a:xfrm>
+            <a:off x="4446954" y="1683548"/>
+            <a:ext cx="2961828" cy="2497684"/>
+          </a:xfrm>
+          <a:prstGeom prst="rect">
+            <a:avLst/>
+          </a:prstGeom>
+        </p:spPr>
+      </p:pic>
+      <p:sp>
+        <p:nvSpPr>
+          <p:cNvPr id="4" name="Title 3"/>
+          <p:cNvSpPr>
+            <a:spLocks noGrp="1"/>
+          </p:cNvSpPr>
+          <p:nvPr>
+            <p:ph type="title"/>
+          </p:nvPr>
+        </p:nvSpPr>
+        <p:spPr/>
+        <p:txBody>
+          <a:bodyPr/>
+          <a:lstStyle/>
+          <a:p>
+            <a:r>
+              <a:rPr lang="ru-RU" dirty="0" smtClean="0"/>
+              <a:t>Спустя несколько минут после сдачи программы на проверку</a:t>
+            </a:r>
+            <a:endParaRPr lang="ru-RU" dirty="0"/>
+          </a:p>
+        </p:txBody>
+      </p:sp>
+      <p:pic>
+        <p:nvPicPr>
+          <p:cNvPr id="5" name="Picture 4"/>
+          <p:cNvPicPr>
+            <a:picLocks noChangeAspect="1"/>
+          </p:cNvPicPr>
+          <p:nvPr/>
+        </p:nvPicPr>
+        <p:blipFill rotWithShape="1">
+          <a:blip r:embed="rId2"/>
+          <a:srcRect r="51827" b="50826"/>
+          <a:stretch/>
+        </p:blipFill>
+        <p:spPr>
+          <a:xfrm>
+            <a:off x="1636056" y="1690689"/>
+            <a:ext cx="2771822" cy="2529619"/>
+          </a:xfrm>
+          <a:prstGeom prst="rect">
+            <a:avLst/>
+          </a:prstGeom>
+        </p:spPr>
+      </p:pic>
+      <p:sp>
+        <p:nvSpPr>
+          <p:cNvPr id="6" name="TextBox 5"/>
+          <p:cNvSpPr txBox="1"/>
+          <p:nvPr/>
+        </p:nvSpPr>
+        <p:spPr>
+          <a:xfrm>
+            <a:off x="1696065" y="1769807"/>
+            <a:ext cx="2544096" cy="830997"/>
+          </a:xfrm>
+          <a:prstGeom prst="rect">
+            <a:avLst/>
+          </a:prstGeom>
+          <a:noFill/>
+        </p:spPr>
+        <p:txBody>
+          <a:bodyPr wrap="square" rtlCol="0">
+            <a:spAutoFit/>
+          </a:bodyPr>
+          <a:lstStyle/>
+          <a:p>
+            <a:r>
+              <a:rPr lang="ru-RU" sz="1200" dirty="0" smtClean="0">
+                <a:latin typeface="Comic Sans MS" panose="030F0702030302020204" pitchFamily="66" charset="0"/>
+              </a:rPr>
+              <a:t>Я написал свою программу быстрее тебя и даже обработал ошибки ввода чисел.</a:t>
+            </a:r>
+            <a:br>
+              <a:rPr lang="ru-RU" sz="1200" dirty="0" smtClean="0">
+                <a:latin typeface="Comic Sans MS" panose="030F0702030302020204" pitchFamily="66" charset="0"/>
+              </a:rPr>
+            </a:br>
+            <a:r>
+              <a:rPr lang="ru-RU" sz="1200" dirty="0" smtClean="0">
+                <a:latin typeface="Comic Sans MS" panose="030F0702030302020204" pitchFamily="66" charset="0"/>
+              </a:rPr>
+              <a:t>Победа моя!</a:t>
+            </a:r>
+            <a:endParaRPr lang="ru-RU" sz="1200" dirty="0">
+              <a:latin typeface="Comic Sans MS" panose="030F0702030302020204" pitchFamily="66" charset="0"/>
+            </a:endParaRPr>
+          </a:p>
+        </p:txBody>
+      </p:sp>
+      <p:sp>
+        <p:nvSpPr>
+          <p:cNvPr id="7" name="TextBox 6"/>
+          <p:cNvSpPr txBox="1"/>
+          <p:nvPr/>
+        </p:nvSpPr>
+        <p:spPr>
+          <a:xfrm>
+            <a:off x="1939412" y="3016252"/>
+            <a:ext cx="1681316" cy="1200329"/>
+          </a:xfrm>
+          <a:prstGeom prst="rect">
+            <a:avLst/>
+          </a:prstGeom>
+          <a:noFill/>
+        </p:spPr>
+        <p:txBody>
+          <a:bodyPr wrap="square" rtlCol="0">
+            <a:spAutoFit/>
+          </a:bodyPr>
+          <a:lstStyle/>
+          <a:p>
+            <a:r>
+              <a:rPr lang="ru-RU" sz="1200" dirty="0" smtClean="0">
+                <a:latin typeface="Comic Sans MS" panose="030F0702030302020204" pitchFamily="66" charset="0"/>
+              </a:rPr>
+              <a:t>А вот мне пришлось долго повозиться с обработкой символа конца файла</a:t>
+            </a:r>
+            <a:endParaRPr lang="ru-RU" sz="1200" dirty="0">
+              <a:latin typeface="Comic Sans MS" panose="030F0702030302020204" pitchFamily="66" charset="0"/>
+            </a:endParaRPr>
+          </a:p>
+        </p:txBody>
+      </p:sp>
+      <p:sp>
+        <p:nvSpPr>
+          <p:cNvPr id="8" name="TextBox 7"/>
+          <p:cNvSpPr txBox="1"/>
+          <p:nvPr/>
+        </p:nvSpPr>
+        <p:spPr>
+          <a:xfrm>
+            <a:off x="4513005" y="1815923"/>
+            <a:ext cx="2595718" cy="1384995"/>
+          </a:xfrm>
+          <a:prstGeom prst="rect">
+            <a:avLst/>
+          </a:prstGeom>
+          <a:noFill/>
+        </p:spPr>
+        <p:txBody>
+          <a:bodyPr wrap="square" rtlCol="0">
+            <a:spAutoFit/>
+          </a:bodyPr>
+          <a:lstStyle/>
+          <a:p>
+            <a:r>
+              <a:rPr lang="ru-RU" sz="1200" dirty="0" smtClean="0">
+                <a:latin typeface="Comic Sans MS" panose="030F0702030302020204" pitchFamily="66" charset="0"/>
+              </a:rPr>
+              <a:t>Но ведь… я же проверя</a:t>
+            </a:r>
+            <a:r>
+              <a:rPr lang="ru-RU" sz="1200" dirty="0">
+                <a:latin typeface="Comic Sans MS" panose="030F0702030302020204" pitchFamily="66" charset="0"/>
+              </a:rPr>
+              <a:t>л</a:t>
+            </a:r>
+            <a:r>
+              <a:rPr lang="ru-RU" sz="1200" dirty="0" smtClean="0">
+                <a:latin typeface="Comic Sans MS" panose="030F0702030302020204" pitchFamily="66" charset="0"/>
+              </a:rPr>
+              <a:t> код ошибки, полученный от процедуры</a:t>
+            </a:r>
+            <a:br>
+              <a:rPr lang="ru-RU" sz="1200" dirty="0" smtClean="0">
+                <a:latin typeface="Comic Sans MS" panose="030F0702030302020204" pitchFamily="66" charset="0"/>
+              </a:rPr>
+            </a:br>
+            <a:r>
+              <a:rPr lang="en-US" sz="1200" dirty="0" smtClean="0">
+                <a:latin typeface="Comic Sans MS" panose="030F0702030302020204" pitchFamily="66" charset="0"/>
+              </a:rPr>
+              <a:t>VAL</a:t>
+            </a:r>
+            <a:r>
+              <a:rPr lang="ru-RU" sz="1200" dirty="0" smtClean="0">
+                <a:latin typeface="Comic Sans MS" panose="030F0702030302020204" pitchFamily="66" charset="0"/>
+              </a:rPr>
+              <a:t>,</a:t>
+            </a:r>
+            <a:br>
+              <a:rPr lang="ru-RU" sz="1200" dirty="0" smtClean="0">
+                <a:latin typeface="Comic Sans MS" panose="030F0702030302020204" pitchFamily="66" charset="0"/>
+              </a:rPr>
+            </a:br>
+            <a:r>
+              <a:rPr lang="ru-RU" sz="1200" dirty="0" smtClean="0">
+                <a:latin typeface="Comic Sans MS" panose="030F0702030302020204" pitchFamily="66" charset="0"/>
+              </a:rPr>
+              <a:t>когда</a:t>
+            </a:r>
+            <a:br>
+              <a:rPr lang="ru-RU" sz="1200" dirty="0" smtClean="0">
+                <a:latin typeface="Comic Sans MS" panose="030F0702030302020204" pitchFamily="66" charset="0"/>
+              </a:rPr>
+            </a:br>
+            <a:r>
+              <a:rPr lang="ru-RU" sz="1200" dirty="0" smtClean="0">
+                <a:latin typeface="Comic Sans MS" panose="030F0702030302020204" pitchFamily="66" charset="0"/>
+              </a:rPr>
+              <a:t>преобразовал</a:t>
+            </a:r>
+            <a:br>
+              <a:rPr lang="ru-RU" sz="1200" dirty="0" smtClean="0">
+                <a:latin typeface="Comic Sans MS" panose="030F0702030302020204" pitchFamily="66" charset="0"/>
+              </a:rPr>
+            </a:br>
+            <a:r>
+              <a:rPr lang="ru-RU" sz="1200" dirty="0" smtClean="0">
+                <a:latin typeface="Comic Sans MS" panose="030F0702030302020204" pitchFamily="66" charset="0"/>
+              </a:rPr>
+              <a:t>строку в число</a:t>
+            </a:r>
+            <a:endParaRPr lang="ru-RU" sz="1200" dirty="0">
+              <a:latin typeface="Comic Sans MS" panose="030F0702030302020204" pitchFamily="66" charset="0"/>
+            </a:endParaRPr>
+          </a:p>
+        </p:txBody>
+      </p:sp>
+      <p:sp>
+        <p:nvSpPr>
+          <p:cNvPr id="9" name="TextBox 8"/>
+          <p:cNvSpPr txBox="1"/>
+          <p:nvPr/>
+        </p:nvSpPr>
+        <p:spPr>
+          <a:xfrm>
+            <a:off x="1696065" y="4386588"/>
+            <a:ext cx="2595718" cy="1569660"/>
+          </a:xfrm>
+          <a:prstGeom prst="rect">
+            <a:avLst/>
+          </a:prstGeom>
+          <a:noFill/>
+        </p:spPr>
+        <p:txBody>
+          <a:bodyPr wrap="square" rtlCol="0">
+            <a:spAutoFit/>
+          </a:bodyPr>
+          <a:lstStyle/>
+          <a:p>
+            <a:r>
+              <a:rPr lang="ru-RU" sz="1200" dirty="0" smtClean="0">
+                <a:latin typeface="Comic Sans MS" panose="030F0702030302020204" pitchFamily="66" charset="0"/>
+              </a:rPr>
+              <a:t>... а строку я считывал при помощи процедуры</a:t>
+            </a:r>
+            <a:br>
+              <a:rPr lang="ru-RU" sz="1200" dirty="0" smtClean="0">
+                <a:latin typeface="Comic Sans MS" panose="030F0702030302020204" pitchFamily="66" charset="0"/>
+              </a:rPr>
+            </a:br>
+            <a:r>
+              <a:rPr lang="en-US" sz="1200" dirty="0" smtClean="0">
+                <a:latin typeface="Comic Sans MS" panose="030F0702030302020204" pitchFamily="66" charset="0"/>
+              </a:rPr>
+              <a:t>READLN</a:t>
+            </a:r>
+            <a:r>
+              <a:rPr lang="ru-RU" sz="1200" dirty="0" smtClean="0">
+                <a:latin typeface="Comic Sans MS" panose="030F0702030302020204" pitchFamily="66" charset="0"/>
+              </a:rPr>
+              <a:t>.</a:t>
+            </a:r>
+          </a:p>
+          <a:p>
+            <a:r>
+              <a:rPr lang="ru-RU" sz="1200" dirty="0" smtClean="0">
+                <a:latin typeface="Comic Sans MS" panose="030F0702030302020204" pitchFamily="66" charset="0"/>
+              </a:rPr>
+              <a:t/>
+            </a:r>
+            <a:br>
+              <a:rPr lang="ru-RU" sz="1200" dirty="0" smtClean="0">
+                <a:latin typeface="Comic Sans MS" panose="030F0702030302020204" pitchFamily="66" charset="0"/>
+              </a:rPr>
+            </a:br>
+            <a:r>
+              <a:rPr lang="ru-RU" sz="1200" dirty="0" smtClean="0">
+                <a:latin typeface="Comic Sans MS" panose="030F0702030302020204" pitchFamily="66" charset="0"/>
+              </a:rPr>
+              <a:t>А перед</a:t>
+            </a:r>
+          </a:p>
+          <a:p>
+            <a:r>
+              <a:rPr lang="en-US" sz="1200" dirty="0" smtClean="0">
+                <a:latin typeface="Comic Sans MS" panose="030F0702030302020204" pitchFamily="66" charset="0"/>
+              </a:rPr>
+              <a:t>READLN</a:t>
+            </a:r>
+            <a:r>
+              <a:rPr lang="ru-RU" sz="1200" dirty="0" smtClean="0">
+                <a:latin typeface="Comic Sans MS" panose="030F0702030302020204" pitchFamily="66" charset="0"/>
+              </a:rPr>
+              <a:t> надо</a:t>
+            </a:r>
+          </a:p>
+          <a:p>
+            <a:r>
+              <a:rPr lang="ru-RU" sz="1200" dirty="0">
+                <a:latin typeface="Comic Sans MS" panose="030F0702030302020204" pitchFamily="66" charset="0"/>
+              </a:rPr>
+              <a:t>д</a:t>
+            </a:r>
+            <a:r>
+              <a:rPr lang="ru-RU" sz="1200" dirty="0" smtClean="0">
+                <a:latin typeface="Comic Sans MS" panose="030F0702030302020204" pitchFamily="66" charset="0"/>
+              </a:rPr>
+              <a:t>елать проверку на</a:t>
+            </a:r>
+          </a:p>
+          <a:p>
+            <a:r>
+              <a:rPr lang="en-US" sz="1200" dirty="0" smtClean="0">
+                <a:latin typeface="Comic Sans MS" panose="030F0702030302020204" pitchFamily="66" charset="0"/>
+              </a:rPr>
+              <a:t>EOF…</a:t>
+            </a:r>
+          </a:p>
+        </p:txBody>
+      </p:sp>
+      <p:sp>
+        <p:nvSpPr>
+          <p:cNvPr id="10" name="TextBox 9"/>
+          <p:cNvSpPr txBox="1"/>
+          <p:nvPr/>
+        </p:nvSpPr>
+        <p:spPr>
+          <a:xfrm>
+            <a:off x="4539646" y="4452956"/>
+            <a:ext cx="902509" cy="461665"/>
+          </a:xfrm>
+          <a:prstGeom prst="rect">
+            <a:avLst/>
+          </a:prstGeom>
+          <a:solidFill>
+            <a:schemeClr val="bg1"/>
+          </a:solidFill>
+        </p:spPr>
+        <p:txBody>
+          <a:bodyPr wrap="square" rtlCol="0">
+            <a:spAutoFit/>
+          </a:bodyPr>
+          <a:lstStyle/>
+          <a:p>
+            <a:r>
+              <a:rPr lang="ru-RU" sz="1200" dirty="0" smtClean="0">
+                <a:latin typeface="Comic Sans MS" panose="030F0702030302020204" pitchFamily="66" charset="0"/>
+              </a:rPr>
+              <a:t>Как я мог забыть?</a:t>
+            </a:r>
+            <a:endParaRPr lang="en-US" sz="1200" dirty="0" smtClean="0">
+              <a:latin typeface="Comic Sans MS" panose="030F0702030302020204" pitchFamily="66" charset="0"/>
+            </a:endParaRPr>
+          </a:p>
+        </p:txBody>
+      </p:sp>
+    </p:spTree>
+    <p:extLst>
+      <p:ext uri="{BB962C8B-B14F-4D97-AF65-F5344CB8AC3E}">
+        <p14:creationId xmlns:p14="http://schemas.microsoft.com/office/powerpoint/2010/main" val="1287562539"/>
+      </p:ext>
+    </p:extLst>
+  </p:cSld>
+  <p:clrMapOvr>
+    <a:masterClrMapping/>
+  </p:clrMapOvr>
+  <p:timing>
+    <p:tnLst>
+      <p:par>
+        <p:cTn id="1" dur="indefinite" restart="never" nodeType="tmRoot">
+          <p:childTnLst>
+            <p:seq concurrent="1" nextAc="seek">
+              <p:cTn id="2" dur="indefinite" nodeType="mainSeq">
+                <p:childTnLst>
+                  <p:par>
+                    <p:cTn id="3" fill="hold">
+                      <p:stCondLst>
+                        <p:cond delay="indefinite"/>
+                      </p:stCondLst>
+                      <p:childTnLst>
+                        <p:par>
+                          <p:cTn id="4" fill="hold">
+                            <p:stCondLst>
+                              <p:cond delay="0"/>
+                            </p:stCondLst>
+                            <p:childTnLst>
+                              <p:par>
+                                <p:cTn id="5" presetID="10" presetClass="entr" presetSubtype="0" fill="hold" nodeType="clickEffect">
+                                  <p:stCondLst>
+                                    <p:cond delay="0"/>
+                                  </p:stCondLst>
+                                  <p:childTnLst>
+                                    <p:set>
+                                      <p:cBhvr>
+                                        <p:cTn id="6" dur="1" fill="hold">
+                                          <p:stCondLst>
+                                            <p:cond delay="0"/>
+                                          </p:stCondLst>
+                                        </p:cTn>
+                                        <p:tgtEl>
+                                          <p:spTgt spid="5"/>
+                                        </p:tgtEl>
+                                        <p:attrNameLst>
+                                          <p:attrName>style.visibility</p:attrName>
+                                        </p:attrNameLst>
+                                      </p:cBhvr>
+                                      <p:to>
+                                        <p:strVal val="visible"/>
+                                      </p:to>
+                                    </p:set>
+                                    <p:animEffect transition="in" filter="fade">
+                                      <p:cBhvr>
+                                        <p:cTn id="7" dur="500"/>
+                                        <p:tgtEl>
+                                          <p:spTgt spid="5"/>
+                                        </p:tgtEl>
+                                      </p:cBhvr>
+                                    </p:animEffect>
+                                  </p:childTnLst>
+                                </p:cTn>
+                              </p:par>
+                            </p:childTnLst>
+                          </p:cTn>
+                        </p:par>
+                        <p:par>
+                          <p:cTn id="8" fill="hold">
+                            <p:stCondLst>
+                              <p:cond delay="500"/>
+                            </p:stCondLst>
+                            <p:childTnLst>
+                              <p:par>
+                                <p:cTn id="9" presetID="10" presetClass="entr" presetSubtype="0" fill="hold" grpId="0" nodeType="afterEffect">
+                                  <p:stCondLst>
+                                    <p:cond delay="0"/>
+                                  </p:stCondLst>
+                                  <p:childTnLst>
+                                    <p:set>
+                                      <p:cBhvr>
+                                        <p:cTn id="10" dur="1" fill="hold">
+                                          <p:stCondLst>
+                                            <p:cond delay="0"/>
+                                          </p:stCondLst>
+                                        </p:cTn>
+                                        <p:tgtEl>
+                                          <p:spTgt spid="6"/>
+                                        </p:tgtEl>
+                                        <p:attrNameLst>
+                                          <p:attrName>style.visibility</p:attrName>
+                                        </p:attrNameLst>
+                                      </p:cBhvr>
+                                      <p:to>
+                                        <p:strVal val="visible"/>
+                                      </p:to>
+                                    </p:set>
+                                    <p:animEffect transition="in" filter="fade">
+                                      <p:cBhvr>
+                                        <p:cTn id="11" dur="500"/>
+                                        <p:tgtEl>
+                                          <p:spTgt spid="6"/>
+                                        </p:tgtEl>
+                                      </p:cBhvr>
+                                    </p:animEffect>
+                                  </p:childTnLst>
+                                </p:cTn>
+                              </p:par>
+                            </p:childTnLst>
+                          </p:cTn>
+                        </p:par>
+                      </p:childTnLst>
+                    </p:cTn>
+                  </p:par>
+                  <p:par>
+                    <p:cTn id="12" fill="hold">
+                      <p:stCondLst>
+                        <p:cond delay="indefinite"/>
+                      </p:stCondLst>
+                      <p:childTnLst>
+                        <p:par>
+                          <p:cTn id="13" fill="hold">
+                            <p:stCondLst>
+                              <p:cond delay="0"/>
+                            </p:stCondLst>
+                            <p:childTnLst>
+                              <p:par>
+                                <p:cTn id="14" presetID="10" presetClass="entr" presetSubtype="0" fill="hold" grpId="0" nodeType="clickEffect">
+                                  <p:stCondLst>
+                                    <p:cond delay="0"/>
+                                  </p:stCondLst>
+                                  <p:childTnLst>
+                                    <p:set>
+                                      <p:cBhvr>
+                                        <p:cTn id="15" dur="1" fill="hold">
+                                          <p:stCondLst>
+                                            <p:cond delay="0"/>
+                                          </p:stCondLst>
+                                        </p:cTn>
+                                        <p:tgtEl>
+                                          <p:spTgt spid="7"/>
+                                        </p:tgtEl>
+                                        <p:attrNameLst>
+                                          <p:attrName>style.visibility</p:attrName>
+                                        </p:attrNameLst>
+                                      </p:cBhvr>
+                                      <p:to>
+                                        <p:strVal val="visible"/>
+                                      </p:to>
+                                    </p:set>
+                                    <p:animEffect transition="in" filter="fade">
+                                      <p:cBhvr>
+                                        <p:cTn id="16" dur="500"/>
+                                        <p:tgtEl>
+                                          <p:spTgt spid="7"/>
+                                        </p:tgtEl>
+                                      </p:cBhvr>
+                                    </p:animEffect>
+                                  </p:childTnLst>
+                                </p:cTn>
+                              </p:par>
+                            </p:childTnLst>
+                          </p:cTn>
+                        </p:par>
+                      </p:childTnLst>
+                    </p:cTn>
+                  </p:par>
+                  <p:par>
+                    <p:cTn id="17" fill="hold">
+                      <p:stCondLst>
+                        <p:cond delay="indefinite"/>
+                      </p:stCondLst>
+                      <p:childTnLst>
+                        <p:par>
+                          <p:cTn id="18" fill="hold">
+                            <p:stCondLst>
+                              <p:cond delay="0"/>
+                            </p:stCondLst>
+                            <p:childTnLst>
+                              <p:par>
+                                <p:cTn id="19" presetID="10" presetClass="entr" presetSubtype="0" fill="hold" nodeType="clickEffect">
+                                  <p:stCondLst>
+                                    <p:cond delay="0"/>
+                                  </p:stCondLst>
+                                  <p:childTnLst>
+                                    <p:set>
+                                      <p:cBhvr>
+                                        <p:cTn id="20" dur="1" fill="hold">
+                                          <p:stCondLst>
+                                            <p:cond delay="0"/>
+                                          </p:stCondLst>
+                                        </p:cTn>
+                                        <p:tgtEl>
+                                          <p:spTgt spid="11"/>
+                                        </p:tgtEl>
+                                        <p:attrNameLst>
+                                          <p:attrName>style.visibility</p:attrName>
+                                        </p:attrNameLst>
+                                      </p:cBhvr>
+                                      <p:to>
+                                        <p:strVal val="visible"/>
+                                      </p:to>
+                                    </p:set>
+                                    <p:animEffect transition="in" filter="fade">
+                                      <p:cBhvr>
+                                        <p:cTn id="21" dur="500"/>
+                                        <p:tgtEl>
+                                          <p:spTgt spid="11"/>
+                                        </p:tgtEl>
+                                      </p:cBhvr>
+                                    </p:animEffect>
+                                  </p:childTnLst>
+                                </p:cTn>
+                              </p:par>
+                            </p:childTnLst>
+                          </p:cTn>
+                        </p:par>
+                        <p:par>
+                          <p:cTn id="22" fill="hold">
+                            <p:stCondLst>
+                              <p:cond delay="500"/>
+                            </p:stCondLst>
+                            <p:childTnLst>
+                              <p:par>
+                                <p:cTn id="23" presetID="10" presetClass="entr" presetSubtype="0" fill="hold" grpId="0" nodeType="afterEffect">
+                                  <p:stCondLst>
+                                    <p:cond delay="0"/>
+                                  </p:stCondLst>
+                                  <p:childTnLst>
+                                    <p:set>
+                                      <p:cBhvr>
+                                        <p:cTn id="24" dur="1" fill="hold">
+                                          <p:stCondLst>
+                                            <p:cond delay="0"/>
+                                          </p:stCondLst>
+                                        </p:cTn>
+                                        <p:tgtEl>
+                                          <p:spTgt spid="8"/>
+                                        </p:tgtEl>
+                                        <p:attrNameLst>
+                                          <p:attrName>style.visibility</p:attrName>
+                                        </p:attrNameLst>
+                                      </p:cBhvr>
+                                      <p:to>
+                                        <p:strVal val="visible"/>
+                                      </p:to>
+                                    </p:set>
+                                    <p:animEffect transition="in" filter="fade">
+                                      <p:cBhvr>
+                                        <p:cTn id="25" dur="500"/>
+                                        <p:tgtEl>
+                                          <p:spTgt spid="8"/>
+                                        </p:tgtEl>
+                                      </p:cBhvr>
+                                    </p:animEffect>
+                                  </p:childTnLst>
+                                </p:cTn>
+                              </p:par>
+                            </p:childTnLst>
+                          </p:cTn>
+                        </p:par>
+                      </p:childTnLst>
+                    </p:cTn>
+                  </p:par>
+                  <p:par>
+                    <p:cTn id="26" fill="hold">
+                      <p:stCondLst>
+                        <p:cond delay="indefinite"/>
+                      </p:stCondLst>
+                      <p:childTnLst>
+                        <p:par>
+                          <p:cTn id="27" fill="hold">
+                            <p:stCondLst>
+                              <p:cond delay="0"/>
+                            </p:stCondLst>
+                            <p:childTnLst>
+                              <p:par>
+                                <p:cTn id="28" presetID="10" presetClass="entr" presetSubtype="0" fill="hold" nodeType="clickEffect">
+                                  <p:stCondLst>
+                                    <p:cond delay="0"/>
+                                  </p:stCondLst>
+                                  <p:childTnLst>
+                                    <p:set>
+                                      <p:cBhvr>
+                                        <p:cTn id="29" dur="1" fill="hold">
+                                          <p:stCondLst>
+                                            <p:cond delay="0"/>
+                                          </p:stCondLst>
+                                        </p:cTn>
+                                        <p:tgtEl>
+                                          <p:spTgt spid="12"/>
+                                        </p:tgtEl>
+                                        <p:attrNameLst>
+                                          <p:attrName>style.visibility</p:attrName>
+                                        </p:attrNameLst>
+                                      </p:cBhvr>
+                                      <p:to>
+                                        <p:strVal val="visible"/>
+                                      </p:to>
+                                    </p:set>
+                                    <p:animEffect transition="in" filter="fade">
+                                      <p:cBhvr>
+                                        <p:cTn id="30" dur="500"/>
+                                        <p:tgtEl>
+                                          <p:spTgt spid="12"/>
+                                        </p:tgtEl>
+                                      </p:cBhvr>
+                                    </p:animEffect>
+                                  </p:childTnLst>
+                                </p:cTn>
+                              </p:par>
+                            </p:childTnLst>
+                          </p:cTn>
+                        </p:par>
+                        <p:par>
+                          <p:cTn id="31" fill="hold">
+                            <p:stCondLst>
+                              <p:cond delay="500"/>
+                            </p:stCondLst>
+                            <p:childTnLst>
+                              <p:par>
+                                <p:cTn id="32" presetID="10" presetClass="entr" presetSubtype="0" fill="hold" grpId="0" nodeType="afterEffect">
+                                  <p:stCondLst>
+                                    <p:cond delay="0"/>
+                                  </p:stCondLst>
+                                  <p:childTnLst>
+                                    <p:set>
+                                      <p:cBhvr>
+                                        <p:cTn id="33" dur="1" fill="hold">
+                                          <p:stCondLst>
+                                            <p:cond delay="0"/>
+                                          </p:stCondLst>
+                                        </p:cTn>
+                                        <p:tgtEl>
+                                          <p:spTgt spid="9"/>
+                                        </p:tgtEl>
+                                        <p:attrNameLst>
+                                          <p:attrName>style.visibility</p:attrName>
+                                        </p:attrNameLst>
+                                      </p:cBhvr>
+                                      <p:to>
+                                        <p:strVal val="visible"/>
+                                      </p:to>
+                                    </p:set>
+                                    <p:animEffect transition="in" filter="fade">
+                                      <p:cBhvr>
+                                        <p:cTn id="34" dur="500"/>
+                                        <p:tgtEl>
+                                          <p:spTgt spid="9"/>
+                                        </p:tgtEl>
+                                      </p:cBhvr>
+                                    </p:animEffect>
+                                  </p:childTnLst>
+                                </p:cTn>
+                              </p:par>
+                            </p:childTnLst>
+                          </p:cTn>
+                        </p:par>
+                      </p:childTnLst>
+                    </p:cTn>
+                  </p:par>
+                  <p:par>
+                    <p:cTn id="35" fill="hold">
+                      <p:stCondLst>
+                        <p:cond delay="indefinite"/>
+                      </p:stCondLst>
+                      <p:childTnLst>
+                        <p:par>
+                          <p:cTn id="36" fill="hold">
+                            <p:stCondLst>
+                              <p:cond delay="0"/>
+                            </p:stCondLst>
+                            <p:childTnLst>
+                              <p:par>
+                                <p:cTn id="37" presetID="10" presetClass="entr" presetSubtype="0" fill="hold" nodeType="clickEffect">
+                                  <p:stCondLst>
+                                    <p:cond delay="0"/>
+                                  </p:stCondLst>
+                                  <p:childTnLst>
+                                    <p:set>
+                                      <p:cBhvr>
+                                        <p:cTn id="38" dur="1" fill="hold">
+                                          <p:stCondLst>
+                                            <p:cond delay="0"/>
+                                          </p:stCondLst>
+                                        </p:cTn>
+                                        <p:tgtEl>
+                                          <p:spTgt spid="13"/>
+                                        </p:tgtEl>
+                                        <p:attrNameLst>
+                                          <p:attrName>style.visibility</p:attrName>
+                                        </p:attrNameLst>
+                                      </p:cBhvr>
+                                      <p:to>
+                                        <p:strVal val="visible"/>
+                                      </p:to>
+                                    </p:set>
+                                    <p:animEffect transition="in" filter="fade">
+                                      <p:cBhvr>
+                                        <p:cTn id="39" dur="500"/>
+                                        <p:tgtEl>
+                                          <p:spTgt spid="13"/>
+                                        </p:tgtEl>
+                                      </p:cBhvr>
+                                    </p:animEffect>
+                                  </p:childTnLst>
+                                </p:cTn>
+                              </p:par>
+                            </p:childTnLst>
+                          </p:cTn>
+                        </p:par>
+                        <p:par>
+                          <p:cTn id="40" fill="hold">
+                            <p:stCondLst>
+                              <p:cond delay="500"/>
+                            </p:stCondLst>
+                            <p:childTnLst>
+                              <p:par>
+                                <p:cTn id="41" presetID="10" presetClass="entr" presetSubtype="0" fill="hold" grpId="0" nodeType="afterEffect">
+                                  <p:stCondLst>
+                                    <p:cond delay="0"/>
+                                  </p:stCondLst>
+                                  <p:childTnLst>
+                                    <p:set>
+                                      <p:cBhvr>
+                                        <p:cTn id="42" dur="1" fill="hold">
+                                          <p:stCondLst>
+                                            <p:cond delay="0"/>
+                                          </p:stCondLst>
+                                        </p:cTn>
+                                        <p:tgtEl>
+                                          <p:spTgt spid="10"/>
+                                        </p:tgtEl>
+                                        <p:attrNameLst>
+                                          <p:attrName>style.visibility</p:attrName>
+                                        </p:attrNameLst>
+                                      </p:cBhvr>
+                                      <p:to>
+                                        <p:strVal val="visible"/>
+                                      </p:to>
+                                    </p:set>
+                                    <p:animEffect transition="in" filter="fade">
+                                      <p:cBhvr>
+                                        <p:cTn id="43" dur="500"/>
+                                        <p:tgtEl>
+                                          <p:spTgt spid="10"/>
+                                        </p:tgtEl>
+                                      </p:cBhvr>
+                                    </p:animEffect>
+                                  </p:childTnLst>
+                                </p:cTn>
+                              </p:par>
+                            </p:childTnLst>
+                          </p:cTn>
+                        </p:par>
+                      </p:childTnLst>
+                    </p:cTn>
+                  </p:par>
+                </p:childTnLst>
+              </p:cTn>
+              <p:prevCondLst>
+                <p:cond evt="onPrev" delay="0">
+                  <p:tgtEl>
+                    <p:sldTgt/>
+                  </p:tgtEl>
+                </p:cond>
+              </p:prevCondLst>
+              <p:nextCondLst>
+                <p:cond evt="onNext" delay="0">
+                  <p:tgtEl>
+                    <p:sldTgt/>
+                  </p:tgtEl>
+                </p:cond>
+              </p:nextCondLst>
+            </p:seq>
+          </p:childTnLst>
+        </p:cTn>
+      </p:par>
+    </p:tnLst>
+    <p:bldLst>
+      <p:bldP spid="6" grpId="0"/>
+      <p:bldP spid="7" grpId="0"/>
+      <p:bldP spid="8" grpId="0"/>
+      <p:bldP spid="9" grpId="0"/>
+      <p:bldP spid="10" grpId="0" animBg="1"/>
+    </p:bldLst>
+  </p:timing>
+</p:sld>
+</file>
+
+<file path=ppt/slides/slide24.xml><?xml version="1.0" encoding="utf-8"?>
+<p:sld xmlns:a="http://schemas.openxmlformats.org/drawingml/2006/main" xmlns:r="http://schemas.openxmlformats.org/officeDocument/2006/relationships" xmlns:p="http://schemas.openxmlformats.org/presentationml/2006/main">
+  <p:cSld>
+    <p:spTree>
+      <p:nvGrpSpPr>
+        <p:cNvPr id="1" name=""/>
+        <p:cNvGrpSpPr/>
+        <p:nvPr/>
+      </p:nvGrpSpPr>
+      <p:grpSpPr>
+        <a:xfrm>
+          <a:off x="0" y="0"/>
+          <a:ext cx="0" cy="0"/>
+          <a:chOff x="0" y="0"/>
+          <a:chExt cx="0" cy="0"/>
+        </a:xfrm>
+      </p:grpSpPr>
+      <p:sp>
+        <p:nvSpPr>
+          <p:cNvPr id="2" name="Title 1"/>
+          <p:cNvSpPr>
+            <a:spLocks noGrp="1"/>
+          </p:cNvSpPr>
+          <p:nvPr>
+            <p:ph type="title"/>
+          </p:nvPr>
+        </p:nvSpPr>
+        <p:spPr/>
+        <p:txBody>
+          <a:bodyPr/>
+          <a:lstStyle/>
+          <a:p>
+            <a:r>
+              <a:rPr lang="ru-RU" dirty="0" smtClean="0"/>
+              <a:t>Исправляем </a:t>
+            </a:r>
+            <a:r>
+              <a:rPr lang="en-US" dirty="0" err="1" smtClean="0"/>
+              <a:t>ReadInteger</a:t>
+            </a:r>
+            <a:endParaRPr lang="ru-RU" dirty="0"/>
+          </a:p>
+        </p:txBody>
+      </p:sp>
+      <p:sp>
+        <p:nvSpPr>
+          <p:cNvPr id="3" name="Rectangle 2"/>
+          <p:cNvSpPr/>
+          <p:nvPr/>
+        </p:nvSpPr>
+        <p:spPr>
+          <a:xfrm>
+            <a:off x="628649" y="2034350"/>
+            <a:ext cx="7413381" cy="4247317"/>
+          </a:xfrm>
+          <a:prstGeom prst="rect">
+            <a:avLst/>
+          </a:prstGeom>
+        </p:spPr>
+        <p:txBody>
+          <a:bodyPr wrap="square">
+            <a:spAutoFit/>
+          </a:bodyPr>
+          <a:lstStyle/>
+          <a:p>
+            <a:r>
+              <a:rPr lang="ru-RU" dirty="0">
+                <a:latin typeface="Lucida Console" panose="020B0609040504020204" pitchFamily="49" charset="0"/>
+              </a:rPr>
+              <a:t>FUNCTION </a:t>
+            </a:r>
+            <a:r>
+              <a:rPr lang="ru-RU" dirty="0" err="1">
+                <a:latin typeface="Lucida Console" panose="020B0609040504020204" pitchFamily="49" charset="0"/>
+              </a:rPr>
+              <a:t>ReadInteger</a:t>
+            </a:r>
+            <a:r>
+              <a:rPr lang="ru-RU" dirty="0">
+                <a:latin typeface="Lucida Console" panose="020B0609040504020204" pitchFamily="49" charset="0"/>
+              </a:rPr>
+              <a:t>(VAR X: INTEGER): BOOLEAN;</a:t>
+            </a:r>
+          </a:p>
+          <a:p>
+            <a:r>
+              <a:rPr lang="ru-RU" dirty="0">
+                <a:latin typeface="Lucida Console" panose="020B0609040504020204" pitchFamily="49" charset="0"/>
+              </a:rPr>
+              <a:t>VAR</a:t>
+            </a:r>
+          </a:p>
+          <a:p>
+            <a:r>
+              <a:rPr lang="ru-RU" dirty="0">
+                <a:latin typeface="Lucida Console" panose="020B0609040504020204" pitchFamily="49" charset="0"/>
+              </a:rPr>
+              <a:t>  </a:t>
+            </a:r>
+            <a:r>
+              <a:rPr lang="ru-RU" dirty="0" err="1">
+                <a:latin typeface="Lucida Console" panose="020B0609040504020204" pitchFamily="49" charset="0"/>
+              </a:rPr>
+              <a:t>InputString</a:t>
+            </a:r>
+            <a:r>
+              <a:rPr lang="ru-RU" dirty="0">
+                <a:latin typeface="Lucida Console" panose="020B0609040504020204" pitchFamily="49" charset="0"/>
+              </a:rPr>
+              <a:t>: STRING[255];</a:t>
+            </a:r>
+          </a:p>
+          <a:p>
+            <a:r>
+              <a:rPr lang="ru-RU" dirty="0">
+                <a:latin typeface="Lucida Console" panose="020B0609040504020204" pitchFamily="49" charset="0"/>
+              </a:rPr>
+              <a:t>  </a:t>
+            </a:r>
+            <a:r>
+              <a:rPr lang="ru-RU" dirty="0" err="1">
+                <a:latin typeface="Lucida Console" panose="020B0609040504020204" pitchFamily="49" charset="0"/>
+              </a:rPr>
+              <a:t>ErrorCode</a:t>
+            </a:r>
+            <a:r>
+              <a:rPr lang="ru-RU" dirty="0">
+                <a:latin typeface="Lucida Console" panose="020B0609040504020204" pitchFamily="49" charset="0"/>
+              </a:rPr>
+              <a:t>: INTEGER;</a:t>
+            </a:r>
+          </a:p>
+          <a:p>
+            <a:r>
+              <a:rPr lang="ru-RU" dirty="0">
+                <a:latin typeface="Lucida Console" panose="020B0609040504020204" pitchFamily="49" charset="0"/>
+              </a:rPr>
+              <a:t>BEGIN</a:t>
+            </a:r>
+          </a:p>
+          <a:p>
+            <a:r>
+              <a:rPr lang="ru-RU" dirty="0">
+                <a:latin typeface="Lucida Console" panose="020B0609040504020204" pitchFamily="49" charset="0"/>
+              </a:rPr>
+              <a:t>  IF NOT EOF</a:t>
+            </a:r>
+          </a:p>
+          <a:p>
+            <a:r>
+              <a:rPr lang="ru-RU" dirty="0">
+                <a:latin typeface="Lucida Console" panose="020B0609040504020204" pitchFamily="49" charset="0"/>
+              </a:rPr>
+              <a:t>  THEN</a:t>
+            </a:r>
+          </a:p>
+          <a:p>
+            <a:r>
+              <a:rPr lang="ru-RU" dirty="0">
+                <a:latin typeface="Lucida Console" panose="020B0609040504020204" pitchFamily="49" charset="0"/>
+              </a:rPr>
+              <a:t>    BEGIN</a:t>
+            </a:r>
+          </a:p>
+          <a:p>
+            <a:r>
+              <a:rPr lang="ru-RU" dirty="0">
+                <a:latin typeface="Lucida Console" panose="020B0609040504020204" pitchFamily="49" charset="0"/>
+              </a:rPr>
+              <a:t>      READLN(</a:t>
+            </a:r>
+            <a:r>
+              <a:rPr lang="ru-RU" dirty="0" err="1">
+                <a:latin typeface="Lucida Console" panose="020B0609040504020204" pitchFamily="49" charset="0"/>
+              </a:rPr>
+              <a:t>InputString</a:t>
+            </a:r>
+            <a:r>
+              <a:rPr lang="ru-RU" dirty="0">
+                <a:latin typeface="Lucida Console" panose="020B0609040504020204" pitchFamily="49" charset="0"/>
+              </a:rPr>
+              <a:t>);</a:t>
+            </a:r>
+          </a:p>
+          <a:p>
+            <a:r>
+              <a:rPr lang="ru-RU" dirty="0">
+                <a:latin typeface="Lucida Console" panose="020B0609040504020204" pitchFamily="49" charset="0"/>
+              </a:rPr>
+              <a:t>      VAL(</a:t>
+            </a:r>
+            <a:r>
+              <a:rPr lang="ru-RU" dirty="0" err="1">
+                <a:latin typeface="Lucida Console" panose="020B0609040504020204" pitchFamily="49" charset="0"/>
+              </a:rPr>
+              <a:t>InputString</a:t>
+            </a:r>
+            <a:r>
+              <a:rPr lang="ru-RU" dirty="0">
+                <a:latin typeface="Lucida Console" panose="020B0609040504020204" pitchFamily="49" charset="0"/>
+              </a:rPr>
+              <a:t>, X, </a:t>
+            </a:r>
+            <a:r>
+              <a:rPr lang="ru-RU" dirty="0" err="1">
+                <a:latin typeface="Lucida Console" panose="020B0609040504020204" pitchFamily="49" charset="0"/>
+              </a:rPr>
+              <a:t>ErrorCode</a:t>
+            </a:r>
+            <a:r>
+              <a:rPr lang="ru-RU" dirty="0">
+                <a:latin typeface="Lucida Console" panose="020B0609040504020204" pitchFamily="49" charset="0"/>
+              </a:rPr>
+              <a:t>);</a:t>
+            </a:r>
+          </a:p>
+          <a:p>
+            <a:r>
+              <a:rPr lang="ru-RU" dirty="0">
+                <a:latin typeface="Lucida Console" panose="020B0609040504020204" pitchFamily="49" charset="0"/>
+              </a:rPr>
+              <a:t>      </a:t>
+            </a:r>
+            <a:r>
+              <a:rPr lang="ru-RU" dirty="0" err="1">
+                <a:latin typeface="Lucida Console" panose="020B0609040504020204" pitchFamily="49" charset="0"/>
+              </a:rPr>
+              <a:t>ReadInteger</a:t>
+            </a:r>
+            <a:r>
+              <a:rPr lang="ru-RU" dirty="0">
+                <a:latin typeface="Lucida Console" panose="020B0609040504020204" pitchFamily="49" charset="0"/>
+              </a:rPr>
+              <a:t> := </a:t>
+            </a:r>
+            <a:r>
+              <a:rPr lang="ru-RU" dirty="0" err="1">
+                <a:latin typeface="Lucida Console" panose="020B0609040504020204" pitchFamily="49" charset="0"/>
+              </a:rPr>
+              <a:t>ErrorCode</a:t>
+            </a:r>
+            <a:r>
+              <a:rPr lang="ru-RU" dirty="0">
+                <a:latin typeface="Lucida Console" panose="020B0609040504020204" pitchFamily="49" charset="0"/>
+              </a:rPr>
+              <a:t> = 0</a:t>
+            </a:r>
+          </a:p>
+          <a:p>
+            <a:r>
+              <a:rPr lang="ru-RU" dirty="0">
+                <a:latin typeface="Lucida Console" panose="020B0609040504020204" pitchFamily="49" charset="0"/>
+              </a:rPr>
+              <a:t>    END  </a:t>
+            </a:r>
+          </a:p>
+          <a:p>
+            <a:r>
+              <a:rPr lang="ru-RU" dirty="0">
+                <a:latin typeface="Lucida Console" panose="020B0609040504020204" pitchFamily="49" charset="0"/>
+              </a:rPr>
+              <a:t>  ELSE</a:t>
+            </a:r>
+          </a:p>
+          <a:p>
+            <a:r>
+              <a:rPr lang="ru-RU" dirty="0">
+                <a:latin typeface="Lucida Console" panose="020B0609040504020204" pitchFamily="49" charset="0"/>
+              </a:rPr>
+              <a:t>    </a:t>
+            </a:r>
+            <a:r>
+              <a:rPr lang="ru-RU" dirty="0" err="1">
+                <a:latin typeface="Lucida Console" panose="020B0609040504020204" pitchFamily="49" charset="0"/>
+              </a:rPr>
+              <a:t>ReadInteger</a:t>
+            </a:r>
+            <a:r>
+              <a:rPr lang="ru-RU" dirty="0">
+                <a:latin typeface="Lucida Console" panose="020B0609040504020204" pitchFamily="49" charset="0"/>
+              </a:rPr>
+              <a:t> := FALSE</a:t>
+            </a:r>
+          </a:p>
+          <a:p>
+            <a:r>
+              <a:rPr lang="ru-RU" dirty="0">
+                <a:latin typeface="Lucida Console" panose="020B0609040504020204" pitchFamily="49" charset="0"/>
+              </a:rPr>
+              <a:t>END;</a:t>
+            </a:r>
+          </a:p>
+        </p:txBody>
+      </p:sp>
+      <p:sp>
+        <p:nvSpPr>
+          <p:cNvPr id="4" name="Прямоугольник 4"/>
+          <p:cNvSpPr/>
+          <p:nvPr/>
+        </p:nvSpPr>
+        <p:spPr>
+          <a:xfrm>
+            <a:off x="6597162" y="2484924"/>
+            <a:ext cx="2337760" cy="1015663"/>
+          </a:xfrm>
+          <a:prstGeom prst="rect">
+            <a:avLst/>
+          </a:prstGeom>
+        </p:spPr>
+        <p:style>
+          <a:lnRef idx="1">
+            <a:schemeClr val="dk1"/>
+          </a:lnRef>
+          <a:fillRef idx="3">
+            <a:schemeClr val="dk1"/>
+          </a:fillRef>
+          <a:effectRef idx="2">
+            <a:schemeClr val="dk1"/>
+          </a:effectRef>
+          <a:fontRef idx="minor">
+            <a:schemeClr val="lt1"/>
+          </a:fontRef>
+        </p:style>
+        <p:txBody>
+          <a:bodyPr wrap="square">
+            <a:spAutoFit/>
+          </a:bodyPr>
+          <a:lstStyle/>
+          <a:p>
+            <a:r>
+              <a:rPr lang="en-US" sz="2000" dirty="0" smtClean="0">
+                <a:latin typeface="Lucida Console" panose="020B0609040504020204" pitchFamily="49" charset="0"/>
+              </a:rPr>
+              <a:t>^Z</a:t>
+            </a:r>
+            <a:endParaRPr lang="en-US" sz="2000" dirty="0">
+              <a:latin typeface="Lucida Console" panose="020B0609040504020204" pitchFamily="49" charset="0"/>
+            </a:endParaRPr>
+          </a:p>
+          <a:p>
+            <a:r>
+              <a:rPr lang="en-US" sz="2000" dirty="0" smtClean="0">
+                <a:solidFill>
+                  <a:srgbClr val="FFFF00"/>
+                </a:solidFill>
+                <a:latin typeface="Lucida Console" panose="020B0609040504020204" pitchFamily="49" charset="0"/>
+              </a:rPr>
+              <a:t>ERROR</a:t>
+            </a:r>
+          </a:p>
+          <a:p>
+            <a:endParaRPr lang="ru-RU" sz="2000" dirty="0">
+              <a:solidFill>
+                <a:srgbClr val="FFFF00"/>
+              </a:solidFill>
+              <a:latin typeface="Lucida Console" panose="020B0609040504020204" pitchFamily="49" charset="0"/>
+            </a:endParaRPr>
+          </a:p>
+        </p:txBody>
+      </p:sp>
+      <p:sp>
+        <p:nvSpPr>
+          <p:cNvPr id="5" name="Прямоугольник 4"/>
+          <p:cNvSpPr/>
+          <p:nvPr/>
+        </p:nvSpPr>
+        <p:spPr>
+          <a:xfrm>
+            <a:off x="6597162" y="3987045"/>
+            <a:ext cx="2337760" cy="1015663"/>
+          </a:xfrm>
+          <a:prstGeom prst="rect">
+            <a:avLst/>
+          </a:prstGeom>
+        </p:spPr>
+        <p:style>
+          <a:lnRef idx="1">
+            <a:schemeClr val="dk1"/>
+          </a:lnRef>
+          <a:fillRef idx="3">
+            <a:schemeClr val="dk1"/>
+          </a:fillRef>
+          <a:effectRef idx="2">
+            <a:schemeClr val="dk1"/>
+          </a:effectRef>
+          <a:fontRef idx="minor">
+            <a:schemeClr val="lt1"/>
+          </a:fontRef>
+        </p:style>
+        <p:txBody>
+          <a:bodyPr wrap="square">
+            <a:spAutoFit/>
+          </a:bodyPr>
+          <a:lstStyle/>
+          <a:p>
+            <a:r>
+              <a:rPr lang="en-US" sz="2000" dirty="0" smtClean="0">
+                <a:latin typeface="Lucida Console" panose="020B0609040504020204" pitchFamily="49" charset="0"/>
+              </a:rPr>
+              <a:t>3</a:t>
+            </a:r>
+          </a:p>
+          <a:p>
+            <a:r>
+              <a:rPr lang="en-US" sz="2000" dirty="0" smtClean="0">
+                <a:latin typeface="Lucida Console" panose="020B0609040504020204" pitchFamily="49" charset="0"/>
+              </a:rPr>
+              <a:t>^Z</a:t>
+            </a:r>
+            <a:endParaRPr lang="en-US" sz="2000" dirty="0">
+              <a:latin typeface="Lucida Console" panose="020B0609040504020204" pitchFamily="49" charset="0"/>
+            </a:endParaRPr>
+          </a:p>
+          <a:p>
+            <a:r>
+              <a:rPr lang="en-US" sz="2000" dirty="0" smtClean="0">
+                <a:solidFill>
+                  <a:srgbClr val="FFFF00"/>
+                </a:solidFill>
+                <a:latin typeface="Lucida Console" panose="020B0609040504020204" pitchFamily="49" charset="0"/>
+              </a:rPr>
+              <a:t>ERROR</a:t>
+            </a:r>
+            <a:endParaRPr lang="ru-RU" sz="2000" dirty="0">
+              <a:solidFill>
+                <a:srgbClr val="FFFF00"/>
+              </a:solidFill>
+              <a:latin typeface="Lucida Console" panose="020B0609040504020204" pitchFamily="49" charset="0"/>
+            </a:endParaRPr>
+          </a:p>
+        </p:txBody>
+      </p:sp>
+      <p:sp>
+        <p:nvSpPr>
+          <p:cNvPr id="6" name="Cloud Callout 5"/>
+          <p:cNvSpPr/>
+          <p:nvPr/>
+        </p:nvSpPr>
+        <p:spPr>
+          <a:xfrm>
+            <a:off x="7323015" y="1364900"/>
+            <a:ext cx="1766277" cy="937847"/>
+          </a:xfrm>
+          <a:prstGeom prst="cloudCallout">
+            <a:avLst>
+              <a:gd name="adj1" fmla="val -63895"/>
+              <a:gd name="adj2" fmla="val 87501"/>
+            </a:avLst>
+          </a:prstGeom>
+          <a:solidFill>
+            <a:schemeClr val="bg1"/>
+          </a:solidFill>
+          <a:effectLst>
+            <a:outerShdw blurRad="50800" dist="38100" dir="5400000" algn="t" rotWithShape="0">
+              <a:prstClr val="black">
+                <a:alpha val="40000"/>
+              </a:prstClr>
+            </a:outerShdw>
+          </a:effectLst>
+        </p:spPr>
+        <p:style>
+          <a:lnRef idx="2">
+            <a:schemeClr val="accent1">
+              <a:shade val="50000"/>
+            </a:schemeClr>
+          </a:lnRef>
+          <a:fillRef idx="1">
+            <a:schemeClr val="accent1"/>
+          </a:fillRef>
+          <a:effectRef idx="0">
+            <a:schemeClr val="accent1"/>
+          </a:effectRef>
+          <a:fontRef idx="minor">
+            <a:schemeClr val="lt1"/>
+          </a:fontRef>
+        </p:style>
+        <p:txBody>
+          <a:bodyPr rtlCol="0" anchor="ctr"/>
+          <a:lstStyle/>
+          <a:p>
+            <a:pPr algn="ctr"/>
+            <a:r>
+              <a:rPr lang="en-US" dirty="0" err="1" smtClean="0">
+                <a:solidFill>
+                  <a:schemeClr val="tx1"/>
+                </a:solidFill>
+                <a:latin typeface="Lucida Console" panose="020B0609040504020204" pitchFamily="49" charset="0"/>
+              </a:rPr>
+              <a:t>Ctrl+Z</a:t>
+            </a:r>
+            <a:endParaRPr lang="ru-RU" dirty="0">
+              <a:solidFill>
+                <a:schemeClr val="tx1"/>
+              </a:solidFill>
+              <a:latin typeface="Lucida Console" panose="020B0609040504020204" pitchFamily="49" charset="0"/>
+            </a:endParaRPr>
+          </a:p>
+        </p:txBody>
+      </p:sp>
+    </p:spTree>
+    <p:extLst>
+      <p:ext uri="{BB962C8B-B14F-4D97-AF65-F5344CB8AC3E}">
+        <p14:creationId xmlns:p14="http://schemas.microsoft.com/office/powerpoint/2010/main" val="2072175512"/>
+      </p:ext>
+    </p:extLst>
+  </p:cSld>
+  <p:clrMapOvr>
+    <a:masterClrMapping/>
+  </p:clrMapOvr>
+  <p:timing>
+    <p:tnLst>
+      <p:par>
+        <p:cTn id="1" dur="indefinite" restart="never" nodeType="tmRoot">
+          <p:childTnLst>
+            <p:seq concurrent="1" nextAc="seek">
+              <p:cTn id="2" dur="indefinite" nodeType="mainSeq">
+                <p:childTnLst>
+                  <p:par>
+                    <p:cTn id="3" fill="hold">
+                      <p:stCondLst>
+                        <p:cond delay="indefinite"/>
+                      </p:stCondLst>
+                      <p:childTnLst>
+                        <p:par>
+                          <p:cTn id="4" fill="hold">
+                            <p:stCondLst>
+                              <p:cond delay="0"/>
+                            </p:stCondLst>
+                            <p:childTnLst>
+                              <p:par>
+                                <p:cTn id="5" presetID="10" presetClass="entr" presetSubtype="0" fill="hold" nodeType="clickEffect">
+                                  <p:stCondLst>
+                                    <p:cond delay="0"/>
+                                  </p:stCondLst>
+                                  <p:childTnLst>
+                                    <p:set>
+                                      <p:cBhvr>
+                                        <p:cTn id="6" dur="1" fill="hold">
+                                          <p:stCondLst>
+                                            <p:cond delay="0"/>
+                                          </p:stCondLst>
+                                        </p:cTn>
+                                        <p:tgtEl>
+                                          <p:spTgt spid="3">
+                                            <p:txEl>
+                                              <p:pRg st="5" end="5"/>
+                                            </p:txEl>
+                                          </p:spTgt>
+                                        </p:tgtEl>
+                                        <p:attrNameLst>
+                                          <p:attrName>style.visibility</p:attrName>
+                                        </p:attrNameLst>
+                                      </p:cBhvr>
+                                      <p:to>
+                                        <p:strVal val="visible"/>
+                                      </p:to>
+                                    </p:set>
+                                    <p:animEffect transition="in" filter="fade">
+                                      <p:cBhvr>
+                                        <p:cTn id="7" dur="500"/>
+                                        <p:tgtEl>
+                                          <p:spTgt spid="3">
+                                            <p:txEl>
+                                              <p:pRg st="5" end="5"/>
+                                            </p:txEl>
+                                          </p:spTgt>
+                                        </p:tgtEl>
+                                      </p:cBhvr>
+                                    </p:animEffect>
+                                  </p:childTnLst>
+                                </p:cTn>
+                              </p:par>
+                              <p:par>
+                                <p:cTn id="8" presetID="10" presetClass="entr" presetSubtype="0" fill="hold" nodeType="withEffect">
+                                  <p:stCondLst>
+                                    <p:cond delay="0"/>
+                                  </p:stCondLst>
+                                  <p:childTnLst>
+                                    <p:set>
+                                      <p:cBhvr>
+                                        <p:cTn id="9" dur="1" fill="hold">
+                                          <p:stCondLst>
+                                            <p:cond delay="0"/>
+                                          </p:stCondLst>
+                                        </p:cTn>
+                                        <p:tgtEl>
+                                          <p:spTgt spid="3">
+                                            <p:txEl>
+                                              <p:pRg st="6" end="6"/>
+                                            </p:txEl>
+                                          </p:spTgt>
+                                        </p:tgtEl>
+                                        <p:attrNameLst>
+                                          <p:attrName>style.visibility</p:attrName>
+                                        </p:attrNameLst>
+                                      </p:cBhvr>
+                                      <p:to>
+                                        <p:strVal val="visible"/>
+                                      </p:to>
+                                    </p:set>
+                                    <p:animEffect transition="in" filter="fade">
+                                      <p:cBhvr>
+                                        <p:cTn id="10" dur="500"/>
+                                        <p:tgtEl>
+                                          <p:spTgt spid="3">
+                                            <p:txEl>
+                                              <p:pRg st="6" end="6"/>
+                                            </p:txEl>
+                                          </p:spTgt>
+                                        </p:tgtEl>
+                                      </p:cBhvr>
+                                    </p:animEffect>
+                                  </p:childTnLst>
+                                </p:cTn>
+                              </p:par>
+                              <p:par>
+                                <p:cTn id="11" presetID="10" presetClass="entr" presetSubtype="0" fill="hold" nodeType="withEffect">
+                                  <p:stCondLst>
+                                    <p:cond delay="0"/>
+                                  </p:stCondLst>
+                                  <p:childTnLst>
+                                    <p:set>
+                                      <p:cBhvr>
+                                        <p:cTn id="12" dur="1" fill="hold">
+                                          <p:stCondLst>
+                                            <p:cond delay="0"/>
+                                          </p:stCondLst>
+                                        </p:cTn>
+                                        <p:tgtEl>
+                                          <p:spTgt spid="3">
+                                            <p:txEl>
+                                              <p:pRg st="7" end="7"/>
+                                            </p:txEl>
+                                          </p:spTgt>
+                                        </p:tgtEl>
+                                        <p:attrNameLst>
+                                          <p:attrName>style.visibility</p:attrName>
+                                        </p:attrNameLst>
+                                      </p:cBhvr>
+                                      <p:to>
+                                        <p:strVal val="visible"/>
+                                      </p:to>
+                                    </p:set>
+                                    <p:animEffect transition="in" filter="fade">
+                                      <p:cBhvr>
+                                        <p:cTn id="13" dur="500"/>
+                                        <p:tgtEl>
+                                          <p:spTgt spid="3">
+                                            <p:txEl>
+                                              <p:pRg st="7" end="7"/>
+                                            </p:txEl>
+                                          </p:spTgt>
+                                        </p:tgtEl>
+                                      </p:cBhvr>
+                                    </p:animEffect>
+                                  </p:childTnLst>
+                                </p:cTn>
+                              </p:par>
+                              <p:par>
+                                <p:cTn id="14" presetID="10" presetClass="entr" presetSubtype="0" fill="hold" nodeType="withEffect">
+                                  <p:stCondLst>
+                                    <p:cond delay="0"/>
+                                  </p:stCondLst>
+                                  <p:childTnLst>
+                                    <p:set>
+                                      <p:cBhvr>
+                                        <p:cTn id="15" dur="1" fill="hold">
+                                          <p:stCondLst>
+                                            <p:cond delay="0"/>
+                                          </p:stCondLst>
+                                        </p:cTn>
+                                        <p:tgtEl>
+                                          <p:spTgt spid="3">
+                                            <p:txEl>
+                                              <p:pRg st="11" end="11"/>
+                                            </p:txEl>
+                                          </p:spTgt>
+                                        </p:tgtEl>
+                                        <p:attrNameLst>
+                                          <p:attrName>style.visibility</p:attrName>
+                                        </p:attrNameLst>
+                                      </p:cBhvr>
+                                      <p:to>
+                                        <p:strVal val="visible"/>
+                                      </p:to>
+                                    </p:set>
+                                    <p:animEffect transition="in" filter="fade">
+                                      <p:cBhvr>
+                                        <p:cTn id="16" dur="500"/>
+                                        <p:tgtEl>
+                                          <p:spTgt spid="3">
+                                            <p:txEl>
+                                              <p:pRg st="11" end="11"/>
+                                            </p:txEl>
+                                          </p:spTgt>
+                                        </p:tgtEl>
+                                      </p:cBhvr>
+                                    </p:animEffect>
+                                  </p:childTnLst>
+                                </p:cTn>
+                              </p:par>
+                              <p:par>
+                                <p:cTn id="17" presetID="10" presetClass="entr" presetSubtype="0" fill="hold" nodeType="withEffect">
+                                  <p:stCondLst>
+                                    <p:cond delay="0"/>
+                                  </p:stCondLst>
+                                  <p:childTnLst>
+                                    <p:set>
+                                      <p:cBhvr>
+                                        <p:cTn id="18" dur="1" fill="hold">
+                                          <p:stCondLst>
+                                            <p:cond delay="0"/>
+                                          </p:stCondLst>
+                                        </p:cTn>
+                                        <p:tgtEl>
+                                          <p:spTgt spid="3">
+                                            <p:txEl>
+                                              <p:pRg st="12" end="12"/>
+                                            </p:txEl>
+                                          </p:spTgt>
+                                        </p:tgtEl>
+                                        <p:attrNameLst>
+                                          <p:attrName>style.visibility</p:attrName>
+                                        </p:attrNameLst>
+                                      </p:cBhvr>
+                                      <p:to>
+                                        <p:strVal val="visible"/>
+                                      </p:to>
+                                    </p:set>
+                                    <p:animEffect transition="in" filter="fade">
+                                      <p:cBhvr>
+                                        <p:cTn id="19" dur="500"/>
+                                        <p:tgtEl>
+                                          <p:spTgt spid="3">
+                                            <p:txEl>
+                                              <p:pRg st="12" end="12"/>
+                                            </p:txEl>
+                                          </p:spTgt>
+                                        </p:tgtEl>
+                                      </p:cBhvr>
+                                    </p:animEffect>
+                                  </p:childTnLst>
+                                </p:cTn>
+                              </p:par>
+                              <p:par>
+                                <p:cTn id="20" presetID="10" presetClass="entr" presetSubtype="0" fill="hold" nodeType="withEffect">
+                                  <p:stCondLst>
+                                    <p:cond delay="0"/>
+                                  </p:stCondLst>
+                                  <p:childTnLst>
+                                    <p:set>
+                                      <p:cBhvr>
+                                        <p:cTn id="21" dur="1" fill="hold">
+                                          <p:stCondLst>
+                                            <p:cond delay="0"/>
+                                          </p:stCondLst>
+                                        </p:cTn>
+                                        <p:tgtEl>
+                                          <p:spTgt spid="3">
+                                            <p:txEl>
+                                              <p:pRg st="13" end="13"/>
+                                            </p:txEl>
+                                          </p:spTgt>
+                                        </p:tgtEl>
+                                        <p:attrNameLst>
+                                          <p:attrName>style.visibility</p:attrName>
+                                        </p:attrNameLst>
+                                      </p:cBhvr>
+                                      <p:to>
+                                        <p:strVal val="visible"/>
+                                      </p:to>
+                                    </p:set>
+                                    <p:animEffect transition="in" filter="fade">
+                                      <p:cBhvr>
+                                        <p:cTn id="22" dur="500"/>
+                                        <p:tgtEl>
+                                          <p:spTgt spid="3">
+                                            <p:txEl>
+                                              <p:pRg st="13" end="13"/>
+                                            </p:txEl>
+                                          </p:spTgt>
+                                        </p:tgtEl>
+                                      </p:cBhvr>
+                                    </p:animEffect>
+                                  </p:childTnLst>
+                                </p:cTn>
+                              </p:par>
+                            </p:childTnLst>
+                          </p:cTn>
+                        </p:par>
+                      </p:childTnLst>
+                    </p:cTn>
+                  </p:par>
+                  <p:par>
+                    <p:cTn id="23" fill="hold">
+                      <p:stCondLst>
+                        <p:cond delay="indefinite"/>
+                      </p:stCondLst>
+                      <p:childTnLst>
+                        <p:par>
+                          <p:cTn id="24" fill="hold">
+                            <p:stCondLst>
+                              <p:cond delay="0"/>
+                            </p:stCondLst>
+                            <p:childTnLst>
+                              <p:par>
+                                <p:cTn id="25" presetID="10" presetClass="entr" presetSubtype="0" fill="hold" grpId="0" nodeType="clickEffect">
+                                  <p:stCondLst>
+                                    <p:cond delay="0"/>
+                                  </p:stCondLst>
+                                  <p:childTnLst>
+                                    <p:set>
+                                      <p:cBhvr>
+                                        <p:cTn id="26" dur="1" fill="hold">
+                                          <p:stCondLst>
+                                            <p:cond delay="0"/>
+                                          </p:stCondLst>
+                                        </p:cTn>
+                                        <p:tgtEl>
+                                          <p:spTgt spid="4"/>
+                                        </p:tgtEl>
+                                        <p:attrNameLst>
+                                          <p:attrName>style.visibility</p:attrName>
+                                        </p:attrNameLst>
+                                      </p:cBhvr>
+                                      <p:to>
+                                        <p:strVal val="visible"/>
+                                      </p:to>
+                                    </p:set>
+                                    <p:animEffect transition="in" filter="fade">
+                                      <p:cBhvr>
+                                        <p:cTn id="27" dur="500"/>
+                                        <p:tgtEl>
+                                          <p:spTgt spid="4"/>
+                                        </p:tgtEl>
+                                      </p:cBhvr>
+                                    </p:animEffect>
+                                  </p:childTnLst>
+                                </p:cTn>
+                              </p:par>
+                            </p:childTnLst>
+                          </p:cTn>
+                        </p:par>
+                        <p:par>
+                          <p:cTn id="28" fill="hold">
+                            <p:stCondLst>
+                              <p:cond delay="500"/>
+                            </p:stCondLst>
+                            <p:childTnLst>
+                              <p:par>
+                                <p:cTn id="29" presetID="10" presetClass="entr" presetSubtype="0" fill="hold" grpId="0" nodeType="afterEffect">
+                                  <p:stCondLst>
+                                    <p:cond delay="0"/>
+                                  </p:stCondLst>
+                                  <p:childTnLst>
+                                    <p:set>
+                                      <p:cBhvr>
+                                        <p:cTn id="30" dur="1" fill="hold">
+                                          <p:stCondLst>
+                                            <p:cond delay="0"/>
+                                          </p:stCondLst>
+                                        </p:cTn>
+                                        <p:tgtEl>
+                                          <p:spTgt spid="6"/>
+                                        </p:tgtEl>
+                                        <p:attrNameLst>
+                                          <p:attrName>style.visibility</p:attrName>
+                                        </p:attrNameLst>
+                                      </p:cBhvr>
+                                      <p:to>
+                                        <p:strVal val="visible"/>
+                                      </p:to>
+                                    </p:set>
+                                    <p:animEffect transition="in" filter="fade">
+                                      <p:cBhvr>
+                                        <p:cTn id="31" dur="500"/>
+                                        <p:tgtEl>
+                                          <p:spTgt spid="6"/>
+                                        </p:tgtEl>
+                                      </p:cBhvr>
+                                    </p:animEffect>
+                                  </p:childTnLst>
+                                </p:cTn>
+                              </p:par>
+                            </p:childTnLst>
+                          </p:cTn>
+                        </p:par>
+                      </p:childTnLst>
+                    </p:cTn>
+                  </p:par>
+                  <p:par>
+                    <p:cTn id="32" fill="hold">
+                      <p:stCondLst>
+                        <p:cond delay="indefinite"/>
+                      </p:stCondLst>
+                      <p:childTnLst>
+                        <p:par>
+                          <p:cTn id="33" fill="hold">
+                            <p:stCondLst>
+                              <p:cond delay="0"/>
+                            </p:stCondLst>
+                            <p:childTnLst>
+                              <p:par>
+                                <p:cTn id="34" presetID="10" presetClass="entr" presetSubtype="0" fill="hold" grpId="0" nodeType="clickEffect">
+                                  <p:stCondLst>
+                                    <p:cond delay="0"/>
+                                  </p:stCondLst>
+                                  <p:childTnLst>
+                                    <p:set>
+                                      <p:cBhvr>
+                                        <p:cTn id="35" dur="1" fill="hold">
+                                          <p:stCondLst>
+                                            <p:cond delay="0"/>
+                                          </p:stCondLst>
+                                        </p:cTn>
+                                        <p:tgtEl>
+                                          <p:spTgt spid="5"/>
+                                        </p:tgtEl>
+                                        <p:attrNameLst>
+                                          <p:attrName>style.visibility</p:attrName>
+                                        </p:attrNameLst>
+                                      </p:cBhvr>
+                                      <p:to>
+                                        <p:strVal val="visible"/>
+                                      </p:to>
+                                    </p:set>
+                                    <p:animEffect transition="in" filter="fade">
+                                      <p:cBhvr>
+                                        <p:cTn id="36" dur="500"/>
+                                        <p:tgtEl>
+                                          <p:spTgt spid="5"/>
+                                        </p:tgtEl>
+                                      </p:cBhvr>
+                                    </p:animEffect>
+                                  </p:childTnLst>
+                                </p:cTn>
+                              </p:par>
+                            </p:childTnLst>
+                          </p:cTn>
+                        </p:par>
+                      </p:childTnLst>
+                    </p:cTn>
+                  </p:par>
+                </p:childTnLst>
+              </p:cTn>
+              <p:prevCondLst>
+                <p:cond evt="onPrev" delay="0">
+                  <p:tgtEl>
+                    <p:sldTgt/>
+                  </p:tgtEl>
+                </p:cond>
+              </p:prevCondLst>
+              <p:nextCondLst>
+                <p:cond evt="onNext" delay="0">
+                  <p:tgtEl>
+                    <p:sldTgt/>
+                  </p:tgtEl>
+                </p:cond>
+              </p:nextCondLst>
+            </p:seq>
+          </p:childTnLst>
+        </p:cTn>
+      </p:par>
+    </p:tnLst>
+    <p:bldLst>
+      <p:bldP spid="4" grpId="0" animBg="1"/>
+      <p:bldP spid="5" grpId="0" animBg="1"/>
+      <p:bldP spid="6" grpId="0" animBg="1"/>
+    </p:bldLst>
+  </p:timing>
+</p:sld>
+</file>
+
+<file path=ppt/slides/slide25.xml><?xml version="1.0" encoding="utf-8"?>
+<p:sld xmlns:a="http://schemas.openxmlformats.org/drawingml/2006/main" xmlns:r="http://schemas.openxmlformats.org/officeDocument/2006/relationships" xmlns:p="http://schemas.openxmlformats.org/presentationml/2006/main">
+  <p:cSld>
+    <p:spTree>
+      <p:nvGrpSpPr>
+        <p:cNvPr id="1" name=""/>
+        <p:cNvGrpSpPr/>
+        <p:nvPr/>
+      </p:nvGrpSpPr>
+      <p:grpSpPr>
+        <a:xfrm>
+          <a:off x="0" y="0"/>
+          <a:ext cx="0" cy="0"/>
+          <a:chOff x="0" y="0"/>
+          <a:chExt cx="0" cy="0"/>
+        </a:xfrm>
+      </p:grpSpPr>
       <p:sp>
         <p:nvSpPr>
           <p:cNvPr id="5" name="Прямоугольник 7"/>
@@ -13268,7 +15181,7 @@
 </p:sld>
 </file>
 
-<file path=ppt/slides/slide24.xml><?xml version="1.0" encoding="utf-8"?>
+<file path=ppt/slides/slide26.xml><?xml version="1.0" encoding="utf-8"?>
 <p:sld xmlns:a="http://schemas.openxmlformats.org/drawingml/2006/main" xmlns:r="http://schemas.openxmlformats.org/officeDocument/2006/relationships" xmlns:p="http://schemas.openxmlformats.org/presentationml/2006/main">
   <p:cSld>
     <p:spTree>
@@ -13320,7 +15233,9 @@
         </p:nvSpPr>
         <p:spPr/>
         <p:txBody>
-          <a:bodyPr/>
+          <a:bodyPr>
+            <a:normAutofit/>
+          </a:bodyPr>
           <a:lstStyle/>
           <a:p>
             <a:r>
@@ -13346,40 +15261,12 @@
             <a:pPr lvl="1"/>
             <a:r>
               <a:rPr lang="ru-RU" dirty="0" smtClean="0"/>
-              <a:t>Мы продолжаем работать с примитивными типами данных</a:t>
-            </a:r>
-          </a:p>
-          <a:p>
+              <a:t>Мы продолжаем работать с примитивными типами </a:t>
+            </a:r>
             <a:r>
               <a:rPr lang="ru-RU" dirty="0" smtClean="0"/>
-              <a:t>Решение</a:t>
-            </a:r>
-          </a:p>
-          <a:p>
-            <a:pPr lvl="1"/>
-            <a:r>
-              <a:rPr lang="ru-RU" dirty="0" smtClean="0"/>
-              <a:t>Сделать код чуть более высокоуровневым – ввести новый тип данных – «Смешанная дробь»</a:t>
-            </a:r>
-            <a:endParaRPr lang="ru-RU" dirty="0"/>
-          </a:p>
-          <a:p>
-            <a:pPr lvl="1"/>
-            <a:r>
-              <a:rPr lang="ru-RU" dirty="0" smtClean="0"/>
-              <a:t>Для этого используем «Запись»</a:t>
-            </a:r>
-          </a:p>
-          <a:p>
-            <a:pPr lvl="1"/>
-            <a:endParaRPr lang="ru-RU" dirty="0" smtClean="0"/>
-          </a:p>
-          <a:p>
-            <a:pPr lvl="1"/>
-            <a:endParaRPr lang="ru-RU" dirty="0" smtClean="0"/>
-          </a:p>
-          <a:p>
-            <a:pPr lvl="1"/>
+              <a:t>данных</a:t>
+            </a:r>
             <a:endParaRPr lang="ru-RU" dirty="0" smtClean="0"/>
           </a:p>
         </p:txBody>
@@ -13388,6 +15275,326 @@
     <p:extLst>
       <p:ext uri="{BB962C8B-B14F-4D97-AF65-F5344CB8AC3E}">
         <p14:creationId xmlns:p14="http://schemas.microsoft.com/office/powerpoint/2010/main" val="2319710414"/>
+      </p:ext>
+    </p:extLst>
+  </p:cSld>
+  <p:clrMapOvr>
+    <a:masterClrMapping/>
+  </p:clrMapOvr>
+  <p:timing>
+    <p:tnLst>
+      <p:par>
+        <p:cTn id="1" dur="indefinite" restart="never" nodeType="tmRoot">
+          <p:childTnLst>
+            <p:seq concurrent="1" nextAc="seek">
+              <p:cTn id="2" dur="indefinite" nodeType="mainSeq">
+                <p:childTnLst>
+                  <p:par>
+                    <p:cTn id="3" fill="hold">
+                      <p:stCondLst>
+                        <p:cond delay="indefinite"/>
+                      </p:stCondLst>
+                      <p:childTnLst>
+                        <p:par>
+                          <p:cTn id="4" fill="hold">
+                            <p:stCondLst>
+                              <p:cond delay="0"/>
+                            </p:stCondLst>
+                            <p:childTnLst>
+                              <p:par>
+                                <p:cTn id="5" presetID="10" presetClass="entr" presetSubtype="0" fill="hold" nodeType="clickEffect">
+                                  <p:stCondLst>
+                                    <p:cond delay="0"/>
+                                  </p:stCondLst>
+                                  <p:childTnLst>
+                                    <p:set>
+                                      <p:cBhvr>
+                                        <p:cTn id="6" dur="1" fill="hold">
+                                          <p:stCondLst>
+                                            <p:cond delay="0"/>
+                                          </p:stCondLst>
+                                        </p:cTn>
+                                        <p:tgtEl>
+                                          <p:spTgt spid="3">
+                                            <p:txEl>
+                                              <p:pRg st="0" end="0"/>
+                                            </p:txEl>
+                                          </p:spTgt>
+                                        </p:tgtEl>
+                                        <p:attrNameLst>
+                                          <p:attrName>style.visibility</p:attrName>
+                                        </p:attrNameLst>
+                                      </p:cBhvr>
+                                      <p:to>
+                                        <p:strVal val="visible"/>
+                                      </p:to>
+                                    </p:set>
+                                    <p:animEffect transition="in" filter="fade">
+                                      <p:cBhvr>
+                                        <p:cTn id="7" dur="500"/>
+                                        <p:tgtEl>
+                                          <p:spTgt spid="3">
+                                            <p:txEl>
+                                              <p:pRg st="0" end="0"/>
+                                            </p:txEl>
+                                          </p:spTgt>
+                                        </p:tgtEl>
+                                      </p:cBhvr>
+                                    </p:animEffect>
+                                  </p:childTnLst>
+                                </p:cTn>
+                              </p:par>
+                              <p:par>
+                                <p:cTn id="8" presetID="10" presetClass="entr" presetSubtype="0" fill="hold" nodeType="withEffect">
+                                  <p:stCondLst>
+                                    <p:cond delay="0"/>
+                                  </p:stCondLst>
+                                  <p:childTnLst>
+                                    <p:set>
+                                      <p:cBhvr>
+                                        <p:cTn id="9" dur="1" fill="hold">
+                                          <p:stCondLst>
+                                            <p:cond delay="0"/>
+                                          </p:stCondLst>
+                                        </p:cTn>
+                                        <p:tgtEl>
+                                          <p:spTgt spid="3">
+                                            <p:txEl>
+                                              <p:pRg st="1" end="1"/>
+                                            </p:txEl>
+                                          </p:spTgt>
+                                        </p:tgtEl>
+                                        <p:attrNameLst>
+                                          <p:attrName>style.visibility</p:attrName>
+                                        </p:attrNameLst>
+                                      </p:cBhvr>
+                                      <p:to>
+                                        <p:strVal val="visible"/>
+                                      </p:to>
+                                    </p:set>
+                                    <p:animEffect transition="in" filter="fade">
+                                      <p:cBhvr>
+                                        <p:cTn id="10" dur="500"/>
+                                        <p:tgtEl>
+                                          <p:spTgt spid="3">
+                                            <p:txEl>
+                                              <p:pRg st="1" end="1"/>
+                                            </p:txEl>
+                                          </p:spTgt>
+                                        </p:tgtEl>
+                                      </p:cBhvr>
+                                    </p:animEffect>
+                                  </p:childTnLst>
+                                </p:cTn>
+                              </p:par>
+                              <p:par>
+                                <p:cTn id="11" presetID="10" presetClass="entr" presetSubtype="0" fill="hold" nodeType="withEffect">
+                                  <p:stCondLst>
+                                    <p:cond delay="0"/>
+                                  </p:stCondLst>
+                                  <p:childTnLst>
+                                    <p:set>
+                                      <p:cBhvr>
+                                        <p:cTn id="12" dur="1" fill="hold">
+                                          <p:stCondLst>
+                                            <p:cond delay="0"/>
+                                          </p:stCondLst>
+                                        </p:cTn>
+                                        <p:tgtEl>
+                                          <p:spTgt spid="3">
+                                            <p:txEl>
+                                              <p:pRg st="2" end="2"/>
+                                            </p:txEl>
+                                          </p:spTgt>
+                                        </p:tgtEl>
+                                        <p:attrNameLst>
+                                          <p:attrName>style.visibility</p:attrName>
+                                        </p:attrNameLst>
+                                      </p:cBhvr>
+                                      <p:to>
+                                        <p:strVal val="visible"/>
+                                      </p:to>
+                                    </p:set>
+                                    <p:animEffect transition="in" filter="fade">
+                                      <p:cBhvr>
+                                        <p:cTn id="13" dur="500"/>
+                                        <p:tgtEl>
+                                          <p:spTgt spid="3">
+                                            <p:txEl>
+                                              <p:pRg st="2" end="2"/>
+                                            </p:txEl>
+                                          </p:spTgt>
+                                        </p:tgtEl>
+                                      </p:cBhvr>
+                                    </p:animEffect>
+                                  </p:childTnLst>
+                                </p:cTn>
+                              </p:par>
+                              <p:par>
+                                <p:cTn id="14" presetID="10" presetClass="entr" presetSubtype="0" fill="hold" nodeType="withEffect">
+                                  <p:stCondLst>
+                                    <p:cond delay="0"/>
+                                  </p:stCondLst>
+                                  <p:childTnLst>
+                                    <p:set>
+                                      <p:cBhvr>
+                                        <p:cTn id="15" dur="1" fill="hold">
+                                          <p:stCondLst>
+                                            <p:cond delay="0"/>
+                                          </p:stCondLst>
+                                        </p:cTn>
+                                        <p:tgtEl>
+                                          <p:spTgt spid="3">
+                                            <p:txEl>
+                                              <p:pRg st="3" end="3"/>
+                                            </p:txEl>
+                                          </p:spTgt>
+                                        </p:tgtEl>
+                                        <p:attrNameLst>
+                                          <p:attrName>style.visibility</p:attrName>
+                                        </p:attrNameLst>
+                                      </p:cBhvr>
+                                      <p:to>
+                                        <p:strVal val="visible"/>
+                                      </p:to>
+                                    </p:set>
+                                    <p:animEffect transition="in" filter="fade">
+                                      <p:cBhvr>
+                                        <p:cTn id="16" dur="500"/>
+                                        <p:tgtEl>
+                                          <p:spTgt spid="3">
+                                            <p:txEl>
+                                              <p:pRg st="3" end="3"/>
+                                            </p:txEl>
+                                          </p:spTgt>
+                                        </p:tgtEl>
+                                      </p:cBhvr>
+                                    </p:animEffect>
+                                  </p:childTnLst>
+                                </p:cTn>
+                              </p:par>
+                            </p:childTnLst>
+                          </p:cTn>
+                        </p:par>
+                      </p:childTnLst>
+                    </p:cTn>
+                  </p:par>
+                </p:childTnLst>
+              </p:cTn>
+              <p:prevCondLst>
+                <p:cond evt="onPrev" delay="0">
+                  <p:tgtEl>
+                    <p:sldTgt/>
+                  </p:tgtEl>
+                </p:cond>
+              </p:prevCondLst>
+              <p:nextCondLst>
+                <p:cond evt="onNext" delay="0">
+                  <p:tgtEl>
+                    <p:sldTgt/>
+                  </p:tgtEl>
+                </p:cond>
+              </p:nextCondLst>
+            </p:seq>
+          </p:childTnLst>
+        </p:cTn>
+      </p:par>
+    </p:tnLst>
+  </p:timing>
+</p:sld>
+</file>
+
+<file path=ppt/slides/slide27.xml><?xml version="1.0" encoding="utf-8"?>
+<p:sld xmlns:a="http://schemas.openxmlformats.org/drawingml/2006/main" xmlns:r="http://schemas.openxmlformats.org/officeDocument/2006/relationships" xmlns:p="http://schemas.openxmlformats.org/presentationml/2006/main">
+  <p:cSld>
+    <p:spTree>
+      <p:nvGrpSpPr>
+        <p:cNvPr id="1" name=""/>
+        <p:cNvGrpSpPr/>
+        <p:nvPr/>
+      </p:nvGrpSpPr>
+      <p:grpSpPr>
+        <a:xfrm>
+          <a:off x="0" y="0"/>
+          <a:ext cx="0" cy="0"/>
+          <a:chOff x="0" y="0"/>
+          <a:chExt cx="0" cy="0"/>
+        </a:xfrm>
+      </p:grpSpPr>
+      <p:sp>
+        <p:nvSpPr>
+          <p:cNvPr id="2" name="Title 1"/>
+          <p:cNvSpPr>
+            <a:spLocks noGrp="1"/>
+          </p:cNvSpPr>
+          <p:nvPr>
+            <p:ph type="title"/>
+          </p:nvPr>
+        </p:nvSpPr>
+        <p:spPr/>
+        <p:txBody>
+          <a:bodyPr/>
+          <a:lstStyle/>
+          <a:p>
+            <a:r>
+              <a:rPr lang="ru-RU" dirty="0" smtClean="0"/>
+              <a:t>Решение</a:t>
+            </a:r>
+            <a:endParaRPr lang="ru-RU" dirty="0"/>
+          </a:p>
+        </p:txBody>
+      </p:sp>
+      <p:sp>
+        <p:nvSpPr>
+          <p:cNvPr id="3" name="Content Placeholder 2"/>
+          <p:cNvSpPr>
+            <a:spLocks noGrp="1"/>
+          </p:cNvSpPr>
+          <p:nvPr>
+            <p:ph idx="1"/>
+          </p:nvPr>
+        </p:nvSpPr>
+        <p:spPr/>
+        <p:txBody>
+          <a:bodyPr/>
+          <a:lstStyle/>
+          <a:p>
+            <a:r>
+              <a:rPr lang="ru-RU" dirty="0" smtClean="0"/>
+              <a:t>Сделать </a:t>
+            </a:r>
+            <a:r>
+              <a:rPr lang="ru-RU" dirty="0"/>
+              <a:t>код чуть более высокоуровневым – ввести новый тип данных – «Смешанная дробь»</a:t>
+            </a:r>
+          </a:p>
+          <a:p>
+            <a:r>
+              <a:rPr lang="ru-RU" dirty="0"/>
+              <a:t>Для этого используем «Запись» (</a:t>
+            </a:r>
+            <a:r>
+              <a:rPr lang="en-US" dirty="0"/>
+              <a:t>RECORD)</a:t>
+            </a:r>
+            <a:endParaRPr lang="ru-RU" dirty="0"/>
+          </a:p>
+          <a:p>
+            <a:pPr lvl="1"/>
+            <a:r>
+              <a:rPr lang="ru-RU" dirty="0"/>
+              <a:t>Запись позволяет сгруппировать несколько переменных в новый тип данных</a:t>
+            </a:r>
+          </a:p>
+          <a:p>
+            <a:endParaRPr lang="ru-RU" dirty="0"/>
+          </a:p>
+        </p:txBody>
+      </p:sp>
+    </p:spTree>
+    <p:extLst>
+      <p:ext uri="{BB962C8B-B14F-4D97-AF65-F5344CB8AC3E}">
+        <p14:creationId xmlns:p14="http://schemas.microsoft.com/office/powerpoint/2010/main" val="1823327724"/>
       </p:ext>
     </p:extLst>
   </p:cSld>
@@ -13404,7 +15611,7 @@
 </p:sld>
 </file>
 
-<file path=ppt/slides/slide25.xml><?xml version="1.0" encoding="utf-8"?>
+<file path=ppt/slides/slide28.xml><?xml version="1.0" encoding="utf-8"?>
 <p:sld xmlns:a="http://schemas.openxmlformats.org/drawingml/2006/main" xmlns:r="http://schemas.openxmlformats.org/officeDocument/2006/relationships" xmlns:p="http://schemas.openxmlformats.org/presentationml/2006/main">
   <p:cSld>
     <p:spTree>
@@ -14443,7 +16650,7 @@
 </p:sld>
 </file>
 
-<file path=ppt/slides/slide26.xml><?xml version="1.0" encoding="utf-8"?>
+<file path=ppt/slides/slide29.xml><?xml version="1.0" encoding="utf-8"?>
 <p:sld xmlns:a="http://schemas.openxmlformats.org/drawingml/2006/main" xmlns:r="http://schemas.openxmlformats.org/officeDocument/2006/relationships" xmlns:p="http://schemas.openxmlformats.org/presentationml/2006/main">
   <p:cSld>
     <p:spTree>
@@ -15849,1924 +18056,6 @@
       <p:bldP spid="6" grpId="1" animBg="1"/>
     </p:bldLst>
   </p:timing>
-</p:sld>
-</file>
-
-<file path=ppt/slides/slide27.xml><?xml version="1.0" encoding="utf-8"?>
-<p:sld xmlns:a="http://schemas.openxmlformats.org/drawingml/2006/main" xmlns:r="http://schemas.openxmlformats.org/officeDocument/2006/relationships" xmlns:p="http://schemas.openxmlformats.org/presentationml/2006/main">
-  <p:cSld>
-    <p:spTree>
-      <p:nvGrpSpPr>
-        <p:cNvPr id="1" name=""/>
-        <p:cNvGrpSpPr/>
-        <p:nvPr/>
-      </p:nvGrpSpPr>
-      <p:grpSpPr>
-        <a:xfrm>
-          <a:off x="0" y="0"/>
-          <a:ext cx="0" cy="0"/>
-          <a:chOff x="0" y="0"/>
-          <a:chExt cx="0" cy="0"/>
-        </a:xfrm>
-      </p:grpSpPr>
-      <p:sp>
-        <p:nvSpPr>
-          <p:cNvPr id="8" name="Прямоугольник 4"/>
-          <p:cNvSpPr/>
-          <p:nvPr/>
-        </p:nvSpPr>
-        <p:spPr>
-          <a:xfrm>
-            <a:off x="0" y="5353050"/>
-            <a:ext cx="7391400" cy="693348"/>
-          </a:xfrm>
-          <a:prstGeom prst="rect">
-            <a:avLst/>
-          </a:prstGeom>
-          <a:solidFill>
-            <a:schemeClr val="accent1">
-              <a:lumMod val="20000"/>
-              <a:lumOff val="80000"/>
-            </a:schemeClr>
-          </a:solidFill>
-        </p:spPr>
-        <p:style>
-          <a:lnRef idx="2">
-            <a:schemeClr val="accent1">
-              <a:shade val="50000"/>
-            </a:schemeClr>
-          </a:lnRef>
-          <a:fillRef idx="1">
-            <a:schemeClr val="accent1"/>
-          </a:fillRef>
-          <a:effectRef idx="0">
-            <a:schemeClr val="accent1"/>
-          </a:effectRef>
-          <a:fontRef idx="minor">
-            <a:schemeClr val="lt1"/>
-          </a:fontRef>
-        </p:style>
-        <p:txBody>
-          <a:bodyPr rtlCol="0" anchor="ctr"/>
-          <a:lstStyle/>
-          <a:p>
-            <a:pPr algn="ctr"/>
-            <a:endParaRPr lang="ru-RU"/>
-          </a:p>
-        </p:txBody>
-      </p:sp>
-      <p:sp>
-        <p:nvSpPr>
-          <p:cNvPr id="6" name="Прямоугольник 4"/>
-          <p:cNvSpPr/>
-          <p:nvPr/>
-        </p:nvSpPr>
-        <p:spPr>
-          <a:xfrm>
-            <a:off x="0" y="6046398"/>
-            <a:ext cx="2695575" cy="487752"/>
-          </a:xfrm>
-          <a:prstGeom prst="rect">
-            <a:avLst/>
-          </a:prstGeom>
-          <a:solidFill>
-            <a:schemeClr val="accent1">
-              <a:lumMod val="20000"/>
-              <a:lumOff val="80000"/>
-            </a:schemeClr>
-          </a:solidFill>
-        </p:spPr>
-        <p:style>
-          <a:lnRef idx="2">
-            <a:schemeClr val="accent1">
-              <a:shade val="50000"/>
-            </a:schemeClr>
-          </a:lnRef>
-          <a:fillRef idx="1">
-            <a:schemeClr val="accent1"/>
-          </a:fillRef>
-          <a:effectRef idx="0">
-            <a:schemeClr val="accent1"/>
-          </a:effectRef>
-          <a:fontRef idx="minor">
-            <a:schemeClr val="lt1"/>
-          </a:fontRef>
-        </p:style>
-        <p:txBody>
-          <a:bodyPr rtlCol="0" anchor="ctr"/>
-          <a:lstStyle/>
-          <a:p>
-            <a:pPr algn="ctr"/>
-            <a:endParaRPr lang="ru-RU"/>
-          </a:p>
-        </p:txBody>
-      </p:sp>
-      <p:sp>
-        <p:nvSpPr>
-          <p:cNvPr id="5" name="Прямоугольник 4"/>
-          <p:cNvSpPr/>
-          <p:nvPr/>
-        </p:nvSpPr>
-        <p:spPr>
-          <a:xfrm>
-            <a:off x="0" y="1245797"/>
-            <a:ext cx="9144000" cy="3297627"/>
-          </a:xfrm>
-          <a:prstGeom prst="rect">
-            <a:avLst/>
-          </a:prstGeom>
-          <a:solidFill>
-            <a:schemeClr val="accent1">
-              <a:lumMod val="20000"/>
-              <a:lumOff val="80000"/>
-            </a:schemeClr>
-          </a:solidFill>
-        </p:spPr>
-        <p:style>
-          <a:lnRef idx="2">
-            <a:schemeClr val="accent1">
-              <a:shade val="50000"/>
-            </a:schemeClr>
-          </a:lnRef>
-          <a:fillRef idx="1">
-            <a:schemeClr val="accent1"/>
-          </a:fillRef>
-          <a:effectRef idx="0">
-            <a:schemeClr val="accent1"/>
-          </a:effectRef>
-          <a:fontRef idx="minor">
-            <a:schemeClr val="lt1"/>
-          </a:fontRef>
-        </p:style>
-        <p:txBody>
-          <a:bodyPr rtlCol="0" anchor="ctr"/>
-          <a:lstStyle/>
-          <a:p>
-            <a:pPr algn="ctr"/>
-            <a:endParaRPr lang="ru-RU"/>
-          </a:p>
-        </p:txBody>
-      </p:sp>
-      <p:sp>
-        <p:nvSpPr>
-          <p:cNvPr id="3" name="Rectangle 2"/>
-          <p:cNvSpPr/>
-          <p:nvPr/>
-        </p:nvSpPr>
-        <p:spPr>
-          <a:xfrm>
-            <a:off x="0" y="71527"/>
-            <a:ext cx="9234487" cy="6786473"/>
-          </a:xfrm>
-          <a:prstGeom prst="rect">
-            <a:avLst/>
-          </a:prstGeom>
-        </p:spPr>
-        <p:txBody>
-          <a:bodyPr wrap="square">
-            <a:spAutoFit/>
-          </a:bodyPr>
-          <a:lstStyle/>
-          <a:p>
-            <a:r>
-              <a:rPr lang="en-US" sz="1500" dirty="0">
-                <a:latin typeface="Lucida Console" panose="020B0609040504020204" pitchFamily="49" charset="0"/>
-              </a:rPr>
-              <a:t>PROGRAM Fraction(INPUT, OUTPUT);</a:t>
-            </a:r>
-            <a:endParaRPr lang="ru-RU" sz="1500" dirty="0" smtClean="0">
-              <a:latin typeface="Lucida Console" panose="020B0609040504020204" pitchFamily="49" charset="0"/>
-            </a:endParaRPr>
-          </a:p>
-          <a:p>
-            <a:r>
-              <a:rPr lang="en-US" sz="1500" dirty="0">
-                <a:latin typeface="Lucida Console" panose="020B0609040504020204" pitchFamily="49" charset="0"/>
-              </a:rPr>
-              <a:t>…</a:t>
-            </a:r>
-          </a:p>
-          <a:p>
-            <a:r>
-              <a:rPr lang="en-US" sz="1500" dirty="0" smtClean="0">
-                <a:latin typeface="Lucida Console" panose="020B0609040504020204" pitchFamily="49" charset="0"/>
-              </a:rPr>
-              <a:t>FUNCTION </a:t>
-            </a:r>
-            <a:r>
-              <a:rPr lang="en-US" sz="1500" dirty="0" err="1">
-                <a:latin typeface="Lucida Console" panose="020B0609040504020204" pitchFamily="49" charset="0"/>
-              </a:rPr>
-              <a:t>ReadFraction</a:t>
-            </a:r>
-            <a:r>
-              <a:rPr lang="en-US" sz="1500" dirty="0">
-                <a:latin typeface="Lucida Console" panose="020B0609040504020204" pitchFamily="49" charset="0"/>
-              </a:rPr>
-              <a:t>(VAR Numerator, Denominator: INTEGER): BOOLEAN</a:t>
-            </a:r>
-            <a:r>
-              <a:rPr lang="en-US" sz="1500" dirty="0" smtClean="0">
-                <a:latin typeface="Lucida Console" panose="020B0609040504020204" pitchFamily="49" charset="0"/>
-              </a:rPr>
-              <a:t>;</a:t>
-            </a:r>
-          </a:p>
-          <a:p>
-            <a:r>
-              <a:rPr lang="en-US" sz="1500" dirty="0">
-                <a:latin typeface="Lucida Console" panose="020B0609040504020204" pitchFamily="49" charset="0"/>
-              </a:rPr>
-              <a:t>PROCEDURE </a:t>
-            </a:r>
-            <a:r>
-              <a:rPr lang="en-US" sz="1500" dirty="0" err="1">
-                <a:latin typeface="Lucida Console" panose="020B0609040504020204" pitchFamily="49" charset="0"/>
-              </a:rPr>
-              <a:t>PrintFraction</a:t>
-            </a:r>
-            <a:r>
-              <a:rPr lang="en-US" sz="1500" dirty="0">
-                <a:latin typeface="Lucida Console" panose="020B0609040504020204" pitchFamily="49" charset="0"/>
-              </a:rPr>
-              <a:t>(</a:t>
-            </a:r>
-            <a:r>
-              <a:rPr lang="en-US" sz="1500" dirty="0" err="1">
-                <a:latin typeface="Lucida Console" panose="020B0609040504020204" pitchFamily="49" charset="0"/>
-              </a:rPr>
-              <a:t>Fract</a:t>
-            </a:r>
-            <a:r>
-              <a:rPr lang="en-US" sz="1500" dirty="0">
-                <a:latin typeface="Lucida Console" panose="020B0609040504020204" pitchFamily="49" charset="0"/>
-              </a:rPr>
-              <a:t>: </a:t>
-            </a:r>
-            <a:r>
-              <a:rPr lang="en-US" sz="1500" dirty="0" err="1">
-                <a:latin typeface="Lucida Console" panose="020B0609040504020204" pitchFamily="49" charset="0"/>
-              </a:rPr>
-              <a:t>CompoundFraction</a:t>
-            </a:r>
-            <a:r>
-              <a:rPr lang="en-US" sz="1500" dirty="0">
-                <a:latin typeface="Lucida Console" panose="020B0609040504020204" pitchFamily="49" charset="0"/>
-              </a:rPr>
-              <a:t>);</a:t>
-            </a:r>
-            <a:endParaRPr lang="ru-RU" sz="1500" dirty="0" smtClean="0">
-              <a:latin typeface="Lucida Console" panose="020B0609040504020204" pitchFamily="49" charset="0"/>
-            </a:endParaRPr>
-          </a:p>
-          <a:p>
-            <a:endParaRPr lang="ru-RU" sz="1500" dirty="0" smtClean="0">
-              <a:latin typeface="Lucida Console" panose="020B0609040504020204" pitchFamily="49" charset="0"/>
-            </a:endParaRPr>
-          </a:p>
-          <a:p>
-            <a:r>
-              <a:rPr lang="ru-RU" sz="1500" i="1" dirty="0" smtClean="0">
-                <a:latin typeface="Lucida Console" panose="020B0609040504020204" pitchFamily="49" charset="0"/>
-              </a:rPr>
-              <a:t>{</a:t>
-            </a:r>
-            <a:r>
-              <a:rPr lang="ru-RU" sz="1500" i="1" dirty="0">
-                <a:latin typeface="Lucida Console" panose="020B0609040504020204" pitchFamily="49" charset="0"/>
-              </a:rPr>
-              <a:t>Преобразует простую дробь в смешанную}</a:t>
-            </a:r>
-          </a:p>
-          <a:p>
-            <a:r>
-              <a:rPr lang="ru-RU" sz="1500" dirty="0">
-                <a:latin typeface="Lucida Console" panose="020B0609040504020204" pitchFamily="49" charset="0"/>
-              </a:rPr>
-              <a:t>FUNCTION </a:t>
-            </a:r>
-            <a:r>
-              <a:rPr lang="ru-RU" sz="1500" dirty="0" err="1">
-                <a:latin typeface="Lucida Console" panose="020B0609040504020204" pitchFamily="49" charset="0"/>
-              </a:rPr>
-              <a:t>ToCompoundFraction</a:t>
-            </a:r>
-            <a:r>
-              <a:rPr lang="ru-RU" sz="1500" dirty="0">
-                <a:latin typeface="Lucida Console" panose="020B0609040504020204" pitchFamily="49" charset="0"/>
-              </a:rPr>
-              <a:t>(</a:t>
-            </a:r>
-            <a:r>
-              <a:rPr lang="ru-RU" sz="1500" dirty="0" err="1">
-                <a:latin typeface="Lucida Console" panose="020B0609040504020204" pitchFamily="49" charset="0"/>
-              </a:rPr>
-              <a:t>Numerator</a:t>
-            </a:r>
-            <a:r>
-              <a:rPr lang="ru-RU" sz="1500" dirty="0">
-                <a:latin typeface="Lucida Console" panose="020B0609040504020204" pitchFamily="49" charset="0"/>
-              </a:rPr>
-              <a:t>, </a:t>
-            </a:r>
-            <a:r>
-              <a:rPr lang="ru-RU" sz="1500" dirty="0" err="1">
-                <a:latin typeface="Lucida Console" panose="020B0609040504020204" pitchFamily="49" charset="0"/>
-              </a:rPr>
-              <a:t>Denominator</a:t>
-            </a:r>
-            <a:r>
-              <a:rPr lang="ru-RU" sz="1500" dirty="0">
-                <a:latin typeface="Lucida Console" panose="020B0609040504020204" pitchFamily="49" charset="0"/>
-              </a:rPr>
-              <a:t>: INTEGER): </a:t>
-            </a:r>
-            <a:r>
-              <a:rPr lang="ru-RU" sz="1500" dirty="0" err="1">
-                <a:latin typeface="Lucida Console" panose="020B0609040504020204" pitchFamily="49" charset="0"/>
-              </a:rPr>
-              <a:t>CompoundFraction</a:t>
-            </a:r>
-            <a:r>
-              <a:rPr lang="ru-RU" sz="1500" dirty="0">
-                <a:latin typeface="Lucida Console" panose="020B0609040504020204" pitchFamily="49" charset="0"/>
-              </a:rPr>
-              <a:t>;</a:t>
-            </a:r>
-          </a:p>
-          <a:p>
-            <a:r>
-              <a:rPr lang="ru-RU" sz="1500" dirty="0">
-                <a:latin typeface="Lucida Console" panose="020B0609040504020204" pitchFamily="49" charset="0"/>
-              </a:rPr>
-              <a:t>VAR</a:t>
-            </a:r>
-          </a:p>
-          <a:p>
-            <a:r>
-              <a:rPr lang="ru-RU" sz="1500" dirty="0">
-                <a:latin typeface="Lucida Console" panose="020B0609040504020204" pitchFamily="49" charset="0"/>
-              </a:rPr>
-              <a:t>  GCD: INTEGER;</a:t>
-            </a:r>
-          </a:p>
-          <a:p>
-            <a:r>
-              <a:rPr lang="ru-RU" sz="1500" dirty="0">
-                <a:latin typeface="Lucida Console" panose="020B0609040504020204" pitchFamily="49" charset="0"/>
-              </a:rPr>
-              <a:t>  </a:t>
-            </a:r>
-            <a:r>
-              <a:rPr lang="ru-RU" sz="1500" dirty="0" err="1">
-                <a:latin typeface="Lucida Console" panose="020B0609040504020204" pitchFamily="49" charset="0"/>
-              </a:rPr>
-              <a:t>Fract</a:t>
-            </a:r>
-            <a:r>
-              <a:rPr lang="ru-RU" sz="1500" dirty="0">
-                <a:latin typeface="Lucida Console" panose="020B0609040504020204" pitchFamily="49" charset="0"/>
-              </a:rPr>
-              <a:t>: </a:t>
-            </a:r>
-            <a:r>
-              <a:rPr lang="ru-RU" sz="1500" dirty="0" err="1">
-                <a:latin typeface="Lucida Console" panose="020B0609040504020204" pitchFamily="49" charset="0"/>
-              </a:rPr>
-              <a:t>CompoundFraction</a:t>
-            </a:r>
-            <a:r>
-              <a:rPr lang="ru-RU" sz="1500" dirty="0">
-                <a:latin typeface="Lucida Console" panose="020B0609040504020204" pitchFamily="49" charset="0"/>
-              </a:rPr>
-              <a:t>;</a:t>
-            </a:r>
-          </a:p>
-          <a:p>
-            <a:r>
-              <a:rPr lang="ru-RU" sz="1500" dirty="0">
-                <a:latin typeface="Lucida Console" panose="020B0609040504020204" pitchFamily="49" charset="0"/>
-              </a:rPr>
-              <a:t>BEGIN</a:t>
-            </a:r>
-          </a:p>
-          <a:p>
-            <a:r>
-              <a:rPr lang="ru-RU" sz="1500" dirty="0">
-                <a:latin typeface="Lucida Console" panose="020B0609040504020204" pitchFamily="49" charset="0"/>
-              </a:rPr>
-              <a:t>  GCD := </a:t>
-            </a:r>
-            <a:r>
-              <a:rPr lang="ru-RU" sz="1500" dirty="0" err="1">
-                <a:latin typeface="Lucida Console" panose="020B0609040504020204" pitchFamily="49" charset="0"/>
-              </a:rPr>
-              <a:t>GreatestCommonDenominator</a:t>
-            </a:r>
-            <a:r>
-              <a:rPr lang="ru-RU" sz="1500" dirty="0">
-                <a:latin typeface="Lucida Console" panose="020B0609040504020204" pitchFamily="49" charset="0"/>
-              </a:rPr>
-              <a:t>(</a:t>
-            </a:r>
-            <a:r>
-              <a:rPr lang="ru-RU" sz="1500" dirty="0" err="1">
-                <a:latin typeface="Lucida Console" panose="020B0609040504020204" pitchFamily="49" charset="0"/>
-              </a:rPr>
-              <a:t>Numerator</a:t>
-            </a:r>
-            <a:r>
-              <a:rPr lang="ru-RU" sz="1500" dirty="0">
-                <a:latin typeface="Lucida Console" panose="020B0609040504020204" pitchFamily="49" charset="0"/>
-              </a:rPr>
-              <a:t>, </a:t>
-            </a:r>
-            <a:r>
-              <a:rPr lang="ru-RU" sz="1500" dirty="0" err="1">
-                <a:latin typeface="Lucida Console" panose="020B0609040504020204" pitchFamily="49" charset="0"/>
-              </a:rPr>
-              <a:t>Denominator</a:t>
-            </a:r>
-            <a:r>
-              <a:rPr lang="ru-RU" sz="1500" dirty="0">
-                <a:latin typeface="Lucida Console" panose="020B0609040504020204" pitchFamily="49" charset="0"/>
-              </a:rPr>
-              <a:t>);</a:t>
-            </a:r>
-          </a:p>
-          <a:p>
-            <a:endParaRPr lang="ru-RU" sz="1500" dirty="0">
-              <a:latin typeface="Lucida Console" panose="020B0609040504020204" pitchFamily="49" charset="0"/>
-            </a:endParaRPr>
-          </a:p>
-          <a:p>
-            <a:r>
-              <a:rPr lang="ru-RU" sz="1500" dirty="0">
-                <a:latin typeface="Lucida Console" panose="020B0609040504020204" pitchFamily="49" charset="0"/>
-              </a:rPr>
-              <a:t>  </a:t>
-            </a:r>
-            <a:r>
-              <a:rPr lang="ru-RU" sz="1500" dirty="0" err="1">
-                <a:latin typeface="Lucida Console" panose="020B0609040504020204" pitchFamily="49" charset="0"/>
-              </a:rPr>
-              <a:t>Fract.IntegerPart</a:t>
-            </a:r>
-            <a:r>
-              <a:rPr lang="ru-RU" sz="1500" dirty="0">
-                <a:latin typeface="Lucida Console" panose="020B0609040504020204" pitchFamily="49" charset="0"/>
-              </a:rPr>
-              <a:t> := </a:t>
-            </a:r>
-            <a:r>
-              <a:rPr lang="ru-RU" sz="1500" dirty="0" err="1">
-                <a:latin typeface="Lucida Console" panose="020B0609040504020204" pitchFamily="49" charset="0"/>
-              </a:rPr>
-              <a:t>Numerator</a:t>
-            </a:r>
-            <a:r>
-              <a:rPr lang="ru-RU" sz="1500" dirty="0">
-                <a:latin typeface="Lucida Console" panose="020B0609040504020204" pitchFamily="49" charset="0"/>
-              </a:rPr>
-              <a:t> DIV </a:t>
-            </a:r>
-            <a:r>
-              <a:rPr lang="ru-RU" sz="1500" dirty="0" err="1">
-                <a:latin typeface="Lucida Console" panose="020B0609040504020204" pitchFamily="49" charset="0"/>
-              </a:rPr>
-              <a:t>Denominator</a:t>
-            </a:r>
-            <a:r>
-              <a:rPr lang="ru-RU" sz="1500" dirty="0">
-                <a:latin typeface="Lucida Console" panose="020B0609040504020204" pitchFamily="49" charset="0"/>
-              </a:rPr>
-              <a:t>;</a:t>
-            </a:r>
-          </a:p>
-          <a:p>
-            <a:r>
-              <a:rPr lang="ru-RU" sz="1500" dirty="0">
-                <a:latin typeface="Lucida Console" panose="020B0609040504020204" pitchFamily="49" charset="0"/>
-              </a:rPr>
-              <a:t>  </a:t>
-            </a:r>
-            <a:r>
-              <a:rPr lang="ru-RU" sz="1500" dirty="0" err="1">
-                <a:latin typeface="Lucida Console" panose="020B0609040504020204" pitchFamily="49" charset="0"/>
-              </a:rPr>
-              <a:t>Fract.Numerator</a:t>
-            </a:r>
-            <a:r>
-              <a:rPr lang="ru-RU" sz="1500" dirty="0">
-                <a:latin typeface="Lucida Console" panose="020B0609040504020204" pitchFamily="49" charset="0"/>
-              </a:rPr>
-              <a:t> := (</a:t>
-            </a:r>
-            <a:r>
-              <a:rPr lang="ru-RU" sz="1500" dirty="0" err="1">
-                <a:latin typeface="Lucida Console" panose="020B0609040504020204" pitchFamily="49" charset="0"/>
-              </a:rPr>
-              <a:t>Numerator</a:t>
-            </a:r>
-            <a:r>
-              <a:rPr lang="ru-RU" sz="1500" dirty="0">
-                <a:latin typeface="Lucida Console" panose="020B0609040504020204" pitchFamily="49" charset="0"/>
-              </a:rPr>
-              <a:t> MOD </a:t>
-            </a:r>
-            <a:r>
-              <a:rPr lang="ru-RU" sz="1500" dirty="0" err="1">
-                <a:latin typeface="Lucida Console" panose="020B0609040504020204" pitchFamily="49" charset="0"/>
-              </a:rPr>
-              <a:t>Denominator</a:t>
-            </a:r>
-            <a:r>
-              <a:rPr lang="ru-RU" sz="1500" dirty="0">
-                <a:latin typeface="Lucida Console" panose="020B0609040504020204" pitchFamily="49" charset="0"/>
-              </a:rPr>
-              <a:t>) DIV GCD;</a:t>
-            </a:r>
-          </a:p>
-          <a:p>
-            <a:r>
-              <a:rPr lang="ru-RU" sz="1500" dirty="0">
-                <a:latin typeface="Lucida Console" panose="020B0609040504020204" pitchFamily="49" charset="0"/>
-              </a:rPr>
-              <a:t>  </a:t>
-            </a:r>
-            <a:r>
-              <a:rPr lang="ru-RU" sz="1500" dirty="0" err="1">
-                <a:latin typeface="Lucida Console" panose="020B0609040504020204" pitchFamily="49" charset="0"/>
-              </a:rPr>
-              <a:t>Fract.Denominator</a:t>
-            </a:r>
-            <a:r>
-              <a:rPr lang="ru-RU" sz="1500" dirty="0">
-                <a:latin typeface="Lucida Console" panose="020B0609040504020204" pitchFamily="49" charset="0"/>
-              </a:rPr>
-              <a:t> := </a:t>
-            </a:r>
-            <a:r>
-              <a:rPr lang="ru-RU" sz="1500" dirty="0" err="1">
-                <a:latin typeface="Lucida Console" panose="020B0609040504020204" pitchFamily="49" charset="0"/>
-              </a:rPr>
-              <a:t>Denominator</a:t>
-            </a:r>
-            <a:r>
-              <a:rPr lang="ru-RU" sz="1500" dirty="0">
-                <a:latin typeface="Lucida Console" panose="020B0609040504020204" pitchFamily="49" charset="0"/>
-              </a:rPr>
-              <a:t> DIV GCD;</a:t>
-            </a:r>
-          </a:p>
-          <a:p>
-            <a:endParaRPr lang="ru-RU" sz="1500" dirty="0">
-              <a:latin typeface="Lucida Console" panose="020B0609040504020204" pitchFamily="49" charset="0"/>
-            </a:endParaRPr>
-          </a:p>
-          <a:p>
-            <a:r>
-              <a:rPr lang="ru-RU" sz="1500" dirty="0">
-                <a:latin typeface="Lucida Console" panose="020B0609040504020204" pitchFamily="49" charset="0"/>
-              </a:rPr>
-              <a:t>  </a:t>
-            </a:r>
-            <a:r>
-              <a:rPr lang="ru-RU" sz="1500" dirty="0" err="1">
-                <a:latin typeface="Lucida Console" panose="020B0609040504020204" pitchFamily="49" charset="0"/>
-              </a:rPr>
-              <a:t>ToCompoundFraction</a:t>
-            </a:r>
-            <a:r>
-              <a:rPr lang="ru-RU" sz="1500" dirty="0">
-                <a:latin typeface="Lucida Console" panose="020B0609040504020204" pitchFamily="49" charset="0"/>
-              </a:rPr>
-              <a:t> := </a:t>
-            </a:r>
-            <a:r>
-              <a:rPr lang="ru-RU" sz="1500" dirty="0" err="1">
-                <a:latin typeface="Lucida Console" panose="020B0609040504020204" pitchFamily="49" charset="0"/>
-              </a:rPr>
-              <a:t>Fract</a:t>
-            </a:r>
-            <a:endParaRPr lang="ru-RU" sz="1500" dirty="0">
-              <a:latin typeface="Lucida Console" panose="020B0609040504020204" pitchFamily="49" charset="0"/>
-            </a:endParaRPr>
-          </a:p>
-          <a:p>
-            <a:r>
-              <a:rPr lang="ru-RU" sz="1500" dirty="0">
-                <a:latin typeface="Lucida Console" panose="020B0609040504020204" pitchFamily="49" charset="0"/>
-              </a:rPr>
-              <a:t>END;</a:t>
-            </a:r>
-          </a:p>
-          <a:p>
-            <a:endParaRPr lang="ru-RU" sz="1500" dirty="0">
-              <a:latin typeface="Lucida Console" panose="020B0609040504020204" pitchFamily="49" charset="0"/>
-            </a:endParaRPr>
-          </a:p>
-          <a:p>
-            <a:r>
-              <a:rPr lang="ru-RU" sz="1500" dirty="0">
-                <a:latin typeface="Lucida Console" panose="020B0609040504020204" pitchFamily="49" charset="0"/>
-              </a:rPr>
-              <a:t>VAR</a:t>
-            </a:r>
-          </a:p>
-          <a:p>
-            <a:r>
-              <a:rPr lang="ru-RU" sz="1500" dirty="0">
-                <a:latin typeface="Lucida Console" panose="020B0609040504020204" pitchFamily="49" charset="0"/>
-              </a:rPr>
-              <a:t>  </a:t>
-            </a:r>
-            <a:r>
-              <a:rPr lang="ru-RU" sz="1500" dirty="0" err="1">
-                <a:latin typeface="Lucida Console" panose="020B0609040504020204" pitchFamily="49" charset="0"/>
-              </a:rPr>
-              <a:t>Numerator</a:t>
-            </a:r>
-            <a:r>
-              <a:rPr lang="ru-RU" sz="1500" dirty="0">
-                <a:latin typeface="Lucida Console" panose="020B0609040504020204" pitchFamily="49" charset="0"/>
-              </a:rPr>
-              <a:t>, </a:t>
-            </a:r>
-            <a:r>
-              <a:rPr lang="ru-RU" sz="1500" dirty="0" err="1">
-                <a:latin typeface="Lucida Console" panose="020B0609040504020204" pitchFamily="49" charset="0"/>
-              </a:rPr>
-              <a:t>Denominator</a:t>
-            </a:r>
-            <a:r>
-              <a:rPr lang="ru-RU" sz="1500" dirty="0">
-                <a:latin typeface="Lucida Console" panose="020B0609040504020204" pitchFamily="49" charset="0"/>
-              </a:rPr>
-              <a:t>: INTEGER;</a:t>
-            </a:r>
-          </a:p>
-          <a:p>
-            <a:r>
-              <a:rPr lang="ru-RU" sz="1500" dirty="0">
-                <a:latin typeface="Lucida Console" panose="020B0609040504020204" pitchFamily="49" charset="0"/>
-              </a:rPr>
-              <a:t>BEGIN</a:t>
-            </a:r>
-          </a:p>
-          <a:p>
-            <a:r>
-              <a:rPr lang="ru-RU" sz="1500" dirty="0">
-                <a:latin typeface="Lucida Console" panose="020B0609040504020204" pitchFamily="49" charset="0"/>
-              </a:rPr>
-              <a:t>  IF </a:t>
-            </a:r>
-            <a:r>
-              <a:rPr lang="ru-RU" sz="1500" dirty="0" err="1">
-                <a:latin typeface="Lucida Console" panose="020B0609040504020204" pitchFamily="49" charset="0"/>
-              </a:rPr>
-              <a:t>ReadFraction</a:t>
-            </a:r>
-            <a:r>
-              <a:rPr lang="ru-RU" sz="1500" dirty="0">
-                <a:latin typeface="Lucida Console" panose="020B0609040504020204" pitchFamily="49" charset="0"/>
-              </a:rPr>
-              <a:t>(</a:t>
-            </a:r>
-            <a:r>
-              <a:rPr lang="ru-RU" sz="1500" dirty="0" err="1">
-                <a:latin typeface="Lucida Console" panose="020B0609040504020204" pitchFamily="49" charset="0"/>
-              </a:rPr>
-              <a:t>Numerator</a:t>
-            </a:r>
-            <a:r>
-              <a:rPr lang="ru-RU" sz="1500" dirty="0">
-                <a:latin typeface="Lucida Console" panose="020B0609040504020204" pitchFamily="49" charset="0"/>
-              </a:rPr>
-              <a:t>, </a:t>
-            </a:r>
-            <a:r>
-              <a:rPr lang="ru-RU" sz="1500" dirty="0" err="1">
-                <a:latin typeface="Lucida Console" panose="020B0609040504020204" pitchFamily="49" charset="0"/>
-              </a:rPr>
-              <a:t>Denominator</a:t>
-            </a:r>
-            <a:r>
-              <a:rPr lang="ru-RU" sz="1500" dirty="0">
-                <a:latin typeface="Lucida Console" panose="020B0609040504020204" pitchFamily="49" charset="0"/>
-              </a:rPr>
-              <a:t>)</a:t>
-            </a:r>
-          </a:p>
-          <a:p>
-            <a:r>
-              <a:rPr lang="ru-RU" sz="1500" dirty="0">
-                <a:latin typeface="Lucida Console" panose="020B0609040504020204" pitchFamily="49" charset="0"/>
-              </a:rPr>
-              <a:t>  THEN</a:t>
-            </a:r>
-          </a:p>
-          <a:p>
-            <a:r>
-              <a:rPr lang="ru-RU" sz="1500" dirty="0">
-                <a:latin typeface="Lucida Console" panose="020B0609040504020204" pitchFamily="49" charset="0"/>
-              </a:rPr>
-              <a:t>    </a:t>
-            </a:r>
-            <a:r>
-              <a:rPr lang="ru-RU" sz="1500" dirty="0" err="1" smtClean="0">
-                <a:latin typeface="Lucida Console" panose="020B0609040504020204" pitchFamily="49" charset="0"/>
-              </a:rPr>
-              <a:t>PrintFraction</a:t>
-            </a:r>
-            <a:r>
-              <a:rPr lang="ru-RU" sz="1500" dirty="0" smtClean="0">
-                <a:latin typeface="Lucida Console" panose="020B0609040504020204" pitchFamily="49" charset="0"/>
-              </a:rPr>
-              <a:t>(</a:t>
-            </a:r>
-            <a:r>
-              <a:rPr lang="ru-RU" sz="1500" dirty="0" err="1" smtClean="0">
-                <a:latin typeface="Lucida Console" panose="020B0609040504020204" pitchFamily="49" charset="0"/>
-              </a:rPr>
-              <a:t>ToCompoundFraction</a:t>
-            </a:r>
-            <a:r>
-              <a:rPr lang="ru-RU" sz="1500" dirty="0" smtClean="0">
-                <a:latin typeface="Lucida Console" panose="020B0609040504020204" pitchFamily="49" charset="0"/>
-              </a:rPr>
-              <a:t>(</a:t>
-            </a:r>
-            <a:r>
-              <a:rPr lang="ru-RU" sz="1500" dirty="0" err="1" smtClean="0">
-                <a:latin typeface="Lucida Console" panose="020B0609040504020204" pitchFamily="49" charset="0"/>
-              </a:rPr>
-              <a:t>Numerator</a:t>
-            </a:r>
-            <a:r>
-              <a:rPr lang="ru-RU" sz="1500" dirty="0">
-                <a:latin typeface="Lucida Console" panose="020B0609040504020204" pitchFamily="49" charset="0"/>
-              </a:rPr>
-              <a:t>, </a:t>
-            </a:r>
-            <a:r>
-              <a:rPr lang="ru-RU" sz="1500" dirty="0" err="1">
-                <a:latin typeface="Lucida Console" panose="020B0609040504020204" pitchFamily="49" charset="0"/>
-              </a:rPr>
-              <a:t>Denominator</a:t>
-            </a:r>
-            <a:r>
-              <a:rPr lang="ru-RU" sz="1500" dirty="0">
-                <a:latin typeface="Lucida Console" panose="020B0609040504020204" pitchFamily="49" charset="0"/>
-              </a:rPr>
-              <a:t>))</a:t>
-            </a:r>
-          </a:p>
-          <a:p>
-            <a:r>
-              <a:rPr lang="ru-RU" sz="1500" dirty="0">
-                <a:latin typeface="Lucida Console" panose="020B0609040504020204" pitchFamily="49" charset="0"/>
-              </a:rPr>
-              <a:t>  ELSE</a:t>
-            </a:r>
-          </a:p>
-          <a:p>
-            <a:r>
-              <a:rPr lang="ru-RU" sz="1500" dirty="0">
-                <a:latin typeface="Lucida Console" panose="020B0609040504020204" pitchFamily="49" charset="0"/>
-              </a:rPr>
-              <a:t>    WRITELN('ERROR')</a:t>
-            </a:r>
-          </a:p>
-          <a:p>
-            <a:r>
-              <a:rPr lang="ru-RU" sz="1500" dirty="0">
-                <a:latin typeface="Lucida Console" panose="020B0609040504020204" pitchFamily="49" charset="0"/>
-              </a:rPr>
-              <a:t>END.</a:t>
-            </a:r>
-          </a:p>
-        </p:txBody>
-      </p:sp>
-    </p:spTree>
-    <p:extLst>
-      <p:ext uri="{BB962C8B-B14F-4D97-AF65-F5344CB8AC3E}">
-        <p14:creationId xmlns:p14="http://schemas.microsoft.com/office/powerpoint/2010/main" val="2222976153"/>
-      </p:ext>
-    </p:extLst>
-  </p:cSld>
-  <p:clrMapOvr>
-    <a:masterClrMapping/>
-  </p:clrMapOvr>
-  <p:timing>
-    <p:tnLst>
-      <p:par>
-        <p:cTn id="1" dur="indefinite" restart="never" nodeType="tmRoot">
-          <p:childTnLst>
-            <p:seq concurrent="1" nextAc="seek">
-              <p:cTn id="2" dur="indefinite" nodeType="mainSeq">
-                <p:childTnLst>
-                  <p:par>
-                    <p:cTn id="3" fill="hold">
-                      <p:stCondLst>
-                        <p:cond delay="indefinite"/>
-                      </p:stCondLst>
-                      <p:childTnLst>
-                        <p:par>
-                          <p:cTn id="4" fill="hold">
-                            <p:stCondLst>
-                              <p:cond delay="0"/>
-                            </p:stCondLst>
-                            <p:childTnLst>
-                              <p:par>
-                                <p:cTn id="5" presetID="10" presetClass="entr" presetSubtype="0" fill="hold" nodeType="clickEffect">
-                                  <p:stCondLst>
-                                    <p:cond delay="0"/>
-                                  </p:stCondLst>
-                                  <p:childTnLst>
-                                    <p:set>
-                                      <p:cBhvr>
-                                        <p:cTn id="6" dur="1" fill="hold">
-                                          <p:stCondLst>
-                                            <p:cond delay="0"/>
-                                          </p:stCondLst>
-                                        </p:cTn>
-                                        <p:tgtEl>
-                                          <p:spTgt spid="3">
-                                            <p:txEl>
-                                              <p:pRg st="23" end="23"/>
-                                            </p:txEl>
-                                          </p:spTgt>
-                                        </p:tgtEl>
-                                        <p:attrNameLst>
-                                          <p:attrName>style.visibility</p:attrName>
-                                        </p:attrNameLst>
-                                      </p:cBhvr>
-                                      <p:to>
-                                        <p:strVal val="visible"/>
-                                      </p:to>
-                                    </p:set>
-                                    <p:animEffect transition="in" filter="fade">
-                                      <p:cBhvr>
-                                        <p:cTn id="7" dur="500"/>
-                                        <p:tgtEl>
-                                          <p:spTgt spid="3">
-                                            <p:txEl>
-                                              <p:pRg st="23" end="23"/>
-                                            </p:txEl>
-                                          </p:spTgt>
-                                        </p:tgtEl>
-                                      </p:cBhvr>
-                                    </p:animEffect>
-                                  </p:childTnLst>
-                                </p:cTn>
-                              </p:par>
-                              <p:par>
-                                <p:cTn id="8" presetID="10" presetClass="entr" presetSubtype="0" fill="hold" nodeType="withEffect">
-                                  <p:stCondLst>
-                                    <p:cond delay="0"/>
-                                  </p:stCondLst>
-                                  <p:childTnLst>
-                                    <p:set>
-                                      <p:cBhvr>
-                                        <p:cTn id="9" dur="1" fill="hold">
-                                          <p:stCondLst>
-                                            <p:cond delay="0"/>
-                                          </p:stCondLst>
-                                        </p:cTn>
-                                        <p:tgtEl>
-                                          <p:spTgt spid="3">
-                                            <p:txEl>
-                                              <p:pRg st="24" end="24"/>
-                                            </p:txEl>
-                                          </p:spTgt>
-                                        </p:tgtEl>
-                                        <p:attrNameLst>
-                                          <p:attrName>style.visibility</p:attrName>
-                                        </p:attrNameLst>
-                                      </p:cBhvr>
-                                      <p:to>
-                                        <p:strVal val="visible"/>
-                                      </p:to>
-                                    </p:set>
-                                    <p:animEffect transition="in" filter="fade">
-                                      <p:cBhvr>
-                                        <p:cTn id="10" dur="500"/>
-                                        <p:tgtEl>
-                                          <p:spTgt spid="3">
-                                            <p:txEl>
-                                              <p:pRg st="24" end="24"/>
-                                            </p:txEl>
-                                          </p:spTgt>
-                                        </p:tgtEl>
-                                      </p:cBhvr>
-                                    </p:animEffect>
-                                  </p:childTnLst>
-                                </p:cTn>
-                              </p:par>
-                              <p:par>
-                                <p:cTn id="11" presetID="10" presetClass="entr" presetSubtype="0" fill="hold" nodeType="withEffect">
-                                  <p:stCondLst>
-                                    <p:cond delay="0"/>
-                                  </p:stCondLst>
-                                  <p:childTnLst>
-                                    <p:set>
-                                      <p:cBhvr>
-                                        <p:cTn id="12" dur="1" fill="hold">
-                                          <p:stCondLst>
-                                            <p:cond delay="0"/>
-                                          </p:stCondLst>
-                                        </p:cTn>
-                                        <p:tgtEl>
-                                          <p:spTgt spid="3">
-                                            <p:txEl>
-                                              <p:pRg st="25" end="25"/>
-                                            </p:txEl>
-                                          </p:spTgt>
-                                        </p:tgtEl>
-                                        <p:attrNameLst>
-                                          <p:attrName>style.visibility</p:attrName>
-                                        </p:attrNameLst>
-                                      </p:cBhvr>
-                                      <p:to>
-                                        <p:strVal val="visible"/>
-                                      </p:to>
-                                    </p:set>
-                                    <p:animEffect transition="in" filter="fade">
-                                      <p:cBhvr>
-                                        <p:cTn id="13" dur="500"/>
-                                        <p:tgtEl>
-                                          <p:spTgt spid="3">
-                                            <p:txEl>
-                                              <p:pRg st="25" end="25"/>
-                                            </p:txEl>
-                                          </p:spTgt>
-                                        </p:tgtEl>
-                                      </p:cBhvr>
-                                    </p:animEffect>
-                                  </p:childTnLst>
-                                </p:cTn>
-                              </p:par>
-                            </p:childTnLst>
-                          </p:cTn>
-                        </p:par>
-                        <p:par>
-                          <p:cTn id="14" fill="hold">
-                            <p:stCondLst>
-                              <p:cond delay="500"/>
-                            </p:stCondLst>
-                            <p:childTnLst>
-                              <p:par>
-                                <p:cTn id="15" presetID="10" presetClass="entr" presetSubtype="0" fill="hold" grpId="0" nodeType="afterEffect">
-                                  <p:stCondLst>
-                                    <p:cond delay="0"/>
-                                  </p:stCondLst>
-                                  <p:childTnLst>
-                                    <p:set>
-                                      <p:cBhvr>
-                                        <p:cTn id="16" dur="1" fill="hold">
-                                          <p:stCondLst>
-                                            <p:cond delay="0"/>
-                                          </p:stCondLst>
-                                        </p:cTn>
-                                        <p:tgtEl>
-                                          <p:spTgt spid="8"/>
-                                        </p:tgtEl>
-                                        <p:attrNameLst>
-                                          <p:attrName>style.visibility</p:attrName>
-                                        </p:attrNameLst>
-                                      </p:cBhvr>
-                                      <p:to>
-                                        <p:strVal val="visible"/>
-                                      </p:to>
-                                    </p:set>
-                                    <p:animEffect transition="in" filter="fade">
-                                      <p:cBhvr>
-                                        <p:cTn id="17" dur="500"/>
-                                        <p:tgtEl>
-                                          <p:spTgt spid="8"/>
-                                        </p:tgtEl>
-                                      </p:cBhvr>
-                                    </p:animEffect>
-                                  </p:childTnLst>
-                                </p:cTn>
-                              </p:par>
-                            </p:childTnLst>
-                          </p:cTn>
-                        </p:par>
-                      </p:childTnLst>
-                    </p:cTn>
-                  </p:par>
-                  <p:par>
-                    <p:cTn id="18" fill="hold">
-                      <p:stCondLst>
-                        <p:cond delay="indefinite"/>
-                      </p:stCondLst>
-                      <p:childTnLst>
-                        <p:par>
-                          <p:cTn id="19" fill="hold">
-                            <p:stCondLst>
-                              <p:cond delay="0"/>
-                            </p:stCondLst>
-                            <p:childTnLst>
-                              <p:par>
-                                <p:cTn id="20" presetID="10" presetClass="entr" presetSubtype="0" fill="hold" nodeType="clickEffect">
-                                  <p:stCondLst>
-                                    <p:cond delay="0"/>
-                                  </p:stCondLst>
-                                  <p:childTnLst>
-                                    <p:set>
-                                      <p:cBhvr>
-                                        <p:cTn id="21" dur="1" fill="hold">
-                                          <p:stCondLst>
-                                            <p:cond delay="0"/>
-                                          </p:stCondLst>
-                                        </p:cTn>
-                                        <p:tgtEl>
-                                          <p:spTgt spid="3">
-                                            <p:txEl>
-                                              <p:pRg st="5" end="5"/>
-                                            </p:txEl>
-                                          </p:spTgt>
-                                        </p:tgtEl>
-                                        <p:attrNameLst>
-                                          <p:attrName>style.visibility</p:attrName>
-                                        </p:attrNameLst>
-                                      </p:cBhvr>
-                                      <p:to>
-                                        <p:strVal val="visible"/>
-                                      </p:to>
-                                    </p:set>
-                                    <p:animEffect transition="in" filter="fade">
-                                      <p:cBhvr>
-                                        <p:cTn id="22" dur="500"/>
-                                        <p:tgtEl>
-                                          <p:spTgt spid="3">
-                                            <p:txEl>
-                                              <p:pRg st="5" end="5"/>
-                                            </p:txEl>
-                                          </p:spTgt>
-                                        </p:tgtEl>
-                                      </p:cBhvr>
-                                    </p:animEffect>
-                                  </p:childTnLst>
-                                </p:cTn>
-                              </p:par>
-                              <p:par>
-                                <p:cTn id="23" presetID="10" presetClass="entr" presetSubtype="0" fill="hold" nodeType="withEffect">
-                                  <p:stCondLst>
-                                    <p:cond delay="0"/>
-                                  </p:stCondLst>
-                                  <p:childTnLst>
-                                    <p:set>
-                                      <p:cBhvr>
-                                        <p:cTn id="24" dur="1" fill="hold">
-                                          <p:stCondLst>
-                                            <p:cond delay="0"/>
-                                          </p:stCondLst>
-                                        </p:cTn>
-                                        <p:tgtEl>
-                                          <p:spTgt spid="3">
-                                            <p:txEl>
-                                              <p:pRg st="6" end="6"/>
-                                            </p:txEl>
-                                          </p:spTgt>
-                                        </p:tgtEl>
-                                        <p:attrNameLst>
-                                          <p:attrName>style.visibility</p:attrName>
-                                        </p:attrNameLst>
-                                      </p:cBhvr>
-                                      <p:to>
-                                        <p:strVal val="visible"/>
-                                      </p:to>
-                                    </p:set>
-                                    <p:animEffect transition="in" filter="fade">
-                                      <p:cBhvr>
-                                        <p:cTn id="25" dur="500"/>
-                                        <p:tgtEl>
-                                          <p:spTgt spid="3">
-                                            <p:txEl>
-                                              <p:pRg st="6" end="6"/>
-                                            </p:txEl>
-                                          </p:spTgt>
-                                        </p:tgtEl>
-                                      </p:cBhvr>
-                                    </p:animEffect>
-                                  </p:childTnLst>
-                                </p:cTn>
-                              </p:par>
-                              <p:par>
-                                <p:cTn id="26" presetID="10" presetClass="entr" presetSubtype="0" fill="hold" nodeType="withEffect">
-                                  <p:stCondLst>
-                                    <p:cond delay="0"/>
-                                  </p:stCondLst>
-                                  <p:childTnLst>
-                                    <p:set>
-                                      <p:cBhvr>
-                                        <p:cTn id="27" dur="1" fill="hold">
-                                          <p:stCondLst>
-                                            <p:cond delay="0"/>
-                                          </p:stCondLst>
-                                        </p:cTn>
-                                        <p:tgtEl>
-                                          <p:spTgt spid="3">
-                                            <p:txEl>
-                                              <p:pRg st="7" end="7"/>
-                                            </p:txEl>
-                                          </p:spTgt>
-                                        </p:tgtEl>
-                                        <p:attrNameLst>
-                                          <p:attrName>style.visibility</p:attrName>
-                                        </p:attrNameLst>
-                                      </p:cBhvr>
-                                      <p:to>
-                                        <p:strVal val="visible"/>
-                                      </p:to>
-                                    </p:set>
-                                    <p:animEffect transition="in" filter="fade">
-                                      <p:cBhvr>
-                                        <p:cTn id="28" dur="500"/>
-                                        <p:tgtEl>
-                                          <p:spTgt spid="3">
-                                            <p:txEl>
-                                              <p:pRg st="7" end="7"/>
-                                            </p:txEl>
-                                          </p:spTgt>
-                                        </p:tgtEl>
-                                      </p:cBhvr>
-                                    </p:animEffect>
-                                  </p:childTnLst>
-                                </p:cTn>
-                              </p:par>
-                              <p:par>
-                                <p:cTn id="29" presetID="10" presetClass="entr" presetSubtype="0" fill="hold" nodeType="withEffect">
-                                  <p:stCondLst>
-                                    <p:cond delay="0"/>
-                                  </p:stCondLst>
-                                  <p:childTnLst>
-                                    <p:set>
-                                      <p:cBhvr>
-                                        <p:cTn id="30" dur="1" fill="hold">
-                                          <p:stCondLst>
-                                            <p:cond delay="0"/>
-                                          </p:stCondLst>
-                                        </p:cTn>
-                                        <p:tgtEl>
-                                          <p:spTgt spid="3">
-                                            <p:txEl>
-                                              <p:pRg st="8" end="8"/>
-                                            </p:txEl>
-                                          </p:spTgt>
-                                        </p:tgtEl>
-                                        <p:attrNameLst>
-                                          <p:attrName>style.visibility</p:attrName>
-                                        </p:attrNameLst>
-                                      </p:cBhvr>
-                                      <p:to>
-                                        <p:strVal val="visible"/>
-                                      </p:to>
-                                    </p:set>
-                                    <p:animEffect transition="in" filter="fade">
-                                      <p:cBhvr>
-                                        <p:cTn id="31" dur="500"/>
-                                        <p:tgtEl>
-                                          <p:spTgt spid="3">
-                                            <p:txEl>
-                                              <p:pRg st="8" end="8"/>
-                                            </p:txEl>
-                                          </p:spTgt>
-                                        </p:tgtEl>
-                                      </p:cBhvr>
-                                    </p:animEffect>
-                                  </p:childTnLst>
-                                </p:cTn>
-                              </p:par>
-                              <p:par>
-                                <p:cTn id="32" presetID="10" presetClass="entr" presetSubtype="0" fill="hold" nodeType="withEffect">
-                                  <p:stCondLst>
-                                    <p:cond delay="0"/>
-                                  </p:stCondLst>
-                                  <p:childTnLst>
-                                    <p:set>
-                                      <p:cBhvr>
-                                        <p:cTn id="33" dur="1" fill="hold">
-                                          <p:stCondLst>
-                                            <p:cond delay="0"/>
-                                          </p:stCondLst>
-                                        </p:cTn>
-                                        <p:tgtEl>
-                                          <p:spTgt spid="3">
-                                            <p:txEl>
-                                              <p:pRg st="9" end="9"/>
-                                            </p:txEl>
-                                          </p:spTgt>
-                                        </p:tgtEl>
-                                        <p:attrNameLst>
-                                          <p:attrName>style.visibility</p:attrName>
-                                        </p:attrNameLst>
-                                      </p:cBhvr>
-                                      <p:to>
-                                        <p:strVal val="visible"/>
-                                      </p:to>
-                                    </p:set>
-                                    <p:animEffect transition="in" filter="fade">
-                                      <p:cBhvr>
-                                        <p:cTn id="34" dur="500"/>
-                                        <p:tgtEl>
-                                          <p:spTgt spid="3">
-                                            <p:txEl>
-                                              <p:pRg st="9" end="9"/>
-                                            </p:txEl>
-                                          </p:spTgt>
-                                        </p:tgtEl>
-                                      </p:cBhvr>
-                                    </p:animEffect>
-                                  </p:childTnLst>
-                                </p:cTn>
-                              </p:par>
-                              <p:par>
-                                <p:cTn id="35" presetID="10" presetClass="entr" presetSubtype="0" fill="hold" nodeType="withEffect">
-                                  <p:stCondLst>
-                                    <p:cond delay="0"/>
-                                  </p:stCondLst>
-                                  <p:childTnLst>
-                                    <p:set>
-                                      <p:cBhvr>
-                                        <p:cTn id="36" dur="1" fill="hold">
-                                          <p:stCondLst>
-                                            <p:cond delay="0"/>
-                                          </p:stCondLst>
-                                        </p:cTn>
-                                        <p:tgtEl>
-                                          <p:spTgt spid="3">
-                                            <p:txEl>
-                                              <p:pRg st="10" end="10"/>
-                                            </p:txEl>
-                                          </p:spTgt>
-                                        </p:tgtEl>
-                                        <p:attrNameLst>
-                                          <p:attrName>style.visibility</p:attrName>
-                                        </p:attrNameLst>
-                                      </p:cBhvr>
-                                      <p:to>
-                                        <p:strVal val="visible"/>
-                                      </p:to>
-                                    </p:set>
-                                    <p:animEffect transition="in" filter="fade">
-                                      <p:cBhvr>
-                                        <p:cTn id="37" dur="500"/>
-                                        <p:tgtEl>
-                                          <p:spTgt spid="3">
-                                            <p:txEl>
-                                              <p:pRg st="10" end="10"/>
-                                            </p:txEl>
-                                          </p:spTgt>
-                                        </p:tgtEl>
-                                      </p:cBhvr>
-                                    </p:animEffect>
-                                  </p:childTnLst>
-                                </p:cTn>
-                              </p:par>
-                              <p:par>
-                                <p:cTn id="38" presetID="10" presetClass="entr" presetSubtype="0" fill="hold" nodeType="withEffect">
-                                  <p:stCondLst>
-                                    <p:cond delay="0"/>
-                                  </p:stCondLst>
-                                  <p:childTnLst>
-                                    <p:set>
-                                      <p:cBhvr>
-                                        <p:cTn id="39" dur="1" fill="hold">
-                                          <p:stCondLst>
-                                            <p:cond delay="0"/>
-                                          </p:stCondLst>
-                                        </p:cTn>
-                                        <p:tgtEl>
-                                          <p:spTgt spid="3">
-                                            <p:txEl>
-                                              <p:pRg st="11" end="11"/>
-                                            </p:txEl>
-                                          </p:spTgt>
-                                        </p:tgtEl>
-                                        <p:attrNameLst>
-                                          <p:attrName>style.visibility</p:attrName>
-                                        </p:attrNameLst>
-                                      </p:cBhvr>
-                                      <p:to>
-                                        <p:strVal val="visible"/>
-                                      </p:to>
-                                    </p:set>
-                                    <p:animEffect transition="in" filter="fade">
-                                      <p:cBhvr>
-                                        <p:cTn id="40" dur="500"/>
-                                        <p:tgtEl>
-                                          <p:spTgt spid="3">
-                                            <p:txEl>
-                                              <p:pRg st="11" end="11"/>
-                                            </p:txEl>
-                                          </p:spTgt>
-                                        </p:tgtEl>
-                                      </p:cBhvr>
-                                    </p:animEffect>
-                                  </p:childTnLst>
-                                </p:cTn>
-                              </p:par>
-                              <p:par>
-                                <p:cTn id="41" presetID="10" presetClass="entr" presetSubtype="0" fill="hold" nodeType="withEffect">
-                                  <p:stCondLst>
-                                    <p:cond delay="0"/>
-                                  </p:stCondLst>
-                                  <p:childTnLst>
-                                    <p:set>
-                                      <p:cBhvr>
-                                        <p:cTn id="42" dur="1" fill="hold">
-                                          <p:stCondLst>
-                                            <p:cond delay="0"/>
-                                          </p:stCondLst>
-                                        </p:cTn>
-                                        <p:tgtEl>
-                                          <p:spTgt spid="3">
-                                            <p:txEl>
-                                              <p:pRg st="13" end="13"/>
-                                            </p:txEl>
-                                          </p:spTgt>
-                                        </p:tgtEl>
-                                        <p:attrNameLst>
-                                          <p:attrName>style.visibility</p:attrName>
-                                        </p:attrNameLst>
-                                      </p:cBhvr>
-                                      <p:to>
-                                        <p:strVal val="visible"/>
-                                      </p:to>
-                                    </p:set>
-                                    <p:animEffect transition="in" filter="fade">
-                                      <p:cBhvr>
-                                        <p:cTn id="43" dur="500"/>
-                                        <p:tgtEl>
-                                          <p:spTgt spid="3">
-                                            <p:txEl>
-                                              <p:pRg st="13" end="13"/>
-                                            </p:txEl>
-                                          </p:spTgt>
-                                        </p:tgtEl>
-                                      </p:cBhvr>
-                                    </p:animEffect>
-                                  </p:childTnLst>
-                                </p:cTn>
-                              </p:par>
-                              <p:par>
-                                <p:cTn id="44" presetID="10" presetClass="entr" presetSubtype="0" fill="hold" nodeType="withEffect">
-                                  <p:stCondLst>
-                                    <p:cond delay="0"/>
-                                  </p:stCondLst>
-                                  <p:childTnLst>
-                                    <p:set>
-                                      <p:cBhvr>
-                                        <p:cTn id="45" dur="1" fill="hold">
-                                          <p:stCondLst>
-                                            <p:cond delay="0"/>
-                                          </p:stCondLst>
-                                        </p:cTn>
-                                        <p:tgtEl>
-                                          <p:spTgt spid="3">
-                                            <p:txEl>
-                                              <p:pRg st="14" end="14"/>
-                                            </p:txEl>
-                                          </p:spTgt>
-                                        </p:tgtEl>
-                                        <p:attrNameLst>
-                                          <p:attrName>style.visibility</p:attrName>
-                                        </p:attrNameLst>
-                                      </p:cBhvr>
-                                      <p:to>
-                                        <p:strVal val="visible"/>
-                                      </p:to>
-                                    </p:set>
-                                    <p:animEffect transition="in" filter="fade">
-                                      <p:cBhvr>
-                                        <p:cTn id="46" dur="500"/>
-                                        <p:tgtEl>
-                                          <p:spTgt spid="3">
-                                            <p:txEl>
-                                              <p:pRg st="14" end="14"/>
-                                            </p:txEl>
-                                          </p:spTgt>
-                                        </p:tgtEl>
-                                      </p:cBhvr>
-                                    </p:animEffect>
-                                  </p:childTnLst>
-                                </p:cTn>
-                              </p:par>
-                              <p:par>
-                                <p:cTn id="47" presetID="10" presetClass="entr" presetSubtype="0" fill="hold" nodeType="withEffect">
-                                  <p:stCondLst>
-                                    <p:cond delay="0"/>
-                                  </p:stCondLst>
-                                  <p:childTnLst>
-                                    <p:set>
-                                      <p:cBhvr>
-                                        <p:cTn id="48" dur="1" fill="hold">
-                                          <p:stCondLst>
-                                            <p:cond delay="0"/>
-                                          </p:stCondLst>
-                                        </p:cTn>
-                                        <p:tgtEl>
-                                          <p:spTgt spid="3">
-                                            <p:txEl>
-                                              <p:pRg st="15" end="15"/>
-                                            </p:txEl>
-                                          </p:spTgt>
-                                        </p:tgtEl>
-                                        <p:attrNameLst>
-                                          <p:attrName>style.visibility</p:attrName>
-                                        </p:attrNameLst>
-                                      </p:cBhvr>
-                                      <p:to>
-                                        <p:strVal val="visible"/>
-                                      </p:to>
-                                    </p:set>
-                                    <p:animEffect transition="in" filter="fade">
-                                      <p:cBhvr>
-                                        <p:cTn id="49" dur="500"/>
-                                        <p:tgtEl>
-                                          <p:spTgt spid="3">
-                                            <p:txEl>
-                                              <p:pRg st="15" end="15"/>
-                                            </p:txEl>
-                                          </p:spTgt>
-                                        </p:tgtEl>
-                                      </p:cBhvr>
-                                    </p:animEffect>
-                                  </p:childTnLst>
-                                </p:cTn>
-                              </p:par>
-                              <p:par>
-                                <p:cTn id="50" presetID="10" presetClass="entr" presetSubtype="0" fill="hold" nodeType="withEffect">
-                                  <p:stCondLst>
-                                    <p:cond delay="0"/>
-                                  </p:stCondLst>
-                                  <p:childTnLst>
-                                    <p:set>
-                                      <p:cBhvr>
-                                        <p:cTn id="51" dur="1" fill="hold">
-                                          <p:stCondLst>
-                                            <p:cond delay="0"/>
-                                          </p:stCondLst>
-                                        </p:cTn>
-                                        <p:tgtEl>
-                                          <p:spTgt spid="3">
-                                            <p:txEl>
-                                              <p:pRg st="17" end="17"/>
-                                            </p:txEl>
-                                          </p:spTgt>
-                                        </p:tgtEl>
-                                        <p:attrNameLst>
-                                          <p:attrName>style.visibility</p:attrName>
-                                        </p:attrNameLst>
-                                      </p:cBhvr>
-                                      <p:to>
-                                        <p:strVal val="visible"/>
-                                      </p:to>
-                                    </p:set>
-                                    <p:animEffect transition="in" filter="fade">
-                                      <p:cBhvr>
-                                        <p:cTn id="52" dur="500"/>
-                                        <p:tgtEl>
-                                          <p:spTgt spid="3">
-                                            <p:txEl>
-                                              <p:pRg st="17" end="17"/>
-                                            </p:txEl>
-                                          </p:spTgt>
-                                        </p:tgtEl>
-                                      </p:cBhvr>
-                                    </p:animEffect>
-                                  </p:childTnLst>
-                                </p:cTn>
-                              </p:par>
-                              <p:par>
-                                <p:cTn id="53" presetID="10" presetClass="entr" presetSubtype="0" fill="hold" nodeType="withEffect">
-                                  <p:stCondLst>
-                                    <p:cond delay="0"/>
-                                  </p:stCondLst>
-                                  <p:childTnLst>
-                                    <p:set>
-                                      <p:cBhvr>
-                                        <p:cTn id="54" dur="1" fill="hold">
-                                          <p:stCondLst>
-                                            <p:cond delay="0"/>
-                                          </p:stCondLst>
-                                        </p:cTn>
-                                        <p:tgtEl>
-                                          <p:spTgt spid="3">
-                                            <p:txEl>
-                                              <p:pRg st="18" end="18"/>
-                                            </p:txEl>
-                                          </p:spTgt>
-                                        </p:tgtEl>
-                                        <p:attrNameLst>
-                                          <p:attrName>style.visibility</p:attrName>
-                                        </p:attrNameLst>
-                                      </p:cBhvr>
-                                      <p:to>
-                                        <p:strVal val="visible"/>
-                                      </p:to>
-                                    </p:set>
-                                    <p:animEffect transition="in" filter="fade">
-                                      <p:cBhvr>
-                                        <p:cTn id="55" dur="500"/>
-                                        <p:tgtEl>
-                                          <p:spTgt spid="3">
-                                            <p:txEl>
-                                              <p:pRg st="18" end="18"/>
-                                            </p:txEl>
-                                          </p:spTgt>
-                                        </p:tgtEl>
-                                      </p:cBhvr>
-                                    </p:animEffect>
-                                  </p:childTnLst>
-                                </p:cTn>
-                              </p:par>
-                              <p:par>
-                                <p:cTn id="56" presetID="10" presetClass="exit" presetSubtype="0" fill="hold" grpId="1" nodeType="withEffect">
-                                  <p:stCondLst>
-                                    <p:cond delay="0"/>
-                                  </p:stCondLst>
-                                  <p:childTnLst>
-                                    <p:animEffect transition="out" filter="fade">
-                                      <p:cBhvr>
-                                        <p:cTn id="57" dur="500"/>
-                                        <p:tgtEl>
-                                          <p:spTgt spid="8"/>
-                                        </p:tgtEl>
-                                      </p:cBhvr>
-                                    </p:animEffect>
-                                    <p:set>
-                                      <p:cBhvr>
-                                        <p:cTn id="58" dur="1" fill="hold">
-                                          <p:stCondLst>
-                                            <p:cond delay="499"/>
-                                          </p:stCondLst>
-                                        </p:cTn>
-                                        <p:tgtEl>
-                                          <p:spTgt spid="8"/>
-                                        </p:tgtEl>
-                                        <p:attrNameLst>
-                                          <p:attrName>style.visibility</p:attrName>
-                                        </p:attrNameLst>
-                                      </p:cBhvr>
-                                      <p:to>
-                                        <p:strVal val="hidden"/>
-                                      </p:to>
-                                    </p:set>
-                                  </p:childTnLst>
-                                </p:cTn>
-                              </p:par>
-                            </p:childTnLst>
-                          </p:cTn>
-                        </p:par>
-                        <p:par>
-                          <p:cTn id="59" fill="hold">
-                            <p:stCondLst>
-                              <p:cond delay="500"/>
-                            </p:stCondLst>
-                            <p:childTnLst>
-                              <p:par>
-                                <p:cTn id="60" presetID="10" presetClass="entr" presetSubtype="0" fill="hold" grpId="0" nodeType="afterEffect">
-                                  <p:stCondLst>
-                                    <p:cond delay="0"/>
-                                  </p:stCondLst>
-                                  <p:childTnLst>
-                                    <p:set>
-                                      <p:cBhvr>
-                                        <p:cTn id="61" dur="1" fill="hold">
-                                          <p:stCondLst>
-                                            <p:cond delay="0"/>
-                                          </p:stCondLst>
-                                        </p:cTn>
-                                        <p:tgtEl>
-                                          <p:spTgt spid="5"/>
-                                        </p:tgtEl>
-                                        <p:attrNameLst>
-                                          <p:attrName>style.visibility</p:attrName>
-                                        </p:attrNameLst>
-                                      </p:cBhvr>
-                                      <p:to>
-                                        <p:strVal val="visible"/>
-                                      </p:to>
-                                    </p:set>
-                                    <p:animEffect transition="in" filter="fade">
-                                      <p:cBhvr>
-                                        <p:cTn id="62" dur="500"/>
-                                        <p:tgtEl>
-                                          <p:spTgt spid="5"/>
-                                        </p:tgtEl>
-                                      </p:cBhvr>
-                                    </p:animEffect>
-                                  </p:childTnLst>
-                                </p:cTn>
-                              </p:par>
-                            </p:childTnLst>
-                          </p:cTn>
-                        </p:par>
-                      </p:childTnLst>
-                    </p:cTn>
-                  </p:par>
-                  <p:par>
-                    <p:cTn id="63" fill="hold">
-                      <p:stCondLst>
-                        <p:cond delay="indefinite"/>
-                      </p:stCondLst>
-                      <p:childTnLst>
-                        <p:par>
-                          <p:cTn id="64" fill="hold">
-                            <p:stCondLst>
-                              <p:cond delay="0"/>
-                            </p:stCondLst>
-                            <p:childTnLst>
-                              <p:par>
-                                <p:cTn id="65" presetID="10" presetClass="entr" presetSubtype="0" fill="hold" nodeType="clickEffect">
-                                  <p:stCondLst>
-                                    <p:cond delay="0"/>
-                                  </p:stCondLst>
-                                  <p:childTnLst>
-                                    <p:set>
-                                      <p:cBhvr>
-                                        <p:cTn id="66" dur="1" fill="hold">
-                                          <p:stCondLst>
-                                            <p:cond delay="0"/>
-                                          </p:stCondLst>
-                                        </p:cTn>
-                                        <p:tgtEl>
-                                          <p:spTgt spid="3">
-                                            <p:txEl>
-                                              <p:pRg st="26" end="26"/>
-                                            </p:txEl>
-                                          </p:spTgt>
-                                        </p:tgtEl>
-                                        <p:attrNameLst>
-                                          <p:attrName>style.visibility</p:attrName>
-                                        </p:attrNameLst>
-                                      </p:cBhvr>
-                                      <p:to>
-                                        <p:strVal val="visible"/>
-                                      </p:to>
-                                    </p:set>
-                                    <p:animEffect transition="in" filter="fade">
-                                      <p:cBhvr>
-                                        <p:cTn id="67" dur="500"/>
-                                        <p:tgtEl>
-                                          <p:spTgt spid="3">
-                                            <p:txEl>
-                                              <p:pRg st="26" end="26"/>
-                                            </p:txEl>
-                                          </p:spTgt>
-                                        </p:tgtEl>
-                                      </p:cBhvr>
-                                    </p:animEffect>
-                                  </p:childTnLst>
-                                </p:cTn>
-                              </p:par>
-                              <p:par>
-                                <p:cTn id="68" presetID="10" presetClass="entr" presetSubtype="0" fill="hold" nodeType="withEffect">
-                                  <p:stCondLst>
-                                    <p:cond delay="0"/>
-                                  </p:stCondLst>
-                                  <p:childTnLst>
-                                    <p:set>
-                                      <p:cBhvr>
-                                        <p:cTn id="69" dur="1" fill="hold">
-                                          <p:stCondLst>
-                                            <p:cond delay="0"/>
-                                          </p:stCondLst>
-                                        </p:cTn>
-                                        <p:tgtEl>
-                                          <p:spTgt spid="3">
-                                            <p:txEl>
-                                              <p:pRg st="27" end="27"/>
-                                            </p:txEl>
-                                          </p:spTgt>
-                                        </p:tgtEl>
-                                        <p:attrNameLst>
-                                          <p:attrName>style.visibility</p:attrName>
-                                        </p:attrNameLst>
-                                      </p:cBhvr>
-                                      <p:to>
-                                        <p:strVal val="visible"/>
-                                      </p:to>
-                                    </p:set>
-                                    <p:animEffect transition="in" filter="fade">
-                                      <p:cBhvr>
-                                        <p:cTn id="70" dur="500"/>
-                                        <p:tgtEl>
-                                          <p:spTgt spid="3">
-                                            <p:txEl>
-                                              <p:pRg st="27" end="27"/>
-                                            </p:txEl>
-                                          </p:spTgt>
-                                        </p:tgtEl>
-                                      </p:cBhvr>
-                                    </p:animEffect>
-                                  </p:childTnLst>
-                                </p:cTn>
-                              </p:par>
-                              <p:par>
-                                <p:cTn id="71" presetID="10" presetClass="exit" presetSubtype="0" fill="hold" grpId="1" nodeType="withEffect">
-                                  <p:stCondLst>
-                                    <p:cond delay="0"/>
-                                  </p:stCondLst>
-                                  <p:childTnLst>
-                                    <p:animEffect transition="out" filter="fade">
-                                      <p:cBhvr>
-                                        <p:cTn id="72" dur="500"/>
-                                        <p:tgtEl>
-                                          <p:spTgt spid="5"/>
-                                        </p:tgtEl>
-                                      </p:cBhvr>
-                                    </p:animEffect>
-                                    <p:set>
-                                      <p:cBhvr>
-                                        <p:cTn id="73" dur="1" fill="hold">
-                                          <p:stCondLst>
-                                            <p:cond delay="499"/>
-                                          </p:stCondLst>
-                                        </p:cTn>
-                                        <p:tgtEl>
-                                          <p:spTgt spid="5"/>
-                                        </p:tgtEl>
-                                        <p:attrNameLst>
-                                          <p:attrName>style.visibility</p:attrName>
-                                        </p:attrNameLst>
-                                      </p:cBhvr>
-                                      <p:to>
-                                        <p:strVal val="hidden"/>
-                                      </p:to>
-                                    </p:set>
-                                  </p:childTnLst>
-                                </p:cTn>
-                              </p:par>
-                            </p:childTnLst>
-                          </p:cTn>
-                        </p:par>
-                        <p:par>
-                          <p:cTn id="74" fill="hold">
-                            <p:stCondLst>
-                              <p:cond delay="500"/>
-                            </p:stCondLst>
-                            <p:childTnLst>
-                              <p:par>
-                                <p:cTn id="75" presetID="10" presetClass="entr" presetSubtype="0" fill="hold" grpId="0" nodeType="afterEffect">
-                                  <p:stCondLst>
-                                    <p:cond delay="0"/>
-                                  </p:stCondLst>
-                                  <p:childTnLst>
-                                    <p:set>
-                                      <p:cBhvr>
-                                        <p:cTn id="76" dur="1" fill="hold">
-                                          <p:stCondLst>
-                                            <p:cond delay="0"/>
-                                          </p:stCondLst>
-                                        </p:cTn>
-                                        <p:tgtEl>
-                                          <p:spTgt spid="6"/>
-                                        </p:tgtEl>
-                                        <p:attrNameLst>
-                                          <p:attrName>style.visibility</p:attrName>
-                                        </p:attrNameLst>
-                                      </p:cBhvr>
-                                      <p:to>
-                                        <p:strVal val="visible"/>
-                                      </p:to>
-                                    </p:set>
-                                    <p:animEffect transition="in" filter="fade">
-                                      <p:cBhvr>
-                                        <p:cTn id="77" dur="500"/>
-                                        <p:tgtEl>
-                                          <p:spTgt spid="6"/>
-                                        </p:tgtEl>
-                                      </p:cBhvr>
-                                    </p:animEffect>
-                                  </p:childTnLst>
-                                </p:cTn>
-                              </p:par>
-                            </p:childTnLst>
-                          </p:cTn>
-                        </p:par>
-                      </p:childTnLst>
-                    </p:cTn>
-                  </p:par>
-                </p:childTnLst>
-              </p:cTn>
-              <p:prevCondLst>
-                <p:cond evt="onPrev" delay="0">
-                  <p:tgtEl>
-                    <p:sldTgt/>
-                  </p:tgtEl>
-                </p:cond>
-              </p:prevCondLst>
-              <p:nextCondLst>
-                <p:cond evt="onNext" delay="0">
-                  <p:tgtEl>
-                    <p:sldTgt/>
-                  </p:tgtEl>
-                </p:cond>
-              </p:nextCondLst>
-            </p:seq>
-          </p:childTnLst>
-        </p:cTn>
-      </p:par>
-    </p:tnLst>
-    <p:bldLst>
-      <p:bldP spid="8" grpId="0" animBg="1"/>
-      <p:bldP spid="8" grpId="1" animBg="1"/>
-      <p:bldP spid="6" grpId="0" animBg="1"/>
-      <p:bldP spid="5" grpId="0" animBg="1"/>
-      <p:bldP spid="5" grpId="1" animBg="1"/>
-    </p:bldLst>
-  </p:timing>
-</p:sld>
-</file>
-
-<file path=ppt/slides/slide28.xml><?xml version="1.0" encoding="utf-8"?>
-<p:sld xmlns:a="http://schemas.openxmlformats.org/drawingml/2006/main" xmlns:r="http://schemas.openxmlformats.org/officeDocument/2006/relationships" xmlns:p="http://schemas.openxmlformats.org/presentationml/2006/main">
-  <p:cSld>
-    <p:spTree>
-      <p:nvGrpSpPr>
-        <p:cNvPr id="1" name=""/>
-        <p:cNvGrpSpPr/>
-        <p:nvPr/>
-      </p:nvGrpSpPr>
-      <p:grpSpPr>
-        <a:xfrm>
-          <a:off x="0" y="0"/>
-          <a:ext cx="0" cy="0"/>
-          <a:chOff x="0" y="0"/>
-          <a:chExt cx="0" cy="0"/>
-        </a:xfrm>
-      </p:grpSpPr>
-      <p:sp>
-        <p:nvSpPr>
-          <p:cNvPr id="2" name="Title 1"/>
-          <p:cNvSpPr>
-            <a:spLocks noGrp="1"/>
-          </p:cNvSpPr>
-          <p:nvPr>
-            <p:ph type="title"/>
-          </p:nvPr>
-        </p:nvSpPr>
-        <p:spPr/>
-        <p:txBody>
-          <a:bodyPr/>
-          <a:lstStyle/>
-          <a:p>
-            <a:r>
-              <a:rPr lang="ru-RU" dirty="0" smtClean="0"/>
-              <a:t>Исходный </a:t>
-            </a:r>
-            <a:r>
-              <a:rPr lang="ru-RU" smtClean="0"/>
-              <a:t>код решения</a:t>
-            </a:r>
-            <a:endParaRPr lang="ru-RU" dirty="0"/>
-          </a:p>
-        </p:txBody>
-      </p:sp>
-      <p:sp>
-        <p:nvSpPr>
-          <p:cNvPr id="3" name="Content Placeholder 2"/>
-          <p:cNvSpPr>
-            <a:spLocks noGrp="1"/>
-          </p:cNvSpPr>
-          <p:nvPr>
-            <p:ph idx="1"/>
-          </p:nvPr>
-        </p:nvSpPr>
-        <p:spPr/>
-        <p:txBody>
-          <a:bodyPr/>
-          <a:lstStyle/>
-          <a:p>
-            <a:r>
-              <a:rPr lang="en-US" dirty="0" smtClean="0">
-                <a:hlinkClick r:id="rId2"/>
-              </a:rPr>
-              <a:t>https://github.com/alexey-malov/fraction</a:t>
-            </a:r>
-            <a:endParaRPr lang="en-US" dirty="0" smtClean="0"/>
-          </a:p>
-          <a:p>
-            <a:endParaRPr lang="ru-RU" dirty="0"/>
-          </a:p>
-        </p:txBody>
-      </p:sp>
-    </p:spTree>
-    <p:extLst>
-      <p:ext uri="{BB962C8B-B14F-4D97-AF65-F5344CB8AC3E}">
-        <p14:creationId xmlns:p14="http://schemas.microsoft.com/office/powerpoint/2010/main" val="2680575559"/>
-      </p:ext>
-    </p:extLst>
-  </p:cSld>
-  <p:clrMapOvr>
-    <a:masterClrMapping/>
-  </p:clrMapOvr>
 </p:sld>
 </file>
 
@@ -18459,6 +18748,1931 @@
 </p:sld>
 </file>
 
+<file path=ppt/slides/slide30.xml><?xml version="1.0" encoding="utf-8"?>
+<p:sld xmlns:a="http://schemas.openxmlformats.org/drawingml/2006/main" xmlns:r="http://schemas.openxmlformats.org/officeDocument/2006/relationships" xmlns:p="http://schemas.openxmlformats.org/presentationml/2006/main">
+  <p:cSld>
+    <p:spTree>
+      <p:nvGrpSpPr>
+        <p:cNvPr id="1" name=""/>
+        <p:cNvGrpSpPr/>
+        <p:nvPr/>
+      </p:nvGrpSpPr>
+      <p:grpSpPr>
+        <a:xfrm>
+          <a:off x="0" y="0"/>
+          <a:ext cx="0" cy="0"/>
+          <a:chOff x="0" y="0"/>
+          <a:chExt cx="0" cy="0"/>
+        </a:xfrm>
+      </p:grpSpPr>
+      <p:sp>
+        <p:nvSpPr>
+          <p:cNvPr id="8" name="Прямоугольник 4"/>
+          <p:cNvSpPr/>
+          <p:nvPr/>
+        </p:nvSpPr>
+        <p:spPr>
+          <a:xfrm>
+            <a:off x="0" y="5353050"/>
+            <a:ext cx="7391400" cy="693348"/>
+          </a:xfrm>
+          <a:prstGeom prst="rect">
+            <a:avLst/>
+          </a:prstGeom>
+          <a:solidFill>
+            <a:schemeClr val="accent1">
+              <a:lumMod val="20000"/>
+              <a:lumOff val="80000"/>
+            </a:schemeClr>
+          </a:solidFill>
+        </p:spPr>
+        <p:style>
+          <a:lnRef idx="2">
+            <a:schemeClr val="accent1">
+              <a:shade val="50000"/>
+            </a:schemeClr>
+          </a:lnRef>
+          <a:fillRef idx="1">
+            <a:schemeClr val="accent1"/>
+          </a:fillRef>
+          <a:effectRef idx="0">
+            <a:schemeClr val="accent1"/>
+          </a:effectRef>
+          <a:fontRef idx="minor">
+            <a:schemeClr val="lt1"/>
+          </a:fontRef>
+        </p:style>
+        <p:txBody>
+          <a:bodyPr rtlCol="0" anchor="ctr"/>
+          <a:lstStyle/>
+          <a:p>
+            <a:pPr algn="ctr"/>
+            <a:endParaRPr lang="ru-RU"/>
+          </a:p>
+        </p:txBody>
+      </p:sp>
+      <p:sp>
+        <p:nvSpPr>
+          <p:cNvPr id="6" name="Прямоугольник 4"/>
+          <p:cNvSpPr/>
+          <p:nvPr/>
+        </p:nvSpPr>
+        <p:spPr>
+          <a:xfrm>
+            <a:off x="0" y="6046398"/>
+            <a:ext cx="2695575" cy="487752"/>
+          </a:xfrm>
+          <a:prstGeom prst="rect">
+            <a:avLst/>
+          </a:prstGeom>
+          <a:solidFill>
+            <a:schemeClr val="accent1">
+              <a:lumMod val="20000"/>
+              <a:lumOff val="80000"/>
+            </a:schemeClr>
+          </a:solidFill>
+        </p:spPr>
+        <p:style>
+          <a:lnRef idx="2">
+            <a:schemeClr val="accent1">
+              <a:shade val="50000"/>
+            </a:schemeClr>
+          </a:lnRef>
+          <a:fillRef idx="1">
+            <a:schemeClr val="accent1"/>
+          </a:fillRef>
+          <a:effectRef idx="0">
+            <a:schemeClr val="accent1"/>
+          </a:effectRef>
+          <a:fontRef idx="minor">
+            <a:schemeClr val="lt1"/>
+          </a:fontRef>
+        </p:style>
+        <p:txBody>
+          <a:bodyPr rtlCol="0" anchor="ctr"/>
+          <a:lstStyle/>
+          <a:p>
+            <a:pPr algn="ctr"/>
+            <a:endParaRPr lang="ru-RU"/>
+          </a:p>
+        </p:txBody>
+      </p:sp>
+      <p:sp>
+        <p:nvSpPr>
+          <p:cNvPr id="5" name="Прямоугольник 4"/>
+          <p:cNvSpPr/>
+          <p:nvPr/>
+        </p:nvSpPr>
+        <p:spPr>
+          <a:xfrm>
+            <a:off x="0" y="1245797"/>
+            <a:ext cx="9144000" cy="3297627"/>
+          </a:xfrm>
+          <a:prstGeom prst="rect">
+            <a:avLst/>
+          </a:prstGeom>
+          <a:solidFill>
+            <a:schemeClr val="accent1">
+              <a:lumMod val="20000"/>
+              <a:lumOff val="80000"/>
+            </a:schemeClr>
+          </a:solidFill>
+        </p:spPr>
+        <p:style>
+          <a:lnRef idx="2">
+            <a:schemeClr val="accent1">
+              <a:shade val="50000"/>
+            </a:schemeClr>
+          </a:lnRef>
+          <a:fillRef idx="1">
+            <a:schemeClr val="accent1"/>
+          </a:fillRef>
+          <a:effectRef idx="0">
+            <a:schemeClr val="accent1"/>
+          </a:effectRef>
+          <a:fontRef idx="minor">
+            <a:schemeClr val="lt1"/>
+          </a:fontRef>
+        </p:style>
+        <p:txBody>
+          <a:bodyPr rtlCol="0" anchor="ctr"/>
+          <a:lstStyle/>
+          <a:p>
+            <a:pPr algn="ctr"/>
+            <a:endParaRPr lang="ru-RU"/>
+          </a:p>
+        </p:txBody>
+      </p:sp>
+      <p:sp>
+        <p:nvSpPr>
+          <p:cNvPr id="3" name="Rectangle 2"/>
+          <p:cNvSpPr/>
+          <p:nvPr/>
+        </p:nvSpPr>
+        <p:spPr>
+          <a:xfrm>
+            <a:off x="0" y="71527"/>
+            <a:ext cx="9234487" cy="6786473"/>
+          </a:xfrm>
+          <a:prstGeom prst="rect">
+            <a:avLst/>
+          </a:prstGeom>
+        </p:spPr>
+        <p:txBody>
+          <a:bodyPr wrap="square">
+            <a:spAutoFit/>
+          </a:bodyPr>
+          <a:lstStyle/>
+          <a:p>
+            <a:r>
+              <a:rPr lang="en-US" sz="1500" dirty="0">
+                <a:latin typeface="Lucida Console" panose="020B0609040504020204" pitchFamily="49" charset="0"/>
+              </a:rPr>
+              <a:t>PROGRAM Fraction(INPUT, OUTPUT);</a:t>
+            </a:r>
+            <a:endParaRPr lang="ru-RU" sz="1500" dirty="0" smtClean="0">
+              <a:latin typeface="Lucida Console" panose="020B0609040504020204" pitchFamily="49" charset="0"/>
+            </a:endParaRPr>
+          </a:p>
+          <a:p>
+            <a:r>
+              <a:rPr lang="en-US" sz="1500" dirty="0">
+                <a:latin typeface="Lucida Console" panose="020B0609040504020204" pitchFamily="49" charset="0"/>
+              </a:rPr>
+              <a:t>…</a:t>
+            </a:r>
+          </a:p>
+          <a:p>
+            <a:r>
+              <a:rPr lang="en-US" sz="1500" dirty="0" smtClean="0">
+                <a:latin typeface="Lucida Console" panose="020B0609040504020204" pitchFamily="49" charset="0"/>
+              </a:rPr>
+              <a:t>FUNCTION </a:t>
+            </a:r>
+            <a:r>
+              <a:rPr lang="en-US" sz="1500" dirty="0" err="1">
+                <a:latin typeface="Lucida Console" panose="020B0609040504020204" pitchFamily="49" charset="0"/>
+              </a:rPr>
+              <a:t>ReadFraction</a:t>
+            </a:r>
+            <a:r>
+              <a:rPr lang="en-US" sz="1500" dirty="0">
+                <a:latin typeface="Lucida Console" panose="020B0609040504020204" pitchFamily="49" charset="0"/>
+              </a:rPr>
+              <a:t>(VAR Numerator, Denominator: INTEGER): BOOLEAN</a:t>
+            </a:r>
+            <a:r>
+              <a:rPr lang="en-US" sz="1500" dirty="0" smtClean="0">
+                <a:latin typeface="Lucida Console" panose="020B0609040504020204" pitchFamily="49" charset="0"/>
+              </a:rPr>
+              <a:t>;</a:t>
+            </a:r>
+          </a:p>
+          <a:p>
+            <a:r>
+              <a:rPr lang="en-US" sz="1500" dirty="0">
+                <a:latin typeface="Lucida Console" panose="020B0609040504020204" pitchFamily="49" charset="0"/>
+              </a:rPr>
+              <a:t>PROCEDURE </a:t>
+            </a:r>
+            <a:r>
+              <a:rPr lang="en-US" sz="1500" dirty="0" err="1">
+                <a:latin typeface="Lucida Console" panose="020B0609040504020204" pitchFamily="49" charset="0"/>
+              </a:rPr>
+              <a:t>PrintFraction</a:t>
+            </a:r>
+            <a:r>
+              <a:rPr lang="en-US" sz="1500" dirty="0">
+                <a:latin typeface="Lucida Console" panose="020B0609040504020204" pitchFamily="49" charset="0"/>
+              </a:rPr>
+              <a:t>(</a:t>
+            </a:r>
+            <a:r>
+              <a:rPr lang="en-US" sz="1500" dirty="0" err="1">
+                <a:latin typeface="Lucida Console" panose="020B0609040504020204" pitchFamily="49" charset="0"/>
+              </a:rPr>
+              <a:t>Fract</a:t>
+            </a:r>
+            <a:r>
+              <a:rPr lang="en-US" sz="1500" dirty="0">
+                <a:latin typeface="Lucida Console" panose="020B0609040504020204" pitchFamily="49" charset="0"/>
+              </a:rPr>
+              <a:t>: </a:t>
+            </a:r>
+            <a:r>
+              <a:rPr lang="en-US" sz="1500" dirty="0" err="1">
+                <a:latin typeface="Lucida Console" panose="020B0609040504020204" pitchFamily="49" charset="0"/>
+              </a:rPr>
+              <a:t>CompoundFraction</a:t>
+            </a:r>
+            <a:r>
+              <a:rPr lang="en-US" sz="1500" dirty="0">
+                <a:latin typeface="Lucida Console" panose="020B0609040504020204" pitchFamily="49" charset="0"/>
+              </a:rPr>
+              <a:t>);</a:t>
+            </a:r>
+            <a:endParaRPr lang="ru-RU" sz="1500" dirty="0" smtClean="0">
+              <a:latin typeface="Lucida Console" panose="020B0609040504020204" pitchFamily="49" charset="0"/>
+            </a:endParaRPr>
+          </a:p>
+          <a:p>
+            <a:endParaRPr lang="ru-RU" sz="1500" dirty="0" smtClean="0">
+              <a:latin typeface="Lucida Console" panose="020B0609040504020204" pitchFamily="49" charset="0"/>
+            </a:endParaRPr>
+          </a:p>
+          <a:p>
+            <a:r>
+              <a:rPr lang="ru-RU" sz="1500" i="1" dirty="0" smtClean="0">
+                <a:latin typeface="Lucida Console" panose="020B0609040504020204" pitchFamily="49" charset="0"/>
+              </a:rPr>
+              <a:t>{</a:t>
+            </a:r>
+            <a:r>
+              <a:rPr lang="ru-RU" sz="1500" i="1" dirty="0">
+                <a:latin typeface="Lucida Console" panose="020B0609040504020204" pitchFamily="49" charset="0"/>
+              </a:rPr>
+              <a:t>Преобразует простую дробь в смешанную}</a:t>
+            </a:r>
+          </a:p>
+          <a:p>
+            <a:r>
+              <a:rPr lang="ru-RU" sz="1500" dirty="0">
+                <a:latin typeface="Lucida Console" panose="020B0609040504020204" pitchFamily="49" charset="0"/>
+              </a:rPr>
+              <a:t>FUNCTION </a:t>
+            </a:r>
+            <a:r>
+              <a:rPr lang="ru-RU" sz="1500" dirty="0" err="1">
+                <a:latin typeface="Lucida Console" panose="020B0609040504020204" pitchFamily="49" charset="0"/>
+              </a:rPr>
+              <a:t>ToCompoundFraction</a:t>
+            </a:r>
+            <a:r>
+              <a:rPr lang="ru-RU" sz="1500" dirty="0">
+                <a:latin typeface="Lucida Console" panose="020B0609040504020204" pitchFamily="49" charset="0"/>
+              </a:rPr>
+              <a:t>(</a:t>
+            </a:r>
+            <a:r>
+              <a:rPr lang="ru-RU" sz="1500" dirty="0" err="1">
+                <a:latin typeface="Lucida Console" panose="020B0609040504020204" pitchFamily="49" charset="0"/>
+              </a:rPr>
+              <a:t>Numerator</a:t>
+            </a:r>
+            <a:r>
+              <a:rPr lang="ru-RU" sz="1500" dirty="0">
+                <a:latin typeface="Lucida Console" panose="020B0609040504020204" pitchFamily="49" charset="0"/>
+              </a:rPr>
+              <a:t>, </a:t>
+            </a:r>
+            <a:r>
+              <a:rPr lang="ru-RU" sz="1500" dirty="0" err="1">
+                <a:latin typeface="Lucida Console" panose="020B0609040504020204" pitchFamily="49" charset="0"/>
+              </a:rPr>
+              <a:t>Denominator</a:t>
+            </a:r>
+            <a:r>
+              <a:rPr lang="ru-RU" sz="1500" dirty="0">
+                <a:latin typeface="Lucida Console" panose="020B0609040504020204" pitchFamily="49" charset="0"/>
+              </a:rPr>
+              <a:t>: INTEGER): </a:t>
+            </a:r>
+            <a:r>
+              <a:rPr lang="ru-RU" sz="1500" dirty="0" err="1">
+                <a:latin typeface="Lucida Console" panose="020B0609040504020204" pitchFamily="49" charset="0"/>
+              </a:rPr>
+              <a:t>CompoundFraction</a:t>
+            </a:r>
+            <a:r>
+              <a:rPr lang="ru-RU" sz="1500" dirty="0">
+                <a:latin typeface="Lucida Console" panose="020B0609040504020204" pitchFamily="49" charset="0"/>
+              </a:rPr>
+              <a:t>;</a:t>
+            </a:r>
+          </a:p>
+          <a:p>
+            <a:r>
+              <a:rPr lang="ru-RU" sz="1500" dirty="0">
+                <a:latin typeface="Lucida Console" panose="020B0609040504020204" pitchFamily="49" charset="0"/>
+              </a:rPr>
+              <a:t>VAR</a:t>
+            </a:r>
+          </a:p>
+          <a:p>
+            <a:r>
+              <a:rPr lang="ru-RU" sz="1500" dirty="0">
+                <a:latin typeface="Lucida Console" panose="020B0609040504020204" pitchFamily="49" charset="0"/>
+              </a:rPr>
+              <a:t>  GCD: INTEGER;</a:t>
+            </a:r>
+          </a:p>
+          <a:p>
+            <a:r>
+              <a:rPr lang="ru-RU" sz="1500" dirty="0">
+                <a:latin typeface="Lucida Console" panose="020B0609040504020204" pitchFamily="49" charset="0"/>
+              </a:rPr>
+              <a:t>  </a:t>
+            </a:r>
+            <a:r>
+              <a:rPr lang="ru-RU" sz="1500" dirty="0" err="1">
+                <a:latin typeface="Lucida Console" panose="020B0609040504020204" pitchFamily="49" charset="0"/>
+              </a:rPr>
+              <a:t>Fract</a:t>
+            </a:r>
+            <a:r>
+              <a:rPr lang="ru-RU" sz="1500" dirty="0">
+                <a:latin typeface="Lucida Console" panose="020B0609040504020204" pitchFamily="49" charset="0"/>
+              </a:rPr>
+              <a:t>: </a:t>
+            </a:r>
+            <a:r>
+              <a:rPr lang="ru-RU" sz="1500" dirty="0" err="1">
+                <a:latin typeface="Lucida Console" panose="020B0609040504020204" pitchFamily="49" charset="0"/>
+              </a:rPr>
+              <a:t>CompoundFraction</a:t>
+            </a:r>
+            <a:r>
+              <a:rPr lang="ru-RU" sz="1500" dirty="0">
+                <a:latin typeface="Lucida Console" panose="020B0609040504020204" pitchFamily="49" charset="0"/>
+              </a:rPr>
+              <a:t>;</a:t>
+            </a:r>
+          </a:p>
+          <a:p>
+            <a:r>
+              <a:rPr lang="ru-RU" sz="1500" dirty="0">
+                <a:latin typeface="Lucida Console" panose="020B0609040504020204" pitchFamily="49" charset="0"/>
+              </a:rPr>
+              <a:t>BEGIN</a:t>
+            </a:r>
+          </a:p>
+          <a:p>
+            <a:r>
+              <a:rPr lang="ru-RU" sz="1500" dirty="0">
+                <a:latin typeface="Lucida Console" panose="020B0609040504020204" pitchFamily="49" charset="0"/>
+              </a:rPr>
+              <a:t>  GCD := </a:t>
+            </a:r>
+            <a:r>
+              <a:rPr lang="ru-RU" sz="1500" dirty="0" err="1">
+                <a:latin typeface="Lucida Console" panose="020B0609040504020204" pitchFamily="49" charset="0"/>
+              </a:rPr>
+              <a:t>GreatestCommonDenominator</a:t>
+            </a:r>
+            <a:r>
+              <a:rPr lang="ru-RU" sz="1500" dirty="0">
+                <a:latin typeface="Lucida Console" panose="020B0609040504020204" pitchFamily="49" charset="0"/>
+              </a:rPr>
+              <a:t>(</a:t>
+            </a:r>
+            <a:r>
+              <a:rPr lang="ru-RU" sz="1500" dirty="0" err="1">
+                <a:latin typeface="Lucida Console" panose="020B0609040504020204" pitchFamily="49" charset="0"/>
+              </a:rPr>
+              <a:t>Numerator</a:t>
+            </a:r>
+            <a:r>
+              <a:rPr lang="ru-RU" sz="1500" dirty="0">
+                <a:latin typeface="Lucida Console" panose="020B0609040504020204" pitchFamily="49" charset="0"/>
+              </a:rPr>
+              <a:t>, </a:t>
+            </a:r>
+            <a:r>
+              <a:rPr lang="ru-RU" sz="1500" dirty="0" err="1">
+                <a:latin typeface="Lucida Console" panose="020B0609040504020204" pitchFamily="49" charset="0"/>
+              </a:rPr>
+              <a:t>Denominator</a:t>
+            </a:r>
+            <a:r>
+              <a:rPr lang="ru-RU" sz="1500" dirty="0">
+                <a:latin typeface="Lucida Console" panose="020B0609040504020204" pitchFamily="49" charset="0"/>
+              </a:rPr>
+              <a:t>);</a:t>
+            </a:r>
+          </a:p>
+          <a:p>
+            <a:endParaRPr lang="ru-RU" sz="1500" dirty="0">
+              <a:latin typeface="Lucida Console" panose="020B0609040504020204" pitchFamily="49" charset="0"/>
+            </a:endParaRPr>
+          </a:p>
+          <a:p>
+            <a:r>
+              <a:rPr lang="ru-RU" sz="1500" dirty="0">
+                <a:latin typeface="Lucida Console" panose="020B0609040504020204" pitchFamily="49" charset="0"/>
+              </a:rPr>
+              <a:t>  </a:t>
+            </a:r>
+            <a:r>
+              <a:rPr lang="ru-RU" sz="1500" dirty="0" err="1">
+                <a:latin typeface="Lucida Console" panose="020B0609040504020204" pitchFamily="49" charset="0"/>
+              </a:rPr>
+              <a:t>Fract.IntegerPart</a:t>
+            </a:r>
+            <a:r>
+              <a:rPr lang="ru-RU" sz="1500" dirty="0">
+                <a:latin typeface="Lucida Console" panose="020B0609040504020204" pitchFamily="49" charset="0"/>
+              </a:rPr>
+              <a:t> := </a:t>
+            </a:r>
+            <a:r>
+              <a:rPr lang="ru-RU" sz="1500" dirty="0" err="1">
+                <a:latin typeface="Lucida Console" panose="020B0609040504020204" pitchFamily="49" charset="0"/>
+              </a:rPr>
+              <a:t>Numerator</a:t>
+            </a:r>
+            <a:r>
+              <a:rPr lang="ru-RU" sz="1500" dirty="0">
+                <a:latin typeface="Lucida Console" panose="020B0609040504020204" pitchFamily="49" charset="0"/>
+              </a:rPr>
+              <a:t> DIV </a:t>
+            </a:r>
+            <a:r>
+              <a:rPr lang="ru-RU" sz="1500" dirty="0" err="1">
+                <a:latin typeface="Lucida Console" panose="020B0609040504020204" pitchFamily="49" charset="0"/>
+              </a:rPr>
+              <a:t>Denominator</a:t>
+            </a:r>
+            <a:r>
+              <a:rPr lang="ru-RU" sz="1500" dirty="0">
+                <a:latin typeface="Lucida Console" panose="020B0609040504020204" pitchFamily="49" charset="0"/>
+              </a:rPr>
+              <a:t>;</a:t>
+            </a:r>
+          </a:p>
+          <a:p>
+            <a:r>
+              <a:rPr lang="ru-RU" sz="1500" dirty="0">
+                <a:latin typeface="Lucida Console" panose="020B0609040504020204" pitchFamily="49" charset="0"/>
+              </a:rPr>
+              <a:t>  </a:t>
+            </a:r>
+            <a:r>
+              <a:rPr lang="ru-RU" sz="1500" dirty="0" err="1">
+                <a:latin typeface="Lucida Console" panose="020B0609040504020204" pitchFamily="49" charset="0"/>
+              </a:rPr>
+              <a:t>Fract.Numerator</a:t>
+            </a:r>
+            <a:r>
+              <a:rPr lang="ru-RU" sz="1500" dirty="0">
+                <a:latin typeface="Lucida Console" panose="020B0609040504020204" pitchFamily="49" charset="0"/>
+              </a:rPr>
+              <a:t> := (</a:t>
+            </a:r>
+            <a:r>
+              <a:rPr lang="ru-RU" sz="1500" dirty="0" err="1">
+                <a:latin typeface="Lucida Console" panose="020B0609040504020204" pitchFamily="49" charset="0"/>
+              </a:rPr>
+              <a:t>Numerator</a:t>
+            </a:r>
+            <a:r>
+              <a:rPr lang="ru-RU" sz="1500" dirty="0">
+                <a:latin typeface="Lucida Console" panose="020B0609040504020204" pitchFamily="49" charset="0"/>
+              </a:rPr>
+              <a:t> MOD </a:t>
+            </a:r>
+            <a:r>
+              <a:rPr lang="ru-RU" sz="1500" dirty="0" err="1">
+                <a:latin typeface="Lucida Console" panose="020B0609040504020204" pitchFamily="49" charset="0"/>
+              </a:rPr>
+              <a:t>Denominator</a:t>
+            </a:r>
+            <a:r>
+              <a:rPr lang="ru-RU" sz="1500" dirty="0">
+                <a:latin typeface="Lucida Console" panose="020B0609040504020204" pitchFamily="49" charset="0"/>
+              </a:rPr>
+              <a:t>) DIV GCD;</a:t>
+            </a:r>
+          </a:p>
+          <a:p>
+            <a:r>
+              <a:rPr lang="ru-RU" sz="1500" dirty="0">
+                <a:latin typeface="Lucida Console" panose="020B0609040504020204" pitchFamily="49" charset="0"/>
+              </a:rPr>
+              <a:t>  </a:t>
+            </a:r>
+            <a:r>
+              <a:rPr lang="ru-RU" sz="1500" dirty="0" err="1">
+                <a:latin typeface="Lucida Console" panose="020B0609040504020204" pitchFamily="49" charset="0"/>
+              </a:rPr>
+              <a:t>Fract.Denominator</a:t>
+            </a:r>
+            <a:r>
+              <a:rPr lang="ru-RU" sz="1500" dirty="0">
+                <a:latin typeface="Lucida Console" panose="020B0609040504020204" pitchFamily="49" charset="0"/>
+              </a:rPr>
+              <a:t> := </a:t>
+            </a:r>
+            <a:r>
+              <a:rPr lang="ru-RU" sz="1500" dirty="0" err="1">
+                <a:latin typeface="Lucida Console" panose="020B0609040504020204" pitchFamily="49" charset="0"/>
+              </a:rPr>
+              <a:t>Denominator</a:t>
+            </a:r>
+            <a:r>
+              <a:rPr lang="ru-RU" sz="1500" dirty="0">
+                <a:latin typeface="Lucida Console" panose="020B0609040504020204" pitchFamily="49" charset="0"/>
+              </a:rPr>
+              <a:t> DIV GCD;</a:t>
+            </a:r>
+          </a:p>
+          <a:p>
+            <a:endParaRPr lang="ru-RU" sz="1500" dirty="0">
+              <a:latin typeface="Lucida Console" panose="020B0609040504020204" pitchFamily="49" charset="0"/>
+            </a:endParaRPr>
+          </a:p>
+          <a:p>
+            <a:r>
+              <a:rPr lang="ru-RU" sz="1500" dirty="0">
+                <a:latin typeface="Lucida Console" panose="020B0609040504020204" pitchFamily="49" charset="0"/>
+              </a:rPr>
+              <a:t>  </a:t>
+            </a:r>
+            <a:r>
+              <a:rPr lang="ru-RU" sz="1500" dirty="0" err="1">
+                <a:latin typeface="Lucida Console" panose="020B0609040504020204" pitchFamily="49" charset="0"/>
+              </a:rPr>
+              <a:t>ToCompoundFraction</a:t>
+            </a:r>
+            <a:r>
+              <a:rPr lang="ru-RU" sz="1500" dirty="0">
+                <a:latin typeface="Lucida Console" panose="020B0609040504020204" pitchFamily="49" charset="0"/>
+              </a:rPr>
+              <a:t> := </a:t>
+            </a:r>
+            <a:r>
+              <a:rPr lang="ru-RU" sz="1500" dirty="0" err="1">
+                <a:latin typeface="Lucida Console" panose="020B0609040504020204" pitchFamily="49" charset="0"/>
+              </a:rPr>
+              <a:t>Fract</a:t>
+            </a:r>
+            <a:endParaRPr lang="ru-RU" sz="1500" dirty="0">
+              <a:latin typeface="Lucida Console" panose="020B0609040504020204" pitchFamily="49" charset="0"/>
+            </a:endParaRPr>
+          </a:p>
+          <a:p>
+            <a:r>
+              <a:rPr lang="ru-RU" sz="1500" dirty="0">
+                <a:latin typeface="Lucida Console" panose="020B0609040504020204" pitchFamily="49" charset="0"/>
+              </a:rPr>
+              <a:t>END;</a:t>
+            </a:r>
+          </a:p>
+          <a:p>
+            <a:endParaRPr lang="ru-RU" sz="1500" dirty="0">
+              <a:latin typeface="Lucida Console" panose="020B0609040504020204" pitchFamily="49" charset="0"/>
+            </a:endParaRPr>
+          </a:p>
+          <a:p>
+            <a:r>
+              <a:rPr lang="ru-RU" sz="1500" dirty="0">
+                <a:latin typeface="Lucida Console" panose="020B0609040504020204" pitchFamily="49" charset="0"/>
+              </a:rPr>
+              <a:t>VAR</a:t>
+            </a:r>
+          </a:p>
+          <a:p>
+            <a:r>
+              <a:rPr lang="ru-RU" sz="1500" dirty="0">
+                <a:latin typeface="Lucida Console" panose="020B0609040504020204" pitchFamily="49" charset="0"/>
+              </a:rPr>
+              <a:t>  </a:t>
+            </a:r>
+            <a:r>
+              <a:rPr lang="ru-RU" sz="1500" dirty="0" err="1">
+                <a:latin typeface="Lucida Console" panose="020B0609040504020204" pitchFamily="49" charset="0"/>
+              </a:rPr>
+              <a:t>Numerator</a:t>
+            </a:r>
+            <a:r>
+              <a:rPr lang="ru-RU" sz="1500" dirty="0">
+                <a:latin typeface="Lucida Console" panose="020B0609040504020204" pitchFamily="49" charset="0"/>
+              </a:rPr>
+              <a:t>, </a:t>
+            </a:r>
+            <a:r>
+              <a:rPr lang="ru-RU" sz="1500" dirty="0" err="1">
+                <a:latin typeface="Lucida Console" panose="020B0609040504020204" pitchFamily="49" charset="0"/>
+              </a:rPr>
+              <a:t>Denominator</a:t>
+            </a:r>
+            <a:r>
+              <a:rPr lang="ru-RU" sz="1500" dirty="0">
+                <a:latin typeface="Lucida Console" panose="020B0609040504020204" pitchFamily="49" charset="0"/>
+              </a:rPr>
+              <a:t>: INTEGER;</a:t>
+            </a:r>
+          </a:p>
+          <a:p>
+            <a:r>
+              <a:rPr lang="ru-RU" sz="1500" dirty="0">
+                <a:latin typeface="Lucida Console" panose="020B0609040504020204" pitchFamily="49" charset="0"/>
+              </a:rPr>
+              <a:t>BEGIN</a:t>
+            </a:r>
+          </a:p>
+          <a:p>
+            <a:r>
+              <a:rPr lang="ru-RU" sz="1500" dirty="0">
+                <a:latin typeface="Lucida Console" panose="020B0609040504020204" pitchFamily="49" charset="0"/>
+              </a:rPr>
+              <a:t>  IF </a:t>
+            </a:r>
+            <a:r>
+              <a:rPr lang="ru-RU" sz="1500" dirty="0" err="1">
+                <a:latin typeface="Lucida Console" panose="020B0609040504020204" pitchFamily="49" charset="0"/>
+              </a:rPr>
+              <a:t>ReadFraction</a:t>
+            </a:r>
+            <a:r>
+              <a:rPr lang="ru-RU" sz="1500" dirty="0">
+                <a:latin typeface="Lucida Console" panose="020B0609040504020204" pitchFamily="49" charset="0"/>
+              </a:rPr>
+              <a:t>(</a:t>
+            </a:r>
+            <a:r>
+              <a:rPr lang="ru-RU" sz="1500" dirty="0" err="1">
+                <a:latin typeface="Lucida Console" panose="020B0609040504020204" pitchFamily="49" charset="0"/>
+              </a:rPr>
+              <a:t>Numerator</a:t>
+            </a:r>
+            <a:r>
+              <a:rPr lang="ru-RU" sz="1500" dirty="0">
+                <a:latin typeface="Lucida Console" panose="020B0609040504020204" pitchFamily="49" charset="0"/>
+              </a:rPr>
+              <a:t>, </a:t>
+            </a:r>
+            <a:r>
+              <a:rPr lang="ru-RU" sz="1500" dirty="0" err="1">
+                <a:latin typeface="Lucida Console" panose="020B0609040504020204" pitchFamily="49" charset="0"/>
+              </a:rPr>
+              <a:t>Denominator</a:t>
+            </a:r>
+            <a:r>
+              <a:rPr lang="ru-RU" sz="1500" dirty="0">
+                <a:latin typeface="Lucida Console" panose="020B0609040504020204" pitchFamily="49" charset="0"/>
+              </a:rPr>
+              <a:t>)</a:t>
+            </a:r>
+          </a:p>
+          <a:p>
+            <a:r>
+              <a:rPr lang="ru-RU" sz="1500" dirty="0">
+                <a:latin typeface="Lucida Console" panose="020B0609040504020204" pitchFamily="49" charset="0"/>
+              </a:rPr>
+              <a:t>  THEN</a:t>
+            </a:r>
+          </a:p>
+          <a:p>
+            <a:r>
+              <a:rPr lang="ru-RU" sz="1500" dirty="0">
+                <a:latin typeface="Lucida Console" panose="020B0609040504020204" pitchFamily="49" charset="0"/>
+              </a:rPr>
+              <a:t>    </a:t>
+            </a:r>
+            <a:r>
+              <a:rPr lang="ru-RU" sz="1500" dirty="0" err="1" smtClean="0">
+                <a:latin typeface="Lucida Console" panose="020B0609040504020204" pitchFamily="49" charset="0"/>
+              </a:rPr>
+              <a:t>PrintFraction</a:t>
+            </a:r>
+            <a:r>
+              <a:rPr lang="ru-RU" sz="1500" dirty="0" smtClean="0">
+                <a:latin typeface="Lucida Console" panose="020B0609040504020204" pitchFamily="49" charset="0"/>
+              </a:rPr>
+              <a:t>(</a:t>
+            </a:r>
+            <a:r>
+              <a:rPr lang="ru-RU" sz="1500" dirty="0" err="1" smtClean="0">
+                <a:latin typeface="Lucida Console" panose="020B0609040504020204" pitchFamily="49" charset="0"/>
+              </a:rPr>
+              <a:t>ToCompoundFraction</a:t>
+            </a:r>
+            <a:r>
+              <a:rPr lang="ru-RU" sz="1500" dirty="0" smtClean="0">
+                <a:latin typeface="Lucida Console" panose="020B0609040504020204" pitchFamily="49" charset="0"/>
+              </a:rPr>
+              <a:t>(</a:t>
+            </a:r>
+            <a:r>
+              <a:rPr lang="ru-RU" sz="1500" dirty="0" err="1" smtClean="0">
+                <a:latin typeface="Lucida Console" panose="020B0609040504020204" pitchFamily="49" charset="0"/>
+              </a:rPr>
+              <a:t>Numerator</a:t>
+            </a:r>
+            <a:r>
+              <a:rPr lang="ru-RU" sz="1500" dirty="0">
+                <a:latin typeface="Lucida Console" panose="020B0609040504020204" pitchFamily="49" charset="0"/>
+              </a:rPr>
+              <a:t>, </a:t>
+            </a:r>
+            <a:r>
+              <a:rPr lang="ru-RU" sz="1500" dirty="0" err="1">
+                <a:latin typeface="Lucida Console" panose="020B0609040504020204" pitchFamily="49" charset="0"/>
+              </a:rPr>
+              <a:t>Denominator</a:t>
+            </a:r>
+            <a:r>
+              <a:rPr lang="ru-RU" sz="1500" dirty="0">
+                <a:latin typeface="Lucida Console" panose="020B0609040504020204" pitchFamily="49" charset="0"/>
+              </a:rPr>
+              <a:t>))</a:t>
+            </a:r>
+          </a:p>
+          <a:p>
+            <a:r>
+              <a:rPr lang="ru-RU" sz="1500" dirty="0">
+                <a:latin typeface="Lucida Console" panose="020B0609040504020204" pitchFamily="49" charset="0"/>
+              </a:rPr>
+              <a:t>  ELSE</a:t>
+            </a:r>
+          </a:p>
+          <a:p>
+            <a:r>
+              <a:rPr lang="ru-RU" sz="1500" dirty="0">
+                <a:latin typeface="Lucida Console" panose="020B0609040504020204" pitchFamily="49" charset="0"/>
+              </a:rPr>
+              <a:t>    WRITELN('ERROR')</a:t>
+            </a:r>
+          </a:p>
+          <a:p>
+            <a:r>
+              <a:rPr lang="ru-RU" sz="1500" dirty="0">
+                <a:latin typeface="Lucida Console" panose="020B0609040504020204" pitchFamily="49" charset="0"/>
+              </a:rPr>
+              <a:t>END.</a:t>
+            </a:r>
+          </a:p>
+        </p:txBody>
+      </p:sp>
+    </p:spTree>
+    <p:extLst>
+      <p:ext uri="{BB962C8B-B14F-4D97-AF65-F5344CB8AC3E}">
+        <p14:creationId xmlns:p14="http://schemas.microsoft.com/office/powerpoint/2010/main" val="2222976153"/>
+      </p:ext>
+    </p:extLst>
+  </p:cSld>
+  <p:clrMapOvr>
+    <a:masterClrMapping/>
+  </p:clrMapOvr>
+  <p:timing>
+    <p:tnLst>
+      <p:par>
+        <p:cTn id="1" dur="indefinite" restart="never" nodeType="tmRoot">
+          <p:childTnLst>
+            <p:seq concurrent="1" nextAc="seek">
+              <p:cTn id="2" dur="indefinite" nodeType="mainSeq">
+                <p:childTnLst>
+                  <p:par>
+                    <p:cTn id="3" fill="hold">
+                      <p:stCondLst>
+                        <p:cond delay="indefinite"/>
+                      </p:stCondLst>
+                      <p:childTnLst>
+                        <p:par>
+                          <p:cTn id="4" fill="hold">
+                            <p:stCondLst>
+                              <p:cond delay="0"/>
+                            </p:stCondLst>
+                            <p:childTnLst>
+                              <p:par>
+                                <p:cTn id="5" presetID="10" presetClass="entr" presetSubtype="0" fill="hold" nodeType="clickEffect">
+                                  <p:stCondLst>
+                                    <p:cond delay="0"/>
+                                  </p:stCondLst>
+                                  <p:childTnLst>
+                                    <p:set>
+                                      <p:cBhvr>
+                                        <p:cTn id="6" dur="1" fill="hold">
+                                          <p:stCondLst>
+                                            <p:cond delay="0"/>
+                                          </p:stCondLst>
+                                        </p:cTn>
+                                        <p:tgtEl>
+                                          <p:spTgt spid="3">
+                                            <p:txEl>
+                                              <p:pRg st="23" end="23"/>
+                                            </p:txEl>
+                                          </p:spTgt>
+                                        </p:tgtEl>
+                                        <p:attrNameLst>
+                                          <p:attrName>style.visibility</p:attrName>
+                                        </p:attrNameLst>
+                                      </p:cBhvr>
+                                      <p:to>
+                                        <p:strVal val="visible"/>
+                                      </p:to>
+                                    </p:set>
+                                    <p:animEffect transition="in" filter="fade">
+                                      <p:cBhvr>
+                                        <p:cTn id="7" dur="500"/>
+                                        <p:tgtEl>
+                                          <p:spTgt spid="3">
+                                            <p:txEl>
+                                              <p:pRg st="23" end="23"/>
+                                            </p:txEl>
+                                          </p:spTgt>
+                                        </p:tgtEl>
+                                      </p:cBhvr>
+                                    </p:animEffect>
+                                  </p:childTnLst>
+                                </p:cTn>
+                              </p:par>
+                              <p:par>
+                                <p:cTn id="8" presetID="10" presetClass="entr" presetSubtype="0" fill="hold" nodeType="withEffect">
+                                  <p:stCondLst>
+                                    <p:cond delay="0"/>
+                                  </p:stCondLst>
+                                  <p:childTnLst>
+                                    <p:set>
+                                      <p:cBhvr>
+                                        <p:cTn id="9" dur="1" fill="hold">
+                                          <p:stCondLst>
+                                            <p:cond delay="0"/>
+                                          </p:stCondLst>
+                                        </p:cTn>
+                                        <p:tgtEl>
+                                          <p:spTgt spid="3">
+                                            <p:txEl>
+                                              <p:pRg st="24" end="24"/>
+                                            </p:txEl>
+                                          </p:spTgt>
+                                        </p:tgtEl>
+                                        <p:attrNameLst>
+                                          <p:attrName>style.visibility</p:attrName>
+                                        </p:attrNameLst>
+                                      </p:cBhvr>
+                                      <p:to>
+                                        <p:strVal val="visible"/>
+                                      </p:to>
+                                    </p:set>
+                                    <p:animEffect transition="in" filter="fade">
+                                      <p:cBhvr>
+                                        <p:cTn id="10" dur="500"/>
+                                        <p:tgtEl>
+                                          <p:spTgt spid="3">
+                                            <p:txEl>
+                                              <p:pRg st="24" end="24"/>
+                                            </p:txEl>
+                                          </p:spTgt>
+                                        </p:tgtEl>
+                                      </p:cBhvr>
+                                    </p:animEffect>
+                                  </p:childTnLst>
+                                </p:cTn>
+                              </p:par>
+                              <p:par>
+                                <p:cTn id="11" presetID="10" presetClass="entr" presetSubtype="0" fill="hold" nodeType="withEffect">
+                                  <p:stCondLst>
+                                    <p:cond delay="0"/>
+                                  </p:stCondLst>
+                                  <p:childTnLst>
+                                    <p:set>
+                                      <p:cBhvr>
+                                        <p:cTn id="12" dur="1" fill="hold">
+                                          <p:stCondLst>
+                                            <p:cond delay="0"/>
+                                          </p:stCondLst>
+                                        </p:cTn>
+                                        <p:tgtEl>
+                                          <p:spTgt spid="3">
+                                            <p:txEl>
+                                              <p:pRg st="25" end="25"/>
+                                            </p:txEl>
+                                          </p:spTgt>
+                                        </p:tgtEl>
+                                        <p:attrNameLst>
+                                          <p:attrName>style.visibility</p:attrName>
+                                        </p:attrNameLst>
+                                      </p:cBhvr>
+                                      <p:to>
+                                        <p:strVal val="visible"/>
+                                      </p:to>
+                                    </p:set>
+                                    <p:animEffect transition="in" filter="fade">
+                                      <p:cBhvr>
+                                        <p:cTn id="13" dur="500"/>
+                                        <p:tgtEl>
+                                          <p:spTgt spid="3">
+                                            <p:txEl>
+                                              <p:pRg st="25" end="25"/>
+                                            </p:txEl>
+                                          </p:spTgt>
+                                        </p:tgtEl>
+                                      </p:cBhvr>
+                                    </p:animEffect>
+                                  </p:childTnLst>
+                                </p:cTn>
+                              </p:par>
+                            </p:childTnLst>
+                          </p:cTn>
+                        </p:par>
+                        <p:par>
+                          <p:cTn id="14" fill="hold">
+                            <p:stCondLst>
+                              <p:cond delay="500"/>
+                            </p:stCondLst>
+                            <p:childTnLst>
+                              <p:par>
+                                <p:cTn id="15" presetID="10" presetClass="entr" presetSubtype="0" fill="hold" grpId="0" nodeType="afterEffect">
+                                  <p:stCondLst>
+                                    <p:cond delay="0"/>
+                                  </p:stCondLst>
+                                  <p:childTnLst>
+                                    <p:set>
+                                      <p:cBhvr>
+                                        <p:cTn id="16" dur="1" fill="hold">
+                                          <p:stCondLst>
+                                            <p:cond delay="0"/>
+                                          </p:stCondLst>
+                                        </p:cTn>
+                                        <p:tgtEl>
+                                          <p:spTgt spid="8"/>
+                                        </p:tgtEl>
+                                        <p:attrNameLst>
+                                          <p:attrName>style.visibility</p:attrName>
+                                        </p:attrNameLst>
+                                      </p:cBhvr>
+                                      <p:to>
+                                        <p:strVal val="visible"/>
+                                      </p:to>
+                                    </p:set>
+                                    <p:animEffect transition="in" filter="fade">
+                                      <p:cBhvr>
+                                        <p:cTn id="17" dur="500"/>
+                                        <p:tgtEl>
+                                          <p:spTgt spid="8"/>
+                                        </p:tgtEl>
+                                      </p:cBhvr>
+                                    </p:animEffect>
+                                  </p:childTnLst>
+                                </p:cTn>
+                              </p:par>
+                            </p:childTnLst>
+                          </p:cTn>
+                        </p:par>
+                      </p:childTnLst>
+                    </p:cTn>
+                  </p:par>
+                  <p:par>
+                    <p:cTn id="18" fill="hold">
+                      <p:stCondLst>
+                        <p:cond delay="indefinite"/>
+                      </p:stCondLst>
+                      <p:childTnLst>
+                        <p:par>
+                          <p:cTn id="19" fill="hold">
+                            <p:stCondLst>
+                              <p:cond delay="0"/>
+                            </p:stCondLst>
+                            <p:childTnLst>
+                              <p:par>
+                                <p:cTn id="20" presetID="10" presetClass="entr" presetSubtype="0" fill="hold" nodeType="clickEffect">
+                                  <p:stCondLst>
+                                    <p:cond delay="0"/>
+                                  </p:stCondLst>
+                                  <p:childTnLst>
+                                    <p:set>
+                                      <p:cBhvr>
+                                        <p:cTn id="21" dur="1" fill="hold">
+                                          <p:stCondLst>
+                                            <p:cond delay="0"/>
+                                          </p:stCondLst>
+                                        </p:cTn>
+                                        <p:tgtEl>
+                                          <p:spTgt spid="3">
+                                            <p:txEl>
+                                              <p:pRg st="5" end="5"/>
+                                            </p:txEl>
+                                          </p:spTgt>
+                                        </p:tgtEl>
+                                        <p:attrNameLst>
+                                          <p:attrName>style.visibility</p:attrName>
+                                        </p:attrNameLst>
+                                      </p:cBhvr>
+                                      <p:to>
+                                        <p:strVal val="visible"/>
+                                      </p:to>
+                                    </p:set>
+                                    <p:animEffect transition="in" filter="fade">
+                                      <p:cBhvr>
+                                        <p:cTn id="22" dur="500"/>
+                                        <p:tgtEl>
+                                          <p:spTgt spid="3">
+                                            <p:txEl>
+                                              <p:pRg st="5" end="5"/>
+                                            </p:txEl>
+                                          </p:spTgt>
+                                        </p:tgtEl>
+                                      </p:cBhvr>
+                                    </p:animEffect>
+                                  </p:childTnLst>
+                                </p:cTn>
+                              </p:par>
+                              <p:par>
+                                <p:cTn id="23" presetID="10" presetClass="entr" presetSubtype="0" fill="hold" nodeType="withEffect">
+                                  <p:stCondLst>
+                                    <p:cond delay="0"/>
+                                  </p:stCondLst>
+                                  <p:childTnLst>
+                                    <p:set>
+                                      <p:cBhvr>
+                                        <p:cTn id="24" dur="1" fill="hold">
+                                          <p:stCondLst>
+                                            <p:cond delay="0"/>
+                                          </p:stCondLst>
+                                        </p:cTn>
+                                        <p:tgtEl>
+                                          <p:spTgt spid="3">
+                                            <p:txEl>
+                                              <p:pRg st="6" end="6"/>
+                                            </p:txEl>
+                                          </p:spTgt>
+                                        </p:tgtEl>
+                                        <p:attrNameLst>
+                                          <p:attrName>style.visibility</p:attrName>
+                                        </p:attrNameLst>
+                                      </p:cBhvr>
+                                      <p:to>
+                                        <p:strVal val="visible"/>
+                                      </p:to>
+                                    </p:set>
+                                    <p:animEffect transition="in" filter="fade">
+                                      <p:cBhvr>
+                                        <p:cTn id="25" dur="500"/>
+                                        <p:tgtEl>
+                                          <p:spTgt spid="3">
+                                            <p:txEl>
+                                              <p:pRg st="6" end="6"/>
+                                            </p:txEl>
+                                          </p:spTgt>
+                                        </p:tgtEl>
+                                      </p:cBhvr>
+                                    </p:animEffect>
+                                  </p:childTnLst>
+                                </p:cTn>
+                              </p:par>
+                              <p:par>
+                                <p:cTn id="26" presetID="10" presetClass="entr" presetSubtype="0" fill="hold" nodeType="withEffect">
+                                  <p:stCondLst>
+                                    <p:cond delay="0"/>
+                                  </p:stCondLst>
+                                  <p:childTnLst>
+                                    <p:set>
+                                      <p:cBhvr>
+                                        <p:cTn id="27" dur="1" fill="hold">
+                                          <p:stCondLst>
+                                            <p:cond delay="0"/>
+                                          </p:stCondLst>
+                                        </p:cTn>
+                                        <p:tgtEl>
+                                          <p:spTgt spid="3">
+                                            <p:txEl>
+                                              <p:pRg st="7" end="7"/>
+                                            </p:txEl>
+                                          </p:spTgt>
+                                        </p:tgtEl>
+                                        <p:attrNameLst>
+                                          <p:attrName>style.visibility</p:attrName>
+                                        </p:attrNameLst>
+                                      </p:cBhvr>
+                                      <p:to>
+                                        <p:strVal val="visible"/>
+                                      </p:to>
+                                    </p:set>
+                                    <p:animEffect transition="in" filter="fade">
+                                      <p:cBhvr>
+                                        <p:cTn id="28" dur="500"/>
+                                        <p:tgtEl>
+                                          <p:spTgt spid="3">
+                                            <p:txEl>
+                                              <p:pRg st="7" end="7"/>
+                                            </p:txEl>
+                                          </p:spTgt>
+                                        </p:tgtEl>
+                                      </p:cBhvr>
+                                    </p:animEffect>
+                                  </p:childTnLst>
+                                </p:cTn>
+                              </p:par>
+                              <p:par>
+                                <p:cTn id="29" presetID="10" presetClass="entr" presetSubtype="0" fill="hold" nodeType="withEffect">
+                                  <p:stCondLst>
+                                    <p:cond delay="0"/>
+                                  </p:stCondLst>
+                                  <p:childTnLst>
+                                    <p:set>
+                                      <p:cBhvr>
+                                        <p:cTn id="30" dur="1" fill="hold">
+                                          <p:stCondLst>
+                                            <p:cond delay="0"/>
+                                          </p:stCondLst>
+                                        </p:cTn>
+                                        <p:tgtEl>
+                                          <p:spTgt spid="3">
+                                            <p:txEl>
+                                              <p:pRg st="8" end="8"/>
+                                            </p:txEl>
+                                          </p:spTgt>
+                                        </p:tgtEl>
+                                        <p:attrNameLst>
+                                          <p:attrName>style.visibility</p:attrName>
+                                        </p:attrNameLst>
+                                      </p:cBhvr>
+                                      <p:to>
+                                        <p:strVal val="visible"/>
+                                      </p:to>
+                                    </p:set>
+                                    <p:animEffect transition="in" filter="fade">
+                                      <p:cBhvr>
+                                        <p:cTn id="31" dur="500"/>
+                                        <p:tgtEl>
+                                          <p:spTgt spid="3">
+                                            <p:txEl>
+                                              <p:pRg st="8" end="8"/>
+                                            </p:txEl>
+                                          </p:spTgt>
+                                        </p:tgtEl>
+                                      </p:cBhvr>
+                                    </p:animEffect>
+                                  </p:childTnLst>
+                                </p:cTn>
+                              </p:par>
+                              <p:par>
+                                <p:cTn id="32" presetID="10" presetClass="entr" presetSubtype="0" fill="hold" nodeType="withEffect">
+                                  <p:stCondLst>
+                                    <p:cond delay="0"/>
+                                  </p:stCondLst>
+                                  <p:childTnLst>
+                                    <p:set>
+                                      <p:cBhvr>
+                                        <p:cTn id="33" dur="1" fill="hold">
+                                          <p:stCondLst>
+                                            <p:cond delay="0"/>
+                                          </p:stCondLst>
+                                        </p:cTn>
+                                        <p:tgtEl>
+                                          <p:spTgt spid="3">
+                                            <p:txEl>
+                                              <p:pRg st="9" end="9"/>
+                                            </p:txEl>
+                                          </p:spTgt>
+                                        </p:tgtEl>
+                                        <p:attrNameLst>
+                                          <p:attrName>style.visibility</p:attrName>
+                                        </p:attrNameLst>
+                                      </p:cBhvr>
+                                      <p:to>
+                                        <p:strVal val="visible"/>
+                                      </p:to>
+                                    </p:set>
+                                    <p:animEffect transition="in" filter="fade">
+                                      <p:cBhvr>
+                                        <p:cTn id="34" dur="500"/>
+                                        <p:tgtEl>
+                                          <p:spTgt spid="3">
+                                            <p:txEl>
+                                              <p:pRg st="9" end="9"/>
+                                            </p:txEl>
+                                          </p:spTgt>
+                                        </p:tgtEl>
+                                      </p:cBhvr>
+                                    </p:animEffect>
+                                  </p:childTnLst>
+                                </p:cTn>
+                              </p:par>
+                              <p:par>
+                                <p:cTn id="35" presetID="10" presetClass="entr" presetSubtype="0" fill="hold" nodeType="withEffect">
+                                  <p:stCondLst>
+                                    <p:cond delay="0"/>
+                                  </p:stCondLst>
+                                  <p:childTnLst>
+                                    <p:set>
+                                      <p:cBhvr>
+                                        <p:cTn id="36" dur="1" fill="hold">
+                                          <p:stCondLst>
+                                            <p:cond delay="0"/>
+                                          </p:stCondLst>
+                                        </p:cTn>
+                                        <p:tgtEl>
+                                          <p:spTgt spid="3">
+                                            <p:txEl>
+                                              <p:pRg st="10" end="10"/>
+                                            </p:txEl>
+                                          </p:spTgt>
+                                        </p:tgtEl>
+                                        <p:attrNameLst>
+                                          <p:attrName>style.visibility</p:attrName>
+                                        </p:attrNameLst>
+                                      </p:cBhvr>
+                                      <p:to>
+                                        <p:strVal val="visible"/>
+                                      </p:to>
+                                    </p:set>
+                                    <p:animEffect transition="in" filter="fade">
+                                      <p:cBhvr>
+                                        <p:cTn id="37" dur="500"/>
+                                        <p:tgtEl>
+                                          <p:spTgt spid="3">
+                                            <p:txEl>
+                                              <p:pRg st="10" end="10"/>
+                                            </p:txEl>
+                                          </p:spTgt>
+                                        </p:tgtEl>
+                                      </p:cBhvr>
+                                    </p:animEffect>
+                                  </p:childTnLst>
+                                </p:cTn>
+                              </p:par>
+                              <p:par>
+                                <p:cTn id="38" presetID="10" presetClass="entr" presetSubtype="0" fill="hold" nodeType="withEffect">
+                                  <p:stCondLst>
+                                    <p:cond delay="0"/>
+                                  </p:stCondLst>
+                                  <p:childTnLst>
+                                    <p:set>
+                                      <p:cBhvr>
+                                        <p:cTn id="39" dur="1" fill="hold">
+                                          <p:stCondLst>
+                                            <p:cond delay="0"/>
+                                          </p:stCondLst>
+                                        </p:cTn>
+                                        <p:tgtEl>
+                                          <p:spTgt spid="3">
+                                            <p:txEl>
+                                              <p:pRg st="11" end="11"/>
+                                            </p:txEl>
+                                          </p:spTgt>
+                                        </p:tgtEl>
+                                        <p:attrNameLst>
+                                          <p:attrName>style.visibility</p:attrName>
+                                        </p:attrNameLst>
+                                      </p:cBhvr>
+                                      <p:to>
+                                        <p:strVal val="visible"/>
+                                      </p:to>
+                                    </p:set>
+                                    <p:animEffect transition="in" filter="fade">
+                                      <p:cBhvr>
+                                        <p:cTn id="40" dur="500"/>
+                                        <p:tgtEl>
+                                          <p:spTgt spid="3">
+                                            <p:txEl>
+                                              <p:pRg st="11" end="11"/>
+                                            </p:txEl>
+                                          </p:spTgt>
+                                        </p:tgtEl>
+                                      </p:cBhvr>
+                                    </p:animEffect>
+                                  </p:childTnLst>
+                                </p:cTn>
+                              </p:par>
+                              <p:par>
+                                <p:cTn id="41" presetID="10" presetClass="entr" presetSubtype="0" fill="hold" nodeType="withEffect">
+                                  <p:stCondLst>
+                                    <p:cond delay="0"/>
+                                  </p:stCondLst>
+                                  <p:childTnLst>
+                                    <p:set>
+                                      <p:cBhvr>
+                                        <p:cTn id="42" dur="1" fill="hold">
+                                          <p:stCondLst>
+                                            <p:cond delay="0"/>
+                                          </p:stCondLst>
+                                        </p:cTn>
+                                        <p:tgtEl>
+                                          <p:spTgt spid="3">
+                                            <p:txEl>
+                                              <p:pRg st="13" end="13"/>
+                                            </p:txEl>
+                                          </p:spTgt>
+                                        </p:tgtEl>
+                                        <p:attrNameLst>
+                                          <p:attrName>style.visibility</p:attrName>
+                                        </p:attrNameLst>
+                                      </p:cBhvr>
+                                      <p:to>
+                                        <p:strVal val="visible"/>
+                                      </p:to>
+                                    </p:set>
+                                    <p:animEffect transition="in" filter="fade">
+                                      <p:cBhvr>
+                                        <p:cTn id="43" dur="500"/>
+                                        <p:tgtEl>
+                                          <p:spTgt spid="3">
+                                            <p:txEl>
+                                              <p:pRg st="13" end="13"/>
+                                            </p:txEl>
+                                          </p:spTgt>
+                                        </p:tgtEl>
+                                      </p:cBhvr>
+                                    </p:animEffect>
+                                  </p:childTnLst>
+                                </p:cTn>
+                              </p:par>
+                              <p:par>
+                                <p:cTn id="44" presetID="10" presetClass="entr" presetSubtype="0" fill="hold" nodeType="withEffect">
+                                  <p:stCondLst>
+                                    <p:cond delay="0"/>
+                                  </p:stCondLst>
+                                  <p:childTnLst>
+                                    <p:set>
+                                      <p:cBhvr>
+                                        <p:cTn id="45" dur="1" fill="hold">
+                                          <p:stCondLst>
+                                            <p:cond delay="0"/>
+                                          </p:stCondLst>
+                                        </p:cTn>
+                                        <p:tgtEl>
+                                          <p:spTgt spid="3">
+                                            <p:txEl>
+                                              <p:pRg st="14" end="14"/>
+                                            </p:txEl>
+                                          </p:spTgt>
+                                        </p:tgtEl>
+                                        <p:attrNameLst>
+                                          <p:attrName>style.visibility</p:attrName>
+                                        </p:attrNameLst>
+                                      </p:cBhvr>
+                                      <p:to>
+                                        <p:strVal val="visible"/>
+                                      </p:to>
+                                    </p:set>
+                                    <p:animEffect transition="in" filter="fade">
+                                      <p:cBhvr>
+                                        <p:cTn id="46" dur="500"/>
+                                        <p:tgtEl>
+                                          <p:spTgt spid="3">
+                                            <p:txEl>
+                                              <p:pRg st="14" end="14"/>
+                                            </p:txEl>
+                                          </p:spTgt>
+                                        </p:tgtEl>
+                                      </p:cBhvr>
+                                    </p:animEffect>
+                                  </p:childTnLst>
+                                </p:cTn>
+                              </p:par>
+                              <p:par>
+                                <p:cTn id="47" presetID="10" presetClass="entr" presetSubtype="0" fill="hold" nodeType="withEffect">
+                                  <p:stCondLst>
+                                    <p:cond delay="0"/>
+                                  </p:stCondLst>
+                                  <p:childTnLst>
+                                    <p:set>
+                                      <p:cBhvr>
+                                        <p:cTn id="48" dur="1" fill="hold">
+                                          <p:stCondLst>
+                                            <p:cond delay="0"/>
+                                          </p:stCondLst>
+                                        </p:cTn>
+                                        <p:tgtEl>
+                                          <p:spTgt spid="3">
+                                            <p:txEl>
+                                              <p:pRg st="15" end="15"/>
+                                            </p:txEl>
+                                          </p:spTgt>
+                                        </p:tgtEl>
+                                        <p:attrNameLst>
+                                          <p:attrName>style.visibility</p:attrName>
+                                        </p:attrNameLst>
+                                      </p:cBhvr>
+                                      <p:to>
+                                        <p:strVal val="visible"/>
+                                      </p:to>
+                                    </p:set>
+                                    <p:animEffect transition="in" filter="fade">
+                                      <p:cBhvr>
+                                        <p:cTn id="49" dur="500"/>
+                                        <p:tgtEl>
+                                          <p:spTgt spid="3">
+                                            <p:txEl>
+                                              <p:pRg st="15" end="15"/>
+                                            </p:txEl>
+                                          </p:spTgt>
+                                        </p:tgtEl>
+                                      </p:cBhvr>
+                                    </p:animEffect>
+                                  </p:childTnLst>
+                                </p:cTn>
+                              </p:par>
+                              <p:par>
+                                <p:cTn id="50" presetID="10" presetClass="entr" presetSubtype="0" fill="hold" nodeType="withEffect">
+                                  <p:stCondLst>
+                                    <p:cond delay="0"/>
+                                  </p:stCondLst>
+                                  <p:childTnLst>
+                                    <p:set>
+                                      <p:cBhvr>
+                                        <p:cTn id="51" dur="1" fill="hold">
+                                          <p:stCondLst>
+                                            <p:cond delay="0"/>
+                                          </p:stCondLst>
+                                        </p:cTn>
+                                        <p:tgtEl>
+                                          <p:spTgt spid="3">
+                                            <p:txEl>
+                                              <p:pRg st="17" end="17"/>
+                                            </p:txEl>
+                                          </p:spTgt>
+                                        </p:tgtEl>
+                                        <p:attrNameLst>
+                                          <p:attrName>style.visibility</p:attrName>
+                                        </p:attrNameLst>
+                                      </p:cBhvr>
+                                      <p:to>
+                                        <p:strVal val="visible"/>
+                                      </p:to>
+                                    </p:set>
+                                    <p:animEffect transition="in" filter="fade">
+                                      <p:cBhvr>
+                                        <p:cTn id="52" dur="500"/>
+                                        <p:tgtEl>
+                                          <p:spTgt spid="3">
+                                            <p:txEl>
+                                              <p:pRg st="17" end="17"/>
+                                            </p:txEl>
+                                          </p:spTgt>
+                                        </p:tgtEl>
+                                      </p:cBhvr>
+                                    </p:animEffect>
+                                  </p:childTnLst>
+                                </p:cTn>
+                              </p:par>
+                              <p:par>
+                                <p:cTn id="53" presetID="10" presetClass="entr" presetSubtype="0" fill="hold" nodeType="withEffect">
+                                  <p:stCondLst>
+                                    <p:cond delay="0"/>
+                                  </p:stCondLst>
+                                  <p:childTnLst>
+                                    <p:set>
+                                      <p:cBhvr>
+                                        <p:cTn id="54" dur="1" fill="hold">
+                                          <p:stCondLst>
+                                            <p:cond delay="0"/>
+                                          </p:stCondLst>
+                                        </p:cTn>
+                                        <p:tgtEl>
+                                          <p:spTgt spid="3">
+                                            <p:txEl>
+                                              <p:pRg st="18" end="18"/>
+                                            </p:txEl>
+                                          </p:spTgt>
+                                        </p:tgtEl>
+                                        <p:attrNameLst>
+                                          <p:attrName>style.visibility</p:attrName>
+                                        </p:attrNameLst>
+                                      </p:cBhvr>
+                                      <p:to>
+                                        <p:strVal val="visible"/>
+                                      </p:to>
+                                    </p:set>
+                                    <p:animEffect transition="in" filter="fade">
+                                      <p:cBhvr>
+                                        <p:cTn id="55" dur="500"/>
+                                        <p:tgtEl>
+                                          <p:spTgt spid="3">
+                                            <p:txEl>
+                                              <p:pRg st="18" end="18"/>
+                                            </p:txEl>
+                                          </p:spTgt>
+                                        </p:tgtEl>
+                                      </p:cBhvr>
+                                    </p:animEffect>
+                                  </p:childTnLst>
+                                </p:cTn>
+                              </p:par>
+                              <p:par>
+                                <p:cTn id="56" presetID="10" presetClass="exit" presetSubtype="0" fill="hold" grpId="1" nodeType="withEffect">
+                                  <p:stCondLst>
+                                    <p:cond delay="0"/>
+                                  </p:stCondLst>
+                                  <p:childTnLst>
+                                    <p:animEffect transition="out" filter="fade">
+                                      <p:cBhvr>
+                                        <p:cTn id="57" dur="500"/>
+                                        <p:tgtEl>
+                                          <p:spTgt spid="8"/>
+                                        </p:tgtEl>
+                                      </p:cBhvr>
+                                    </p:animEffect>
+                                    <p:set>
+                                      <p:cBhvr>
+                                        <p:cTn id="58" dur="1" fill="hold">
+                                          <p:stCondLst>
+                                            <p:cond delay="499"/>
+                                          </p:stCondLst>
+                                        </p:cTn>
+                                        <p:tgtEl>
+                                          <p:spTgt spid="8"/>
+                                        </p:tgtEl>
+                                        <p:attrNameLst>
+                                          <p:attrName>style.visibility</p:attrName>
+                                        </p:attrNameLst>
+                                      </p:cBhvr>
+                                      <p:to>
+                                        <p:strVal val="hidden"/>
+                                      </p:to>
+                                    </p:set>
+                                  </p:childTnLst>
+                                </p:cTn>
+                              </p:par>
+                            </p:childTnLst>
+                          </p:cTn>
+                        </p:par>
+                        <p:par>
+                          <p:cTn id="59" fill="hold">
+                            <p:stCondLst>
+                              <p:cond delay="500"/>
+                            </p:stCondLst>
+                            <p:childTnLst>
+                              <p:par>
+                                <p:cTn id="60" presetID="10" presetClass="entr" presetSubtype="0" fill="hold" grpId="0" nodeType="afterEffect">
+                                  <p:stCondLst>
+                                    <p:cond delay="0"/>
+                                  </p:stCondLst>
+                                  <p:childTnLst>
+                                    <p:set>
+                                      <p:cBhvr>
+                                        <p:cTn id="61" dur="1" fill="hold">
+                                          <p:stCondLst>
+                                            <p:cond delay="0"/>
+                                          </p:stCondLst>
+                                        </p:cTn>
+                                        <p:tgtEl>
+                                          <p:spTgt spid="5"/>
+                                        </p:tgtEl>
+                                        <p:attrNameLst>
+                                          <p:attrName>style.visibility</p:attrName>
+                                        </p:attrNameLst>
+                                      </p:cBhvr>
+                                      <p:to>
+                                        <p:strVal val="visible"/>
+                                      </p:to>
+                                    </p:set>
+                                    <p:animEffect transition="in" filter="fade">
+                                      <p:cBhvr>
+                                        <p:cTn id="62" dur="500"/>
+                                        <p:tgtEl>
+                                          <p:spTgt spid="5"/>
+                                        </p:tgtEl>
+                                      </p:cBhvr>
+                                    </p:animEffect>
+                                  </p:childTnLst>
+                                </p:cTn>
+                              </p:par>
+                            </p:childTnLst>
+                          </p:cTn>
+                        </p:par>
+                      </p:childTnLst>
+                    </p:cTn>
+                  </p:par>
+                  <p:par>
+                    <p:cTn id="63" fill="hold">
+                      <p:stCondLst>
+                        <p:cond delay="indefinite"/>
+                      </p:stCondLst>
+                      <p:childTnLst>
+                        <p:par>
+                          <p:cTn id="64" fill="hold">
+                            <p:stCondLst>
+                              <p:cond delay="0"/>
+                            </p:stCondLst>
+                            <p:childTnLst>
+                              <p:par>
+                                <p:cTn id="65" presetID="10" presetClass="entr" presetSubtype="0" fill="hold" nodeType="clickEffect">
+                                  <p:stCondLst>
+                                    <p:cond delay="0"/>
+                                  </p:stCondLst>
+                                  <p:childTnLst>
+                                    <p:set>
+                                      <p:cBhvr>
+                                        <p:cTn id="66" dur="1" fill="hold">
+                                          <p:stCondLst>
+                                            <p:cond delay="0"/>
+                                          </p:stCondLst>
+                                        </p:cTn>
+                                        <p:tgtEl>
+                                          <p:spTgt spid="3">
+                                            <p:txEl>
+                                              <p:pRg st="26" end="26"/>
+                                            </p:txEl>
+                                          </p:spTgt>
+                                        </p:tgtEl>
+                                        <p:attrNameLst>
+                                          <p:attrName>style.visibility</p:attrName>
+                                        </p:attrNameLst>
+                                      </p:cBhvr>
+                                      <p:to>
+                                        <p:strVal val="visible"/>
+                                      </p:to>
+                                    </p:set>
+                                    <p:animEffect transition="in" filter="fade">
+                                      <p:cBhvr>
+                                        <p:cTn id="67" dur="500"/>
+                                        <p:tgtEl>
+                                          <p:spTgt spid="3">
+                                            <p:txEl>
+                                              <p:pRg st="26" end="26"/>
+                                            </p:txEl>
+                                          </p:spTgt>
+                                        </p:tgtEl>
+                                      </p:cBhvr>
+                                    </p:animEffect>
+                                  </p:childTnLst>
+                                </p:cTn>
+                              </p:par>
+                              <p:par>
+                                <p:cTn id="68" presetID="10" presetClass="entr" presetSubtype="0" fill="hold" nodeType="withEffect">
+                                  <p:stCondLst>
+                                    <p:cond delay="0"/>
+                                  </p:stCondLst>
+                                  <p:childTnLst>
+                                    <p:set>
+                                      <p:cBhvr>
+                                        <p:cTn id="69" dur="1" fill="hold">
+                                          <p:stCondLst>
+                                            <p:cond delay="0"/>
+                                          </p:stCondLst>
+                                        </p:cTn>
+                                        <p:tgtEl>
+                                          <p:spTgt spid="3">
+                                            <p:txEl>
+                                              <p:pRg st="27" end="27"/>
+                                            </p:txEl>
+                                          </p:spTgt>
+                                        </p:tgtEl>
+                                        <p:attrNameLst>
+                                          <p:attrName>style.visibility</p:attrName>
+                                        </p:attrNameLst>
+                                      </p:cBhvr>
+                                      <p:to>
+                                        <p:strVal val="visible"/>
+                                      </p:to>
+                                    </p:set>
+                                    <p:animEffect transition="in" filter="fade">
+                                      <p:cBhvr>
+                                        <p:cTn id="70" dur="500"/>
+                                        <p:tgtEl>
+                                          <p:spTgt spid="3">
+                                            <p:txEl>
+                                              <p:pRg st="27" end="27"/>
+                                            </p:txEl>
+                                          </p:spTgt>
+                                        </p:tgtEl>
+                                      </p:cBhvr>
+                                    </p:animEffect>
+                                  </p:childTnLst>
+                                </p:cTn>
+                              </p:par>
+                              <p:par>
+                                <p:cTn id="71" presetID="10" presetClass="exit" presetSubtype="0" fill="hold" grpId="1" nodeType="withEffect">
+                                  <p:stCondLst>
+                                    <p:cond delay="0"/>
+                                  </p:stCondLst>
+                                  <p:childTnLst>
+                                    <p:animEffect transition="out" filter="fade">
+                                      <p:cBhvr>
+                                        <p:cTn id="72" dur="500"/>
+                                        <p:tgtEl>
+                                          <p:spTgt spid="5"/>
+                                        </p:tgtEl>
+                                      </p:cBhvr>
+                                    </p:animEffect>
+                                    <p:set>
+                                      <p:cBhvr>
+                                        <p:cTn id="73" dur="1" fill="hold">
+                                          <p:stCondLst>
+                                            <p:cond delay="499"/>
+                                          </p:stCondLst>
+                                        </p:cTn>
+                                        <p:tgtEl>
+                                          <p:spTgt spid="5"/>
+                                        </p:tgtEl>
+                                        <p:attrNameLst>
+                                          <p:attrName>style.visibility</p:attrName>
+                                        </p:attrNameLst>
+                                      </p:cBhvr>
+                                      <p:to>
+                                        <p:strVal val="hidden"/>
+                                      </p:to>
+                                    </p:set>
+                                  </p:childTnLst>
+                                </p:cTn>
+                              </p:par>
+                            </p:childTnLst>
+                          </p:cTn>
+                        </p:par>
+                        <p:par>
+                          <p:cTn id="74" fill="hold">
+                            <p:stCondLst>
+                              <p:cond delay="500"/>
+                            </p:stCondLst>
+                            <p:childTnLst>
+                              <p:par>
+                                <p:cTn id="75" presetID="10" presetClass="entr" presetSubtype="0" fill="hold" grpId="0" nodeType="afterEffect">
+                                  <p:stCondLst>
+                                    <p:cond delay="0"/>
+                                  </p:stCondLst>
+                                  <p:childTnLst>
+                                    <p:set>
+                                      <p:cBhvr>
+                                        <p:cTn id="76" dur="1" fill="hold">
+                                          <p:stCondLst>
+                                            <p:cond delay="0"/>
+                                          </p:stCondLst>
+                                        </p:cTn>
+                                        <p:tgtEl>
+                                          <p:spTgt spid="6"/>
+                                        </p:tgtEl>
+                                        <p:attrNameLst>
+                                          <p:attrName>style.visibility</p:attrName>
+                                        </p:attrNameLst>
+                                      </p:cBhvr>
+                                      <p:to>
+                                        <p:strVal val="visible"/>
+                                      </p:to>
+                                    </p:set>
+                                    <p:animEffect transition="in" filter="fade">
+                                      <p:cBhvr>
+                                        <p:cTn id="77" dur="500"/>
+                                        <p:tgtEl>
+                                          <p:spTgt spid="6"/>
+                                        </p:tgtEl>
+                                      </p:cBhvr>
+                                    </p:animEffect>
+                                  </p:childTnLst>
+                                </p:cTn>
+                              </p:par>
+                            </p:childTnLst>
+                          </p:cTn>
+                        </p:par>
+                      </p:childTnLst>
+                    </p:cTn>
+                  </p:par>
+                </p:childTnLst>
+              </p:cTn>
+              <p:prevCondLst>
+                <p:cond evt="onPrev" delay="0">
+                  <p:tgtEl>
+                    <p:sldTgt/>
+                  </p:tgtEl>
+                </p:cond>
+              </p:prevCondLst>
+              <p:nextCondLst>
+                <p:cond evt="onNext" delay="0">
+                  <p:tgtEl>
+                    <p:sldTgt/>
+                  </p:tgtEl>
+                </p:cond>
+              </p:nextCondLst>
+            </p:seq>
+          </p:childTnLst>
+        </p:cTn>
+      </p:par>
+    </p:tnLst>
+    <p:bldLst>
+      <p:bldP spid="8" grpId="0" animBg="1"/>
+      <p:bldP spid="8" grpId="1" animBg="1"/>
+      <p:bldP spid="6" grpId="0" animBg="1"/>
+      <p:bldP spid="5" grpId="0" animBg="1"/>
+      <p:bldP spid="5" grpId="1" animBg="1"/>
+    </p:bldLst>
+  </p:timing>
+</p:sld>
+</file>
+
+<file path=ppt/slides/slide31.xml><?xml version="1.0" encoding="utf-8"?>
+<p:sld xmlns:a="http://schemas.openxmlformats.org/drawingml/2006/main" xmlns:r="http://schemas.openxmlformats.org/officeDocument/2006/relationships" xmlns:p="http://schemas.openxmlformats.org/presentationml/2006/main">
+  <p:cSld>
+    <p:spTree>
+      <p:nvGrpSpPr>
+        <p:cNvPr id="1" name=""/>
+        <p:cNvGrpSpPr/>
+        <p:nvPr/>
+      </p:nvGrpSpPr>
+      <p:grpSpPr>
+        <a:xfrm>
+          <a:off x="0" y="0"/>
+          <a:ext cx="0" cy="0"/>
+          <a:chOff x="0" y="0"/>
+          <a:chExt cx="0" cy="0"/>
+        </a:xfrm>
+      </p:grpSpPr>
+      <p:sp>
+        <p:nvSpPr>
+          <p:cNvPr id="2" name="Title 1"/>
+          <p:cNvSpPr>
+            <a:spLocks noGrp="1"/>
+          </p:cNvSpPr>
+          <p:nvPr>
+            <p:ph type="title"/>
+          </p:nvPr>
+        </p:nvSpPr>
+        <p:spPr/>
+        <p:txBody>
+          <a:bodyPr/>
+          <a:lstStyle/>
+          <a:p>
+            <a:r>
+              <a:rPr lang="ru-RU" dirty="0" smtClean="0"/>
+              <a:t>Исходный </a:t>
+            </a:r>
+            <a:r>
+              <a:rPr lang="ru-RU" smtClean="0"/>
+              <a:t>код решения</a:t>
+            </a:r>
+            <a:endParaRPr lang="ru-RU" dirty="0"/>
+          </a:p>
+        </p:txBody>
+      </p:sp>
+      <p:sp>
+        <p:nvSpPr>
+          <p:cNvPr id="3" name="Content Placeholder 2"/>
+          <p:cNvSpPr>
+            <a:spLocks noGrp="1"/>
+          </p:cNvSpPr>
+          <p:nvPr>
+            <p:ph idx="1"/>
+          </p:nvPr>
+        </p:nvSpPr>
+        <p:spPr/>
+        <p:txBody>
+          <a:bodyPr/>
+          <a:lstStyle/>
+          <a:p>
+            <a:r>
+              <a:rPr lang="en-US" dirty="0" smtClean="0">
+                <a:hlinkClick r:id="rId2"/>
+              </a:rPr>
+              <a:t>https://github.com/alexey-malov/fraction</a:t>
+            </a:r>
+            <a:endParaRPr lang="en-US" dirty="0" smtClean="0"/>
+          </a:p>
+          <a:p>
+            <a:endParaRPr lang="ru-RU" dirty="0"/>
+          </a:p>
+        </p:txBody>
+      </p:sp>
+    </p:spTree>
+    <p:extLst>
+      <p:ext uri="{BB962C8B-B14F-4D97-AF65-F5344CB8AC3E}">
+        <p14:creationId xmlns:p14="http://schemas.microsoft.com/office/powerpoint/2010/main" val="2680575559"/>
+      </p:ext>
+    </p:extLst>
+  </p:cSld>
+  <p:clrMapOvr>
+    <a:masterClrMapping/>
+  </p:clrMapOvr>
+  <p:timing>
+    <p:tnLst>
+      <p:par>
+        <p:cTn id="1" dur="indefinite" restart="never" nodeType="tmRoot"/>
+      </p:par>
+    </p:tnLst>
+  </p:timing>
+</p:sld>
+</file>
+
 <file path=ppt/slides/slide4.xml><?xml version="1.0" encoding="utf-8"?>
 <p:sld xmlns:a="http://schemas.openxmlformats.org/drawingml/2006/main" xmlns:r="http://schemas.openxmlformats.org/officeDocument/2006/relationships" xmlns:p="http://schemas.openxmlformats.org/presentationml/2006/main">
   <p:cSld>

--- a/Explanation.pptx
+++ b/Explanation.pptx
@@ -39,6 +39,9 @@
   </p:sldIdLst>
   <p:sldSz cx="9144000" cy="6858000" type="screen4x3"/>
   <p:notesSz cx="6858000" cy="9144000"/>
+  <p:custDataLst>
+    <p:tags r:id="rId33"/>
+  </p:custDataLst>
   <p:defaultTextStyle>
     <a:defPPr>
       <a:defRPr lang="en-US"/>
@@ -342,6 +345,13 @@
   <p:clrMapOvr>
     <a:masterClrMapping/>
   </p:clrMapOvr>
+  <p:timing>
+    <p:tnLst>
+      <p:par>
+        <p:cTn id="1" dur="indefinite" restart="never" nodeType="tmRoot"/>
+      </p:par>
+    </p:tnLst>
+  </p:timing>
 </p:sldLayout>
 </file>
 
@@ -862,6 +872,13 @@
   <p:clrMapOvr>
     <a:masterClrMapping/>
   </p:clrMapOvr>
+  <p:timing>
+    <p:tnLst>
+      <p:par>
+        <p:cTn id="1" dur="indefinite" restart="never" nodeType="tmRoot"/>
+      </p:par>
+    </p:tnLst>
+  </p:timing>
 </p:sldLayout>
 </file>
 
@@ -1338,6 +1355,13 @@
   <p:clrMapOvr>
     <a:masterClrMapping/>
   </p:clrMapOvr>
+  <p:timing>
+    <p:tnLst>
+      <p:par>
+        <p:cTn id="1" dur="indefinite" restart="never" nodeType="tmRoot"/>
+      </p:par>
+    </p:tnLst>
+  </p:timing>
 </p:sldLayout>
 </file>
 
@@ -1823,6 +1847,13 @@
   <p:clrMapOvr>
     <a:masterClrMapping/>
   </p:clrMapOvr>
+  <p:timing>
+    <p:tnLst>
+      <p:par>
+        <p:cTn id="1" dur="indefinite" restart="never" nodeType="tmRoot"/>
+      </p:par>
+    </p:tnLst>
+  </p:timing>
 </p:sldLayout>
 </file>
 
@@ -1918,6 +1949,13 @@
   <p:clrMapOvr>
     <a:masterClrMapping/>
   </p:clrMapOvr>
+  <p:timing>
+    <p:tnLst>
+      <p:par>
+        <p:cTn id="1" dur="indefinite" restart="never" nodeType="tmRoot"/>
+      </p:par>
+    </p:tnLst>
+  </p:timing>
 </p:sldLayout>
 </file>
 
@@ -2712,6 +2750,13 @@
     <p:sldLayoutId id="2147483670" r:id="rId10"/>
     <p:sldLayoutId id="2147483671" r:id="rId11"/>
   </p:sldLayoutIdLst>
+  <p:timing>
+    <p:tnLst>
+      <p:par>
+        <p:cTn id="1" dur="indefinite" restart="never" nodeType="tmRoot"/>
+      </p:par>
+    </p:tnLst>
+  </p:timing>
   <p:txStyles>
     <p:titleStyle>
       <a:lvl1pPr algn="l" defTabSz="914400" rtl="0" eaLnBrk="1" latinLnBrk="0" hangingPunct="1">
@@ -3050,9 +3095,14 @@
           <a:lstStyle/>
           <a:p>
             <a:r>
-              <a:rPr lang="ru-RU" dirty="0"/>
-              <a:t>Обыкновенная дробь</a:t>
-            </a:r>
+              <a:rPr lang="ru-RU" dirty="0" smtClean="0"/>
+              <a:t>Смешанная </a:t>
+            </a:r>
+            <a:r>
+              <a:rPr lang="ru-RU" dirty="0" smtClean="0"/>
+              <a:t>дробь</a:t>
+            </a:r>
+            <a:endParaRPr lang="ru-RU" dirty="0"/>
           </a:p>
         </p:txBody>
       </p:sp>
@@ -3127,12 +3177,32 @@
         </p:nvSpPr>
         <p:spPr/>
         <p:txBody>
-          <a:bodyPr/>
+          <a:bodyPr>
+            <a:normAutofit fontScale="92500" lnSpcReduction="10000"/>
+          </a:bodyPr>
           <a:lstStyle/>
           <a:p>
             <a:r>
+              <a:rPr lang="ru-RU" dirty="0" smtClean="0"/>
+              <a:t>Программа стала умнее</a:t>
+            </a:r>
+          </a:p>
+          <a:p>
+            <a:pPr lvl="1"/>
+            <a:r>
+              <a:rPr lang="ru-RU" dirty="0" smtClean="0"/>
+              <a:t>Проходит 35% хороших и 0% плохих тестов</a:t>
+            </a:r>
+            <a:endParaRPr lang="ru-RU" dirty="0" smtClean="0"/>
+          </a:p>
+          <a:p>
+            <a:r>
+              <a:rPr lang="ru-RU" dirty="0" smtClean="0"/>
+              <a:t>Код </a:t>
+            </a:r>
+            <a:r>
               <a:rPr lang="ru-RU" dirty="0"/>
-              <a:t>Код стал понятнее</a:t>
+              <a:t>стал понятнее</a:t>
             </a:r>
           </a:p>
           <a:p>
@@ -3209,8 +3279,20 @@
             <a:pPr lvl="1"/>
             <a:r>
               <a:rPr lang="ru-RU" dirty="0"/>
-              <a:t>Не обрабатываются ошибки ввода</a:t>
-            </a:r>
+              <a:t>Не обрабатываются ошибки </a:t>
+            </a:r>
+            <a:r>
+              <a:rPr lang="ru-RU" dirty="0" smtClean="0"/>
+              <a:t>ввода</a:t>
+            </a:r>
+          </a:p>
+          <a:p>
+            <a:pPr lvl="2"/>
+            <a:r>
+              <a:rPr lang="ru-RU" dirty="0" smtClean="0"/>
+              <a:t>Программа Падает</a:t>
+            </a:r>
+            <a:endParaRPr lang="ru-RU" dirty="0"/>
           </a:p>
           <a:p>
             <a:pPr lvl="1"/>
@@ -3294,33 +3376,15 @@
                                   </p:childTnLst>
                                 </p:cTn>
                               </p:par>
-                            </p:childTnLst>
-                          </p:cTn>
-                        </p:par>
-                      </p:childTnLst>
-                    </p:cTn>
-                  </p:par>
-                  <p:par>
-                    <p:cTn id="8" fill="hold">
-                      <p:stCondLst>
-                        <p:cond delay="indefinite"/>
-                      </p:stCondLst>
-                      <p:childTnLst>
-                        <p:par>
-                          <p:cTn id="9" fill="hold">
-                            <p:stCondLst>
-                              <p:cond delay="0"/>
-                            </p:stCondLst>
-                            <p:childTnLst>
                               <p:par>
-                                <p:cTn id="10" presetID="10" presetClass="entr" presetSubtype="0" fill="hold" nodeType="clickEffect">
+                                <p:cTn id="8" presetID="10" presetClass="entr" presetSubtype="0" fill="hold" nodeType="withEffect">
                                   <p:stCondLst>
                                     <p:cond delay="0"/>
                                   </p:stCondLst>
                                   <p:childTnLst>
                                     <p:set>
                                       <p:cBhvr>
-                                        <p:cTn id="11" dur="1" fill="hold">
+                                        <p:cTn id="9" dur="1" fill="hold">
                                           <p:stCondLst>
                                             <p:cond delay="0"/>
                                           </p:stCondLst>
@@ -3342,7 +3406,7 @@
                                     </p:set>
                                     <p:animEffect transition="in" filter="fade">
                                       <p:cBhvr>
-                                        <p:cTn id="12" dur="500"/>
+                                        <p:cTn id="10" dur="500"/>
                                         <p:tgtEl>
                                           <p:spTgt spid="3">
                                             <p:txEl>
@@ -3362,26 +3426,26 @@
                     </p:cTn>
                   </p:par>
                   <p:par>
-                    <p:cTn id="13" fill="hold">
+                    <p:cTn id="11" fill="hold">
                       <p:stCondLst>
                         <p:cond delay="indefinite"/>
                       </p:stCondLst>
                       <p:childTnLst>
                         <p:par>
-                          <p:cTn id="14" fill="hold">
+                          <p:cTn id="12" fill="hold">
                             <p:stCondLst>
                               <p:cond delay="0"/>
                             </p:stCondLst>
                             <p:childTnLst>
                               <p:par>
-                                <p:cTn id="15" presetID="10" presetClass="entr" presetSubtype="0" fill="hold" nodeType="clickEffect">
+                                <p:cTn id="13" presetID="10" presetClass="entr" presetSubtype="0" fill="hold" nodeType="clickEffect">
                                   <p:stCondLst>
                                     <p:cond delay="0"/>
                                   </p:stCondLst>
                                   <p:childTnLst>
                                     <p:set>
                                       <p:cBhvr>
-                                        <p:cTn id="16" dur="1" fill="hold">
+                                        <p:cTn id="14" dur="1" fill="hold">
                                           <p:stCondLst>
                                             <p:cond delay="0"/>
                                           </p:stCondLst>
@@ -3403,7 +3467,7 @@
                                     </p:set>
                                     <p:animEffect transition="in" filter="fade">
                                       <p:cBhvr>
-                                        <p:cTn id="17" dur="500"/>
+                                        <p:cTn id="15" dur="500"/>
                                         <p:tgtEl>
                                           <p:spTgt spid="3">
                                             <p:txEl>
@@ -3423,26 +3487,26 @@
                     </p:cTn>
                   </p:par>
                   <p:par>
-                    <p:cTn id="18" fill="hold">
+                    <p:cTn id="16" fill="hold">
                       <p:stCondLst>
                         <p:cond delay="indefinite"/>
                       </p:stCondLst>
                       <p:childTnLst>
                         <p:par>
-                          <p:cTn id="19" fill="hold">
+                          <p:cTn id="17" fill="hold">
                             <p:stCondLst>
                               <p:cond delay="0"/>
                             </p:stCondLst>
                             <p:childTnLst>
                               <p:par>
-                                <p:cTn id="20" presetID="10" presetClass="entr" presetSubtype="0" fill="hold" nodeType="clickEffect">
+                                <p:cTn id="18" presetID="10" presetClass="entr" presetSubtype="0" fill="hold" nodeType="clickEffect">
                                   <p:stCondLst>
                                     <p:cond delay="0"/>
                                   </p:stCondLst>
                                   <p:childTnLst>
                                     <p:set>
                                       <p:cBhvr>
-                                        <p:cTn id="21" dur="1" fill="hold">
+                                        <p:cTn id="19" dur="1" fill="hold">
                                           <p:stCondLst>
                                             <p:cond delay="0"/>
                                           </p:stCondLst>
@@ -3464,7 +3528,7 @@
                                     </p:set>
                                     <p:animEffect transition="in" filter="fade">
                                       <p:cBhvr>
-                                        <p:cTn id="22" dur="500"/>
+                                        <p:cTn id="20" dur="500"/>
                                         <p:tgtEl>
                                           <p:spTgt spid="3">
                                             <p:txEl>
@@ -3484,26 +3548,26 @@
                     </p:cTn>
                   </p:par>
                   <p:par>
-                    <p:cTn id="23" fill="hold">
+                    <p:cTn id="21" fill="hold">
                       <p:stCondLst>
                         <p:cond delay="indefinite"/>
                       </p:stCondLst>
                       <p:childTnLst>
                         <p:par>
-                          <p:cTn id="24" fill="hold">
+                          <p:cTn id="22" fill="hold">
                             <p:stCondLst>
                               <p:cond delay="0"/>
                             </p:stCondLst>
                             <p:childTnLst>
                               <p:par>
-                                <p:cTn id="25" presetID="10" presetClass="entr" presetSubtype="0" fill="hold" nodeType="clickEffect">
+                                <p:cTn id="23" presetID="10" presetClass="entr" presetSubtype="0" fill="hold" nodeType="clickEffect">
                                   <p:stCondLst>
                                     <p:cond delay="0"/>
                                   </p:stCondLst>
                                   <p:childTnLst>
                                     <p:set>
                                       <p:cBhvr>
-                                        <p:cTn id="26" dur="1" fill="hold">
+                                        <p:cTn id="24" dur="1" fill="hold">
                                           <p:stCondLst>
                                             <p:cond delay="0"/>
                                           </p:stCondLst>
@@ -3525,97 +3589,11 @@
                                     </p:set>
                                     <p:animEffect transition="in" filter="fade">
                                       <p:cBhvr>
-                                        <p:cTn id="27" dur="500"/>
+                                        <p:cTn id="25" dur="500"/>
                                         <p:tgtEl>
                                           <p:spTgt spid="3">
                                             <p:txEl>
                                               <p:pRg st="4" end="4"/>
-                                            </p:txEl>
-                                          </p:spTgt>
-                                        </p:tgtEl>
-                                      </p:cBhvr>
-                                    </p:animEffect>
-                                  </p:childTnLst>
-                                </p:cTn>
-                              </p:par>
-                              <p:par>
-                                <p:cTn id="28" presetID="10" presetClass="entr" presetSubtype="0" fill="hold" nodeType="withEffect">
-                                  <p:stCondLst>
-                                    <p:cond delay="0"/>
-                                  </p:stCondLst>
-                                  <p:childTnLst>
-                                    <p:set>
-                                      <p:cBhvr>
-                                        <p:cTn id="29" dur="1" fill="hold">
-                                          <p:stCondLst>
-                                            <p:cond delay="0"/>
-                                          </p:stCondLst>
-                                        </p:cTn>
-                                        <p:tgtEl>
-                                          <p:spTgt spid="3">
-                                            <p:txEl>
-                                              <p:pRg st="5" end="5"/>
-                                            </p:txEl>
-                                          </p:spTgt>
-                                        </p:tgtEl>
-                                        <p:attrNameLst>
-                                          <p:attrName>style.visibility</p:attrName>
-                                        </p:attrNameLst>
-                                      </p:cBhvr>
-                                      <p:to>
-                                        <p:strVal val="visible"/>
-                                      </p:to>
-                                    </p:set>
-                                    <p:animEffect transition="in" filter="fade">
-                                      <p:cBhvr>
-                                        <p:cTn id="30" dur="500"/>
-                                        <p:tgtEl>
-                                          <p:spTgt spid="3">
-                                            <p:txEl>
-                                              <p:pRg st="5" end="5"/>
-                                            </p:txEl>
-                                          </p:spTgt>
-                                        </p:tgtEl>
-                                      </p:cBhvr>
-                                    </p:animEffect>
-                                  </p:childTnLst>
-                                </p:cTn>
-                              </p:par>
-                              <p:par>
-                                <p:cTn id="31" presetID="10" presetClass="entr" presetSubtype="0" fill="hold" nodeType="withEffect">
-                                  <p:stCondLst>
-                                    <p:cond delay="0"/>
-                                  </p:stCondLst>
-                                  <p:childTnLst>
-                                    <p:set>
-                                      <p:cBhvr>
-                                        <p:cTn id="32" dur="1" fill="hold">
-                                          <p:stCondLst>
-                                            <p:cond delay="0"/>
-                                          </p:stCondLst>
-                                        </p:cTn>
-                                        <p:tgtEl>
-                                          <p:spTgt spid="3">
-                                            <p:txEl>
-                                              <p:pRg st="6" end="6"/>
-                                            </p:txEl>
-                                          </p:spTgt>
-                                        </p:tgtEl>
-                                        <p:attrNameLst>
-                                          <p:attrName>style.visibility</p:attrName>
-                                        </p:attrNameLst>
-                                      </p:cBhvr>
-                                      <p:to>
-                                        <p:strVal val="visible"/>
-                                      </p:to>
-                                    </p:set>
-                                    <p:animEffect transition="in" filter="fade">
-                                      <p:cBhvr>
-                                        <p:cTn id="33" dur="500"/>
-                                        <p:tgtEl>
-                                          <p:spTgt spid="3">
-                                            <p:txEl>
-                                              <p:pRg st="6" end="6"/>
                                             </p:txEl>
                                           </p:spTgt>
                                         </p:tgtEl>
@@ -3631,26 +3609,26 @@
                     </p:cTn>
                   </p:par>
                   <p:par>
-                    <p:cTn id="34" fill="hold">
+                    <p:cTn id="26" fill="hold">
                       <p:stCondLst>
                         <p:cond delay="indefinite"/>
                       </p:stCondLst>
                       <p:childTnLst>
                         <p:par>
-                          <p:cTn id="35" fill="hold">
+                          <p:cTn id="27" fill="hold">
                             <p:stCondLst>
                               <p:cond delay="0"/>
                             </p:stCondLst>
                             <p:childTnLst>
                               <p:par>
-                                <p:cTn id="36" presetID="10" presetClass="entr" presetSubtype="0" fill="hold" nodeType="clickEffect">
+                                <p:cTn id="28" presetID="10" presetClass="entr" presetSubtype="0" fill="hold" nodeType="clickEffect">
                                   <p:stCondLst>
                                     <p:cond delay="0"/>
                                   </p:stCondLst>
                                   <p:childTnLst>
                                     <p:set>
                                       <p:cBhvr>
-                                        <p:cTn id="37" dur="1" fill="hold">
+                                        <p:cTn id="29" dur="1" fill="hold">
                                           <p:stCondLst>
                                             <p:cond delay="0"/>
                                           </p:stCondLst>
@@ -3658,7 +3636,7 @@
                                         <p:tgtEl>
                                           <p:spTgt spid="3">
                                             <p:txEl>
-                                              <p:pRg st="7" end="7"/>
+                                              <p:pRg st="5" end="5"/>
                                             </p:txEl>
                                           </p:spTgt>
                                         </p:tgtEl>
@@ -3672,11 +3650,11 @@
                                     </p:set>
                                     <p:animEffect transition="in" filter="fade">
                                       <p:cBhvr>
-                                        <p:cTn id="38" dur="500"/>
+                                        <p:cTn id="30" dur="500"/>
                                         <p:tgtEl>
                                           <p:spTgt spid="3">
                                             <p:txEl>
-                                              <p:pRg st="7" end="7"/>
+                                              <p:pRg st="5" end="5"/>
                                             </p:txEl>
                                           </p:spTgt>
                                         </p:tgtEl>
@@ -3692,26 +3670,112 @@
                     </p:cTn>
                   </p:par>
                   <p:par>
-                    <p:cTn id="39" fill="hold">
+                    <p:cTn id="31" fill="hold">
                       <p:stCondLst>
                         <p:cond delay="indefinite"/>
                       </p:stCondLst>
                       <p:childTnLst>
                         <p:par>
-                          <p:cTn id="40" fill="hold">
+                          <p:cTn id="32" fill="hold">
                             <p:stCondLst>
                               <p:cond delay="0"/>
                             </p:stCondLst>
                             <p:childTnLst>
                               <p:par>
-                                <p:cTn id="41" presetID="10" presetClass="entr" presetSubtype="0" fill="hold" nodeType="clickEffect">
+                                <p:cTn id="33" presetID="10" presetClass="entr" presetSubtype="0" fill="hold" nodeType="clickEffect">
                                   <p:stCondLst>
                                     <p:cond delay="0"/>
                                   </p:stCondLst>
                                   <p:childTnLst>
                                     <p:set>
                                       <p:cBhvr>
-                                        <p:cTn id="42" dur="1" fill="hold">
+                                        <p:cTn id="34" dur="1" fill="hold">
+                                          <p:stCondLst>
+                                            <p:cond delay="0"/>
+                                          </p:stCondLst>
+                                        </p:cTn>
+                                        <p:tgtEl>
+                                          <p:spTgt spid="3">
+                                            <p:txEl>
+                                              <p:pRg st="6" end="6"/>
+                                            </p:txEl>
+                                          </p:spTgt>
+                                        </p:tgtEl>
+                                        <p:attrNameLst>
+                                          <p:attrName>style.visibility</p:attrName>
+                                        </p:attrNameLst>
+                                      </p:cBhvr>
+                                      <p:to>
+                                        <p:strVal val="visible"/>
+                                      </p:to>
+                                    </p:set>
+                                    <p:animEffect transition="in" filter="fade">
+                                      <p:cBhvr>
+                                        <p:cTn id="35" dur="500"/>
+                                        <p:tgtEl>
+                                          <p:spTgt spid="3">
+                                            <p:txEl>
+                                              <p:pRg st="6" end="6"/>
+                                            </p:txEl>
+                                          </p:spTgt>
+                                        </p:tgtEl>
+                                      </p:cBhvr>
+                                    </p:animEffect>
+                                  </p:childTnLst>
+                                </p:cTn>
+                              </p:par>
+                              <p:par>
+                                <p:cTn id="36" presetID="10" presetClass="entr" presetSubtype="0" fill="hold" nodeType="withEffect">
+                                  <p:stCondLst>
+                                    <p:cond delay="0"/>
+                                  </p:stCondLst>
+                                  <p:childTnLst>
+                                    <p:set>
+                                      <p:cBhvr>
+                                        <p:cTn id="37" dur="1" fill="hold">
+                                          <p:stCondLst>
+                                            <p:cond delay="0"/>
+                                          </p:stCondLst>
+                                        </p:cTn>
+                                        <p:tgtEl>
+                                          <p:spTgt spid="3">
+                                            <p:txEl>
+                                              <p:pRg st="7" end="7"/>
+                                            </p:txEl>
+                                          </p:spTgt>
+                                        </p:tgtEl>
+                                        <p:attrNameLst>
+                                          <p:attrName>style.visibility</p:attrName>
+                                        </p:attrNameLst>
+                                      </p:cBhvr>
+                                      <p:to>
+                                        <p:strVal val="visible"/>
+                                      </p:to>
+                                    </p:set>
+                                    <p:animEffect transition="in" filter="fade">
+                                      <p:cBhvr>
+                                        <p:cTn id="38" dur="500"/>
+                                        <p:tgtEl>
+                                          <p:spTgt spid="3">
+                                            <p:txEl>
+                                              <p:pRg st="7" end="7"/>
+                                            </p:txEl>
+                                          </p:spTgt>
+                                        </p:tgtEl>
+                                      </p:cBhvr>
+                                    </p:animEffect>
+                                  </p:childTnLst>
+                                </p:cTn>
+                              </p:par>
+                              <p:par>
+                                <p:cTn id="39" presetID="10" presetClass="entr" presetSubtype="0" fill="hold" nodeType="withEffect">
+                                  <p:stCondLst>
+                                    <p:cond delay="0"/>
+                                  </p:stCondLst>
+                                  <p:childTnLst>
+                                    <p:set>
+                                      <p:cBhvr>
+                                        <p:cTn id="40" dur="1" fill="hold">
                                           <p:stCondLst>
                                             <p:cond delay="0"/>
                                           </p:stCondLst>
@@ -3733,11 +3797,176 @@
                                     </p:set>
                                     <p:animEffect transition="in" filter="fade">
                                       <p:cBhvr>
-                                        <p:cTn id="43" dur="500"/>
+                                        <p:cTn id="41" dur="500"/>
                                         <p:tgtEl>
                                           <p:spTgt spid="3">
                                             <p:txEl>
                                               <p:pRg st="8" end="8"/>
+                                            </p:txEl>
+                                          </p:spTgt>
+                                        </p:tgtEl>
+                                      </p:cBhvr>
+                                    </p:animEffect>
+                                  </p:childTnLst>
+                                </p:cTn>
+                              </p:par>
+                            </p:childTnLst>
+                          </p:cTn>
+                        </p:par>
+                      </p:childTnLst>
+                    </p:cTn>
+                  </p:par>
+                  <p:par>
+                    <p:cTn id="42" fill="hold">
+                      <p:stCondLst>
+                        <p:cond delay="indefinite"/>
+                      </p:stCondLst>
+                      <p:childTnLst>
+                        <p:par>
+                          <p:cTn id="43" fill="hold">
+                            <p:stCondLst>
+                              <p:cond delay="0"/>
+                            </p:stCondLst>
+                            <p:childTnLst>
+                              <p:par>
+                                <p:cTn id="44" presetID="10" presetClass="entr" presetSubtype="0" fill="hold" nodeType="clickEffect">
+                                  <p:stCondLst>
+                                    <p:cond delay="0"/>
+                                  </p:stCondLst>
+                                  <p:childTnLst>
+                                    <p:set>
+                                      <p:cBhvr>
+                                        <p:cTn id="45" dur="1" fill="hold">
+                                          <p:stCondLst>
+                                            <p:cond delay="0"/>
+                                          </p:stCondLst>
+                                        </p:cTn>
+                                        <p:tgtEl>
+                                          <p:spTgt spid="3">
+                                            <p:txEl>
+                                              <p:pRg st="9" end="9"/>
+                                            </p:txEl>
+                                          </p:spTgt>
+                                        </p:tgtEl>
+                                        <p:attrNameLst>
+                                          <p:attrName>style.visibility</p:attrName>
+                                        </p:attrNameLst>
+                                      </p:cBhvr>
+                                      <p:to>
+                                        <p:strVal val="visible"/>
+                                      </p:to>
+                                    </p:set>
+                                    <p:animEffect transition="in" filter="fade">
+                                      <p:cBhvr>
+                                        <p:cTn id="46" dur="500"/>
+                                        <p:tgtEl>
+                                          <p:spTgt spid="3">
+                                            <p:txEl>
+                                              <p:pRg st="9" end="9"/>
+                                            </p:txEl>
+                                          </p:spTgt>
+                                        </p:tgtEl>
+                                      </p:cBhvr>
+                                    </p:animEffect>
+                                  </p:childTnLst>
+                                </p:cTn>
+                              </p:par>
+                              <p:par>
+                                <p:cTn id="47" presetID="10" presetClass="entr" presetSubtype="0" fill="hold" nodeType="withEffect">
+                                  <p:stCondLst>
+                                    <p:cond delay="0"/>
+                                  </p:stCondLst>
+                                  <p:childTnLst>
+                                    <p:set>
+                                      <p:cBhvr>
+                                        <p:cTn id="48" dur="1" fill="hold">
+                                          <p:stCondLst>
+                                            <p:cond delay="0"/>
+                                          </p:stCondLst>
+                                        </p:cTn>
+                                        <p:tgtEl>
+                                          <p:spTgt spid="3">
+                                            <p:txEl>
+                                              <p:pRg st="10" end="10"/>
+                                            </p:txEl>
+                                          </p:spTgt>
+                                        </p:tgtEl>
+                                        <p:attrNameLst>
+                                          <p:attrName>style.visibility</p:attrName>
+                                        </p:attrNameLst>
+                                      </p:cBhvr>
+                                      <p:to>
+                                        <p:strVal val="visible"/>
+                                      </p:to>
+                                    </p:set>
+                                    <p:animEffect transition="in" filter="fade">
+                                      <p:cBhvr>
+                                        <p:cTn id="49" dur="500"/>
+                                        <p:tgtEl>
+                                          <p:spTgt spid="3">
+                                            <p:txEl>
+                                              <p:pRg st="10" end="10"/>
+                                            </p:txEl>
+                                          </p:spTgt>
+                                        </p:tgtEl>
+                                      </p:cBhvr>
+                                    </p:animEffect>
+                                  </p:childTnLst>
+                                </p:cTn>
+                              </p:par>
+                            </p:childTnLst>
+                          </p:cTn>
+                        </p:par>
+                      </p:childTnLst>
+                    </p:cTn>
+                  </p:par>
+                  <p:par>
+                    <p:cTn id="50" fill="hold">
+                      <p:stCondLst>
+                        <p:cond delay="indefinite"/>
+                      </p:stCondLst>
+                      <p:childTnLst>
+                        <p:par>
+                          <p:cTn id="51" fill="hold">
+                            <p:stCondLst>
+                              <p:cond delay="0"/>
+                            </p:stCondLst>
+                            <p:childTnLst>
+                              <p:par>
+                                <p:cTn id="52" presetID="10" presetClass="entr" presetSubtype="0" fill="hold" nodeType="clickEffect">
+                                  <p:stCondLst>
+                                    <p:cond delay="0"/>
+                                  </p:stCondLst>
+                                  <p:childTnLst>
+                                    <p:set>
+                                      <p:cBhvr>
+                                        <p:cTn id="53" dur="1" fill="hold">
+                                          <p:stCondLst>
+                                            <p:cond delay="0"/>
+                                          </p:stCondLst>
+                                        </p:cTn>
+                                        <p:tgtEl>
+                                          <p:spTgt spid="3">
+                                            <p:txEl>
+                                              <p:pRg st="11" end="11"/>
+                                            </p:txEl>
+                                          </p:spTgt>
+                                        </p:tgtEl>
+                                        <p:attrNameLst>
+                                          <p:attrName>style.visibility</p:attrName>
+                                        </p:attrNameLst>
+                                      </p:cBhvr>
+                                      <p:to>
+                                        <p:strVal val="visible"/>
+                                      </p:to>
+                                    </p:set>
+                                    <p:animEffect transition="in" filter="fade">
+                                      <p:cBhvr>
+                                        <p:cTn id="54" dur="500"/>
+                                        <p:tgtEl>
+                                          <p:spTgt spid="3">
+                                            <p:txEl>
+                                              <p:pRg st="11" end="11"/>
                                             </p:txEl>
                                           </p:spTgt>
                                         </p:tgtEl>
@@ -4534,6 +4763,13 @@
   <p:clrMapOvr>
     <a:masterClrMapping/>
   </p:clrMapOvr>
+  <p:timing>
+    <p:tnLst>
+      <p:par>
+        <p:cTn id="1" dur="indefinite" restart="never" nodeType="tmRoot"/>
+      </p:par>
+    </p:tnLst>
+  </p:timing>
 </p:sld>
 </file>
 
@@ -6029,8 +6265,8 @@
           </a:p>
         </p:txBody>
       </p:sp>
-      <mc:AlternateContent xmlns:mc="http://schemas.openxmlformats.org/markup-compatibility/2006" xmlns:a14="http://schemas.microsoft.com/office/drawing/2010/main">
-        <mc:Choice Requires="a14">
+      <mc:AlternateContent xmlns:mc="http://schemas.openxmlformats.org/markup-compatibility/2006">
+        <mc:Choice xmlns:a14="http://schemas.microsoft.com/office/drawing/2010/main" Requires="a14">
           <p:sp>
             <p:nvSpPr>
               <p:cNvPr id="3" name="Объект 2"/>
@@ -6047,8 +6283,43 @@
               <a:lstStyle/>
               <a:p>
                 <a:r>
+                  <a:rPr lang="ru-RU" dirty="0"/>
+                  <a:t>Программа </a:t>
+                </a:r>
+                <a:r>
                   <a:rPr lang="ru-RU" dirty="0" smtClean="0"/>
-                  <a:t>Поиск НОД последовательным перебором ужасно неэффективен</a:t>
+                  <a:t>стала еще умнее</a:t>
+                </a:r>
+                <a:endParaRPr lang="ru-RU" dirty="0"/>
+              </a:p>
+              <a:p>
+                <a:pPr lvl="1"/>
+                <a:r>
+                  <a:rPr lang="ru-RU" dirty="0"/>
+                  <a:t>Проходит </a:t>
+                </a:r>
+                <a:r>
+                  <a:rPr lang="ru-RU" dirty="0" smtClean="0"/>
+                  <a:t>70% </a:t>
+                </a:r>
+                <a:r>
+                  <a:rPr lang="ru-RU" dirty="0"/>
+                  <a:t>хороших и 0% плохих </a:t>
+                </a:r>
+                <a:r>
+                  <a:rPr lang="ru-RU" dirty="0" smtClean="0"/>
+                  <a:t>тестов</a:t>
+                </a:r>
+                <a:endParaRPr lang="ru-RU" dirty="0" smtClean="0"/>
+              </a:p>
+              <a:p>
+                <a:r>
+                  <a:rPr lang="ru-RU" dirty="0" smtClean="0"/>
+                  <a:t>Поиск </a:t>
+                </a:r>
+                <a:r>
+                  <a:rPr lang="ru-RU" dirty="0" smtClean="0"/>
+                  <a:t>НОД последовательным перебором ужасно неэффективен</a:t>
                 </a:r>
               </a:p>
               <a:p>
@@ -6146,7 +6417,7 @@
             </p:txBody>
           </p:sp>
         </mc:Choice>
-        <mc:Fallback xmlns="">
+        <mc:Fallback>
           <p:sp>
             <p:nvSpPr>
               <p:cNvPr id="3" name="Объект 2"/>
@@ -6347,21 +6618,21 @@
                 <a:gridCol w="1263650">
                   <a:extLst>
                     <a:ext uri="{9D8B030D-6E8A-4147-A177-3AD203B41FA5}">
-                      <a16:colId xmlns:a16="http://schemas.microsoft.com/office/drawing/2014/main" xmlns="" val="1877902253"/>
+                      <a16:colId xmlns="" xmlns:a16="http://schemas.microsoft.com/office/drawing/2014/main" val="1877902253"/>
                     </a:ext>
                   </a:extLst>
                 </a:gridCol>
                 <a:gridCol w="1327150">
                   <a:extLst>
                     <a:ext uri="{9D8B030D-6E8A-4147-A177-3AD203B41FA5}">
-                      <a16:colId xmlns:a16="http://schemas.microsoft.com/office/drawing/2014/main" xmlns="" val="3026534838"/>
+                      <a16:colId xmlns="" xmlns:a16="http://schemas.microsoft.com/office/drawing/2014/main" val="3026534838"/>
                     </a:ext>
                   </a:extLst>
                 </a:gridCol>
                 <a:gridCol w="1295400">
                   <a:extLst>
                     <a:ext uri="{9D8B030D-6E8A-4147-A177-3AD203B41FA5}">
-                      <a16:colId xmlns:a16="http://schemas.microsoft.com/office/drawing/2014/main" xmlns="" val="762836203"/>
+                      <a16:colId xmlns="" xmlns:a16="http://schemas.microsoft.com/office/drawing/2014/main" val="762836203"/>
                     </a:ext>
                   </a:extLst>
                 </a:gridCol>
@@ -6407,7 +6678,7 @@
                 </a:tc>
                 <a:extLst>
                   <a:ext uri="{0D108BD9-81ED-4DB2-BD59-A6C34878D82A}">
-                    <a16:rowId xmlns:a16="http://schemas.microsoft.com/office/drawing/2014/main" xmlns="" val="2002345586"/>
+                    <a16:rowId xmlns="" xmlns:a16="http://schemas.microsoft.com/office/drawing/2014/main" val="2002345586"/>
                   </a:ext>
                 </a:extLst>
               </a:tr>
@@ -6472,7 +6743,7 @@
                 </a:tc>
                 <a:extLst>
                   <a:ext uri="{0D108BD9-81ED-4DB2-BD59-A6C34878D82A}">
-                    <a16:rowId xmlns:a16="http://schemas.microsoft.com/office/drawing/2014/main" xmlns="" val="1058565294"/>
+                    <a16:rowId xmlns="" xmlns:a16="http://schemas.microsoft.com/office/drawing/2014/main" val="1058565294"/>
                   </a:ext>
                 </a:extLst>
               </a:tr>
@@ -6533,7 +6804,7 @@
                 </a:tc>
                 <a:extLst>
                   <a:ext uri="{0D108BD9-81ED-4DB2-BD59-A6C34878D82A}">
-                    <a16:rowId xmlns:a16="http://schemas.microsoft.com/office/drawing/2014/main" xmlns="" val="3104535893"/>
+                    <a16:rowId xmlns="" xmlns:a16="http://schemas.microsoft.com/office/drawing/2014/main" val="3104535893"/>
                   </a:ext>
                 </a:extLst>
               </a:tr>
@@ -6594,7 +6865,7 @@
                 </a:tc>
                 <a:extLst>
                   <a:ext uri="{0D108BD9-81ED-4DB2-BD59-A6C34878D82A}">
-                    <a16:rowId xmlns:a16="http://schemas.microsoft.com/office/drawing/2014/main" xmlns="" val="1979556255"/>
+                    <a16:rowId xmlns="" xmlns:a16="http://schemas.microsoft.com/office/drawing/2014/main" val="1979556255"/>
                   </a:ext>
                 </a:extLst>
               </a:tr>
@@ -12713,7 +12984,7 @@
         </p:blipFill>
         <p:spPr>
           <a:xfrm>
-            <a:off x="4462585" y="4298463"/>
+            <a:off x="3284569" y="4298463"/>
             <a:ext cx="2907322" cy="2438400"/>
           </a:xfrm>
           <a:prstGeom prst="rect">
@@ -12736,7 +13007,7 @@
         </p:blipFill>
         <p:spPr>
           <a:xfrm>
-            <a:off x="1719386" y="4329723"/>
+            <a:off x="541370" y="4329723"/>
             <a:ext cx="2743200" cy="2438399"/>
           </a:xfrm>
           <a:prstGeom prst="rect">
@@ -12759,7 +13030,7 @@
         </p:blipFill>
         <p:spPr>
           <a:xfrm>
-            <a:off x="4446954" y="1683548"/>
+            <a:off x="3268938" y="1683548"/>
             <a:ext cx="2961828" cy="2497684"/>
           </a:xfrm>
           <a:prstGeom prst="rect">
@@ -12805,7 +13076,7 @@
         </p:blipFill>
         <p:spPr>
           <a:xfrm>
-            <a:off x="1636056" y="1690689"/>
+            <a:off x="458040" y="1690689"/>
             <a:ext cx="2771822" cy="2529619"/>
           </a:xfrm>
           <a:prstGeom prst="rect">
@@ -12821,7 +13092,7 @@
         </p:nvSpPr>
         <p:spPr>
           <a:xfrm>
-            <a:off x="1696065" y="1769807"/>
+            <a:off x="518049" y="1769807"/>
             <a:ext cx="2544096" cy="830997"/>
           </a:xfrm>
           <a:prstGeom prst="rect">
@@ -12866,7 +13137,7 @@
         </p:nvSpPr>
         <p:spPr>
           <a:xfrm>
-            <a:off x="1939412" y="3016252"/>
+            <a:off x="761396" y="3016252"/>
             <a:ext cx="1681316" cy="1200329"/>
           </a:xfrm>
           <a:prstGeom prst="rect">
@@ -12900,7 +13171,7 @@
         </p:nvSpPr>
         <p:spPr>
           <a:xfrm>
-            <a:off x="4513005" y="1815923"/>
+            <a:off x="3334989" y="1815923"/>
             <a:ext cx="2595718" cy="1384995"/>
           </a:xfrm>
           <a:prstGeom prst="rect">
@@ -12996,7 +13267,7 @@
         </p:nvSpPr>
         <p:spPr>
           <a:xfrm>
-            <a:off x="1696065" y="4386588"/>
+            <a:off x="518049" y="4386588"/>
             <a:ext cx="2595718" cy="1569660"/>
           </a:xfrm>
           <a:prstGeom prst="rect">
@@ -13099,7 +13370,7 @@
         </p:nvSpPr>
         <p:spPr>
           <a:xfrm>
-            <a:off x="4539646" y="4452956"/>
+            <a:off x="3361630" y="4452956"/>
             <a:ext cx="902509" cy="461665"/>
           </a:xfrm>
           <a:prstGeom prst="rect">
@@ -13124,6 +13395,49 @@
             <a:endParaRPr lang="en-US" sz="1200" dirty="0" smtClean="0">
               <a:latin typeface="Comic Sans MS" panose="030F0702030302020204" pitchFamily="66" charset="0"/>
             </a:endParaRPr>
+          </a:p>
+        </p:txBody>
+      </p:sp>
+      <p:sp>
+        <p:nvSpPr>
+          <p:cNvPr id="2" name="TextBox 1"/>
+          <p:cNvSpPr txBox="1"/>
+          <p:nvPr/>
+        </p:nvSpPr>
+        <p:spPr>
+          <a:xfrm>
+            <a:off x="6343135" y="5705442"/>
+            <a:ext cx="2693773" cy="923330"/>
+          </a:xfrm>
+          <a:prstGeom prst="rect">
+            <a:avLst/>
+          </a:prstGeom>
+          <a:noFill/>
+        </p:spPr>
+        <p:txBody>
+          <a:bodyPr wrap="square" rtlCol="0">
+            <a:spAutoFit/>
+          </a:bodyPr>
+          <a:lstStyle/>
+          <a:p>
+            <a:r>
+              <a:rPr lang="ru-RU" dirty="0" smtClean="0"/>
+              <a:t>Программа прошла</a:t>
+            </a:r>
+          </a:p>
+          <a:p>
+            <a:r>
+              <a:rPr lang="ru-RU" dirty="0" smtClean="0"/>
+              <a:t>100% хороших и </a:t>
+            </a:r>
+            <a:br>
+              <a:rPr lang="ru-RU" dirty="0" smtClean="0"/>
+            </a:br>
+            <a:r>
+              <a:rPr lang="ru-RU" dirty="0" smtClean="0"/>
+              <a:t>80% плохих тестов</a:t>
+            </a:r>
+            <a:endParaRPr lang="ru-RU" dirty="0"/>
           </a:p>
         </p:txBody>
       </p:sp>
@@ -13586,6 +13900,59 @@
                       </p:childTnLst>
                     </p:cTn>
                   </p:par>
+                  <p:par>
+                    <p:cTn id="44" fill="hold">
+                      <p:stCondLst>
+                        <p:cond delay="indefinite"/>
+                      </p:stCondLst>
+                      <p:childTnLst>
+                        <p:par>
+                          <p:cTn id="45" fill="hold">
+                            <p:stCondLst>
+                              <p:cond delay="0"/>
+                            </p:stCondLst>
+                            <p:childTnLst>
+                              <p:par>
+                                <p:cTn id="46" presetID="10" presetClass="entr" presetSubtype="0" fill="hold" grpId="0" nodeType="clickEffect">
+                                  <p:stCondLst>
+                                    <p:cond delay="0"/>
+                                  </p:stCondLst>
+                                  <p:childTnLst>
+                                    <p:set>
+                                      <p:cBhvr>
+                                        <p:cTn id="47" dur="1" fill="hold">
+                                          <p:stCondLst>
+                                            <p:cond delay="0"/>
+                                          </p:stCondLst>
+                                        </p:cTn>
+                                        <p:tgtEl>
+                                          <p:spTgt spid="2"/>
+                                        </p:tgtEl>
+                                        <p:attrNameLst>
+                                          <p:attrName>style.visibility</p:attrName>
+                                        </p:attrNameLst>
+                                      </p:cBhvr>
+                                      <p:to>
+                                        <p:strVal val="visible"/>
+                                      </p:to>
+                                    </p:set>
+                                    <p:animEffect transition="in" filter="fade">
+                                      <p:cBhvr>
+                                        <p:cTn id="48" dur="500"/>
+                                        <p:tgtEl>
+                                          <p:spTgt spid="2"/>
+                                        </p:tgtEl>
+                                      </p:cBhvr>
+                                    </p:animEffect>
+                                  </p:childTnLst>
+                                </p:cTn>
+                              </p:par>
+                            </p:childTnLst>
+                          </p:cTn>
+                        </p:par>
+                      </p:childTnLst>
+                    </p:cTn>
+                  </p:par>
                 </p:childTnLst>
               </p:cTn>
               <p:prevCondLst>
@@ -13613,6 +13980,7 @@
       <p:bldP spid="8" grpId="0"/>
       <p:bldP spid="9" grpId="0"/>
       <p:bldP spid="10" grpId="0" animBg="1"/>
+      <p:bldP spid="2" grpId="0"/>
     </p:bldLst>
   </p:timing>
 </p:sld>
@@ -14117,6 +14485,49 @@
           </a:p>
         </p:txBody>
       </p:sp>
+      <p:sp>
+        <p:nvSpPr>
+          <p:cNvPr id="7" name="TextBox 6"/>
+          <p:cNvSpPr txBox="1"/>
+          <p:nvPr/>
+        </p:nvSpPr>
+        <p:spPr>
+          <a:xfrm>
+            <a:off x="6343135" y="5705442"/>
+            <a:ext cx="2693773" cy="923330"/>
+          </a:xfrm>
+          <a:prstGeom prst="rect">
+            <a:avLst/>
+          </a:prstGeom>
+          <a:noFill/>
+        </p:spPr>
+        <p:txBody>
+          <a:bodyPr wrap="square" rtlCol="0">
+            <a:spAutoFit/>
+          </a:bodyPr>
+          <a:lstStyle/>
+          <a:p>
+            <a:r>
+              <a:rPr lang="ru-RU" dirty="0" smtClean="0"/>
+              <a:t>Программа прошла</a:t>
+            </a:r>
+          </a:p>
+          <a:p>
+            <a:r>
+              <a:rPr lang="ru-RU" dirty="0" smtClean="0"/>
+              <a:t>100% хороших и </a:t>
+            </a:r>
+            <a:br>
+              <a:rPr lang="ru-RU" dirty="0" smtClean="0"/>
+            </a:br>
+            <a:r>
+              <a:rPr lang="ru-RU" dirty="0" smtClean="0"/>
+              <a:t>100% плохих тестов</a:t>
+            </a:r>
+            <a:endParaRPr lang="ru-RU" dirty="0"/>
+          </a:p>
+        </p:txBody>
+      </p:sp>
     </p:spTree>
     <p:extLst>
       <p:ext uri="{BB962C8B-B14F-4D97-AF65-F5344CB8AC3E}">
@@ -14561,6 +14972,59 @@
                       </p:childTnLst>
                     </p:cTn>
                   </p:par>
+                  <p:par>
+                    <p:cTn id="37" fill="hold">
+                      <p:stCondLst>
+                        <p:cond delay="indefinite"/>
+                      </p:stCondLst>
+                      <p:childTnLst>
+                        <p:par>
+                          <p:cTn id="38" fill="hold">
+                            <p:stCondLst>
+                              <p:cond delay="0"/>
+                            </p:stCondLst>
+                            <p:childTnLst>
+                              <p:par>
+                                <p:cTn id="39" presetID="10" presetClass="entr" presetSubtype="0" fill="hold" grpId="0" nodeType="clickEffect">
+                                  <p:stCondLst>
+                                    <p:cond delay="0"/>
+                                  </p:stCondLst>
+                                  <p:childTnLst>
+                                    <p:set>
+                                      <p:cBhvr>
+                                        <p:cTn id="40" dur="1" fill="hold">
+                                          <p:stCondLst>
+                                            <p:cond delay="0"/>
+                                          </p:stCondLst>
+                                        </p:cTn>
+                                        <p:tgtEl>
+                                          <p:spTgt spid="7"/>
+                                        </p:tgtEl>
+                                        <p:attrNameLst>
+                                          <p:attrName>style.visibility</p:attrName>
+                                        </p:attrNameLst>
+                                      </p:cBhvr>
+                                      <p:to>
+                                        <p:strVal val="visible"/>
+                                      </p:to>
+                                    </p:set>
+                                    <p:animEffect transition="in" filter="fade">
+                                      <p:cBhvr>
+                                        <p:cTn id="41" dur="500"/>
+                                        <p:tgtEl>
+                                          <p:spTgt spid="7"/>
+                                        </p:tgtEl>
+                                      </p:cBhvr>
+                                    </p:animEffect>
+                                  </p:childTnLst>
+                                </p:cTn>
+                              </p:par>
+                            </p:childTnLst>
+                          </p:cTn>
+                        </p:par>
+                      </p:childTnLst>
+                    </p:cTn>
+                  </p:par>
                 </p:childTnLst>
               </p:cTn>
               <p:prevCondLst>
@@ -14586,6 +15050,7 @@
       <p:bldP spid="4" grpId="0" animBg="1"/>
       <p:bldP spid="5" grpId="0" animBg="1"/>
       <p:bldP spid="6" grpId="0" animBg="1"/>
+      <p:bldP spid="7" grpId="0"/>
     </p:bldLst>
   </p:timing>
 </p:sld>
@@ -15261,13 +15726,8 @@
             <a:pPr lvl="1"/>
             <a:r>
               <a:rPr lang="ru-RU" dirty="0" smtClean="0"/>
-              <a:t>Мы продолжаем работать с примитивными типами </a:t>
-            </a:r>
-            <a:r>
-              <a:rPr lang="ru-RU" dirty="0" smtClean="0"/>
-              <a:t>данных</a:t>
-            </a:r>
-            <a:endParaRPr lang="ru-RU" dirty="0" smtClean="0"/>
+              <a:t>Мы продолжаем работать с примитивными типами данных</a:t>
+            </a:r>
           </a:p>
         </p:txBody>
       </p:sp>
@@ -18098,8 +18558,8 @@
           </a:p>
         </p:txBody>
       </p:sp>
-      <mc:AlternateContent xmlns:mc="http://schemas.openxmlformats.org/markup-compatibility/2006" xmlns:a14="http://schemas.microsoft.com/office/drawing/2010/main">
-        <mc:Choice Requires="a14">
+      <mc:AlternateContent xmlns:mc="http://schemas.openxmlformats.org/markup-compatibility/2006">
+        <mc:Choice xmlns:a14="http://schemas.microsoft.com/office/drawing/2010/main" Requires="a14">
           <p:sp>
             <p:nvSpPr>
               <p:cNvPr id="4" name="TextBox 3"/>
@@ -18108,7 +18568,7 @@
             </p:nvSpPr>
             <p:spPr>
               <a:xfrm>
-                <a:off x="255557" y="2219146"/>
+                <a:off x="239081" y="1719802"/>
                 <a:ext cx="2513522" cy="1300997"/>
               </a:xfrm>
               <a:prstGeom prst="rect">
@@ -18204,7 +18664,7 @@
             </p:txBody>
           </p:sp>
         </mc:Choice>
-        <mc:Fallback xmlns="">
+        <mc:Fallback>
           <p:sp>
             <p:nvSpPr>
               <p:cNvPr id="4" name="TextBox 3"/>
@@ -18215,13 +18675,13 @@
             </p:nvSpPr>
             <p:spPr>
               <a:xfrm>
-                <a:off x="255557" y="2219146"/>
+                <a:off x="239081" y="1719802"/>
                 <a:ext cx="2513522" cy="1300997"/>
               </a:xfrm>
               <a:prstGeom prst="rect">
                 <a:avLst/>
               </a:prstGeom>
-              <a:blipFill>
+              <a:blipFill rotWithShape="0">
                 <a:blip r:embed="rId2"/>
                 <a:stretch>
                   <a:fillRect/>
@@ -18243,8 +18703,8 @@
           </p:sp>
         </mc:Fallback>
       </mc:AlternateContent>
-      <mc:AlternateContent xmlns:mc="http://schemas.openxmlformats.org/markup-compatibility/2006" xmlns:a14="http://schemas.microsoft.com/office/drawing/2010/main">
-        <mc:Choice Requires="a14">
+      <mc:AlternateContent xmlns:mc="http://schemas.openxmlformats.org/markup-compatibility/2006">
+        <mc:Choice xmlns:a14="http://schemas.microsoft.com/office/drawing/2010/main" Requires="a14">
           <p:sp>
             <p:nvSpPr>
               <p:cNvPr id="5" name="TextBox 4"/>
@@ -18253,7 +18713,7 @@
             </p:nvSpPr>
             <p:spPr>
               <a:xfrm>
-                <a:off x="3818806" y="2190033"/>
+                <a:off x="3802330" y="1690689"/>
                 <a:ext cx="1693473" cy="1298432"/>
               </a:xfrm>
               <a:prstGeom prst="rect">
@@ -18342,7 +18802,7 @@
             </p:txBody>
           </p:sp>
         </mc:Choice>
-        <mc:Fallback xmlns="">
+        <mc:Fallback>
           <p:sp>
             <p:nvSpPr>
               <p:cNvPr id="5" name="TextBox 4"/>
@@ -18353,13 +18813,13 @@
             </p:nvSpPr>
             <p:spPr>
               <a:xfrm>
-                <a:off x="3818806" y="2190033"/>
+                <a:off x="3802330" y="1690689"/>
                 <a:ext cx="1693473" cy="1298432"/>
               </a:xfrm>
               <a:prstGeom prst="rect">
                 <a:avLst/>
               </a:prstGeom>
-              <a:blipFill>
+              <a:blipFill rotWithShape="0">
                 <a:blip r:embed="rId3"/>
                 <a:stretch>
                   <a:fillRect/>
@@ -18381,8 +18841,8 @@
           </p:sp>
         </mc:Fallback>
       </mc:AlternateContent>
-      <mc:AlternateContent xmlns:mc="http://schemas.openxmlformats.org/markup-compatibility/2006" xmlns:a14="http://schemas.microsoft.com/office/drawing/2010/main">
-        <mc:Choice Requires="a14">
+      <mc:AlternateContent xmlns:mc="http://schemas.openxmlformats.org/markup-compatibility/2006">
+        <mc:Choice xmlns:a14="http://schemas.microsoft.com/office/drawing/2010/main" Requires="a14">
           <p:sp>
             <p:nvSpPr>
               <p:cNvPr id="6" name="TextBox 5"/>
@@ -18391,7 +18851,7 @@
             </p:nvSpPr>
             <p:spPr>
               <a:xfrm>
-                <a:off x="6351198" y="2190033"/>
+                <a:off x="6334722" y="1690689"/>
                 <a:ext cx="2351777" cy="1300997"/>
               </a:xfrm>
               <a:prstGeom prst="rect">
@@ -18459,7 +18919,7 @@
             </p:txBody>
           </p:sp>
         </mc:Choice>
-        <mc:Fallback xmlns="">
+        <mc:Fallback>
           <p:sp>
             <p:nvSpPr>
               <p:cNvPr id="6" name="TextBox 5"/>
@@ -18470,13 +18930,13 @@
             </p:nvSpPr>
             <p:spPr>
               <a:xfrm>
-                <a:off x="6351198" y="2190033"/>
+                <a:off x="6334722" y="1690689"/>
                 <a:ext cx="2351777" cy="1300997"/>
               </a:xfrm>
               <a:prstGeom prst="rect">
                 <a:avLst/>
               </a:prstGeom>
-              <a:blipFill>
+              <a:blipFill rotWithShape="0">
                 <a:blip r:embed="rId4"/>
                 <a:stretch>
                   <a:fillRect/>
@@ -18498,8 +18958,8 @@
           </p:sp>
         </mc:Fallback>
       </mc:AlternateContent>
-      <mc:AlternateContent xmlns:mc="http://schemas.openxmlformats.org/markup-compatibility/2006" xmlns:a14="http://schemas.microsoft.com/office/drawing/2010/main">
-        <mc:Choice Requires="a14">
+      <mc:AlternateContent xmlns:mc="http://schemas.openxmlformats.org/markup-compatibility/2006">
+        <mc:Choice xmlns:a14="http://schemas.microsoft.com/office/drawing/2010/main" Requires="a14">
           <p:sp>
             <p:nvSpPr>
               <p:cNvPr id="7" name="TextBox 6"/>
@@ -18508,7 +18968,7 @@
             </p:nvSpPr>
             <p:spPr>
               <a:xfrm>
-                <a:off x="334274" y="4198908"/>
+                <a:off x="317798" y="3699564"/>
                 <a:ext cx="3168051" cy="1296509"/>
               </a:xfrm>
               <a:prstGeom prst="rect">
@@ -18576,7 +19036,7 @@
             </p:txBody>
           </p:sp>
         </mc:Choice>
-        <mc:Fallback xmlns="">
+        <mc:Fallback>
           <p:sp>
             <p:nvSpPr>
               <p:cNvPr id="7" name="TextBox 6"/>
@@ -18587,13 +19047,13 @@
             </p:nvSpPr>
             <p:spPr>
               <a:xfrm>
-                <a:off x="334274" y="4198908"/>
+                <a:off x="317798" y="3699564"/>
                 <a:ext cx="3168051" cy="1296509"/>
               </a:xfrm>
               <a:prstGeom prst="rect">
                 <a:avLst/>
               </a:prstGeom>
-              <a:blipFill>
+              <a:blipFill rotWithShape="0">
                 <a:blip r:embed="rId5"/>
                 <a:stretch>
                   <a:fillRect/>
@@ -18615,8 +19075,8 @@
           </p:sp>
         </mc:Fallback>
       </mc:AlternateContent>
-      <mc:AlternateContent xmlns:mc="http://schemas.openxmlformats.org/markup-compatibility/2006" xmlns:a14="http://schemas.microsoft.com/office/drawing/2010/main">
-        <mc:Choice Requires="a14">
+      <mc:AlternateContent xmlns:mc="http://schemas.openxmlformats.org/markup-compatibility/2006">
+        <mc:Choice xmlns:a14="http://schemas.microsoft.com/office/drawing/2010/main" Requires="a14">
           <p:sp>
             <p:nvSpPr>
               <p:cNvPr id="8" name="TextBox 7"/>
@@ -18625,7 +19085,7 @@
             </p:nvSpPr>
             <p:spPr>
               <a:xfrm>
-                <a:off x="4572000" y="4121270"/>
+                <a:off x="4555524" y="3621926"/>
                 <a:ext cx="3088257" cy="1300997"/>
               </a:xfrm>
               <a:prstGeom prst="rect">
@@ -18696,7 +19156,7 @@
             </p:txBody>
           </p:sp>
         </mc:Choice>
-        <mc:Fallback xmlns="">
+        <mc:Fallback>
           <p:sp>
             <p:nvSpPr>
               <p:cNvPr id="8" name="TextBox 7"/>
@@ -18707,14 +19167,257 @@
             </p:nvSpPr>
             <p:spPr>
               <a:xfrm>
-                <a:off x="4572000" y="4121270"/>
+                <a:off x="4555524" y="3621926"/>
                 <a:ext cx="3088257" cy="1300997"/>
               </a:xfrm>
               <a:prstGeom prst="rect">
                 <a:avLst/>
               </a:prstGeom>
-              <a:blipFill>
+              <a:blipFill rotWithShape="0">
                 <a:blip r:embed="rId6"/>
+                <a:stretch>
+                  <a:fillRect/>
+                </a:stretch>
+              </a:blipFill>
+            </p:spPr>
+            <p:txBody>
+              <a:bodyPr/>
+              <a:lstStyle/>
+              <a:p>
+                <a:r>
+                  <a:rPr lang="ru-RU">
+                    <a:noFill/>
+                  </a:rPr>
+                  <a:t> </a:t>
+                </a:r>
+              </a:p>
+            </p:txBody>
+          </p:sp>
+        </mc:Fallback>
+      </mc:AlternateContent>
+      <mc:AlternateContent xmlns:mc="http://schemas.openxmlformats.org/markup-compatibility/2006">
+        <mc:Choice xmlns:a14="http://schemas.microsoft.com/office/drawing/2010/main" Requires="a14">
+          <p:sp>
+            <p:nvSpPr>
+              <p:cNvPr id="9" name="TextBox 8"/>
+              <p:cNvSpPr txBox="1"/>
+              <p:nvPr/>
+            </p:nvSpPr>
+            <p:spPr>
+              <a:xfrm>
+                <a:off x="375463" y="5322418"/>
+                <a:ext cx="3595175" cy="1296509"/>
+              </a:xfrm>
+              <a:prstGeom prst="rect">
+                <a:avLst/>
+              </a:prstGeom>
+              <a:noFill/>
+            </p:spPr>
+            <p:txBody>
+              <a:bodyPr wrap="square" lIns="0" tIns="0" rIns="0" bIns="0" rtlCol="0">
+                <a:spAutoFit/>
+              </a:bodyPr>
+              <a:lstStyle/>
+              <a:p>
+                <a:pPr/>
+                <a14:m>
+                  <m:oMathPara xmlns:m="http://schemas.openxmlformats.org/officeDocument/2006/math">
+                    <m:oMathParaPr>
+                      <m:jc m:val="centerGroup"/>
+                    </m:oMathParaPr>
+                    <m:oMath xmlns:m="http://schemas.openxmlformats.org/officeDocument/2006/math">
+                      <m:f>
+                        <m:fPr>
+                          <m:ctrlPr>
+                            <a:rPr lang="ru-RU" sz="4500" i="1" smtClean="0">
+                              <a:latin typeface="Cambria Math" panose="02040503050406030204" pitchFamily="18" charset="0"/>
+                            </a:rPr>
+                          </m:ctrlPr>
+                        </m:fPr>
+                        <m:num>
+                          <m:r>
+                            <a:rPr lang="ru-RU" sz="4500" b="0" i="1" smtClean="0">
+                              <a:latin typeface="Cambria Math" panose="02040503050406030204" pitchFamily="18" charset="0"/>
+                            </a:rPr>
+                            <m:t>−</m:t>
+                          </m:r>
+                          <m:r>
+                            <a:rPr lang="en-US" sz="4500" i="1">
+                              <a:latin typeface="Cambria Math" panose="02040503050406030204" pitchFamily="18" charset="0"/>
+                            </a:rPr>
+                            <m:t>7</m:t>
+                          </m:r>
+                        </m:num>
+                        <m:den>
+                          <m:r>
+                            <a:rPr lang="ru-RU" sz="4500" b="0" i="1" smtClean="0">
+                              <a:latin typeface="Cambria Math" panose="02040503050406030204" pitchFamily="18" charset="0"/>
+                            </a:rPr>
+                            <m:t>3</m:t>
+                          </m:r>
+                        </m:den>
+                      </m:f>
+                      <m:r>
+                        <a:rPr lang="ru-RU" sz="4500" i="1">
+                          <a:latin typeface="Cambria Math" panose="02040503050406030204" pitchFamily="18" charset="0"/>
+                          <a:ea typeface="Cambria Math" panose="02040503050406030204" pitchFamily="18" charset="0"/>
+                        </a:rPr>
+                        <m:t>→</m:t>
+                      </m:r>
+                      <m:r>
+                        <a:rPr lang="en-US" sz="4500" i="1">
+                          <a:latin typeface="Cambria Math" panose="02040503050406030204" pitchFamily="18" charset="0"/>
+                          <a:ea typeface="Cambria Math" panose="02040503050406030204" pitchFamily="18" charset="0"/>
+                        </a:rPr>
+                        <m:t>𝐸𝑅𝑅𝑂𝑅</m:t>
+                      </m:r>
+                    </m:oMath>
+                  </m:oMathPara>
+                </a14:m>
+                <a:endParaRPr lang="ru-RU" sz="4500" dirty="0"/>
+              </a:p>
+            </p:txBody>
+          </p:sp>
+        </mc:Choice>
+        <mc:Fallback>
+          <p:sp>
+            <p:nvSpPr>
+              <p:cNvPr id="9" name="TextBox 8"/>
+              <p:cNvSpPr txBox="1">
+                <a:spLocks noRot="1" noChangeAspect="1" noMove="1" noResize="1" noEditPoints="1" noAdjustHandles="1" noChangeArrowheads="1" noChangeShapeType="1" noTextEdit="1"/>
+              </p:cNvSpPr>
+              <p:nvPr/>
+            </p:nvSpPr>
+            <p:spPr>
+              <a:xfrm>
+                <a:off x="375463" y="5322418"/>
+                <a:ext cx="3595175" cy="1296509"/>
+              </a:xfrm>
+              <a:prstGeom prst="rect">
+                <a:avLst/>
+              </a:prstGeom>
+              <a:blipFill rotWithShape="0">
+                <a:blip r:embed="rId7"/>
+                <a:stretch>
+                  <a:fillRect/>
+                </a:stretch>
+              </a:blipFill>
+            </p:spPr>
+            <p:txBody>
+              <a:bodyPr/>
+              <a:lstStyle/>
+              <a:p>
+                <a:r>
+                  <a:rPr lang="ru-RU">
+                    <a:noFill/>
+                  </a:rPr>
+                  <a:t> </a:t>
+                </a:r>
+              </a:p>
+            </p:txBody>
+          </p:sp>
+        </mc:Fallback>
+      </mc:AlternateContent>
+      <mc:AlternateContent xmlns:mc="http://schemas.openxmlformats.org/markup-compatibility/2006">
+        <mc:Choice xmlns:a14="http://schemas.microsoft.com/office/drawing/2010/main" Requires="a14">
+          <p:sp>
+            <p:nvSpPr>
+              <p:cNvPr id="10" name="TextBox 9"/>
+              <p:cNvSpPr txBox="1"/>
+              <p:nvPr/>
+            </p:nvSpPr>
+            <p:spPr>
+              <a:xfrm>
+                <a:off x="4613189" y="5244780"/>
+                <a:ext cx="3995352" cy="1300997"/>
+              </a:xfrm>
+              <a:prstGeom prst="rect">
+                <a:avLst/>
+              </a:prstGeom>
+              <a:noFill/>
+            </p:spPr>
+            <p:txBody>
+              <a:bodyPr wrap="square" lIns="0" tIns="0" rIns="0" bIns="0" rtlCol="0">
+                <a:spAutoFit/>
+              </a:bodyPr>
+              <a:lstStyle/>
+              <a:p>
+                <a:pPr/>
+                <a14:m>
+                  <m:oMathPara xmlns:m="http://schemas.openxmlformats.org/officeDocument/2006/math">
+                    <m:oMathParaPr>
+                      <m:jc m:val="centerGroup"/>
+                    </m:oMathParaPr>
+                    <m:oMath xmlns:m="http://schemas.openxmlformats.org/officeDocument/2006/math">
+                      <m:f>
+                        <m:fPr>
+                          <m:ctrlPr>
+                            <a:rPr lang="ru-RU" sz="4500" i="1" smtClean="0">
+                              <a:latin typeface="Cambria Math" panose="02040503050406030204" pitchFamily="18" charset="0"/>
+                            </a:rPr>
+                          </m:ctrlPr>
+                        </m:fPr>
+                        <m:num>
+                          <m:r>
+                            <a:rPr lang="ru-RU" sz="4500" b="0" i="1" smtClean="0">
+                              <a:latin typeface="Cambria Math" panose="02040503050406030204" pitchFamily="18" charset="0"/>
+                            </a:rPr>
+                            <m:t>8</m:t>
+                          </m:r>
+                        </m:num>
+                        <m:den>
+                          <m:r>
+                            <a:rPr lang="ru-RU" sz="4500" b="0" i="1" smtClean="0">
+                              <a:latin typeface="Cambria Math" panose="02040503050406030204" pitchFamily="18" charset="0"/>
+                            </a:rPr>
+                            <m:t>−6</m:t>
+                          </m:r>
+                        </m:den>
+                      </m:f>
+                      <m:r>
+                        <a:rPr lang="ru-RU" sz="4500" i="1">
+                          <a:latin typeface="Cambria Math" panose="02040503050406030204" pitchFamily="18" charset="0"/>
+                          <a:ea typeface="Cambria Math" panose="02040503050406030204" pitchFamily="18" charset="0"/>
+                        </a:rPr>
+                        <m:t>→</m:t>
+                      </m:r>
+                      <m:r>
+                        <m:rPr>
+                          <m:sty m:val="p"/>
+                        </m:rPr>
+                        <a:rPr lang="en-US" sz="4500">
+                          <a:latin typeface="Cambria Math" panose="02040503050406030204" pitchFamily="18" charset="0"/>
+                          <a:ea typeface="Cambria Math" panose="02040503050406030204" pitchFamily="18" charset="0"/>
+                        </a:rPr>
+                        <m:t>ERROR</m:t>
+                      </m:r>
+                    </m:oMath>
+                  </m:oMathPara>
+                </a14:m>
+                <a:endParaRPr lang="ru-RU" sz="4500" dirty="0"/>
+              </a:p>
+            </p:txBody>
+          </p:sp>
+        </mc:Choice>
+        <mc:Fallback>
+          <p:sp>
+            <p:nvSpPr>
+              <p:cNvPr id="10" name="TextBox 9"/>
+              <p:cNvSpPr txBox="1">
+                <a:spLocks noRot="1" noChangeAspect="1" noMove="1" noResize="1" noEditPoints="1" noAdjustHandles="1" noChangeArrowheads="1" noChangeShapeType="1" noTextEdit="1"/>
+              </p:cNvSpPr>
+              <p:nvPr/>
+            </p:nvSpPr>
+            <p:spPr>
+              <a:xfrm>
+                <a:off x="4613189" y="5244780"/>
+                <a:ext cx="3995352" cy="1300997"/>
+              </a:xfrm>
+              <a:prstGeom prst="rect">
+                <a:avLst/>
+              </a:prstGeom>
+              <a:blipFill rotWithShape="0">
+                <a:blip r:embed="rId8"/>
                 <a:stretch>
                   <a:fillRect/>
                 </a:stretch>
@@ -18745,6 +19448,13 @@
   <p:clrMapOvr>
     <a:masterClrMapping/>
   </p:clrMapOvr>
+  <p:timing>
+    <p:tnLst>
+      <p:par>
+        <p:cTn id="1" dur="indefinite" restart="never" nodeType="tmRoot"/>
+      </p:par>
+    </p:tnLst>
+  </p:timing>
 </p:sld>
 </file>
 
@@ -20772,6 +21482,13 @@
   <p:clrMapOvr>
     <a:masterClrMapping/>
   </p:clrMapOvr>
+  <p:timing>
+    <p:tnLst>
+      <p:par>
+        <p:cTn id="1" dur="indefinite" restart="never" nodeType="tmRoot"/>
+      </p:par>
+    </p:tnLst>
+  </p:timing>
 </p:sld>
 </file>
 
@@ -21498,8 +22215,20 @@
             <a:pPr lvl="1"/>
             <a:r>
               <a:rPr lang="ru-RU" dirty="0" smtClean="0"/>
-              <a:t>У нас есть программа и она работает!</a:t>
-            </a:r>
+              <a:t>У нас есть программа и она работает</a:t>
+            </a:r>
+            <a:r>
+              <a:rPr lang="ru-RU" dirty="0" smtClean="0"/>
+              <a:t>!</a:t>
+            </a:r>
+          </a:p>
+          <a:p>
+            <a:pPr lvl="2"/>
+            <a:r>
+              <a:rPr lang="ru-RU" dirty="0" smtClean="0"/>
+              <a:t>Проходит 20% «хороших» и 0% «плохих» тестов</a:t>
+            </a:r>
+            <a:endParaRPr lang="ru-RU" dirty="0" smtClean="0"/>
           </a:p>
           <a:p>
             <a:pPr lvl="1"/>
@@ -23900,6 +24629,13 @@
     </p:bldLst>
   </p:timing>
 </p:sld>
+</file>
+
+<file path=ppt/tags/tag1.xml><?xml version="1.0" encoding="utf-8"?>
+<p:tagLst xmlns:a="http://schemas.openxmlformats.org/drawingml/2006/main" xmlns:r="http://schemas.openxmlformats.org/officeDocument/2006/relationships" xmlns:p="http://schemas.openxmlformats.org/presentationml/2006/main">
+  <p:tag name="ISPRING_RESOURCE_PATHS_HASH_2" val="4d12bd882bf065e040883a3517e1e7d8d55083e6"/>
+  <p:tag name="ISPRING_RESOURCE_PATHS_HASH_PRESENTER" val="8ee43a1838bb8bd1a5ab7f30c9a941e1b2127f"/>
+</p:tagLst>
 </file>
 
 <file path=ppt/theme/theme1.xml><?xml version="1.0" encoding="utf-8"?>

--- a/Explanation.pptx
+++ b/Explanation.pptx
@@ -36,11 +36,22 @@
     <p:sldId id="280" r:id="rId30"/>
     <p:sldId id="282" r:id="rId31"/>
     <p:sldId id="283" r:id="rId32"/>
+    <p:sldId id="288" r:id="rId33"/>
+    <p:sldId id="287" r:id="rId34"/>
+    <p:sldId id="289" r:id="rId35"/>
+    <p:sldId id="290" r:id="rId36"/>
+    <p:sldId id="292" r:id="rId37"/>
+    <p:sldId id="291" r:id="rId38"/>
+    <p:sldId id="293" r:id="rId39"/>
+    <p:sldId id="294" r:id="rId40"/>
+    <p:sldId id="295" r:id="rId41"/>
+    <p:sldId id="296" r:id="rId42"/>
+    <p:sldId id="297" r:id="rId43"/>
   </p:sldIdLst>
   <p:sldSz cx="9144000" cy="6858000" type="screen4x3"/>
   <p:notesSz cx="6858000" cy="9144000"/>
   <p:custDataLst>
-    <p:tags r:id="rId33"/>
+    <p:tags r:id="rId44"/>
   </p:custDataLst>
   <p:defaultTextStyle>
     <a:defPPr>
@@ -3096,11 +3107,7 @@
           <a:p>
             <a:r>
               <a:rPr lang="ru-RU" dirty="0" smtClean="0"/>
-              <a:t>Смешанная </a:t>
-            </a:r>
-            <a:r>
-              <a:rPr lang="ru-RU" dirty="0" smtClean="0"/>
-              <a:t>дробь</a:t>
+              <a:t>Смешанная дробь</a:t>
             </a:r>
             <a:endParaRPr lang="ru-RU" dirty="0"/>
           </a:p>
@@ -3193,7 +3200,6 @@
               <a:rPr lang="ru-RU" dirty="0" smtClean="0"/>
               <a:t>Проходит 35% хороших и 0% плохих тестов</a:t>
             </a:r>
-            <a:endParaRPr lang="ru-RU" dirty="0" smtClean="0"/>
           </a:p>
           <a:p>
             <a:r>
@@ -3255,24 +3261,62 @@
           <a:p>
             <a:pPr lvl="2"/>
             <a:r>
+              <a:rPr lang="en-US" dirty="0">
+                <a:latin typeface="Lucida Console" panose="020B0609040504020204" pitchFamily="49" charset="0"/>
+              </a:rPr>
+              <a:t>3/1</a:t>
+            </a:r>
+            <a:r>
               <a:rPr lang="en-US" dirty="0"/>
-              <a:t>3/1 =&gt; 3 0/1</a:t>
+              <a:t> =&gt; </a:t>
+            </a:r>
+            <a:r>
+              <a:rPr lang="en-US" dirty="0">
+                <a:latin typeface="Lucida Console" panose="020B0609040504020204" pitchFamily="49" charset="0"/>
+              </a:rPr>
+              <a:t>3 0/1</a:t>
             </a:r>
             <a:r>
               <a:rPr lang="ru-RU" dirty="0"/>
-              <a:t> вместо 3</a:t>
-            </a:r>
-            <a:endParaRPr lang="en-US" dirty="0"/>
+              <a:t> вместо </a:t>
+            </a:r>
+            <a:r>
+              <a:rPr lang="ru-RU" dirty="0">
+                <a:latin typeface="Lucida Console" panose="020B0609040504020204" pitchFamily="49" charset="0"/>
+              </a:rPr>
+              <a:t>3</a:t>
+            </a:r>
+            <a:endParaRPr lang="en-US" dirty="0">
+              <a:latin typeface="Lucida Console" panose="020B0609040504020204" pitchFamily="49" charset="0"/>
+            </a:endParaRPr>
           </a:p>
           <a:p>
             <a:pPr lvl="2"/>
             <a:r>
+              <a:rPr lang="en-US" dirty="0">
+                <a:latin typeface="Lucida Console" panose="020B0609040504020204" pitchFamily="49" charset="0"/>
+              </a:rPr>
+              <a:t>10/6</a:t>
+            </a:r>
+            <a:r>
               <a:rPr lang="en-US" dirty="0"/>
-              <a:t>10/6 =&gt; 1 4/6</a:t>
+              <a:t> =&gt; </a:t>
+            </a:r>
+            <a:r>
+              <a:rPr lang="en-US" dirty="0">
+                <a:latin typeface="Lucida Console" panose="020B0609040504020204" pitchFamily="49" charset="0"/>
+              </a:rPr>
+              <a:t>1 4/6</a:t>
             </a:r>
             <a:r>
               <a:rPr lang="ru-RU" dirty="0"/>
-              <a:t> вместо 1 2/3</a:t>
+              <a:t> вместо </a:t>
+            </a:r>
+            <a:r>
+              <a:rPr lang="ru-RU" dirty="0">
+                <a:latin typeface="Lucida Console" panose="020B0609040504020204" pitchFamily="49" charset="0"/>
+              </a:rPr>
+              <a:t>1 2/3</a:t>
             </a:r>
           </a:p>
           <a:p>
@@ -3290,7 +3334,15 @@
             <a:pPr lvl="2"/>
             <a:r>
               <a:rPr lang="ru-RU" dirty="0" smtClean="0"/>
-              <a:t>Программа Падает</a:t>
+              <a:t>Программа </a:t>
+            </a:r>
+            <a:r>
+              <a:rPr lang="ru-RU" dirty="0"/>
+              <a:t>п</a:t>
+            </a:r>
+            <a:r>
+              <a:rPr lang="ru-RU" dirty="0" smtClean="0"/>
+              <a:t>адает</a:t>
             </a:r>
             <a:endParaRPr lang="ru-RU" dirty="0"/>
           </a:p>
@@ -6265,8 +6317,8 @@
           </a:p>
         </p:txBody>
       </p:sp>
-      <mc:AlternateContent xmlns:mc="http://schemas.openxmlformats.org/markup-compatibility/2006">
-        <mc:Choice xmlns:a14="http://schemas.microsoft.com/office/drawing/2010/main" Requires="a14">
+      <mc:AlternateContent xmlns:mc="http://schemas.openxmlformats.org/markup-compatibility/2006" xmlns:a14="http://schemas.microsoft.com/office/drawing/2010/main">
+        <mc:Choice Requires="a14">
           <p:sp>
             <p:nvSpPr>
               <p:cNvPr id="3" name="Объект 2"/>
@@ -6310,16 +6362,11 @@
                   <a:rPr lang="ru-RU" dirty="0" smtClean="0"/>
                   <a:t>тестов</a:t>
                 </a:r>
-                <a:endParaRPr lang="ru-RU" dirty="0" smtClean="0"/>
               </a:p>
               <a:p>
                 <a:r>
                   <a:rPr lang="ru-RU" dirty="0" smtClean="0"/>
-                  <a:t>Поиск </a:t>
-                </a:r>
-                <a:r>
-                  <a:rPr lang="ru-RU" dirty="0" smtClean="0"/>
-                  <a:t>НОД последовательным перебором ужасно неэффективен</a:t>
+                  <a:t>Поиск НОД последовательным перебором ужасно неэффективен</a:t>
                 </a:r>
               </a:p>
               <a:p>
@@ -6417,7 +6464,7 @@
             </p:txBody>
           </p:sp>
         </mc:Choice>
-        <mc:Fallback>
+        <mc:Fallback xmlns="">
           <p:sp>
             <p:nvSpPr>
               <p:cNvPr id="3" name="Объект 2"/>
@@ -6618,21 +6665,21 @@
                 <a:gridCol w="1263650">
                   <a:extLst>
                     <a:ext uri="{9D8B030D-6E8A-4147-A177-3AD203B41FA5}">
-                      <a16:colId xmlns="" xmlns:a16="http://schemas.microsoft.com/office/drawing/2014/main" val="1877902253"/>
+                      <a16:colId xmlns:a16="http://schemas.microsoft.com/office/drawing/2014/main" xmlns="" val="1877902253"/>
                     </a:ext>
                   </a:extLst>
                 </a:gridCol>
                 <a:gridCol w="1327150">
                   <a:extLst>
                     <a:ext uri="{9D8B030D-6E8A-4147-A177-3AD203B41FA5}">
-                      <a16:colId xmlns="" xmlns:a16="http://schemas.microsoft.com/office/drawing/2014/main" val="3026534838"/>
+                      <a16:colId xmlns:a16="http://schemas.microsoft.com/office/drawing/2014/main" xmlns="" val="3026534838"/>
                     </a:ext>
                   </a:extLst>
                 </a:gridCol>
                 <a:gridCol w="1295400">
                   <a:extLst>
                     <a:ext uri="{9D8B030D-6E8A-4147-A177-3AD203B41FA5}">
-                      <a16:colId xmlns="" xmlns:a16="http://schemas.microsoft.com/office/drawing/2014/main" val="762836203"/>
+                      <a16:colId xmlns:a16="http://schemas.microsoft.com/office/drawing/2014/main" xmlns="" val="762836203"/>
                     </a:ext>
                   </a:extLst>
                 </a:gridCol>
@@ -6678,7 +6725,7 @@
                 </a:tc>
                 <a:extLst>
                   <a:ext uri="{0D108BD9-81ED-4DB2-BD59-A6C34878D82A}">
-                    <a16:rowId xmlns="" xmlns:a16="http://schemas.microsoft.com/office/drawing/2014/main" val="2002345586"/>
+                    <a16:rowId xmlns:a16="http://schemas.microsoft.com/office/drawing/2014/main" xmlns="" val="2002345586"/>
                   </a:ext>
                 </a:extLst>
               </a:tr>
@@ -6743,7 +6790,7 @@
                 </a:tc>
                 <a:extLst>
                   <a:ext uri="{0D108BD9-81ED-4DB2-BD59-A6C34878D82A}">
-                    <a16:rowId xmlns="" xmlns:a16="http://schemas.microsoft.com/office/drawing/2014/main" val="1058565294"/>
+                    <a16:rowId xmlns:a16="http://schemas.microsoft.com/office/drawing/2014/main" xmlns="" val="1058565294"/>
                   </a:ext>
                 </a:extLst>
               </a:tr>
@@ -6804,7 +6851,7 @@
                 </a:tc>
                 <a:extLst>
                   <a:ext uri="{0D108BD9-81ED-4DB2-BD59-A6C34878D82A}">
-                    <a16:rowId xmlns="" xmlns:a16="http://schemas.microsoft.com/office/drawing/2014/main" val="3104535893"/>
+                    <a16:rowId xmlns:a16="http://schemas.microsoft.com/office/drawing/2014/main" xmlns="" val="3104535893"/>
                   </a:ext>
                 </a:extLst>
               </a:tr>
@@ -6865,7 +6912,7 @@
                 </a:tc>
                 <a:extLst>
                   <a:ext uri="{0D108BD9-81ED-4DB2-BD59-A6C34878D82A}">
-                    <a16:rowId xmlns="" xmlns:a16="http://schemas.microsoft.com/office/drawing/2014/main" val="1979556255"/>
+                    <a16:rowId xmlns:a16="http://schemas.microsoft.com/office/drawing/2014/main" xmlns="" val="1979556255"/>
                   </a:ext>
                 </a:extLst>
               </a:tr>
@@ -18558,8 +18605,8 @@
           </a:p>
         </p:txBody>
       </p:sp>
-      <mc:AlternateContent xmlns:mc="http://schemas.openxmlformats.org/markup-compatibility/2006">
-        <mc:Choice xmlns:a14="http://schemas.microsoft.com/office/drawing/2010/main" Requires="a14">
+      <mc:AlternateContent xmlns:mc="http://schemas.openxmlformats.org/markup-compatibility/2006" xmlns:a14="http://schemas.microsoft.com/office/drawing/2010/main">
+        <mc:Choice Requires="a14">
           <p:sp>
             <p:nvSpPr>
               <p:cNvPr id="4" name="TextBox 3"/>
@@ -18664,7 +18711,7 @@
             </p:txBody>
           </p:sp>
         </mc:Choice>
-        <mc:Fallback>
+        <mc:Fallback xmlns="">
           <p:sp>
             <p:nvSpPr>
               <p:cNvPr id="4" name="TextBox 3"/>
@@ -18703,8 +18750,8 @@
           </p:sp>
         </mc:Fallback>
       </mc:AlternateContent>
-      <mc:AlternateContent xmlns:mc="http://schemas.openxmlformats.org/markup-compatibility/2006">
-        <mc:Choice xmlns:a14="http://schemas.microsoft.com/office/drawing/2010/main" Requires="a14">
+      <mc:AlternateContent xmlns:mc="http://schemas.openxmlformats.org/markup-compatibility/2006" xmlns:a14="http://schemas.microsoft.com/office/drawing/2010/main">
+        <mc:Choice Requires="a14">
           <p:sp>
             <p:nvSpPr>
               <p:cNvPr id="5" name="TextBox 4"/>
@@ -18802,7 +18849,7 @@
             </p:txBody>
           </p:sp>
         </mc:Choice>
-        <mc:Fallback>
+        <mc:Fallback xmlns="">
           <p:sp>
             <p:nvSpPr>
               <p:cNvPr id="5" name="TextBox 4"/>
@@ -18841,8 +18888,8 @@
           </p:sp>
         </mc:Fallback>
       </mc:AlternateContent>
-      <mc:AlternateContent xmlns:mc="http://schemas.openxmlformats.org/markup-compatibility/2006">
-        <mc:Choice xmlns:a14="http://schemas.microsoft.com/office/drawing/2010/main" Requires="a14">
+      <mc:AlternateContent xmlns:mc="http://schemas.openxmlformats.org/markup-compatibility/2006" xmlns:a14="http://schemas.microsoft.com/office/drawing/2010/main">
+        <mc:Choice Requires="a14">
           <p:sp>
             <p:nvSpPr>
               <p:cNvPr id="6" name="TextBox 5"/>
@@ -18919,7 +18966,7 @@
             </p:txBody>
           </p:sp>
         </mc:Choice>
-        <mc:Fallback>
+        <mc:Fallback xmlns="">
           <p:sp>
             <p:nvSpPr>
               <p:cNvPr id="6" name="TextBox 5"/>
@@ -18958,8 +19005,8 @@
           </p:sp>
         </mc:Fallback>
       </mc:AlternateContent>
-      <mc:AlternateContent xmlns:mc="http://schemas.openxmlformats.org/markup-compatibility/2006">
-        <mc:Choice xmlns:a14="http://schemas.microsoft.com/office/drawing/2010/main" Requires="a14">
+      <mc:AlternateContent xmlns:mc="http://schemas.openxmlformats.org/markup-compatibility/2006" xmlns:a14="http://schemas.microsoft.com/office/drawing/2010/main">
+        <mc:Choice Requires="a14">
           <p:sp>
             <p:nvSpPr>
               <p:cNvPr id="7" name="TextBox 6"/>
@@ -19036,7 +19083,7 @@
             </p:txBody>
           </p:sp>
         </mc:Choice>
-        <mc:Fallback>
+        <mc:Fallback xmlns="">
           <p:sp>
             <p:nvSpPr>
               <p:cNvPr id="7" name="TextBox 6"/>
@@ -19075,8 +19122,8 @@
           </p:sp>
         </mc:Fallback>
       </mc:AlternateContent>
-      <mc:AlternateContent xmlns:mc="http://schemas.openxmlformats.org/markup-compatibility/2006">
-        <mc:Choice xmlns:a14="http://schemas.microsoft.com/office/drawing/2010/main" Requires="a14">
+      <mc:AlternateContent xmlns:mc="http://schemas.openxmlformats.org/markup-compatibility/2006" xmlns:a14="http://schemas.microsoft.com/office/drawing/2010/main">
+        <mc:Choice Requires="a14">
           <p:sp>
             <p:nvSpPr>
               <p:cNvPr id="8" name="TextBox 7"/>
@@ -19156,7 +19203,7 @@
             </p:txBody>
           </p:sp>
         </mc:Choice>
-        <mc:Fallback>
+        <mc:Fallback xmlns="">
           <p:sp>
             <p:nvSpPr>
               <p:cNvPr id="8" name="TextBox 7"/>
@@ -19195,8 +19242,8 @@
           </p:sp>
         </mc:Fallback>
       </mc:AlternateContent>
-      <mc:AlternateContent xmlns:mc="http://schemas.openxmlformats.org/markup-compatibility/2006">
-        <mc:Choice xmlns:a14="http://schemas.microsoft.com/office/drawing/2010/main" Requires="a14">
+      <mc:AlternateContent xmlns:mc="http://schemas.openxmlformats.org/markup-compatibility/2006" xmlns:a14="http://schemas.microsoft.com/office/drawing/2010/main">
+        <mc:Choice Requires="a14">
           <p:sp>
             <p:nvSpPr>
               <p:cNvPr id="9" name="TextBox 8"/>
@@ -19279,7 +19326,7 @@
             </p:txBody>
           </p:sp>
         </mc:Choice>
-        <mc:Fallback>
+        <mc:Fallback xmlns="">
           <p:sp>
             <p:nvSpPr>
               <p:cNvPr id="9" name="TextBox 8"/>
@@ -19318,8 +19365,8 @@
           </p:sp>
         </mc:Fallback>
       </mc:AlternateContent>
-      <mc:AlternateContent xmlns:mc="http://schemas.openxmlformats.org/markup-compatibility/2006">
-        <mc:Choice xmlns:a14="http://schemas.microsoft.com/office/drawing/2010/main" Requires="a14">
+      <mc:AlternateContent xmlns:mc="http://schemas.openxmlformats.org/markup-compatibility/2006" xmlns:a14="http://schemas.microsoft.com/office/drawing/2010/main">
+        <mc:Choice Requires="a14">
           <p:sp>
             <p:nvSpPr>
               <p:cNvPr id="10" name="TextBox 9"/>
@@ -19399,7 +19446,7 @@
             </p:txBody>
           </p:sp>
         </mc:Choice>
-        <mc:Fallback>
+        <mc:Fallback xmlns="">
           <p:sp>
             <p:nvSpPr>
               <p:cNvPr id="10" name="TextBox 9"/>
@@ -21383,6 +21430,2279 @@
 </p:sld>
 </file>
 
+<file path=ppt/slides/slide32.xml><?xml version="1.0" encoding="utf-8"?>
+<p:sld xmlns:a="http://schemas.openxmlformats.org/drawingml/2006/main" xmlns:r="http://schemas.openxmlformats.org/officeDocument/2006/relationships" xmlns:p="http://schemas.openxmlformats.org/presentationml/2006/main">
+  <p:cSld>
+    <p:spTree>
+      <p:nvGrpSpPr>
+        <p:cNvPr id="1" name=""/>
+        <p:cNvGrpSpPr/>
+        <p:nvPr/>
+      </p:nvGrpSpPr>
+      <p:grpSpPr>
+        <a:xfrm>
+          <a:off x="0" y="0"/>
+          <a:ext cx="0" cy="0"/>
+          <a:chOff x="0" y="0"/>
+          <a:chExt cx="0" cy="0"/>
+        </a:xfrm>
+      </p:grpSpPr>
+      <p:sp>
+        <p:nvSpPr>
+          <p:cNvPr id="4" name="Title 3"/>
+          <p:cNvSpPr>
+            <a:spLocks noGrp="1"/>
+          </p:cNvSpPr>
+          <p:nvPr>
+            <p:ph type="title"/>
+          </p:nvPr>
+        </p:nvSpPr>
+        <p:spPr/>
+        <p:txBody>
+          <a:bodyPr/>
+          <a:lstStyle/>
+          <a:p>
+            <a:r>
+              <a:rPr lang="ru-RU" dirty="0" smtClean="0"/>
+              <a:t>Алгебраическое выражение</a:t>
+            </a:r>
+            <a:endParaRPr lang="ru-RU" dirty="0"/>
+          </a:p>
+        </p:txBody>
+      </p:sp>
+      <p:sp>
+        <p:nvSpPr>
+          <p:cNvPr id="5" name="Text Placeholder 4"/>
+          <p:cNvSpPr>
+            <a:spLocks noGrp="1"/>
+          </p:cNvSpPr>
+          <p:nvPr>
+            <p:ph type="body" idx="1"/>
+          </p:nvPr>
+        </p:nvSpPr>
+        <p:spPr/>
+        <p:txBody>
+          <a:bodyPr/>
+          <a:lstStyle/>
+          <a:p>
+            <a:endParaRPr lang="ru-RU"/>
+          </a:p>
+        </p:txBody>
+      </p:sp>
+    </p:spTree>
+    <p:extLst>
+      <p:ext uri="{BB962C8B-B14F-4D97-AF65-F5344CB8AC3E}">
+        <p14:creationId xmlns:p14="http://schemas.microsoft.com/office/powerpoint/2010/main" val="3088993823"/>
+      </p:ext>
+    </p:extLst>
+  </p:cSld>
+  <p:clrMapOvr>
+    <a:masterClrMapping/>
+  </p:clrMapOvr>
+</p:sld>
+</file>
+
+<file path=ppt/slides/slide33.xml><?xml version="1.0" encoding="utf-8"?>
+<p:sld xmlns:a="http://schemas.openxmlformats.org/drawingml/2006/main" xmlns:r="http://schemas.openxmlformats.org/officeDocument/2006/relationships" xmlns:p="http://schemas.openxmlformats.org/presentationml/2006/main">
+  <p:cSld>
+    <p:spTree>
+      <p:nvGrpSpPr>
+        <p:cNvPr id="1" name=""/>
+        <p:cNvGrpSpPr/>
+        <p:nvPr/>
+      </p:nvGrpSpPr>
+      <p:grpSpPr>
+        <a:xfrm>
+          <a:off x="0" y="0"/>
+          <a:ext cx="0" cy="0"/>
+          <a:chOff x="0" y="0"/>
+          <a:chExt cx="0" cy="0"/>
+        </a:xfrm>
+      </p:grpSpPr>
+      <p:sp>
+        <p:nvSpPr>
+          <p:cNvPr id="4" name="Rectangle 3"/>
+          <p:cNvSpPr/>
+          <p:nvPr/>
+        </p:nvSpPr>
+        <p:spPr>
+          <a:xfrm>
+            <a:off x="51619" y="117693"/>
+            <a:ext cx="9040761" cy="6740307"/>
+          </a:xfrm>
+          <a:prstGeom prst="rect">
+            <a:avLst/>
+          </a:prstGeom>
+        </p:spPr>
+        <p:txBody>
+          <a:bodyPr wrap="square">
+            <a:spAutoFit/>
+          </a:bodyPr>
+          <a:lstStyle/>
+          <a:p>
+            <a:r>
+              <a:rPr lang="ru-RU" dirty="0">
+                <a:latin typeface="Lucida Console" panose="020B0609040504020204" pitchFamily="49" charset="0"/>
+              </a:rPr>
+              <a:t>{Получает из ввода коэффициенты для X и Y в уравнении}</a:t>
+            </a:r>
+          </a:p>
+          <a:p>
+            <a:r>
+              <a:rPr lang="ru-RU" dirty="0">
+                <a:latin typeface="Lucida Console" panose="020B0609040504020204" pitchFamily="49" charset="0"/>
+              </a:rPr>
+              <a:t>{В случае успеха печатает уравнение}</a:t>
+            </a:r>
+          </a:p>
+          <a:p>
+            <a:r>
+              <a:rPr lang="ru-RU" dirty="0">
+                <a:latin typeface="Lucida Console" panose="020B0609040504020204" pitchFamily="49" charset="0"/>
+              </a:rPr>
+              <a:t>{Иначе печатает 'ERROR'}</a:t>
+            </a:r>
+          </a:p>
+          <a:p>
+            <a:r>
+              <a:rPr lang="ru-RU" dirty="0">
+                <a:latin typeface="Lucida Console" panose="020B0609040504020204" pitchFamily="49" charset="0"/>
+              </a:rPr>
+              <a:t>PROCEDURE </a:t>
+            </a:r>
+            <a:r>
+              <a:rPr lang="ru-RU" dirty="0" err="1">
+                <a:latin typeface="Lucida Console" panose="020B0609040504020204" pitchFamily="49" charset="0"/>
+              </a:rPr>
+              <a:t>ReadAndPrintEquation</a:t>
+            </a:r>
+            <a:r>
+              <a:rPr lang="ru-RU" dirty="0">
+                <a:latin typeface="Lucida Console" panose="020B0609040504020204" pitchFamily="49" charset="0"/>
+              </a:rPr>
+              <a:t>;</a:t>
+            </a:r>
+          </a:p>
+          <a:p>
+            <a:r>
+              <a:rPr lang="ru-RU" dirty="0">
+                <a:latin typeface="Lucida Console" panose="020B0609040504020204" pitchFamily="49" charset="0"/>
+              </a:rPr>
+              <a:t>VAR</a:t>
+            </a:r>
+          </a:p>
+          <a:p>
+            <a:r>
+              <a:rPr lang="ru-RU" dirty="0">
+                <a:latin typeface="Lucida Console" panose="020B0609040504020204" pitchFamily="49" charset="0"/>
+              </a:rPr>
+              <a:t>  </a:t>
+            </a:r>
+            <a:r>
+              <a:rPr lang="ru-RU" dirty="0" err="1">
+                <a:latin typeface="Lucida Console" panose="020B0609040504020204" pitchFamily="49" charset="0"/>
+              </a:rPr>
+              <a:t>CoeffX</a:t>
+            </a:r>
+            <a:r>
+              <a:rPr lang="ru-RU" dirty="0">
+                <a:latin typeface="Lucida Console" panose="020B0609040504020204" pitchFamily="49" charset="0"/>
+              </a:rPr>
+              <a:t>, </a:t>
+            </a:r>
+            <a:r>
+              <a:rPr lang="ru-RU" dirty="0" err="1">
+                <a:latin typeface="Lucida Console" panose="020B0609040504020204" pitchFamily="49" charset="0"/>
+              </a:rPr>
+              <a:t>CoeffY</a:t>
+            </a:r>
+            <a:r>
+              <a:rPr lang="ru-RU" dirty="0">
+                <a:latin typeface="Lucida Console" panose="020B0609040504020204" pitchFamily="49" charset="0"/>
+              </a:rPr>
+              <a:t>: INTEGER;</a:t>
+            </a:r>
+          </a:p>
+          <a:p>
+            <a:r>
+              <a:rPr lang="ru-RU" dirty="0">
+                <a:latin typeface="Lucida Console" panose="020B0609040504020204" pitchFamily="49" charset="0"/>
+              </a:rPr>
+              <a:t>BEGIN</a:t>
+            </a:r>
+          </a:p>
+          <a:p>
+            <a:r>
+              <a:rPr lang="ru-RU" dirty="0">
+                <a:latin typeface="Lucida Console" panose="020B0609040504020204" pitchFamily="49" charset="0"/>
+              </a:rPr>
+              <a:t>  IF </a:t>
+            </a:r>
+            <a:r>
+              <a:rPr lang="ru-RU" dirty="0" err="1">
+                <a:latin typeface="Lucida Console" panose="020B0609040504020204" pitchFamily="49" charset="0"/>
+              </a:rPr>
+              <a:t>ReadIntegerInRange</a:t>
+            </a:r>
+            <a:r>
+              <a:rPr lang="ru-RU" dirty="0">
+                <a:latin typeface="Lucida Console" panose="020B0609040504020204" pitchFamily="49" charset="0"/>
+              </a:rPr>
+              <a:t>(</a:t>
+            </a:r>
+            <a:r>
+              <a:rPr lang="ru-RU" dirty="0" err="1">
+                <a:latin typeface="Lucida Console" panose="020B0609040504020204" pitchFamily="49" charset="0"/>
+              </a:rPr>
+              <a:t>CoeffX</a:t>
+            </a:r>
+            <a:r>
+              <a:rPr lang="ru-RU" dirty="0">
+                <a:latin typeface="Lucida Console" panose="020B0609040504020204" pitchFamily="49" charset="0"/>
+              </a:rPr>
+              <a:t>)</a:t>
+            </a:r>
+          </a:p>
+          <a:p>
+            <a:r>
+              <a:rPr lang="ru-RU" dirty="0">
+                <a:latin typeface="Lucida Console" panose="020B0609040504020204" pitchFamily="49" charset="0"/>
+              </a:rPr>
+              <a:t>  THEN</a:t>
+            </a:r>
+          </a:p>
+          <a:p>
+            <a:r>
+              <a:rPr lang="ru-RU" dirty="0">
+                <a:latin typeface="Lucida Console" panose="020B0609040504020204" pitchFamily="49" charset="0"/>
+              </a:rPr>
+              <a:t>    IF </a:t>
+            </a:r>
+            <a:r>
+              <a:rPr lang="ru-RU" dirty="0" err="1">
+                <a:latin typeface="Lucida Console" panose="020B0609040504020204" pitchFamily="49" charset="0"/>
+              </a:rPr>
+              <a:t>ReadIntegerInRange</a:t>
+            </a:r>
+            <a:r>
+              <a:rPr lang="ru-RU" dirty="0">
+                <a:latin typeface="Lucida Console" panose="020B0609040504020204" pitchFamily="49" charset="0"/>
+              </a:rPr>
+              <a:t>(</a:t>
+            </a:r>
+            <a:r>
+              <a:rPr lang="ru-RU" dirty="0" err="1">
+                <a:latin typeface="Lucida Console" panose="020B0609040504020204" pitchFamily="49" charset="0"/>
+              </a:rPr>
+              <a:t>CoeffY</a:t>
+            </a:r>
+            <a:r>
+              <a:rPr lang="ru-RU" dirty="0">
+                <a:latin typeface="Lucida Console" panose="020B0609040504020204" pitchFamily="49" charset="0"/>
+              </a:rPr>
+              <a:t>)</a:t>
+            </a:r>
+          </a:p>
+          <a:p>
+            <a:r>
+              <a:rPr lang="ru-RU" dirty="0">
+                <a:latin typeface="Lucida Console" panose="020B0609040504020204" pitchFamily="49" charset="0"/>
+              </a:rPr>
+              <a:t>    THEN</a:t>
+            </a:r>
+          </a:p>
+          <a:p>
+            <a:r>
+              <a:rPr lang="ru-RU" dirty="0">
+                <a:latin typeface="Lucida Console" panose="020B0609040504020204" pitchFamily="49" charset="0"/>
+              </a:rPr>
+              <a:t>      BEGIN</a:t>
+            </a:r>
+          </a:p>
+          <a:p>
+            <a:r>
+              <a:rPr lang="ru-RU" dirty="0">
+                <a:latin typeface="Lucida Console" panose="020B0609040504020204" pitchFamily="49" charset="0"/>
+              </a:rPr>
+              <a:t>        </a:t>
+            </a:r>
+            <a:r>
+              <a:rPr lang="ru-RU" dirty="0" err="1">
+                <a:latin typeface="Lucida Console" panose="020B0609040504020204" pitchFamily="49" charset="0"/>
+              </a:rPr>
+              <a:t>PrintEquation</a:t>
+            </a:r>
+            <a:r>
+              <a:rPr lang="ru-RU" dirty="0">
+                <a:latin typeface="Lucida Console" panose="020B0609040504020204" pitchFamily="49" charset="0"/>
+              </a:rPr>
+              <a:t>(</a:t>
+            </a:r>
+            <a:r>
+              <a:rPr lang="ru-RU" dirty="0" err="1">
+                <a:latin typeface="Lucida Console" panose="020B0609040504020204" pitchFamily="49" charset="0"/>
+              </a:rPr>
+              <a:t>CoeffX</a:t>
+            </a:r>
+            <a:r>
+              <a:rPr lang="ru-RU" dirty="0">
+                <a:latin typeface="Lucida Console" panose="020B0609040504020204" pitchFamily="49" charset="0"/>
+              </a:rPr>
+              <a:t>, </a:t>
+            </a:r>
+            <a:r>
+              <a:rPr lang="ru-RU" dirty="0" err="1">
+                <a:latin typeface="Lucida Console" panose="020B0609040504020204" pitchFamily="49" charset="0"/>
+              </a:rPr>
+              <a:t>CoeffY</a:t>
+            </a:r>
+            <a:r>
+              <a:rPr lang="ru-RU" dirty="0">
+                <a:latin typeface="Lucida Console" panose="020B0609040504020204" pitchFamily="49" charset="0"/>
+              </a:rPr>
+              <a:t>);</a:t>
+            </a:r>
+          </a:p>
+          <a:p>
+            <a:r>
+              <a:rPr lang="ru-RU" dirty="0">
+                <a:latin typeface="Lucida Console" panose="020B0609040504020204" pitchFamily="49" charset="0"/>
+              </a:rPr>
+              <a:t>        WRITELN</a:t>
+            </a:r>
+          </a:p>
+          <a:p>
+            <a:r>
+              <a:rPr lang="ru-RU" dirty="0">
+                <a:latin typeface="Lucida Console" panose="020B0609040504020204" pitchFamily="49" charset="0"/>
+              </a:rPr>
+              <a:t>      END</a:t>
+            </a:r>
+          </a:p>
+          <a:p>
+            <a:r>
+              <a:rPr lang="ru-RU" dirty="0">
+                <a:latin typeface="Lucida Console" panose="020B0609040504020204" pitchFamily="49" charset="0"/>
+              </a:rPr>
+              <a:t>    ELSE</a:t>
+            </a:r>
+          </a:p>
+          <a:p>
+            <a:r>
+              <a:rPr lang="ru-RU" dirty="0">
+                <a:latin typeface="Lucida Console" panose="020B0609040504020204" pitchFamily="49" charset="0"/>
+              </a:rPr>
+              <a:t>      WRITELN('ERROR')</a:t>
+            </a:r>
+          </a:p>
+          <a:p>
+            <a:r>
+              <a:rPr lang="ru-RU" dirty="0">
+                <a:latin typeface="Lucida Console" panose="020B0609040504020204" pitchFamily="49" charset="0"/>
+              </a:rPr>
+              <a:t>  ELSE</a:t>
+            </a:r>
+          </a:p>
+          <a:p>
+            <a:r>
+              <a:rPr lang="ru-RU" dirty="0">
+                <a:latin typeface="Lucida Console" panose="020B0609040504020204" pitchFamily="49" charset="0"/>
+              </a:rPr>
+              <a:t>    WRITELN('ERROR')</a:t>
+            </a:r>
+          </a:p>
+          <a:p>
+            <a:r>
+              <a:rPr lang="ru-RU" dirty="0">
+                <a:latin typeface="Lucida Console" panose="020B0609040504020204" pitchFamily="49" charset="0"/>
+              </a:rPr>
+              <a:t>END;</a:t>
+            </a:r>
+          </a:p>
+          <a:p>
+            <a:endParaRPr lang="ru-RU" dirty="0">
+              <a:latin typeface="Lucida Console" panose="020B0609040504020204" pitchFamily="49" charset="0"/>
+            </a:endParaRPr>
+          </a:p>
+          <a:p>
+            <a:r>
+              <a:rPr lang="ru-RU" dirty="0">
+                <a:latin typeface="Lucida Console" panose="020B0609040504020204" pitchFamily="49" charset="0"/>
+              </a:rPr>
+              <a:t>BEGIN</a:t>
+            </a:r>
+          </a:p>
+          <a:p>
+            <a:r>
+              <a:rPr lang="ru-RU" dirty="0">
+                <a:latin typeface="Lucida Console" panose="020B0609040504020204" pitchFamily="49" charset="0"/>
+              </a:rPr>
+              <a:t>  </a:t>
+            </a:r>
+            <a:r>
+              <a:rPr lang="ru-RU" dirty="0" err="1">
+                <a:latin typeface="Lucida Console" panose="020B0609040504020204" pitchFamily="49" charset="0"/>
+              </a:rPr>
+              <a:t>ReadAndPrintEquation</a:t>
+            </a:r>
+            <a:endParaRPr lang="ru-RU" dirty="0">
+              <a:latin typeface="Lucida Console" panose="020B0609040504020204" pitchFamily="49" charset="0"/>
+            </a:endParaRPr>
+          </a:p>
+          <a:p>
+            <a:r>
+              <a:rPr lang="ru-RU" dirty="0">
+                <a:latin typeface="Lucida Console" panose="020B0609040504020204" pitchFamily="49" charset="0"/>
+              </a:rPr>
+              <a:t>END.</a:t>
+            </a:r>
+          </a:p>
+        </p:txBody>
+      </p:sp>
+    </p:spTree>
+    <p:extLst>
+      <p:ext uri="{BB962C8B-B14F-4D97-AF65-F5344CB8AC3E}">
+        <p14:creationId xmlns:p14="http://schemas.microsoft.com/office/powerpoint/2010/main" val="2168095926"/>
+      </p:ext>
+    </p:extLst>
+  </p:cSld>
+  <p:clrMapOvr>
+    <a:masterClrMapping/>
+  </p:clrMapOvr>
+</p:sld>
+</file>
+
+<file path=ppt/slides/slide34.xml><?xml version="1.0" encoding="utf-8"?>
+<p:sld xmlns:a="http://schemas.openxmlformats.org/drawingml/2006/main" xmlns:r="http://schemas.openxmlformats.org/officeDocument/2006/relationships" xmlns:p="http://schemas.openxmlformats.org/presentationml/2006/main">
+  <p:cSld>
+    <p:spTree>
+      <p:nvGrpSpPr>
+        <p:cNvPr id="1" name=""/>
+        <p:cNvGrpSpPr/>
+        <p:nvPr/>
+      </p:nvGrpSpPr>
+      <p:grpSpPr>
+        <a:xfrm>
+          <a:off x="0" y="0"/>
+          <a:ext cx="0" cy="0"/>
+          <a:chOff x="0" y="0"/>
+          <a:chExt cx="0" cy="0"/>
+        </a:xfrm>
+      </p:grpSpPr>
+      <p:sp>
+        <p:nvSpPr>
+          <p:cNvPr id="2" name="Rectangle 1"/>
+          <p:cNvSpPr/>
+          <p:nvPr/>
+        </p:nvSpPr>
+        <p:spPr>
+          <a:xfrm>
+            <a:off x="0" y="184208"/>
+            <a:ext cx="9085007" cy="4939814"/>
+          </a:xfrm>
+          <a:prstGeom prst="rect">
+            <a:avLst/>
+          </a:prstGeom>
+        </p:spPr>
+        <p:txBody>
+          <a:bodyPr wrap="square">
+            <a:spAutoFit/>
+          </a:bodyPr>
+          <a:lstStyle/>
+          <a:p>
+            <a:r>
+              <a:rPr lang="ru-RU" sz="1500" dirty="0">
+                <a:latin typeface="Lucida Console" panose="020B0609040504020204" pitchFamily="49" charset="0"/>
+              </a:rPr>
+              <a:t>CONST</a:t>
+            </a:r>
+          </a:p>
+          <a:p>
+            <a:r>
+              <a:rPr lang="ru-RU" sz="1500" dirty="0">
+                <a:latin typeface="Lucida Console" panose="020B0609040504020204" pitchFamily="49" charset="0"/>
+              </a:rPr>
+              <a:t>  </a:t>
+            </a:r>
+            <a:r>
+              <a:rPr lang="ru-RU" sz="1500" dirty="0" err="1">
+                <a:latin typeface="Lucida Console" panose="020B0609040504020204" pitchFamily="49" charset="0"/>
+              </a:rPr>
+              <a:t>MaxValue</a:t>
+            </a:r>
+            <a:r>
+              <a:rPr lang="ru-RU" sz="1500" dirty="0">
+                <a:latin typeface="Lucida Console" panose="020B0609040504020204" pitchFamily="49" charset="0"/>
+              </a:rPr>
+              <a:t> = 100;</a:t>
+            </a:r>
+          </a:p>
+          <a:p>
+            <a:r>
+              <a:rPr lang="ru-RU" sz="1500" dirty="0">
+                <a:latin typeface="Lucida Console" panose="020B0609040504020204" pitchFamily="49" charset="0"/>
+              </a:rPr>
+              <a:t>  </a:t>
+            </a:r>
+            <a:r>
+              <a:rPr lang="ru-RU" sz="1500" dirty="0" err="1">
+                <a:latin typeface="Lucida Console" panose="020B0609040504020204" pitchFamily="49" charset="0"/>
+              </a:rPr>
+              <a:t>MinValue</a:t>
+            </a:r>
+            <a:r>
+              <a:rPr lang="ru-RU" sz="1500" dirty="0">
+                <a:latin typeface="Lucida Console" panose="020B0609040504020204" pitchFamily="49" charset="0"/>
+              </a:rPr>
+              <a:t> = -100;</a:t>
+            </a:r>
+          </a:p>
+          <a:p>
+            <a:endParaRPr lang="ru-RU" sz="1500" dirty="0">
+              <a:latin typeface="Lucida Console" panose="020B0609040504020204" pitchFamily="49" charset="0"/>
+            </a:endParaRPr>
+          </a:p>
+          <a:p>
+            <a:r>
+              <a:rPr lang="ru-RU" sz="1500" dirty="0">
+                <a:latin typeface="Lucida Console" panose="020B0609040504020204" pitchFamily="49" charset="0"/>
+              </a:rPr>
+              <a:t>{Читает число из входного потока}</a:t>
+            </a:r>
+          </a:p>
+          <a:p>
+            <a:r>
+              <a:rPr lang="ru-RU" sz="1500" dirty="0">
+                <a:latin typeface="Lucida Console" panose="020B0609040504020204" pitchFamily="49" charset="0"/>
+              </a:rPr>
+              <a:t>{Возвращает TRUE, если оно введено корректно и входит в допустимый диапазон}</a:t>
+            </a:r>
+          </a:p>
+          <a:p>
+            <a:r>
+              <a:rPr lang="ru-RU" sz="1500" dirty="0">
+                <a:latin typeface="Lucida Console" panose="020B0609040504020204" pitchFamily="49" charset="0"/>
+              </a:rPr>
+              <a:t>{Иначе возвращает FALSE}</a:t>
+            </a:r>
+          </a:p>
+          <a:p>
+            <a:r>
+              <a:rPr lang="ru-RU" sz="1500" dirty="0">
+                <a:latin typeface="Lucida Console" panose="020B0609040504020204" pitchFamily="49" charset="0"/>
+              </a:rPr>
+              <a:t>FUNCTION </a:t>
+            </a:r>
+            <a:r>
+              <a:rPr lang="ru-RU" sz="1500" dirty="0" err="1">
+                <a:latin typeface="Lucida Console" panose="020B0609040504020204" pitchFamily="49" charset="0"/>
+              </a:rPr>
+              <a:t>ReadIntegerInRange</a:t>
+            </a:r>
+            <a:r>
+              <a:rPr lang="ru-RU" sz="1500" dirty="0">
+                <a:latin typeface="Lucida Console" panose="020B0609040504020204" pitchFamily="49" charset="0"/>
+              </a:rPr>
+              <a:t>(VAR </a:t>
+            </a:r>
+            <a:r>
+              <a:rPr lang="ru-RU" sz="1500" dirty="0" err="1">
+                <a:latin typeface="Lucida Console" panose="020B0609040504020204" pitchFamily="49" charset="0"/>
+              </a:rPr>
+              <a:t>Value</a:t>
+            </a:r>
+            <a:r>
+              <a:rPr lang="ru-RU" sz="1500" dirty="0">
+                <a:latin typeface="Lucida Console" panose="020B0609040504020204" pitchFamily="49" charset="0"/>
+              </a:rPr>
+              <a:t>: INTEGER): BOOLEAN;</a:t>
+            </a:r>
+          </a:p>
+          <a:p>
+            <a:r>
+              <a:rPr lang="ru-RU" sz="1500" dirty="0">
+                <a:latin typeface="Lucida Console" panose="020B0609040504020204" pitchFamily="49" charset="0"/>
+              </a:rPr>
+              <a:t>VAR</a:t>
+            </a:r>
+          </a:p>
+          <a:p>
+            <a:r>
+              <a:rPr lang="ru-RU" sz="1500" dirty="0">
+                <a:latin typeface="Lucida Console" panose="020B0609040504020204" pitchFamily="49" charset="0"/>
+              </a:rPr>
+              <a:t>  </a:t>
+            </a:r>
+            <a:r>
+              <a:rPr lang="ru-RU" sz="1500" dirty="0" err="1">
+                <a:latin typeface="Lucida Console" panose="020B0609040504020204" pitchFamily="49" charset="0"/>
+              </a:rPr>
+              <a:t>Buffer</a:t>
+            </a:r>
+            <a:r>
+              <a:rPr lang="ru-RU" sz="1500" dirty="0">
+                <a:latin typeface="Lucida Console" panose="020B0609040504020204" pitchFamily="49" charset="0"/>
+              </a:rPr>
+              <a:t>: STRING;</a:t>
+            </a:r>
+          </a:p>
+          <a:p>
+            <a:r>
+              <a:rPr lang="ru-RU" sz="1500" dirty="0">
+                <a:latin typeface="Lucida Console" panose="020B0609040504020204" pitchFamily="49" charset="0"/>
+              </a:rPr>
+              <a:t>  </a:t>
+            </a:r>
+            <a:r>
+              <a:rPr lang="ru-RU" sz="1500" dirty="0" err="1">
+                <a:latin typeface="Lucida Console" panose="020B0609040504020204" pitchFamily="49" charset="0"/>
+              </a:rPr>
+              <a:t>ErrorCode</a:t>
+            </a:r>
+            <a:r>
+              <a:rPr lang="ru-RU" sz="1500" dirty="0">
+                <a:latin typeface="Lucida Console" panose="020B0609040504020204" pitchFamily="49" charset="0"/>
+              </a:rPr>
+              <a:t>: INTEGER;</a:t>
+            </a:r>
+          </a:p>
+          <a:p>
+            <a:r>
+              <a:rPr lang="ru-RU" sz="1500" dirty="0">
+                <a:latin typeface="Lucida Console" panose="020B0609040504020204" pitchFamily="49" charset="0"/>
+              </a:rPr>
+              <a:t>BEGIN</a:t>
+            </a:r>
+          </a:p>
+          <a:p>
+            <a:r>
+              <a:rPr lang="ru-RU" sz="1500" dirty="0">
+                <a:latin typeface="Lucida Console" panose="020B0609040504020204" pitchFamily="49" charset="0"/>
+              </a:rPr>
+              <a:t>  READLN(</a:t>
+            </a:r>
+            <a:r>
+              <a:rPr lang="ru-RU" sz="1500" dirty="0" err="1">
+                <a:latin typeface="Lucida Console" panose="020B0609040504020204" pitchFamily="49" charset="0"/>
+              </a:rPr>
+              <a:t>Buffer</a:t>
+            </a:r>
+            <a:r>
+              <a:rPr lang="ru-RU" sz="1500" dirty="0">
+                <a:latin typeface="Lucida Console" panose="020B0609040504020204" pitchFamily="49" charset="0"/>
+              </a:rPr>
+              <a:t>);</a:t>
+            </a:r>
+          </a:p>
+          <a:p>
+            <a:r>
+              <a:rPr lang="ru-RU" sz="1500" dirty="0">
+                <a:latin typeface="Lucida Console" panose="020B0609040504020204" pitchFamily="49" charset="0"/>
+              </a:rPr>
+              <a:t>  VAL(</a:t>
+            </a:r>
+            <a:r>
+              <a:rPr lang="ru-RU" sz="1500" dirty="0" err="1">
+                <a:latin typeface="Lucida Console" panose="020B0609040504020204" pitchFamily="49" charset="0"/>
+              </a:rPr>
+              <a:t>Buffer</a:t>
+            </a:r>
+            <a:r>
+              <a:rPr lang="ru-RU" sz="1500" dirty="0">
+                <a:latin typeface="Lucida Console" panose="020B0609040504020204" pitchFamily="49" charset="0"/>
+              </a:rPr>
+              <a:t>, </a:t>
+            </a:r>
+            <a:r>
+              <a:rPr lang="ru-RU" sz="1500" dirty="0" err="1">
+                <a:latin typeface="Lucida Console" panose="020B0609040504020204" pitchFamily="49" charset="0"/>
+              </a:rPr>
+              <a:t>Value</a:t>
+            </a:r>
+            <a:r>
+              <a:rPr lang="ru-RU" sz="1500" dirty="0">
+                <a:latin typeface="Lucida Console" panose="020B0609040504020204" pitchFamily="49" charset="0"/>
+              </a:rPr>
+              <a:t>, </a:t>
+            </a:r>
+            <a:r>
+              <a:rPr lang="ru-RU" sz="1500" dirty="0" err="1">
+                <a:latin typeface="Lucida Console" panose="020B0609040504020204" pitchFamily="49" charset="0"/>
+              </a:rPr>
+              <a:t>ErrorCode</a:t>
+            </a:r>
+            <a:r>
+              <a:rPr lang="ru-RU" sz="1500" dirty="0">
+                <a:latin typeface="Lucida Console" panose="020B0609040504020204" pitchFamily="49" charset="0"/>
+              </a:rPr>
+              <a:t>);</a:t>
+            </a:r>
+          </a:p>
+          <a:p>
+            <a:r>
+              <a:rPr lang="ru-RU" sz="1500" dirty="0">
+                <a:latin typeface="Lucida Console" panose="020B0609040504020204" pitchFamily="49" charset="0"/>
+              </a:rPr>
+              <a:t>  { была ошибка в преобразовании? }</a:t>
+            </a:r>
+          </a:p>
+          <a:p>
+            <a:r>
+              <a:rPr lang="ru-RU" sz="1500" dirty="0">
+                <a:latin typeface="Lucida Console" panose="020B0609040504020204" pitchFamily="49" charset="0"/>
+              </a:rPr>
+              <a:t>  IF </a:t>
+            </a:r>
+            <a:r>
+              <a:rPr lang="ru-RU" sz="1500" dirty="0" err="1">
+                <a:latin typeface="Lucida Console" panose="020B0609040504020204" pitchFamily="49" charset="0"/>
+              </a:rPr>
+              <a:t>ErrorCode</a:t>
+            </a:r>
+            <a:r>
+              <a:rPr lang="ru-RU" sz="1500" dirty="0">
+                <a:latin typeface="Lucida Console" panose="020B0609040504020204" pitchFamily="49" charset="0"/>
+              </a:rPr>
+              <a:t> &lt;&gt; 0</a:t>
+            </a:r>
+          </a:p>
+          <a:p>
+            <a:r>
+              <a:rPr lang="ru-RU" sz="1500" dirty="0">
+                <a:latin typeface="Lucida Console" panose="020B0609040504020204" pitchFamily="49" charset="0"/>
+              </a:rPr>
+              <a:t>  THEN</a:t>
+            </a:r>
+          </a:p>
+          <a:p>
+            <a:r>
+              <a:rPr lang="ru-RU" sz="1500" dirty="0">
+                <a:latin typeface="Lucida Console" panose="020B0609040504020204" pitchFamily="49" charset="0"/>
+              </a:rPr>
+              <a:t>    </a:t>
+            </a:r>
+            <a:r>
+              <a:rPr lang="ru-RU" sz="1500" dirty="0" err="1">
+                <a:latin typeface="Lucida Console" panose="020B0609040504020204" pitchFamily="49" charset="0"/>
+              </a:rPr>
+              <a:t>ReadIntegerInRange</a:t>
+            </a:r>
+            <a:r>
+              <a:rPr lang="ru-RU" sz="1500" dirty="0">
+                <a:latin typeface="Lucida Console" panose="020B0609040504020204" pitchFamily="49" charset="0"/>
+              </a:rPr>
+              <a:t> := FALSE</a:t>
+            </a:r>
+          </a:p>
+          <a:p>
+            <a:r>
+              <a:rPr lang="ru-RU" sz="1500" dirty="0">
+                <a:latin typeface="Lucida Console" panose="020B0609040504020204" pitchFamily="49" charset="0"/>
+              </a:rPr>
+              <a:t>  ELSE</a:t>
+            </a:r>
+          </a:p>
+          <a:p>
+            <a:r>
+              <a:rPr lang="ru-RU" sz="1500" dirty="0">
+                <a:latin typeface="Lucida Console" panose="020B0609040504020204" pitchFamily="49" charset="0"/>
+              </a:rPr>
+              <a:t>    </a:t>
+            </a:r>
+            <a:r>
+              <a:rPr lang="ru-RU" sz="1500" dirty="0" err="1">
+                <a:latin typeface="Lucida Console" panose="020B0609040504020204" pitchFamily="49" charset="0"/>
+              </a:rPr>
+              <a:t>ReadIntegerInRange</a:t>
+            </a:r>
+            <a:r>
+              <a:rPr lang="ru-RU" sz="1500" dirty="0">
+                <a:latin typeface="Lucida Console" panose="020B0609040504020204" pitchFamily="49" charset="0"/>
+              </a:rPr>
+              <a:t> := (</a:t>
+            </a:r>
+            <a:r>
+              <a:rPr lang="ru-RU" sz="1500" dirty="0" err="1">
+                <a:latin typeface="Lucida Console" panose="020B0609040504020204" pitchFamily="49" charset="0"/>
+              </a:rPr>
+              <a:t>Value</a:t>
+            </a:r>
+            <a:r>
+              <a:rPr lang="ru-RU" sz="1500" dirty="0">
+                <a:latin typeface="Lucida Console" panose="020B0609040504020204" pitchFamily="49" charset="0"/>
+              </a:rPr>
+              <a:t> &gt; </a:t>
+            </a:r>
+            <a:r>
+              <a:rPr lang="ru-RU" sz="1500" dirty="0" err="1">
+                <a:latin typeface="Lucida Console" panose="020B0609040504020204" pitchFamily="49" charset="0"/>
+              </a:rPr>
+              <a:t>MinValue</a:t>
+            </a:r>
+            <a:r>
+              <a:rPr lang="ru-RU" sz="1500" dirty="0">
+                <a:latin typeface="Lucida Console" panose="020B0609040504020204" pitchFamily="49" charset="0"/>
+              </a:rPr>
+              <a:t>) AND (</a:t>
+            </a:r>
+            <a:r>
+              <a:rPr lang="ru-RU" sz="1500" dirty="0" err="1">
+                <a:latin typeface="Lucida Console" panose="020B0609040504020204" pitchFamily="49" charset="0"/>
+              </a:rPr>
+              <a:t>Value</a:t>
+            </a:r>
+            <a:r>
+              <a:rPr lang="ru-RU" sz="1500" dirty="0">
+                <a:latin typeface="Lucida Console" panose="020B0609040504020204" pitchFamily="49" charset="0"/>
+              </a:rPr>
+              <a:t> &lt; </a:t>
+            </a:r>
+            <a:r>
+              <a:rPr lang="ru-RU" sz="1500" dirty="0" err="1">
+                <a:latin typeface="Lucida Console" panose="020B0609040504020204" pitchFamily="49" charset="0"/>
+              </a:rPr>
+              <a:t>MaxValue</a:t>
+            </a:r>
+            <a:r>
+              <a:rPr lang="ru-RU" sz="1500" dirty="0">
+                <a:latin typeface="Lucida Console" panose="020B0609040504020204" pitchFamily="49" charset="0"/>
+              </a:rPr>
+              <a:t>)</a:t>
+            </a:r>
+          </a:p>
+          <a:p>
+            <a:r>
+              <a:rPr lang="ru-RU" sz="1500" dirty="0">
+                <a:latin typeface="Lucida Console" panose="020B0609040504020204" pitchFamily="49" charset="0"/>
+              </a:rPr>
+              <a:t>END;</a:t>
+            </a:r>
+          </a:p>
+        </p:txBody>
+      </p:sp>
+    </p:spTree>
+    <p:extLst>
+      <p:ext uri="{BB962C8B-B14F-4D97-AF65-F5344CB8AC3E}">
+        <p14:creationId xmlns:p14="http://schemas.microsoft.com/office/powerpoint/2010/main" val="3422879731"/>
+      </p:ext>
+    </p:extLst>
+  </p:cSld>
+  <p:clrMapOvr>
+    <a:masterClrMapping/>
+  </p:clrMapOvr>
+</p:sld>
+</file>
+
+<file path=ppt/slides/slide35.xml><?xml version="1.0" encoding="utf-8"?>
+<p:sld xmlns:a="http://schemas.openxmlformats.org/drawingml/2006/main" xmlns:r="http://schemas.openxmlformats.org/officeDocument/2006/relationships" xmlns:p="http://schemas.openxmlformats.org/presentationml/2006/main">
+  <p:cSld>
+    <p:spTree>
+      <p:nvGrpSpPr>
+        <p:cNvPr id="1" name=""/>
+        <p:cNvGrpSpPr/>
+        <p:nvPr/>
+      </p:nvGrpSpPr>
+      <p:grpSpPr>
+        <a:xfrm>
+          <a:off x="0" y="0"/>
+          <a:ext cx="0" cy="0"/>
+          <a:chOff x="0" y="0"/>
+          <a:chExt cx="0" cy="0"/>
+        </a:xfrm>
+      </p:grpSpPr>
+      <p:sp>
+        <p:nvSpPr>
+          <p:cNvPr id="2" name="Rectangle 1"/>
+          <p:cNvSpPr/>
+          <p:nvPr/>
+        </p:nvSpPr>
+        <p:spPr>
+          <a:xfrm>
+            <a:off x="0" y="834473"/>
+            <a:ext cx="9144000" cy="4278094"/>
+          </a:xfrm>
+          <a:prstGeom prst="rect">
+            <a:avLst/>
+          </a:prstGeom>
+        </p:spPr>
+        <p:txBody>
+          <a:bodyPr wrap="square">
+            <a:spAutoFit/>
+          </a:bodyPr>
+          <a:lstStyle/>
+          <a:p>
+            <a:r>
+              <a:rPr lang="ru-RU" sz="1600" dirty="0" smtClean="0">
+                <a:latin typeface="Consolas" panose="020B0609020204030204" pitchFamily="49" charset="0"/>
+                <a:cs typeface="Consolas" panose="020B0609020204030204" pitchFamily="49" charset="0"/>
+              </a:rPr>
+              <a:t>{</a:t>
+            </a:r>
+            <a:r>
+              <a:rPr lang="ru-RU" sz="1600" dirty="0">
+                <a:latin typeface="Consolas" panose="020B0609020204030204" pitchFamily="49" charset="0"/>
+                <a:cs typeface="Consolas" panose="020B0609020204030204" pitchFamily="49" charset="0"/>
+              </a:rPr>
+              <a:t>Печатает уравнение, в котором и </a:t>
+            </a:r>
+            <a:r>
+              <a:rPr lang="ru-RU" sz="1600" dirty="0" err="1">
+                <a:latin typeface="Consolas" panose="020B0609020204030204" pitchFamily="49" charset="0"/>
+                <a:cs typeface="Consolas" panose="020B0609020204030204" pitchFamily="49" charset="0"/>
+              </a:rPr>
+              <a:t>CoeffX</a:t>
+            </a:r>
+            <a:r>
+              <a:rPr lang="ru-RU" sz="1600" dirty="0">
+                <a:latin typeface="Consolas" panose="020B0609020204030204" pitchFamily="49" charset="0"/>
+                <a:cs typeface="Consolas" panose="020B0609020204030204" pitchFamily="49" charset="0"/>
+              </a:rPr>
+              <a:t>, и </a:t>
+            </a:r>
+            <a:r>
+              <a:rPr lang="ru-RU" sz="1600" dirty="0" err="1">
+                <a:latin typeface="Consolas" panose="020B0609020204030204" pitchFamily="49" charset="0"/>
+                <a:cs typeface="Consolas" panose="020B0609020204030204" pitchFamily="49" charset="0"/>
+              </a:rPr>
+              <a:t>CoeffY</a:t>
+            </a:r>
+            <a:r>
+              <a:rPr lang="ru-RU" sz="1600" dirty="0">
+                <a:latin typeface="Consolas" panose="020B0609020204030204" pitchFamily="49" charset="0"/>
+                <a:cs typeface="Consolas" panose="020B0609020204030204" pitchFamily="49" charset="0"/>
+              </a:rPr>
+              <a:t> могут быть равны нулю}</a:t>
+            </a:r>
+          </a:p>
+          <a:p>
+            <a:r>
+              <a:rPr lang="ru-RU" sz="1600" dirty="0">
+                <a:latin typeface="Consolas" panose="020B0609020204030204" pitchFamily="49" charset="0"/>
+                <a:cs typeface="Consolas" panose="020B0609020204030204" pitchFamily="49" charset="0"/>
+              </a:rPr>
+              <a:t>PROCEDURE </a:t>
+            </a:r>
+            <a:r>
+              <a:rPr lang="ru-RU" sz="1600" dirty="0" err="1">
+                <a:latin typeface="Consolas" panose="020B0609020204030204" pitchFamily="49" charset="0"/>
+                <a:cs typeface="Consolas" panose="020B0609020204030204" pitchFamily="49" charset="0"/>
+              </a:rPr>
+              <a:t>PrintEquation</a:t>
+            </a:r>
+            <a:r>
+              <a:rPr lang="ru-RU" sz="1600" dirty="0">
+                <a:latin typeface="Consolas" panose="020B0609020204030204" pitchFamily="49" charset="0"/>
+                <a:cs typeface="Consolas" panose="020B0609020204030204" pitchFamily="49" charset="0"/>
+              </a:rPr>
+              <a:t>(</a:t>
+            </a:r>
+            <a:r>
+              <a:rPr lang="ru-RU" sz="1600" dirty="0" err="1">
+                <a:latin typeface="Consolas" panose="020B0609020204030204" pitchFamily="49" charset="0"/>
+                <a:cs typeface="Consolas" panose="020B0609020204030204" pitchFamily="49" charset="0"/>
+              </a:rPr>
+              <a:t>CoeffX</a:t>
+            </a:r>
+            <a:r>
+              <a:rPr lang="ru-RU" sz="1600" dirty="0">
+                <a:latin typeface="Consolas" panose="020B0609020204030204" pitchFamily="49" charset="0"/>
+                <a:cs typeface="Consolas" panose="020B0609020204030204" pitchFamily="49" charset="0"/>
+              </a:rPr>
+              <a:t>, </a:t>
+            </a:r>
+            <a:r>
+              <a:rPr lang="ru-RU" sz="1600" dirty="0" err="1">
+                <a:latin typeface="Consolas" panose="020B0609020204030204" pitchFamily="49" charset="0"/>
+                <a:cs typeface="Consolas" panose="020B0609020204030204" pitchFamily="49" charset="0"/>
+              </a:rPr>
+              <a:t>CoeffY</a:t>
+            </a:r>
+            <a:r>
+              <a:rPr lang="ru-RU" sz="1600" dirty="0">
+                <a:latin typeface="Consolas" panose="020B0609020204030204" pitchFamily="49" charset="0"/>
+                <a:cs typeface="Consolas" panose="020B0609020204030204" pitchFamily="49" charset="0"/>
+              </a:rPr>
+              <a:t>: INTEGER);</a:t>
+            </a:r>
+          </a:p>
+          <a:p>
+            <a:r>
+              <a:rPr lang="ru-RU" sz="1600" dirty="0">
+                <a:latin typeface="Consolas" panose="020B0609020204030204" pitchFamily="49" charset="0"/>
+                <a:cs typeface="Consolas" panose="020B0609020204030204" pitchFamily="49" charset="0"/>
+              </a:rPr>
+              <a:t>BEGIN</a:t>
+            </a:r>
+          </a:p>
+          <a:p>
+            <a:r>
+              <a:rPr lang="ru-RU" sz="1600" dirty="0">
+                <a:latin typeface="Consolas" panose="020B0609020204030204" pitchFamily="49" charset="0"/>
+                <a:cs typeface="Consolas" panose="020B0609020204030204" pitchFamily="49" charset="0"/>
+              </a:rPr>
+              <a:t>  IF </a:t>
+            </a:r>
+            <a:r>
+              <a:rPr lang="ru-RU" sz="1600" dirty="0" err="1">
+                <a:latin typeface="Consolas" panose="020B0609020204030204" pitchFamily="49" charset="0"/>
+                <a:cs typeface="Consolas" panose="020B0609020204030204" pitchFamily="49" charset="0"/>
+              </a:rPr>
+              <a:t>CoeffX</a:t>
+            </a:r>
+            <a:r>
+              <a:rPr lang="ru-RU" sz="1600" dirty="0">
+                <a:latin typeface="Consolas" panose="020B0609020204030204" pitchFamily="49" charset="0"/>
+                <a:cs typeface="Consolas" panose="020B0609020204030204" pitchFamily="49" charset="0"/>
+              </a:rPr>
+              <a:t> = 0</a:t>
+            </a:r>
+          </a:p>
+          <a:p>
+            <a:r>
+              <a:rPr lang="ru-RU" sz="1600" dirty="0">
+                <a:latin typeface="Consolas" panose="020B0609020204030204" pitchFamily="49" charset="0"/>
+                <a:cs typeface="Consolas" panose="020B0609020204030204" pitchFamily="49" charset="0"/>
+              </a:rPr>
+              <a:t>  THEN</a:t>
+            </a:r>
+          </a:p>
+          <a:p>
+            <a:r>
+              <a:rPr lang="ru-RU" sz="1600" dirty="0">
+                <a:latin typeface="Consolas" panose="020B0609020204030204" pitchFamily="49" charset="0"/>
+                <a:cs typeface="Consolas" panose="020B0609020204030204" pitchFamily="49" charset="0"/>
+              </a:rPr>
+              <a:t>    IF </a:t>
+            </a:r>
+            <a:r>
+              <a:rPr lang="ru-RU" sz="1600" dirty="0" err="1">
+                <a:latin typeface="Consolas" panose="020B0609020204030204" pitchFamily="49" charset="0"/>
+                <a:cs typeface="Consolas" panose="020B0609020204030204" pitchFamily="49" charset="0"/>
+              </a:rPr>
+              <a:t>CoeffY</a:t>
+            </a:r>
+            <a:r>
+              <a:rPr lang="ru-RU" sz="1600" dirty="0">
+                <a:latin typeface="Consolas" panose="020B0609020204030204" pitchFamily="49" charset="0"/>
+                <a:cs typeface="Consolas" panose="020B0609020204030204" pitchFamily="49" charset="0"/>
+              </a:rPr>
+              <a:t> = 0</a:t>
+            </a:r>
+          </a:p>
+          <a:p>
+            <a:r>
+              <a:rPr lang="ru-RU" sz="1600" dirty="0">
+                <a:latin typeface="Consolas" panose="020B0609020204030204" pitchFamily="49" charset="0"/>
+                <a:cs typeface="Consolas" panose="020B0609020204030204" pitchFamily="49" charset="0"/>
+              </a:rPr>
+              <a:t>    THEN</a:t>
+            </a:r>
+          </a:p>
+          <a:p>
+            <a:r>
+              <a:rPr lang="ru-RU" sz="1600" dirty="0">
+                <a:latin typeface="Consolas" panose="020B0609020204030204" pitchFamily="49" charset="0"/>
+                <a:cs typeface="Consolas" panose="020B0609020204030204" pitchFamily="49" charset="0"/>
+              </a:rPr>
+              <a:t>      WRITE('0')</a:t>
+            </a:r>
+          </a:p>
+          <a:p>
+            <a:r>
+              <a:rPr lang="ru-RU" sz="1600" dirty="0">
+                <a:latin typeface="Consolas" panose="020B0609020204030204" pitchFamily="49" charset="0"/>
+                <a:cs typeface="Consolas" panose="020B0609020204030204" pitchFamily="49" charset="0"/>
+              </a:rPr>
+              <a:t>    ELSE</a:t>
+            </a:r>
+          </a:p>
+          <a:p>
+            <a:r>
+              <a:rPr lang="ru-RU" sz="1600" dirty="0">
+                <a:latin typeface="Consolas" panose="020B0609020204030204" pitchFamily="49" charset="0"/>
+                <a:cs typeface="Consolas" panose="020B0609020204030204" pitchFamily="49" charset="0"/>
+              </a:rPr>
+              <a:t>      </a:t>
+            </a:r>
+            <a:r>
+              <a:rPr lang="ru-RU" sz="1600" dirty="0" err="1">
+                <a:latin typeface="Consolas" panose="020B0609020204030204" pitchFamily="49" charset="0"/>
+                <a:cs typeface="Consolas" panose="020B0609020204030204" pitchFamily="49" charset="0"/>
+              </a:rPr>
+              <a:t>PrintMultipleOf</a:t>
+            </a:r>
+            <a:r>
+              <a:rPr lang="ru-RU" sz="1600" dirty="0">
+                <a:latin typeface="Consolas" panose="020B0609020204030204" pitchFamily="49" charset="0"/>
+                <a:cs typeface="Consolas" panose="020B0609020204030204" pitchFamily="49" charset="0"/>
+              </a:rPr>
+              <a:t>(</a:t>
+            </a:r>
+            <a:r>
+              <a:rPr lang="ru-RU" sz="1600" dirty="0" err="1">
+                <a:latin typeface="Consolas" panose="020B0609020204030204" pitchFamily="49" charset="0"/>
+                <a:cs typeface="Consolas" panose="020B0609020204030204" pitchFamily="49" charset="0"/>
+              </a:rPr>
+              <a:t>CoeffY</a:t>
+            </a:r>
+            <a:r>
+              <a:rPr lang="ru-RU" sz="1600" dirty="0">
+                <a:latin typeface="Consolas" panose="020B0609020204030204" pitchFamily="49" charset="0"/>
+                <a:cs typeface="Consolas" panose="020B0609020204030204" pitchFamily="49" charset="0"/>
+              </a:rPr>
+              <a:t>, 'y')</a:t>
+            </a:r>
+          </a:p>
+          <a:p>
+            <a:r>
+              <a:rPr lang="ru-RU" sz="1600" dirty="0">
+                <a:latin typeface="Consolas" panose="020B0609020204030204" pitchFamily="49" charset="0"/>
+                <a:cs typeface="Consolas" panose="020B0609020204030204" pitchFamily="49" charset="0"/>
+              </a:rPr>
+              <a:t>  ELSE</a:t>
+            </a:r>
+          </a:p>
+          <a:p>
+            <a:r>
+              <a:rPr lang="ru-RU" sz="1600" dirty="0">
+                <a:latin typeface="Consolas" panose="020B0609020204030204" pitchFamily="49" charset="0"/>
+                <a:cs typeface="Consolas" panose="020B0609020204030204" pitchFamily="49" charset="0"/>
+              </a:rPr>
+              <a:t>    IF </a:t>
+            </a:r>
+            <a:r>
+              <a:rPr lang="ru-RU" sz="1600" dirty="0" err="1">
+                <a:latin typeface="Consolas" panose="020B0609020204030204" pitchFamily="49" charset="0"/>
+                <a:cs typeface="Consolas" panose="020B0609020204030204" pitchFamily="49" charset="0"/>
+              </a:rPr>
+              <a:t>CoeffY</a:t>
+            </a:r>
+            <a:r>
+              <a:rPr lang="ru-RU" sz="1600" dirty="0">
+                <a:latin typeface="Consolas" panose="020B0609020204030204" pitchFamily="49" charset="0"/>
+                <a:cs typeface="Consolas" panose="020B0609020204030204" pitchFamily="49" charset="0"/>
+              </a:rPr>
+              <a:t> = 0</a:t>
+            </a:r>
+          </a:p>
+          <a:p>
+            <a:r>
+              <a:rPr lang="ru-RU" sz="1600" dirty="0">
+                <a:latin typeface="Consolas" panose="020B0609020204030204" pitchFamily="49" charset="0"/>
+                <a:cs typeface="Consolas" panose="020B0609020204030204" pitchFamily="49" charset="0"/>
+              </a:rPr>
+              <a:t>    THEN</a:t>
+            </a:r>
+          </a:p>
+          <a:p>
+            <a:r>
+              <a:rPr lang="ru-RU" sz="1600" dirty="0">
+                <a:latin typeface="Consolas" panose="020B0609020204030204" pitchFamily="49" charset="0"/>
+                <a:cs typeface="Consolas" panose="020B0609020204030204" pitchFamily="49" charset="0"/>
+              </a:rPr>
+              <a:t>      </a:t>
+            </a:r>
+            <a:r>
+              <a:rPr lang="ru-RU" sz="1600" dirty="0" err="1">
+                <a:latin typeface="Consolas" panose="020B0609020204030204" pitchFamily="49" charset="0"/>
+                <a:cs typeface="Consolas" panose="020B0609020204030204" pitchFamily="49" charset="0"/>
+              </a:rPr>
+              <a:t>PrintMultipleOf</a:t>
+            </a:r>
+            <a:r>
+              <a:rPr lang="ru-RU" sz="1600" dirty="0">
+                <a:latin typeface="Consolas" panose="020B0609020204030204" pitchFamily="49" charset="0"/>
+                <a:cs typeface="Consolas" panose="020B0609020204030204" pitchFamily="49" charset="0"/>
+              </a:rPr>
+              <a:t>(</a:t>
+            </a:r>
+            <a:r>
+              <a:rPr lang="ru-RU" sz="1600" dirty="0" err="1">
+                <a:latin typeface="Consolas" panose="020B0609020204030204" pitchFamily="49" charset="0"/>
+                <a:cs typeface="Consolas" panose="020B0609020204030204" pitchFamily="49" charset="0"/>
+              </a:rPr>
+              <a:t>CoeffX</a:t>
+            </a:r>
+            <a:r>
+              <a:rPr lang="ru-RU" sz="1600" dirty="0">
+                <a:latin typeface="Consolas" panose="020B0609020204030204" pitchFamily="49" charset="0"/>
+                <a:cs typeface="Consolas" panose="020B0609020204030204" pitchFamily="49" charset="0"/>
+              </a:rPr>
+              <a:t>, 'x')</a:t>
+            </a:r>
+          </a:p>
+          <a:p>
+            <a:r>
+              <a:rPr lang="ru-RU" sz="1600" dirty="0">
+                <a:latin typeface="Consolas" panose="020B0609020204030204" pitchFamily="49" charset="0"/>
+                <a:cs typeface="Consolas" panose="020B0609020204030204" pitchFamily="49" charset="0"/>
+              </a:rPr>
+              <a:t>    ELSE</a:t>
+            </a:r>
+          </a:p>
+          <a:p>
+            <a:r>
+              <a:rPr lang="ru-RU" sz="1600" dirty="0">
+                <a:latin typeface="Consolas" panose="020B0609020204030204" pitchFamily="49" charset="0"/>
+                <a:cs typeface="Consolas" panose="020B0609020204030204" pitchFamily="49" charset="0"/>
+              </a:rPr>
+              <a:t>      </a:t>
+            </a:r>
+            <a:r>
+              <a:rPr lang="ru-RU" sz="1600" dirty="0" err="1">
+                <a:latin typeface="Consolas" panose="020B0609020204030204" pitchFamily="49" charset="0"/>
+                <a:cs typeface="Consolas" panose="020B0609020204030204" pitchFamily="49" charset="0"/>
+              </a:rPr>
+              <a:t>PrintNormalizedEquation</a:t>
+            </a:r>
+            <a:r>
+              <a:rPr lang="ru-RU" sz="1600" dirty="0">
+                <a:latin typeface="Consolas" panose="020B0609020204030204" pitchFamily="49" charset="0"/>
+                <a:cs typeface="Consolas" panose="020B0609020204030204" pitchFamily="49" charset="0"/>
+              </a:rPr>
+              <a:t>(</a:t>
+            </a:r>
+            <a:r>
+              <a:rPr lang="ru-RU" sz="1600" dirty="0" err="1">
+                <a:latin typeface="Consolas" panose="020B0609020204030204" pitchFamily="49" charset="0"/>
+                <a:cs typeface="Consolas" panose="020B0609020204030204" pitchFamily="49" charset="0"/>
+              </a:rPr>
+              <a:t>CoeffX</a:t>
+            </a:r>
+            <a:r>
+              <a:rPr lang="ru-RU" sz="1600" dirty="0">
+                <a:latin typeface="Consolas" panose="020B0609020204030204" pitchFamily="49" charset="0"/>
+                <a:cs typeface="Consolas" panose="020B0609020204030204" pitchFamily="49" charset="0"/>
+              </a:rPr>
+              <a:t>, </a:t>
+            </a:r>
+            <a:r>
+              <a:rPr lang="ru-RU" sz="1600" dirty="0" err="1">
+                <a:latin typeface="Consolas" panose="020B0609020204030204" pitchFamily="49" charset="0"/>
+                <a:cs typeface="Consolas" panose="020B0609020204030204" pitchFamily="49" charset="0"/>
+              </a:rPr>
+              <a:t>CoeffY</a:t>
+            </a:r>
+            <a:r>
+              <a:rPr lang="ru-RU" sz="1600" dirty="0">
+                <a:latin typeface="Consolas" panose="020B0609020204030204" pitchFamily="49" charset="0"/>
+                <a:cs typeface="Consolas" panose="020B0609020204030204" pitchFamily="49" charset="0"/>
+              </a:rPr>
+              <a:t>)</a:t>
+            </a:r>
+          </a:p>
+          <a:p>
+            <a:r>
+              <a:rPr lang="ru-RU" sz="1600" dirty="0">
+                <a:latin typeface="Consolas" panose="020B0609020204030204" pitchFamily="49" charset="0"/>
+                <a:cs typeface="Consolas" panose="020B0609020204030204" pitchFamily="49" charset="0"/>
+              </a:rPr>
+              <a:t>END;</a:t>
+            </a:r>
+          </a:p>
+        </p:txBody>
+      </p:sp>
+    </p:spTree>
+    <p:extLst>
+      <p:ext uri="{BB962C8B-B14F-4D97-AF65-F5344CB8AC3E}">
+        <p14:creationId xmlns:p14="http://schemas.microsoft.com/office/powerpoint/2010/main" val="1224984614"/>
+      </p:ext>
+    </p:extLst>
+  </p:cSld>
+  <p:clrMapOvr>
+    <a:masterClrMapping/>
+  </p:clrMapOvr>
+</p:sld>
+</file>
+
+<file path=ppt/slides/slide36.xml><?xml version="1.0" encoding="utf-8"?>
+<p:sld xmlns:a="http://schemas.openxmlformats.org/drawingml/2006/main" xmlns:r="http://schemas.openxmlformats.org/officeDocument/2006/relationships" xmlns:p="http://schemas.openxmlformats.org/presentationml/2006/main">
+  <p:cSld>
+    <p:spTree>
+      <p:nvGrpSpPr>
+        <p:cNvPr id="1" name=""/>
+        <p:cNvGrpSpPr/>
+        <p:nvPr/>
+      </p:nvGrpSpPr>
+      <p:grpSpPr>
+        <a:xfrm>
+          <a:off x="0" y="0"/>
+          <a:ext cx="0" cy="0"/>
+          <a:chOff x="0" y="0"/>
+          <a:chExt cx="0" cy="0"/>
+        </a:xfrm>
+      </p:grpSpPr>
+      <p:sp>
+        <p:nvSpPr>
+          <p:cNvPr id="2" name="Rectangle 1"/>
+          <p:cNvSpPr/>
+          <p:nvPr/>
+        </p:nvSpPr>
+        <p:spPr>
+          <a:xfrm>
+            <a:off x="0" y="785148"/>
+            <a:ext cx="9144000" cy="4016484"/>
+          </a:xfrm>
+          <a:prstGeom prst="rect">
+            <a:avLst/>
+          </a:prstGeom>
+        </p:spPr>
+        <p:txBody>
+          <a:bodyPr wrap="square">
+            <a:spAutoFit/>
+          </a:bodyPr>
+          <a:lstStyle/>
+          <a:p>
+            <a:r>
+              <a:rPr lang="ru-RU" sz="1500" dirty="0">
+                <a:latin typeface="Lucida Console" panose="020B0609040504020204" pitchFamily="49" charset="0"/>
+              </a:rPr>
+              <a:t>{Печатает уравнение, в котором коэффициенты </a:t>
+            </a:r>
+            <a:r>
+              <a:rPr lang="ru-RU" sz="1500" dirty="0" err="1">
+                <a:latin typeface="Lucida Console" panose="020B0609040504020204" pitchFamily="49" charset="0"/>
+              </a:rPr>
+              <a:t>CoeffX</a:t>
+            </a:r>
+            <a:r>
+              <a:rPr lang="ru-RU" sz="1500" dirty="0">
+                <a:latin typeface="Lucida Console" panose="020B0609040504020204" pitchFamily="49" charset="0"/>
+              </a:rPr>
+              <a:t> и </a:t>
+            </a:r>
+            <a:r>
+              <a:rPr lang="ru-RU" sz="1500" dirty="0" err="1">
+                <a:latin typeface="Lucida Console" panose="020B0609040504020204" pitchFamily="49" charset="0"/>
+              </a:rPr>
+              <a:t>CoeffY</a:t>
+            </a:r>
+            <a:r>
+              <a:rPr lang="ru-RU" sz="1500" dirty="0">
+                <a:latin typeface="Lucida Console" panose="020B0609040504020204" pitchFamily="49" charset="0"/>
+              </a:rPr>
+              <a:t> не равны нулю}</a:t>
+            </a:r>
+          </a:p>
+          <a:p>
+            <a:r>
+              <a:rPr lang="ru-RU" sz="1500" dirty="0">
+                <a:latin typeface="Lucida Console" panose="020B0609040504020204" pitchFamily="49" charset="0"/>
+              </a:rPr>
+              <a:t>PROCEDURE </a:t>
+            </a:r>
+            <a:r>
+              <a:rPr lang="ru-RU" sz="1500" dirty="0" err="1">
+                <a:latin typeface="Lucida Console" panose="020B0609040504020204" pitchFamily="49" charset="0"/>
+              </a:rPr>
+              <a:t>PrintNormalizedEquation</a:t>
+            </a:r>
+            <a:r>
+              <a:rPr lang="ru-RU" sz="1500" dirty="0">
+                <a:latin typeface="Lucida Console" panose="020B0609040504020204" pitchFamily="49" charset="0"/>
+              </a:rPr>
+              <a:t>(</a:t>
+            </a:r>
+            <a:r>
+              <a:rPr lang="ru-RU" sz="1500" dirty="0" err="1">
+                <a:latin typeface="Lucida Console" panose="020B0609040504020204" pitchFamily="49" charset="0"/>
+              </a:rPr>
+              <a:t>CoeffX</a:t>
+            </a:r>
+            <a:r>
+              <a:rPr lang="ru-RU" sz="1500" dirty="0">
+                <a:latin typeface="Lucida Console" panose="020B0609040504020204" pitchFamily="49" charset="0"/>
+              </a:rPr>
+              <a:t>, </a:t>
+            </a:r>
+            <a:r>
+              <a:rPr lang="ru-RU" sz="1500" dirty="0" err="1">
+                <a:latin typeface="Lucida Console" panose="020B0609040504020204" pitchFamily="49" charset="0"/>
+              </a:rPr>
+              <a:t>CoeffY</a:t>
+            </a:r>
+            <a:r>
+              <a:rPr lang="ru-RU" sz="1500" dirty="0">
+                <a:latin typeface="Lucida Console" panose="020B0609040504020204" pitchFamily="49" charset="0"/>
+              </a:rPr>
+              <a:t>: INTEGER);</a:t>
+            </a:r>
+          </a:p>
+          <a:p>
+            <a:r>
+              <a:rPr lang="ru-RU" sz="1500" dirty="0">
+                <a:latin typeface="Lucida Console" panose="020B0609040504020204" pitchFamily="49" charset="0"/>
+              </a:rPr>
+              <a:t>BEGIN</a:t>
+            </a:r>
+          </a:p>
+          <a:p>
+            <a:r>
+              <a:rPr lang="ru-RU" sz="1500" dirty="0">
+                <a:latin typeface="Lucida Console" panose="020B0609040504020204" pitchFamily="49" charset="0"/>
+              </a:rPr>
+              <a:t>  IF </a:t>
+            </a:r>
+            <a:r>
+              <a:rPr lang="ru-RU" sz="1500" dirty="0" err="1">
+                <a:latin typeface="Lucida Console" panose="020B0609040504020204" pitchFamily="49" charset="0"/>
+              </a:rPr>
+              <a:t>CoeffY</a:t>
+            </a:r>
+            <a:r>
+              <a:rPr lang="ru-RU" sz="1500" dirty="0">
+                <a:latin typeface="Lucida Console" panose="020B0609040504020204" pitchFamily="49" charset="0"/>
+              </a:rPr>
+              <a:t> &lt; 0</a:t>
+            </a:r>
+          </a:p>
+          <a:p>
+            <a:r>
+              <a:rPr lang="ru-RU" sz="1500" dirty="0">
+                <a:latin typeface="Lucida Console" panose="020B0609040504020204" pitchFamily="49" charset="0"/>
+              </a:rPr>
+              <a:t>  THEN</a:t>
+            </a:r>
+          </a:p>
+          <a:p>
+            <a:r>
+              <a:rPr lang="ru-RU" sz="1500" dirty="0">
+                <a:latin typeface="Lucida Console" panose="020B0609040504020204" pitchFamily="49" charset="0"/>
+              </a:rPr>
+              <a:t>    BEGIN</a:t>
+            </a:r>
+          </a:p>
+          <a:p>
+            <a:r>
+              <a:rPr lang="ru-RU" sz="1500" dirty="0">
+                <a:latin typeface="Lucida Console" panose="020B0609040504020204" pitchFamily="49" charset="0"/>
+              </a:rPr>
+              <a:t>      </a:t>
+            </a:r>
+            <a:r>
+              <a:rPr lang="ru-RU" sz="1500" dirty="0" err="1">
+                <a:latin typeface="Lucida Console" panose="020B0609040504020204" pitchFamily="49" charset="0"/>
+              </a:rPr>
+              <a:t>PrintMultipleOf</a:t>
+            </a:r>
+            <a:r>
+              <a:rPr lang="ru-RU" sz="1500" dirty="0">
+                <a:latin typeface="Lucida Console" panose="020B0609040504020204" pitchFamily="49" charset="0"/>
+              </a:rPr>
+              <a:t>(</a:t>
+            </a:r>
+            <a:r>
+              <a:rPr lang="ru-RU" sz="1500" dirty="0" err="1">
+                <a:latin typeface="Lucida Console" panose="020B0609040504020204" pitchFamily="49" charset="0"/>
+              </a:rPr>
+              <a:t>CoeffX</a:t>
+            </a:r>
+            <a:r>
+              <a:rPr lang="ru-RU" sz="1500" dirty="0">
+                <a:latin typeface="Lucida Console" panose="020B0609040504020204" pitchFamily="49" charset="0"/>
+              </a:rPr>
+              <a:t>, 'x');</a:t>
+            </a:r>
+          </a:p>
+          <a:p>
+            <a:r>
+              <a:rPr lang="ru-RU" sz="1500" dirty="0">
+                <a:latin typeface="Lucida Console" panose="020B0609040504020204" pitchFamily="49" charset="0"/>
+              </a:rPr>
+              <a:t>      WRITE(' - ');</a:t>
+            </a:r>
+          </a:p>
+          <a:p>
+            <a:r>
+              <a:rPr lang="ru-RU" sz="1500" dirty="0">
+                <a:latin typeface="Lucida Console" panose="020B0609040504020204" pitchFamily="49" charset="0"/>
+              </a:rPr>
+              <a:t>      </a:t>
+            </a:r>
+            <a:r>
+              <a:rPr lang="ru-RU" sz="1500" dirty="0" err="1">
+                <a:latin typeface="Lucida Console" panose="020B0609040504020204" pitchFamily="49" charset="0"/>
+              </a:rPr>
+              <a:t>PrintMultipleOf</a:t>
+            </a:r>
+            <a:r>
+              <a:rPr lang="ru-RU" sz="1500" dirty="0">
+                <a:latin typeface="Lucida Console" panose="020B0609040504020204" pitchFamily="49" charset="0"/>
+              </a:rPr>
+              <a:t>(ABS(</a:t>
+            </a:r>
+            <a:r>
+              <a:rPr lang="ru-RU" sz="1500" dirty="0" err="1">
+                <a:latin typeface="Lucida Console" panose="020B0609040504020204" pitchFamily="49" charset="0"/>
+              </a:rPr>
+              <a:t>CoeffY</a:t>
+            </a:r>
+            <a:r>
+              <a:rPr lang="ru-RU" sz="1500" dirty="0">
+                <a:latin typeface="Lucida Console" panose="020B0609040504020204" pitchFamily="49" charset="0"/>
+              </a:rPr>
+              <a:t>), 'y')</a:t>
+            </a:r>
+          </a:p>
+          <a:p>
+            <a:r>
+              <a:rPr lang="ru-RU" sz="1500" dirty="0">
+                <a:latin typeface="Lucida Console" panose="020B0609040504020204" pitchFamily="49" charset="0"/>
+              </a:rPr>
+              <a:t>    END</a:t>
+            </a:r>
+          </a:p>
+          <a:p>
+            <a:r>
+              <a:rPr lang="ru-RU" sz="1500" dirty="0">
+                <a:latin typeface="Lucida Console" panose="020B0609040504020204" pitchFamily="49" charset="0"/>
+              </a:rPr>
+              <a:t>  ELSE</a:t>
+            </a:r>
+          </a:p>
+          <a:p>
+            <a:r>
+              <a:rPr lang="ru-RU" sz="1500" dirty="0">
+                <a:latin typeface="Lucida Console" panose="020B0609040504020204" pitchFamily="49" charset="0"/>
+              </a:rPr>
+              <a:t>    BEGIN  </a:t>
+            </a:r>
+          </a:p>
+          <a:p>
+            <a:r>
+              <a:rPr lang="ru-RU" sz="1500" dirty="0">
+                <a:latin typeface="Lucida Console" panose="020B0609040504020204" pitchFamily="49" charset="0"/>
+              </a:rPr>
+              <a:t>      </a:t>
+            </a:r>
+            <a:r>
+              <a:rPr lang="ru-RU" sz="1500" dirty="0" err="1">
+                <a:latin typeface="Lucida Console" panose="020B0609040504020204" pitchFamily="49" charset="0"/>
+              </a:rPr>
+              <a:t>PrintMultipleOf</a:t>
+            </a:r>
+            <a:r>
+              <a:rPr lang="ru-RU" sz="1500" dirty="0">
+                <a:latin typeface="Lucida Console" panose="020B0609040504020204" pitchFamily="49" charset="0"/>
+              </a:rPr>
+              <a:t>(</a:t>
+            </a:r>
+            <a:r>
+              <a:rPr lang="ru-RU" sz="1500" dirty="0" err="1">
+                <a:latin typeface="Lucida Console" panose="020B0609040504020204" pitchFamily="49" charset="0"/>
+              </a:rPr>
+              <a:t>CoeffX</a:t>
+            </a:r>
+            <a:r>
+              <a:rPr lang="ru-RU" sz="1500" dirty="0">
+                <a:latin typeface="Lucida Console" panose="020B0609040504020204" pitchFamily="49" charset="0"/>
+              </a:rPr>
+              <a:t>, 'x');</a:t>
+            </a:r>
+          </a:p>
+          <a:p>
+            <a:r>
+              <a:rPr lang="ru-RU" sz="1500" dirty="0">
+                <a:latin typeface="Lucida Console" panose="020B0609040504020204" pitchFamily="49" charset="0"/>
+              </a:rPr>
+              <a:t>      WRITE(' + ');</a:t>
+            </a:r>
+          </a:p>
+          <a:p>
+            <a:r>
+              <a:rPr lang="ru-RU" sz="1500" dirty="0">
+                <a:latin typeface="Lucida Console" panose="020B0609040504020204" pitchFamily="49" charset="0"/>
+              </a:rPr>
+              <a:t>      </a:t>
+            </a:r>
+            <a:r>
+              <a:rPr lang="ru-RU" sz="1500" dirty="0" err="1">
+                <a:latin typeface="Lucida Console" panose="020B0609040504020204" pitchFamily="49" charset="0"/>
+              </a:rPr>
+              <a:t>PrintMultipleOf</a:t>
+            </a:r>
+            <a:r>
+              <a:rPr lang="ru-RU" sz="1500" dirty="0">
+                <a:latin typeface="Lucida Console" panose="020B0609040504020204" pitchFamily="49" charset="0"/>
+              </a:rPr>
+              <a:t>(</a:t>
+            </a:r>
+            <a:r>
+              <a:rPr lang="ru-RU" sz="1500" dirty="0" err="1">
+                <a:latin typeface="Lucida Console" panose="020B0609040504020204" pitchFamily="49" charset="0"/>
+              </a:rPr>
+              <a:t>CoeffY</a:t>
+            </a:r>
+            <a:r>
+              <a:rPr lang="ru-RU" sz="1500" dirty="0">
+                <a:latin typeface="Lucida Console" panose="020B0609040504020204" pitchFamily="49" charset="0"/>
+              </a:rPr>
+              <a:t>, 'y')</a:t>
+            </a:r>
+          </a:p>
+          <a:p>
+            <a:r>
+              <a:rPr lang="ru-RU" sz="1500" dirty="0">
+                <a:latin typeface="Lucida Console" panose="020B0609040504020204" pitchFamily="49" charset="0"/>
+              </a:rPr>
+              <a:t>    END;</a:t>
+            </a:r>
+          </a:p>
+          <a:p>
+            <a:r>
+              <a:rPr lang="ru-RU" sz="1500" dirty="0">
+                <a:latin typeface="Lucida Console" panose="020B0609040504020204" pitchFamily="49" charset="0"/>
+              </a:rPr>
+              <a:t>END;</a:t>
+            </a:r>
+            <a:endParaRPr lang="ru-RU" sz="1500" dirty="0">
+              <a:latin typeface="Lucida Console" panose="020B0609040504020204" pitchFamily="49" charset="0"/>
+            </a:endParaRPr>
+          </a:p>
+        </p:txBody>
+      </p:sp>
+    </p:spTree>
+    <p:extLst>
+      <p:ext uri="{BB962C8B-B14F-4D97-AF65-F5344CB8AC3E}">
+        <p14:creationId xmlns:p14="http://schemas.microsoft.com/office/powerpoint/2010/main" val="2078765230"/>
+      </p:ext>
+    </p:extLst>
+  </p:cSld>
+  <p:clrMapOvr>
+    <a:masterClrMapping/>
+  </p:clrMapOvr>
+</p:sld>
+</file>
+
+<file path=ppt/slides/slide37.xml><?xml version="1.0" encoding="utf-8"?>
+<p:sld xmlns:a="http://schemas.openxmlformats.org/drawingml/2006/main" xmlns:r="http://schemas.openxmlformats.org/officeDocument/2006/relationships" xmlns:p="http://schemas.openxmlformats.org/presentationml/2006/main">
+  <p:cSld>
+    <p:spTree>
+      <p:nvGrpSpPr>
+        <p:cNvPr id="1" name=""/>
+        <p:cNvGrpSpPr/>
+        <p:nvPr/>
+      </p:nvGrpSpPr>
+      <p:grpSpPr>
+        <a:xfrm>
+          <a:off x="0" y="0"/>
+          <a:ext cx="0" cy="0"/>
+          <a:chOff x="0" y="0"/>
+          <a:chExt cx="0" cy="0"/>
+        </a:xfrm>
+      </p:grpSpPr>
+      <p:sp>
+        <p:nvSpPr>
+          <p:cNvPr id="2" name="Rectangle 1"/>
+          <p:cNvSpPr/>
+          <p:nvPr/>
+        </p:nvSpPr>
+        <p:spPr>
+          <a:xfrm>
+            <a:off x="0" y="1643757"/>
+            <a:ext cx="8944897" cy="4278094"/>
+          </a:xfrm>
+          <a:prstGeom prst="rect">
+            <a:avLst/>
+          </a:prstGeom>
+        </p:spPr>
+        <p:txBody>
+          <a:bodyPr wrap="square">
+            <a:spAutoFit/>
+          </a:bodyPr>
+          <a:lstStyle/>
+          <a:p>
+            <a:r>
+              <a:rPr lang="ru-RU" sz="1600" dirty="0">
+                <a:latin typeface="Lucida Console" panose="020B0609040504020204" pitchFamily="49" charset="0"/>
+              </a:rPr>
+              <a:t>{Печатает множитель и заданный параметр}</a:t>
+            </a:r>
+          </a:p>
+          <a:p>
+            <a:r>
+              <a:rPr lang="ru-RU" sz="1600" dirty="0">
+                <a:latin typeface="Lucida Console" panose="020B0609040504020204" pitchFamily="49" charset="0"/>
+              </a:rPr>
+              <a:t>{Например, </a:t>
+            </a:r>
+            <a:r>
+              <a:rPr lang="ru-RU" sz="1600" dirty="0" err="1">
+                <a:latin typeface="Lucida Console" panose="020B0609040504020204" pitchFamily="49" charset="0"/>
+              </a:rPr>
+              <a:t>PrintMultipleOf</a:t>
+            </a:r>
+            <a:r>
+              <a:rPr lang="ru-RU" sz="1600" dirty="0">
+                <a:latin typeface="Lucida Console" panose="020B0609040504020204" pitchFamily="49" charset="0"/>
+              </a:rPr>
+              <a:t>(29, 'x') печатает '29x'}</a:t>
+            </a:r>
+          </a:p>
+          <a:p>
+            <a:r>
+              <a:rPr lang="ru-RU" sz="1600" dirty="0">
+                <a:latin typeface="Lucida Console" panose="020B0609040504020204" pitchFamily="49" charset="0"/>
+              </a:rPr>
+              <a:t>{Особый случай: </a:t>
+            </a:r>
+            <a:r>
+              <a:rPr lang="ru-RU" sz="1600" dirty="0" err="1">
+                <a:latin typeface="Lucida Console" panose="020B0609040504020204" pitchFamily="49" charset="0"/>
+              </a:rPr>
+              <a:t>PrintMultipleOf</a:t>
+            </a:r>
+            <a:r>
+              <a:rPr lang="ru-RU" sz="1600" dirty="0">
+                <a:latin typeface="Lucida Console" panose="020B0609040504020204" pitchFamily="49" charset="0"/>
+              </a:rPr>
+              <a:t>(1, 'x') печатает 'x'}</a:t>
+            </a:r>
+          </a:p>
+          <a:p>
+            <a:r>
+              <a:rPr lang="ru-RU" sz="1600" dirty="0">
+                <a:latin typeface="Lucida Console" panose="020B0609040504020204" pitchFamily="49" charset="0"/>
+              </a:rPr>
+              <a:t>{Особый случай: </a:t>
+            </a:r>
+            <a:r>
+              <a:rPr lang="ru-RU" sz="1600" dirty="0" err="1">
+                <a:latin typeface="Lucida Console" panose="020B0609040504020204" pitchFamily="49" charset="0"/>
+              </a:rPr>
+              <a:t>PrintMultipleOf</a:t>
+            </a:r>
+            <a:r>
+              <a:rPr lang="ru-RU" sz="1600" dirty="0">
+                <a:latin typeface="Lucida Console" panose="020B0609040504020204" pitchFamily="49" charset="0"/>
+              </a:rPr>
+              <a:t>(-1, 'x') печатает '-x'}</a:t>
+            </a:r>
+          </a:p>
+          <a:p>
+            <a:r>
+              <a:rPr lang="ru-RU" sz="1600" dirty="0">
+                <a:latin typeface="Lucida Console" panose="020B0609040504020204" pitchFamily="49" charset="0"/>
+              </a:rPr>
+              <a:t>{Если параметр </a:t>
+            </a:r>
+            <a:r>
+              <a:rPr lang="ru-RU" sz="1600" dirty="0" err="1">
+                <a:latin typeface="Lucida Console" panose="020B0609040504020204" pitchFamily="49" charset="0"/>
+              </a:rPr>
+              <a:t>Value</a:t>
+            </a:r>
+            <a:r>
+              <a:rPr lang="ru-RU" sz="1600" dirty="0">
+                <a:latin typeface="Lucida Console" panose="020B0609040504020204" pitchFamily="49" charset="0"/>
+              </a:rPr>
+              <a:t> равен 0, корректная работа не гарантирована}</a:t>
+            </a:r>
+          </a:p>
+          <a:p>
+            <a:r>
+              <a:rPr lang="ru-RU" sz="1600" dirty="0">
+                <a:latin typeface="Lucida Console" panose="020B0609040504020204" pitchFamily="49" charset="0"/>
+              </a:rPr>
+              <a:t>PROCEDURE </a:t>
+            </a:r>
+            <a:r>
+              <a:rPr lang="ru-RU" sz="1600" dirty="0" err="1">
+                <a:latin typeface="Lucida Console" panose="020B0609040504020204" pitchFamily="49" charset="0"/>
+              </a:rPr>
+              <a:t>PrintMultipleOf</a:t>
+            </a:r>
+            <a:r>
+              <a:rPr lang="ru-RU" sz="1600" dirty="0">
+                <a:latin typeface="Lucida Console" panose="020B0609040504020204" pitchFamily="49" charset="0"/>
+              </a:rPr>
+              <a:t>(</a:t>
+            </a:r>
+            <a:r>
+              <a:rPr lang="ru-RU" sz="1600" dirty="0" err="1">
+                <a:latin typeface="Lucida Console" panose="020B0609040504020204" pitchFamily="49" charset="0"/>
+              </a:rPr>
+              <a:t>Value</a:t>
+            </a:r>
+            <a:r>
+              <a:rPr lang="ru-RU" sz="1600" dirty="0">
+                <a:latin typeface="Lucida Console" panose="020B0609040504020204" pitchFamily="49" charset="0"/>
+              </a:rPr>
+              <a:t>: INTEGER; </a:t>
+            </a:r>
+            <a:r>
+              <a:rPr lang="ru-RU" sz="1600" dirty="0" err="1">
+                <a:latin typeface="Lucida Console" panose="020B0609040504020204" pitchFamily="49" charset="0"/>
+              </a:rPr>
+              <a:t>Suffix</a:t>
+            </a:r>
+            <a:r>
+              <a:rPr lang="ru-RU" sz="1600" dirty="0">
+                <a:latin typeface="Lucida Console" panose="020B0609040504020204" pitchFamily="49" charset="0"/>
+              </a:rPr>
+              <a:t>: STRING);</a:t>
+            </a:r>
+          </a:p>
+          <a:p>
+            <a:r>
+              <a:rPr lang="ru-RU" sz="1600" dirty="0">
+                <a:latin typeface="Lucida Console" panose="020B0609040504020204" pitchFamily="49" charset="0"/>
+              </a:rPr>
+              <a:t>BEGIN</a:t>
+            </a:r>
+          </a:p>
+          <a:p>
+            <a:r>
+              <a:rPr lang="ru-RU" sz="1600" dirty="0">
+                <a:latin typeface="Lucida Console" panose="020B0609040504020204" pitchFamily="49" charset="0"/>
+              </a:rPr>
+              <a:t>  IF </a:t>
+            </a:r>
+            <a:r>
+              <a:rPr lang="ru-RU" sz="1600" dirty="0" err="1">
+                <a:latin typeface="Lucida Console" panose="020B0609040504020204" pitchFamily="49" charset="0"/>
+              </a:rPr>
+              <a:t>Value</a:t>
+            </a:r>
+            <a:r>
+              <a:rPr lang="ru-RU" sz="1600" dirty="0">
+                <a:latin typeface="Lucida Console" panose="020B0609040504020204" pitchFamily="49" charset="0"/>
+              </a:rPr>
+              <a:t> &lt;&gt; 1</a:t>
+            </a:r>
+          </a:p>
+          <a:p>
+            <a:r>
+              <a:rPr lang="ru-RU" sz="1600" dirty="0">
+                <a:latin typeface="Lucida Console" panose="020B0609040504020204" pitchFamily="49" charset="0"/>
+              </a:rPr>
+              <a:t>    THEN  </a:t>
+            </a:r>
+          </a:p>
+          <a:p>
+            <a:r>
+              <a:rPr lang="ru-RU" sz="1600" dirty="0">
+                <a:latin typeface="Lucida Console" panose="020B0609040504020204" pitchFamily="49" charset="0"/>
+              </a:rPr>
+              <a:t>      IF </a:t>
+            </a:r>
+            <a:r>
+              <a:rPr lang="ru-RU" sz="1600" dirty="0" err="1">
+                <a:latin typeface="Lucida Console" panose="020B0609040504020204" pitchFamily="49" charset="0"/>
+              </a:rPr>
+              <a:t>Value</a:t>
+            </a:r>
+            <a:r>
+              <a:rPr lang="ru-RU" sz="1600" dirty="0">
+                <a:latin typeface="Lucida Console" panose="020B0609040504020204" pitchFamily="49" charset="0"/>
+              </a:rPr>
+              <a:t> &lt;&gt; -1</a:t>
+            </a:r>
+          </a:p>
+          <a:p>
+            <a:r>
+              <a:rPr lang="ru-RU" sz="1600" dirty="0">
+                <a:latin typeface="Lucida Console" panose="020B0609040504020204" pitchFamily="49" charset="0"/>
+              </a:rPr>
+              <a:t>        THEN</a:t>
+            </a:r>
+          </a:p>
+          <a:p>
+            <a:r>
+              <a:rPr lang="ru-RU" sz="1600" dirty="0">
+                <a:latin typeface="Lucida Console" panose="020B0609040504020204" pitchFamily="49" charset="0"/>
+              </a:rPr>
+              <a:t>          WRITE(</a:t>
+            </a:r>
+            <a:r>
+              <a:rPr lang="ru-RU" sz="1600" dirty="0" err="1">
+                <a:latin typeface="Lucida Console" panose="020B0609040504020204" pitchFamily="49" charset="0"/>
+              </a:rPr>
+              <a:t>Value</a:t>
+            </a:r>
+            <a:r>
+              <a:rPr lang="ru-RU" sz="1600" dirty="0">
+                <a:latin typeface="Lucida Console" panose="020B0609040504020204" pitchFamily="49" charset="0"/>
+              </a:rPr>
+              <a:t>, </a:t>
+            </a:r>
+            <a:r>
+              <a:rPr lang="ru-RU" sz="1600" dirty="0" err="1">
+                <a:latin typeface="Lucida Console" panose="020B0609040504020204" pitchFamily="49" charset="0"/>
+              </a:rPr>
+              <a:t>Suffix</a:t>
+            </a:r>
+            <a:r>
+              <a:rPr lang="ru-RU" sz="1600" dirty="0">
+                <a:latin typeface="Lucida Console" panose="020B0609040504020204" pitchFamily="49" charset="0"/>
+              </a:rPr>
+              <a:t>)</a:t>
+            </a:r>
+          </a:p>
+          <a:p>
+            <a:r>
+              <a:rPr lang="ru-RU" sz="1600" dirty="0">
+                <a:latin typeface="Lucida Console" panose="020B0609040504020204" pitchFamily="49" charset="0"/>
+              </a:rPr>
+              <a:t>        ELSE</a:t>
+            </a:r>
+          </a:p>
+          <a:p>
+            <a:r>
+              <a:rPr lang="ru-RU" sz="1600" dirty="0">
+                <a:latin typeface="Lucida Console" panose="020B0609040504020204" pitchFamily="49" charset="0"/>
+              </a:rPr>
+              <a:t>          WRITE('-', </a:t>
+            </a:r>
+            <a:r>
+              <a:rPr lang="ru-RU" sz="1600" dirty="0" err="1">
+                <a:latin typeface="Lucida Console" panose="020B0609040504020204" pitchFamily="49" charset="0"/>
+              </a:rPr>
+              <a:t>Suffix</a:t>
+            </a:r>
+            <a:r>
+              <a:rPr lang="ru-RU" sz="1600" dirty="0">
+                <a:latin typeface="Lucida Console" panose="020B0609040504020204" pitchFamily="49" charset="0"/>
+              </a:rPr>
+              <a:t>)</a:t>
+            </a:r>
+          </a:p>
+          <a:p>
+            <a:r>
+              <a:rPr lang="ru-RU" sz="1600" dirty="0">
+                <a:latin typeface="Lucida Console" panose="020B0609040504020204" pitchFamily="49" charset="0"/>
+              </a:rPr>
+              <a:t>    ELSE</a:t>
+            </a:r>
+          </a:p>
+          <a:p>
+            <a:r>
+              <a:rPr lang="ru-RU" sz="1600" dirty="0">
+                <a:latin typeface="Lucida Console" panose="020B0609040504020204" pitchFamily="49" charset="0"/>
+              </a:rPr>
+              <a:t>      WRITE(</a:t>
+            </a:r>
+            <a:r>
+              <a:rPr lang="ru-RU" sz="1600" dirty="0" err="1">
+                <a:latin typeface="Lucida Console" panose="020B0609040504020204" pitchFamily="49" charset="0"/>
+              </a:rPr>
+              <a:t>Suffix</a:t>
+            </a:r>
+            <a:r>
+              <a:rPr lang="ru-RU" sz="1600" dirty="0">
+                <a:latin typeface="Lucida Console" panose="020B0609040504020204" pitchFamily="49" charset="0"/>
+              </a:rPr>
+              <a:t>)</a:t>
+            </a:r>
+          </a:p>
+          <a:p>
+            <a:r>
+              <a:rPr lang="ru-RU" sz="1600" dirty="0">
+                <a:latin typeface="Lucida Console" panose="020B0609040504020204" pitchFamily="49" charset="0"/>
+              </a:rPr>
+              <a:t>END</a:t>
+            </a:r>
+            <a:r>
+              <a:rPr lang="ru-RU" sz="1600" dirty="0" smtClean="0">
+                <a:latin typeface="Lucida Console" panose="020B0609040504020204" pitchFamily="49" charset="0"/>
+              </a:rPr>
+              <a:t>;</a:t>
+            </a:r>
+            <a:endParaRPr lang="ru-RU" sz="1600" dirty="0">
+              <a:latin typeface="Lucida Console" panose="020B0609040504020204" pitchFamily="49" charset="0"/>
+            </a:endParaRPr>
+          </a:p>
+        </p:txBody>
+      </p:sp>
+    </p:spTree>
+    <p:extLst>
+      <p:ext uri="{BB962C8B-B14F-4D97-AF65-F5344CB8AC3E}">
+        <p14:creationId xmlns:p14="http://schemas.microsoft.com/office/powerpoint/2010/main" val="126044992"/>
+      </p:ext>
+    </p:extLst>
+  </p:cSld>
+  <p:clrMapOvr>
+    <a:masterClrMapping/>
+  </p:clrMapOvr>
+</p:sld>
+</file>
+
+<file path=ppt/slides/slide38.xml><?xml version="1.0" encoding="utf-8"?>
+<p:sld xmlns:a="http://schemas.openxmlformats.org/drawingml/2006/main" xmlns:r="http://schemas.openxmlformats.org/officeDocument/2006/relationships" xmlns:p="http://schemas.openxmlformats.org/presentationml/2006/main">
+  <p:cSld>
+    <p:spTree>
+      <p:nvGrpSpPr>
+        <p:cNvPr id="1" name=""/>
+        <p:cNvGrpSpPr/>
+        <p:nvPr/>
+      </p:nvGrpSpPr>
+      <p:grpSpPr>
+        <a:xfrm>
+          <a:off x="0" y="0"/>
+          <a:ext cx="0" cy="0"/>
+          <a:chOff x="0" y="0"/>
+          <a:chExt cx="0" cy="0"/>
+        </a:xfrm>
+      </p:grpSpPr>
+      <p:sp>
+        <p:nvSpPr>
+          <p:cNvPr id="2" name="Title 1"/>
+          <p:cNvSpPr>
+            <a:spLocks noGrp="1"/>
+          </p:cNvSpPr>
+          <p:nvPr>
+            <p:ph type="title"/>
+          </p:nvPr>
+        </p:nvSpPr>
+        <p:spPr/>
+        <p:txBody>
+          <a:bodyPr/>
+          <a:lstStyle/>
+          <a:p>
+            <a:r>
+              <a:rPr lang="ru-RU" dirty="0" smtClean="0"/>
+              <a:t>Частота встречаемости букв</a:t>
+            </a:r>
+            <a:endParaRPr lang="ru-RU" dirty="0"/>
+          </a:p>
+        </p:txBody>
+      </p:sp>
+      <p:sp>
+        <p:nvSpPr>
+          <p:cNvPr id="3" name="Text Placeholder 2"/>
+          <p:cNvSpPr>
+            <a:spLocks noGrp="1"/>
+          </p:cNvSpPr>
+          <p:nvPr>
+            <p:ph type="body" idx="1"/>
+          </p:nvPr>
+        </p:nvSpPr>
+        <p:spPr/>
+        <p:txBody>
+          <a:bodyPr/>
+          <a:lstStyle/>
+          <a:p>
+            <a:endParaRPr lang="ru-RU"/>
+          </a:p>
+        </p:txBody>
+      </p:sp>
+    </p:spTree>
+    <p:extLst>
+      <p:ext uri="{BB962C8B-B14F-4D97-AF65-F5344CB8AC3E}">
+        <p14:creationId xmlns:p14="http://schemas.microsoft.com/office/powerpoint/2010/main" val="977078048"/>
+      </p:ext>
+    </p:extLst>
+  </p:cSld>
+  <p:clrMapOvr>
+    <a:masterClrMapping/>
+  </p:clrMapOvr>
+</p:sld>
+</file>
+
+<file path=ppt/slides/slide39.xml><?xml version="1.0" encoding="utf-8"?>
+<p:sld xmlns:a="http://schemas.openxmlformats.org/drawingml/2006/main" xmlns:r="http://schemas.openxmlformats.org/officeDocument/2006/relationships" xmlns:p="http://schemas.openxmlformats.org/presentationml/2006/main">
+  <p:cSld>
+    <p:spTree>
+      <p:nvGrpSpPr>
+        <p:cNvPr id="1" name=""/>
+        <p:cNvGrpSpPr/>
+        <p:nvPr/>
+      </p:nvGrpSpPr>
+      <p:grpSpPr>
+        <a:xfrm>
+          <a:off x="0" y="0"/>
+          <a:ext cx="0" cy="0"/>
+          <a:chOff x="0" y="0"/>
+          <a:chExt cx="0" cy="0"/>
+        </a:xfrm>
+      </p:grpSpPr>
+      <p:sp>
+        <p:nvSpPr>
+          <p:cNvPr id="4" name="Rectangle 3"/>
+          <p:cNvSpPr/>
+          <p:nvPr/>
+        </p:nvSpPr>
+        <p:spPr>
+          <a:xfrm>
+            <a:off x="0" y="566678"/>
+            <a:ext cx="8470900" cy="2862322"/>
+          </a:xfrm>
+          <a:prstGeom prst="rect">
+            <a:avLst/>
+          </a:prstGeom>
+        </p:spPr>
+        <p:txBody>
+          <a:bodyPr wrap="square">
+            <a:spAutoFit/>
+          </a:bodyPr>
+          <a:lstStyle/>
+          <a:p>
+            <a:r>
+              <a:rPr lang="en-US" dirty="0">
+                <a:latin typeface="Lucida Console" panose="020B0609040504020204" pitchFamily="49" charset="0"/>
+              </a:rPr>
+              <a:t>PROGRAM Statistics(INPUT, OUTPUT);</a:t>
+            </a:r>
+          </a:p>
+          <a:p>
+            <a:r>
+              <a:rPr lang="en-US" dirty="0">
+                <a:latin typeface="Lucida Console" panose="020B0609040504020204" pitchFamily="49" charset="0"/>
+              </a:rPr>
+              <a:t>TYPE</a:t>
+            </a:r>
+          </a:p>
+          <a:p>
+            <a:r>
+              <a:rPr lang="en-US" dirty="0">
+                <a:latin typeface="Lucida Console" panose="020B0609040504020204" pitchFamily="49" charset="0"/>
+              </a:rPr>
+              <a:t>  </a:t>
+            </a:r>
+            <a:r>
+              <a:rPr lang="en-US" dirty="0" err="1">
+                <a:latin typeface="Lucida Console" panose="020B0609040504020204" pitchFamily="49" charset="0"/>
+              </a:rPr>
+              <a:t>StatType</a:t>
+            </a:r>
+            <a:r>
+              <a:rPr lang="en-US" dirty="0">
+                <a:latin typeface="Lucida Console" panose="020B0609040504020204" pitchFamily="49" charset="0"/>
+              </a:rPr>
+              <a:t> = ARRAY ['A' .. 'Z'] OF INTEGER;</a:t>
+            </a:r>
+          </a:p>
+          <a:p>
+            <a:r>
+              <a:rPr lang="en-US" dirty="0">
+                <a:latin typeface="Lucida Console" panose="020B0609040504020204" pitchFamily="49" charset="0"/>
+              </a:rPr>
+              <a:t>VAR</a:t>
+            </a:r>
+          </a:p>
+          <a:p>
+            <a:r>
+              <a:rPr lang="en-US" dirty="0">
+                <a:latin typeface="Lucida Console" panose="020B0609040504020204" pitchFamily="49" charset="0"/>
+              </a:rPr>
+              <a:t>  Stat: </a:t>
+            </a:r>
+            <a:r>
+              <a:rPr lang="en-US" dirty="0" err="1">
+                <a:latin typeface="Lucida Console" panose="020B0609040504020204" pitchFamily="49" charset="0"/>
+              </a:rPr>
+              <a:t>StatType</a:t>
+            </a:r>
+            <a:r>
+              <a:rPr lang="en-US" dirty="0">
+                <a:latin typeface="Lucida Console" panose="020B0609040504020204" pitchFamily="49" charset="0"/>
+              </a:rPr>
+              <a:t>;</a:t>
+            </a:r>
+          </a:p>
+          <a:p>
+            <a:endParaRPr lang="ru-RU" dirty="0" smtClean="0">
+              <a:latin typeface="Lucida Console" panose="020B0609040504020204" pitchFamily="49" charset="0"/>
+            </a:endParaRPr>
+          </a:p>
+          <a:p>
+            <a:r>
+              <a:rPr lang="ru-RU" dirty="0" smtClean="0">
+                <a:latin typeface="Lucida Console" panose="020B0609040504020204" pitchFamily="49" charset="0"/>
+              </a:rPr>
+              <a:t>BEGIN </a:t>
+            </a:r>
+            <a:endParaRPr lang="ru-RU" dirty="0">
+              <a:latin typeface="Lucida Console" panose="020B0609040504020204" pitchFamily="49" charset="0"/>
+            </a:endParaRPr>
+          </a:p>
+          <a:p>
+            <a:r>
+              <a:rPr lang="ru-RU" dirty="0">
+                <a:latin typeface="Lucida Console" panose="020B0609040504020204" pitchFamily="49" charset="0"/>
+              </a:rPr>
+              <a:t>  </a:t>
+            </a:r>
+            <a:r>
+              <a:rPr lang="ru-RU" dirty="0" err="1">
+                <a:latin typeface="Lucida Console" panose="020B0609040504020204" pitchFamily="49" charset="0"/>
+              </a:rPr>
+              <a:t>ReadStatistics</a:t>
+            </a:r>
+            <a:r>
+              <a:rPr lang="ru-RU" dirty="0">
+                <a:latin typeface="Lucida Console" panose="020B0609040504020204" pitchFamily="49" charset="0"/>
+              </a:rPr>
+              <a:t>(INPUT, </a:t>
+            </a:r>
+            <a:r>
+              <a:rPr lang="ru-RU" dirty="0" err="1">
+                <a:latin typeface="Lucida Console" panose="020B0609040504020204" pitchFamily="49" charset="0"/>
+              </a:rPr>
+              <a:t>Stat</a:t>
+            </a:r>
+            <a:r>
+              <a:rPr lang="ru-RU" dirty="0">
+                <a:latin typeface="Lucida Console" panose="020B0609040504020204" pitchFamily="49" charset="0"/>
+              </a:rPr>
+              <a:t>);</a:t>
+            </a:r>
+          </a:p>
+          <a:p>
+            <a:r>
+              <a:rPr lang="ru-RU" dirty="0">
+                <a:latin typeface="Lucida Console" panose="020B0609040504020204" pitchFamily="49" charset="0"/>
+              </a:rPr>
+              <a:t>  </a:t>
+            </a:r>
+            <a:r>
+              <a:rPr lang="ru-RU" dirty="0" err="1">
+                <a:latin typeface="Lucida Console" panose="020B0609040504020204" pitchFamily="49" charset="0"/>
+              </a:rPr>
+              <a:t>WriteSortedStatistics</a:t>
+            </a:r>
+            <a:r>
+              <a:rPr lang="ru-RU" dirty="0">
+                <a:latin typeface="Lucida Console" panose="020B0609040504020204" pitchFamily="49" charset="0"/>
+              </a:rPr>
+              <a:t>(</a:t>
+            </a:r>
+            <a:r>
+              <a:rPr lang="ru-RU" dirty="0" err="1">
+                <a:latin typeface="Lucida Console" panose="020B0609040504020204" pitchFamily="49" charset="0"/>
+              </a:rPr>
+              <a:t>Stat</a:t>
+            </a:r>
+            <a:r>
+              <a:rPr lang="ru-RU" dirty="0">
+                <a:latin typeface="Lucida Console" panose="020B0609040504020204" pitchFamily="49" charset="0"/>
+              </a:rPr>
+              <a:t>)</a:t>
+            </a:r>
+          </a:p>
+          <a:p>
+            <a:r>
+              <a:rPr lang="ru-RU" dirty="0">
+                <a:latin typeface="Lucida Console" panose="020B0609040504020204" pitchFamily="49" charset="0"/>
+              </a:rPr>
+              <a:t>END.</a:t>
+            </a:r>
+          </a:p>
+        </p:txBody>
+      </p:sp>
+    </p:spTree>
+    <p:extLst>
+      <p:ext uri="{BB962C8B-B14F-4D97-AF65-F5344CB8AC3E}">
+        <p14:creationId xmlns:p14="http://schemas.microsoft.com/office/powerpoint/2010/main" val="782976173"/>
+      </p:ext>
+    </p:extLst>
+  </p:cSld>
+  <p:clrMapOvr>
+    <a:masterClrMapping/>
+  </p:clrMapOvr>
+</p:sld>
+</file>
+
 <file path=ppt/slides/slide4.xml><?xml version="1.0" encoding="utf-8"?>
 <p:sld xmlns:a="http://schemas.openxmlformats.org/drawingml/2006/main" xmlns:r="http://schemas.openxmlformats.org/officeDocument/2006/relationships" xmlns:p="http://schemas.openxmlformats.org/presentationml/2006/main">
   <p:cSld>
@@ -21489,6 +23809,1694 @@
       </p:par>
     </p:tnLst>
   </p:timing>
+</p:sld>
+</file>
+
+<file path=ppt/slides/slide40.xml><?xml version="1.0" encoding="utf-8"?>
+<p:sld xmlns:a="http://schemas.openxmlformats.org/drawingml/2006/main" xmlns:r="http://schemas.openxmlformats.org/officeDocument/2006/relationships" xmlns:p="http://schemas.openxmlformats.org/presentationml/2006/main">
+  <p:cSld>
+    <p:spTree>
+      <p:nvGrpSpPr>
+        <p:cNvPr id="1" name=""/>
+        <p:cNvGrpSpPr/>
+        <p:nvPr/>
+      </p:nvGrpSpPr>
+      <p:grpSpPr>
+        <a:xfrm>
+          <a:off x="0" y="0"/>
+          <a:ext cx="0" cy="0"/>
+          <a:chOff x="0" y="0"/>
+          <a:chExt cx="0" cy="0"/>
+        </a:xfrm>
+      </p:grpSpPr>
+      <p:sp>
+        <p:nvSpPr>
+          <p:cNvPr id="2" name="Rectangle 1"/>
+          <p:cNvSpPr/>
+          <p:nvPr/>
+        </p:nvSpPr>
+        <p:spPr>
+          <a:xfrm>
+            <a:off x="0" y="1"/>
+            <a:ext cx="9232900" cy="6905095"/>
+          </a:xfrm>
+          <a:prstGeom prst="rect">
+            <a:avLst/>
+          </a:prstGeom>
+        </p:spPr>
+        <p:txBody>
+          <a:bodyPr wrap="square">
+            <a:spAutoFit/>
+          </a:bodyPr>
+          <a:lstStyle/>
+          <a:p>
+            <a:pPr>
+              <a:lnSpc>
+                <a:spcPct val="93000"/>
+              </a:lnSpc>
+            </a:pPr>
+            <a:r>
+              <a:rPr lang="ru-RU" sz="1400" dirty="0">
+                <a:latin typeface="Lucida Console" panose="020B0609040504020204" pitchFamily="49" charset="0"/>
+              </a:rPr>
+              <a:t>PROCEDURE </a:t>
+            </a:r>
+            <a:r>
+              <a:rPr lang="ru-RU" sz="1400" dirty="0" err="1">
+                <a:latin typeface="Lucida Console" panose="020B0609040504020204" pitchFamily="49" charset="0"/>
+              </a:rPr>
+              <a:t>ReadStatistics</a:t>
+            </a:r>
+            <a:r>
+              <a:rPr lang="ru-RU" sz="1400" dirty="0">
+                <a:latin typeface="Lucida Console" panose="020B0609040504020204" pitchFamily="49" charset="0"/>
+              </a:rPr>
+              <a:t>(VAR </a:t>
+            </a:r>
+            <a:r>
+              <a:rPr lang="ru-RU" sz="1400" dirty="0" err="1">
+                <a:latin typeface="Lucida Console" panose="020B0609040504020204" pitchFamily="49" charset="0"/>
+              </a:rPr>
+              <a:t>FIn</a:t>
+            </a:r>
+            <a:r>
+              <a:rPr lang="ru-RU" sz="1400" dirty="0">
+                <a:latin typeface="Lucida Console" panose="020B0609040504020204" pitchFamily="49" charset="0"/>
+              </a:rPr>
+              <a:t>: TEXT; VAR </a:t>
+            </a:r>
+            <a:r>
+              <a:rPr lang="ru-RU" sz="1400" dirty="0" err="1">
+                <a:latin typeface="Lucida Console" panose="020B0609040504020204" pitchFamily="49" charset="0"/>
+              </a:rPr>
+              <a:t>Stat</a:t>
+            </a:r>
+            <a:r>
+              <a:rPr lang="ru-RU" sz="1400" dirty="0">
+                <a:latin typeface="Lucida Console" panose="020B0609040504020204" pitchFamily="49" charset="0"/>
+              </a:rPr>
+              <a:t>: </a:t>
+            </a:r>
+            <a:r>
+              <a:rPr lang="ru-RU" sz="1400" dirty="0" err="1">
+                <a:latin typeface="Lucida Console" panose="020B0609040504020204" pitchFamily="49" charset="0"/>
+              </a:rPr>
+              <a:t>StatType</a:t>
+            </a:r>
+            <a:r>
+              <a:rPr lang="ru-RU" sz="1400" dirty="0">
+                <a:latin typeface="Lucida Console" panose="020B0609040504020204" pitchFamily="49" charset="0"/>
+              </a:rPr>
+              <a:t>);</a:t>
+            </a:r>
+          </a:p>
+          <a:p>
+            <a:pPr>
+              <a:lnSpc>
+                <a:spcPct val="93000"/>
+              </a:lnSpc>
+            </a:pPr>
+            <a:r>
+              <a:rPr lang="ru-RU" sz="1400" dirty="0">
+                <a:latin typeface="Lucida Console" panose="020B0609040504020204" pitchFamily="49" charset="0"/>
+              </a:rPr>
+              <a:t>VAR</a:t>
+            </a:r>
+          </a:p>
+          <a:p>
+            <a:pPr>
+              <a:lnSpc>
+                <a:spcPct val="93000"/>
+              </a:lnSpc>
+            </a:pPr>
+            <a:r>
+              <a:rPr lang="ru-RU" sz="1400" dirty="0">
+                <a:latin typeface="Lucida Console" panose="020B0609040504020204" pitchFamily="49" charset="0"/>
+              </a:rPr>
+              <a:t>  </a:t>
+            </a:r>
+            <a:r>
+              <a:rPr lang="ru-RU" sz="1400" dirty="0" err="1">
+                <a:latin typeface="Lucida Console" panose="020B0609040504020204" pitchFamily="49" charset="0"/>
+              </a:rPr>
+              <a:t>IsEnd</a:t>
+            </a:r>
+            <a:r>
+              <a:rPr lang="ru-RU" sz="1400" dirty="0">
+                <a:latin typeface="Lucida Console" panose="020B0609040504020204" pitchFamily="49" charset="0"/>
+              </a:rPr>
+              <a:t>: BOOLEAN; </a:t>
+            </a:r>
+          </a:p>
+          <a:p>
+            <a:pPr>
+              <a:lnSpc>
+                <a:spcPct val="93000"/>
+              </a:lnSpc>
+            </a:pPr>
+            <a:r>
+              <a:rPr lang="ru-RU" sz="1400" dirty="0">
+                <a:latin typeface="Lucida Console" panose="020B0609040504020204" pitchFamily="49" charset="0"/>
+              </a:rPr>
+              <a:t>  </a:t>
+            </a:r>
+            <a:r>
+              <a:rPr lang="ru-RU" sz="1400" dirty="0" err="1">
+                <a:latin typeface="Lucida Console" panose="020B0609040504020204" pitchFamily="49" charset="0"/>
+              </a:rPr>
+              <a:t>Ch</a:t>
+            </a:r>
+            <a:r>
+              <a:rPr lang="ru-RU" sz="1400" dirty="0">
+                <a:latin typeface="Lucida Console" panose="020B0609040504020204" pitchFamily="49" charset="0"/>
+              </a:rPr>
+              <a:t>: CHAR;</a:t>
+            </a:r>
+          </a:p>
+          <a:p>
+            <a:pPr>
+              <a:lnSpc>
+                <a:spcPct val="93000"/>
+              </a:lnSpc>
+            </a:pPr>
+            <a:r>
+              <a:rPr lang="ru-RU" sz="1400" dirty="0">
+                <a:latin typeface="Lucida Console" panose="020B0609040504020204" pitchFamily="49" charset="0"/>
+              </a:rPr>
+              <a:t>BEGIN </a:t>
+            </a:r>
+          </a:p>
+          <a:p>
+            <a:pPr>
+              <a:lnSpc>
+                <a:spcPct val="93000"/>
+              </a:lnSpc>
+            </a:pPr>
+            <a:r>
+              <a:rPr lang="ru-RU" sz="1400" dirty="0">
+                <a:latin typeface="Lucida Console" panose="020B0609040504020204" pitchFamily="49" charset="0"/>
+              </a:rPr>
+              <a:t>  FOR </a:t>
+            </a:r>
+            <a:r>
+              <a:rPr lang="ru-RU" sz="1400" dirty="0" err="1">
+                <a:latin typeface="Lucida Console" panose="020B0609040504020204" pitchFamily="49" charset="0"/>
+              </a:rPr>
+              <a:t>Ch</a:t>
+            </a:r>
+            <a:r>
+              <a:rPr lang="ru-RU" sz="1400" dirty="0">
+                <a:latin typeface="Lucida Console" panose="020B0609040504020204" pitchFamily="49" charset="0"/>
+              </a:rPr>
+              <a:t> := 'A' TO 'Z'</a:t>
+            </a:r>
+          </a:p>
+          <a:p>
+            <a:pPr>
+              <a:lnSpc>
+                <a:spcPct val="93000"/>
+              </a:lnSpc>
+            </a:pPr>
+            <a:r>
+              <a:rPr lang="ru-RU" sz="1400" dirty="0">
+                <a:latin typeface="Lucida Console" panose="020B0609040504020204" pitchFamily="49" charset="0"/>
+              </a:rPr>
+              <a:t>  DO</a:t>
+            </a:r>
+          </a:p>
+          <a:p>
+            <a:pPr>
+              <a:lnSpc>
+                <a:spcPct val="93000"/>
+              </a:lnSpc>
+            </a:pPr>
+            <a:r>
+              <a:rPr lang="ru-RU" sz="1400" dirty="0">
+                <a:latin typeface="Lucida Console" panose="020B0609040504020204" pitchFamily="49" charset="0"/>
+              </a:rPr>
+              <a:t>    BEGIN</a:t>
+            </a:r>
+          </a:p>
+          <a:p>
+            <a:pPr>
+              <a:lnSpc>
+                <a:spcPct val="93000"/>
+              </a:lnSpc>
+            </a:pPr>
+            <a:r>
+              <a:rPr lang="ru-RU" sz="1400" dirty="0">
+                <a:latin typeface="Lucida Console" panose="020B0609040504020204" pitchFamily="49" charset="0"/>
+              </a:rPr>
+              <a:t>      </a:t>
+            </a:r>
+            <a:r>
+              <a:rPr lang="ru-RU" sz="1400" dirty="0" err="1">
+                <a:latin typeface="Lucida Console" panose="020B0609040504020204" pitchFamily="49" charset="0"/>
+              </a:rPr>
+              <a:t>Stat</a:t>
+            </a:r>
+            <a:r>
+              <a:rPr lang="ru-RU" sz="1400" dirty="0">
+                <a:latin typeface="Lucida Console" panose="020B0609040504020204" pitchFamily="49" charset="0"/>
+              </a:rPr>
+              <a:t>[</a:t>
+            </a:r>
+            <a:r>
+              <a:rPr lang="ru-RU" sz="1400" dirty="0" err="1">
+                <a:latin typeface="Lucida Console" panose="020B0609040504020204" pitchFamily="49" charset="0"/>
+              </a:rPr>
+              <a:t>Ch</a:t>
+            </a:r>
+            <a:r>
+              <a:rPr lang="ru-RU" sz="1400" dirty="0">
+                <a:latin typeface="Lucida Console" panose="020B0609040504020204" pitchFamily="49" charset="0"/>
+              </a:rPr>
+              <a:t>] := 0</a:t>
+            </a:r>
+          </a:p>
+          <a:p>
+            <a:pPr>
+              <a:lnSpc>
+                <a:spcPct val="93000"/>
+              </a:lnSpc>
+            </a:pPr>
+            <a:r>
+              <a:rPr lang="ru-RU" sz="1400" dirty="0">
+                <a:latin typeface="Lucida Console" panose="020B0609040504020204" pitchFamily="49" charset="0"/>
+              </a:rPr>
+              <a:t>    END;</a:t>
+            </a:r>
+          </a:p>
+          <a:p>
+            <a:pPr>
+              <a:lnSpc>
+                <a:spcPct val="93000"/>
+              </a:lnSpc>
+            </a:pPr>
+            <a:r>
+              <a:rPr lang="ru-RU" sz="1400" dirty="0">
+                <a:latin typeface="Lucida Console" panose="020B0609040504020204" pitchFamily="49" charset="0"/>
+              </a:rPr>
+              <a:t>  </a:t>
+            </a:r>
+            <a:r>
+              <a:rPr lang="ru-RU" sz="1400" dirty="0" err="1">
+                <a:latin typeface="Lucida Console" panose="020B0609040504020204" pitchFamily="49" charset="0"/>
+              </a:rPr>
+              <a:t>IsEnd</a:t>
+            </a:r>
+            <a:r>
+              <a:rPr lang="ru-RU" sz="1400" dirty="0">
+                <a:latin typeface="Lucida Console" panose="020B0609040504020204" pitchFamily="49" charset="0"/>
+              </a:rPr>
+              <a:t> := FALSE;</a:t>
+            </a:r>
+          </a:p>
+          <a:p>
+            <a:pPr>
+              <a:lnSpc>
+                <a:spcPct val="93000"/>
+              </a:lnSpc>
+            </a:pPr>
+            <a:r>
+              <a:rPr lang="ru-RU" sz="1400" dirty="0">
+                <a:latin typeface="Lucida Console" panose="020B0609040504020204" pitchFamily="49" charset="0"/>
+              </a:rPr>
+              <a:t>  WHILE NOT EOF(</a:t>
+            </a:r>
+            <a:r>
+              <a:rPr lang="ru-RU" sz="1400" dirty="0" err="1">
+                <a:latin typeface="Lucida Console" panose="020B0609040504020204" pitchFamily="49" charset="0"/>
+              </a:rPr>
+              <a:t>FIn</a:t>
+            </a:r>
+            <a:r>
+              <a:rPr lang="ru-RU" sz="1400" dirty="0">
+                <a:latin typeface="Lucida Console" panose="020B0609040504020204" pitchFamily="49" charset="0"/>
+              </a:rPr>
+              <a:t>) AND NOT </a:t>
+            </a:r>
+            <a:r>
+              <a:rPr lang="ru-RU" sz="1400" dirty="0" err="1">
+                <a:latin typeface="Lucida Console" panose="020B0609040504020204" pitchFamily="49" charset="0"/>
+              </a:rPr>
+              <a:t>IsEnd</a:t>
+            </a:r>
+            <a:endParaRPr lang="ru-RU" sz="1400" dirty="0">
+              <a:latin typeface="Lucida Console" panose="020B0609040504020204" pitchFamily="49" charset="0"/>
+            </a:endParaRPr>
+          </a:p>
+          <a:p>
+            <a:pPr>
+              <a:lnSpc>
+                <a:spcPct val="93000"/>
+              </a:lnSpc>
+            </a:pPr>
+            <a:r>
+              <a:rPr lang="ru-RU" sz="1400" dirty="0">
+                <a:latin typeface="Lucida Console" panose="020B0609040504020204" pitchFamily="49" charset="0"/>
+              </a:rPr>
+              <a:t>  DO</a:t>
+            </a:r>
+          </a:p>
+          <a:p>
+            <a:pPr>
+              <a:lnSpc>
+                <a:spcPct val="93000"/>
+              </a:lnSpc>
+            </a:pPr>
+            <a:r>
+              <a:rPr lang="ru-RU" sz="1400" dirty="0">
+                <a:latin typeface="Lucida Console" panose="020B0609040504020204" pitchFamily="49" charset="0"/>
+              </a:rPr>
+              <a:t>    BEGIN</a:t>
+            </a:r>
+          </a:p>
+          <a:p>
+            <a:pPr>
+              <a:lnSpc>
+                <a:spcPct val="93000"/>
+              </a:lnSpc>
+            </a:pPr>
+            <a:r>
+              <a:rPr lang="ru-RU" sz="1400" dirty="0">
+                <a:latin typeface="Lucida Console" panose="020B0609040504020204" pitchFamily="49" charset="0"/>
+              </a:rPr>
+              <a:t>      WHILE NOT EOLN(</a:t>
+            </a:r>
+            <a:r>
+              <a:rPr lang="ru-RU" sz="1400" dirty="0" err="1">
+                <a:latin typeface="Lucida Console" panose="020B0609040504020204" pitchFamily="49" charset="0"/>
+              </a:rPr>
+              <a:t>FIn</a:t>
+            </a:r>
+            <a:r>
+              <a:rPr lang="ru-RU" sz="1400" dirty="0">
+                <a:latin typeface="Lucida Console" panose="020B0609040504020204" pitchFamily="49" charset="0"/>
+              </a:rPr>
+              <a:t>) AND NOT </a:t>
+            </a:r>
+            <a:r>
+              <a:rPr lang="ru-RU" sz="1400" dirty="0" err="1">
+                <a:latin typeface="Lucida Console" panose="020B0609040504020204" pitchFamily="49" charset="0"/>
+              </a:rPr>
+              <a:t>IsEnd</a:t>
+            </a:r>
+            <a:endParaRPr lang="ru-RU" sz="1400" dirty="0">
+              <a:latin typeface="Lucida Console" panose="020B0609040504020204" pitchFamily="49" charset="0"/>
+            </a:endParaRPr>
+          </a:p>
+          <a:p>
+            <a:pPr>
+              <a:lnSpc>
+                <a:spcPct val="93000"/>
+              </a:lnSpc>
+            </a:pPr>
+            <a:r>
+              <a:rPr lang="ru-RU" sz="1400" dirty="0">
+                <a:latin typeface="Lucida Console" panose="020B0609040504020204" pitchFamily="49" charset="0"/>
+              </a:rPr>
+              <a:t>      DO</a:t>
+            </a:r>
+          </a:p>
+          <a:p>
+            <a:pPr>
+              <a:lnSpc>
+                <a:spcPct val="93000"/>
+              </a:lnSpc>
+            </a:pPr>
+            <a:r>
+              <a:rPr lang="ru-RU" sz="1400" dirty="0">
+                <a:latin typeface="Lucida Console" panose="020B0609040504020204" pitchFamily="49" charset="0"/>
+              </a:rPr>
+              <a:t>        BEGIN</a:t>
+            </a:r>
+          </a:p>
+          <a:p>
+            <a:pPr>
+              <a:lnSpc>
+                <a:spcPct val="93000"/>
+              </a:lnSpc>
+            </a:pPr>
+            <a:r>
+              <a:rPr lang="ru-RU" sz="1400" dirty="0">
+                <a:latin typeface="Lucida Console" panose="020B0609040504020204" pitchFamily="49" charset="0"/>
+              </a:rPr>
+              <a:t>          READ(</a:t>
+            </a:r>
+            <a:r>
+              <a:rPr lang="ru-RU" sz="1400" dirty="0" err="1">
+                <a:latin typeface="Lucida Console" panose="020B0609040504020204" pitchFamily="49" charset="0"/>
+              </a:rPr>
+              <a:t>FIn</a:t>
+            </a:r>
+            <a:r>
+              <a:rPr lang="ru-RU" sz="1400" dirty="0">
+                <a:latin typeface="Lucida Console" panose="020B0609040504020204" pitchFamily="49" charset="0"/>
+              </a:rPr>
+              <a:t>, </a:t>
+            </a:r>
+            <a:r>
+              <a:rPr lang="ru-RU" sz="1400" dirty="0" err="1">
+                <a:latin typeface="Lucida Console" panose="020B0609040504020204" pitchFamily="49" charset="0"/>
+              </a:rPr>
+              <a:t>Ch</a:t>
+            </a:r>
+            <a:r>
+              <a:rPr lang="ru-RU" sz="1400" dirty="0">
+                <a:latin typeface="Lucida Console" panose="020B0609040504020204" pitchFamily="49" charset="0"/>
+              </a:rPr>
+              <a:t>);</a:t>
+            </a:r>
+          </a:p>
+          <a:p>
+            <a:pPr>
+              <a:lnSpc>
+                <a:spcPct val="93000"/>
+              </a:lnSpc>
+            </a:pPr>
+            <a:r>
+              <a:rPr lang="ru-RU" sz="1400" dirty="0">
+                <a:latin typeface="Lucida Console" panose="020B0609040504020204" pitchFamily="49" charset="0"/>
+              </a:rPr>
+              <a:t>          </a:t>
+            </a:r>
+            <a:r>
+              <a:rPr lang="ru-RU" sz="1400" dirty="0" err="1">
+                <a:latin typeface="Lucida Console" panose="020B0609040504020204" pitchFamily="49" charset="0"/>
+              </a:rPr>
+              <a:t>Ch</a:t>
+            </a:r>
+            <a:r>
+              <a:rPr lang="ru-RU" sz="1400" dirty="0">
+                <a:latin typeface="Lucida Console" panose="020B0609040504020204" pitchFamily="49" charset="0"/>
+              </a:rPr>
+              <a:t> := UPCASE(</a:t>
+            </a:r>
+            <a:r>
+              <a:rPr lang="ru-RU" sz="1400" dirty="0" err="1">
+                <a:latin typeface="Lucida Console" panose="020B0609040504020204" pitchFamily="49" charset="0"/>
+              </a:rPr>
+              <a:t>Ch</a:t>
+            </a:r>
+            <a:r>
+              <a:rPr lang="ru-RU" sz="1400" dirty="0">
+                <a:latin typeface="Lucida Console" panose="020B0609040504020204" pitchFamily="49" charset="0"/>
+              </a:rPr>
+              <a:t>);</a:t>
+            </a:r>
+          </a:p>
+          <a:p>
+            <a:pPr>
+              <a:lnSpc>
+                <a:spcPct val="93000"/>
+              </a:lnSpc>
+            </a:pPr>
+            <a:r>
+              <a:rPr lang="ru-RU" sz="1400" dirty="0">
+                <a:latin typeface="Lucida Console" panose="020B0609040504020204" pitchFamily="49" charset="0"/>
+              </a:rPr>
+              <a:t>          IF </a:t>
+            </a:r>
+            <a:r>
+              <a:rPr lang="ru-RU" sz="1400" dirty="0" err="1">
+                <a:latin typeface="Lucida Console" panose="020B0609040504020204" pitchFamily="49" charset="0"/>
+              </a:rPr>
+              <a:t>Ch</a:t>
+            </a:r>
+            <a:r>
+              <a:rPr lang="ru-RU" sz="1400" dirty="0">
+                <a:latin typeface="Lucida Console" panose="020B0609040504020204" pitchFamily="49" charset="0"/>
+              </a:rPr>
+              <a:t> = '#'</a:t>
+            </a:r>
+          </a:p>
+          <a:p>
+            <a:pPr>
+              <a:lnSpc>
+                <a:spcPct val="93000"/>
+              </a:lnSpc>
+            </a:pPr>
+            <a:r>
+              <a:rPr lang="ru-RU" sz="1400" dirty="0">
+                <a:latin typeface="Lucida Console" panose="020B0609040504020204" pitchFamily="49" charset="0"/>
+              </a:rPr>
+              <a:t>          THEN</a:t>
+            </a:r>
+          </a:p>
+          <a:p>
+            <a:pPr>
+              <a:lnSpc>
+                <a:spcPct val="93000"/>
+              </a:lnSpc>
+            </a:pPr>
+            <a:r>
+              <a:rPr lang="ru-RU" sz="1400" dirty="0">
+                <a:latin typeface="Lucida Console" panose="020B0609040504020204" pitchFamily="49" charset="0"/>
+              </a:rPr>
+              <a:t>            </a:t>
+            </a:r>
+            <a:r>
+              <a:rPr lang="ru-RU" sz="1400" dirty="0" err="1">
+                <a:latin typeface="Lucida Console" panose="020B0609040504020204" pitchFamily="49" charset="0"/>
+              </a:rPr>
+              <a:t>IsEnd</a:t>
+            </a:r>
+            <a:r>
+              <a:rPr lang="ru-RU" sz="1400" dirty="0">
+                <a:latin typeface="Lucida Console" panose="020B0609040504020204" pitchFamily="49" charset="0"/>
+              </a:rPr>
+              <a:t> := TRUE</a:t>
+            </a:r>
+          </a:p>
+          <a:p>
+            <a:pPr>
+              <a:lnSpc>
+                <a:spcPct val="93000"/>
+              </a:lnSpc>
+            </a:pPr>
+            <a:r>
+              <a:rPr lang="ru-RU" sz="1400" dirty="0">
+                <a:latin typeface="Lucida Console" panose="020B0609040504020204" pitchFamily="49" charset="0"/>
+              </a:rPr>
+              <a:t>          ELSE</a:t>
+            </a:r>
+          </a:p>
+          <a:p>
+            <a:pPr>
+              <a:lnSpc>
+                <a:spcPct val="93000"/>
+              </a:lnSpc>
+            </a:pPr>
+            <a:r>
+              <a:rPr lang="ru-RU" sz="1400" dirty="0">
+                <a:latin typeface="Lucida Console" panose="020B0609040504020204" pitchFamily="49" charset="0"/>
+              </a:rPr>
+              <a:t>            BEGIN</a:t>
+            </a:r>
+          </a:p>
+          <a:p>
+            <a:pPr>
+              <a:lnSpc>
+                <a:spcPct val="93000"/>
+              </a:lnSpc>
+            </a:pPr>
+            <a:r>
+              <a:rPr lang="ru-RU" sz="1400" dirty="0">
+                <a:latin typeface="Lucida Console" panose="020B0609040504020204" pitchFamily="49" charset="0"/>
+              </a:rPr>
+              <a:t>              IF (</a:t>
+            </a:r>
+            <a:r>
+              <a:rPr lang="ru-RU" sz="1400" dirty="0" err="1">
+                <a:latin typeface="Lucida Console" panose="020B0609040504020204" pitchFamily="49" charset="0"/>
+              </a:rPr>
+              <a:t>Ch</a:t>
+            </a:r>
+            <a:r>
+              <a:rPr lang="ru-RU" sz="1400" dirty="0">
+                <a:latin typeface="Lucida Console" panose="020B0609040504020204" pitchFamily="49" charset="0"/>
+              </a:rPr>
+              <a:t> &gt;= 'A') AND (</a:t>
+            </a:r>
+            <a:r>
+              <a:rPr lang="ru-RU" sz="1400" dirty="0" err="1">
+                <a:latin typeface="Lucida Console" panose="020B0609040504020204" pitchFamily="49" charset="0"/>
+              </a:rPr>
+              <a:t>Ch</a:t>
+            </a:r>
+            <a:r>
+              <a:rPr lang="ru-RU" sz="1400" dirty="0">
+                <a:latin typeface="Lucida Console" panose="020B0609040504020204" pitchFamily="49" charset="0"/>
+              </a:rPr>
+              <a:t> &lt;= 'Z')</a:t>
+            </a:r>
+          </a:p>
+          <a:p>
+            <a:pPr>
+              <a:lnSpc>
+                <a:spcPct val="93000"/>
+              </a:lnSpc>
+            </a:pPr>
+            <a:r>
+              <a:rPr lang="ru-RU" sz="1400" dirty="0">
+                <a:latin typeface="Lucida Console" panose="020B0609040504020204" pitchFamily="49" charset="0"/>
+              </a:rPr>
+              <a:t>              THEN</a:t>
+            </a:r>
+          </a:p>
+          <a:p>
+            <a:pPr>
+              <a:lnSpc>
+                <a:spcPct val="93000"/>
+              </a:lnSpc>
+            </a:pPr>
+            <a:r>
+              <a:rPr lang="ru-RU" sz="1400" dirty="0">
+                <a:latin typeface="Lucida Console" panose="020B0609040504020204" pitchFamily="49" charset="0"/>
+              </a:rPr>
+              <a:t>                </a:t>
+            </a:r>
+            <a:r>
+              <a:rPr lang="ru-RU" sz="1400" dirty="0" err="1">
+                <a:latin typeface="Lucida Console" panose="020B0609040504020204" pitchFamily="49" charset="0"/>
+              </a:rPr>
+              <a:t>Stat</a:t>
+            </a:r>
+            <a:r>
+              <a:rPr lang="ru-RU" sz="1400" dirty="0">
+                <a:latin typeface="Lucida Console" panose="020B0609040504020204" pitchFamily="49" charset="0"/>
+              </a:rPr>
+              <a:t>[</a:t>
+            </a:r>
+            <a:r>
+              <a:rPr lang="ru-RU" sz="1400" dirty="0" err="1">
+                <a:latin typeface="Lucida Console" panose="020B0609040504020204" pitchFamily="49" charset="0"/>
+              </a:rPr>
+              <a:t>Ch</a:t>
+            </a:r>
+            <a:r>
+              <a:rPr lang="ru-RU" sz="1400" dirty="0">
+                <a:latin typeface="Lucida Console" panose="020B0609040504020204" pitchFamily="49" charset="0"/>
+              </a:rPr>
+              <a:t>] := </a:t>
+            </a:r>
+            <a:r>
+              <a:rPr lang="ru-RU" sz="1400" dirty="0" err="1">
+                <a:latin typeface="Lucida Console" panose="020B0609040504020204" pitchFamily="49" charset="0"/>
+              </a:rPr>
+              <a:t>Stat</a:t>
+            </a:r>
+            <a:r>
+              <a:rPr lang="ru-RU" sz="1400" dirty="0">
+                <a:latin typeface="Lucida Console" panose="020B0609040504020204" pitchFamily="49" charset="0"/>
+              </a:rPr>
+              <a:t>[</a:t>
+            </a:r>
+            <a:r>
+              <a:rPr lang="ru-RU" sz="1400" dirty="0" err="1">
+                <a:latin typeface="Lucida Console" panose="020B0609040504020204" pitchFamily="49" charset="0"/>
+              </a:rPr>
+              <a:t>Ch</a:t>
+            </a:r>
+            <a:r>
+              <a:rPr lang="ru-RU" sz="1400" dirty="0">
+                <a:latin typeface="Lucida Console" panose="020B0609040504020204" pitchFamily="49" charset="0"/>
+              </a:rPr>
+              <a:t>] + 1</a:t>
+            </a:r>
+          </a:p>
+          <a:p>
+            <a:pPr>
+              <a:lnSpc>
+                <a:spcPct val="93000"/>
+              </a:lnSpc>
+            </a:pPr>
+            <a:r>
+              <a:rPr lang="ru-RU" sz="1400" dirty="0">
+                <a:latin typeface="Lucida Console" panose="020B0609040504020204" pitchFamily="49" charset="0"/>
+              </a:rPr>
+              <a:t>            END</a:t>
+            </a:r>
+          </a:p>
+          <a:p>
+            <a:pPr>
+              <a:lnSpc>
+                <a:spcPct val="93000"/>
+              </a:lnSpc>
+            </a:pPr>
+            <a:r>
+              <a:rPr lang="ru-RU" sz="1400" dirty="0">
+                <a:latin typeface="Lucida Console" panose="020B0609040504020204" pitchFamily="49" charset="0"/>
+              </a:rPr>
+              <a:t>        END;</a:t>
+            </a:r>
+          </a:p>
+          <a:p>
+            <a:pPr>
+              <a:lnSpc>
+                <a:spcPct val="93000"/>
+              </a:lnSpc>
+            </a:pPr>
+            <a:r>
+              <a:rPr lang="ru-RU" sz="1400" dirty="0">
+                <a:latin typeface="Lucida Console" panose="020B0609040504020204" pitchFamily="49" charset="0"/>
+              </a:rPr>
+              <a:t>      IF NOT </a:t>
+            </a:r>
+            <a:r>
+              <a:rPr lang="ru-RU" sz="1400" dirty="0" err="1">
+                <a:latin typeface="Lucida Console" panose="020B0609040504020204" pitchFamily="49" charset="0"/>
+              </a:rPr>
+              <a:t>IsEnd</a:t>
+            </a:r>
+            <a:endParaRPr lang="ru-RU" sz="1400" dirty="0">
+              <a:latin typeface="Lucida Console" panose="020B0609040504020204" pitchFamily="49" charset="0"/>
+            </a:endParaRPr>
+          </a:p>
+          <a:p>
+            <a:pPr>
+              <a:lnSpc>
+                <a:spcPct val="93000"/>
+              </a:lnSpc>
+            </a:pPr>
+            <a:r>
+              <a:rPr lang="ru-RU" sz="1400" dirty="0">
+                <a:latin typeface="Lucida Console" panose="020B0609040504020204" pitchFamily="49" charset="0"/>
+              </a:rPr>
+              <a:t>      THEN</a:t>
+            </a:r>
+          </a:p>
+          <a:p>
+            <a:pPr>
+              <a:lnSpc>
+                <a:spcPct val="93000"/>
+              </a:lnSpc>
+            </a:pPr>
+            <a:r>
+              <a:rPr lang="ru-RU" sz="1400" dirty="0">
+                <a:latin typeface="Lucida Console" panose="020B0609040504020204" pitchFamily="49" charset="0"/>
+              </a:rPr>
+              <a:t>        READLN(</a:t>
+            </a:r>
+            <a:r>
+              <a:rPr lang="ru-RU" sz="1400" dirty="0" err="1">
+                <a:latin typeface="Lucida Console" panose="020B0609040504020204" pitchFamily="49" charset="0"/>
+              </a:rPr>
+              <a:t>FIn</a:t>
+            </a:r>
+            <a:r>
+              <a:rPr lang="ru-RU" sz="1400" dirty="0">
+                <a:latin typeface="Lucida Console" panose="020B0609040504020204" pitchFamily="49" charset="0"/>
+              </a:rPr>
+              <a:t>)</a:t>
+            </a:r>
+          </a:p>
+          <a:p>
+            <a:pPr>
+              <a:lnSpc>
+                <a:spcPct val="93000"/>
+              </a:lnSpc>
+            </a:pPr>
+            <a:r>
+              <a:rPr lang="ru-RU" sz="1400" dirty="0">
+                <a:latin typeface="Lucida Console" panose="020B0609040504020204" pitchFamily="49" charset="0"/>
+              </a:rPr>
+              <a:t>    END</a:t>
+            </a:r>
+          </a:p>
+          <a:p>
+            <a:pPr>
+              <a:lnSpc>
+                <a:spcPct val="93000"/>
+              </a:lnSpc>
+            </a:pPr>
+            <a:r>
+              <a:rPr lang="ru-RU" sz="1400" dirty="0">
+                <a:latin typeface="Lucida Console" panose="020B0609040504020204" pitchFamily="49" charset="0"/>
+              </a:rPr>
+              <a:t>END;</a:t>
+            </a:r>
+          </a:p>
+        </p:txBody>
+      </p:sp>
+    </p:spTree>
+    <p:extLst>
+      <p:ext uri="{BB962C8B-B14F-4D97-AF65-F5344CB8AC3E}">
+        <p14:creationId xmlns:p14="http://schemas.microsoft.com/office/powerpoint/2010/main" val="3970673234"/>
+      </p:ext>
+    </p:extLst>
+  </p:cSld>
+  <p:clrMapOvr>
+    <a:masterClrMapping/>
+  </p:clrMapOvr>
+</p:sld>
+</file>
+
+<file path=ppt/slides/slide41.xml><?xml version="1.0" encoding="utf-8"?>
+<p:sld xmlns:a="http://schemas.openxmlformats.org/drawingml/2006/main" xmlns:r="http://schemas.openxmlformats.org/officeDocument/2006/relationships" xmlns:p="http://schemas.openxmlformats.org/presentationml/2006/main">
+  <p:cSld>
+    <p:spTree>
+      <p:nvGrpSpPr>
+        <p:cNvPr id="1" name=""/>
+        <p:cNvGrpSpPr/>
+        <p:nvPr/>
+      </p:nvGrpSpPr>
+      <p:grpSpPr>
+        <a:xfrm>
+          <a:off x="0" y="0"/>
+          <a:ext cx="0" cy="0"/>
+          <a:chOff x="0" y="0"/>
+          <a:chExt cx="0" cy="0"/>
+        </a:xfrm>
+      </p:grpSpPr>
+      <p:sp>
+        <p:nvSpPr>
+          <p:cNvPr id="2" name="Rectangle 1"/>
+          <p:cNvSpPr/>
+          <p:nvPr/>
+        </p:nvSpPr>
+        <p:spPr>
+          <a:xfrm>
+            <a:off x="0" y="179249"/>
+            <a:ext cx="8966200" cy="6678751"/>
+          </a:xfrm>
+          <a:prstGeom prst="rect">
+            <a:avLst/>
+          </a:prstGeom>
+        </p:spPr>
+        <p:txBody>
+          <a:bodyPr wrap="square">
+            <a:spAutoFit/>
+          </a:bodyPr>
+          <a:lstStyle/>
+          <a:p>
+            <a:r>
+              <a:rPr lang="ru-RU" sz="1600" dirty="0">
+                <a:latin typeface="Lucida Console" panose="020B0609040504020204" pitchFamily="49" charset="0"/>
+              </a:rPr>
+              <a:t>PROCEDURE </a:t>
+            </a:r>
+            <a:r>
+              <a:rPr lang="ru-RU" sz="1600" dirty="0" err="1">
+                <a:latin typeface="Lucida Console" panose="020B0609040504020204" pitchFamily="49" charset="0"/>
+              </a:rPr>
+              <a:t>WriteSortedStatistics</a:t>
+            </a:r>
+            <a:r>
+              <a:rPr lang="ru-RU" sz="1600" dirty="0">
+                <a:latin typeface="Lucida Console" panose="020B0609040504020204" pitchFamily="49" charset="0"/>
+              </a:rPr>
+              <a:t>(VAR </a:t>
+            </a:r>
+            <a:r>
+              <a:rPr lang="ru-RU" sz="1600" dirty="0" err="1">
+                <a:latin typeface="Lucida Console" panose="020B0609040504020204" pitchFamily="49" charset="0"/>
+              </a:rPr>
+              <a:t>Stat</a:t>
+            </a:r>
+            <a:r>
+              <a:rPr lang="ru-RU" sz="1600" dirty="0">
+                <a:latin typeface="Lucida Console" panose="020B0609040504020204" pitchFamily="49" charset="0"/>
+              </a:rPr>
+              <a:t>: </a:t>
+            </a:r>
+            <a:r>
+              <a:rPr lang="ru-RU" sz="1600" dirty="0" err="1">
+                <a:latin typeface="Lucida Console" panose="020B0609040504020204" pitchFamily="49" charset="0"/>
+              </a:rPr>
+              <a:t>StatType</a:t>
+            </a:r>
+            <a:r>
+              <a:rPr lang="ru-RU" sz="1600" dirty="0">
+                <a:latin typeface="Lucida Console" panose="020B0609040504020204" pitchFamily="49" charset="0"/>
+              </a:rPr>
+              <a:t>);</a:t>
+            </a:r>
+          </a:p>
+          <a:p>
+            <a:r>
+              <a:rPr lang="ru-RU" sz="1600" dirty="0">
+                <a:latin typeface="Lucida Console" panose="020B0609040504020204" pitchFamily="49" charset="0"/>
+              </a:rPr>
+              <a:t>VAR</a:t>
+            </a:r>
+          </a:p>
+          <a:p>
+            <a:r>
+              <a:rPr lang="ru-RU" sz="1600" dirty="0">
+                <a:latin typeface="Lucida Console" panose="020B0609040504020204" pitchFamily="49" charset="0"/>
+              </a:rPr>
+              <a:t>  </a:t>
+            </a:r>
+            <a:r>
+              <a:rPr lang="ru-RU" sz="1600" dirty="0" err="1">
+                <a:latin typeface="Lucida Console" panose="020B0609040504020204" pitchFamily="49" charset="0"/>
+              </a:rPr>
+              <a:t>Maximum</a:t>
+            </a:r>
+            <a:r>
+              <a:rPr lang="ru-RU" sz="1600" dirty="0">
+                <a:latin typeface="Lucida Console" panose="020B0609040504020204" pitchFamily="49" charset="0"/>
+              </a:rPr>
+              <a:t>: INTEGER;</a:t>
+            </a:r>
+          </a:p>
+          <a:p>
+            <a:r>
+              <a:rPr lang="ru-RU" sz="1600" dirty="0">
+                <a:latin typeface="Lucida Console" panose="020B0609040504020204" pitchFamily="49" charset="0"/>
+              </a:rPr>
+              <a:t>  </a:t>
+            </a:r>
+            <a:r>
+              <a:rPr lang="ru-RU" sz="1600" dirty="0" err="1">
+                <a:latin typeface="Lucida Console" panose="020B0609040504020204" pitchFamily="49" charset="0"/>
+              </a:rPr>
+              <a:t>Ch</a:t>
+            </a:r>
+            <a:r>
+              <a:rPr lang="ru-RU" sz="1600" dirty="0">
+                <a:latin typeface="Lucida Console" panose="020B0609040504020204" pitchFamily="49" charset="0"/>
+              </a:rPr>
+              <a:t>: CHAR;</a:t>
+            </a:r>
+          </a:p>
+          <a:p>
+            <a:r>
+              <a:rPr lang="ru-RU" sz="1600" dirty="0">
+                <a:latin typeface="Lucida Console" panose="020B0609040504020204" pitchFamily="49" charset="0"/>
+              </a:rPr>
+              <a:t>BEGIN     </a:t>
+            </a:r>
+          </a:p>
+          <a:p>
+            <a:r>
+              <a:rPr lang="ru-RU" sz="1600" dirty="0">
+                <a:latin typeface="Lucida Console" panose="020B0609040504020204" pitchFamily="49" charset="0"/>
+              </a:rPr>
+              <a:t>  </a:t>
+            </a:r>
+            <a:r>
+              <a:rPr lang="ru-RU" sz="1600" dirty="0" err="1">
+                <a:latin typeface="Lucida Console" panose="020B0609040504020204" pitchFamily="49" charset="0"/>
+              </a:rPr>
+              <a:t>Maximum</a:t>
+            </a:r>
+            <a:r>
+              <a:rPr lang="ru-RU" sz="1600" dirty="0">
+                <a:latin typeface="Lucida Console" panose="020B0609040504020204" pitchFamily="49" charset="0"/>
+              </a:rPr>
+              <a:t> := </a:t>
+            </a:r>
+            <a:r>
+              <a:rPr lang="ru-RU" sz="1600" dirty="0" err="1">
+                <a:latin typeface="Lucida Console" panose="020B0609040504020204" pitchFamily="49" charset="0"/>
+              </a:rPr>
+              <a:t>GetArrayMaximum</a:t>
+            </a:r>
+            <a:r>
+              <a:rPr lang="ru-RU" sz="1600" dirty="0">
+                <a:latin typeface="Lucida Console" panose="020B0609040504020204" pitchFamily="49" charset="0"/>
+              </a:rPr>
+              <a:t>(</a:t>
+            </a:r>
+            <a:r>
+              <a:rPr lang="ru-RU" sz="1600" dirty="0" err="1">
+                <a:latin typeface="Lucida Console" panose="020B0609040504020204" pitchFamily="49" charset="0"/>
+              </a:rPr>
+              <a:t>Stat</a:t>
+            </a:r>
+            <a:r>
+              <a:rPr lang="ru-RU" sz="1600" dirty="0">
+                <a:latin typeface="Lucida Console" panose="020B0609040504020204" pitchFamily="49" charset="0"/>
+              </a:rPr>
+              <a:t>);</a:t>
+            </a:r>
+          </a:p>
+          <a:p>
+            <a:r>
+              <a:rPr lang="ru-RU" sz="1600" dirty="0">
+                <a:latin typeface="Lucida Console" panose="020B0609040504020204" pitchFamily="49" charset="0"/>
+              </a:rPr>
+              <a:t>  IF </a:t>
+            </a:r>
+            <a:r>
+              <a:rPr lang="ru-RU" sz="1600" dirty="0" err="1">
+                <a:latin typeface="Lucida Console" panose="020B0609040504020204" pitchFamily="49" charset="0"/>
+              </a:rPr>
+              <a:t>Maximum</a:t>
+            </a:r>
+            <a:r>
+              <a:rPr lang="ru-RU" sz="1600" dirty="0">
+                <a:latin typeface="Lucida Console" panose="020B0609040504020204" pitchFamily="49" charset="0"/>
+              </a:rPr>
+              <a:t> = 0</a:t>
+            </a:r>
+          </a:p>
+          <a:p>
+            <a:r>
+              <a:rPr lang="ru-RU" sz="1600" dirty="0">
+                <a:latin typeface="Lucida Console" panose="020B0609040504020204" pitchFamily="49" charset="0"/>
+              </a:rPr>
+              <a:t>  THEN</a:t>
+            </a:r>
+          </a:p>
+          <a:p>
+            <a:r>
+              <a:rPr lang="ru-RU" sz="1600" dirty="0">
+                <a:latin typeface="Lucida Console" panose="020B0609040504020204" pitchFamily="49" charset="0"/>
+              </a:rPr>
+              <a:t>    WRITELN(OUTPUT, 'NO LETTERS')</a:t>
+            </a:r>
+          </a:p>
+          <a:p>
+            <a:r>
+              <a:rPr lang="ru-RU" sz="1600" dirty="0">
+                <a:latin typeface="Lucida Console" panose="020B0609040504020204" pitchFamily="49" charset="0"/>
+              </a:rPr>
+              <a:t>  ELSE</a:t>
+            </a:r>
+          </a:p>
+          <a:p>
+            <a:r>
+              <a:rPr lang="ru-RU" sz="1600" dirty="0">
+                <a:latin typeface="Lucida Console" panose="020B0609040504020204" pitchFamily="49" charset="0"/>
+              </a:rPr>
+              <a:t>    WHILE (</a:t>
+            </a:r>
+            <a:r>
+              <a:rPr lang="ru-RU" sz="1600" dirty="0" err="1">
+                <a:latin typeface="Lucida Console" panose="020B0609040504020204" pitchFamily="49" charset="0"/>
+              </a:rPr>
+              <a:t>Maximum</a:t>
+            </a:r>
+            <a:r>
+              <a:rPr lang="ru-RU" sz="1600" dirty="0">
+                <a:latin typeface="Lucida Console" panose="020B0609040504020204" pitchFamily="49" charset="0"/>
+              </a:rPr>
+              <a:t> &gt; 0)</a:t>
+            </a:r>
+          </a:p>
+          <a:p>
+            <a:r>
+              <a:rPr lang="ru-RU" sz="1600" dirty="0">
+                <a:latin typeface="Lucida Console" panose="020B0609040504020204" pitchFamily="49" charset="0"/>
+              </a:rPr>
+              <a:t>    DO</a:t>
+            </a:r>
+          </a:p>
+          <a:p>
+            <a:r>
+              <a:rPr lang="ru-RU" sz="1600" dirty="0">
+                <a:latin typeface="Lucida Console" panose="020B0609040504020204" pitchFamily="49" charset="0"/>
+              </a:rPr>
+              <a:t>      BEGIN</a:t>
+            </a:r>
+          </a:p>
+          <a:p>
+            <a:r>
+              <a:rPr lang="ru-RU" sz="1600" dirty="0">
+                <a:latin typeface="Lucida Console" panose="020B0609040504020204" pitchFamily="49" charset="0"/>
+              </a:rPr>
+              <a:t>        FOR </a:t>
+            </a:r>
+            <a:r>
+              <a:rPr lang="ru-RU" sz="1600" dirty="0" err="1">
+                <a:latin typeface="Lucida Console" panose="020B0609040504020204" pitchFamily="49" charset="0"/>
+              </a:rPr>
+              <a:t>Ch</a:t>
+            </a:r>
+            <a:r>
+              <a:rPr lang="ru-RU" sz="1600" dirty="0">
+                <a:latin typeface="Lucida Console" panose="020B0609040504020204" pitchFamily="49" charset="0"/>
+              </a:rPr>
+              <a:t> := 'A' TO 'Z'</a:t>
+            </a:r>
+          </a:p>
+          <a:p>
+            <a:r>
+              <a:rPr lang="ru-RU" sz="1600" dirty="0">
+                <a:latin typeface="Lucida Console" panose="020B0609040504020204" pitchFamily="49" charset="0"/>
+              </a:rPr>
+              <a:t>        DO</a:t>
+            </a:r>
+          </a:p>
+          <a:p>
+            <a:r>
+              <a:rPr lang="ru-RU" sz="1600" dirty="0">
+                <a:latin typeface="Lucida Console" panose="020B0609040504020204" pitchFamily="49" charset="0"/>
+              </a:rPr>
+              <a:t>          BEGIN</a:t>
+            </a:r>
+          </a:p>
+          <a:p>
+            <a:r>
+              <a:rPr lang="ru-RU" sz="1600" dirty="0">
+                <a:latin typeface="Lucida Console" panose="020B0609040504020204" pitchFamily="49" charset="0"/>
+              </a:rPr>
+              <a:t>            IF </a:t>
+            </a:r>
+            <a:r>
+              <a:rPr lang="ru-RU" sz="1600" dirty="0" err="1">
+                <a:latin typeface="Lucida Console" panose="020B0609040504020204" pitchFamily="49" charset="0"/>
+              </a:rPr>
+              <a:t>Stat</a:t>
+            </a:r>
+            <a:r>
+              <a:rPr lang="ru-RU" sz="1600" dirty="0">
+                <a:latin typeface="Lucida Console" panose="020B0609040504020204" pitchFamily="49" charset="0"/>
+              </a:rPr>
+              <a:t>[</a:t>
+            </a:r>
+            <a:r>
+              <a:rPr lang="ru-RU" sz="1600" dirty="0" err="1">
+                <a:latin typeface="Lucida Console" panose="020B0609040504020204" pitchFamily="49" charset="0"/>
+              </a:rPr>
+              <a:t>Ch</a:t>
+            </a:r>
+            <a:r>
+              <a:rPr lang="ru-RU" sz="1600" dirty="0">
+                <a:latin typeface="Lucida Console" panose="020B0609040504020204" pitchFamily="49" charset="0"/>
+              </a:rPr>
+              <a:t>] = </a:t>
+            </a:r>
+            <a:r>
+              <a:rPr lang="ru-RU" sz="1600" dirty="0" err="1">
+                <a:latin typeface="Lucida Console" panose="020B0609040504020204" pitchFamily="49" charset="0"/>
+              </a:rPr>
+              <a:t>Maximum</a:t>
+            </a:r>
+            <a:endParaRPr lang="ru-RU" sz="1600" dirty="0">
+              <a:latin typeface="Lucida Console" panose="020B0609040504020204" pitchFamily="49" charset="0"/>
+            </a:endParaRPr>
+          </a:p>
+          <a:p>
+            <a:r>
+              <a:rPr lang="ru-RU" sz="1600" dirty="0">
+                <a:latin typeface="Lucida Console" panose="020B0609040504020204" pitchFamily="49" charset="0"/>
+              </a:rPr>
+              <a:t>            THEN</a:t>
+            </a:r>
+          </a:p>
+          <a:p>
+            <a:r>
+              <a:rPr lang="ru-RU" sz="1600" dirty="0">
+                <a:latin typeface="Lucida Console" panose="020B0609040504020204" pitchFamily="49" charset="0"/>
+              </a:rPr>
+              <a:t>              BEGIN</a:t>
+            </a:r>
+          </a:p>
+          <a:p>
+            <a:r>
+              <a:rPr lang="ru-RU" sz="1600" dirty="0">
+                <a:latin typeface="Lucida Console" panose="020B0609040504020204" pitchFamily="49" charset="0"/>
+              </a:rPr>
+              <a:t>                WRITELN(OUTPUT, </a:t>
+            </a:r>
+            <a:r>
+              <a:rPr lang="ru-RU" sz="1600" dirty="0" err="1">
+                <a:latin typeface="Lucida Console" panose="020B0609040504020204" pitchFamily="49" charset="0"/>
+              </a:rPr>
+              <a:t>Ch</a:t>
+            </a:r>
+            <a:r>
+              <a:rPr lang="ru-RU" sz="1600" dirty="0">
+                <a:latin typeface="Lucida Console" panose="020B0609040504020204" pitchFamily="49" charset="0"/>
+              </a:rPr>
+              <a:t>, ': ', </a:t>
+            </a:r>
+            <a:r>
+              <a:rPr lang="ru-RU" sz="1600" dirty="0" err="1">
+                <a:latin typeface="Lucida Console" panose="020B0609040504020204" pitchFamily="49" charset="0"/>
+              </a:rPr>
+              <a:t>Stat</a:t>
+            </a:r>
+            <a:r>
+              <a:rPr lang="ru-RU" sz="1600" dirty="0">
+                <a:latin typeface="Lucida Console" panose="020B0609040504020204" pitchFamily="49" charset="0"/>
+              </a:rPr>
+              <a:t>[</a:t>
+            </a:r>
+            <a:r>
+              <a:rPr lang="ru-RU" sz="1600" dirty="0" err="1">
+                <a:latin typeface="Lucida Console" panose="020B0609040504020204" pitchFamily="49" charset="0"/>
+              </a:rPr>
+              <a:t>Ch</a:t>
+            </a:r>
+            <a:r>
+              <a:rPr lang="ru-RU" sz="1600" dirty="0">
+                <a:latin typeface="Lucida Console" panose="020B0609040504020204" pitchFamily="49" charset="0"/>
+              </a:rPr>
+              <a:t>]);</a:t>
+            </a:r>
+          </a:p>
+          <a:p>
+            <a:r>
+              <a:rPr lang="ru-RU" sz="1600" dirty="0">
+                <a:latin typeface="Lucida Console" panose="020B0609040504020204" pitchFamily="49" charset="0"/>
+              </a:rPr>
+              <a:t>                </a:t>
+            </a:r>
+            <a:r>
+              <a:rPr lang="ru-RU" sz="1600" dirty="0" err="1">
+                <a:latin typeface="Lucida Console" panose="020B0609040504020204" pitchFamily="49" charset="0"/>
+              </a:rPr>
+              <a:t>Stat</a:t>
+            </a:r>
+            <a:r>
+              <a:rPr lang="ru-RU" sz="1600" dirty="0">
+                <a:latin typeface="Lucida Console" panose="020B0609040504020204" pitchFamily="49" charset="0"/>
+              </a:rPr>
+              <a:t>[</a:t>
+            </a:r>
+            <a:r>
+              <a:rPr lang="ru-RU" sz="1600" dirty="0" err="1">
+                <a:latin typeface="Lucida Console" panose="020B0609040504020204" pitchFamily="49" charset="0"/>
+              </a:rPr>
+              <a:t>Ch</a:t>
+            </a:r>
+            <a:r>
+              <a:rPr lang="ru-RU" sz="1600" dirty="0">
+                <a:latin typeface="Lucida Console" panose="020B0609040504020204" pitchFamily="49" charset="0"/>
+              </a:rPr>
+              <a:t>] := 0</a:t>
+            </a:r>
+          </a:p>
+          <a:p>
+            <a:r>
+              <a:rPr lang="ru-RU" sz="1600" dirty="0">
+                <a:latin typeface="Lucida Console" panose="020B0609040504020204" pitchFamily="49" charset="0"/>
+              </a:rPr>
+              <a:t>              END</a:t>
+            </a:r>
+          </a:p>
+          <a:p>
+            <a:r>
+              <a:rPr lang="ru-RU" sz="1600" dirty="0">
+                <a:latin typeface="Lucida Console" panose="020B0609040504020204" pitchFamily="49" charset="0"/>
+              </a:rPr>
+              <a:t>          END;</a:t>
+            </a:r>
+          </a:p>
+          <a:p>
+            <a:r>
+              <a:rPr lang="ru-RU" sz="1600" dirty="0">
+                <a:latin typeface="Lucida Console" panose="020B0609040504020204" pitchFamily="49" charset="0"/>
+              </a:rPr>
+              <a:t>        </a:t>
+            </a:r>
+            <a:r>
+              <a:rPr lang="ru-RU" sz="1600" dirty="0" err="1">
+                <a:latin typeface="Lucida Console" panose="020B0609040504020204" pitchFamily="49" charset="0"/>
+              </a:rPr>
+              <a:t>Maximum</a:t>
+            </a:r>
+            <a:r>
+              <a:rPr lang="ru-RU" sz="1600" dirty="0">
+                <a:latin typeface="Lucida Console" panose="020B0609040504020204" pitchFamily="49" charset="0"/>
+              </a:rPr>
+              <a:t> := </a:t>
+            </a:r>
+            <a:r>
+              <a:rPr lang="ru-RU" sz="1600" dirty="0" err="1">
+                <a:latin typeface="Lucida Console" panose="020B0609040504020204" pitchFamily="49" charset="0"/>
+              </a:rPr>
+              <a:t>GetArrayMaximum</a:t>
+            </a:r>
+            <a:r>
+              <a:rPr lang="ru-RU" sz="1600" dirty="0">
+                <a:latin typeface="Lucida Console" panose="020B0609040504020204" pitchFamily="49" charset="0"/>
+              </a:rPr>
+              <a:t>(</a:t>
+            </a:r>
+            <a:r>
+              <a:rPr lang="ru-RU" sz="1600" dirty="0" err="1">
+                <a:latin typeface="Lucida Console" panose="020B0609040504020204" pitchFamily="49" charset="0"/>
+              </a:rPr>
+              <a:t>Stat</a:t>
+            </a:r>
+            <a:r>
+              <a:rPr lang="ru-RU" sz="1600" dirty="0">
+                <a:latin typeface="Lucida Console" panose="020B0609040504020204" pitchFamily="49" charset="0"/>
+              </a:rPr>
+              <a:t>)</a:t>
+            </a:r>
+          </a:p>
+          <a:p>
+            <a:r>
+              <a:rPr lang="ru-RU" sz="1600" dirty="0">
+                <a:latin typeface="Lucida Console" panose="020B0609040504020204" pitchFamily="49" charset="0"/>
+              </a:rPr>
+              <a:t>      END</a:t>
+            </a:r>
+          </a:p>
+          <a:p>
+            <a:r>
+              <a:rPr lang="ru-RU" sz="1600" dirty="0">
+                <a:latin typeface="Lucida Console" panose="020B0609040504020204" pitchFamily="49" charset="0"/>
+              </a:rPr>
+              <a:t>END;</a:t>
+            </a:r>
+          </a:p>
+        </p:txBody>
+      </p:sp>
+    </p:spTree>
+    <p:extLst>
+      <p:ext uri="{BB962C8B-B14F-4D97-AF65-F5344CB8AC3E}">
+        <p14:creationId xmlns:p14="http://schemas.microsoft.com/office/powerpoint/2010/main" val="690209835"/>
+      </p:ext>
+    </p:extLst>
+  </p:cSld>
+  <p:clrMapOvr>
+    <a:masterClrMapping/>
+  </p:clrMapOvr>
+</p:sld>
+</file>
+
+<file path=ppt/slides/slide42.xml><?xml version="1.0" encoding="utf-8"?>
+<p:sld xmlns:a="http://schemas.openxmlformats.org/drawingml/2006/main" xmlns:r="http://schemas.openxmlformats.org/officeDocument/2006/relationships" xmlns:p="http://schemas.openxmlformats.org/presentationml/2006/main">
+  <p:cSld>
+    <p:spTree>
+      <p:nvGrpSpPr>
+        <p:cNvPr id="1" name=""/>
+        <p:cNvGrpSpPr/>
+        <p:nvPr/>
+      </p:nvGrpSpPr>
+      <p:grpSpPr>
+        <a:xfrm>
+          <a:off x="0" y="0"/>
+          <a:ext cx="0" cy="0"/>
+          <a:chOff x="0" y="0"/>
+          <a:chExt cx="0" cy="0"/>
+        </a:xfrm>
+      </p:grpSpPr>
+      <p:sp>
+        <p:nvSpPr>
+          <p:cNvPr id="2" name="Rectangle 1"/>
+          <p:cNvSpPr/>
+          <p:nvPr/>
+        </p:nvSpPr>
+        <p:spPr>
+          <a:xfrm>
+            <a:off x="165100" y="1166843"/>
+            <a:ext cx="8978900" cy="4247317"/>
+          </a:xfrm>
+          <a:prstGeom prst="rect">
+            <a:avLst/>
+          </a:prstGeom>
+        </p:spPr>
+        <p:txBody>
+          <a:bodyPr wrap="square">
+            <a:spAutoFit/>
+          </a:bodyPr>
+          <a:lstStyle/>
+          <a:p>
+            <a:r>
+              <a:rPr lang="ru-RU" dirty="0">
+                <a:latin typeface="Lucida Console" panose="020B0609040504020204" pitchFamily="49" charset="0"/>
+              </a:rPr>
+              <a:t>FUNCTION </a:t>
+            </a:r>
+            <a:r>
+              <a:rPr lang="ru-RU" dirty="0" err="1">
+                <a:latin typeface="Lucida Console" panose="020B0609040504020204" pitchFamily="49" charset="0"/>
+              </a:rPr>
+              <a:t>GetArrayMaximum</a:t>
+            </a:r>
+            <a:r>
+              <a:rPr lang="ru-RU" dirty="0">
+                <a:latin typeface="Lucida Console" panose="020B0609040504020204" pitchFamily="49" charset="0"/>
+              </a:rPr>
+              <a:t>(VAR </a:t>
+            </a:r>
+            <a:r>
+              <a:rPr lang="ru-RU" dirty="0" err="1">
+                <a:latin typeface="Lucida Console" panose="020B0609040504020204" pitchFamily="49" charset="0"/>
+              </a:rPr>
+              <a:t>Stat</a:t>
+            </a:r>
+            <a:r>
+              <a:rPr lang="ru-RU" dirty="0">
+                <a:latin typeface="Lucida Console" panose="020B0609040504020204" pitchFamily="49" charset="0"/>
+              </a:rPr>
+              <a:t>: </a:t>
+            </a:r>
+            <a:r>
+              <a:rPr lang="ru-RU" dirty="0" err="1">
+                <a:latin typeface="Lucida Console" panose="020B0609040504020204" pitchFamily="49" charset="0"/>
+              </a:rPr>
+              <a:t>StatType</a:t>
+            </a:r>
+            <a:r>
+              <a:rPr lang="ru-RU" dirty="0">
+                <a:latin typeface="Lucida Console" panose="020B0609040504020204" pitchFamily="49" charset="0"/>
+              </a:rPr>
+              <a:t>): INTEGER;</a:t>
+            </a:r>
+          </a:p>
+          <a:p>
+            <a:r>
+              <a:rPr lang="ru-RU" dirty="0">
+                <a:latin typeface="Lucida Console" panose="020B0609040504020204" pitchFamily="49" charset="0"/>
+              </a:rPr>
+              <a:t>VAR</a:t>
+            </a:r>
+          </a:p>
+          <a:p>
+            <a:r>
+              <a:rPr lang="ru-RU" dirty="0">
+                <a:latin typeface="Lucida Console" panose="020B0609040504020204" pitchFamily="49" charset="0"/>
+              </a:rPr>
+              <a:t>  </a:t>
+            </a:r>
+            <a:r>
+              <a:rPr lang="ru-RU" dirty="0" err="1">
+                <a:latin typeface="Lucida Console" panose="020B0609040504020204" pitchFamily="49" charset="0"/>
+              </a:rPr>
+              <a:t>Ch</a:t>
+            </a:r>
+            <a:r>
+              <a:rPr lang="ru-RU" dirty="0">
+                <a:latin typeface="Lucida Console" panose="020B0609040504020204" pitchFamily="49" charset="0"/>
+              </a:rPr>
+              <a:t>: CHAR;</a:t>
+            </a:r>
+          </a:p>
+          <a:p>
+            <a:r>
+              <a:rPr lang="ru-RU" dirty="0">
+                <a:latin typeface="Lucida Console" panose="020B0609040504020204" pitchFamily="49" charset="0"/>
+              </a:rPr>
+              <a:t>  </a:t>
+            </a:r>
+            <a:r>
+              <a:rPr lang="ru-RU" dirty="0" err="1">
+                <a:latin typeface="Lucida Console" panose="020B0609040504020204" pitchFamily="49" charset="0"/>
+              </a:rPr>
+              <a:t>Maximum</a:t>
+            </a:r>
+            <a:r>
+              <a:rPr lang="ru-RU" dirty="0">
+                <a:latin typeface="Lucida Console" panose="020B0609040504020204" pitchFamily="49" charset="0"/>
+              </a:rPr>
+              <a:t>: INTEGER;</a:t>
+            </a:r>
+          </a:p>
+          <a:p>
+            <a:r>
+              <a:rPr lang="ru-RU" dirty="0">
+                <a:latin typeface="Lucida Console" panose="020B0609040504020204" pitchFamily="49" charset="0"/>
+              </a:rPr>
+              <a:t>BEGIN </a:t>
+            </a:r>
+          </a:p>
+          <a:p>
+            <a:r>
+              <a:rPr lang="ru-RU" dirty="0">
+                <a:latin typeface="Lucida Console" panose="020B0609040504020204" pitchFamily="49" charset="0"/>
+              </a:rPr>
+              <a:t>  </a:t>
+            </a:r>
+            <a:r>
+              <a:rPr lang="ru-RU" dirty="0" err="1">
+                <a:latin typeface="Lucida Console" panose="020B0609040504020204" pitchFamily="49" charset="0"/>
+              </a:rPr>
+              <a:t>Maximum</a:t>
+            </a:r>
+            <a:r>
+              <a:rPr lang="ru-RU" dirty="0">
+                <a:latin typeface="Lucida Console" panose="020B0609040504020204" pitchFamily="49" charset="0"/>
+              </a:rPr>
+              <a:t> := 0;</a:t>
+            </a:r>
+          </a:p>
+          <a:p>
+            <a:r>
+              <a:rPr lang="ru-RU" dirty="0">
+                <a:latin typeface="Lucida Console" panose="020B0609040504020204" pitchFamily="49" charset="0"/>
+              </a:rPr>
+              <a:t>  FOR </a:t>
+            </a:r>
+            <a:r>
+              <a:rPr lang="ru-RU" dirty="0" err="1">
+                <a:latin typeface="Lucida Console" panose="020B0609040504020204" pitchFamily="49" charset="0"/>
+              </a:rPr>
+              <a:t>Ch</a:t>
+            </a:r>
+            <a:r>
+              <a:rPr lang="ru-RU" dirty="0">
+                <a:latin typeface="Lucida Console" panose="020B0609040504020204" pitchFamily="49" charset="0"/>
+              </a:rPr>
+              <a:t> := 'A' TO 'Z'</a:t>
+            </a:r>
+          </a:p>
+          <a:p>
+            <a:r>
+              <a:rPr lang="ru-RU" dirty="0">
+                <a:latin typeface="Lucida Console" panose="020B0609040504020204" pitchFamily="49" charset="0"/>
+              </a:rPr>
+              <a:t>  DO</a:t>
+            </a:r>
+          </a:p>
+          <a:p>
+            <a:r>
+              <a:rPr lang="ru-RU" dirty="0">
+                <a:latin typeface="Lucida Console" panose="020B0609040504020204" pitchFamily="49" charset="0"/>
+              </a:rPr>
+              <a:t>    BEGIN</a:t>
+            </a:r>
+          </a:p>
+          <a:p>
+            <a:r>
+              <a:rPr lang="ru-RU" dirty="0">
+                <a:latin typeface="Lucida Console" panose="020B0609040504020204" pitchFamily="49" charset="0"/>
+              </a:rPr>
+              <a:t>      IF </a:t>
+            </a:r>
+            <a:r>
+              <a:rPr lang="ru-RU" dirty="0" err="1">
+                <a:latin typeface="Lucida Console" panose="020B0609040504020204" pitchFamily="49" charset="0"/>
+              </a:rPr>
+              <a:t>Stat</a:t>
+            </a:r>
+            <a:r>
+              <a:rPr lang="ru-RU" dirty="0">
+                <a:latin typeface="Lucida Console" panose="020B0609040504020204" pitchFamily="49" charset="0"/>
+              </a:rPr>
+              <a:t>[</a:t>
+            </a:r>
+            <a:r>
+              <a:rPr lang="ru-RU" dirty="0" err="1">
+                <a:latin typeface="Lucida Console" panose="020B0609040504020204" pitchFamily="49" charset="0"/>
+              </a:rPr>
+              <a:t>Ch</a:t>
+            </a:r>
+            <a:r>
+              <a:rPr lang="ru-RU" dirty="0">
+                <a:latin typeface="Lucida Console" panose="020B0609040504020204" pitchFamily="49" charset="0"/>
+              </a:rPr>
+              <a:t>] &gt; </a:t>
+            </a:r>
+            <a:r>
+              <a:rPr lang="ru-RU" dirty="0" err="1">
+                <a:latin typeface="Lucida Console" panose="020B0609040504020204" pitchFamily="49" charset="0"/>
+              </a:rPr>
+              <a:t>Maximum</a:t>
+            </a:r>
+            <a:endParaRPr lang="ru-RU" dirty="0">
+              <a:latin typeface="Lucida Console" panose="020B0609040504020204" pitchFamily="49" charset="0"/>
+            </a:endParaRPr>
+          </a:p>
+          <a:p>
+            <a:r>
+              <a:rPr lang="ru-RU" dirty="0">
+                <a:latin typeface="Lucida Console" panose="020B0609040504020204" pitchFamily="49" charset="0"/>
+              </a:rPr>
+              <a:t>      THEN</a:t>
+            </a:r>
+          </a:p>
+          <a:p>
+            <a:r>
+              <a:rPr lang="ru-RU" dirty="0">
+                <a:latin typeface="Lucida Console" panose="020B0609040504020204" pitchFamily="49" charset="0"/>
+              </a:rPr>
+              <a:t>        </a:t>
+            </a:r>
+            <a:r>
+              <a:rPr lang="ru-RU" dirty="0" err="1">
+                <a:latin typeface="Lucida Console" panose="020B0609040504020204" pitchFamily="49" charset="0"/>
+              </a:rPr>
+              <a:t>Maximum</a:t>
+            </a:r>
+            <a:r>
+              <a:rPr lang="ru-RU" dirty="0">
+                <a:latin typeface="Lucida Console" panose="020B0609040504020204" pitchFamily="49" charset="0"/>
+              </a:rPr>
+              <a:t> := </a:t>
+            </a:r>
+            <a:r>
+              <a:rPr lang="ru-RU" dirty="0" err="1">
+                <a:latin typeface="Lucida Console" panose="020B0609040504020204" pitchFamily="49" charset="0"/>
+              </a:rPr>
+              <a:t>Stat</a:t>
+            </a:r>
+            <a:r>
+              <a:rPr lang="ru-RU" dirty="0">
+                <a:latin typeface="Lucida Console" panose="020B0609040504020204" pitchFamily="49" charset="0"/>
+              </a:rPr>
+              <a:t>[</a:t>
+            </a:r>
+            <a:r>
+              <a:rPr lang="ru-RU" dirty="0" err="1">
+                <a:latin typeface="Lucida Console" panose="020B0609040504020204" pitchFamily="49" charset="0"/>
+              </a:rPr>
+              <a:t>Ch</a:t>
+            </a:r>
+            <a:r>
+              <a:rPr lang="ru-RU" dirty="0">
+                <a:latin typeface="Lucida Console" panose="020B0609040504020204" pitchFamily="49" charset="0"/>
+              </a:rPr>
+              <a:t>]</a:t>
+            </a:r>
+          </a:p>
+          <a:p>
+            <a:r>
+              <a:rPr lang="ru-RU" dirty="0">
+                <a:latin typeface="Lucida Console" panose="020B0609040504020204" pitchFamily="49" charset="0"/>
+              </a:rPr>
+              <a:t>    END;</a:t>
+            </a:r>
+          </a:p>
+          <a:p>
+            <a:r>
+              <a:rPr lang="ru-RU" dirty="0">
+                <a:latin typeface="Lucida Console" panose="020B0609040504020204" pitchFamily="49" charset="0"/>
+              </a:rPr>
+              <a:t>  </a:t>
+            </a:r>
+            <a:r>
+              <a:rPr lang="ru-RU" dirty="0" err="1">
+                <a:latin typeface="Lucida Console" panose="020B0609040504020204" pitchFamily="49" charset="0"/>
+              </a:rPr>
+              <a:t>GetArrayMaximum</a:t>
+            </a:r>
+            <a:r>
+              <a:rPr lang="ru-RU" dirty="0">
+                <a:latin typeface="Lucida Console" panose="020B0609040504020204" pitchFamily="49" charset="0"/>
+              </a:rPr>
+              <a:t> := </a:t>
+            </a:r>
+            <a:r>
+              <a:rPr lang="ru-RU" dirty="0" err="1">
+                <a:latin typeface="Lucida Console" panose="020B0609040504020204" pitchFamily="49" charset="0"/>
+              </a:rPr>
+              <a:t>Maximum</a:t>
+            </a:r>
+            <a:endParaRPr lang="ru-RU" dirty="0">
+              <a:latin typeface="Lucida Console" panose="020B0609040504020204" pitchFamily="49" charset="0"/>
+            </a:endParaRPr>
+          </a:p>
+          <a:p>
+            <a:r>
+              <a:rPr lang="ru-RU" dirty="0">
+                <a:latin typeface="Lucida Console" panose="020B0609040504020204" pitchFamily="49" charset="0"/>
+              </a:rPr>
+              <a:t>END;</a:t>
+            </a:r>
+          </a:p>
+        </p:txBody>
+      </p:sp>
+    </p:spTree>
+    <p:extLst>
+      <p:ext uri="{BB962C8B-B14F-4D97-AF65-F5344CB8AC3E}">
+        <p14:creationId xmlns:p14="http://schemas.microsoft.com/office/powerpoint/2010/main" val="2293675203"/>
+      </p:ext>
+    </p:extLst>
+  </p:cSld>
+  <p:clrMapOvr>
+    <a:masterClrMapping/>
+  </p:clrMapOvr>
 </p:sld>
 </file>
 
@@ -22215,11 +26223,7 @@
             <a:pPr lvl="1"/>
             <a:r>
               <a:rPr lang="ru-RU" dirty="0" smtClean="0"/>
-              <a:t>У нас есть программа и она работает</a:t>
-            </a:r>
-            <a:r>
-              <a:rPr lang="ru-RU" dirty="0" smtClean="0"/>
-              <a:t>!</a:t>
+              <a:t>У нас есть программа и она работает!</a:t>
             </a:r>
           </a:p>
           <a:p>
@@ -22228,7 +26232,6 @@
               <a:rPr lang="ru-RU" dirty="0" smtClean="0"/>
               <a:t>Проходит 20% «хороших» и 0% «плохих» тестов</a:t>
             </a:r>
-            <a:endParaRPr lang="ru-RU" dirty="0" smtClean="0"/>
           </a:p>
           <a:p>
             <a:pPr lvl="1"/>
